--- a/files/Service Mesh.pptx
+++ b/files/Service Mesh.pptx
@@ -5,10 +5,10 @@
     <p:sldMasterId id="2147483712" r:id="rId1"/>
   </p:sldMasterIdLst>
   <p:notesMasterIdLst>
-    <p:notesMasterId r:id="rId14"/>
+    <p:notesMasterId r:id="rId22"/>
   </p:notesMasterIdLst>
   <p:handoutMasterIdLst>
-    <p:handoutMasterId r:id="rId15"/>
+    <p:handoutMasterId r:id="rId23"/>
   </p:handoutMasterIdLst>
   <p:sldIdLst>
     <p:sldId id="257" r:id="rId2"/>
@@ -23,6 +23,14 @@
     <p:sldId id="267" r:id="rId11"/>
     <p:sldId id="265" r:id="rId12"/>
     <p:sldId id="268" r:id="rId13"/>
+    <p:sldId id="269" r:id="rId14"/>
+    <p:sldId id="270" r:id="rId15"/>
+    <p:sldId id="271" r:id="rId16"/>
+    <p:sldId id="272" r:id="rId17"/>
+    <p:sldId id="273" r:id="rId18"/>
+    <p:sldId id="274" r:id="rId19"/>
+    <p:sldId id="275" r:id="rId20"/>
+    <p:sldId id="276" r:id="rId21"/>
   </p:sldIdLst>
   <p:sldSz cx="12192000" cy="6858000"/>
   <p:notesSz cx="6858000" cy="9144000"/>
@@ -5603,7 +5611,7 @@
             <a:pPr rtl="0"/>
             <a:fld id="{3FDE3333-857A-4131-9EBA-B73C0C259FD7}" type="datetime1">
               <a:rPr lang="zh-CN" altLang="en-US" smtClean="0"/>
-              <a:t>2020/3/30</a:t>
+              <a:t>2020/4/10</a:t>
             </a:fld>
             <a:endParaRPr lang="en-US"/>
           </a:p>
@@ -5773,7 +5781,7 @@
             <a:pPr rtl="0"/>
             <a:fld id="{8CD12D00-6AAC-4A94-B2E5-A12E9C579B03}" type="datetime1">
               <a:rPr lang="zh-CN" altLang="en-US" smtClean="0"/>
-              <a:t>2020/3/30</a:t>
+              <a:t>2020/4/10</a:t>
             </a:fld>
             <a:endParaRPr lang="en-US"/>
           </a:p>
@@ -6287,7 +6295,7 @@
             <a:pPr rtl="0"/>
             <a:fld id="{73594A98-8FB4-4076-AE7B-5D3B1A2CBC70}" type="datetime1">
               <a:rPr lang="zh-CN" altLang="en-US" smtClean="0"/>
-              <a:t>2020/3/30</a:t>
+              <a:t>2020/4/10</a:t>
             </a:fld>
             <a:endParaRPr lang="en-US" dirty="0"/>
           </a:p>
@@ -6494,7 +6502,7 @@
             <a:pPr rtl="0"/>
             <a:fld id="{B3E0F2F7-3EF1-4761-ABAF-2FA9DDE4F1A8}" type="datetime1">
               <a:rPr lang="zh-CN" altLang="en-US" smtClean="0"/>
-              <a:t>2020/3/30</a:t>
+              <a:t>2020/4/10</a:t>
             </a:fld>
             <a:endParaRPr lang="en-US" dirty="0"/>
           </a:p>
@@ -6860,7 +6868,7 @@
             <a:pPr rtl="0"/>
             <a:fld id="{D563FC6D-277D-4D53-8EB6-E41026A24247}" type="datetime1">
               <a:rPr lang="zh-CN" altLang="en-US" smtClean="0"/>
-              <a:t>2020/3/30</a:t>
+              <a:t>2020/4/10</a:t>
             </a:fld>
             <a:endParaRPr lang="en-US" dirty="0"/>
           </a:p>
@@ -7062,7 +7070,7 @@
             <a:pPr rtl="0"/>
             <a:fld id="{F24FFC25-0C05-49C8-B150-3CF6B89B5C55}" type="datetime1">
               <a:rPr lang="zh-CN" altLang="en-US" smtClean="0"/>
-              <a:t>2020/3/30</a:t>
+              <a:t>2020/4/10</a:t>
             </a:fld>
             <a:endParaRPr lang="en-US" dirty="0"/>
           </a:p>
@@ -7378,7 +7386,7 @@
             <a:pPr rtl="0"/>
             <a:fld id="{DFC14310-5240-428A-850A-F7101D16AE5A}" type="datetime1">
               <a:rPr lang="zh-CN" altLang="en-US" smtClean="0"/>
-              <a:t>2020/3/30</a:t>
+              <a:t>2020/4/10</a:t>
             </a:fld>
             <a:endParaRPr lang="en-US" dirty="0"/>
           </a:p>
@@ -7635,7 +7643,7 @@
             <a:pPr rtl="0"/>
             <a:fld id="{71F85B13-09B0-4D01-A286-57280995F924}" type="datetime1">
               <a:rPr lang="zh-CN" altLang="en-US" smtClean="0"/>
-              <a:t>2020/3/30</a:t>
+              <a:t>2020/4/10</a:t>
             </a:fld>
             <a:endParaRPr lang="en-US" dirty="0"/>
           </a:p>
@@ -8061,7 +8069,7 @@
             <a:pPr rtl="0"/>
             <a:fld id="{F411FE78-D258-4188-9C5F-198CC4CE7F12}" type="datetime1">
               <a:rPr lang="zh-CN" altLang="en-US" smtClean="0"/>
-              <a:t>2020/3/30</a:t>
+              <a:t>2020/4/10</a:t>
             </a:fld>
             <a:endParaRPr lang="en-US" dirty="0"/>
           </a:p>
@@ -8188,7 +8196,7 @@
             <a:pPr rtl="0"/>
             <a:fld id="{BE491C52-D618-41DD-80F2-22500A780186}" type="datetime1">
               <a:rPr lang="zh-CN" altLang="en-US" smtClean="0"/>
-              <a:t>2020/3/30</a:t>
+              <a:t>2020/4/10</a:t>
             </a:fld>
             <a:endParaRPr lang="en-US" dirty="0"/>
           </a:p>
@@ -8286,7 +8294,7 @@
             <a:pPr rtl="0"/>
             <a:fld id="{26EE3488-748A-4EA8-9571-9D5A1694FA0A}" type="datetime1">
               <a:rPr lang="zh-CN" altLang="en-US" smtClean="0"/>
-              <a:t>2020/3/30</a:t>
+              <a:t>2020/4/10</a:t>
             </a:fld>
             <a:endParaRPr lang="en-US" dirty="0"/>
           </a:p>
@@ -8667,7 +8675,7 @@
             <a:pPr rtl="0"/>
             <a:fld id="{D7791703-7779-4492-8183-3F96B27D2540}" type="datetime1">
               <a:rPr lang="zh-CN" altLang="en-US" smtClean="0"/>
-              <a:t>2020/3/30</a:t>
+              <a:t>2020/4/10</a:t>
             </a:fld>
             <a:endParaRPr lang="en-US" dirty="0"/>
           </a:p>
@@ -8965,7 +8973,7 @@
             <a:pPr rtl="0"/>
             <a:fld id="{D4D22F12-409A-40D9-8774-D34C978752A7}" type="datetime1">
               <a:rPr lang="zh-CN" altLang="en-US" smtClean="0"/>
-              <a:t>2020/3/30</a:t>
+              <a:t>2020/4/10</a:t>
             </a:fld>
             <a:endParaRPr lang="en-US" dirty="0"/>
           </a:p>
@@ -9184,7 +9192,7 @@
           <a:p>
             <a:fld id="{4400FF2F-BAC0-4F33-9E13-F8F6FA55A14D}" type="datetime1">
               <a:rPr lang="zh-CN" altLang="en-US" smtClean="0"/>
-              <a:t>2020/3/30</a:t>
+              <a:t>2020/4/10</a:t>
             </a:fld>
             <a:endParaRPr lang="en-US" dirty="0"/>
           </a:p>
@@ -10216,7 +10224,7 @@
             <a:pPr rtl="0"/>
             <a:fld id="{F24FFC25-0C05-49C8-B150-3CF6B89B5C55}" type="datetime1">
               <a:rPr lang="zh-CN" altLang="en-US" smtClean="0"/>
-              <a:t>2020/3/30</a:t>
+              <a:t>2020/4/10</a:t>
             </a:fld>
             <a:endParaRPr lang="en-US" dirty="0"/>
           </a:p>
@@ -10910,7 +10918,7 @@
             <a:pPr rtl="0"/>
             <a:fld id="{F24FFC25-0C05-49C8-B150-3CF6B89B5C55}" type="datetime1">
               <a:rPr lang="zh-CN" altLang="en-US" smtClean="0"/>
-              <a:t>2020/3/30</a:t>
+              <a:t>2020/4/10</a:t>
             </a:fld>
             <a:endParaRPr lang="en-US" dirty="0"/>
           </a:p>
@@ -11041,7 +11049,7 @@
             <a:pPr rtl="0"/>
             <a:fld id="{F24FFC25-0C05-49C8-B150-3CF6B89B5C55}" type="datetime1">
               <a:rPr lang="zh-CN" altLang="en-US" smtClean="0"/>
-              <a:t>2020/3/30</a:t>
+              <a:t>2020/4/10</a:t>
             </a:fld>
             <a:endParaRPr lang="en-US" dirty="0"/>
           </a:p>
@@ -11051,6 +11059,4926 @@
     <p:extLst>
       <p:ext uri="{BB962C8B-B14F-4D97-AF65-F5344CB8AC3E}">
         <p14:creationId xmlns:p14="http://schemas.microsoft.com/office/powerpoint/2010/main" val="3875312775"/>
+      </p:ext>
+    </p:extLst>
+  </p:cSld>
+  <p:clrMapOvr>
+    <a:masterClrMapping/>
+  </p:clrMapOvr>
+</p:sld>
+</file>
+
+<file path=ppt/slides/slide13.xml><?xml version="1.0" encoding="utf-8"?>
+<p:sld xmlns:a="http://schemas.openxmlformats.org/drawingml/2006/main" xmlns:r="http://schemas.openxmlformats.org/officeDocument/2006/relationships" xmlns:p="http://schemas.openxmlformats.org/presentationml/2006/main">
+  <p:cSld>
+    <p:spTree>
+      <p:nvGrpSpPr>
+        <p:cNvPr id="1" name=""/>
+        <p:cNvGrpSpPr/>
+        <p:nvPr/>
+      </p:nvGrpSpPr>
+      <p:grpSpPr>
+        <a:xfrm>
+          <a:off x="0" y="0"/>
+          <a:ext cx="0" cy="0"/>
+          <a:chOff x="0" y="0"/>
+          <a:chExt cx="0" cy="0"/>
+        </a:xfrm>
+      </p:grpSpPr>
+      <p:sp>
+        <p:nvSpPr>
+          <p:cNvPr id="2" name="标题 1">
+            <a:extLst>
+              <a:ext uri="{FF2B5EF4-FFF2-40B4-BE49-F238E27FC236}">
+                <a16:creationId xmlns:a16="http://schemas.microsoft.com/office/drawing/2014/main" id="{55495BB5-5DC7-48BE-B6A9-0D6D9C91C7BF}"/>
+              </a:ext>
+            </a:extLst>
+          </p:cNvPr>
+          <p:cNvSpPr>
+            <a:spLocks noGrp="1"/>
+          </p:cNvSpPr>
+          <p:nvPr>
+            <p:ph type="title"/>
+          </p:nvPr>
+        </p:nvSpPr>
+        <p:spPr/>
+        <p:txBody>
+          <a:bodyPr/>
+          <a:lstStyle/>
+          <a:p>
+            <a:r>
+              <a:rPr lang="en-US" altLang="zh-CN" b="0" dirty="0" err="1"/>
+              <a:t>Istio</a:t>
+            </a:r>
+            <a:r>
+              <a:rPr lang="en-US" altLang="zh-CN" b="0" dirty="0"/>
+              <a:t> </a:t>
+            </a:r>
+            <a:r>
+              <a:rPr lang="zh-CN" altLang="en-US" b="0" dirty="0"/>
+              <a:t>主要提供以下功能</a:t>
+            </a:r>
+            <a:endParaRPr lang="zh-CN" altLang="en-US" dirty="0"/>
+          </a:p>
+        </p:txBody>
+      </p:sp>
+      <p:sp>
+        <p:nvSpPr>
+          <p:cNvPr id="3" name="内容占位符 2">
+            <a:extLst>
+              <a:ext uri="{FF2B5EF4-FFF2-40B4-BE49-F238E27FC236}">
+                <a16:creationId xmlns:a16="http://schemas.microsoft.com/office/drawing/2014/main" id="{C35D8B19-57FE-40AB-A924-BA752339C30E}"/>
+              </a:ext>
+            </a:extLst>
+          </p:cNvPr>
+          <p:cNvSpPr>
+            <a:spLocks noGrp="1"/>
+          </p:cNvSpPr>
+          <p:nvPr>
+            <p:ph idx="1"/>
+          </p:nvPr>
+        </p:nvSpPr>
+        <p:spPr/>
+        <p:txBody>
+          <a:bodyPr/>
+          <a:lstStyle/>
+          <a:p>
+            <a:r>
+              <a:rPr lang="zh-CN" altLang="en-US" dirty="0"/>
+              <a:t>流量管理，控制服务之间调用的流量和</a:t>
+            </a:r>
+            <a:r>
+              <a:rPr lang="en-US" altLang="zh-CN" dirty="0"/>
+              <a:t>API</a:t>
+            </a:r>
+            <a:r>
+              <a:rPr lang="zh-CN" altLang="en-US" dirty="0"/>
+              <a:t>调用，使得调用更可靠，并使网络在恶劣情况下更加健壮；</a:t>
+            </a:r>
+          </a:p>
+          <a:p>
+            <a:r>
+              <a:rPr lang="zh-CN" altLang="en-US" dirty="0"/>
+              <a:t>可观测性，获取服务之间的依赖，以及服务调用的流量走向，从而提供快速识别问题的能力；</a:t>
+            </a:r>
+          </a:p>
+          <a:p>
+            <a:r>
+              <a:rPr lang="zh-CN" altLang="en-US" dirty="0"/>
+              <a:t>策略执行，控制服务的访问策略，不需要改动服务本身。</a:t>
+            </a:r>
+          </a:p>
+          <a:p>
+            <a:endParaRPr lang="zh-CN" altLang="en-US" dirty="0"/>
+          </a:p>
+        </p:txBody>
+      </p:sp>
+      <p:sp>
+        <p:nvSpPr>
+          <p:cNvPr id="4" name="日期占位符 3">
+            <a:extLst>
+              <a:ext uri="{FF2B5EF4-FFF2-40B4-BE49-F238E27FC236}">
+                <a16:creationId xmlns:a16="http://schemas.microsoft.com/office/drawing/2014/main" id="{693CD2F0-CFD4-4DC7-A383-E44FAA6C7418}"/>
+              </a:ext>
+            </a:extLst>
+          </p:cNvPr>
+          <p:cNvSpPr>
+            <a:spLocks noGrp="1"/>
+          </p:cNvSpPr>
+          <p:nvPr>
+            <p:ph type="dt" sz="half" idx="10"/>
+          </p:nvPr>
+        </p:nvSpPr>
+        <p:spPr/>
+        <p:txBody>
+          <a:bodyPr/>
+          <a:lstStyle/>
+          <a:p>
+            <a:pPr rtl="0"/>
+            <a:fld id="{F24FFC25-0C05-49C8-B150-3CF6B89B5C55}" type="datetime1">
+              <a:rPr lang="zh-CN" altLang="en-US" smtClean="0"/>
+              <a:t>2020/4/10</a:t>
+            </a:fld>
+            <a:endParaRPr lang="en-US" dirty="0"/>
+          </a:p>
+        </p:txBody>
+      </p:sp>
+    </p:spTree>
+    <p:extLst>
+      <p:ext uri="{BB962C8B-B14F-4D97-AF65-F5344CB8AC3E}">
+        <p14:creationId xmlns:p14="http://schemas.microsoft.com/office/powerpoint/2010/main" val="1497682878"/>
+      </p:ext>
+    </p:extLst>
+  </p:cSld>
+  <p:clrMapOvr>
+    <a:masterClrMapping/>
+  </p:clrMapOvr>
+</p:sld>
+</file>
+
+<file path=ppt/slides/slide14.xml><?xml version="1.0" encoding="utf-8"?>
+<p:sld xmlns:a="http://schemas.openxmlformats.org/drawingml/2006/main" xmlns:r="http://schemas.openxmlformats.org/officeDocument/2006/relationships" xmlns:p="http://schemas.openxmlformats.org/presentationml/2006/main">
+  <p:cSld>
+    <p:spTree>
+      <p:nvGrpSpPr>
+        <p:cNvPr id="1" name=""/>
+        <p:cNvGrpSpPr/>
+        <p:nvPr/>
+      </p:nvGrpSpPr>
+      <p:grpSpPr>
+        <a:xfrm>
+          <a:off x="0" y="0"/>
+          <a:ext cx="0" cy="0"/>
+          <a:chOff x="0" y="0"/>
+          <a:chExt cx="0" cy="0"/>
+        </a:xfrm>
+      </p:grpSpPr>
+      <p:sp>
+        <p:nvSpPr>
+          <p:cNvPr id="2" name="标题 1">
+            <a:extLst>
+              <a:ext uri="{FF2B5EF4-FFF2-40B4-BE49-F238E27FC236}">
+                <a16:creationId xmlns:a16="http://schemas.microsoft.com/office/drawing/2014/main" id="{B0E852C2-3824-4AD2-BBB6-C6F11623531B}"/>
+              </a:ext>
+            </a:extLst>
+          </p:cNvPr>
+          <p:cNvSpPr>
+            <a:spLocks noGrp="1"/>
+          </p:cNvSpPr>
+          <p:nvPr>
+            <p:ph type="title"/>
+          </p:nvPr>
+        </p:nvSpPr>
+        <p:spPr>
+          <a:xfrm>
+            <a:off x="416092" y="611428"/>
+            <a:ext cx="11029616" cy="542444"/>
+          </a:xfrm>
+        </p:spPr>
+        <p:txBody>
+          <a:bodyPr/>
+          <a:lstStyle/>
+          <a:p>
+            <a:r>
+              <a:rPr lang="zh-CN" altLang="en-US" dirty="0"/>
+              <a:t>核心功能</a:t>
+            </a:r>
+          </a:p>
+        </p:txBody>
+      </p:sp>
+      <p:sp>
+        <p:nvSpPr>
+          <p:cNvPr id="3" name="内容占位符 2">
+            <a:extLst>
+              <a:ext uri="{FF2B5EF4-FFF2-40B4-BE49-F238E27FC236}">
+                <a16:creationId xmlns:a16="http://schemas.microsoft.com/office/drawing/2014/main" id="{540F1838-9BF7-4A98-90D2-8A3B7E416E31}"/>
+              </a:ext>
+            </a:extLst>
+          </p:cNvPr>
+          <p:cNvSpPr>
+            <a:spLocks noGrp="1"/>
+          </p:cNvSpPr>
+          <p:nvPr>
+            <p:ph idx="1"/>
+          </p:nvPr>
+        </p:nvSpPr>
+        <p:spPr>
+          <a:xfrm>
+            <a:off x="581192" y="1854200"/>
+            <a:ext cx="11029615" cy="4121150"/>
+          </a:xfrm>
+        </p:spPr>
+        <p:txBody>
+          <a:bodyPr>
+            <a:normAutofit fontScale="85000" lnSpcReduction="10000"/>
+          </a:bodyPr>
+          <a:lstStyle/>
+          <a:p>
+            <a:r>
+              <a:rPr lang="en-US" altLang="zh-CN" b="1" dirty="0"/>
+              <a:t>1. </a:t>
+            </a:r>
+            <a:r>
+              <a:rPr lang="zh-CN" altLang="en-US" b="1" dirty="0"/>
+              <a:t>流量管理</a:t>
+            </a:r>
+            <a:endParaRPr lang="zh-CN" altLang="en-US" dirty="0"/>
+          </a:p>
+          <a:p>
+            <a:endParaRPr lang="zh-CN" altLang="en-US" dirty="0"/>
+          </a:p>
+          <a:p>
+            <a:pPr marL="0" indent="0">
+              <a:buNone/>
+            </a:pPr>
+            <a:r>
+              <a:rPr lang="zh-CN" altLang="en-US" dirty="0"/>
+              <a:t>通过简单的规则配置和流量路由，</a:t>
+            </a:r>
+            <a:r>
+              <a:rPr lang="en-US" altLang="zh-CN" dirty="0" err="1"/>
+              <a:t>Istio</a:t>
+            </a:r>
+            <a:r>
+              <a:rPr lang="en-US" altLang="zh-CN" dirty="0"/>
+              <a:t> </a:t>
+            </a:r>
+            <a:r>
+              <a:rPr lang="zh-CN" altLang="en-US" dirty="0"/>
+              <a:t>可以控制服务之间的流量和 </a:t>
+            </a:r>
+            <a:r>
+              <a:rPr lang="en-US" altLang="zh-CN" dirty="0"/>
+              <a:t>API </a:t>
+            </a:r>
+            <a:r>
+              <a:rPr lang="zh-CN" altLang="en-US" dirty="0"/>
+              <a:t>调用。</a:t>
+            </a:r>
+            <a:r>
+              <a:rPr lang="en-US" altLang="zh-CN" dirty="0" err="1"/>
+              <a:t>Istio</a:t>
+            </a:r>
+            <a:r>
+              <a:rPr lang="en-US" altLang="zh-CN" dirty="0"/>
+              <a:t> </a:t>
+            </a:r>
+            <a:r>
+              <a:rPr lang="zh-CN" altLang="en-US" dirty="0"/>
+              <a:t>简化了熔断器、超时和重试等服务级别属性的配置，并且可以轻松设置 </a:t>
+            </a:r>
+            <a:r>
+              <a:rPr lang="en-US" altLang="zh-CN" dirty="0"/>
+              <a:t>A/B </a:t>
+            </a:r>
+            <a:r>
+              <a:rPr lang="zh-CN" altLang="en-US" dirty="0"/>
+              <a:t>测试、金丝雀部署和基于百分比的流量分割的分阶段部署等重要任务。</a:t>
+            </a:r>
+            <a:endParaRPr lang="en-US" altLang="zh-CN" dirty="0"/>
+          </a:p>
+          <a:p>
+            <a:pPr marL="0" indent="0">
+              <a:buNone/>
+            </a:pPr>
+            <a:br>
+              <a:rPr lang="zh-CN" altLang="en-US" dirty="0"/>
+            </a:br>
+            <a:r>
+              <a:rPr lang="en-US" altLang="zh-CN" dirty="0" err="1"/>
+              <a:t>Istio</a:t>
+            </a:r>
+            <a:r>
+              <a:rPr lang="en-US" altLang="zh-CN" dirty="0"/>
+              <a:t> </a:t>
+            </a:r>
+            <a:r>
+              <a:rPr lang="zh-CN" altLang="en-US" dirty="0"/>
+              <a:t>有开箱即用的故障恢复功能，你可以在问题出现之前先发现问题，通过优化使服务之间的调用更加可靠。</a:t>
+            </a:r>
+            <a:endParaRPr lang="en-US" altLang="zh-CN" dirty="0"/>
+          </a:p>
+          <a:p>
+            <a:r>
+              <a:rPr lang="en-US" altLang="zh-CN" b="1" dirty="0"/>
+              <a:t>2. </a:t>
+            </a:r>
+            <a:r>
+              <a:rPr lang="zh-CN" altLang="en-US" b="1" dirty="0"/>
+              <a:t>安全</a:t>
+            </a:r>
+            <a:br>
+              <a:rPr lang="zh-CN" altLang="en-US" dirty="0"/>
+            </a:br>
+            <a:endParaRPr lang="zh-CN" altLang="en-US" dirty="0"/>
+          </a:p>
+          <a:p>
+            <a:pPr marL="0" indent="0">
+              <a:buNone/>
+            </a:pPr>
+            <a:r>
+              <a:rPr lang="en-US" altLang="zh-CN" dirty="0" err="1"/>
+              <a:t>Istio</a:t>
+            </a:r>
+            <a:r>
+              <a:rPr lang="en-US" altLang="zh-CN" dirty="0"/>
+              <a:t> </a:t>
+            </a:r>
+            <a:r>
+              <a:rPr lang="zh-CN" altLang="en-US" dirty="0"/>
+              <a:t>具备强大的安全功能，使开发人员可以专注于应用程序级别的安全性。</a:t>
+            </a:r>
+            <a:r>
+              <a:rPr lang="en-US" altLang="zh-CN" dirty="0" err="1"/>
+              <a:t>Istio</a:t>
+            </a:r>
+            <a:r>
+              <a:rPr lang="en-US" altLang="zh-CN" dirty="0"/>
+              <a:t> </a:t>
+            </a:r>
+            <a:r>
+              <a:rPr lang="zh-CN" altLang="en-US" dirty="0"/>
+              <a:t>提供底层安全通信信道，并大规模管理服务通信的认证、授权和加密。使用 </a:t>
+            </a:r>
+            <a:r>
+              <a:rPr lang="en-US" altLang="zh-CN" dirty="0" err="1"/>
+              <a:t>Istio</a:t>
+            </a:r>
+            <a:r>
+              <a:rPr lang="zh-CN" altLang="en-US" dirty="0"/>
+              <a:t>，服务通信在默认情况下是安全的，允许跨多种协议和运行时一致地实施策略，而关键的是所有这些都很少或根本不需要应用程序更改。</a:t>
+            </a:r>
+            <a:endParaRPr lang="en-US" altLang="zh-CN" dirty="0"/>
+          </a:p>
+          <a:p>
+            <a:pPr marL="0" indent="0">
+              <a:buNone/>
+            </a:pPr>
+            <a:br>
+              <a:rPr lang="zh-CN" altLang="en-US" dirty="0"/>
+            </a:br>
+            <a:r>
+              <a:rPr lang="zh-CN" altLang="en-US" dirty="0"/>
+              <a:t>虽然 </a:t>
+            </a:r>
+            <a:r>
+              <a:rPr lang="en-US" altLang="zh-CN" dirty="0" err="1"/>
+              <a:t>Istio</a:t>
+            </a:r>
+            <a:r>
+              <a:rPr lang="en-US" altLang="zh-CN" dirty="0"/>
+              <a:t> </a:t>
+            </a:r>
+            <a:r>
+              <a:rPr lang="zh-CN" altLang="en-US" dirty="0"/>
+              <a:t>与平台无关，但将其与 </a:t>
+            </a:r>
+            <a:r>
+              <a:rPr lang="en-US" altLang="zh-CN" dirty="0"/>
+              <a:t>Kubernetes </a:t>
+            </a:r>
+            <a:r>
+              <a:rPr lang="zh-CN" altLang="en-US" dirty="0"/>
+              <a:t>网络策略一起使用时，其优势更大，包括在网络和应用层保护 </a:t>
+            </a:r>
+            <a:r>
+              <a:rPr lang="en-US" altLang="zh-CN" dirty="0"/>
+              <a:t>pod-to-pod </a:t>
+            </a:r>
+            <a:r>
+              <a:rPr lang="zh-CN" altLang="en-US" dirty="0"/>
+              <a:t>或服务到服务通信的能力。后续章节中会讲述如何在 </a:t>
+            </a:r>
+            <a:r>
+              <a:rPr lang="en-US" altLang="zh-CN" dirty="0"/>
+              <a:t>Kubernetes </a:t>
+            </a:r>
+            <a:r>
+              <a:rPr lang="zh-CN" altLang="en-US" dirty="0"/>
+              <a:t>中结合网络策略与 </a:t>
+            </a:r>
+            <a:r>
+              <a:rPr lang="en-US" altLang="zh-CN" dirty="0" err="1"/>
+              <a:t>Istio</a:t>
+            </a:r>
+            <a:r>
+              <a:rPr lang="en-US" altLang="zh-CN" dirty="0"/>
+              <a:t> </a:t>
+            </a:r>
+            <a:r>
+              <a:rPr lang="zh-CN" altLang="en-US" dirty="0"/>
+              <a:t>来共同保护服务。</a:t>
+            </a:r>
+            <a:br>
+              <a:rPr lang="zh-CN" altLang="en-US" dirty="0"/>
+            </a:br>
+            <a:endParaRPr lang="zh-CN" altLang="en-US" dirty="0"/>
+          </a:p>
+        </p:txBody>
+      </p:sp>
+      <p:sp>
+        <p:nvSpPr>
+          <p:cNvPr id="4" name="日期占位符 3">
+            <a:extLst>
+              <a:ext uri="{FF2B5EF4-FFF2-40B4-BE49-F238E27FC236}">
+                <a16:creationId xmlns:a16="http://schemas.microsoft.com/office/drawing/2014/main" id="{9A43B8C1-8FD7-4596-9B9C-6122E61696C8}"/>
+              </a:ext>
+            </a:extLst>
+          </p:cNvPr>
+          <p:cNvSpPr>
+            <a:spLocks noGrp="1"/>
+          </p:cNvSpPr>
+          <p:nvPr>
+            <p:ph type="dt" sz="half" idx="10"/>
+          </p:nvPr>
+        </p:nvSpPr>
+        <p:spPr/>
+        <p:txBody>
+          <a:bodyPr/>
+          <a:lstStyle/>
+          <a:p>
+            <a:pPr rtl="0"/>
+            <a:fld id="{F24FFC25-0C05-49C8-B150-3CF6B89B5C55}" type="datetime1">
+              <a:rPr lang="zh-CN" altLang="en-US" smtClean="0"/>
+              <a:t>2020/4/10</a:t>
+            </a:fld>
+            <a:endParaRPr lang="en-US" dirty="0"/>
+          </a:p>
+        </p:txBody>
+      </p:sp>
+    </p:spTree>
+    <p:extLst>
+      <p:ext uri="{BB962C8B-B14F-4D97-AF65-F5344CB8AC3E}">
+        <p14:creationId xmlns:p14="http://schemas.microsoft.com/office/powerpoint/2010/main" val="2133001112"/>
+      </p:ext>
+    </p:extLst>
+  </p:cSld>
+  <p:clrMapOvr>
+    <a:masterClrMapping/>
+  </p:clrMapOvr>
+</p:sld>
+</file>
+
+<file path=ppt/slides/slide15.xml><?xml version="1.0" encoding="utf-8"?>
+<p:sld xmlns:a="http://schemas.openxmlformats.org/drawingml/2006/main" xmlns:r="http://schemas.openxmlformats.org/officeDocument/2006/relationships" xmlns:p="http://schemas.openxmlformats.org/presentationml/2006/main">
+  <p:cSld>
+    <p:spTree>
+      <p:nvGrpSpPr>
+        <p:cNvPr id="1" name=""/>
+        <p:cNvGrpSpPr/>
+        <p:nvPr/>
+      </p:nvGrpSpPr>
+      <p:grpSpPr>
+        <a:xfrm>
+          <a:off x="0" y="0"/>
+          <a:ext cx="0" cy="0"/>
+          <a:chOff x="0" y="0"/>
+          <a:chExt cx="0" cy="0"/>
+        </a:xfrm>
+      </p:grpSpPr>
+      <p:sp>
+        <p:nvSpPr>
+          <p:cNvPr id="2" name="标题 1">
+            <a:extLst>
+              <a:ext uri="{FF2B5EF4-FFF2-40B4-BE49-F238E27FC236}">
+                <a16:creationId xmlns:a16="http://schemas.microsoft.com/office/drawing/2014/main" id="{B0E852C2-3824-4AD2-BBB6-C6F11623531B}"/>
+              </a:ext>
+            </a:extLst>
+          </p:cNvPr>
+          <p:cNvSpPr>
+            <a:spLocks noGrp="1"/>
+          </p:cNvSpPr>
+          <p:nvPr>
+            <p:ph type="title"/>
+          </p:nvPr>
+        </p:nvSpPr>
+        <p:spPr>
+          <a:xfrm>
+            <a:off x="409742" y="575156"/>
+            <a:ext cx="11029616" cy="529744"/>
+          </a:xfrm>
+        </p:spPr>
+        <p:txBody>
+          <a:bodyPr/>
+          <a:lstStyle/>
+          <a:p>
+            <a:r>
+              <a:rPr lang="zh-CN" altLang="en-US" dirty="0"/>
+              <a:t>核心功能</a:t>
+            </a:r>
+          </a:p>
+        </p:txBody>
+      </p:sp>
+      <p:sp>
+        <p:nvSpPr>
+          <p:cNvPr id="3" name="内容占位符 2">
+            <a:extLst>
+              <a:ext uri="{FF2B5EF4-FFF2-40B4-BE49-F238E27FC236}">
+                <a16:creationId xmlns:a16="http://schemas.microsoft.com/office/drawing/2014/main" id="{540F1838-9BF7-4A98-90D2-8A3B7E416E31}"/>
+              </a:ext>
+            </a:extLst>
+          </p:cNvPr>
+          <p:cNvSpPr>
+            <a:spLocks noGrp="1"/>
+          </p:cNvSpPr>
+          <p:nvPr>
+            <p:ph idx="1"/>
+          </p:nvPr>
+        </p:nvSpPr>
+        <p:spPr>
+          <a:xfrm>
+            <a:off x="276392" y="1409700"/>
+            <a:ext cx="11029615" cy="4930063"/>
+          </a:xfrm>
+        </p:spPr>
+        <p:txBody>
+          <a:bodyPr>
+            <a:normAutofit fontScale="62500" lnSpcReduction="20000"/>
+          </a:bodyPr>
+          <a:lstStyle/>
+          <a:p>
+            <a:r>
+              <a:rPr lang="en-US" altLang="zh-CN" b="1" dirty="0"/>
+              <a:t>3. </a:t>
+            </a:r>
+            <a:r>
+              <a:rPr lang="zh-CN" altLang="en-US" b="1" dirty="0"/>
+              <a:t>可观测性</a:t>
+            </a:r>
+            <a:endParaRPr lang="zh-CN" altLang="en-US" dirty="0"/>
+          </a:p>
+          <a:p>
+            <a:pPr marL="0" indent="0">
+              <a:buNone/>
+            </a:pPr>
+            <a:r>
+              <a:rPr lang="en-US" altLang="zh-CN" dirty="0" err="1"/>
+              <a:t>Istio</a:t>
+            </a:r>
+            <a:r>
+              <a:rPr lang="en-US" altLang="zh-CN" dirty="0"/>
+              <a:t> </a:t>
+            </a:r>
+            <a:r>
+              <a:rPr lang="zh-CN" altLang="en-US" dirty="0"/>
+              <a:t>具备强大的追踪、监控和日志记录能力，可让你深入了解服务网格部署。通过 </a:t>
+            </a:r>
+            <a:r>
+              <a:rPr lang="en-US" altLang="zh-CN" dirty="0" err="1"/>
+              <a:t>Istio</a:t>
+            </a:r>
+            <a:r>
+              <a:rPr lang="en-US" altLang="zh-CN" dirty="0"/>
+              <a:t> </a:t>
+            </a:r>
+            <a:r>
+              <a:rPr lang="zh-CN" altLang="en-US" dirty="0"/>
+              <a:t>的监控功能，可以真正了解服务性能如何影响上游和下游的功能，而其自定义的仪表板可以提供对所有服务性能的可视性，并让你了解该性能如何影响其他进程。</a:t>
+            </a:r>
+            <a:endParaRPr lang="en-US" altLang="zh-CN" dirty="0"/>
+          </a:p>
+          <a:p>
+            <a:pPr marL="0" indent="0">
+              <a:buNone/>
+            </a:pPr>
+            <a:r>
+              <a:rPr lang="en-US" altLang="zh-CN" dirty="0" err="1"/>
+              <a:t>Istio</a:t>
+            </a:r>
+            <a:r>
+              <a:rPr lang="en-US" altLang="zh-CN" dirty="0"/>
+              <a:t> </a:t>
+            </a:r>
+            <a:r>
+              <a:rPr lang="zh-CN" altLang="en-US" dirty="0"/>
+              <a:t>的 </a:t>
+            </a:r>
+            <a:r>
+              <a:rPr lang="en-US" altLang="zh-CN" dirty="0"/>
+              <a:t>Mixer </a:t>
+            </a:r>
+            <a:r>
+              <a:rPr lang="zh-CN" altLang="en-US" dirty="0"/>
+              <a:t>组件负责策略控制和遥测收集，提供后端抽象和中介，将 </a:t>
+            </a:r>
+            <a:r>
+              <a:rPr lang="en-US" altLang="zh-CN" dirty="0" err="1"/>
+              <a:t>Istio</a:t>
+            </a:r>
+            <a:r>
+              <a:rPr lang="en-US" altLang="zh-CN" dirty="0"/>
+              <a:t> </a:t>
+            </a:r>
+            <a:r>
+              <a:rPr lang="zh-CN" altLang="en-US" dirty="0"/>
+              <a:t>的其余部分与各个后端基础设施的实现细节隔离开来，并为运维人员提供对网格和后端基础设施之间所有交互的细粒度控制。</a:t>
+            </a:r>
+            <a:endParaRPr lang="en-US" altLang="zh-CN" dirty="0"/>
+          </a:p>
+          <a:p>
+            <a:pPr marL="0" indent="0">
+              <a:buNone/>
+            </a:pPr>
+            <a:br>
+              <a:rPr lang="zh-CN" altLang="en-US" dirty="0"/>
+            </a:br>
+            <a:r>
+              <a:rPr lang="zh-CN" altLang="en-US" dirty="0"/>
+              <a:t>所有这些功能可以让你更有效地设置、监控和实施服务上的服务等级目标 </a:t>
+            </a:r>
+            <a:r>
+              <a:rPr lang="en-US" altLang="zh-CN" dirty="0"/>
+              <a:t>SLO</a:t>
+            </a:r>
+            <a:r>
+              <a:rPr lang="zh-CN" altLang="en-US" dirty="0"/>
+              <a:t>。当然，最重要的是可以快速有效地检测和修复问题。</a:t>
+            </a:r>
+            <a:endParaRPr lang="en-US" altLang="zh-CN" dirty="0"/>
+          </a:p>
+          <a:p>
+            <a:pPr marL="0" indent="0">
+              <a:buNone/>
+            </a:pPr>
+            <a:endParaRPr lang="en-US" altLang="zh-CN" dirty="0"/>
+          </a:p>
+          <a:p>
+            <a:r>
+              <a:rPr lang="en-US" altLang="zh-CN" b="1" dirty="0"/>
+              <a:t>4. </a:t>
+            </a:r>
+            <a:r>
+              <a:rPr lang="zh-CN" altLang="en-US" b="1" dirty="0"/>
+              <a:t>平台支持</a:t>
+            </a:r>
+            <a:endParaRPr lang="zh-CN" altLang="en-US" dirty="0"/>
+          </a:p>
+          <a:p>
+            <a:pPr marL="0" indent="0">
+              <a:buNone/>
+            </a:pPr>
+            <a:r>
+              <a:rPr lang="en-US" altLang="zh-CN" dirty="0" err="1"/>
+              <a:t>Istio</a:t>
+            </a:r>
+            <a:r>
+              <a:rPr lang="en-US" altLang="zh-CN" dirty="0"/>
+              <a:t> </a:t>
+            </a:r>
+            <a:r>
+              <a:rPr lang="zh-CN" altLang="en-US" dirty="0"/>
+              <a:t>是独立于平台的，目标是可以在各种环境中运行，包括跨云、内部部署、</a:t>
+            </a:r>
+            <a:r>
+              <a:rPr lang="en-US" altLang="zh-CN" dirty="0"/>
+              <a:t>Kubernetes</a:t>
+            </a:r>
+            <a:r>
+              <a:rPr lang="zh-CN" altLang="en-US" dirty="0"/>
+              <a:t>、</a:t>
+            </a:r>
+            <a:r>
+              <a:rPr lang="en-US" altLang="zh-CN" dirty="0"/>
+              <a:t>Mesos </a:t>
+            </a:r>
+            <a:r>
+              <a:rPr lang="zh-CN" altLang="en-US" dirty="0"/>
+              <a:t>等。你可以在 </a:t>
+            </a:r>
+            <a:r>
+              <a:rPr lang="en-US" altLang="zh-CN" dirty="0"/>
+              <a:t>Kubernetes </a:t>
+            </a:r>
+            <a:r>
+              <a:rPr lang="zh-CN" altLang="en-US" dirty="0"/>
+              <a:t>上部署 </a:t>
+            </a:r>
+            <a:r>
+              <a:rPr lang="en-US" altLang="zh-CN" dirty="0" err="1"/>
+              <a:t>Istio</a:t>
+            </a:r>
+            <a:r>
+              <a:rPr lang="en-US" altLang="zh-CN" dirty="0"/>
+              <a:t> </a:t>
+            </a:r>
+            <a:r>
+              <a:rPr lang="zh-CN" altLang="en-US" dirty="0"/>
+              <a:t>或在具有 </a:t>
+            </a:r>
+            <a:r>
+              <a:rPr lang="en-US" altLang="zh-CN" dirty="0"/>
+              <a:t>Consul </a:t>
+            </a:r>
+            <a:r>
+              <a:rPr lang="zh-CN" altLang="en-US" dirty="0"/>
+              <a:t>的 </a:t>
+            </a:r>
+            <a:r>
+              <a:rPr lang="en-US" altLang="zh-CN" dirty="0"/>
+              <a:t>Nomad </a:t>
+            </a:r>
+            <a:r>
+              <a:rPr lang="zh-CN" altLang="en-US" dirty="0"/>
+              <a:t>上部署。</a:t>
+            </a:r>
+            <a:r>
+              <a:rPr lang="en-US" altLang="zh-CN" dirty="0" err="1"/>
+              <a:t>Istio</a:t>
+            </a:r>
+            <a:r>
+              <a:rPr lang="en-US" altLang="zh-CN" dirty="0"/>
+              <a:t> </a:t>
+            </a:r>
+            <a:r>
+              <a:rPr lang="zh-CN" altLang="en-US" dirty="0"/>
+              <a:t>目前支持：</a:t>
+            </a:r>
+            <a:endParaRPr lang="en-US" altLang="zh-CN" dirty="0"/>
+          </a:p>
+          <a:p>
+            <a:pPr marL="0" indent="0">
+              <a:buNone/>
+            </a:pPr>
+            <a:r>
+              <a:rPr lang="en-US" altLang="zh-CN" dirty="0"/>
+              <a:t>1). </a:t>
+            </a:r>
+            <a:r>
+              <a:rPr lang="zh-CN" altLang="en-US" dirty="0"/>
+              <a:t>在 </a:t>
+            </a:r>
+            <a:r>
+              <a:rPr lang="en-US" altLang="zh-CN" dirty="0"/>
+              <a:t>Kubernetes </a:t>
+            </a:r>
+            <a:r>
+              <a:rPr lang="zh-CN" altLang="en-US" dirty="0"/>
+              <a:t>上部署的服务；</a:t>
+            </a:r>
+          </a:p>
+          <a:p>
+            <a:pPr marL="0" indent="0">
+              <a:buNone/>
+            </a:pPr>
+            <a:r>
+              <a:rPr lang="en-US" altLang="zh-CN" dirty="0"/>
+              <a:t>2). </a:t>
+            </a:r>
+            <a:r>
+              <a:rPr lang="zh-CN" altLang="en-US" dirty="0"/>
+              <a:t>使用 </a:t>
+            </a:r>
+            <a:r>
+              <a:rPr lang="en-US" altLang="zh-CN" dirty="0"/>
+              <a:t>Consul </a:t>
+            </a:r>
+            <a:r>
+              <a:rPr lang="zh-CN" altLang="en-US" dirty="0"/>
+              <a:t>注册的服务；</a:t>
+            </a:r>
+          </a:p>
+          <a:p>
+            <a:pPr marL="0" indent="0">
+              <a:buNone/>
+            </a:pPr>
+            <a:r>
+              <a:rPr lang="en-US" altLang="zh-CN" dirty="0"/>
+              <a:t>3). </a:t>
+            </a:r>
+            <a:r>
+              <a:rPr lang="zh-CN" altLang="en-US" dirty="0"/>
+              <a:t>在各个虚拟机上运行的服务。</a:t>
+            </a:r>
+            <a:endParaRPr lang="en-US" altLang="zh-CN" dirty="0"/>
+          </a:p>
+          <a:p>
+            <a:pPr marL="0" indent="0">
+              <a:buNone/>
+            </a:pPr>
+            <a:endParaRPr lang="zh-CN" altLang="en-US" dirty="0"/>
+          </a:p>
+          <a:p>
+            <a:r>
+              <a:rPr lang="en-US" altLang="zh-CN" b="1" dirty="0"/>
+              <a:t>5. </a:t>
+            </a:r>
+            <a:r>
+              <a:rPr lang="zh-CN" altLang="en-US" b="1" dirty="0"/>
+              <a:t>集成和定制</a:t>
+            </a:r>
+            <a:endParaRPr lang="zh-CN" altLang="en-US" dirty="0"/>
+          </a:p>
+          <a:p>
+            <a:pPr marL="0" indent="0">
+              <a:buNone/>
+            </a:pPr>
+            <a:r>
+              <a:rPr lang="zh-CN" altLang="en-US" dirty="0"/>
+              <a:t>可以扩展和自定义 </a:t>
+            </a:r>
+            <a:r>
+              <a:rPr lang="en-US" altLang="zh-CN" dirty="0" err="1"/>
+              <a:t>Istio</a:t>
+            </a:r>
+            <a:r>
+              <a:rPr lang="en-US" altLang="zh-CN" dirty="0"/>
+              <a:t> </a:t>
+            </a:r>
+            <a:r>
+              <a:rPr lang="zh-CN" altLang="en-US" dirty="0"/>
+              <a:t>的策略实施组件，以与现有的 </a:t>
+            </a:r>
+            <a:r>
+              <a:rPr lang="en-US" altLang="zh-CN" dirty="0"/>
+              <a:t>ACL</a:t>
+            </a:r>
+            <a:r>
+              <a:rPr lang="zh-CN" altLang="en-US" dirty="0"/>
+              <a:t>、日志记录、监控、配额、审计等解决方案集成。</a:t>
+            </a:r>
+            <a:endParaRPr lang="en-US" altLang="zh-CN" dirty="0"/>
+          </a:p>
+          <a:p>
+            <a:pPr marL="0" indent="0">
+              <a:buNone/>
+            </a:pPr>
+            <a:r>
+              <a:rPr lang="zh-CN" altLang="en-US" dirty="0"/>
+              <a:t>此外，从版本 </a:t>
+            </a:r>
+            <a:r>
+              <a:rPr lang="en-US" altLang="zh-CN" dirty="0"/>
+              <a:t>1.0 </a:t>
+            </a:r>
+            <a:r>
+              <a:rPr lang="zh-CN" altLang="en-US" dirty="0"/>
+              <a:t>开始，</a:t>
+            </a:r>
+            <a:r>
+              <a:rPr lang="en-US" altLang="zh-CN" dirty="0" err="1"/>
+              <a:t>Istio</a:t>
+            </a:r>
+            <a:r>
+              <a:rPr lang="en-US" altLang="zh-CN" dirty="0"/>
+              <a:t> </a:t>
+            </a:r>
+            <a:r>
+              <a:rPr lang="zh-CN" altLang="en-US" dirty="0"/>
+              <a:t>支持基于 </a:t>
+            </a:r>
+            <a:r>
+              <a:rPr lang="en-US" altLang="zh-CN" dirty="0"/>
+              <a:t>MCP</a:t>
+            </a:r>
+            <a:r>
+              <a:rPr lang="zh-CN" altLang="en-US" dirty="0"/>
+              <a:t>（</a:t>
+            </a:r>
+            <a:r>
+              <a:rPr lang="en-US" altLang="zh-CN" dirty="0"/>
+              <a:t>Mesh Configuration Protocol</a:t>
+            </a:r>
+            <a:r>
+              <a:rPr lang="zh-CN" altLang="en-US" dirty="0"/>
+              <a:t>，网格配置协议）进行配置分发。通过使用 </a:t>
+            </a:r>
+            <a:r>
+              <a:rPr lang="en-US" altLang="zh-CN" dirty="0"/>
+              <a:t>MCP</a:t>
+            </a:r>
+            <a:r>
+              <a:rPr lang="zh-CN" altLang="en-US" dirty="0"/>
+              <a:t>，可以很容易地集成外部系统，例如可以自己实现 </a:t>
+            </a:r>
+            <a:r>
+              <a:rPr lang="en-US" altLang="zh-CN" dirty="0"/>
+              <a:t>MCP </a:t>
+            </a:r>
+            <a:r>
+              <a:rPr lang="zh-CN" altLang="en-US" dirty="0"/>
+              <a:t>服务器，然后将其集成到 </a:t>
+            </a:r>
+            <a:r>
+              <a:rPr lang="en-US" altLang="zh-CN" dirty="0" err="1"/>
+              <a:t>Istio</a:t>
+            </a:r>
+            <a:r>
+              <a:rPr lang="en-US" altLang="zh-CN" dirty="0"/>
+              <a:t> </a:t>
+            </a:r>
+            <a:r>
+              <a:rPr lang="zh-CN" altLang="en-US" dirty="0"/>
+              <a:t>中。</a:t>
+            </a:r>
+            <a:r>
+              <a:rPr lang="en-US" altLang="zh-CN" dirty="0"/>
+              <a:t>MCP </a:t>
+            </a:r>
+            <a:r>
+              <a:rPr lang="zh-CN" altLang="en-US" dirty="0"/>
+              <a:t>服务器可以提供以下两个主要功能：</a:t>
+            </a:r>
+            <a:endParaRPr lang="en-US" altLang="zh-CN" dirty="0"/>
+          </a:p>
+          <a:p>
+            <a:pPr marL="0" indent="0">
+              <a:buNone/>
+            </a:pPr>
+            <a:r>
+              <a:rPr lang="en-US" altLang="zh-CN" dirty="0"/>
+              <a:t>1). </a:t>
+            </a:r>
+            <a:r>
+              <a:rPr lang="zh-CN" altLang="en-US" dirty="0"/>
+              <a:t>连接并监控外部服务注册系统，以获取最新的服务信息（例如 </a:t>
+            </a:r>
+            <a:r>
+              <a:rPr lang="en-US" altLang="zh-CN" dirty="0"/>
+              <a:t>Eureka</a:t>
+            </a:r>
+            <a:r>
+              <a:rPr lang="zh-CN" altLang="en-US" dirty="0"/>
+              <a:t>、</a:t>
+            </a:r>
+            <a:r>
+              <a:rPr lang="en-US" altLang="zh-CN" dirty="0" err="1"/>
+              <a:t>ZooKeeper</a:t>
+            </a:r>
+            <a:r>
+              <a:rPr lang="en-US" altLang="zh-CN" dirty="0"/>
+              <a:t> </a:t>
+            </a:r>
+            <a:r>
+              <a:rPr lang="zh-CN" altLang="en-US" dirty="0"/>
+              <a:t>等系统）；</a:t>
+            </a:r>
+          </a:p>
+          <a:p>
+            <a:pPr marL="0" indent="0">
+              <a:buNone/>
+            </a:pPr>
+            <a:r>
+              <a:rPr lang="en-US" altLang="zh-CN" dirty="0"/>
+              <a:t>2). </a:t>
+            </a:r>
+            <a:r>
+              <a:rPr lang="zh-CN" altLang="en-US" dirty="0"/>
+              <a:t>将外部服务信息转换为 </a:t>
+            </a:r>
+            <a:r>
+              <a:rPr lang="en-US" altLang="zh-CN" dirty="0" err="1"/>
+              <a:t>Istio</a:t>
+            </a:r>
+            <a:r>
+              <a:rPr lang="en-US" altLang="zh-CN" dirty="0"/>
+              <a:t> </a:t>
+            </a:r>
+            <a:r>
+              <a:rPr lang="en-US" altLang="zh-CN" dirty="0" err="1"/>
+              <a:t>ServiceEntry</a:t>
+            </a:r>
+            <a:r>
+              <a:rPr lang="en-US" altLang="zh-CN" dirty="0"/>
+              <a:t> </a:t>
+            </a:r>
+            <a:r>
+              <a:rPr lang="zh-CN" altLang="en-US" dirty="0"/>
+              <a:t>并通过 </a:t>
+            </a:r>
+            <a:r>
+              <a:rPr lang="en-US" altLang="zh-CN" dirty="0"/>
+              <a:t>MCP </a:t>
+            </a:r>
+            <a:r>
+              <a:rPr lang="zh-CN" altLang="en-US" dirty="0"/>
+              <a:t>资源发布。</a:t>
+            </a:r>
+          </a:p>
+        </p:txBody>
+      </p:sp>
+      <p:sp>
+        <p:nvSpPr>
+          <p:cNvPr id="4" name="日期占位符 3">
+            <a:extLst>
+              <a:ext uri="{FF2B5EF4-FFF2-40B4-BE49-F238E27FC236}">
+                <a16:creationId xmlns:a16="http://schemas.microsoft.com/office/drawing/2014/main" id="{9A43B8C1-8FD7-4596-9B9C-6122E61696C8}"/>
+              </a:ext>
+            </a:extLst>
+          </p:cNvPr>
+          <p:cNvSpPr>
+            <a:spLocks noGrp="1"/>
+          </p:cNvSpPr>
+          <p:nvPr>
+            <p:ph type="dt" sz="half" idx="10"/>
+          </p:nvPr>
+        </p:nvSpPr>
+        <p:spPr/>
+        <p:txBody>
+          <a:bodyPr/>
+          <a:lstStyle/>
+          <a:p>
+            <a:pPr rtl="0"/>
+            <a:fld id="{F24FFC25-0C05-49C8-B150-3CF6B89B5C55}" type="datetime1">
+              <a:rPr lang="zh-CN" altLang="en-US" smtClean="0"/>
+              <a:t>2020/4/10</a:t>
+            </a:fld>
+            <a:endParaRPr lang="en-US" dirty="0"/>
+          </a:p>
+        </p:txBody>
+      </p:sp>
+    </p:spTree>
+    <p:extLst>
+      <p:ext uri="{BB962C8B-B14F-4D97-AF65-F5344CB8AC3E}">
+        <p14:creationId xmlns:p14="http://schemas.microsoft.com/office/powerpoint/2010/main" val="2320738206"/>
+      </p:ext>
+    </p:extLst>
+  </p:cSld>
+  <p:clrMapOvr>
+    <a:masterClrMapping/>
+  </p:clrMapOvr>
+</p:sld>
+</file>
+
+<file path=ppt/slides/slide16.xml><?xml version="1.0" encoding="utf-8"?>
+<p:sld xmlns:a="http://schemas.openxmlformats.org/drawingml/2006/main" xmlns:r="http://schemas.openxmlformats.org/officeDocument/2006/relationships" xmlns:p="http://schemas.openxmlformats.org/presentationml/2006/main">
+  <p:cSld>
+    <p:spTree>
+      <p:nvGrpSpPr>
+        <p:cNvPr id="1" name=""/>
+        <p:cNvGrpSpPr/>
+        <p:nvPr/>
+      </p:nvGrpSpPr>
+      <p:grpSpPr>
+        <a:xfrm>
+          <a:off x="0" y="0"/>
+          <a:ext cx="0" cy="0"/>
+          <a:chOff x="0" y="0"/>
+          <a:chExt cx="0" cy="0"/>
+        </a:xfrm>
+      </p:grpSpPr>
+      <p:sp>
+        <p:nvSpPr>
+          <p:cNvPr id="2" name="标题 1">
+            <a:extLst>
+              <a:ext uri="{FF2B5EF4-FFF2-40B4-BE49-F238E27FC236}">
+                <a16:creationId xmlns:a16="http://schemas.microsoft.com/office/drawing/2014/main" id="{8D5746C5-E918-4F8B-B8E6-FADA517C5D9D}"/>
+              </a:ext>
+            </a:extLst>
+          </p:cNvPr>
+          <p:cNvSpPr>
+            <a:spLocks noGrp="1"/>
+          </p:cNvSpPr>
+          <p:nvPr>
+            <p:ph type="title"/>
+          </p:nvPr>
+        </p:nvSpPr>
+        <p:spPr/>
+        <p:txBody>
+          <a:bodyPr/>
+          <a:lstStyle/>
+          <a:p>
+            <a:r>
+              <a:rPr lang="zh-CN" altLang="en-US" dirty="0">
+                <a:hlinkClick r:id="rId2"/>
+              </a:rPr>
+              <a:t>成熟度和支持级别</a:t>
+            </a:r>
+            <a:br>
+              <a:rPr lang="zh-CN" altLang="en-US" b="0" dirty="0"/>
+            </a:br>
+            <a:endParaRPr lang="zh-CN" altLang="en-US" dirty="0"/>
+          </a:p>
+        </p:txBody>
+      </p:sp>
+      <p:sp>
+        <p:nvSpPr>
+          <p:cNvPr id="4" name="日期占位符 3">
+            <a:extLst>
+              <a:ext uri="{FF2B5EF4-FFF2-40B4-BE49-F238E27FC236}">
+                <a16:creationId xmlns:a16="http://schemas.microsoft.com/office/drawing/2014/main" id="{1FF7C32D-8D2F-48F7-843D-7DE879DB9FF5}"/>
+              </a:ext>
+            </a:extLst>
+          </p:cNvPr>
+          <p:cNvSpPr>
+            <a:spLocks noGrp="1"/>
+          </p:cNvSpPr>
+          <p:nvPr>
+            <p:ph type="dt" sz="half" idx="10"/>
+          </p:nvPr>
+        </p:nvSpPr>
+        <p:spPr/>
+        <p:txBody>
+          <a:bodyPr/>
+          <a:lstStyle/>
+          <a:p>
+            <a:pPr rtl="0"/>
+            <a:fld id="{F24FFC25-0C05-49C8-B150-3CF6B89B5C55}" type="datetime1">
+              <a:rPr lang="zh-CN" altLang="en-US" smtClean="0"/>
+              <a:t>2020/4/10</a:t>
+            </a:fld>
+            <a:endParaRPr lang="en-US" dirty="0"/>
+          </a:p>
+        </p:txBody>
+      </p:sp>
+      <p:sp>
+        <p:nvSpPr>
+          <p:cNvPr id="6" name="矩形 5">
+            <a:extLst>
+              <a:ext uri="{FF2B5EF4-FFF2-40B4-BE49-F238E27FC236}">
+                <a16:creationId xmlns:a16="http://schemas.microsoft.com/office/drawing/2014/main" id="{29044F4C-D6CE-4B8E-A36C-93BAE442A7AC}"/>
+              </a:ext>
+            </a:extLst>
+          </p:cNvPr>
+          <p:cNvSpPr/>
+          <p:nvPr/>
+        </p:nvSpPr>
+        <p:spPr>
+          <a:xfrm>
+            <a:off x="581192" y="1955346"/>
+            <a:ext cx="8350250" cy="646331"/>
+          </a:xfrm>
+          <a:prstGeom prst="rect">
+            <a:avLst/>
+          </a:prstGeom>
+        </p:spPr>
+        <p:txBody>
+          <a:bodyPr wrap="square">
+            <a:spAutoFit/>
+          </a:bodyPr>
+          <a:lstStyle/>
+          <a:p>
+            <a:r>
+              <a:rPr lang="en-US" altLang="zh-CN" dirty="0" err="1">
+                <a:solidFill>
+                  <a:srgbClr val="474444"/>
+                </a:solidFill>
+                <a:latin typeface="-apple-system-font"/>
+              </a:rPr>
+              <a:t>Istio</a:t>
+            </a:r>
+            <a:r>
+              <a:rPr lang="en-US" altLang="zh-CN" dirty="0">
+                <a:solidFill>
+                  <a:srgbClr val="474444"/>
+                </a:solidFill>
+                <a:latin typeface="-apple-system-font"/>
+              </a:rPr>
+              <a:t> </a:t>
+            </a:r>
+            <a:r>
+              <a:rPr lang="zh-CN" altLang="en-US" dirty="0">
+                <a:solidFill>
+                  <a:srgbClr val="474444"/>
+                </a:solidFill>
+                <a:latin typeface="-apple-system-font"/>
+              </a:rPr>
+              <a:t>社区针对每个组件功能的相对成熟度和支持级别，提出了不同的功能阶段定义，分别用 </a:t>
+            </a:r>
+            <a:r>
+              <a:rPr lang="en-US" altLang="zh-CN" dirty="0">
+                <a:solidFill>
+                  <a:srgbClr val="474444"/>
+                </a:solidFill>
+                <a:latin typeface="-apple-system-font"/>
+              </a:rPr>
+              <a:t>Alpha</a:t>
+            </a:r>
+            <a:r>
+              <a:rPr lang="zh-CN" altLang="en-US" dirty="0">
+                <a:solidFill>
+                  <a:srgbClr val="474444"/>
+                </a:solidFill>
+                <a:latin typeface="-apple-system-font"/>
+              </a:rPr>
+              <a:t>、</a:t>
+            </a:r>
+            <a:r>
+              <a:rPr lang="en-US" altLang="zh-CN" dirty="0">
+                <a:solidFill>
+                  <a:srgbClr val="474444"/>
+                </a:solidFill>
+                <a:latin typeface="-apple-system-font"/>
+              </a:rPr>
+              <a:t>Beta </a:t>
+            </a:r>
+            <a:r>
+              <a:rPr lang="zh-CN" altLang="en-US" dirty="0">
+                <a:solidFill>
+                  <a:srgbClr val="474444"/>
+                </a:solidFill>
+                <a:latin typeface="-apple-system-font"/>
+              </a:rPr>
+              <a:t>和 </a:t>
+            </a:r>
+            <a:r>
+              <a:rPr lang="en-US" altLang="zh-CN" dirty="0">
+                <a:solidFill>
+                  <a:srgbClr val="474444"/>
+                </a:solidFill>
+                <a:latin typeface="-apple-system-font"/>
+              </a:rPr>
+              <a:t>Stable </a:t>
+            </a:r>
+            <a:r>
+              <a:rPr lang="zh-CN" altLang="en-US" dirty="0">
+                <a:solidFill>
+                  <a:srgbClr val="474444"/>
+                </a:solidFill>
+                <a:latin typeface="-apple-system-font"/>
+              </a:rPr>
+              <a:t>来描述各自的状态</a:t>
+            </a:r>
+            <a:endParaRPr lang="zh-CN" altLang="en-US" dirty="0"/>
+          </a:p>
+        </p:txBody>
+      </p:sp>
+      <p:graphicFrame>
+        <p:nvGraphicFramePr>
+          <p:cNvPr id="9" name="表格 9">
+            <a:extLst>
+              <a:ext uri="{FF2B5EF4-FFF2-40B4-BE49-F238E27FC236}">
+                <a16:creationId xmlns:a16="http://schemas.microsoft.com/office/drawing/2014/main" id="{B17F8D9F-F849-4FC5-80CF-D22E08D5D93C}"/>
+              </a:ext>
+            </a:extLst>
+          </p:cNvPr>
+          <p:cNvGraphicFramePr>
+            <a:graphicFrameLocks noGrp="1"/>
+          </p:cNvGraphicFramePr>
+          <p:nvPr>
+            <p:ph idx="1"/>
+            <p:extLst>
+              <p:ext uri="{D42A27DB-BD31-4B8C-83A1-F6EECF244321}">
+                <p14:modId xmlns:p14="http://schemas.microsoft.com/office/powerpoint/2010/main" val="3898670052"/>
+              </p:ext>
+            </p:extLst>
+          </p:nvPr>
+        </p:nvGraphicFramePr>
+        <p:xfrm>
+          <a:off x="231775" y="3078163"/>
+          <a:ext cx="11029948" cy="2570480"/>
+        </p:xfrm>
+        <a:graphic>
+          <a:graphicData uri="http://schemas.openxmlformats.org/drawingml/2006/table">
+            <a:tbl>
+              <a:tblPr firstRow="1" bandRow="1">
+                <a:tableStyleId>{5C22544A-7EE6-4342-B048-85BDC9FD1C3A}</a:tableStyleId>
+              </a:tblPr>
+              <a:tblGrid>
+                <a:gridCol w="1260475">
+                  <a:extLst>
+                    <a:ext uri="{9D8B030D-6E8A-4147-A177-3AD203B41FA5}">
+                      <a16:colId xmlns:a16="http://schemas.microsoft.com/office/drawing/2014/main" val="7671893"/>
+                    </a:ext>
+                  </a:extLst>
+                </a:gridCol>
+                <a:gridCol w="4254499">
+                  <a:extLst>
+                    <a:ext uri="{9D8B030D-6E8A-4147-A177-3AD203B41FA5}">
+                      <a16:colId xmlns:a16="http://schemas.microsoft.com/office/drawing/2014/main" val="408371069"/>
+                    </a:ext>
+                  </a:extLst>
+                </a:gridCol>
+                <a:gridCol w="2051051">
+                  <a:extLst>
+                    <a:ext uri="{9D8B030D-6E8A-4147-A177-3AD203B41FA5}">
+                      <a16:colId xmlns:a16="http://schemas.microsoft.com/office/drawing/2014/main" val="1252597959"/>
+                    </a:ext>
+                  </a:extLst>
+                </a:gridCol>
+                <a:gridCol w="3463923">
+                  <a:extLst>
+                    <a:ext uri="{9D8B030D-6E8A-4147-A177-3AD203B41FA5}">
+                      <a16:colId xmlns:a16="http://schemas.microsoft.com/office/drawing/2014/main" val="1694031007"/>
+                    </a:ext>
+                  </a:extLst>
+                </a:gridCol>
+              </a:tblGrid>
+              <a:tr h="370840">
+                <a:tc>
+                  <a:txBody>
+                    <a:bodyPr/>
+                    <a:lstStyle/>
+                    <a:p>
+                      <a:endParaRPr lang="zh-CN" altLang="en-US" dirty="0"/>
+                    </a:p>
+                  </a:txBody>
+                  <a:tcPr/>
+                </a:tc>
+                <a:tc>
+                  <a:txBody>
+                    <a:bodyPr/>
+                    <a:lstStyle/>
+                    <a:p>
+                      <a:r>
+                        <a:rPr lang="en-US" altLang="zh-CN" dirty="0"/>
+                        <a:t>Alpha</a:t>
+                      </a:r>
+                      <a:endParaRPr lang="zh-CN" altLang="en-US" dirty="0"/>
+                    </a:p>
+                  </a:txBody>
+                  <a:tcPr/>
+                </a:tc>
+                <a:tc>
+                  <a:txBody>
+                    <a:bodyPr/>
+                    <a:lstStyle/>
+                    <a:p>
+                      <a:r>
+                        <a:rPr lang="en-US" altLang="zh-CN" dirty="0"/>
+                        <a:t>Beta</a:t>
+                      </a:r>
+                      <a:endParaRPr lang="zh-CN" altLang="en-US" dirty="0"/>
+                    </a:p>
+                  </a:txBody>
+                  <a:tcPr/>
+                </a:tc>
+                <a:tc>
+                  <a:txBody>
+                    <a:bodyPr/>
+                    <a:lstStyle/>
+                    <a:p>
+                      <a:r>
+                        <a:rPr lang="en-US" altLang="zh-CN" dirty="0"/>
+                        <a:t>Stable</a:t>
+                      </a:r>
+                      <a:endParaRPr lang="zh-CN" altLang="en-US" dirty="0"/>
+                    </a:p>
+                  </a:txBody>
+                  <a:tcPr/>
+                </a:tc>
+                <a:extLst>
+                  <a:ext uri="{0D108BD9-81ED-4DB2-BD59-A6C34878D82A}">
+                    <a16:rowId xmlns:a16="http://schemas.microsoft.com/office/drawing/2014/main" val="1045850940"/>
+                  </a:ext>
+                </a:extLst>
+              </a:tr>
+              <a:tr h="370840">
+                <a:tc>
+                  <a:txBody>
+                    <a:bodyPr/>
+                    <a:lstStyle/>
+                    <a:p>
+                      <a:r>
+                        <a:rPr lang="zh-CN" altLang="en-US" dirty="0"/>
+                        <a:t>目的</a:t>
+                      </a:r>
+                    </a:p>
+                  </a:txBody>
+                  <a:tcPr/>
+                </a:tc>
+                <a:tc>
+                  <a:txBody>
+                    <a:bodyPr/>
+                    <a:lstStyle/>
+                    <a:p>
+                      <a:r>
+                        <a:rPr lang="zh-CN" altLang="en-US" sz="1200" b="0" i="0" kern="1200" dirty="0">
+                          <a:solidFill>
+                            <a:schemeClr val="dk1"/>
+                          </a:solidFill>
+                          <a:effectLst/>
+                          <a:latin typeface="+mn-lt"/>
+                          <a:ea typeface="+mn-ea"/>
+                          <a:cs typeface="+mn-cs"/>
+                        </a:rPr>
+                        <a:t>可演示，端到端工作，但有局限性。 如果您在生产中使用它并遇到严重问题，我们可能无法为您修复它</a:t>
+                      </a:r>
+                      <a:endParaRPr lang="zh-CN" altLang="en-US" sz="1200" dirty="0"/>
+                    </a:p>
+                  </a:txBody>
+                  <a:tcPr/>
+                </a:tc>
+                <a:tc>
+                  <a:txBody>
+                    <a:bodyPr/>
+                    <a:lstStyle/>
+                    <a:p>
+                      <a:r>
+                        <a:rPr lang="zh-CN" altLang="en-US" sz="1200" b="0" i="0" kern="1200" dirty="0">
+                          <a:solidFill>
+                            <a:schemeClr val="dk1"/>
+                          </a:solidFill>
+                          <a:effectLst/>
+                          <a:latin typeface="+mn-lt"/>
+                          <a:ea typeface="+mn-ea"/>
+                          <a:cs typeface="+mn-cs"/>
+                        </a:rPr>
+                        <a:t>可用于生产</a:t>
+                      </a:r>
+                      <a:endParaRPr lang="zh-CN" altLang="en-US" sz="1200" dirty="0"/>
+                    </a:p>
+                  </a:txBody>
+                  <a:tcPr/>
+                </a:tc>
+                <a:tc>
+                  <a:txBody>
+                    <a:bodyPr/>
+                    <a:lstStyle/>
+                    <a:p>
+                      <a:r>
+                        <a:rPr lang="zh-CN" altLang="en-US" sz="1200" b="0" i="0" kern="1200" dirty="0">
+                          <a:solidFill>
+                            <a:schemeClr val="dk1"/>
+                          </a:solidFill>
+                          <a:effectLst/>
+                          <a:latin typeface="+mn-lt"/>
+                          <a:ea typeface="+mn-ea"/>
+                          <a:cs typeface="+mn-cs"/>
+                        </a:rPr>
+                        <a:t>可靠</a:t>
+                      </a:r>
+                      <a:r>
+                        <a:rPr lang="en-US" altLang="zh-CN" sz="1200" b="0" i="0" kern="1200" dirty="0">
+                          <a:solidFill>
+                            <a:schemeClr val="dk1"/>
+                          </a:solidFill>
+                          <a:effectLst/>
+                          <a:latin typeface="+mn-lt"/>
+                          <a:ea typeface="+mn-ea"/>
+                          <a:cs typeface="+mn-cs"/>
+                        </a:rPr>
+                        <a:t>,</a:t>
+                      </a:r>
+                      <a:r>
+                        <a:rPr lang="zh-CN" altLang="en-US" sz="1200" b="0" i="0" kern="1200" dirty="0">
+                          <a:solidFill>
+                            <a:schemeClr val="dk1"/>
+                          </a:solidFill>
+                          <a:effectLst/>
+                          <a:latin typeface="+mn-lt"/>
+                          <a:ea typeface="+mn-ea"/>
+                          <a:cs typeface="+mn-cs"/>
+                        </a:rPr>
+                        <a:t>生产可用</a:t>
+                      </a:r>
+                      <a:endParaRPr lang="zh-CN" altLang="en-US" sz="1200" dirty="0"/>
+                    </a:p>
+                  </a:txBody>
+                  <a:tcPr/>
+                </a:tc>
+                <a:extLst>
+                  <a:ext uri="{0D108BD9-81ED-4DB2-BD59-A6C34878D82A}">
+                    <a16:rowId xmlns:a16="http://schemas.microsoft.com/office/drawing/2014/main" val="1458219741"/>
+                  </a:ext>
+                </a:extLst>
+              </a:tr>
+              <a:tr h="370840">
+                <a:tc>
+                  <a:txBody>
+                    <a:bodyPr/>
+                    <a:lstStyle/>
+                    <a:p>
+                      <a:r>
+                        <a:rPr lang="en-US" altLang="zh-CN" dirty="0"/>
+                        <a:t>API</a:t>
+                      </a:r>
+                      <a:endParaRPr lang="zh-CN" altLang="en-US" dirty="0"/>
+                    </a:p>
+                  </a:txBody>
+                  <a:tcPr/>
+                </a:tc>
+                <a:tc>
+                  <a:txBody>
+                    <a:bodyPr/>
+                    <a:lstStyle/>
+                    <a:p>
+                      <a:r>
+                        <a:rPr lang="zh-CN" altLang="en-US" sz="1200" b="0" i="0" kern="1200" dirty="0">
+                          <a:solidFill>
+                            <a:schemeClr val="dk1"/>
+                          </a:solidFill>
+                          <a:effectLst/>
+                          <a:latin typeface="+mn-lt"/>
+                          <a:ea typeface="+mn-ea"/>
+                          <a:cs typeface="+mn-cs"/>
+                        </a:rPr>
+                        <a:t>不能保证向后兼容</a:t>
+                      </a:r>
+                      <a:endParaRPr lang="zh-CN" altLang="en-US" sz="1200" dirty="0"/>
+                    </a:p>
+                  </a:txBody>
+                  <a:tcPr/>
+                </a:tc>
+                <a:tc>
+                  <a:txBody>
+                    <a:bodyPr/>
+                    <a:lstStyle/>
+                    <a:p>
+                      <a:r>
+                        <a:rPr lang="en-US" altLang="zh-CN" sz="1200" b="0" i="0" kern="1200" dirty="0">
+                          <a:solidFill>
+                            <a:schemeClr val="dk1"/>
+                          </a:solidFill>
+                          <a:effectLst/>
+                          <a:latin typeface="+mn-lt"/>
+                          <a:ea typeface="+mn-ea"/>
+                          <a:cs typeface="+mn-cs"/>
+                        </a:rPr>
+                        <a:t>API</a:t>
+                      </a:r>
+                      <a:r>
+                        <a:rPr lang="zh-CN" altLang="en-US" sz="1200" b="0" i="0" kern="1200" dirty="0">
+                          <a:solidFill>
+                            <a:schemeClr val="dk1"/>
+                          </a:solidFill>
+                          <a:effectLst/>
+                          <a:latin typeface="+mn-lt"/>
+                          <a:ea typeface="+mn-ea"/>
+                          <a:cs typeface="+mn-cs"/>
+                        </a:rPr>
+                        <a:t>已版本化</a:t>
+                      </a:r>
+                      <a:endParaRPr lang="zh-CN" altLang="en-US" sz="1200" dirty="0"/>
+                    </a:p>
+                  </a:txBody>
+                  <a:tcPr/>
+                </a:tc>
+                <a:tc>
+                  <a:txBody>
+                    <a:bodyPr/>
+                    <a:lstStyle/>
+                    <a:p>
+                      <a:r>
+                        <a:rPr lang="zh-CN" altLang="en-US" sz="1200" b="0" i="0" kern="1200" dirty="0">
+                          <a:solidFill>
+                            <a:schemeClr val="dk1"/>
+                          </a:solidFill>
+                          <a:effectLst/>
+                          <a:latin typeface="+mn-lt"/>
+                          <a:ea typeface="+mn-ea"/>
+                          <a:cs typeface="+mn-cs"/>
+                        </a:rPr>
+                        <a:t>可靠，生产可用。 </a:t>
+                      </a:r>
+                      <a:r>
+                        <a:rPr lang="en-US" altLang="zh-CN" sz="1200" b="0" i="0" kern="1200" dirty="0">
+                          <a:solidFill>
+                            <a:schemeClr val="dk1"/>
+                          </a:solidFill>
+                          <a:effectLst/>
+                          <a:latin typeface="+mn-lt"/>
+                          <a:ea typeface="+mn-ea"/>
+                          <a:cs typeface="+mn-cs"/>
+                        </a:rPr>
+                        <a:t>API</a:t>
+                      </a:r>
+                      <a:r>
+                        <a:rPr lang="zh-CN" altLang="en-US" sz="1200" b="0" i="0" kern="1200" dirty="0">
+                          <a:solidFill>
+                            <a:schemeClr val="dk1"/>
+                          </a:solidFill>
+                          <a:effectLst/>
+                          <a:latin typeface="+mn-lt"/>
+                          <a:ea typeface="+mn-ea"/>
+                          <a:cs typeface="+mn-cs"/>
+                        </a:rPr>
+                        <a:t>已版本化，并具有自动版本转换功能，以实现向后兼容</a:t>
+                      </a:r>
+                      <a:endParaRPr lang="zh-CN" altLang="en-US" sz="1200" dirty="0"/>
+                    </a:p>
+                  </a:txBody>
+                  <a:tcPr/>
+                </a:tc>
+                <a:extLst>
+                  <a:ext uri="{0D108BD9-81ED-4DB2-BD59-A6C34878D82A}">
+                    <a16:rowId xmlns:a16="http://schemas.microsoft.com/office/drawing/2014/main" val="2915953400"/>
+                  </a:ext>
+                </a:extLst>
+              </a:tr>
+              <a:tr h="370840">
+                <a:tc>
+                  <a:txBody>
+                    <a:bodyPr/>
+                    <a:lstStyle/>
+                    <a:p>
+                      <a:r>
+                        <a:rPr lang="zh-CN" altLang="en-US" dirty="0"/>
+                        <a:t>性能</a:t>
+                      </a:r>
+                    </a:p>
+                  </a:txBody>
+                  <a:tcPr/>
+                </a:tc>
+                <a:tc>
+                  <a:txBody>
+                    <a:bodyPr/>
+                    <a:lstStyle/>
+                    <a:p>
+                      <a:r>
+                        <a:rPr lang="zh-CN" altLang="en-US" sz="1200" b="0" i="0" kern="1200" dirty="0">
+                          <a:solidFill>
+                            <a:schemeClr val="dk1"/>
+                          </a:solidFill>
+                          <a:effectLst/>
+                          <a:latin typeface="+mn-lt"/>
+                          <a:ea typeface="+mn-ea"/>
+                          <a:cs typeface="+mn-cs"/>
+                        </a:rPr>
+                        <a:t>没有量化或保证</a:t>
+                      </a:r>
+                      <a:endParaRPr lang="zh-CN" altLang="en-US" sz="1200" dirty="0"/>
+                    </a:p>
+                  </a:txBody>
+                  <a:tcPr/>
+                </a:tc>
+                <a:tc>
+                  <a:txBody>
+                    <a:bodyPr/>
+                    <a:lstStyle/>
+                    <a:p>
+                      <a:r>
+                        <a:rPr lang="zh-CN" altLang="en-US" sz="1200" b="0" i="0" kern="1200" dirty="0">
+                          <a:solidFill>
+                            <a:schemeClr val="dk1"/>
+                          </a:solidFill>
+                          <a:effectLst/>
+                          <a:latin typeface="+mn-lt"/>
+                          <a:ea typeface="+mn-ea"/>
+                          <a:cs typeface="+mn-cs"/>
+                        </a:rPr>
+                        <a:t>没有量化或保证</a:t>
+                      </a:r>
+                      <a:endParaRPr lang="zh-CN" altLang="en-US" sz="1200" dirty="0"/>
+                    </a:p>
+                  </a:txBody>
+                  <a:tcPr/>
+                </a:tc>
+                <a:tc>
+                  <a:txBody>
+                    <a:bodyPr/>
+                    <a:lstStyle/>
+                    <a:p>
+                      <a:r>
+                        <a:rPr lang="zh-CN" altLang="en-US" sz="1200" dirty="0"/>
+                        <a:t>对性能</a:t>
+                      </a:r>
+                      <a:r>
+                        <a:rPr lang="en-US" altLang="zh-CN" sz="1200" dirty="0"/>
+                        <a:t>(</a:t>
+                      </a:r>
+                      <a:r>
+                        <a:rPr lang="zh-CN" altLang="en-US" sz="1200" dirty="0"/>
+                        <a:t>延迟</a:t>
+                      </a:r>
+                      <a:r>
+                        <a:rPr lang="en-US" altLang="zh-CN" sz="1200" dirty="0"/>
+                        <a:t>/</a:t>
+                      </a:r>
+                      <a:r>
+                        <a:rPr lang="zh-CN" altLang="en-US" sz="1200" dirty="0"/>
+                        <a:t>规模</a:t>
+                      </a:r>
+                      <a:r>
+                        <a:rPr lang="en-US" altLang="zh-CN" sz="1200" dirty="0"/>
+                        <a:t>)</a:t>
+                      </a:r>
+                      <a:r>
+                        <a:rPr lang="zh-CN" altLang="en-US" sz="1200" dirty="0"/>
+                        <a:t>进行量化、记录、并保证不会退化</a:t>
+                      </a:r>
+                    </a:p>
+                  </a:txBody>
+                  <a:tcPr/>
+                </a:tc>
+                <a:extLst>
+                  <a:ext uri="{0D108BD9-81ED-4DB2-BD59-A6C34878D82A}">
+                    <a16:rowId xmlns:a16="http://schemas.microsoft.com/office/drawing/2014/main" val="3414115970"/>
+                  </a:ext>
+                </a:extLst>
+              </a:tr>
+              <a:tr h="370840">
+                <a:tc>
+                  <a:txBody>
+                    <a:bodyPr/>
+                    <a:lstStyle/>
+                    <a:p>
+                      <a:r>
+                        <a:rPr lang="zh-CN" altLang="en-US" dirty="0"/>
+                        <a:t>废弃策略</a:t>
+                      </a:r>
+                    </a:p>
+                  </a:txBody>
+                  <a:tcPr/>
+                </a:tc>
+                <a:tc>
+                  <a:txBody>
+                    <a:bodyPr/>
+                    <a:lstStyle/>
+                    <a:p>
+                      <a:r>
+                        <a:rPr lang="zh-CN" altLang="en-US" sz="1200" dirty="0"/>
+                        <a:t>没有</a:t>
+                      </a:r>
+                    </a:p>
+                  </a:txBody>
+                  <a:tcPr/>
+                </a:tc>
+                <a:tc>
+                  <a:txBody>
+                    <a:bodyPr/>
+                    <a:lstStyle/>
+                    <a:p>
+                      <a:r>
+                        <a:rPr lang="zh-CN" altLang="en-US" sz="1200" dirty="0"/>
+                        <a:t>弱，</a:t>
+                      </a:r>
+                      <a:r>
+                        <a:rPr lang="en-US" altLang="zh-CN" sz="1200" dirty="0"/>
+                        <a:t>3</a:t>
+                      </a:r>
+                      <a:r>
+                        <a:rPr lang="zh-CN" altLang="en-US" sz="1200" dirty="0"/>
+                        <a:t>个月</a:t>
+                      </a:r>
+                    </a:p>
+                  </a:txBody>
+                  <a:tcPr/>
+                </a:tc>
+                <a:tc>
+                  <a:txBody>
+                    <a:bodyPr/>
+                    <a:lstStyle/>
+                    <a:p>
+                      <a:r>
+                        <a:rPr lang="zh-CN" altLang="en-US" sz="1200" b="0" i="0" kern="1200" dirty="0">
+                          <a:solidFill>
+                            <a:schemeClr val="dk1"/>
+                          </a:solidFill>
+                          <a:effectLst/>
+                          <a:latin typeface="+mn-lt"/>
+                          <a:ea typeface="+mn-ea"/>
+                          <a:cs typeface="+mn-cs"/>
+                        </a:rPr>
+                        <a:t>严格可靠。 更改前将提供</a:t>
+                      </a:r>
+                      <a:r>
+                        <a:rPr lang="en-US" altLang="zh-CN" sz="1200" b="0" i="0" kern="1200" dirty="0">
+                          <a:solidFill>
+                            <a:schemeClr val="dk1"/>
+                          </a:solidFill>
+                          <a:effectLst/>
+                          <a:latin typeface="+mn-lt"/>
+                          <a:ea typeface="+mn-ea"/>
+                          <a:cs typeface="+mn-cs"/>
+                        </a:rPr>
+                        <a:t>1</a:t>
+                      </a:r>
+                      <a:r>
+                        <a:rPr lang="zh-CN" altLang="en-US" sz="1200" b="0" i="0" kern="1200" dirty="0">
+                          <a:solidFill>
+                            <a:schemeClr val="dk1"/>
+                          </a:solidFill>
+                          <a:effectLst/>
+                          <a:latin typeface="+mn-lt"/>
+                          <a:ea typeface="+mn-ea"/>
+                          <a:cs typeface="+mn-cs"/>
+                        </a:rPr>
+                        <a:t>年通知</a:t>
+                      </a:r>
+                      <a:endParaRPr lang="zh-CN" altLang="en-US" sz="1200" dirty="0"/>
+                    </a:p>
+                  </a:txBody>
+                  <a:tcPr/>
+                </a:tc>
+                <a:extLst>
+                  <a:ext uri="{0D108BD9-81ED-4DB2-BD59-A6C34878D82A}">
+                    <a16:rowId xmlns:a16="http://schemas.microsoft.com/office/drawing/2014/main" val="1483886010"/>
+                  </a:ext>
+                </a:extLst>
+              </a:tr>
+              <a:tr h="370840">
+                <a:tc>
+                  <a:txBody>
+                    <a:bodyPr/>
+                    <a:lstStyle/>
+                    <a:p>
+                      <a:r>
+                        <a:rPr lang="zh-CN" altLang="en-US" dirty="0"/>
+                        <a:t>安全</a:t>
+                      </a:r>
+                    </a:p>
+                  </a:txBody>
+                  <a:tcPr/>
+                </a:tc>
+                <a:tc>
+                  <a:txBody>
+                    <a:bodyPr/>
+                    <a:lstStyle/>
+                    <a:p>
+                      <a:r>
+                        <a:rPr lang="zh-CN" altLang="en-US" sz="1200" b="0" i="0" kern="1200" dirty="0">
+                          <a:solidFill>
+                            <a:schemeClr val="dk1"/>
+                          </a:solidFill>
+                          <a:effectLst/>
+                          <a:latin typeface="+mn-lt"/>
+                          <a:ea typeface="+mn-ea"/>
+                          <a:cs typeface="+mn-cs"/>
+                        </a:rPr>
+                        <a:t>安全漏洞将作为简单的错误修复程序公开处理</a:t>
+                      </a:r>
+                      <a:endParaRPr lang="zh-CN" altLang="en-US" sz="1200" dirty="0"/>
+                    </a:p>
+                  </a:txBody>
+                  <a:tcPr/>
+                </a:tc>
+                <a:tc>
+                  <a:txBody>
+                    <a:bodyPr/>
+                    <a:lstStyle/>
+                    <a:p>
+                      <a:r>
+                        <a:rPr lang="zh-CN" altLang="en-US" sz="1200" b="0" i="0" kern="1200" dirty="0">
+                          <a:solidFill>
+                            <a:schemeClr val="dk1"/>
+                          </a:solidFill>
+                          <a:effectLst/>
+                          <a:latin typeface="+mn-lt"/>
+                          <a:ea typeface="+mn-ea"/>
+                          <a:cs typeface="+mn-cs"/>
+                        </a:rPr>
+                        <a:t>安全漏洞将根据我们的安全漏洞政策进行处理</a:t>
+                      </a:r>
+                      <a:endParaRPr lang="zh-CN" altLang="en-US" sz="1200" dirty="0"/>
+                    </a:p>
+                  </a:txBody>
+                  <a:tcPr/>
+                </a:tc>
+                <a:tc>
+                  <a:txBody>
+                    <a:bodyPr/>
+                    <a:lstStyle/>
+                    <a:p>
+                      <a:r>
+                        <a:rPr lang="zh-CN" altLang="en-US" sz="1200" b="0" i="0" kern="1200" dirty="0">
+                          <a:solidFill>
+                            <a:schemeClr val="dk1"/>
+                          </a:solidFill>
+                          <a:effectLst/>
+                          <a:latin typeface="+mn-lt"/>
+                          <a:ea typeface="+mn-ea"/>
+                          <a:cs typeface="+mn-cs"/>
+                        </a:rPr>
+                        <a:t>安全漏洞将根据我们的安全漏洞政策进行处理</a:t>
+                      </a:r>
+                      <a:endParaRPr lang="zh-CN" altLang="en-US" sz="1200" dirty="0"/>
+                    </a:p>
+                  </a:txBody>
+                  <a:tcPr/>
+                </a:tc>
+                <a:extLst>
+                  <a:ext uri="{0D108BD9-81ED-4DB2-BD59-A6C34878D82A}">
+                    <a16:rowId xmlns:a16="http://schemas.microsoft.com/office/drawing/2014/main" val="1546757332"/>
+                  </a:ext>
+                </a:extLst>
+              </a:tr>
+            </a:tbl>
+          </a:graphicData>
+        </a:graphic>
+      </p:graphicFrame>
+    </p:spTree>
+    <p:extLst>
+      <p:ext uri="{BB962C8B-B14F-4D97-AF65-F5344CB8AC3E}">
+        <p14:creationId xmlns:p14="http://schemas.microsoft.com/office/powerpoint/2010/main" val="2914649324"/>
+      </p:ext>
+    </p:extLst>
+  </p:cSld>
+  <p:clrMapOvr>
+    <a:masterClrMapping/>
+  </p:clrMapOvr>
+</p:sld>
+</file>
+
+<file path=ppt/slides/slide17.xml><?xml version="1.0" encoding="utf-8"?>
+<p:sld xmlns:a="http://schemas.openxmlformats.org/drawingml/2006/main" xmlns:r="http://schemas.openxmlformats.org/officeDocument/2006/relationships" xmlns:p="http://schemas.openxmlformats.org/presentationml/2006/main">
+  <p:cSld>
+    <p:spTree>
+      <p:nvGrpSpPr>
+        <p:cNvPr id="1" name=""/>
+        <p:cNvGrpSpPr/>
+        <p:nvPr/>
+      </p:nvGrpSpPr>
+      <p:grpSpPr>
+        <a:xfrm>
+          <a:off x="0" y="0"/>
+          <a:ext cx="0" cy="0"/>
+          <a:chOff x="0" y="0"/>
+          <a:chExt cx="0" cy="0"/>
+        </a:xfrm>
+      </p:grpSpPr>
+      <p:sp>
+        <p:nvSpPr>
+          <p:cNvPr id="2" name="标题 1">
+            <a:extLst>
+              <a:ext uri="{FF2B5EF4-FFF2-40B4-BE49-F238E27FC236}">
+                <a16:creationId xmlns:a16="http://schemas.microsoft.com/office/drawing/2014/main" id="{5FE69EB1-55C3-4713-942C-EF733E15D160}"/>
+              </a:ext>
+            </a:extLst>
+          </p:cNvPr>
+          <p:cNvSpPr>
+            <a:spLocks noGrp="1"/>
+          </p:cNvSpPr>
+          <p:nvPr>
+            <p:ph type="title"/>
+          </p:nvPr>
+        </p:nvSpPr>
+        <p:spPr>
+          <a:xfrm>
+            <a:off x="581192" y="702156"/>
+            <a:ext cx="11029616" cy="764694"/>
+          </a:xfrm>
+        </p:spPr>
+        <p:txBody>
+          <a:bodyPr>
+            <a:normAutofit fontScale="90000"/>
+          </a:bodyPr>
+          <a:lstStyle/>
+          <a:p>
+            <a:br>
+              <a:rPr lang="en-US" altLang="zh-CN" dirty="0"/>
+            </a:br>
+            <a:br>
+              <a:rPr lang="en-US" altLang="zh-CN" dirty="0"/>
+            </a:br>
+            <a:br>
+              <a:rPr lang="en-US" altLang="zh-CN" dirty="0"/>
+            </a:br>
+            <a:br>
+              <a:rPr lang="en-US" altLang="zh-CN" dirty="0"/>
+            </a:br>
+            <a:br>
+              <a:rPr lang="en-US" altLang="zh-CN" dirty="0"/>
+            </a:br>
+            <a:br>
+              <a:rPr lang="en-US" altLang="zh-CN" dirty="0"/>
+            </a:br>
+            <a:r>
+              <a:rPr lang="en-US" altLang="zh-CN" dirty="0" err="1"/>
+              <a:t>Istio</a:t>
+            </a:r>
+            <a:r>
+              <a:rPr lang="zh-CN" altLang="en-US" dirty="0"/>
+              <a:t>功能列表以及阶段</a:t>
+            </a:r>
+            <a:r>
+              <a:rPr lang="en-US" altLang="zh-CN" dirty="0"/>
+              <a:t>– </a:t>
+            </a:r>
+            <a:r>
+              <a:rPr lang="zh-CN" altLang="en-US" dirty="0"/>
+              <a:t>流量管理</a:t>
+            </a:r>
+            <a:br>
+              <a:rPr lang="en-US" altLang="zh-CN" dirty="0"/>
+            </a:br>
+            <a:endParaRPr lang="zh-CN" altLang="en-US" dirty="0"/>
+          </a:p>
+        </p:txBody>
+      </p:sp>
+      <p:graphicFrame>
+        <p:nvGraphicFramePr>
+          <p:cNvPr id="5" name="表格 5">
+            <a:extLst>
+              <a:ext uri="{FF2B5EF4-FFF2-40B4-BE49-F238E27FC236}">
+                <a16:creationId xmlns:a16="http://schemas.microsoft.com/office/drawing/2014/main" id="{D9558158-AADC-45C6-BF14-2750946D075E}"/>
+              </a:ext>
+            </a:extLst>
+          </p:cNvPr>
+          <p:cNvGraphicFramePr>
+            <a:graphicFrameLocks noGrp="1"/>
+          </p:cNvGraphicFramePr>
+          <p:nvPr>
+            <p:ph idx="1"/>
+            <p:extLst>
+              <p:ext uri="{D42A27DB-BD31-4B8C-83A1-F6EECF244321}">
+                <p14:modId xmlns:p14="http://schemas.microsoft.com/office/powerpoint/2010/main" val="714488415"/>
+              </p:ext>
+            </p:extLst>
+          </p:nvPr>
+        </p:nvGraphicFramePr>
+        <p:xfrm>
+          <a:off x="212725" y="1296516"/>
+          <a:ext cx="11029950" cy="4450080"/>
+        </p:xfrm>
+        <a:graphic>
+          <a:graphicData uri="http://schemas.openxmlformats.org/drawingml/2006/table">
+            <a:tbl>
+              <a:tblPr firstRow="1" bandRow="1">
+                <a:tableStyleId>{5C22544A-7EE6-4342-B048-85BDC9FD1C3A}</a:tableStyleId>
+              </a:tblPr>
+              <a:tblGrid>
+                <a:gridCol w="6937375">
+                  <a:extLst>
+                    <a:ext uri="{9D8B030D-6E8A-4147-A177-3AD203B41FA5}">
+                      <a16:colId xmlns:a16="http://schemas.microsoft.com/office/drawing/2014/main" val="2606653707"/>
+                    </a:ext>
+                  </a:extLst>
+                </a:gridCol>
+                <a:gridCol w="4092575">
+                  <a:extLst>
+                    <a:ext uri="{9D8B030D-6E8A-4147-A177-3AD203B41FA5}">
+                      <a16:colId xmlns:a16="http://schemas.microsoft.com/office/drawing/2014/main" val="277777160"/>
+                    </a:ext>
+                  </a:extLst>
+                </a:gridCol>
+              </a:tblGrid>
+              <a:tr h="370840">
+                <a:tc>
+                  <a:txBody>
+                    <a:bodyPr/>
+                    <a:lstStyle/>
+                    <a:p>
+                      <a:r>
+                        <a:rPr lang="zh-CN" altLang="en-US" dirty="0"/>
+                        <a:t>功能</a:t>
+                      </a:r>
+                    </a:p>
+                  </a:txBody>
+                  <a:tcPr/>
+                </a:tc>
+                <a:tc>
+                  <a:txBody>
+                    <a:bodyPr/>
+                    <a:lstStyle/>
+                    <a:p>
+                      <a:r>
+                        <a:rPr lang="zh-CN" altLang="en-US" sz="1800" b="0" i="0" kern="1200" dirty="0">
+                          <a:solidFill>
+                            <a:schemeClr val="lt1"/>
+                          </a:solidFill>
+                          <a:effectLst/>
+                          <a:latin typeface="+mn-lt"/>
+                          <a:ea typeface="+mn-ea"/>
+                          <a:cs typeface="+mn-cs"/>
+                        </a:rPr>
+                        <a:t>阶段</a:t>
+                      </a:r>
+                      <a:endParaRPr lang="zh-CN" altLang="en-US" dirty="0"/>
+                    </a:p>
+                  </a:txBody>
+                  <a:tcPr/>
+                </a:tc>
+                <a:extLst>
+                  <a:ext uri="{0D108BD9-81ED-4DB2-BD59-A6C34878D82A}">
+                    <a16:rowId xmlns:a16="http://schemas.microsoft.com/office/drawing/2014/main" val="1940945260"/>
+                  </a:ext>
+                </a:extLst>
+              </a:tr>
+              <a:tr h="370840">
+                <a:tc>
+                  <a:txBody>
+                    <a:bodyPr/>
+                    <a:lstStyle/>
+                    <a:p>
+                      <a:r>
+                        <a:rPr lang="zh-CN" altLang="en-US" dirty="0"/>
+                        <a:t>协议支持</a:t>
+                      </a:r>
+                      <a:r>
+                        <a:rPr lang="zh-CN" altLang="en-US" sz="1800" b="0" i="0" kern="1200" dirty="0">
+                          <a:solidFill>
+                            <a:schemeClr val="dk1"/>
+                          </a:solidFill>
+                          <a:effectLst/>
+                          <a:latin typeface="+mn-lt"/>
+                          <a:ea typeface="+mn-ea"/>
+                          <a:cs typeface="+mn-cs"/>
+                        </a:rPr>
+                        <a:t>：</a:t>
+                      </a:r>
+                      <a:r>
+                        <a:rPr lang="en-US" altLang="zh-CN" sz="1800" b="0" i="0" kern="1200" dirty="0">
+                          <a:solidFill>
+                            <a:schemeClr val="dk1"/>
+                          </a:solidFill>
+                          <a:effectLst/>
+                          <a:latin typeface="+mn-lt"/>
+                          <a:ea typeface="+mn-ea"/>
+                          <a:cs typeface="+mn-cs"/>
+                        </a:rPr>
+                        <a:t>HTTP1.1 / HTTP2 / </a:t>
+                      </a:r>
+                      <a:r>
+                        <a:rPr lang="en-US" altLang="zh-CN" sz="1800" b="0" i="0" kern="1200" dirty="0" err="1">
+                          <a:solidFill>
+                            <a:schemeClr val="dk1"/>
+                          </a:solidFill>
+                          <a:effectLst/>
+                          <a:latin typeface="+mn-lt"/>
+                          <a:ea typeface="+mn-ea"/>
+                          <a:cs typeface="+mn-cs"/>
+                        </a:rPr>
+                        <a:t>gRPC</a:t>
+                      </a:r>
+                      <a:r>
+                        <a:rPr lang="en-US" altLang="zh-CN" sz="1800" b="0" i="0" kern="1200" dirty="0">
+                          <a:solidFill>
+                            <a:schemeClr val="dk1"/>
+                          </a:solidFill>
+                          <a:effectLst/>
+                          <a:latin typeface="+mn-lt"/>
+                          <a:ea typeface="+mn-ea"/>
+                          <a:cs typeface="+mn-cs"/>
+                        </a:rPr>
+                        <a:t> / TCP</a:t>
+                      </a:r>
+                      <a:endParaRPr lang="zh-CN" altLang="en-US" dirty="0"/>
+                    </a:p>
+                  </a:txBody>
+                  <a:tcPr/>
+                </a:tc>
+                <a:tc>
+                  <a:txBody>
+                    <a:bodyPr/>
+                    <a:lstStyle/>
+                    <a:p>
+                      <a:r>
+                        <a:rPr lang="en-US" altLang="zh-CN" dirty="0"/>
+                        <a:t>Stable</a:t>
+                      </a:r>
+                      <a:endParaRPr lang="zh-CN" altLang="en-US" dirty="0"/>
+                    </a:p>
+                  </a:txBody>
+                  <a:tcPr/>
+                </a:tc>
+                <a:extLst>
+                  <a:ext uri="{0D108BD9-81ED-4DB2-BD59-A6C34878D82A}">
+                    <a16:rowId xmlns:a16="http://schemas.microsoft.com/office/drawing/2014/main" val="552957697"/>
+                  </a:ext>
+                </a:extLst>
+              </a:tr>
+              <a:tr h="370840">
+                <a:tc>
+                  <a:txBody>
+                    <a:bodyPr/>
+                    <a:lstStyle/>
+                    <a:p>
+                      <a:pPr marL="0" marR="0" lvl="0" indent="0" algn="l" defTabSz="457200" rtl="0" eaLnBrk="1" fontAlgn="auto" latinLnBrk="0" hangingPunct="1">
+                        <a:lnSpc>
+                          <a:spcPct val="100000"/>
+                        </a:lnSpc>
+                        <a:spcBef>
+                          <a:spcPts val="0"/>
+                        </a:spcBef>
+                        <a:spcAft>
+                          <a:spcPts val="0"/>
+                        </a:spcAft>
+                        <a:buClrTx/>
+                        <a:buSzTx/>
+                        <a:buFontTx/>
+                        <a:buNone/>
+                        <a:tabLst/>
+                        <a:defRPr/>
+                      </a:pPr>
+                      <a:r>
+                        <a:rPr lang="zh-CN" altLang="en-US" dirty="0"/>
+                        <a:t>协议支持</a:t>
+                      </a:r>
+                      <a:r>
+                        <a:rPr lang="zh-CN" altLang="en-US" sz="1800" b="0" i="0" kern="1200" dirty="0">
+                          <a:solidFill>
+                            <a:schemeClr val="dk1"/>
+                          </a:solidFill>
+                          <a:effectLst/>
+                          <a:latin typeface="+mn-lt"/>
+                          <a:ea typeface="+mn-ea"/>
+                          <a:cs typeface="+mn-cs"/>
+                        </a:rPr>
+                        <a:t>：</a:t>
+                      </a:r>
+                      <a:r>
+                        <a:rPr lang="en-US" altLang="zh-CN" sz="1800" b="0" i="0" kern="1200" dirty="0" err="1">
+                          <a:solidFill>
+                            <a:schemeClr val="dk1"/>
+                          </a:solidFill>
+                          <a:effectLst/>
+                          <a:latin typeface="+mn-lt"/>
+                          <a:ea typeface="+mn-ea"/>
+                          <a:cs typeface="+mn-cs"/>
+                        </a:rPr>
+                        <a:t>Websockets</a:t>
+                      </a:r>
+                      <a:r>
+                        <a:rPr lang="en-US" altLang="zh-CN" sz="1800" b="0" i="0" kern="1200" dirty="0">
+                          <a:solidFill>
+                            <a:schemeClr val="dk1"/>
+                          </a:solidFill>
+                          <a:effectLst/>
+                          <a:latin typeface="+mn-lt"/>
+                          <a:ea typeface="+mn-ea"/>
+                          <a:cs typeface="+mn-cs"/>
+                        </a:rPr>
+                        <a:t> / MongoDB</a:t>
+                      </a:r>
+                      <a:r>
+                        <a:rPr lang="zh-CN" altLang="en-US" sz="1800" b="0" i="0" kern="1200" dirty="0">
+                          <a:solidFill>
+                            <a:schemeClr val="dk1"/>
+                          </a:solidFill>
+                          <a:effectLst/>
+                          <a:latin typeface="+mn-lt"/>
+                          <a:ea typeface="+mn-ea"/>
+                          <a:cs typeface="+mn-cs"/>
+                        </a:rPr>
+                        <a:t>（</a:t>
+                      </a:r>
+                      <a:r>
+                        <a:rPr lang="en-US" altLang="zh-CN" sz="1800" b="0" i="0" kern="1200" dirty="0">
+                          <a:solidFill>
+                            <a:schemeClr val="dk1"/>
+                          </a:solidFill>
+                          <a:effectLst/>
+                          <a:latin typeface="+mn-lt"/>
+                          <a:ea typeface="+mn-ea"/>
+                          <a:cs typeface="+mn-cs"/>
+                          <a:hlinkClick r:id="rId2"/>
+                        </a:rPr>
+                        <a:t>Wire Protocol</a:t>
+                      </a:r>
+                      <a:r>
+                        <a:rPr lang="en-US" altLang="zh-CN" sz="1800" b="0" i="0" kern="1200" dirty="0">
+                          <a:solidFill>
+                            <a:schemeClr val="dk1"/>
+                          </a:solidFill>
+                          <a:effectLst/>
+                          <a:latin typeface="+mn-lt"/>
+                          <a:ea typeface="+mn-ea"/>
+                          <a:cs typeface="+mn-cs"/>
+                        </a:rPr>
+                        <a:t>  </a:t>
+                      </a:r>
+                      <a:r>
+                        <a:rPr lang="en-US" altLang="zh-CN" sz="1800" b="0" i="0" kern="1200" dirty="0">
+                          <a:solidFill>
+                            <a:schemeClr val="dk1"/>
+                          </a:solidFill>
+                          <a:effectLst/>
+                          <a:latin typeface="+mn-lt"/>
+                          <a:ea typeface="+mn-ea"/>
+                          <a:cs typeface="+mn-cs"/>
+                          <a:hlinkClick r:id="rId3"/>
+                        </a:rPr>
+                        <a:t>part1</a:t>
+                      </a:r>
+                      <a:r>
+                        <a:rPr lang="en-US" altLang="zh-CN" sz="1800" b="0" i="0" kern="1200" dirty="0">
+                          <a:solidFill>
+                            <a:schemeClr val="dk1"/>
+                          </a:solidFill>
+                          <a:effectLst/>
+                          <a:latin typeface="+mn-lt"/>
+                          <a:ea typeface="+mn-ea"/>
+                          <a:cs typeface="+mn-cs"/>
+                        </a:rPr>
+                        <a:t>  </a:t>
+                      </a:r>
+                      <a:r>
+                        <a:rPr lang="en-US" altLang="zh-CN" sz="1800" b="0" i="0" kern="1200" dirty="0">
+                          <a:solidFill>
+                            <a:schemeClr val="dk1"/>
+                          </a:solidFill>
+                          <a:effectLst/>
+                          <a:latin typeface="+mn-lt"/>
+                          <a:ea typeface="+mn-ea"/>
+                          <a:cs typeface="+mn-cs"/>
+                          <a:hlinkClick r:id="rId4"/>
+                        </a:rPr>
+                        <a:t>part2</a:t>
+                      </a:r>
+                      <a:r>
+                        <a:rPr lang="zh-CN" altLang="en-US" sz="1800" b="0" i="0" kern="1200" dirty="0">
+                          <a:solidFill>
+                            <a:schemeClr val="dk1"/>
+                          </a:solidFill>
+                          <a:effectLst/>
+                          <a:latin typeface="+mn-lt"/>
+                          <a:ea typeface="+mn-ea"/>
+                          <a:cs typeface="+mn-cs"/>
+                        </a:rPr>
+                        <a:t>）</a:t>
+                      </a:r>
+                      <a:endParaRPr lang="zh-CN" altLang="en-US" dirty="0"/>
+                    </a:p>
+                  </a:txBody>
+                  <a:tcPr/>
+                </a:tc>
+                <a:tc>
+                  <a:txBody>
+                    <a:bodyPr/>
+                    <a:lstStyle/>
+                    <a:p>
+                      <a:r>
+                        <a:rPr lang="en-US" altLang="zh-CN" dirty="0"/>
+                        <a:t>Stable</a:t>
+                      </a:r>
+                      <a:endParaRPr lang="zh-CN" altLang="en-US" dirty="0"/>
+                    </a:p>
+                  </a:txBody>
+                  <a:tcPr/>
+                </a:tc>
+                <a:extLst>
+                  <a:ext uri="{0D108BD9-81ED-4DB2-BD59-A6C34878D82A}">
+                    <a16:rowId xmlns:a16="http://schemas.microsoft.com/office/drawing/2014/main" val="2727425916"/>
+                  </a:ext>
+                </a:extLst>
+              </a:tr>
+              <a:tr h="370840">
+                <a:tc>
+                  <a:txBody>
+                    <a:bodyPr/>
+                    <a:lstStyle/>
+                    <a:p>
+                      <a:r>
+                        <a:rPr lang="zh-CN" altLang="en-US" sz="1800" b="0" i="0" kern="1200" dirty="0">
+                          <a:solidFill>
+                            <a:schemeClr val="dk1"/>
+                          </a:solidFill>
+                          <a:effectLst/>
+                          <a:latin typeface="+mn-lt"/>
+                          <a:ea typeface="+mn-ea"/>
+                          <a:cs typeface="+mn-cs"/>
+                        </a:rPr>
+                        <a:t>流量控制：基于标签</a:t>
+                      </a:r>
+                      <a:r>
+                        <a:rPr lang="en-US" altLang="zh-CN" sz="1800" b="0" i="0" kern="1200" dirty="0">
+                          <a:solidFill>
+                            <a:schemeClr val="dk1"/>
+                          </a:solidFill>
+                          <a:effectLst/>
+                          <a:latin typeface="+mn-lt"/>
+                          <a:ea typeface="+mn-ea"/>
+                          <a:cs typeface="+mn-cs"/>
+                        </a:rPr>
+                        <a:t>/</a:t>
+                      </a:r>
+                      <a:r>
+                        <a:rPr lang="zh-CN" altLang="en-US" sz="1800" b="0" i="0" kern="1200" dirty="0">
+                          <a:solidFill>
+                            <a:schemeClr val="dk1"/>
+                          </a:solidFill>
+                          <a:effectLst/>
+                          <a:latin typeface="+mn-lt"/>
+                          <a:ea typeface="+mn-ea"/>
+                          <a:cs typeface="+mn-cs"/>
+                        </a:rPr>
+                        <a:t>内容的路由以及流量转移</a:t>
+                      </a:r>
+                      <a:endParaRPr lang="zh-CN" altLang="en-US" dirty="0"/>
+                    </a:p>
+                  </a:txBody>
+                  <a:tcPr/>
+                </a:tc>
+                <a:tc>
+                  <a:txBody>
+                    <a:bodyPr/>
+                    <a:lstStyle/>
+                    <a:p>
+                      <a:r>
+                        <a:rPr lang="en-US" altLang="zh-CN" dirty="0"/>
+                        <a:t>Stable</a:t>
+                      </a:r>
+                      <a:endParaRPr lang="zh-CN" altLang="en-US" dirty="0"/>
+                    </a:p>
+                  </a:txBody>
+                  <a:tcPr/>
+                </a:tc>
+                <a:extLst>
+                  <a:ext uri="{0D108BD9-81ED-4DB2-BD59-A6C34878D82A}">
+                    <a16:rowId xmlns:a16="http://schemas.microsoft.com/office/drawing/2014/main" val="221875138"/>
+                  </a:ext>
+                </a:extLst>
+              </a:tr>
+              <a:tr h="370840">
+                <a:tc>
+                  <a:txBody>
+                    <a:bodyPr/>
+                    <a:lstStyle/>
+                    <a:p>
+                      <a:r>
+                        <a:rPr lang="zh-CN" altLang="en-US" sz="1800" b="0" i="0" kern="1200" dirty="0">
+                          <a:solidFill>
+                            <a:schemeClr val="dk1"/>
+                          </a:solidFill>
+                          <a:effectLst/>
+                          <a:latin typeface="+mn-lt"/>
+                          <a:ea typeface="+mn-ea"/>
+                          <a:cs typeface="+mn-cs"/>
+                        </a:rPr>
+                        <a:t>弹性功能：超时，重试，连接池，异常值检测</a:t>
+                      </a:r>
+                      <a:endParaRPr lang="zh-CN" altLang="en-US" dirty="0"/>
+                    </a:p>
+                  </a:txBody>
+                  <a:tcPr/>
+                </a:tc>
+                <a:tc>
+                  <a:txBody>
+                    <a:bodyPr/>
+                    <a:lstStyle/>
+                    <a:p>
+                      <a:r>
+                        <a:rPr lang="en-US" altLang="zh-CN" dirty="0"/>
+                        <a:t>Stable</a:t>
+                      </a:r>
+                      <a:endParaRPr lang="zh-CN" altLang="en-US" dirty="0"/>
+                    </a:p>
+                  </a:txBody>
+                  <a:tcPr/>
+                </a:tc>
+                <a:extLst>
+                  <a:ext uri="{0D108BD9-81ED-4DB2-BD59-A6C34878D82A}">
+                    <a16:rowId xmlns:a16="http://schemas.microsoft.com/office/drawing/2014/main" val="2328188323"/>
+                  </a:ext>
+                </a:extLst>
+              </a:tr>
+              <a:tr h="370840">
+                <a:tc>
+                  <a:txBody>
+                    <a:bodyPr/>
+                    <a:lstStyle/>
+                    <a:p>
+                      <a:r>
+                        <a:rPr lang="zh-CN" altLang="en-US" sz="1800" b="0" i="0" kern="1200" dirty="0">
+                          <a:solidFill>
+                            <a:schemeClr val="dk1"/>
+                          </a:solidFill>
+                          <a:effectLst/>
+                          <a:latin typeface="+mn-lt"/>
+                          <a:ea typeface="+mn-ea"/>
+                          <a:cs typeface="+mn-cs"/>
+                        </a:rPr>
+                        <a:t>网关：所有协议的入口</a:t>
+                      </a:r>
+                      <a:r>
+                        <a:rPr lang="en-US" altLang="zh-CN" sz="1800" b="0" i="0" kern="1200" dirty="0">
+                          <a:solidFill>
+                            <a:schemeClr val="dk1"/>
+                          </a:solidFill>
+                          <a:effectLst/>
+                          <a:latin typeface="+mn-lt"/>
+                          <a:ea typeface="+mn-ea"/>
+                          <a:cs typeface="+mn-cs"/>
+                        </a:rPr>
+                        <a:t>(Ingress)</a:t>
+                      </a:r>
+                      <a:r>
+                        <a:rPr lang="zh-CN" altLang="en-US" sz="1800" b="0" i="0" kern="1200" dirty="0">
+                          <a:solidFill>
+                            <a:schemeClr val="dk1"/>
+                          </a:solidFill>
+                          <a:effectLst/>
+                          <a:latin typeface="+mn-lt"/>
+                          <a:ea typeface="+mn-ea"/>
+                          <a:cs typeface="+mn-cs"/>
+                        </a:rPr>
+                        <a:t>，出口</a:t>
+                      </a:r>
+                      <a:r>
+                        <a:rPr lang="en-US" altLang="zh-CN" sz="1800" b="0" i="0" kern="1200" dirty="0">
+                          <a:solidFill>
+                            <a:schemeClr val="dk1"/>
+                          </a:solidFill>
+                          <a:effectLst/>
+                          <a:latin typeface="+mn-lt"/>
+                          <a:ea typeface="+mn-ea"/>
+                          <a:cs typeface="+mn-cs"/>
+                        </a:rPr>
+                        <a:t>(Egress)</a:t>
+                      </a:r>
+                      <a:endParaRPr lang="zh-CN" altLang="en-US" dirty="0"/>
+                    </a:p>
+                  </a:txBody>
+                  <a:tcPr/>
+                </a:tc>
+                <a:tc>
+                  <a:txBody>
+                    <a:bodyPr/>
+                    <a:lstStyle/>
+                    <a:p>
+                      <a:r>
+                        <a:rPr lang="en-US" altLang="zh-CN" dirty="0"/>
+                        <a:t>Stable</a:t>
+                      </a:r>
+                      <a:endParaRPr lang="zh-CN" altLang="en-US" dirty="0"/>
+                    </a:p>
+                  </a:txBody>
+                  <a:tcPr/>
+                </a:tc>
+                <a:extLst>
+                  <a:ext uri="{0D108BD9-81ED-4DB2-BD59-A6C34878D82A}">
+                    <a16:rowId xmlns:a16="http://schemas.microsoft.com/office/drawing/2014/main" val="550434295"/>
+                  </a:ext>
+                </a:extLst>
+              </a:tr>
+              <a:tr h="370840">
+                <a:tc>
+                  <a:txBody>
+                    <a:bodyPr/>
+                    <a:lstStyle/>
+                    <a:p>
+                      <a:r>
+                        <a:rPr lang="zh-CN" altLang="en-US" sz="1800" b="0" i="0" kern="1200" dirty="0">
+                          <a:solidFill>
+                            <a:schemeClr val="dk1"/>
+                          </a:solidFill>
+                          <a:effectLst/>
+                          <a:latin typeface="+mn-lt"/>
+                          <a:ea typeface="+mn-ea"/>
+                          <a:cs typeface="+mn-cs"/>
+                        </a:rPr>
+                        <a:t>网关中的</a:t>
+                      </a:r>
+                      <a:r>
+                        <a:rPr lang="en-US" altLang="zh-CN" sz="1800" b="0" i="0" kern="1200" dirty="0">
+                          <a:solidFill>
+                            <a:schemeClr val="dk1"/>
+                          </a:solidFill>
+                          <a:effectLst/>
+                          <a:latin typeface="+mn-lt"/>
+                          <a:ea typeface="+mn-ea"/>
+                          <a:cs typeface="+mn-cs"/>
+                        </a:rPr>
+                        <a:t>TLS</a:t>
+                      </a:r>
+                      <a:r>
+                        <a:rPr lang="zh-CN" altLang="en-US" sz="1800" b="0" i="0" kern="1200" dirty="0">
+                          <a:solidFill>
+                            <a:schemeClr val="dk1"/>
+                          </a:solidFill>
+                          <a:effectLst/>
+                          <a:latin typeface="+mn-lt"/>
+                          <a:ea typeface="+mn-ea"/>
+                          <a:cs typeface="+mn-cs"/>
+                        </a:rPr>
+                        <a:t>终止和</a:t>
+                      </a:r>
+                      <a:r>
+                        <a:rPr lang="en-US" altLang="zh-CN" sz="1800" b="0" i="0" kern="1200" dirty="0">
+                          <a:solidFill>
+                            <a:schemeClr val="dk1"/>
+                          </a:solidFill>
+                          <a:effectLst/>
+                          <a:latin typeface="+mn-lt"/>
+                          <a:ea typeface="+mn-ea"/>
+                          <a:cs typeface="+mn-cs"/>
+                        </a:rPr>
+                        <a:t>SNI(Server Name Indication)</a:t>
+                      </a:r>
+                      <a:r>
+                        <a:rPr lang="zh-CN" altLang="en-US" sz="1800" b="0" i="0" kern="1200" dirty="0">
+                          <a:solidFill>
+                            <a:schemeClr val="dk1"/>
+                          </a:solidFill>
+                          <a:effectLst/>
+                          <a:latin typeface="+mn-lt"/>
+                          <a:ea typeface="+mn-ea"/>
+                          <a:cs typeface="+mn-cs"/>
+                        </a:rPr>
+                        <a:t>支持</a:t>
+                      </a:r>
+                      <a:endParaRPr lang="zh-CN" altLang="en-US" dirty="0"/>
+                    </a:p>
+                  </a:txBody>
+                  <a:tcPr/>
+                </a:tc>
+                <a:tc>
+                  <a:txBody>
+                    <a:bodyPr/>
+                    <a:lstStyle/>
+                    <a:p>
+                      <a:r>
+                        <a:rPr lang="en-US" altLang="zh-CN" dirty="0"/>
+                        <a:t>Stable</a:t>
+                      </a:r>
+                      <a:endParaRPr lang="zh-CN" altLang="en-US" dirty="0"/>
+                    </a:p>
+                  </a:txBody>
+                  <a:tcPr/>
+                </a:tc>
+                <a:extLst>
+                  <a:ext uri="{0D108BD9-81ED-4DB2-BD59-A6C34878D82A}">
+                    <a16:rowId xmlns:a16="http://schemas.microsoft.com/office/drawing/2014/main" val="2765440661"/>
+                  </a:ext>
+                </a:extLst>
+              </a:tr>
+              <a:tr h="370840">
+                <a:tc>
+                  <a:txBody>
+                    <a:bodyPr/>
+                    <a:lstStyle/>
+                    <a:p>
+                      <a:r>
+                        <a:rPr lang="en-US" altLang="zh-CN" sz="1800" b="0" i="0" kern="1200" dirty="0">
+                          <a:solidFill>
+                            <a:schemeClr val="dk1"/>
+                          </a:solidFill>
+                          <a:effectLst/>
+                          <a:latin typeface="+mn-lt"/>
+                          <a:ea typeface="+mn-ea"/>
+                          <a:cs typeface="+mn-cs"/>
+                        </a:rPr>
+                        <a:t>Ingress</a:t>
+                      </a:r>
+                      <a:r>
+                        <a:rPr lang="zh-CN" altLang="en-US" sz="1800" b="0" i="0" kern="1200" dirty="0">
+                          <a:solidFill>
+                            <a:schemeClr val="dk1"/>
+                          </a:solidFill>
+                          <a:effectLst/>
+                          <a:latin typeface="+mn-lt"/>
+                          <a:ea typeface="+mn-ea"/>
+                          <a:cs typeface="+mn-cs"/>
+                        </a:rPr>
+                        <a:t>的</a:t>
+                      </a:r>
+                      <a:r>
+                        <a:rPr lang="en-US" altLang="zh-CN" sz="1800" b="0" i="0" kern="1200" dirty="0">
+                          <a:solidFill>
+                            <a:schemeClr val="dk1"/>
+                          </a:solidFill>
+                          <a:effectLst/>
+                          <a:latin typeface="+mn-lt"/>
+                          <a:ea typeface="+mn-ea"/>
+                          <a:cs typeface="+mn-cs"/>
+                        </a:rPr>
+                        <a:t>SNI</a:t>
+                      </a:r>
+                      <a:r>
+                        <a:rPr lang="zh-CN" altLang="en-US" sz="1800" b="0" i="0" kern="1200" dirty="0">
+                          <a:solidFill>
+                            <a:schemeClr val="dk1"/>
+                          </a:solidFill>
+                          <a:effectLst/>
+                          <a:latin typeface="+mn-lt"/>
+                          <a:ea typeface="+mn-ea"/>
+                          <a:cs typeface="+mn-cs"/>
+                        </a:rPr>
+                        <a:t>多个证书管理的支持</a:t>
+                      </a:r>
+                      <a:endParaRPr lang="zh-CN" altLang="en-US" dirty="0"/>
+                    </a:p>
+                  </a:txBody>
+                  <a:tcPr/>
+                </a:tc>
+                <a:tc>
+                  <a:txBody>
+                    <a:bodyPr/>
+                    <a:lstStyle/>
+                    <a:p>
+                      <a:r>
+                        <a:rPr lang="en-US" altLang="zh-CN" dirty="0"/>
+                        <a:t>Stable</a:t>
+                      </a:r>
+                      <a:endParaRPr lang="zh-CN" altLang="en-US" dirty="0"/>
+                    </a:p>
+                  </a:txBody>
+                  <a:tcPr/>
+                </a:tc>
+                <a:extLst>
+                  <a:ext uri="{0D108BD9-81ED-4DB2-BD59-A6C34878D82A}">
+                    <a16:rowId xmlns:a16="http://schemas.microsoft.com/office/drawing/2014/main" val="767292555"/>
+                  </a:ext>
+                </a:extLst>
+              </a:tr>
+              <a:tr h="370840">
+                <a:tc>
+                  <a:txBody>
+                    <a:bodyPr/>
+                    <a:lstStyle/>
+                    <a:p>
+                      <a:r>
+                        <a:rPr lang="zh-CN" altLang="en-US" sz="1800" b="0" i="0" kern="1200" dirty="0">
+                          <a:solidFill>
+                            <a:schemeClr val="dk1"/>
+                          </a:solidFill>
+                          <a:effectLst/>
+                          <a:latin typeface="+mn-lt"/>
+                          <a:ea typeface="+mn-ea"/>
+                          <a:cs typeface="+mn-cs"/>
+                        </a:rPr>
+                        <a:t>本地负载均衡</a:t>
+                      </a:r>
+                      <a:endParaRPr lang="zh-CN" altLang="en-US" dirty="0"/>
+                    </a:p>
+                  </a:txBody>
+                  <a:tcPr/>
+                </a:tc>
+                <a:tc>
+                  <a:txBody>
+                    <a:bodyPr/>
+                    <a:lstStyle/>
+                    <a:p>
+                      <a:r>
+                        <a:rPr lang="en-US" altLang="zh-CN" sz="1800" b="0" i="0" kern="1200" dirty="0">
+                          <a:solidFill>
+                            <a:schemeClr val="dk1"/>
+                          </a:solidFill>
+                          <a:effectLst/>
+                          <a:latin typeface="+mn-lt"/>
+                          <a:ea typeface="+mn-ea"/>
+                          <a:cs typeface="+mn-cs"/>
+                        </a:rPr>
+                        <a:t>Beta</a:t>
+                      </a:r>
+                      <a:endParaRPr lang="zh-CN" altLang="en-US" dirty="0"/>
+                    </a:p>
+                  </a:txBody>
+                  <a:tcPr/>
+                </a:tc>
+                <a:extLst>
+                  <a:ext uri="{0D108BD9-81ED-4DB2-BD59-A6C34878D82A}">
+                    <a16:rowId xmlns:a16="http://schemas.microsoft.com/office/drawing/2014/main" val="3880737107"/>
+                  </a:ext>
+                </a:extLst>
+              </a:tr>
+              <a:tr h="370840">
+                <a:tc>
+                  <a:txBody>
+                    <a:bodyPr/>
+                    <a:lstStyle/>
+                    <a:p>
+                      <a:r>
+                        <a:rPr lang="zh-CN" altLang="en-US" sz="1800" b="0" i="0" kern="1200" dirty="0">
+                          <a:solidFill>
+                            <a:schemeClr val="dk1"/>
+                          </a:solidFill>
+                          <a:effectLst/>
+                          <a:latin typeface="+mn-lt"/>
+                          <a:ea typeface="+mn-ea"/>
+                          <a:cs typeface="+mn-cs"/>
+                        </a:rPr>
+                        <a:t>在</a:t>
+                      </a:r>
+                      <a:r>
+                        <a:rPr lang="en-US" altLang="zh-CN" sz="1800" b="0" i="0" kern="1200" dirty="0">
+                          <a:solidFill>
+                            <a:schemeClr val="dk1"/>
+                          </a:solidFill>
+                          <a:effectLst/>
+                          <a:latin typeface="+mn-lt"/>
+                          <a:ea typeface="+mn-ea"/>
+                          <a:cs typeface="+mn-cs"/>
+                        </a:rPr>
+                        <a:t>Envoy</a:t>
+                      </a:r>
+                      <a:r>
+                        <a:rPr lang="zh-CN" altLang="en-US" sz="1800" b="0" i="0" kern="1200" dirty="0">
+                          <a:solidFill>
+                            <a:schemeClr val="dk1"/>
+                          </a:solidFill>
+                          <a:effectLst/>
+                          <a:latin typeface="+mn-lt"/>
+                          <a:ea typeface="+mn-ea"/>
+                          <a:cs typeface="+mn-cs"/>
+                        </a:rPr>
+                        <a:t>中启用自定义过滤器</a:t>
+                      </a:r>
+                      <a:endParaRPr lang="zh-CN" altLang="en-US" dirty="0"/>
+                    </a:p>
+                  </a:txBody>
+                  <a:tcPr/>
+                </a:tc>
+                <a:tc>
+                  <a:txBody>
+                    <a:bodyPr/>
+                    <a:lstStyle/>
+                    <a:p>
+                      <a:r>
+                        <a:rPr lang="en-US" altLang="zh-CN" sz="1800" b="0" i="0" kern="1200" dirty="0">
+                          <a:solidFill>
+                            <a:schemeClr val="dk1"/>
+                          </a:solidFill>
+                          <a:effectLst/>
+                          <a:latin typeface="+mn-lt"/>
+                          <a:ea typeface="+mn-ea"/>
+                          <a:cs typeface="+mn-cs"/>
+                        </a:rPr>
+                        <a:t>Alpha</a:t>
+                      </a:r>
+                      <a:endParaRPr lang="zh-CN" altLang="en-US" dirty="0"/>
+                    </a:p>
+                  </a:txBody>
+                  <a:tcPr/>
+                </a:tc>
+                <a:extLst>
+                  <a:ext uri="{0D108BD9-81ED-4DB2-BD59-A6C34878D82A}">
+                    <a16:rowId xmlns:a16="http://schemas.microsoft.com/office/drawing/2014/main" val="1819150869"/>
+                  </a:ext>
+                </a:extLst>
+              </a:tr>
+              <a:tr h="370840">
+                <a:tc>
+                  <a:txBody>
+                    <a:bodyPr/>
+                    <a:lstStyle/>
+                    <a:p>
+                      <a:r>
+                        <a:rPr lang="en-US" altLang="zh-CN" sz="1800" b="0" i="0" kern="1200" dirty="0">
+                          <a:solidFill>
+                            <a:schemeClr val="dk1"/>
+                          </a:solidFill>
+                          <a:effectLst/>
+                          <a:latin typeface="+mn-lt"/>
+                          <a:ea typeface="+mn-ea"/>
+                          <a:cs typeface="+mn-cs"/>
+                        </a:rPr>
+                        <a:t>CNI</a:t>
+                      </a:r>
+                      <a:r>
+                        <a:rPr lang="zh-CN" altLang="en-US" sz="1800" b="0" i="0" kern="1200" dirty="0">
+                          <a:solidFill>
+                            <a:schemeClr val="dk1"/>
+                          </a:solidFill>
+                          <a:effectLst/>
+                          <a:latin typeface="+mn-lt"/>
+                          <a:ea typeface="+mn-ea"/>
+                          <a:cs typeface="+mn-cs"/>
+                        </a:rPr>
+                        <a:t>容器接口</a:t>
+                      </a:r>
+                      <a:endParaRPr lang="zh-CN" altLang="en-US" dirty="0"/>
+                    </a:p>
+                  </a:txBody>
+                  <a:tcPr/>
+                </a:tc>
+                <a:tc>
+                  <a:txBody>
+                    <a:bodyPr/>
+                    <a:lstStyle/>
+                    <a:p>
+                      <a:r>
+                        <a:rPr lang="en-US" altLang="zh-CN" sz="1800" b="0" i="0" kern="1200" dirty="0">
+                          <a:solidFill>
+                            <a:schemeClr val="dk1"/>
+                          </a:solidFill>
+                          <a:effectLst/>
+                          <a:latin typeface="+mn-lt"/>
+                          <a:ea typeface="+mn-ea"/>
+                          <a:cs typeface="+mn-cs"/>
+                        </a:rPr>
+                        <a:t>Alpha</a:t>
+                      </a:r>
+                      <a:endParaRPr lang="zh-CN" altLang="en-US" dirty="0"/>
+                    </a:p>
+                  </a:txBody>
+                  <a:tcPr/>
+                </a:tc>
+                <a:extLst>
+                  <a:ext uri="{0D108BD9-81ED-4DB2-BD59-A6C34878D82A}">
+                    <a16:rowId xmlns:a16="http://schemas.microsoft.com/office/drawing/2014/main" val="2012529627"/>
+                  </a:ext>
+                </a:extLst>
+              </a:tr>
+              <a:tr h="370840">
+                <a:tc>
+                  <a:txBody>
+                    <a:bodyPr/>
+                    <a:lstStyle/>
+                    <a:p>
+                      <a:r>
+                        <a:rPr lang="en-US" altLang="zh-CN" sz="1800" b="0" i="0" u="sng" kern="1200" dirty="0">
+                          <a:solidFill>
+                            <a:schemeClr val="dk1"/>
+                          </a:solidFill>
+                          <a:effectLst/>
+                          <a:latin typeface="+mn-lt"/>
+                          <a:ea typeface="+mn-ea"/>
+                          <a:cs typeface="+mn-cs"/>
+                          <a:hlinkClick r:id="rId5"/>
+                        </a:rPr>
+                        <a:t>Sidecar API</a:t>
+                      </a:r>
+                      <a:endParaRPr lang="zh-CN" altLang="en-US" dirty="0"/>
+                    </a:p>
+                  </a:txBody>
+                  <a:tcPr/>
+                </a:tc>
+                <a:tc>
+                  <a:txBody>
+                    <a:bodyPr/>
+                    <a:lstStyle/>
+                    <a:p>
+                      <a:r>
+                        <a:rPr lang="en-US" altLang="zh-CN" sz="1800" b="0" i="0" kern="1200" dirty="0">
+                          <a:solidFill>
+                            <a:schemeClr val="dk1"/>
+                          </a:solidFill>
+                          <a:effectLst/>
+                          <a:latin typeface="+mn-lt"/>
+                          <a:ea typeface="+mn-ea"/>
+                          <a:cs typeface="+mn-cs"/>
+                        </a:rPr>
+                        <a:t>Beta</a:t>
+                      </a:r>
+                      <a:endParaRPr lang="zh-CN" altLang="en-US" dirty="0"/>
+                    </a:p>
+                  </a:txBody>
+                  <a:tcPr/>
+                </a:tc>
+                <a:extLst>
+                  <a:ext uri="{0D108BD9-81ED-4DB2-BD59-A6C34878D82A}">
+                    <a16:rowId xmlns:a16="http://schemas.microsoft.com/office/drawing/2014/main" val="2101396715"/>
+                  </a:ext>
+                </a:extLst>
+              </a:tr>
+            </a:tbl>
+          </a:graphicData>
+        </a:graphic>
+      </p:graphicFrame>
+      <p:sp>
+        <p:nvSpPr>
+          <p:cNvPr id="4" name="日期占位符 3">
+            <a:extLst>
+              <a:ext uri="{FF2B5EF4-FFF2-40B4-BE49-F238E27FC236}">
+                <a16:creationId xmlns:a16="http://schemas.microsoft.com/office/drawing/2014/main" id="{7F18F337-A421-4DF4-97AD-37CBF7194220}"/>
+              </a:ext>
+            </a:extLst>
+          </p:cNvPr>
+          <p:cNvSpPr>
+            <a:spLocks noGrp="1"/>
+          </p:cNvSpPr>
+          <p:nvPr>
+            <p:ph type="dt" sz="half" idx="10"/>
+          </p:nvPr>
+        </p:nvSpPr>
+        <p:spPr/>
+        <p:txBody>
+          <a:bodyPr/>
+          <a:lstStyle/>
+          <a:p>
+            <a:pPr rtl="0"/>
+            <a:fld id="{F24FFC25-0C05-49C8-B150-3CF6B89B5C55}" type="datetime1">
+              <a:rPr lang="zh-CN" altLang="en-US" smtClean="0"/>
+              <a:t>2020/4/10</a:t>
+            </a:fld>
+            <a:endParaRPr lang="en-US" dirty="0"/>
+          </a:p>
+        </p:txBody>
+      </p:sp>
+    </p:spTree>
+    <p:extLst>
+      <p:ext uri="{BB962C8B-B14F-4D97-AF65-F5344CB8AC3E}">
+        <p14:creationId xmlns:p14="http://schemas.microsoft.com/office/powerpoint/2010/main" val="5016156"/>
+      </p:ext>
+    </p:extLst>
+  </p:cSld>
+  <p:clrMapOvr>
+    <a:masterClrMapping/>
+  </p:clrMapOvr>
+</p:sld>
+</file>
+
+<file path=ppt/slides/slide18.xml><?xml version="1.0" encoding="utf-8"?>
+<p:sld xmlns:a="http://schemas.openxmlformats.org/drawingml/2006/main" xmlns:r="http://schemas.openxmlformats.org/officeDocument/2006/relationships" xmlns:p="http://schemas.openxmlformats.org/presentationml/2006/main">
+  <p:cSld>
+    <p:spTree>
+      <p:nvGrpSpPr>
+        <p:cNvPr id="1" name=""/>
+        <p:cNvGrpSpPr/>
+        <p:nvPr/>
+      </p:nvGrpSpPr>
+      <p:grpSpPr>
+        <a:xfrm>
+          <a:off x="0" y="0"/>
+          <a:ext cx="0" cy="0"/>
+          <a:chOff x="0" y="0"/>
+          <a:chExt cx="0" cy="0"/>
+        </a:xfrm>
+      </p:grpSpPr>
+      <p:sp>
+        <p:nvSpPr>
+          <p:cNvPr id="2" name="标题 1">
+            <a:extLst>
+              <a:ext uri="{FF2B5EF4-FFF2-40B4-BE49-F238E27FC236}">
+                <a16:creationId xmlns:a16="http://schemas.microsoft.com/office/drawing/2014/main" id="{D1ACA5FA-2BFD-4578-A613-C4629DBAC548}"/>
+              </a:ext>
+            </a:extLst>
+          </p:cNvPr>
+          <p:cNvSpPr>
+            <a:spLocks noGrp="1"/>
+          </p:cNvSpPr>
+          <p:nvPr>
+            <p:ph type="title"/>
+          </p:nvPr>
+        </p:nvSpPr>
+        <p:spPr>
+          <a:xfrm>
+            <a:off x="581192" y="702156"/>
+            <a:ext cx="11029616" cy="644044"/>
+          </a:xfrm>
+        </p:spPr>
+        <p:txBody>
+          <a:bodyPr/>
+          <a:lstStyle/>
+          <a:p>
+            <a:r>
+              <a:rPr lang="zh-CN" altLang="en-US" b="0" dirty="0"/>
+              <a:t>可观测性</a:t>
+            </a:r>
+            <a:endParaRPr lang="zh-CN" altLang="en-US" dirty="0"/>
+          </a:p>
+        </p:txBody>
+      </p:sp>
+      <p:graphicFrame>
+        <p:nvGraphicFramePr>
+          <p:cNvPr id="5" name="表格 5">
+            <a:extLst>
+              <a:ext uri="{FF2B5EF4-FFF2-40B4-BE49-F238E27FC236}">
+                <a16:creationId xmlns:a16="http://schemas.microsoft.com/office/drawing/2014/main" id="{CBB9B262-D75F-45BC-8FC3-18B81CBD57EF}"/>
+              </a:ext>
+            </a:extLst>
+          </p:cNvPr>
+          <p:cNvGraphicFramePr>
+            <a:graphicFrameLocks noGrp="1"/>
+          </p:cNvGraphicFramePr>
+          <p:nvPr>
+            <p:ph idx="1"/>
+            <p:extLst>
+              <p:ext uri="{D42A27DB-BD31-4B8C-83A1-F6EECF244321}">
+                <p14:modId xmlns:p14="http://schemas.microsoft.com/office/powerpoint/2010/main" val="1523725575"/>
+              </p:ext>
+            </p:extLst>
+          </p:nvPr>
+        </p:nvGraphicFramePr>
+        <p:xfrm>
+          <a:off x="580858" y="1547813"/>
+          <a:ext cx="11029950" cy="4450080"/>
+        </p:xfrm>
+        <a:graphic>
+          <a:graphicData uri="http://schemas.openxmlformats.org/drawingml/2006/table">
+            <a:tbl>
+              <a:tblPr firstRow="1" bandRow="1">
+                <a:tableStyleId>{5C22544A-7EE6-4342-B048-85BDC9FD1C3A}</a:tableStyleId>
+              </a:tblPr>
+              <a:tblGrid>
+                <a:gridCol w="5514975">
+                  <a:extLst>
+                    <a:ext uri="{9D8B030D-6E8A-4147-A177-3AD203B41FA5}">
+                      <a16:colId xmlns:a16="http://schemas.microsoft.com/office/drawing/2014/main" val="2098588716"/>
+                    </a:ext>
+                  </a:extLst>
+                </a:gridCol>
+                <a:gridCol w="5514975">
+                  <a:extLst>
+                    <a:ext uri="{9D8B030D-6E8A-4147-A177-3AD203B41FA5}">
+                      <a16:colId xmlns:a16="http://schemas.microsoft.com/office/drawing/2014/main" val="474341515"/>
+                    </a:ext>
+                  </a:extLst>
+                </a:gridCol>
+              </a:tblGrid>
+              <a:tr h="370840">
+                <a:tc>
+                  <a:txBody>
+                    <a:bodyPr/>
+                    <a:lstStyle/>
+                    <a:p>
+                      <a:r>
+                        <a:rPr lang="zh-CN" altLang="en-US" dirty="0"/>
+                        <a:t>功能</a:t>
+                      </a:r>
+                    </a:p>
+                  </a:txBody>
+                  <a:tcPr/>
+                </a:tc>
+                <a:tc>
+                  <a:txBody>
+                    <a:bodyPr/>
+                    <a:lstStyle/>
+                    <a:p>
+                      <a:r>
+                        <a:rPr lang="zh-CN" altLang="en-US" dirty="0"/>
+                        <a:t>阶段</a:t>
+                      </a:r>
+                    </a:p>
+                  </a:txBody>
+                  <a:tcPr/>
+                </a:tc>
+                <a:extLst>
+                  <a:ext uri="{0D108BD9-81ED-4DB2-BD59-A6C34878D82A}">
+                    <a16:rowId xmlns:a16="http://schemas.microsoft.com/office/drawing/2014/main" val="619173415"/>
+                  </a:ext>
+                </a:extLst>
+              </a:tr>
+              <a:tr h="370840">
+                <a:tc>
+                  <a:txBody>
+                    <a:bodyPr/>
+                    <a:lstStyle/>
+                    <a:p>
+                      <a:r>
+                        <a:rPr lang="en-US" altLang="zh-CN" dirty="0"/>
+                        <a:t>Prometheus</a:t>
+                      </a:r>
+                      <a:r>
+                        <a:rPr lang="zh-CN" altLang="en-US" dirty="0"/>
+                        <a:t>集成</a:t>
+                      </a:r>
+                    </a:p>
+                  </a:txBody>
+                  <a:tcPr/>
+                </a:tc>
+                <a:tc>
+                  <a:txBody>
+                    <a:bodyPr/>
+                    <a:lstStyle/>
+                    <a:p>
+                      <a:r>
+                        <a:rPr lang="en-US" altLang="zh-CN" sz="1800" b="0" i="0" kern="1200" dirty="0">
+                          <a:solidFill>
+                            <a:schemeClr val="dk1"/>
+                          </a:solidFill>
+                          <a:effectLst/>
+                          <a:latin typeface="+mn-lt"/>
+                          <a:ea typeface="+mn-ea"/>
+                          <a:cs typeface="+mn-cs"/>
+                        </a:rPr>
+                        <a:t>Stable</a:t>
+                      </a:r>
+                      <a:endParaRPr lang="zh-CN" altLang="en-US" dirty="0"/>
+                    </a:p>
+                  </a:txBody>
+                  <a:tcPr/>
+                </a:tc>
+                <a:extLst>
+                  <a:ext uri="{0D108BD9-81ED-4DB2-BD59-A6C34878D82A}">
+                    <a16:rowId xmlns:a16="http://schemas.microsoft.com/office/drawing/2014/main" val="2227189336"/>
+                  </a:ext>
+                </a:extLst>
+              </a:tr>
+              <a:tr h="370840">
+                <a:tc>
+                  <a:txBody>
+                    <a:bodyPr/>
+                    <a:lstStyle/>
+                    <a:p>
+                      <a:r>
+                        <a:rPr lang="zh-CN" altLang="en-US" dirty="0"/>
+                        <a:t>本地日志记录</a:t>
+                      </a:r>
+                      <a:r>
+                        <a:rPr lang="en-US" altLang="zh-CN" dirty="0"/>
+                        <a:t>(STDIO)</a:t>
+                      </a:r>
+                      <a:endParaRPr lang="zh-CN" altLang="en-US" dirty="0"/>
+                    </a:p>
+                  </a:txBody>
+                  <a:tcPr/>
+                </a:tc>
+                <a:tc>
+                  <a:txBody>
+                    <a:bodyPr/>
+                    <a:lstStyle/>
+                    <a:p>
+                      <a:r>
+                        <a:rPr lang="en-US" altLang="zh-CN" sz="1800" b="0" i="0" kern="1200" dirty="0">
+                          <a:solidFill>
+                            <a:schemeClr val="dk1"/>
+                          </a:solidFill>
+                          <a:effectLst/>
+                          <a:latin typeface="+mn-lt"/>
+                          <a:ea typeface="+mn-ea"/>
+                          <a:cs typeface="+mn-cs"/>
+                        </a:rPr>
+                        <a:t>Stable</a:t>
+                      </a:r>
+                      <a:endParaRPr lang="zh-CN" altLang="en-US" dirty="0"/>
+                    </a:p>
+                  </a:txBody>
+                  <a:tcPr/>
+                </a:tc>
+                <a:extLst>
+                  <a:ext uri="{0D108BD9-81ED-4DB2-BD59-A6C34878D82A}">
+                    <a16:rowId xmlns:a16="http://schemas.microsoft.com/office/drawing/2014/main" val="2281617275"/>
+                  </a:ext>
+                </a:extLst>
+              </a:tr>
+              <a:tr h="370840">
+                <a:tc>
+                  <a:txBody>
+                    <a:bodyPr/>
+                    <a:lstStyle/>
+                    <a:p>
+                      <a:r>
+                        <a:rPr lang="en-US" altLang="zh-CN" sz="1800" b="0" i="0" u="none" strike="noStrike" kern="1200" dirty="0" err="1">
+                          <a:solidFill>
+                            <a:schemeClr val="dk1"/>
+                          </a:solidFill>
+                          <a:effectLst/>
+                          <a:latin typeface="+mn-lt"/>
+                          <a:ea typeface="+mn-ea"/>
+                          <a:cs typeface="+mn-cs"/>
+                        </a:rPr>
+                        <a:t>Statsd</a:t>
+                      </a:r>
+                      <a:r>
+                        <a:rPr lang="en-US" altLang="zh-CN" sz="1800" b="0" i="0" u="none" strike="noStrike" kern="1200" dirty="0">
+                          <a:solidFill>
+                            <a:schemeClr val="dk1"/>
+                          </a:solidFill>
+                          <a:effectLst/>
+                          <a:latin typeface="+mn-lt"/>
+                          <a:ea typeface="+mn-ea"/>
+                          <a:cs typeface="+mn-cs"/>
+                        </a:rPr>
+                        <a:t>(</a:t>
+                      </a:r>
+                      <a:r>
+                        <a:rPr lang="zh-CN" altLang="en-US" sz="1800" b="0" i="0" u="none" strike="noStrike" kern="1200" dirty="0">
+                          <a:solidFill>
+                            <a:schemeClr val="dk1"/>
+                          </a:solidFill>
+                          <a:effectLst/>
+                          <a:latin typeface="+mn-lt"/>
+                          <a:ea typeface="+mn-ea"/>
+                          <a:cs typeface="+mn-cs"/>
+                        </a:rPr>
+                        <a:t>也很流行</a:t>
+                      </a:r>
+                      <a:r>
+                        <a:rPr lang="en-US" altLang="zh-CN" sz="1800" b="0" i="0" u="none" strike="noStrike" kern="1200" dirty="0">
+                          <a:solidFill>
+                            <a:schemeClr val="dk1"/>
+                          </a:solidFill>
+                          <a:effectLst/>
+                          <a:latin typeface="+mn-lt"/>
+                          <a:ea typeface="+mn-ea"/>
+                          <a:cs typeface="+mn-cs"/>
+                        </a:rPr>
+                        <a:t>)</a:t>
+                      </a:r>
+                      <a:r>
+                        <a:rPr lang="zh-CN" altLang="en-US" sz="1800" b="0" i="0" u="none" strike="noStrike" kern="1200" dirty="0">
+                          <a:solidFill>
+                            <a:schemeClr val="dk1"/>
+                          </a:solidFill>
+                          <a:effectLst/>
+                          <a:latin typeface="+mn-lt"/>
+                          <a:ea typeface="+mn-ea"/>
+                          <a:cs typeface="+mn-cs"/>
+                        </a:rPr>
+                        <a:t>集成</a:t>
+                      </a:r>
+                      <a:endParaRPr lang="zh-CN" altLang="en-US" dirty="0"/>
+                    </a:p>
+                  </a:txBody>
+                  <a:tcPr/>
+                </a:tc>
+                <a:tc>
+                  <a:txBody>
+                    <a:bodyPr/>
+                    <a:lstStyle/>
+                    <a:p>
+                      <a:r>
+                        <a:rPr lang="en-US" altLang="zh-CN" sz="1800" b="0" i="0" kern="1200" dirty="0">
+                          <a:solidFill>
+                            <a:schemeClr val="dk1"/>
+                          </a:solidFill>
+                          <a:effectLst/>
+                          <a:latin typeface="+mn-lt"/>
+                          <a:ea typeface="+mn-ea"/>
+                          <a:cs typeface="+mn-cs"/>
+                        </a:rPr>
+                        <a:t>Stable</a:t>
+                      </a:r>
+                      <a:endParaRPr lang="zh-CN" altLang="en-US" dirty="0"/>
+                    </a:p>
+                  </a:txBody>
+                  <a:tcPr/>
+                </a:tc>
+                <a:extLst>
+                  <a:ext uri="{0D108BD9-81ED-4DB2-BD59-A6C34878D82A}">
+                    <a16:rowId xmlns:a16="http://schemas.microsoft.com/office/drawing/2014/main" val="2618400642"/>
+                  </a:ext>
+                </a:extLst>
+              </a:tr>
+              <a:tr h="370840">
+                <a:tc>
+                  <a:txBody>
+                    <a:bodyPr/>
+                    <a:lstStyle/>
+                    <a:p>
+                      <a:r>
+                        <a:rPr lang="zh-CN" altLang="en-US" dirty="0"/>
+                        <a:t>客户端和服务端遥测报告</a:t>
+                      </a:r>
+                    </a:p>
+                  </a:txBody>
+                  <a:tcPr/>
+                </a:tc>
+                <a:tc>
+                  <a:txBody>
+                    <a:bodyPr/>
+                    <a:lstStyle/>
+                    <a:p>
+                      <a:r>
+                        <a:rPr lang="en-US" altLang="zh-CN" sz="1800" b="0" i="0" kern="1200" dirty="0">
+                          <a:solidFill>
+                            <a:schemeClr val="dk1"/>
+                          </a:solidFill>
+                          <a:effectLst/>
+                          <a:latin typeface="+mn-lt"/>
+                          <a:ea typeface="+mn-ea"/>
+                          <a:cs typeface="+mn-cs"/>
+                        </a:rPr>
+                        <a:t>Stable</a:t>
+                      </a:r>
+                      <a:endParaRPr lang="zh-CN" altLang="en-US" dirty="0"/>
+                    </a:p>
+                  </a:txBody>
+                  <a:tcPr/>
+                </a:tc>
+                <a:extLst>
+                  <a:ext uri="{0D108BD9-81ED-4DB2-BD59-A6C34878D82A}">
+                    <a16:rowId xmlns:a16="http://schemas.microsoft.com/office/drawing/2014/main" val="3220178775"/>
+                  </a:ext>
+                </a:extLst>
+              </a:tr>
+              <a:tr h="370840">
+                <a:tc>
+                  <a:txBody>
+                    <a:bodyPr/>
+                    <a:lstStyle/>
+                    <a:p>
+                      <a:r>
+                        <a:rPr lang="zh-CN" altLang="en-US" dirty="0"/>
+                        <a:t>服务</a:t>
+                      </a:r>
+                      <a:r>
+                        <a:rPr lang="zh-CN" altLang="en-US" sz="1800" b="0" i="0" kern="1200" dirty="0">
+                          <a:solidFill>
+                            <a:schemeClr val="dk1"/>
+                          </a:solidFill>
+                          <a:effectLst/>
+                          <a:latin typeface="+mn-lt"/>
+                          <a:ea typeface="+mn-ea"/>
+                          <a:cs typeface="+mn-cs"/>
+                        </a:rPr>
+                        <a:t>仪表板（</a:t>
+                      </a:r>
+                      <a:r>
+                        <a:rPr lang="en-US" altLang="zh-CN" dirty="0"/>
+                        <a:t>Grafana</a:t>
+                      </a:r>
+                      <a:r>
+                        <a:rPr lang="zh-CN" altLang="en-US" sz="1800" b="0" i="0" kern="1200" dirty="0">
+                          <a:solidFill>
+                            <a:schemeClr val="dk1"/>
+                          </a:solidFill>
+                          <a:effectLst/>
+                          <a:latin typeface="+mn-lt"/>
+                          <a:ea typeface="+mn-ea"/>
+                          <a:cs typeface="+mn-cs"/>
+                        </a:rPr>
+                        <a:t>）</a:t>
+                      </a:r>
+                      <a:endParaRPr lang="zh-CN" altLang="en-US" dirty="0"/>
+                    </a:p>
+                  </a:txBody>
+                  <a:tcPr/>
+                </a:tc>
+                <a:tc>
+                  <a:txBody>
+                    <a:bodyPr/>
+                    <a:lstStyle/>
+                    <a:p>
+                      <a:r>
+                        <a:rPr lang="en-US" altLang="zh-CN" sz="1800" b="0" i="0" kern="1200" dirty="0">
+                          <a:solidFill>
+                            <a:schemeClr val="dk1"/>
+                          </a:solidFill>
+                          <a:effectLst/>
+                          <a:latin typeface="+mn-lt"/>
+                          <a:ea typeface="+mn-ea"/>
+                          <a:cs typeface="+mn-cs"/>
+                        </a:rPr>
+                        <a:t>Stable</a:t>
+                      </a:r>
+                      <a:endParaRPr lang="zh-CN" altLang="en-US" dirty="0"/>
+                    </a:p>
+                  </a:txBody>
+                  <a:tcPr/>
+                </a:tc>
+                <a:extLst>
+                  <a:ext uri="{0D108BD9-81ED-4DB2-BD59-A6C34878D82A}">
+                    <a16:rowId xmlns:a16="http://schemas.microsoft.com/office/drawing/2014/main" val="494960274"/>
+                  </a:ext>
+                </a:extLst>
+              </a:tr>
+              <a:tr h="370840">
+                <a:tc>
+                  <a:txBody>
+                    <a:bodyPr/>
+                    <a:lstStyle/>
+                    <a:p>
+                      <a:r>
+                        <a:rPr lang="en-US" altLang="zh-CN" dirty="0" err="1"/>
+                        <a:t>Istio</a:t>
+                      </a:r>
+                      <a:r>
+                        <a:rPr lang="zh-CN" altLang="en-US" dirty="0"/>
+                        <a:t>组件</a:t>
+                      </a:r>
+                      <a:r>
+                        <a:rPr lang="zh-CN" altLang="en-US" sz="1800" b="0" i="0" kern="1200" dirty="0">
+                          <a:solidFill>
+                            <a:schemeClr val="dk1"/>
+                          </a:solidFill>
+                          <a:effectLst/>
+                          <a:latin typeface="+mn-lt"/>
+                          <a:ea typeface="+mn-ea"/>
+                          <a:cs typeface="+mn-cs"/>
+                        </a:rPr>
+                        <a:t>仪表板（</a:t>
+                      </a:r>
+                      <a:r>
+                        <a:rPr lang="en-US" altLang="zh-CN" dirty="0"/>
+                        <a:t>Grafana</a:t>
+                      </a:r>
+                      <a:r>
+                        <a:rPr lang="zh-CN" altLang="en-US" sz="1800" b="0" i="0" kern="1200" dirty="0">
+                          <a:solidFill>
+                            <a:schemeClr val="dk1"/>
+                          </a:solidFill>
+                          <a:effectLst/>
+                          <a:latin typeface="+mn-lt"/>
+                          <a:ea typeface="+mn-ea"/>
+                          <a:cs typeface="+mn-cs"/>
+                        </a:rPr>
+                        <a:t>）</a:t>
+                      </a:r>
+                      <a:endParaRPr lang="zh-CN" altLang="en-US" dirty="0"/>
+                    </a:p>
+                  </a:txBody>
+                  <a:tcPr/>
+                </a:tc>
+                <a:tc>
+                  <a:txBody>
+                    <a:bodyPr/>
+                    <a:lstStyle/>
+                    <a:p>
+                      <a:r>
+                        <a:rPr lang="en-US" altLang="zh-CN" sz="1800" b="0" i="0" kern="1200" dirty="0">
+                          <a:solidFill>
+                            <a:schemeClr val="dk1"/>
+                          </a:solidFill>
+                          <a:effectLst/>
+                          <a:latin typeface="+mn-lt"/>
+                          <a:ea typeface="+mn-ea"/>
+                          <a:cs typeface="+mn-cs"/>
+                        </a:rPr>
+                        <a:t>Stable</a:t>
+                      </a:r>
+                      <a:endParaRPr lang="zh-CN" altLang="en-US" dirty="0"/>
+                    </a:p>
+                  </a:txBody>
+                  <a:tcPr/>
+                </a:tc>
+                <a:extLst>
+                  <a:ext uri="{0D108BD9-81ED-4DB2-BD59-A6C34878D82A}">
+                    <a16:rowId xmlns:a16="http://schemas.microsoft.com/office/drawing/2014/main" val="2509315793"/>
+                  </a:ext>
+                </a:extLst>
+              </a:tr>
+              <a:tr h="370840">
+                <a:tc>
+                  <a:txBody>
+                    <a:bodyPr/>
+                    <a:lstStyle/>
+                    <a:p>
+                      <a:r>
+                        <a:rPr lang="zh-CN" altLang="en-US" dirty="0"/>
+                        <a:t>分布式追踪</a:t>
+                      </a:r>
+                    </a:p>
+                  </a:txBody>
+                  <a:tcPr/>
+                </a:tc>
+                <a:tc>
+                  <a:txBody>
+                    <a:bodyPr/>
+                    <a:lstStyle/>
+                    <a:p>
+                      <a:pPr marL="0" marR="0" lvl="0" indent="0" algn="l" defTabSz="457200" rtl="0" eaLnBrk="1" fontAlgn="auto" latinLnBrk="0" hangingPunct="1">
+                        <a:lnSpc>
+                          <a:spcPct val="100000"/>
+                        </a:lnSpc>
+                        <a:spcBef>
+                          <a:spcPts val="0"/>
+                        </a:spcBef>
+                        <a:spcAft>
+                          <a:spcPts val="0"/>
+                        </a:spcAft>
+                        <a:buClrTx/>
+                        <a:buSzTx/>
+                        <a:buFontTx/>
+                        <a:buNone/>
+                        <a:tabLst/>
+                        <a:defRPr/>
+                      </a:pPr>
+                      <a:r>
+                        <a:rPr lang="en-US" altLang="zh-CN" sz="1800" b="0" i="0" kern="1200" dirty="0">
+                          <a:solidFill>
+                            <a:schemeClr val="dk1"/>
+                          </a:solidFill>
+                          <a:effectLst/>
+                          <a:latin typeface="+mn-lt"/>
+                          <a:ea typeface="+mn-ea"/>
+                          <a:cs typeface="+mn-cs"/>
+                        </a:rPr>
+                        <a:t>Stable</a:t>
+                      </a:r>
+                      <a:endParaRPr lang="zh-CN" altLang="en-US" dirty="0"/>
+                    </a:p>
+                  </a:txBody>
+                  <a:tcPr/>
+                </a:tc>
+                <a:extLst>
+                  <a:ext uri="{0D108BD9-81ED-4DB2-BD59-A6C34878D82A}">
+                    <a16:rowId xmlns:a16="http://schemas.microsoft.com/office/drawing/2014/main" val="711053948"/>
+                  </a:ext>
+                </a:extLst>
+              </a:tr>
+              <a:tr h="370840">
+                <a:tc>
+                  <a:txBody>
+                    <a:bodyPr/>
+                    <a:lstStyle/>
+                    <a:p>
+                      <a:r>
+                        <a:rPr lang="en-US" altLang="zh-CN" sz="1800" b="0" i="0" kern="1200" dirty="0" err="1">
+                          <a:solidFill>
+                            <a:schemeClr val="dk1"/>
+                          </a:solidFill>
+                          <a:effectLst/>
+                          <a:latin typeface="+mn-lt"/>
+                          <a:ea typeface="+mn-ea"/>
+                          <a:cs typeface="+mn-cs"/>
+                        </a:rPr>
+                        <a:t>Stackdriver</a:t>
+                      </a:r>
+                      <a:r>
+                        <a:rPr lang="zh-CN" altLang="en-US" sz="1800" b="0" i="0" kern="1200" dirty="0">
+                          <a:solidFill>
+                            <a:schemeClr val="dk1"/>
+                          </a:solidFill>
+                          <a:effectLst/>
+                          <a:latin typeface="+mn-lt"/>
+                          <a:ea typeface="+mn-ea"/>
+                          <a:cs typeface="+mn-cs"/>
+                        </a:rPr>
+                        <a:t>集成</a:t>
+                      </a:r>
+                      <a:endParaRPr lang="zh-CN" altLang="en-US" dirty="0"/>
+                    </a:p>
+                  </a:txBody>
+                  <a:tcPr/>
+                </a:tc>
+                <a:tc>
+                  <a:txBody>
+                    <a:bodyPr/>
+                    <a:lstStyle/>
+                    <a:p>
+                      <a:r>
+                        <a:rPr lang="en-US" altLang="zh-CN" sz="1800" b="0" i="0" kern="1200" dirty="0">
+                          <a:solidFill>
+                            <a:schemeClr val="dk1"/>
+                          </a:solidFill>
+                          <a:effectLst/>
+                          <a:latin typeface="+mn-lt"/>
+                          <a:ea typeface="+mn-ea"/>
+                          <a:cs typeface="+mn-cs"/>
+                        </a:rPr>
+                        <a:t>Beta</a:t>
+                      </a:r>
+                      <a:endParaRPr lang="zh-CN" altLang="en-US" dirty="0"/>
+                    </a:p>
+                  </a:txBody>
+                  <a:tcPr/>
+                </a:tc>
+                <a:extLst>
+                  <a:ext uri="{0D108BD9-81ED-4DB2-BD59-A6C34878D82A}">
+                    <a16:rowId xmlns:a16="http://schemas.microsoft.com/office/drawing/2014/main" val="643441543"/>
+                  </a:ext>
+                </a:extLst>
+              </a:tr>
+              <a:tr h="370840">
+                <a:tc>
+                  <a:txBody>
+                    <a:bodyPr/>
+                    <a:lstStyle/>
+                    <a:p>
+                      <a:r>
+                        <a:rPr lang="en-US" altLang="zh-CN" sz="1800" b="0" i="0" u="none" strike="noStrike" kern="1200" dirty="0" err="1">
+                          <a:solidFill>
+                            <a:schemeClr val="dk1"/>
+                          </a:solidFill>
+                          <a:effectLst/>
+                          <a:latin typeface="+mn-lt"/>
+                          <a:ea typeface="+mn-ea"/>
+                          <a:cs typeface="+mn-cs"/>
+                        </a:rPr>
+                        <a:t>Zipkin</a:t>
+                      </a:r>
+                      <a:r>
+                        <a:rPr lang="en-US" altLang="zh-CN" sz="1800" b="0" i="0" u="none" strike="noStrike" kern="1200" dirty="0">
+                          <a:solidFill>
+                            <a:schemeClr val="dk1"/>
+                          </a:solidFill>
+                          <a:effectLst/>
+                          <a:latin typeface="+mn-lt"/>
+                          <a:ea typeface="+mn-ea"/>
+                          <a:cs typeface="+mn-cs"/>
+                        </a:rPr>
+                        <a:t> / Jaeger</a:t>
+                      </a:r>
+                      <a:r>
+                        <a:rPr lang="zh-CN" altLang="en-US" sz="1800" b="0" i="0" u="none" strike="noStrike" kern="1200" dirty="0">
+                          <a:solidFill>
+                            <a:schemeClr val="dk1"/>
+                          </a:solidFill>
+                          <a:effectLst/>
+                          <a:latin typeface="+mn-lt"/>
+                          <a:ea typeface="+mn-ea"/>
+                          <a:cs typeface="+mn-cs"/>
+                        </a:rPr>
+                        <a:t>的分布式追踪</a:t>
+                      </a:r>
+                      <a:endParaRPr lang="zh-CN" altLang="en-US" dirty="0"/>
+                    </a:p>
+                  </a:txBody>
+                  <a:tcPr/>
+                </a:tc>
+                <a:tc>
+                  <a:txBody>
+                    <a:bodyPr/>
+                    <a:lstStyle/>
+                    <a:p>
+                      <a:r>
+                        <a:rPr lang="en-US" altLang="zh-CN" sz="1800" b="0" i="0" kern="1200" dirty="0">
+                          <a:solidFill>
+                            <a:schemeClr val="dk1"/>
+                          </a:solidFill>
+                          <a:effectLst/>
+                          <a:latin typeface="+mn-lt"/>
+                          <a:ea typeface="+mn-ea"/>
+                          <a:cs typeface="+mn-cs"/>
+                        </a:rPr>
+                        <a:t>Beta</a:t>
+                      </a:r>
+                      <a:endParaRPr lang="zh-CN" altLang="en-US" dirty="0"/>
+                    </a:p>
+                  </a:txBody>
+                  <a:tcPr/>
+                </a:tc>
+                <a:extLst>
+                  <a:ext uri="{0D108BD9-81ED-4DB2-BD59-A6C34878D82A}">
+                    <a16:rowId xmlns:a16="http://schemas.microsoft.com/office/drawing/2014/main" val="449367839"/>
+                  </a:ext>
+                </a:extLst>
+              </a:tr>
+              <a:tr h="370840">
+                <a:tc>
+                  <a:txBody>
+                    <a:bodyPr/>
+                    <a:lstStyle/>
+                    <a:p>
+                      <a:r>
+                        <a:rPr lang="en-US" altLang="zh-CN" dirty="0" err="1"/>
+                        <a:t>Fluentd</a:t>
+                      </a:r>
+                      <a:r>
+                        <a:rPr lang="zh-CN" altLang="en-US" dirty="0"/>
+                        <a:t>日志</a:t>
+                      </a:r>
+                    </a:p>
+                  </a:txBody>
+                  <a:tcPr/>
+                </a:tc>
+                <a:tc>
+                  <a:txBody>
+                    <a:bodyPr/>
+                    <a:lstStyle/>
+                    <a:p>
+                      <a:r>
+                        <a:rPr lang="en-US" altLang="zh-CN" sz="1800" b="0" i="0" kern="1200" dirty="0">
+                          <a:solidFill>
+                            <a:schemeClr val="dk1"/>
+                          </a:solidFill>
+                          <a:effectLst/>
+                          <a:latin typeface="+mn-lt"/>
+                          <a:ea typeface="+mn-ea"/>
+                          <a:cs typeface="+mn-cs"/>
+                        </a:rPr>
+                        <a:t>Beta</a:t>
+                      </a:r>
+                      <a:endParaRPr lang="zh-CN" altLang="en-US" dirty="0"/>
+                    </a:p>
+                  </a:txBody>
+                  <a:tcPr/>
+                </a:tc>
+                <a:extLst>
+                  <a:ext uri="{0D108BD9-81ED-4DB2-BD59-A6C34878D82A}">
+                    <a16:rowId xmlns:a16="http://schemas.microsoft.com/office/drawing/2014/main" val="2869822780"/>
+                  </a:ext>
+                </a:extLst>
+              </a:tr>
+              <a:tr h="370840">
+                <a:tc>
+                  <a:txBody>
+                    <a:bodyPr/>
+                    <a:lstStyle/>
+                    <a:p>
+                      <a:r>
+                        <a:rPr lang="zh-CN" altLang="en-US" dirty="0"/>
+                        <a:t>追踪采样</a:t>
+                      </a:r>
+                    </a:p>
+                  </a:txBody>
+                  <a:tcPr/>
+                </a:tc>
+                <a:tc>
+                  <a:txBody>
+                    <a:bodyPr/>
+                    <a:lstStyle/>
+                    <a:p>
+                      <a:r>
+                        <a:rPr lang="en-US" altLang="zh-CN" sz="1800" b="0" i="0" kern="1200" dirty="0">
+                          <a:solidFill>
+                            <a:schemeClr val="dk1"/>
+                          </a:solidFill>
+                          <a:effectLst/>
+                          <a:latin typeface="+mn-lt"/>
+                          <a:ea typeface="+mn-ea"/>
+                          <a:cs typeface="+mn-cs"/>
+                        </a:rPr>
+                        <a:t>Beta</a:t>
+                      </a:r>
+                      <a:endParaRPr lang="zh-CN" altLang="en-US" dirty="0"/>
+                    </a:p>
+                  </a:txBody>
+                  <a:tcPr/>
+                </a:tc>
+                <a:extLst>
+                  <a:ext uri="{0D108BD9-81ED-4DB2-BD59-A6C34878D82A}">
+                    <a16:rowId xmlns:a16="http://schemas.microsoft.com/office/drawing/2014/main" val="46776209"/>
+                  </a:ext>
+                </a:extLst>
+              </a:tr>
+            </a:tbl>
+          </a:graphicData>
+        </a:graphic>
+      </p:graphicFrame>
+      <p:sp>
+        <p:nvSpPr>
+          <p:cNvPr id="4" name="日期占位符 3">
+            <a:extLst>
+              <a:ext uri="{FF2B5EF4-FFF2-40B4-BE49-F238E27FC236}">
+                <a16:creationId xmlns:a16="http://schemas.microsoft.com/office/drawing/2014/main" id="{EB9B243B-6265-4BDA-8B70-0011ED570A6D}"/>
+              </a:ext>
+            </a:extLst>
+          </p:cNvPr>
+          <p:cNvSpPr>
+            <a:spLocks noGrp="1"/>
+          </p:cNvSpPr>
+          <p:nvPr>
+            <p:ph type="dt" sz="half" idx="10"/>
+          </p:nvPr>
+        </p:nvSpPr>
+        <p:spPr/>
+        <p:txBody>
+          <a:bodyPr/>
+          <a:lstStyle/>
+          <a:p>
+            <a:pPr rtl="0"/>
+            <a:fld id="{F24FFC25-0C05-49C8-B150-3CF6B89B5C55}" type="datetime1">
+              <a:rPr lang="zh-CN" altLang="en-US" smtClean="0"/>
+              <a:t>2020/4/10</a:t>
+            </a:fld>
+            <a:endParaRPr lang="en-US" dirty="0"/>
+          </a:p>
+        </p:txBody>
+      </p:sp>
+    </p:spTree>
+    <p:extLst>
+      <p:ext uri="{BB962C8B-B14F-4D97-AF65-F5344CB8AC3E}">
+        <p14:creationId xmlns:p14="http://schemas.microsoft.com/office/powerpoint/2010/main" val="3719116723"/>
+      </p:ext>
+    </p:extLst>
+  </p:cSld>
+  <p:clrMapOvr>
+    <a:masterClrMapping/>
+  </p:clrMapOvr>
+</p:sld>
+</file>
+
+<file path=ppt/slides/slide19.xml><?xml version="1.0" encoding="utf-8"?>
+<p:sld xmlns:a="http://schemas.openxmlformats.org/drawingml/2006/main" xmlns:r="http://schemas.openxmlformats.org/officeDocument/2006/relationships" xmlns:p="http://schemas.openxmlformats.org/presentationml/2006/main">
+  <p:cSld>
+    <p:spTree>
+      <p:nvGrpSpPr>
+        <p:cNvPr id="1" name=""/>
+        <p:cNvGrpSpPr/>
+        <p:nvPr/>
+      </p:nvGrpSpPr>
+      <p:grpSpPr>
+        <a:xfrm>
+          <a:off x="0" y="0"/>
+          <a:ext cx="0" cy="0"/>
+          <a:chOff x="0" y="0"/>
+          <a:chExt cx="0" cy="0"/>
+        </a:xfrm>
+      </p:grpSpPr>
+      <p:sp>
+        <p:nvSpPr>
+          <p:cNvPr id="2" name="标题 1">
+            <a:extLst>
+              <a:ext uri="{FF2B5EF4-FFF2-40B4-BE49-F238E27FC236}">
+                <a16:creationId xmlns:a16="http://schemas.microsoft.com/office/drawing/2014/main" id="{9227B132-3FDD-4AED-A339-E1DBF04ED4B0}"/>
+              </a:ext>
+            </a:extLst>
+          </p:cNvPr>
+          <p:cNvSpPr>
+            <a:spLocks noGrp="1"/>
+          </p:cNvSpPr>
+          <p:nvPr>
+            <p:ph type="title"/>
+          </p:nvPr>
+        </p:nvSpPr>
+        <p:spPr>
+          <a:xfrm>
+            <a:off x="581192" y="702156"/>
+            <a:ext cx="11029616" cy="580544"/>
+          </a:xfrm>
+        </p:spPr>
+        <p:txBody>
+          <a:bodyPr/>
+          <a:lstStyle/>
+          <a:p>
+            <a:r>
+              <a:rPr lang="zh-CN" altLang="en-US" b="0" dirty="0"/>
+              <a:t>安全和策略实施</a:t>
+            </a:r>
+            <a:endParaRPr lang="zh-CN" altLang="en-US" dirty="0"/>
+          </a:p>
+        </p:txBody>
+      </p:sp>
+      <p:graphicFrame>
+        <p:nvGraphicFramePr>
+          <p:cNvPr id="5" name="表格 5">
+            <a:extLst>
+              <a:ext uri="{FF2B5EF4-FFF2-40B4-BE49-F238E27FC236}">
+                <a16:creationId xmlns:a16="http://schemas.microsoft.com/office/drawing/2014/main" id="{CB24BF2D-0688-4E35-B12E-D38A57D655AF}"/>
+              </a:ext>
+            </a:extLst>
+          </p:cNvPr>
+          <p:cNvGraphicFramePr>
+            <a:graphicFrameLocks noGrp="1"/>
+          </p:cNvGraphicFramePr>
+          <p:nvPr>
+            <p:ph idx="1"/>
+            <p:extLst>
+              <p:ext uri="{D42A27DB-BD31-4B8C-83A1-F6EECF244321}">
+                <p14:modId xmlns:p14="http://schemas.microsoft.com/office/powerpoint/2010/main" val="2310701923"/>
+              </p:ext>
+            </p:extLst>
+          </p:nvPr>
+        </p:nvGraphicFramePr>
+        <p:xfrm>
+          <a:off x="454025" y="1414716"/>
+          <a:ext cx="11029950" cy="5191760"/>
+        </p:xfrm>
+        <a:graphic>
+          <a:graphicData uri="http://schemas.openxmlformats.org/drawingml/2006/table">
+            <a:tbl>
+              <a:tblPr firstRow="1" bandRow="1">
+                <a:tableStyleId>{5C22544A-7EE6-4342-B048-85BDC9FD1C3A}</a:tableStyleId>
+              </a:tblPr>
+              <a:tblGrid>
+                <a:gridCol w="5514975">
+                  <a:extLst>
+                    <a:ext uri="{9D8B030D-6E8A-4147-A177-3AD203B41FA5}">
+                      <a16:colId xmlns:a16="http://schemas.microsoft.com/office/drawing/2014/main" val="731985423"/>
+                    </a:ext>
+                  </a:extLst>
+                </a:gridCol>
+                <a:gridCol w="5514975">
+                  <a:extLst>
+                    <a:ext uri="{9D8B030D-6E8A-4147-A177-3AD203B41FA5}">
+                      <a16:colId xmlns:a16="http://schemas.microsoft.com/office/drawing/2014/main" val="2026739988"/>
+                    </a:ext>
+                  </a:extLst>
+                </a:gridCol>
+              </a:tblGrid>
+              <a:tr h="370840">
+                <a:tc>
+                  <a:txBody>
+                    <a:bodyPr/>
+                    <a:lstStyle/>
+                    <a:p>
+                      <a:r>
+                        <a:rPr lang="zh-CN" altLang="en-US" dirty="0"/>
+                        <a:t>功能</a:t>
+                      </a:r>
+                    </a:p>
+                  </a:txBody>
+                  <a:tcPr/>
+                </a:tc>
+                <a:tc>
+                  <a:txBody>
+                    <a:bodyPr/>
+                    <a:lstStyle/>
+                    <a:p>
+                      <a:r>
+                        <a:rPr lang="zh-CN" altLang="en-US" dirty="0"/>
+                        <a:t>阶段</a:t>
+                      </a:r>
+                    </a:p>
+                  </a:txBody>
+                  <a:tcPr/>
+                </a:tc>
+                <a:extLst>
+                  <a:ext uri="{0D108BD9-81ED-4DB2-BD59-A6C34878D82A}">
+                    <a16:rowId xmlns:a16="http://schemas.microsoft.com/office/drawing/2014/main" val="3790107934"/>
+                  </a:ext>
+                </a:extLst>
+              </a:tr>
+              <a:tr h="370840">
+                <a:tc>
+                  <a:txBody>
+                    <a:bodyPr/>
+                    <a:lstStyle/>
+                    <a:p>
+                      <a:r>
+                        <a:rPr lang="zh-CN" altLang="en-US" dirty="0"/>
+                        <a:t>服务到服务端的双向</a:t>
+                      </a:r>
+                      <a:r>
+                        <a:rPr lang="en-US" altLang="zh-CN" dirty="0"/>
+                        <a:t>TLS</a:t>
+                      </a:r>
+                      <a:endParaRPr lang="zh-CN" altLang="en-US" dirty="0"/>
+                    </a:p>
+                  </a:txBody>
+                  <a:tcPr/>
+                </a:tc>
+                <a:tc>
+                  <a:txBody>
+                    <a:bodyPr/>
+                    <a:lstStyle/>
+                    <a:p>
+                      <a:r>
+                        <a:rPr lang="en-US" altLang="zh-CN" sz="1800" b="0" i="0" kern="1200" dirty="0">
+                          <a:solidFill>
+                            <a:schemeClr val="dk1"/>
+                          </a:solidFill>
+                          <a:effectLst/>
+                          <a:latin typeface="+mn-lt"/>
+                          <a:ea typeface="+mn-ea"/>
+                          <a:cs typeface="+mn-cs"/>
+                        </a:rPr>
+                        <a:t>Stable</a:t>
+                      </a:r>
+                      <a:endParaRPr lang="zh-CN" altLang="en-US" dirty="0"/>
+                    </a:p>
+                  </a:txBody>
+                  <a:tcPr/>
+                </a:tc>
+                <a:extLst>
+                  <a:ext uri="{0D108BD9-81ED-4DB2-BD59-A6C34878D82A}">
+                    <a16:rowId xmlns:a16="http://schemas.microsoft.com/office/drawing/2014/main" val="3366861404"/>
+                  </a:ext>
+                </a:extLst>
+              </a:tr>
+              <a:tr h="370840">
+                <a:tc>
+                  <a:txBody>
+                    <a:bodyPr/>
+                    <a:lstStyle/>
+                    <a:p>
+                      <a:r>
+                        <a:rPr lang="en-US" altLang="zh-CN" dirty="0"/>
+                        <a:t>Kubernetes</a:t>
+                      </a:r>
+                      <a:r>
+                        <a:rPr lang="zh-CN" altLang="en-US" dirty="0"/>
+                        <a:t>：服务凭证分发</a:t>
+                      </a:r>
+                    </a:p>
+                  </a:txBody>
+                  <a:tcPr/>
+                </a:tc>
+                <a:tc>
+                  <a:txBody>
+                    <a:bodyPr/>
+                    <a:lstStyle/>
+                    <a:p>
+                      <a:r>
+                        <a:rPr lang="en-US" altLang="zh-CN" sz="1800" b="0" i="0" kern="1200" dirty="0">
+                          <a:solidFill>
+                            <a:schemeClr val="dk1"/>
+                          </a:solidFill>
+                          <a:effectLst/>
+                          <a:latin typeface="+mn-lt"/>
+                          <a:ea typeface="+mn-ea"/>
+                          <a:cs typeface="+mn-cs"/>
+                        </a:rPr>
+                        <a:t>Stable</a:t>
+                      </a:r>
+                      <a:endParaRPr lang="zh-CN" altLang="en-US" dirty="0"/>
+                    </a:p>
+                  </a:txBody>
+                  <a:tcPr/>
+                </a:tc>
+                <a:extLst>
+                  <a:ext uri="{0D108BD9-81ED-4DB2-BD59-A6C34878D82A}">
+                    <a16:rowId xmlns:a16="http://schemas.microsoft.com/office/drawing/2014/main" val="1823605334"/>
+                  </a:ext>
+                </a:extLst>
+              </a:tr>
+              <a:tr h="370840">
+                <a:tc>
+                  <a:txBody>
+                    <a:bodyPr/>
+                    <a:lstStyle/>
+                    <a:p>
+                      <a:r>
+                        <a:rPr lang="zh-CN" altLang="en-US" sz="1800" b="0" i="0" kern="1200" dirty="0">
+                          <a:solidFill>
+                            <a:schemeClr val="dk1"/>
+                          </a:solidFill>
+                          <a:effectLst/>
+                          <a:latin typeface="+mn-lt"/>
+                          <a:ea typeface="+mn-ea"/>
+                          <a:cs typeface="+mn-cs"/>
+                        </a:rPr>
+                        <a:t>基于</a:t>
+                      </a:r>
+                      <a:r>
+                        <a:rPr lang="en-US" altLang="zh-CN" sz="1800" b="0" i="0" kern="1200" dirty="0">
+                          <a:solidFill>
+                            <a:schemeClr val="dk1"/>
+                          </a:solidFill>
+                          <a:effectLst/>
+                          <a:latin typeface="+mn-lt"/>
+                          <a:ea typeface="+mn-ea"/>
+                          <a:cs typeface="+mn-cs"/>
+                        </a:rPr>
+                        <a:t>SDS</a:t>
+                      </a:r>
+                      <a:r>
+                        <a:rPr lang="zh-CN" altLang="en-US" sz="1800" b="0" i="0" kern="1200" dirty="0">
+                          <a:solidFill>
+                            <a:schemeClr val="dk1"/>
+                          </a:solidFill>
+                          <a:effectLst/>
+                          <a:latin typeface="+mn-lt"/>
+                          <a:ea typeface="+mn-ea"/>
+                          <a:cs typeface="+mn-cs"/>
+                        </a:rPr>
+                        <a:t>的密钥和证书供应</a:t>
+                      </a:r>
+                      <a:endParaRPr lang="zh-CN" altLang="en-US" dirty="0"/>
+                    </a:p>
+                  </a:txBody>
+                  <a:tcPr/>
+                </a:tc>
+                <a:tc>
+                  <a:txBody>
+                    <a:bodyPr/>
+                    <a:lstStyle/>
+                    <a:p>
+                      <a:r>
+                        <a:rPr lang="en-US" altLang="zh-CN" sz="1800" b="0" i="0" kern="1200" dirty="0">
+                          <a:solidFill>
+                            <a:schemeClr val="dk1"/>
+                          </a:solidFill>
+                          <a:effectLst/>
+                          <a:latin typeface="+mn-lt"/>
+                          <a:ea typeface="+mn-ea"/>
+                          <a:cs typeface="+mn-cs"/>
+                        </a:rPr>
+                        <a:t>Stable</a:t>
+                      </a:r>
+                      <a:endParaRPr lang="zh-CN" altLang="en-US" dirty="0"/>
+                    </a:p>
+                  </a:txBody>
+                  <a:tcPr/>
+                </a:tc>
+                <a:extLst>
+                  <a:ext uri="{0D108BD9-81ED-4DB2-BD59-A6C34878D82A}">
+                    <a16:rowId xmlns:a16="http://schemas.microsoft.com/office/drawing/2014/main" val="277874340"/>
+                  </a:ext>
+                </a:extLst>
+              </a:tr>
+              <a:tr h="370840">
+                <a:tc>
+                  <a:txBody>
+                    <a:bodyPr/>
+                    <a:lstStyle/>
+                    <a:p>
+                      <a:r>
+                        <a:rPr lang="zh-CN" altLang="en-US" sz="1800" b="0" i="0" kern="1200" dirty="0">
+                          <a:solidFill>
+                            <a:schemeClr val="dk1"/>
+                          </a:solidFill>
+                          <a:effectLst/>
+                          <a:latin typeface="+mn-lt"/>
+                          <a:ea typeface="+mn-ea"/>
+                          <a:cs typeface="+mn-cs"/>
+                        </a:rPr>
+                        <a:t>在入口网关证书管理</a:t>
+                      </a:r>
+                      <a:endParaRPr lang="zh-CN" altLang="en-US" dirty="0"/>
+                    </a:p>
+                  </a:txBody>
+                  <a:tcPr/>
+                </a:tc>
+                <a:tc>
+                  <a:txBody>
+                    <a:bodyPr/>
+                    <a:lstStyle/>
+                    <a:p>
+                      <a:r>
+                        <a:rPr lang="en-US" altLang="zh-CN" sz="1800" b="0" i="0" kern="1200" dirty="0">
+                          <a:solidFill>
+                            <a:schemeClr val="dk1"/>
+                          </a:solidFill>
+                          <a:effectLst/>
+                          <a:latin typeface="+mn-lt"/>
+                          <a:ea typeface="+mn-ea"/>
+                          <a:cs typeface="+mn-cs"/>
+                        </a:rPr>
+                        <a:t>Stable</a:t>
+                      </a:r>
+                      <a:endParaRPr lang="zh-CN" altLang="en-US" dirty="0"/>
+                    </a:p>
+                  </a:txBody>
+                  <a:tcPr/>
+                </a:tc>
+                <a:extLst>
+                  <a:ext uri="{0D108BD9-81ED-4DB2-BD59-A6C34878D82A}">
+                    <a16:rowId xmlns:a16="http://schemas.microsoft.com/office/drawing/2014/main" val="1476625164"/>
+                  </a:ext>
+                </a:extLst>
+              </a:tr>
+              <a:tr h="370840">
+                <a:tc>
+                  <a:txBody>
+                    <a:bodyPr/>
+                    <a:lstStyle/>
+                    <a:p>
+                      <a:r>
+                        <a:rPr lang="en-US" altLang="zh-CN" sz="1800" b="0" i="0" kern="1200" dirty="0" err="1">
+                          <a:solidFill>
+                            <a:schemeClr val="dk1"/>
+                          </a:solidFill>
+                          <a:effectLst/>
+                          <a:latin typeface="+mn-lt"/>
+                          <a:ea typeface="+mn-ea"/>
+                          <a:cs typeface="+mn-cs"/>
+                        </a:rPr>
+                        <a:t>Istio</a:t>
+                      </a:r>
+                      <a:r>
+                        <a:rPr lang="en-US" altLang="zh-CN" sz="1800" b="0" i="0" kern="1200" dirty="0">
+                          <a:solidFill>
+                            <a:schemeClr val="dk1"/>
+                          </a:solidFill>
+                          <a:effectLst/>
+                          <a:latin typeface="+mn-lt"/>
+                          <a:ea typeface="+mn-ea"/>
+                          <a:cs typeface="+mn-cs"/>
+                        </a:rPr>
+                        <a:t> CA</a:t>
+                      </a:r>
+                      <a:r>
+                        <a:rPr lang="zh-CN" altLang="en-US" sz="1800" b="0" i="0" kern="1200" dirty="0">
+                          <a:solidFill>
+                            <a:schemeClr val="dk1"/>
+                          </a:solidFill>
+                          <a:effectLst/>
+                          <a:latin typeface="+mn-lt"/>
+                          <a:ea typeface="+mn-ea"/>
+                          <a:cs typeface="+mn-cs"/>
+                        </a:rPr>
+                        <a:t>的可插拔密钥</a:t>
+                      </a:r>
+                      <a:r>
+                        <a:rPr lang="en-US" altLang="zh-CN" sz="1800" b="0" i="0" kern="1200" dirty="0">
+                          <a:solidFill>
+                            <a:schemeClr val="dk1"/>
+                          </a:solidFill>
+                          <a:effectLst/>
+                          <a:latin typeface="+mn-lt"/>
+                          <a:ea typeface="+mn-ea"/>
+                          <a:cs typeface="+mn-cs"/>
+                        </a:rPr>
+                        <a:t>/</a:t>
+                      </a:r>
+                      <a:r>
+                        <a:rPr lang="zh-CN" altLang="en-US" sz="1800" b="0" i="0" kern="1200" dirty="0">
+                          <a:solidFill>
+                            <a:schemeClr val="dk1"/>
+                          </a:solidFill>
+                          <a:effectLst/>
+                          <a:latin typeface="+mn-lt"/>
+                          <a:ea typeface="+mn-ea"/>
+                          <a:cs typeface="+mn-cs"/>
+                        </a:rPr>
+                        <a:t>证书支持</a:t>
+                      </a:r>
+                      <a:endParaRPr lang="zh-CN" altLang="en-US" dirty="0"/>
+                    </a:p>
+                  </a:txBody>
+                  <a:tcPr/>
+                </a:tc>
+                <a:tc>
+                  <a:txBody>
+                    <a:bodyPr/>
+                    <a:lstStyle/>
+                    <a:p>
+                      <a:r>
+                        <a:rPr lang="en-US" altLang="zh-CN" sz="1800" b="0" i="0" kern="1200" dirty="0">
+                          <a:solidFill>
+                            <a:schemeClr val="dk1"/>
+                          </a:solidFill>
+                          <a:effectLst/>
+                          <a:latin typeface="+mn-lt"/>
+                          <a:ea typeface="+mn-ea"/>
+                          <a:cs typeface="+mn-cs"/>
+                        </a:rPr>
+                        <a:t>Stable</a:t>
+                      </a:r>
+                      <a:endParaRPr lang="zh-CN" altLang="en-US" dirty="0"/>
+                    </a:p>
+                  </a:txBody>
+                  <a:tcPr/>
+                </a:tc>
+                <a:extLst>
+                  <a:ext uri="{0D108BD9-81ED-4DB2-BD59-A6C34878D82A}">
+                    <a16:rowId xmlns:a16="http://schemas.microsoft.com/office/drawing/2014/main" val="2429926395"/>
+                  </a:ext>
+                </a:extLst>
+              </a:tr>
+              <a:tr h="370840">
+                <a:tc>
+                  <a:txBody>
+                    <a:bodyPr/>
+                    <a:lstStyle/>
+                    <a:p>
+                      <a:r>
+                        <a:rPr lang="zh-CN" altLang="en-US" sz="1800" b="0" i="0" kern="1200" dirty="0">
+                          <a:solidFill>
+                            <a:schemeClr val="dk1"/>
+                          </a:solidFill>
+                          <a:effectLst/>
+                          <a:latin typeface="+mn-lt"/>
+                          <a:ea typeface="+mn-ea"/>
+                          <a:cs typeface="+mn-cs"/>
+                        </a:rPr>
+                        <a:t>授权</a:t>
+                      </a:r>
+                      <a:r>
+                        <a:rPr lang="en-US" altLang="zh-CN" sz="1800" b="0" i="0" kern="1200" dirty="0">
+                          <a:solidFill>
+                            <a:schemeClr val="dk1"/>
+                          </a:solidFill>
+                          <a:effectLst/>
+                          <a:latin typeface="+mn-lt"/>
+                          <a:ea typeface="+mn-ea"/>
+                          <a:cs typeface="+mn-cs"/>
+                        </a:rPr>
+                        <a:t>(</a:t>
+                      </a:r>
+                      <a:r>
+                        <a:rPr lang="en-US" altLang="zh-CN" sz="1800" b="0" i="0" u="none" strike="noStrike" kern="1200" dirty="0">
+                          <a:solidFill>
+                            <a:schemeClr val="dk1"/>
+                          </a:solidFill>
+                          <a:effectLst/>
+                          <a:latin typeface="+mn-lt"/>
+                          <a:ea typeface="+mn-ea"/>
+                          <a:cs typeface="+mn-cs"/>
+                        </a:rPr>
+                        <a:t>Authorization</a:t>
+                      </a:r>
+                      <a:r>
+                        <a:rPr lang="en-US" altLang="zh-CN" sz="1800" b="0" i="0" kern="1200" dirty="0">
+                          <a:solidFill>
+                            <a:schemeClr val="dk1"/>
+                          </a:solidFill>
+                          <a:effectLst/>
+                          <a:latin typeface="+mn-lt"/>
+                          <a:ea typeface="+mn-ea"/>
+                          <a:cs typeface="+mn-cs"/>
+                        </a:rPr>
+                        <a:t>)</a:t>
+                      </a:r>
+                      <a:endParaRPr lang="zh-CN" altLang="en-US" dirty="0"/>
+                    </a:p>
+                  </a:txBody>
+                  <a:tcPr/>
+                </a:tc>
+                <a:tc>
+                  <a:txBody>
+                    <a:bodyPr/>
+                    <a:lstStyle/>
+                    <a:p>
+                      <a:r>
+                        <a:rPr lang="en-US" altLang="zh-CN" sz="1800" b="0" i="0" kern="1200" dirty="0">
+                          <a:solidFill>
+                            <a:schemeClr val="dk1"/>
+                          </a:solidFill>
+                          <a:effectLst/>
+                          <a:latin typeface="+mn-lt"/>
+                          <a:ea typeface="+mn-ea"/>
+                          <a:cs typeface="+mn-cs"/>
+                        </a:rPr>
+                        <a:t>Beta</a:t>
+                      </a:r>
+                      <a:endParaRPr lang="zh-CN" altLang="en-US" dirty="0"/>
+                    </a:p>
+                  </a:txBody>
+                  <a:tcPr/>
+                </a:tc>
+                <a:extLst>
+                  <a:ext uri="{0D108BD9-81ED-4DB2-BD59-A6C34878D82A}">
+                    <a16:rowId xmlns:a16="http://schemas.microsoft.com/office/drawing/2014/main" val="2248363739"/>
+                  </a:ext>
+                </a:extLst>
+              </a:tr>
+              <a:tr h="370840">
+                <a:tc>
+                  <a:txBody>
+                    <a:bodyPr/>
+                    <a:lstStyle/>
+                    <a:p>
+                      <a:r>
+                        <a:rPr lang="zh-CN" altLang="en-US" sz="1800" b="0" i="0" kern="1200" dirty="0">
+                          <a:solidFill>
+                            <a:schemeClr val="dk1"/>
+                          </a:solidFill>
+                          <a:effectLst/>
+                          <a:latin typeface="+mn-lt"/>
+                          <a:ea typeface="+mn-ea"/>
+                          <a:cs typeface="+mn-cs"/>
+                        </a:rPr>
+                        <a:t>最终用户（</a:t>
+                      </a:r>
+                      <a:r>
+                        <a:rPr lang="en-US" altLang="zh-CN" sz="1800" b="0" i="0" kern="1200" dirty="0">
+                          <a:solidFill>
+                            <a:schemeClr val="dk1"/>
+                          </a:solidFill>
+                          <a:effectLst/>
+                          <a:latin typeface="+mn-lt"/>
+                          <a:ea typeface="+mn-ea"/>
+                          <a:cs typeface="+mn-cs"/>
+                        </a:rPr>
+                        <a:t>JWT</a:t>
+                      </a:r>
+                      <a:r>
+                        <a:rPr lang="zh-CN" altLang="en-US" sz="1800" b="0" i="0" kern="1200" dirty="0">
+                          <a:solidFill>
+                            <a:schemeClr val="dk1"/>
+                          </a:solidFill>
+                          <a:effectLst/>
+                          <a:latin typeface="+mn-lt"/>
+                          <a:ea typeface="+mn-ea"/>
+                          <a:cs typeface="+mn-cs"/>
+                        </a:rPr>
+                        <a:t>）身份验证</a:t>
+                      </a:r>
+                      <a:endParaRPr lang="zh-CN" altLang="en-US" dirty="0"/>
+                    </a:p>
+                  </a:txBody>
+                  <a:tcPr/>
+                </a:tc>
+                <a:tc>
+                  <a:txBody>
+                    <a:bodyPr/>
+                    <a:lstStyle/>
+                    <a:p>
+                      <a:r>
+                        <a:rPr lang="en-US" altLang="zh-CN" sz="1800" b="0" i="0" kern="1200" dirty="0">
+                          <a:solidFill>
+                            <a:schemeClr val="dk1"/>
+                          </a:solidFill>
+                          <a:effectLst/>
+                          <a:latin typeface="+mn-lt"/>
+                          <a:ea typeface="+mn-ea"/>
+                          <a:cs typeface="+mn-cs"/>
+                        </a:rPr>
+                        <a:t>Beta</a:t>
+                      </a:r>
+                      <a:endParaRPr lang="zh-CN" altLang="en-US" dirty="0"/>
+                    </a:p>
+                  </a:txBody>
+                  <a:tcPr/>
+                </a:tc>
+                <a:extLst>
+                  <a:ext uri="{0D108BD9-81ED-4DB2-BD59-A6C34878D82A}">
+                    <a16:rowId xmlns:a16="http://schemas.microsoft.com/office/drawing/2014/main" val="2668094410"/>
+                  </a:ext>
+                </a:extLst>
+              </a:tr>
+              <a:tr h="370840">
+                <a:tc>
+                  <a:txBody>
+                    <a:bodyPr/>
+                    <a:lstStyle/>
+                    <a:p>
+                      <a:r>
+                        <a:rPr lang="zh-CN" altLang="en-US" sz="1800" b="0" i="0" kern="1200" dirty="0">
+                          <a:solidFill>
+                            <a:schemeClr val="dk1"/>
+                          </a:solidFill>
+                          <a:effectLst/>
+                          <a:latin typeface="+mn-lt"/>
+                          <a:ea typeface="+mn-ea"/>
+                          <a:cs typeface="+mn-cs"/>
+                        </a:rPr>
+                        <a:t>自动双向</a:t>
+                      </a:r>
+                      <a:r>
+                        <a:rPr lang="en-US" altLang="zh-CN" sz="1800" b="0" i="0" kern="1200" dirty="0">
+                          <a:solidFill>
+                            <a:schemeClr val="dk1"/>
+                          </a:solidFill>
+                          <a:effectLst/>
+                          <a:latin typeface="+mn-lt"/>
+                          <a:ea typeface="+mn-ea"/>
+                          <a:cs typeface="+mn-cs"/>
+                        </a:rPr>
+                        <a:t>TLS</a:t>
+                      </a:r>
+                      <a:endParaRPr lang="zh-CN" altLang="en-US" dirty="0"/>
+                    </a:p>
+                  </a:txBody>
+                  <a:tcPr/>
+                </a:tc>
+                <a:tc>
+                  <a:txBody>
+                    <a:bodyPr/>
+                    <a:lstStyle/>
+                    <a:p>
+                      <a:r>
+                        <a:rPr lang="en-US" altLang="zh-CN" sz="1800" b="0" i="0" kern="1200" dirty="0">
+                          <a:solidFill>
+                            <a:schemeClr val="dk1"/>
+                          </a:solidFill>
+                          <a:effectLst/>
+                          <a:latin typeface="+mn-lt"/>
+                          <a:ea typeface="+mn-ea"/>
+                          <a:cs typeface="+mn-cs"/>
+                        </a:rPr>
+                        <a:t>Beta</a:t>
+                      </a:r>
+                      <a:endParaRPr lang="zh-CN" altLang="en-US" dirty="0"/>
+                    </a:p>
+                  </a:txBody>
+                  <a:tcPr/>
+                </a:tc>
+                <a:extLst>
+                  <a:ext uri="{0D108BD9-81ED-4DB2-BD59-A6C34878D82A}">
+                    <a16:rowId xmlns:a16="http://schemas.microsoft.com/office/drawing/2014/main" val="4253827061"/>
+                  </a:ext>
+                </a:extLst>
+              </a:tr>
+              <a:tr h="370840">
+                <a:tc>
+                  <a:txBody>
+                    <a:bodyPr/>
+                    <a:lstStyle/>
+                    <a:p>
+                      <a:r>
+                        <a:rPr lang="en-US" altLang="zh-CN" sz="1800" b="0" i="0" kern="1200" dirty="0">
+                          <a:solidFill>
+                            <a:schemeClr val="dk1"/>
+                          </a:solidFill>
+                          <a:effectLst/>
+                          <a:latin typeface="+mn-lt"/>
+                          <a:ea typeface="+mn-ea"/>
+                          <a:cs typeface="+mn-cs"/>
+                        </a:rPr>
+                        <a:t>VM:</a:t>
+                      </a:r>
+                      <a:r>
+                        <a:rPr lang="zh-CN" altLang="en-US" sz="1800" b="0" i="0" kern="1200" dirty="0">
+                          <a:solidFill>
+                            <a:schemeClr val="dk1"/>
+                          </a:solidFill>
+                          <a:effectLst/>
+                          <a:latin typeface="+mn-lt"/>
+                          <a:ea typeface="+mn-ea"/>
+                          <a:cs typeface="+mn-cs"/>
+                        </a:rPr>
+                        <a:t>服务凭据分发</a:t>
+                      </a:r>
+                      <a:endParaRPr lang="zh-CN" altLang="en-US" dirty="0"/>
+                    </a:p>
+                  </a:txBody>
+                  <a:tcPr/>
+                </a:tc>
+                <a:tc>
+                  <a:txBody>
+                    <a:bodyPr/>
+                    <a:lstStyle/>
+                    <a:p>
+                      <a:r>
+                        <a:rPr lang="en-US" altLang="zh-CN" sz="1800" b="0" i="0" kern="1200" dirty="0">
+                          <a:solidFill>
+                            <a:schemeClr val="dk1"/>
+                          </a:solidFill>
+                          <a:effectLst/>
+                          <a:latin typeface="+mn-lt"/>
+                          <a:ea typeface="+mn-ea"/>
+                          <a:cs typeface="+mn-cs"/>
+                        </a:rPr>
+                        <a:t>Beta</a:t>
+                      </a:r>
+                      <a:endParaRPr lang="zh-CN" altLang="en-US" dirty="0"/>
+                    </a:p>
+                  </a:txBody>
+                  <a:tcPr/>
+                </a:tc>
+                <a:extLst>
+                  <a:ext uri="{0D108BD9-81ED-4DB2-BD59-A6C34878D82A}">
+                    <a16:rowId xmlns:a16="http://schemas.microsoft.com/office/drawing/2014/main" val="3391100876"/>
+                  </a:ext>
+                </a:extLst>
+              </a:tr>
+              <a:tr h="370840">
+                <a:tc>
+                  <a:txBody>
+                    <a:bodyPr/>
+                    <a:lstStyle/>
+                    <a:p>
+                      <a:r>
+                        <a:rPr lang="zh-CN" altLang="en-US" sz="1800" b="0" i="0" kern="1200" dirty="0">
+                          <a:solidFill>
+                            <a:schemeClr val="dk1"/>
+                          </a:solidFill>
+                          <a:effectLst/>
+                          <a:latin typeface="+mn-lt"/>
+                          <a:ea typeface="+mn-ea"/>
+                          <a:cs typeface="+mn-cs"/>
+                        </a:rPr>
+                        <a:t>双向</a:t>
+                      </a:r>
+                      <a:r>
+                        <a:rPr lang="en-US" altLang="zh-CN" sz="1800" b="0" i="0" kern="1200" dirty="0">
+                          <a:solidFill>
+                            <a:schemeClr val="dk1"/>
+                          </a:solidFill>
+                          <a:effectLst/>
+                          <a:latin typeface="+mn-lt"/>
+                          <a:ea typeface="+mn-ea"/>
+                          <a:cs typeface="+mn-cs"/>
+                        </a:rPr>
+                        <a:t>TLS</a:t>
+                      </a:r>
+                      <a:r>
+                        <a:rPr lang="zh-CN" altLang="en-US" sz="1800" b="0" i="0" kern="1200" dirty="0">
+                          <a:solidFill>
+                            <a:schemeClr val="dk1"/>
+                          </a:solidFill>
+                          <a:effectLst/>
+                          <a:latin typeface="+mn-lt"/>
+                          <a:ea typeface="+mn-ea"/>
+                          <a:cs typeface="+mn-cs"/>
+                        </a:rPr>
+                        <a:t>迁移</a:t>
+                      </a:r>
+                      <a:endParaRPr lang="zh-CN" altLang="en-US" dirty="0"/>
+                    </a:p>
+                  </a:txBody>
+                  <a:tcPr/>
+                </a:tc>
+                <a:tc>
+                  <a:txBody>
+                    <a:bodyPr/>
+                    <a:lstStyle/>
+                    <a:p>
+                      <a:r>
+                        <a:rPr lang="en-US" altLang="zh-CN" sz="1800" b="0" i="0" kern="1200" dirty="0">
+                          <a:solidFill>
+                            <a:schemeClr val="dk1"/>
+                          </a:solidFill>
+                          <a:effectLst/>
+                          <a:latin typeface="+mn-lt"/>
+                          <a:ea typeface="+mn-ea"/>
+                          <a:cs typeface="+mn-cs"/>
+                        </a:rPr>
+                        <a:t>Beta</a:t>
+                      </a:r>
+                      <a:endParaRPr lang="zh-CN" altLang="en-US" dirty="0"/>
+                    </a:p>
+                  </a:txBody>
+                  <a:tcPr/>
+                </a:tc>
+                <a:extLst>
+                  <a:ext uri="{0D108BD9-81ED-4DB2-BD59-A6C34878D82A}">
+                    <a16:rowId xmlns:a16="http://schemas.microsoft.com/office/drawing/2014/main" val="4077529980"/>
+                  </a:ext>
+                </a:extLst>
+              </a:tr>
+              <a:tr h="370840">
+                <a:tc>
+                  <a:txBody>
+                    <a:bodyPr/>
+                    <a:lstStyle/>
+                    <a:p>
+                      <a:r>
+                        <a:rPr lang="zh-CN" altLang="en-US" sz="1800" b="0" i="0" kern="1200" dirty="0">
+                          <a:solidFill>
+                            <a:schemeClr val="dk1"/>
+                          </a:solidFill>
+                          <a:effectLst/>
+                          <a:latin typeface="+mn-lt"/>
+                          <a:ea typeface="+mn-ea"/>
+                          <a:cs typeface="+mn-cs"/>
+                        </a:rPr>
+                        <a:t>拒绝检查器（</a:t>
+                      </a:r>
+                      <a:r>
+                        <a:rPr lang="en-US" altLang="zh-CN" sz="1800" b="0" i="0" u="none" strike="noStrike" kern="1200" dirty="0">
+                          <a:solidFill>
+                            <a:schemeClr val="dk1"/>
+                          </a:solidFill>
+                          <a:effectLst/>
+                          <a:latin typeface="+mn-lt"/>
+                          <a:ea typeface="+mn-ea"/>
+                          <a:cs typeface="+mn-cs"/>
+                        </a:rPr>
+                        <a:t>Deny Checker</a:t>
+                      </a:r>
+                      <a:r>
+                        <a:rPr lang="zh-CN" altLang="en-US" sz="1800" b="0" i="0" kern="1200" dirty="0">
+                          <a:solidFill>
+                            <a:schemeClr val="dk1"/>
+                          </a:solidFill>
+                          <a:effectLst/>
+                          <a:latin typeface="+mn-lt"/>
+                          <a:ea typeface="+mn-ea"/>
+                          <a:cs typeface="+mn-cs"/>
+                        </a:rPr>
+                        <a:t>）</a:t>
+                      </a:r>
+                      <a:endParaRPr lang="zh-CN" altLang="en-US" dirty="0"/>
+                    </a:p>
+                  </a:txBody>
+                  <a:tcPr/>
+                </a:tc>
+                <a:tc>
+                  <a:txBody>
+                    <a:bodyPr/>
+                    <a:lstStyle/>
+                    <a:p>
+                      <a:r>
+                        <a:rPr lang="en-US" altLang="zh-CN" sz="1800" b="0" i="0" kern="1200" dirty="0">
+                          <a:solidFill>
+                            <a:schemeClr val="dk1"/>
+                          </a:solidFill>
+                          <a:effectLst/>
+                          <a:latin typeface="+mn-lt"/>
+                          <a:ea typeface="+mn-ea"/>
+                          <a:cs typeface="+mn-cs"/>
+                        </a:rPr>
+                        <a:t>Deprecated</a:t>
+                      </a:r>
+                      <a:endParaRPr lang="zh-CN" altLang="en-US" dirty="0"/>
+                    </a:p>
+                  </a:txBody>
+                  <a:tcPr/>
+                </a:tc>
+                <a:extLst>
+                  <a:ext uri="{0D108BD9-81ED-4DB2-BD59-A6C34878D82A}">
+                    <a16:rowId xmlns:a16="http://schemas.microsoft.com/office/drawing/2014/main" val="2486738904"/>
+                  </a:ext>
+                </a:extLst>
+              </a:tr>
+              <a:tr h="370840">
+                <a:tc>
+                  <a:txBody>
+                    <a:bodyPr/>
+                    <a:lstStyle/>
+                    <a:p>
+                      <a:r>
+                        <a:rPr lang="zh-CN" altLang="en-US" sz="1800" b="0" i="0" u="none" strike="noStrike" kern="1200" dirty="0">
+                          <a:solidFill>
+                            <a:schemeClr val="dk1"/>
+                          </a:solidFill>
+                          <a:effectLst/>
+                          <a:latin typeface="+mn-lt"/>
+                          <a:ea typeface="+mn-ea"/>
+                          <a:cs typeface="+mn-cs"/>
+                        </a:rPr>
+                        <a:t>列表检查器（</a:t>
+                      </a:r>
+                      <a:r>
+                        <a:rPr lang="en-US" altLang="zh-CN" sz="1800" b="0" i="0" u="none" strike="noStrike" kern="1200" dirty="0">
+                          <a:solidFill>
+                            <a:schemeClr val="dk1"/>
+                          </a:solidFill>
+                          <a:effectLst/>
+                          <a:latin typeface="+mn-lt"/>
+                          <a:ea typeface="+mn-ea"/>
+                          <a:cs typeface="+mn-cs"/>
+                        </a:rPr>
+                        <a:t>List Checker</a:t>
+                      </a:r>
+                      <a:r>
+                        <a:rPr lang="zh-CN" altLang="en-US" sz="1800" b="0" i="0" u="none" strike="noStrike" kern="1200" dirty="0">
+                          <a:solidFill>
+                            <a:schemeClr val="dk1"/>
+                          </a:solidFill>
+                          <a:effectLst/>
+                          <a:latin typeface="+mn-lt"/>
+                          <a:ea typeface="+mn-ea"/>
+                          <a:cs typeface="+mn-cs"/>
+                        </a:rPr>
+                        <a:t>）</a:t>
+                      </a:r>
+                      <a:endParaRPr lang="zh-CN" altLang="en-US" dirty="0"/>
+                    </a:p>
+                  </a:txBody>
+                  <a:tcPr/>
+                </a:tc>
+                <a:tc>
+                  <a:txBody>
+                    <a:bodyPr/>
+                    <a:lstStyle/>
+                    <a:p>
+                      <a:r>
+                        <a:rPr lang="en-US" altLang="zh-CN" sz="1800" b="0" i="0" kern="1200" dirty="0">
+                          <a:solidFill>
+                            <a:schemeClr val="dk1"/>
+                          </a:solidFill>
+                          <a:effectLst/>
+                          <a:latin typeface="+mn-lt"/>
+                          <a:ea typeface="+mn-ea"/>
+                          <a:cs typeface="+mn-cs"/>
+                        </a:rPr>
+                        <a:t>Deprecated</a:t>
+                      </a:r>
+                      <a:endParaRPr lang="zh-CN" altLang="en-US" dirty="0"/>
+                    </a:p>
+                  </a:txBody>
+                  <a:tcPr/>
+                </a:tc>
+                <a:extLst>
+                  <a:ext uri="{0D108BD9-81ED-4DB2-BD59-A6C34878D82A}">
+                    <a16:rowId xmlns:a16="http://schemas.microsoft.com/office/drawing/2014/main" val="2412274378"/>
+                  </a:ext>
+                </a:extLst>
+              </a:tr>
+              <a:tr h="370840">
+                <a:tc>
+                  <a:txBody>
+                    <a:bodyPr/>
+                    <a:lstStyle/>
+                    <a:p>
+                      <a:r>
+                        <a:rPr lang="en-US" altLang="zh-CN" sz="1800" b="0" i="0" kern="1200" dirty="0">
+                          <a:solidFill>
+                            <a:schemeClr val="dk1"/>
+                          </a:solidFill>
+                          <a:effectLst/>
+                          <a:latin typeface="+mn-lt"/>
+                          <a:ea typeface="+mn-ea"/>
+                          <a:cs typeface="+mn-cs"/>
+                        </a:rPr>
+                        <a:t>OPA</a:t>
+                      </a:r>
+                      <a:r>
+                        <a:rPr lang="zh-CN" altLang="en-US" sz="1800" b="0" i="0" kern="1200" dirty="0">
+                          <a:solidFill>
+                            <a:schemeClr val="dk1"/>
+                          </a:solidFill>
+                          <a:effectLst/>
+                          <a:latin typeface="+mn-lt"/>
+                          <a:ea typeface="+mn-ea"/>
+                          <a:cs typeface="+mn-cs"/>
+                        </a:rPr>
+                        <a:t>检查器（</a:t>
+                      </a:r>
+                      <a:r>
+                        <a:rPr lang="en-US" altLang="zh-CN" sz="1800" b="0" i="0" u="none" strike="noStrike" kern="1200" dirty="0">
+                          <a:solidFill>
+                            <a:schemeClr val="dk1"/>
+                          </a:solidFill>
+                          <a:effectLst/>
+                          <a:latin typeface="+mn-lt"/>
+                          <a:ea typeface="+mn-ea"/>
+                          <a:cs typeface="+mn-cs"/>
+                        </a:rPr>
+                        <a:t>OPA Checker</a:t>
+                      </a:r>
+                      <a:r>
+                        <a:rPr lang="zh-CN" altLang="en-US" sz="1800" b="0" i="0" kern="1200" dirty="0">
+                          <a:solidFill>
+                            <a:schemeClr val="dk1"/>
+                          </a:solidFill>
+                          <a:effectLst/>
+                          <a:latin typeface="+mn-lt"/>
+                          <a:ea typeface="+mn-ea"/>
+                          <a:cs typeface="+mn-cs"/>
+                        </a:rPr>
+                        <a:t>）</a:t>
+                      </a:r>
+                      <a:endParaRPr lang="zh-CN" altLang="en-US" dirty="0"/>
+                    </a:p>
+                  </a:txBody>
+                  <a:tcPr/>
+                </a:tc>
+                <a:tc>
+                  <a:txBody>
+                    <a:bodyPr/>
+                    <a:lstStyle/>
+                    <a:p>
+                      <a:r>
+                        <a:rPr lang="en-US" altLang="zh-CN" sz="1800" b="0" i="0" kern="1200" dirty="0">
+                          <a:solidFill>
+                            <a:schemeClr val="dk1"/>
+                          </a:solidFill>
+                          <a:effectLst/>
+                          <a:latin typeface="+mn-lt"/>
+                          <a:ea typeface="+mn-ea"/>
+                          <a:cs typeface="+mn-cs"/>
+                        </a:rPr>
+                        <a:t>Deprecated</a:t>
+                      </a:r>
+                      <a:endParaRPr lang="zh-CN" altLang="en-US" dirty="0"/>
+                    </a:p>
+                  </a:txBody>
+                  <a:tcPr/>
+                </a:tc>
+                <a:extLst>
+                  <a:ext uri="{0D108BD9-81ED-4DB2-BD59-A6C34878D82A}">
+                    <a16:rowId xmlns:a16="http://schemas.microsoft.com/office/drawing/2014/main" val="3838661066"/>
+                  </a:ext>
+                </a:extLst>
+              </a:tr>
+            </a:tbl>
+          </a:graphicData>
+        </a:graphic>
+      </p:graphicFrame>
+      <p:sp>
+        <p:nvSpPr>
+          <p:cNvPr id="4" name="日期占位符 3">
+            <a:extLst>
+              <a:ext uri="{FF2B5EF4-FFF2-40B4-BE49-F238E27FC236}">
+                <a16:creationId xmlns:a16="http://schemas.microsoft.com/office/drawing/2014/main" id="{20E85C84-CA9A-44C7-95CC-217EBA1C5D8F}"/>
+              </a:ext>
+            </a:extLst>
+          </p:cNvPr>
+          <p:cNvSpPr>
+            <a:spLocks noGrp="1"/>
+          </p:cNvSpPr>
+          <p:nvPr>
+            <p:ph type="dt" sz="half" idx="10"/>
+          </p:nvPr>
+        </p:nvSpPr>
+        <p:spPr/>
+        <p:txBody>
+          <a:bodyPr/>
+          <a:lstStyle/>
+          <a:p>
+            <a:pPr rtl="0"/>
+            <a:fld id="{F24FFC25-0C05-49C8-B150-3CF6B89B5C55}" type="datetime1">
+              <a:rPr lang="zh-CN" altLang="en-US" smtClean="0"/>
+              <a:t>2020/4/10</a:t>
+            </a:fld>
+            <a:endParaRPr lang="en-US" dirty="0"/>
+          </a:p>
+        </p:txBody>
+      </p:sp>
+    </p:spTree>
+    <p:extLst>
+      <p:ext uri="{BB962C8B-B14F-4D97-AF65-F5344CB8AC3E}">
+        <p14:creationId xmlns:p14="http://schemas.microsoft.com/office/powerpoint/2010/main" val="967210111"/>
       </p:ext>
     </p:extLst>
   </p:cSld>
@@ -11142,6 +16070,1330 @@
     <p:extLst>
       <p:ext uri="{BB962C8B-B14F-4D97-AF65-F5344CB8AC3E}">
         <p14:creationId xmlns:p14="http://schemas.microsoft.com/office/powerpoint/2010/main" val="263784652"/>
+      </p:ext>
+    </p:extLst>
+  </p:cSld>
+  <p:clrMapOvr>
+    <a:masterClrMapping/>
+  </p:clrMapOvr>
+</p:sld>
+</file>
+
+<file path=ppt/slides/slide20.xml><?xml version="1.0" encoding="utf-8"?>
+<p:sld xmlns:a="http://schemas.openxmlformats.org/drawingml/2006/main" xmlns:r="http://schemas.openxmlformats.org/officeDocument/2006/relationships" xmlns:p="http://schemas.openxmlformats.org/presentationml/2006/main">
+  <p:cSld>
+    <p:spTree>
+      <p:nvGrpSpPr>
+        <p:cNvPr id="1" name=""/>
+        <p:cNvGrpSpPr/>
+        <p:nvPr/>
+      </p:nvGrpSpPr>
+      <p:grpSpPr>
+        <a:xfrm>
+          <a:off x="0" y="0"/>
+          <a:ext cx="0" cy="0"/>
+          <a:chOff x="0" y="0"/>
+          <a:chExt cx="0" cy="0"/>
+        </a:xfrm>
+      </p:grpSpPr>
+      <p:sp>
+        <p:nvSpPr>
+          <p:cNvPr id="2" name="标题 1">
+            <a:extLst>
+              <a:ext uri="{FF2B5EF4-FFF2-40B4-BE49-F238E27FC236}">
+                <a16:creationId xmlns:a16="http://schemas.microsoft.com/office/drawing/2014/main" id="{A1FF17D5-669F-4314-91EB-01736BE5652A}"/>
+              </a:ext>
+            </a:extLst>
+          </p:cNvPr>
+          <p:cNvSpPr>
+            <a:spLocks noGrp="1"/>
+          </p:cNvSpPr>
+          <p:nvPr>
+            <p:ph type="title"/>
+          </p:nvPr>
+        </p:nvSpPr>
+        <p:spPr>
+          <a:xfrm>
+            <a:off x="581526" y="530706"/>
+            <a:ext cx="11029616" cy="669444"/>
+          </a:xfrm>
+        </p:spPr>
+        <p:txBody>
+          <a:bodyPr/>
+          <a:lstStyle/>
+          <a:p>
+            <a:r>
+              <a:rPr lang="zh-CN" altLang="en-US" dirty="0"/>
+              <a:t>核心基础组件</a:t>
+            </a:r>
+          </a:p>
+        </p:txBody>
+      </p:sp>
+      <p:graphicFrame>
+        <p:nvGraphicFramePr>
+          <p:cNvPr id="5" name="表格 5">
+            <a:extLst>
+              <a:ext uri="{FF2B5EF4-FFF2-40B4-BE49-F238E27FC236}">
+                <a16:creationId xmlns:a16="http://schemas.microsoft.com/office/drawing/2014/main" id="{F100FDD9-C9BF-4440-A377-A88EF9E5BE1D}"/>
+              </a:ext>
+            </a:extLst>
+          </p:cNvPr>
+          <p:cNvGraphicFramePr>
+            <a:graphicFrameLocks noGrp="1"/>
+          </p:cNvGraphicFramePr>
+          <p:nvPr>
+            <p:ph idx="1"/>
+            <p:extLst>
+              <p:ext uri="{D42A27DB-BD31-4B8C-83A1-F6EECF244321}">
+                <p14:modId xmlns:p14="http://schemas.microsoft.com/office/powerpoint/2010/main" val="2075952885"/>
+              </p:ext>
+            </p:extLst>
+          </p:nvPr>
+        </p:nvGraphicFramePr>
+        <p:xfrm>
+          <a:off x="415925" y="1213544"/>
+          <a:ext cx="11029950" cy="5392932"/>
+        </p:xfrm>
+        <a:graphic>
+          <a:graphicData uri="http://schemas.openxmlformats.org/drawingml/2006/table">
+            <a:tbl>
+              <a:tblPr firstRow="1" bandRow="1">
+                <a:tableStyleId>{5C22544A-7EE6-4342-B048-85BDC9FD1C3A}</a:tableStyleId>
+              </a:tblPr>
+              <a:tblGrid>
+                <a:gridCol w="5514975">
+                  <a:extLst>
+                    <a:ext uri="{9D8B030D-6E8A-4147-A177-3AD203B41FA5}">
+                      <a16:colId xmlns:a16="http://schemas.microsoft.com/office/drawing/2014/main" val="2868141205"/>
+                    </a:ext>
+                  </a:extLst>
+                </a:gridCol>
+                <a:gridCol w="5514975">
+                  <a:extLst>
+                    <a:ext uri="{9D8B030D-6E8A-4147-A177-3AD203B41FA5}">
+                      <a16:colId xmlns:a16="http://schemas.microsoft.com/office/drawing/2014/main" val="914018687"/>
+                    </a:ext>
+                  </a:extLst>
+                </a:gridCol>
+              </a:tblGrid>
+              <a:tr h="295716">
+                <a:tc>
+                  <a:txBody>
+                    <a:bodyPr/>
+                    <a:lstStyle/>
+                    <a:p>
+                      <a:r>
+                        <a:rPr lang="zh-CN" altLang="en-US" dirty="0"/>
+                        <a:t>功能</a:t>
+                      </a:r>
+                    </a:p>
+                  </a:txBody>
+                  <a:tcPr/>
+                </a:tc>
+                <a:tc>
+                  <a:txBody>
+                    <a:bodyPr/>
+                    <a:lstStyle/>
+                    <a:p>
+                      <a:r>
+                        <a:rPr lang="zh-CN" altLang="en-US" dirty="0"/>
+                        <a:t>阶段</a:t>
+                      </a:r>
+                    </a:p>
+                  </a:txBody>
+                  <a:tcPr/>
+                </a:tc>
+                <a:extLst>
+                  <a:ext uri="{0D108BD9-81ED-4DB2-BD59-A6C34878D82A}">
+                    <a16:rowId xmlns:a16="http://schemas.microsoft.com/office/drawing/2014/main" val="4216912809"/>
+                  </a:ext>
+                </a:extLst>
+              </a:tr>
+              <a:tr h="295716">
+                <a:tc>
+                  <a:txBody>
+                    <a:bodyPr/>
+                    <a:lstStyle/>
+                    <a:p>
+                      <a:r>
+                        <a:rPr lang="en-US" altLang="zh-CN" sz="1200" b="0" i="0" kern="1200" dirty="0">
+                          <a:solidFill>
+                            <a:schemeClr val="dk1"/>
+                          </a:solidFill>
+                          <a:effectLst/>
+                          <a:latin typeface="+mn-lt"/>
+                          <a:ea typeface="+mn-ea"/>
+                          <a:cs typeface="+mn-cs"/>
+                        </a:rPr>
+                        <a:t>Kubernetes</a:t>
+                      </a:r>
+                      <a:r>
+                        <a:rPr lang="zh-CN" altLang="en-US" sz="1200" b="0" i="0" kern="1200" dirty="0">
+                          <a:solidFill>
+                            <a:schemeClr val="dk1"/>
+                          </a:solidFill>
+                          <a:effectLst/>
+                          <a:latin typeface="+mn-lt"/>
+                          <a:ea typeface="+mn-ea"/>
+                          <a:cs typeface="+mn-cs"/>
+                        </a:rPr>
+                        <a:t>：</a:t>
+                      </a:r>
+                      <a:r>
+                        <a:rPr lang="en-US" altLang="zh-CN" sz="1200" b="0" i="0" kern="1200" dirty="0">
+                          <a:solidFill>
+                            <a:schemeClr val="dk1"/>
+                          </a:solidFill>
+                          <a:effectLst/>
+                          <a:latin typeface="+mn-lt"/>
+                          <a:ea typeface="+mn-ea"/>
+                          <a:cs typeface="+mn-cs"/>
+                        </a:rPr>
+                        <a:t>Envoy</a:t>
+                      </a:r>
+                      <a:r>
+                        <a:rPr lang="zh-CN" altLang="en-US" sz="1200" b="0" i="0" kern="1200" dirty="0">
+                          <a:solidFill>
+                            <a:schemeClr val="dk1"/>
+                          </a:solidFill>
+                          <a:effectLst/>
+                          <a:latin typeface="+mn-lt"/>
+                          <a:ea typeface="+mn-ea"/>
+                          <a:cs typeface="+mn-cs"/>
+                        </a:rPr>
+                        <a:t>安装和流量拦截</a:t>
+                      </a:r>
+                      <a:endParaRPr lang="zh-CN" altLang="en-US" sz="1200" dirty="0"/>
+                    </a:p>
+                  </a:txBody>
+                  <a:tcPr/>
+                </a:tc>
+                <a:tc>
+                  <a:txBody>
+                    <a:bodyPr/>
+                    <a:lstStyle/>
+                    <a:p>
+                      <a:r>
+                        <a:rPr lang="en-US" altLang="zh-CN" sz="1200" b="0" i="0" kern="1200" dirty="0">
+                          <a:solidFill>
+                            <a:schemeClr val="dk1"/>
+                          </a:solidFill>
+                          <a:effectLst/>
+                          <a:latin typeface="+mn-lt"/>
+                          <a:ea typeface="+mn-ea"/>
+                          <a:cs typeface="+mn-cs"/>
+                        </a:rPr>
+                        <a:t>Stable</a:t>
+                      </a:r>
+                      <a:endParaRPr lang="zh-CN" altLang="en-US" sz="1200" dirty="0"/>
+                    </a:p>
+                  </a:txBody>
+                  <a:tcPr/>
+                </a:tc>
+                <a:extLst>
+                  <a:ext uri="{0D108BD9-81ED-4DB2-BD59-A6C34878D82A}">
+                    <a16:rowId xmlns:a16="http://schemas.microsoft.com/office/drawing/2014/main" val="1765276749"/>
+                  </a:ext>
+                </a:extLst>
+              </a:tr>
+              <a:tr h="295716">
+                <a:tc>
+                  <a:txBody>
+                    <a:bodyPr/>
+                    <a:lstStyle/>
+                    <a:p>
+                      <a:r>
+                        <a:rPr lang="en-US" altLang="zh-CN" sz="1200" b="0" i="0" kern="1200" dirty="0">
+                          <a:solidFill>
+                            <a:schemeClr val="dk1"/>
+                          </a:solidFill>
+                          <a:effectLst/>
+                          <a:latin typeface="+mn-lt"/>
+                          <a:ea typeface="+mn-ea"/>
+                          <a:cs typeface="+mn-cs"/>
+                        </a:rPr>
+                        <a:t>Kubernetes</a:t>
+                      </a:r>
+                      <a:r>
+                        <a:rPr lang="zh-CN" altLang="en-US" sz="1200" b="0" i="0" kern="1200" dirty="0">
+                          <a:solidFill>
+                            <a:schemeClr val="dk1"/>
+                          </a:solidFill>
+                          <a:effectLst/>
+                          <a:latin typeface="+mn-lt"/>
+                          <a:ea typeface="+mn-ea"/>
+                          <a:cs typeface="+mn-cs"/>
+                        </a:rPr>
+                        <a:t>：</a:t>
+                      </a:r>
+                      <a:r>
+                        <a:rPr lang="en-US" altLang="zh-CN" sz="1200" b="0" i="0" kern="1200" dirty="0" err="1">
+                          <a:solidFill>
+                            <a:schemeClr val="dk1"/>
+                          </a:solidFill>
+                          <a:effectLst/>
+                          <a:latin typeface="+mn-lt"/>
+                          <a:ea typeface="+mn-ea"/>
+                          <a:cs typeface="+mn-cs"/>
+                        </a:rPr>
+                        <a:t>Istio</a:t>
+                      </a:r>
+                      <a:r>
+                        <a:rPr lang="zh-CN" altLang="en-US" sz="1200" b="0" i="0" kern="1200" dirty="0">
+                          <a:solidFill>
+                            <a:schemeClr val="dk1"/>
+                          </a:solidFill>
+                          <a:effectLst/>
+                          <a:latin typeface="+mn-lt"/>
+                          <a:ea typeface="+mn-ea"/>
+                          <a:cs typeface="+mn-cs"/>
+                        </a:rPr>
+                        <a:t>控制平面安装</a:t>
+                      </a:r>
+                      <a:endParaRPr lang="zh-CN" altLang="en-US" sz="1200" dirty="0"/>
+                    </a:p>
+                  </a:txBody>
+                  <a:tcPr/>
+                </a:tc>
+                <a:tc>
+                  <a:txBody>
+                    <a:bodyPr/>
+                    <a:lstStyle/>
+                    <a:p>
+                      <a:r>
+                        <a:rPr lang="en-US" altLang="zh-CN" sz="1200" b="0" i="0" kern="1200" dirty="0">
+                          <a:solidFill>
+                            <a:schemeClr val="dk1"/>
+                          </a:solidFill>
+                          <a:effectLst/>
+                          <a:latin typeface="+mn-lt"/>
+                          <a:ea typeface="+mn-ea"/>
+                          <a:cs typeface="+mn-cs"/>
+                        </a:rPr>
+                        <a:t>Stable</a:t>
+                      </a:r>
+                      <a:endParaRPr lang="zh-CN" altLang="en-US" sz="1200" dirty="0"/>
+                    </a:p>
+                  </a:txBody>
+                  <a:tcPr/>
+                </a:tc>
+                <a:extLst>
+                  <a:ext uri="{0D108BD9-81ED-4DB2-BD59-A6C34878D82A}">
+                    <a16:rowId xmlns:a16="http://schemas.microsoft.com/office/drawing/2014/main" val="1924863888"/>
+                  </a:ext>
+                </a:extLst>
+              </a:tr>
+              <a:tr h="295716">
+                <a:tc>
+                  <a:txBody>
+                    <a:bodyPr/>
+                    <a:lstStyle/>
+                    <a:p>
+                      <a:r>
+                        <a:rPr lang="zh-CN" altLang="en-US" sz="1200" b="0" i="0" kern="1200" dirty="0">
+                          <a:solidFill>
+                            <a:schemeClr val="dk1"/>
+                          </a:solidFill>
+                          <a:effectLst/>
+                          <a:latin typeface="+mn-lt"/>
+                          <a:ea typeface="+mn-ea"/>
+                          <a:cs typeface="+mn-cs"/>
+                        </a:rPr>
+                        <a:t>属性表达式语言</a:t>
+                      </a:r>
+                      <a:endParaRPr lang="zh-CN" altLang="en-US" sz="1200" dirty="0"/>
+                    </a:p>
+                  </a:txBody>
+                  <a:tcPr/>
+                </a:tc>
+                <a:tc>
+                  <a:txBody>
+                    <a:bodyPr/>
+                    <a:lstStyle/>
+                    <a:p>
+                      <a:r>
+                        <a:rPr lang="en-US" altLang="zh-CN" sz="1200" b="0" i="0" kern="1200" dirty="0">
+                          <a:solidFill>
+                            <a:schemeClr val="dk1"/>
+                          </a:solidFill>
+                          <a:effectLst/>
+                          <a:latin typeface="+mn-lt"/>
+                          <a:ea typeface="+mn-ea"/>
+                          <a:cs typeface="+mn-cs"/>
+                        </a:rPr>
+                        <a:t>Stable</a:t>
+                      </a:r>
+                      <a:endParaRPr lang="zh-CN" altLang="en-US" sz="1200" dirty="0"/>
+                    </a:p>
+                  </a:txBody>
+                  <a:tcPr/>
+                </a:tc>
+                <a:extLst>
+                  <a:ext uri="{0D108BD9-81ED-4DB2-BD59-A6C34878D82A}">
+                    <a16:rowId xmlns:a16="http://schemas.microsoft.com/office/drawing/2014/main" val="1918660443"/>
+                  </a:ext>
+                </a:extLst>
+              </a:tr>
+              <a:tr h="295716">
+                <a:tc>
+                  <a:txBody>
+                    <a:bodyPr/>
+                    <a:lstStyle/>
+                    <a:p>
+                      <a:r>
+                        <a:rPr lang="en-US" altLang="zh-CN" sz="1200" b="0" i="0" kern="1200" dirty="0">
+                          <a:solidFill>
+                            <a:schemeClr val="dk1"/>
+                          </a:solidFill>
+                          <a:effectLst/>
+                          <a:latin typeface="+mn-lt"/>
+                          <a:ea typeface="+mn-ea"/>
+                          <a:cs typeface="+mn-cs"/>
+                        </a:rPr>
+                        <a:t>Standalone Operator</a:t>
+                      </a:r>
+                      <a:endParaRPr lang="zh-CN" altLang="en-US" sz="1200" dirty="0"/>
+                    </a:p>
+                  </a:txBody>
+                  <a:tcPr/>
+                </a:tc>
+                <a:tc>
+                  <a:txBody>
+                    <a:bodyPr/>
+                    <a:lstStyle/>
+                    <a:p>
+                      <a:r>
+                        <a:rPr lang="en-US" altLang="zh-CN" sz="1200" b="0" i="0" kern="1200" dirty="0">
+                          <a:solidFill>
+                            <a:schemeClr val="dk1"/>
+                          </a:solidFill>
+                          <a:effectLst/>
+                          <a:latin typeface="+mn-lt"/>
+                          <a:ea typeface="+mn-ea"/>
+                          <a:cs typeface="+mn-cs"/>
+                        </a:rPr>
+                        <a:t>Alpha</a:t>
+                      </a:r>
+                      <a:endParaRPr lang="zh-CN" altLang="en-US" sz="1200" dirty="0"/>
+                    </a:p>
+                  </a:txBody>
+                  <a:tcPr/>
+                </a:tc>
+                <a:extLst>
+                  <a:ext uri="{0D108BD9-81ED-4DB2-BD59-A6C34878D82A}">
+                    <a16:rowId xmlns:a16="http://schemas.microsoft.com/office/drawing/2014/main" val="2077965546"/>
+                  </a:ext>
+                </a:extLst>
+              </a:tr>
+              <a:tr h="295716">
+                <a:tc>
+                  <a:txBody>
+                    <a:bodyPr/>
+                    <a:lstStyle/>
+                    <a:p>
+                      <a:r>
+                        <a:rPr lang="zh-CN" altLang="en-US" sz="1200" b="0" i="0" kern="1200" dirty="0">
+                          <a:solidFill>
+                            <a:schemeClr val="dk1"/>
+                          </a:solidFill>
+                          <a:effectLst/>
+                          <a:latin typeface="+mn-lt"/>
+                          <a:ea typeface="+mn-ea"/>
+                          <a:cs typeface="+mn-cs"/>
+                        </a:rPr>
+                        <a:t>混合器进程外适配器创作模型</a:t>
+                      </a:r>
+                      <a:endParaRPr lang="zh-CN" altLang="en-US" sz="1200" dirty="0"/>
+                    </a:p>
+                  </a:txBody>
+                  <a:tcPr/>
+                </a:tc>
+                <a:tc>
+                  <a:txBody>
+                    <a:bodyPr/>
+                    <a:lstStyle/>
+                    <a:p>
+                      <a:r>
+                        <a:rPr lang="en-US" altLang="zh-CN" sz="1200" b="0" i="0" kern="1200" dirty="0">
+                          <a:solidFill>
+                            <a:schemeClr val="dk1"/>
+                          </a:solidFill>
+                          <a:effectLst/>
+                          <a:latin typeface="+mn-lt"/>
+                          <a:ea typeface="+mn-ea"/>
+                          <a:cs typeface="+mn-cs"/>
+                        </a:rPr>
+                        <a:t>Beta</a:t>
+                      </a:r>
+                      <a:endParaRPr lang="zh-CN" altLang="en-US" sz="1200" dirty="0"/>
+                    </a:p>
+                  </a:txBody>
+                  <a:tcPr/>
+                </a:tc>
+                <a:extLst>
+                  <a:ext uri="{0D108BD9-81ED-4DB2-BD59-A6C34878D82A}">
+                    <a16:rowId xmlns:a16="http://schemas.microsoft.com/office/drawing/2014/main" val="928013699"/>
+                  </a:ext>
+                </a:extLst>
+              </a:tr>
+              <a:tr h="295716">
+                <a:tc>
+                  <a:txBody>
+                    <a:bodyPr/>
+                    <a:lstStyle/>
+                    <a:p>
+                      <a:r>
+                        <a:rPr lang="en-US" altLang="zh-CN" sz="1200" dirty="0"/>
+                        <a:t>Helm</a:t>
+                      </a:r>
+                      <a:endParaRPr lang="zh-CN" altLang="en-US" sz="1200" dirty="0"/>
+                    </a:p>
+                  </a:txBody>
+                  <a:tcPr/>
+                </a:tc>
+                <a:tc>
+                  <a:txBody>
+                    <a:bodyPr/>
+                    <a:lstStyle/>
+                    <a:p>
+                      <a:r>
+                        <a:rPr lang="en-US" altLang="zh-CN" sz="1200" b="0" i="0" kern="1200" dirty="0">
+                          <a:solidFill>
+                            <a:schemeClr val="dk1"/>
+                          </a:solidFill>
+                          <a:effectLst/>
+                          <a:latin typeface="+mn-lt"/>
+                          <a:ea typeface="+mn-ea"/>
+                          <a:cs typeface="+mn-cs"/>
+                        </a:rPr>
+                        <a:t>Beta</a:t>
+                      </a:r>
+                      <a:endParaRPr lang="zh-CN" altLang="en-US" sz="1200" dirty="0"/>
+                    </a:p>
+                  </a:txBody>
+                  <a:tcPr/>
+                </a:tc>
+                <a:extLst>
+                  <a:ext uri="{0D108BD9-81ED-4DB2-BD59-A6C34878D82A}">
+                    <a16:rowId xmlns:a16="http://schemas.microsoft.com/office/drawing/2014/main" val="2163357051"/>
+                  </a:ext>
+                </a:extLst>
+              </a:tr>
+              <a:tr h="295716">
+                <a:tc>
+                  <a:txBody>
+                    <a:bodyPr/>
+                    <a:lstStyle/>
+                    <a:p>
+                      <a:r>
+                        <a:rPr lang="zh-CN" altLang="en-US" sz="1200" b="0" i="0" kern="1200" dirty="0">
+                          <a:solidFill>
+                            <a:schemeClr val="dk1"/>
+                          </a:solidFill>
+                          <a:effectLst/>
+                          <a:latin typeface="+mn-lt"/>
+                          <a:ea typeface="+mn-ea"/>
+                          <a:cs typeface="+mn-cs"/>
+                        </a:rPr>
+                        <a:t>基于</a:t>
+                      </a:r>
+                      <a:r>
+                        <a:rPr lang="en-US" altLang="zh-CN" sz="1200" b="0" i="0" kern="1200" dirty="0">
+                          <a:solidFill>
+                            <a:schemeClr val="dk1"/>
+                          </a:solidFill>
+                          <a:effectLst/>
+                          <a:latin typeface="+mn-lt"/>
+                          <a:ea typeface="+mn-ea"/>
+                          <a:cs typeface="+mn-cs"/>
+                        </a:rPr>
+                        <a:t>VPN</a:t>
+                      </a:r>
+                      <a:r>
+                        <a:rPr lang="zh-CN" altLang="en-US" sz="1200" b="0" i="0" kern="1200" dirty="0">
+                          <a:solidFill>
+                            <a:schemeClr val="dk1"/>
+                          </a:solidFill>
+                          <a:effectLst/>
+                          <a:latin typeface="+mn-lt"/>
+                          <a:ea typeface="+mn-ea"/>
+                          <a:cs typeface="+mn-cs"/>
+                        </a:rPr>
+                        <a:t>的多集群网格</a:t>
+                      </a:r>
+                      <a:endParaRPr lang="zh-CN" altLang="en-US" sz="1200" dirty="0"/>
+                    </a:p>
+                  </a:txBody>
+                  <a:tcPr/>
+                </a:tc>
+                <a:tc>
+                  <a:txBody>
+                    <a:bodyPr/>
+                    <a:lstStyle/>
+                    <a:p>
+                      <a:r>
+                        <a:rPr lang="en-US" altLang="zh-CN" sz="1200" b="0" i="0" kern="1200" dirty="0">
+                          <a:solidFill>
+                            <a:schemeClr val="dk1"/>
+                          </a:solidFill>
+                          <a:effectLst/>
+                          <a:latin typeface="+mn-lt"/>
+                          <a:ea typeface="+mn-ea"/>
+                          <a:cs typeface="+mn-cs"/>
+                        </a:rPr>
+                        <a:t>Alpha</a:t>
+                      </a:r>
+                      <a:endParaRPr lang="zh-CN" altLang="en-US" sz="1200" dirty="0"/>
+                    </a:p>
+                  </a:txBody>
+                  <a:tcPr/>
+                </a:tc>
+                <a:extLst>
+                  <a:ext uri="{0D108BD9-81ED-4DB2-BD59-A6C34878D82A}">
+                    <a16:rowId xmlns:a16="http://schemas.microsoft.com/office/drawing/2014/main" val="1106054437"/>
+                  </a:ext>
+                </a:extLst>
+              </a:tr>
+              <a:tr h="295716">
+                <a:tc>
+                  <a:txBody>
+                    <a:bodyPr/>
+                    <a:lstStyle/>
+                    <a:p>
+                      <a:r>
+                        <a:rPr lang="en-US" altLang="zh-CN" sz="1200" b="0" i="0" kern="1200" dirty="0">
+                          <a:solidFill>
+                            <a:schemeClr val="dk1"/>
+                          </a:solidFill>
+                          <a:effectLst/>
+                          <a:latin typeface="+mn-lt"/>
+                          <a:ea typeface="+mn-ea"/>
+                          <a:cs typeface="+mn-cs"/>
+                        </a:rPr>
+                        <a:t>Kubernetes</a:t>
+                      </a:r>
+                      <a:r>
+                        <a:rPr lang="zh-CN" altLang="en-US" sz="1200" b="0" i="0" kern="1200" dirty="0">
+                          <a:solidFill>
+                            <a:schemeClr val="dk1"/>
+                          </a:solidFill>
+                          <a:effectLst/>
+                          <a:latin typeface="+mn-lt"/>
+                          <a:ea typeface="+mn-ea"/>
+                          <a:cs typeface="+mn-cs"/>
+                        </a:rPr>
+                        <a:t>：</a:t>
+                      </a:r>
+                      <a:r>
+                        <a:rPr lang="en-US" altLang="zh-CN" sz="1200" b="0" i="0" kern="1200" dirty="0" err="1">
+                          <a:solidFill>
+                            <a:schemeClr val="dk1"/>
+                          </a:solidFill>
+                          <a:effectLst/>
+                          <a:latin typeface="+mn-lt"/>
+                          <a:ea typeface="+mn-ea"/>
+                          <a:cs typeface="+mn-cs"/>
+                        </a:rPr>
+                        <a:t>Istio</a:t>
+                      </a:r>
+                      <a:r>
+                        <a:rPr lang="zh-CN" altLang="en-US" sz="1200" b="0" i="0" kern="1200" dirty="0">
+                          <a:solidFill>
+                            <a:schemeClr val="dk1"/>
+                          </a:solidFill>
+                          <a:effectLst/>
+                          <a:latin typeface="+mn-lt"/>
+                          <a:ea typeface="+mn-ea"/>
+                          <a:cs typeface="+mn-cs"/>
+                        </a:rPr>
+                        <a:t>控制平面升级</a:t>
+                      </a:r>
+                      <a:endParaRPr lang="zh-CN" altLang="en-US" sz="1200" dirty="0"/>
+                    </a:p>
+                  </a:txBody>
+                  <a:tcPr/>
+                </a:tc>
+                <a:tc>
+                  <a:txBody>
+                    <a:bodyPr/>
+                    <a:lstStyle/>
+                    <a:p>
+                      <a:r>
+                        <a:rPr lang="en-US" altLang="zh-CN" sz="1200" b="0" i="0" kern="1200" dirty="0">
+                          <a:solidFill>
+                            <a:schemeClr val="dk1"/>
+                          </a:solidFill>
+                          <a:effectLst/>
+                          <a:latin typeface="+mn-lt"/>
+                          <a:ea typeface="+mn-ea"/>
+                          <a:cs typeface="+mn-cs"/>
+                        </a:rPr>
+                        <a:t>Beta</a:t>
+                      </a:r>
+                      <a:endParaRPr lang="zh-CN" altLang="en-US" sz="1200" dirty="0"/>
+                    </a:p>
+                  </a:txBody>
+                  <a:tcPr/>
+                </a:tc>
+                <a:extLst>
+                  <a:ext uri="{0D108BD9-81ED-4DB2-BD59-A6C34878D82A}">
+                    <a16:rowId xmlns:a16="http://schemas.microsoft.com/office/drawing/2014/main" val="2572359075"/>
+                  </a:ext>
+                </a:extLst>
+              </a:tr>
+              <a:tr h="295716">
+                <a:tc>
+                  <a:txBody>
+                    <a:bodyPr/>
+                    <a:lstStyle/>
+                    <a:p>
+                      <a:r>
+                        <a:rPr lang="en-US" altLang="zh-CN" sz="1200" b="0" i="0" kern="1200" dirty="0">
+                          <a:solidFill>
+                            <a:schemeClr val="dk1"/>
+                          </a:solidFill>
+                          <a:effectLst/>
+                          <a:latin typeface="+mn-lt"/>
+                          <a:ea typeface="+mn-ea"/>
+                          <a:cs typeface="+mn-cs"/>
+                        </a:rPr>
+                        <a:t>Consul</a:t>
+                      </a:r>
+                      <a:r>
+                        <a:rPr lang="zh-CN" altLang="en-US" sz="1200" b="0" i="0" kern="1200" dirty="0">
+                          <a:solidFill>
+                            <a:schemeClr val="dk1"/>
+                          </a:solidFill>
+                          <a:effectLst/>
+                          <a:latin typeface="+mn-lt"/>
+                          <a:ea typeface="+mn-ea"/>
+                          <a:cs typeface="+mn-cs"/>
+                        </a:rPr>
+                        <a:t>集成</a:t>
+                      </a:r>
+                      <a:endParaRPr lang="zh-CN" altLang="en-US" sz="1200" dirty="0"/>
+                    </a:p>
+                  </a:txBody>
+                  <a:tcPr/>
+                </a:tc>
+                <a:tc>
+                  <a:txBody>
+                    <a:bodyPr/>
+                    <a:lstStyle/>
+                    <a:p>
+                      <a:r>
+                        <a:rPr lang="en-US" altLang="zh-CN" sz="1200" b="0" i="0" kern="1200" dirty="0">
+                          <a:solidFill>
+                            <a:schemeClr val="dk1"/>
+                          </a:solidFill>
+                          <a:effectLst/>
+                          <a:latin typeface="+mn-lt"/>
+                          <a:ea typeface="+mn-ea"/>
+                          <a:cs typeface="+mn-cs"/>
+                        </a:rPr>
+                        <a:t>Alpha</a:t>
+                      </a:r>
+                      <a:endParaRPr lang="zh-CN" altLang="en-US" sz="1200" dirty="0"/>
+                    </a:p>
+                  </a:txBody>
+                  <a:tcPr/>
+                </a:tc>
+                <a:extLst>
+                  <a:ext uri="{0D108BD9-81ED-4DB2-BD59-A6C34878D82A}">
+                    <a16:rowId xmlns:a16="http://schemas.microsoft.com/office/drawing/2014/main" val="378438033"/>
+                  </a:ext>
+                </a:extLst>
+              </a:tr>
+              <a:tr h="295716">
+                <a:tc>
+                  <a:txBody>
+                    <a:bodyPr/>
+                    <a:lstStyle/>
+                    <a:p>
+                      <a:r>
+                        <a:rPr lang="zh-CN" altLang="en-US" sz="1200" b="0" i="0" kern="1200" dirty="0">
+                          <a:solidFill>
+                            <a:schemeClr val="dk1"/>
+                          </a:solidFill>
+                          <a:effectLst/>
+                          <a:latin typeface="+mn-lt"/>
+                          <a:ea typeface="+mn-ea"/>
+                          <a:cs typeface="+mn-cs"/>
+                        </a:rPr>
+                        <a:t>基本配置资源验证</a:t>
+                      </a:r>
+                      <a:endParaRPr lang="zh-CN" altLang="en-US" sz="1200" dirty="0"/>
+                    </a:p>
+                  </a:txBody>
+                  <a:tcPr/>
+                </a:tc>
+                <a:tc>
+                  <a:txBody>
+                    <a:bodyPr/>
+                    <a:lstStyle/>
+                    <a:p>
+                      <a:r>
+                        <a:rPr lang="en-US" altLang="zh-CN" sz="1200" b="0" i="0" kern="1200" dirty="0">
+                          <a:solidFill>
+                            <a:schemeClr val="dk1"/>
+                          </a:solidFill>
+                          <a:effectLst/>
+                          <a:latin typeface="+mn-lt"/>
+                          <a:ea typeface="+mn-ea"/>
+                          <a:cs typeface="+mn-cs"/>
+                        </a:rPr>
+                        <a:t>Beta</a:t>
+                      </a:r>
+                      <a:endParaRPr lang="zh-CN" altLang="en-US" sz="1200" dirty="0"/>
+                    </a:p>
+                  </a:txBody>
+                  <a:tcPr/>
+                </a:tc>
+                <a:extLst>
+                  <a:ext uri="{0D108BD9-81ED-4DB2-BD59-A6C34878D82A}">
+                    <a16:rowId xmlns:a16="http://schemas.microsoft.com/office/drawing/2014/main" val="699560111"/>
+                  </a:ext>
+                </a:extLst>
+              </a:tr>
+              <a:tr h="295716">
+                <a:tc>
+                  <a:txBody>
+                    <a:bodyPr/>
+                    <a:lstStyle/>
+                    <a:p>
+                      <a:r>
+                        <a:rPr lang="zh-CN" altLang="en-US" sz="1200" b="0" i="0" kern="1200" dirty="0">
+                          <a:solidFill>
+                            <a:schemeClr val="dk1"/>
+                          </a:solidFill>
+                          <a:effectLst/>
+                          <a:latin typeface="+mn-lt"/>
+                          <a:ea typeface="+mn-ea"/>
+                          <a:cs typeface="+mn-cs"/>
+                        </a:rPr>
+                        <a:t>使用</a:t>
+                      </a:r>
+                      <a:r>
+                        <a:rPr lang="en-US" altLang="zh-CN" sz="1200" b="0" i="0" kern="1200" dirty="0">
+                          <a:solidFill>
+                            <a:schemeClr val="dk1"/>
+                          </a:solidFill>
+                          <a:effectLst/>
+                          <a:latin typeface="+mn-lt"/>
+                          <a:ea typeface="+mn-ea"/>
+                          <a:cs typeface="+mn-cs"/>
+                        </a:rPr>
+                        <a:t>Galley</a:t>
+                      </a:r>
+                      <a:r>
+                        <a:rPr lang="zh-CN" altLang="en-US" sz="1200" b="0" i="0" kern="1200" dirty="0">
+                          <a:solidFill>
+                            <a:schemeClr val="dk1"/>
+                          </a:solidFill>
+                          <a:effectLst/>
+                          <a:latin typeface="+mn-lt"/>
+                          <a:ea typeface="+mn-ea"/>
+                          <a:cs typeface="+mn-cs"/>
+                        </a:rPr>
+                        <a:t>进行配置处理</a:t>
+                      </a:r>
+                      <a:endParaRPr lang="zh-CN" altLang="en-US" sz="1200" dirty="0"/>
+                    </a:p>
+                  </a:txBody>
+                  <a:tcPr/>
+                </a:tc>
+                <a:tc>
+                  <a:txBody>
+                    <a:bodyPr/>
+                    <a:lstStyle/>
+                    <a:p>
+                      <a:r>
+                        <a:rPr lang="en-US" altLang="zh-CN" sz="1200" b="0" i="0" kern="1200" dirty="0">
+                          <a:solidFill>
+                            <a:schemeClr val="dk1"/>
+                          </a:solidFill>
+                          <a:effectLst/>
+                          <a:latin typeface="+mn-lt"/>
+                          <a:ea typeface="+mn-ea"/>
+                          <a:cs typeface="+mn-cs"/>
+                        </a:rPr>
+                        <a:t>Beta</a:t>
+                      </a:r>
+                      <a:endParaRPr lang="zh-CN" altLang="en-US" sz="1200" dirty="0"/>
+                    </a:p>
+                  </a:txBody>
+                  <a:tcPr/>
+                </a:tc>
+                <a:extLst>
+                  <a:ext uri="{0D108BD9-81ED-4DB2-BD59-A6C34878D82A}">
+                    <a16:rowId xmlns:a16="http://schemas.microsoft.com/office/drawing/2014/main" val="499364727"/>
+                  </a:ext>
+                </a:extLst>
+              </a:tr>
+              <a:tr h="295716">
+                <a:tc>
+                  <a:txBody>
+                    <a:bodyPr/>
+                    <a:lstStyle/>
+                    <a:p>
+                      <a:r>
+                        <a:rPr lang="zh-CN" altLang="en-US" sz="1200" b="0" i="0" kern="1200" dirty="0">
+                          <a:solidFill>
+                            <a:schemeClr val="dk1"/>
+                          </a:solidFill>
+                          <a:effectLst/>
+                          <a:latin typeface="+mn-lt"/>
+                          <a:ea typeface="+mn-ea"/>
+                          <a:cs typeface="+mn-cs"/>
+                        </a:rPr>
+                        <a:t>混合器的自我监控</a:t>
+                      </a:r>
+                      <a:endParaRPr lang="zh-CN" altLang="en-US" sz="1200" dirty="0"/>
+                    </a:p>
+                  </a:txBody>
+                  <a:tcPr/>
+                </a:tc>
+                <a:tc>
+                  <a:txBody>
+                    <a:bodyPr/>
+                    <a:lstStyle/>
+                    <a:p>
+                      <a:r>
+                        <a:rPr lang="en-US" altLang="zh-CN" sz="1200" b="0" i="0" kern="1200" dirty="0">
+                          <a:solidFill>
+                            <a:schemeClr val="dk1"/>
+                          </a:solidFill>
+                          <a:effectLst/>
+                          <a:latin typeface="+mn-lt"/>
+                          <a:ea typeface="+mn-ea"/>
+                          <a:cs typeface="+mn-cs"/>
+                        </a:rPr>
+                        <a:t>Beta</a:t>
+                      </a:r>
+                      <a:endParaRPr lang="zh-CN" altLang="en-US" sz="1200" dirty="0"/>
+                    </a:p>
+                  </a:txBody>
+                  <a:tcPr/>
+                </a:tc>
+                <a:extLst>
+                  <a:ext uri="{0D108BD9-81ED-4DB2-BD59-A6C34878D82A}">
+                    <a16:rowId xmlns:a16="http://schemas.microsoft.com/office/drawing/2014/main" val="3495468831"/>
+                  </a:ext>
+                </a:extLst>
+              </a:tr>
+              <a:tr h="295716">
+                <a:tc>
+                  <a:txBody>
+                    <a:bodyPr/>
+                    <a:lstStyle/>
+                    <a:p>
+                      <a:r>
+                        <a:rPr lang="zh-CN" altLang="en-US" sz="1200" b="0" i="0" kern="1200" dirty="0">
+                          <a:solidFill>
+                            <a:schemeClr val="dk1"/>
+                          </a:solidFill>
+                          <a:effectLst/>
+                          <a:latin typeface="+mn-lt"/>
+                          <a:ea typeface="+mn-ea"/>
+                          <a:cs typeface="+mn-cs"/>
+                        </a:rPr>
+                        <a:t>自定义混合器模型构建</a:t>
+                      </a:r>
+                      <a:endParaRPr lang="zh-CN" altLang="en-US" sz="1200" dirty="0"/>
+                    </a:p>
+                  </a:txBody>
+                  <a:tcPr/>
+                </a:tc>
+                <a:tc>
+                  <a:txBody>
+                    <a:bodyPr/>
+                    <a:lstStyle/>
+                    <a:p>
+                      <a:r>
+                        <a:rPr lang="en-US" altLang="zh-CN" sz="1200" b="0" i="0" kern="1200" dirty="0">
+                          <a:solidFill>
+                            <a:schemeClr val="dk1"/>
+                          </a:solidFill>
+                          <a:effectLst/>
+                          <a:latin typeface="+mn-lt"/>
+                          <a:ea typeface="+mn-ea"/>
+                          <a:cs typeface="+mn-cs"/>
+                        </a:rPr>
+                        <a:t>deprecated</a:t>
+                      </a:r>
+                      <a:endParaRPr lang="zh-CN" altLang="en-US" sz="1200" dirty="0"/>
+                    </a:p>
+                  </a:txBody>
+                  <a:tcPr/>
+                </a:tc>
+                <a:extLst>
+                  <a:ext uri="{0D108BD9-81ED-4DB2-BD59-A6C34878D82A}">
+                    <a16:rowId xmlns:a16="http://schemas.microsoft.com/office/drawing/2014/main" val="1763465826"/>
+                  </a:ext>
+                </a:extLst>
+              </a:tr>
+              <a:tr h="295716">
+                <a:tc>
+                  <a:txBody>
+                    <a:bodyPr/>
+                    <a:lstStyle/>
+                    <a:p>
+                      <a:r>
+                        <a:rPr lang="zh-CN" altLang="en-US" sz="1200" b="0" i="0" kern="1200" dirty="0">
+                          <a:solidFill>
+                            <a:schemeClr val="dk1"/>
+                          </a:solidFill>
+                          <a:effectLst/>
+                          <a:latin typeface="+mn-lt"/>
+                          <a:ea typeface="+mn-ea"/>
+                          <a:cs typeface="+mn-cs"/>
+                        </a:rPr>
+                        <a:t>进程外混合器适配器（</a:t>
+                      </a:r>
+                      <a:r>
+                        <a:rPr lang="en-US" altLang="zh-CN" sz="1200" b="0" i="0" kern="1200" dirty="0" err="1">
+                          <a:solidFill>
+                            <a:schemeClr val="dk1"/>
+                          </a:solidFill>
+                          <a:effectLst/>
+                          <a:latin typeface="+mn-lt"/>
+                          <a:ea typeface="+mn-ea"/>
+                          <a:cs typeface="+mn-cs"/>
+                        </a:rPr>
+                        <a:t>gRPC</a:t>
+                      </a:r>
+                      <a:r>
+                        <a:rPr lang="zh-CN" altLang="en-US" sz="1200" b="0" i="0" kern="1200" dirty="0">
+                          <a:solidFill>
+                            <a:schemeClr val="dk1"/>
+                          </a:solidFill>
+                          <a:effectLst/>
+                          <a:latin typeface="+mn-lt"/>
+                          <a:ea typeface="+mn-ea"/>
+                          <a:cs typeface="+mn-cs"/>
+                        </a:rPr>
+                        <a:t>适配器）</a:t>
+                      </a:r>
+                      <a:endParaRPr lang="zh-CN" altLang="en-US" sz="1200" dirty="0"/>
+                    </a:p>
+                  </a:txBody>
+                  <a:tcPr/>
+                </a:tc>
+                <a:tc>
+                  <a:txBody>
+                    <a:bodyPr/>
+                    <a:lstStyle/>
+                    <a:p>
+                      <a:r>
+                        <a:rPr lang="en-US" altLang="zh-CN" sz="1200" b="0" i="0" kern="1200" dirty="0">
+                          <a:solidFill>
+                            <a:schemeClr val="dk1"/>
+                          </a:solidFill>
+                          <a:effectLst/>
+                          <a:latin typeface="+mn-lt"/>
+                          <a:ea typeface="+mn-ea"/>
+                          <a:cs typeface="+mn-cs"/>
+                        </a:rPr>
+                        <a:t>Beta</a:t>
+                      </a:r>
+                      <a:endParaRPr lang="zh-CN" altLang="en-US" sz="1200" dirty="0"/>
+                    </a:p>
+                  </a:txBody>
+                  <a:tcPr/>
+                </a:tc>
+                <a:extLst>
+                  <a:ext uri="{0D108BD9-81ED-4DB2-BD59-A6C34878D82A}">
+                    <a16:rowId xmlns:a16="http://schemas.microsoft.com/office/drawing/2014/main" val="2360489437"/>
+                  </a:ext>
+                </a:extLst>
+              </a:tr>
+              <a:tr h="295716">
+                <a:tc>
+                  <a:txBody>
+                    <a:bodyPr/>
+                    <a:lstStyle/>
+                    <a:p>
+                      <a:r>
+                        <a:rPr lang="en-US" altLang="zh-CN" sz="1200" b="0" i="0" kern="1200" dirty="0" err="1">
+                          <a:solidFill>
+                            <a:schemeClr val="dk1"/>
+                          </a:solidFill>
+                          <a:effectLst/>
+                          <a:latin typeface="+mn-lt"/>
+                          <a:ea typeface="+mn-ea"/>
+                          <a:cs typeface="+mn-cs"/>
+                        </a:rPr>
+                        <a:t>Istio</a:t>
+                      </a:r>
+                      <a:r>
+                        <a:rPr lang="en-US" altLang="zh-CN" sz="1200" b="0" i="0" kern="1200" dirty="0">
+                          <a:solidFill>
+                            <a:schemeClr val="dk1"/>
+                          </a:solidFill>
+                          <a:effectLst/>
+                          <a:latin typeface="+mn-lt"/>
+                          <a:ea typeface="+mn-ea"/>
+                          <a:cs typeface="+mn-cs"/>
+                        </a:rPr>
+                        <a:t> CNI</a:t>
+                      </a:r>
+                      <a:r>
+                        <a:rPr lang="zh-CN" altLang="en-US" sz="1200" b="0" i="0" kern="1200" dirty="0">
+                          <a:solidFill>
+                            <a:schemeClr val="dk1"/>
+                          </a:solidFill>
+                          <a:effectLst/>
+                          <a:latin typeface="+mn-lt"/>
+                          <a:ea typeface="+mn-ea"/>
+                          <a:cs typeface="+mn-cs"/>
+                        </a:rPr>
+                        <a:t>插件</a:t>
+                      </a:r>
+                      <a:endParaRPr lang="zh-CN" altLang="en-US" sz="1200" dirty="0"/>
+                    </a:p>
+                  </a:txBody>
+                  <a:tcPr/>
+                </a:tc>
+                <a:tc>
+                  <a:txBody>
+                    <a:bodyPr/>
+                    <a:lstStyle/>
+                    <a:p>
+                      <a:r>
+                        <a:rPr lang="en-US" altLang="zh-CN" sz="1200" b="0" i="0" kern="1200" dirty="0">
+                          <a:solidFill>
+                            <a:schemeClr val="dk1"/>
+                          </a:solidFill>
+                          <a:effectLst/>
+                          <a:latin typeface="+mn-lt"/>
+                          <a:ea typeface="+mn-ea"/>
+                          <a:cs typeface="+mn-cs"/>
+                        </a:rPr>
+                        <a:t>Alpha</a:t>
+                      </a:r>
+                      <a:endParaRPr lang="zh-CN" altLang="en-US" sz="1200" dirty="0"/>
+                    </a:p>
+                  </a:txBody>
+                  <a:tcPr/>
+                </a:tc>
+                <a:extLst>
+                  <a:ext uri="{0D108BD9-81ED-4DB2-BD59-A6C34878D82A}">
+                    <a16:rowId xmlns:a16="http://schemas.microsoft.com/office/drawing/2014/main" val="79590495"/>
+                  </a:ext>
+                </a:extLst>
+              </a:tr>
+              <a:tr h="295716">
+                <a:tc>
+                  <a:txBody>
+                    <a:bodyPr/>
+                    <a:lstStyle/>
+                    <a:p>
+                      <a:r>
+                        <a:rPr lang="en-US" altLang="zh-CN" sz="1200" b="0" i="0" kern="1200" dirty="0">
+                          <a:solidFill>
+                            <a:schemeClr val="dk1"/>
+                          </a:solidFill>
+                          <a:effectLst/>
+                          <a:latin typeface="+mn-lt"/>
+                          <a:ea typeface="+mn-ea"/>
+                          <a:cs typeface="+mn-cs"/>
+                        </a:rPr>
+                        <a:t>Kubernetes</a:t>
+                      </a:r>
+                      <a:r>
+                        <a:rPr lang="zh-CN" altLang="en-US" sz="1200" b="0" i="0" kern="1200" dirty="0">
+                          <a:solidFill>
+                            <a:schemeClr val="dk1"/>
+                          </a:solidFill>
+                          <a:effectLst/>
+                          <a:latin typeface="+mn-lt"/>
+                          <a:ea typeface="+mn-ea"/>
+                          <a:cs typeface="+mn-cs"/>
+                        </a:rPr>
+                        <a:t>的</a:t>
+                      </a:r>
+                      <a:r>
+                        <a:rPr lang="en-US" altLang="zh-CN" sz="1200" b="0" i="0" kern="1200" dirty="0">
+                          <a:solidFill>
+                            <a:schemeClr val="dk1"/>
+                          </a:solidFill>
+                          <a:effectLst/>
+                          <a:latin typeface="+mn-lt"/>
+                          <a:ea typeface="+mn-ea"/>
+                          <a:cs typeface="+mn-cs"/>
+                        </a:rPr>
+                        <a:t>IPv6</a:t>
+                      </a:r>
+                      <a:r>
+                        <a:rPr lang="zh-CN" altLang="en-US" sz="1200" b="0" i="0" kern="1200" dirty="0">
+                          <a:solidFill>
+                            <a:schemeClr val="dk1"/>
+                          </a:solidFill>
+                          <a:effectLst/>
+                          <a:latin typeface="+mn-lt"/>
+                          <a:ea typeface="+mn-ea"/>
+                          <a:cs typeface="+mn-cs"/>
+                        </a:rPr>
+                        <a:t>支持</a:t>
+                      </a:r>
+                      <a:endParaRPr lang="zh-CN" altLang="en-US" sz="1200" dirty="0"/>
+                    </a:p>
+                  </a:txBody>
+                  <a:tcPr/>
+                </a:tc>
+                <a:tc>
+                  <a:txBody>
+                    <a:bodyPr/>
+                    <a:lstStyle/>
+                    <a:p>
+                      <a:r>
+                        <a:rPr lang="en-US" altLang="zh-CN" sz="1200" b="0" i="0" kern="1200" dirty="0">
+                          <a:solidFill>
+                            <a:schemeClr val="dk1"/>
+                          </a:solidFill>
+                          <a:effectLst/>
+                          <a:latin typeface="+mn-lt"/>
+                          <a:ea typeface="+mn-ea"/>
+                          <a:cs typeface="+mn-cs"/>
+                        </a:rPr>
+                        <a:t>Alpha</a:t>
+                      </a:r>
+                      <a:endParaRPr lang="zh-CN" altLang="en-US" sz="1200" dirty="0"/>
+                    </a:p>
+                  </a:txBody>
+                  <a:tcPr/>
+                </a:tc>
+                <a:extLst>
+                  <a:ext uri="{0D108BD9-81ED-4DB2-BD59-A6C34878D82A}">
+                    <a16:rowId xmlns:a16="http://schemas.microsoft.com/office/drawing/2014/main" val="2012744441"/>
+                  </a:ext>
+                </a:extLst>
+              </a:tr>
+              <a:tr h="295716">
+                <a:tc>
+                  <a:txBody>
+                    <a:bodyPr/>
+                    <a:lstStyle/>
+                    <a:p>
+                      <a:r>
+                        <a:rPr lang="en-US" altLang="zh-CN" sz="1200" b="0" i="0" kern="1200" dirty="0" err="1">
+                          <a:solidFill>
+                            <a:schemeClr val="dk1"/>
+                          </a:solidFill>
+                          <a:effectLst/>
+                          <a:latin typeface="+mn-lt"/>
+                          <a:ea typeface="+mn-ea"/>
+                          <a:cs typeface="+mn-cs"/>
+                        </a:rPr>
+                        <a:t>Istio</a:t>
+                      </a:r>
+                      <a:r>
+                        <a:rPr lang="zh-CN" altLang="en-US" sz="1200" b="0" i="0" kern="1200" dirty="0">
+                          <a:solidFill>
+                            <a:schemeClr val="dk1"/>
+                          </a:solidFill>
+                          <a:effectLst/>
+                          <a:latin typeface="+mn-lt"/>
+                          <a:ea typeface="+mn-ea"/>
+                          <a:cs typeface="+mn-cs"/>
+                        </a:rPr>
+                        <a:t>的</a:t>
+                      </a:r>
+                      <a:r>
+                        <a:rPr lang="en-US" altLang="zh-CN" sz="1200" b="0" i="0" kern="1200" dirty="0" err="1">
+                          <a:solidFill>
+                            <a:schemeClr val="dk1"/>
+                          </a:solidFill>
+                          <a:effectLst/>
+                          <a:latin typeface="+mn-lt"/>
+                          <a:ea typeface="+mn-ea"/>
+                          <a:cs typeface="+mn-cs"/>
+                        </a:rPr>
+                        <a:t>Distroless</a:t>
+                      </a:r>
+                      <a:r>
+                        <a:rPr lang="zh-CN" altLang="en-US" sz="1200" b="0" i="0" kern="1200" dirty="0">
+                          <a:solidFill>
+                            <a:schemeClr val="dk1"/>
+                          </a:solidFill>
+                          <a:effectLst/>
+                          <a:latin typeface="+mn-lt"/>
+                          <a:ea typeface="+mn-ea"/>
+                          <a:cs typeface="+mn-cs"/>
+                        </a:rPr>
+                        <a:t>基本映像</a:t>
+                      </a:r>
+                      <a:endParaRPr lang="zh-CN" altLang="en-US" sz="1200" dirty="0"/>
+                    </a:p>
+                  </a:txBody>
+                  <a:tcPr/>
+                </a:tc>
+                <a:tc>
+                  <a:txBody>
+                    <a:bodyPr/>
+                    <a:lstStyle/>
+                    <a:p>
+                      <a:r>
+                        <a:rPr lang="en-US" altLang="zh-CN" sz="1200" b="0" i="0" kern="1200" dirty="0">
+                          <a:solidFill>
+                            <a:schemeClr val="dk1"/>
+                          </a:solidFill>
+                          <a:effectLst/>
+                          <a:latin typeface="+mn-lt"/>
+                          <a:ea typeface="+mn-ea"/>
+                          <a:cs typeface="+mn-cs"/>
+                        </a:rPr>
+                        <a:t>Alpha</a:t>
+                      </a:r>
+                      <a:endParaRPr lang="zh-CN" altLang="en-US" sz="1200" dirty="0"/>
+                    </a:p>
+                  </a:txBody>
+                  <a:tcPr/>
+                </a:tc>
+                <a:extLst>
+                  <a:ext uri="{0D108BD9-81ED-4DB2-BD59-A6C34878D82A}">
+                    <a16:rowId xmlns:a16="http://schemas.microsoft.com/office/drawing/2014/main" val="912210581"/>
+                  </a:ext>
+                </a:extLst>
+              </a:tr>
+            </a:tbl>
+          </a:graphicData>
+        </a:graphic>
+      </p:graphicFrame>
+      <p:sp>
+        <p:nvSpPr>
+          <p:cNvPr id="4" name="日期占位符 3">
+            <a:extLst>
+              <a:ext uri="{FF2B5EF4-FFF2-40B4-BE49-F238E27FC236}">
+                <a16:creationId xmlns:a16="http://schemas.microsoft.com/office/drawing/2014/main" id="{74EAE83B-8808-4E17-A602-1C37D97BFE4F}"/>
+              </a:ext>
+            </a:extLst>
+          </p:cNvPr>
+          <p:cNvSpPr>
+            <a:spLocks noGrp="1"/>
+          </p:cNvSpPr>
+          <p:nvPr>
+            <p:ph type="dt" sz="half" idx="10"/>
+          </p:nvPr>
+        </p:nvSpPr>
+        <p:spPr/>
+        <p:txBody>
+          <a:bodyPr/>
+          <a:lstStyle/>
+          <a:p>
+            <a:pPr rtl="0"/>
+            <a:fld id="{F24FFC25-0C05-49C8-B150-3CF6B89B5C55}" type="datetime1">
+              <a:rPr lang="zh-CN" altLang="en-US" smtClean="0"/>
+              <a:t>2020/4/10</a:t>
+            </a:fld>
+            <a:endParaRPr lang="en-US" dirty="0"/>
+          </a:p>
+        </p:txBody>
+      </p:sp>
+    </p:spTree>
+    <p:extLst>
+      <p:ext uri="{BB962C8B-B14F-4D97-AF65-F5344CB8AC3E}">
+        <p14:creationId xmlns:p14="http://schemas.microsoft.com/office/powerpoint/2010/main" val="2352451366"/>
       </p:ext>
     </p:extLst>
   </p:cSld>
@@ -11585,7 +17837,7 @@
             <a:pPr rtl="0"/>
             <a:fld id="{F24FFC25-0C05-49C8-B150-3CF6B89B5C55}" type="datetime1">
               <a:rPr lang="zh-CN" altLang="en-US" smtClean="0"/>
-              <a:t>2020/3/30</a:t>
+              <a:t>2020/4/10</a:t>
             </a:fld>
             <a:endParaRPr lang="en-US" dirty="0"/>
           </a:p>
@@ -11763,7 +18015,7 @@
             <a:pPr rtl="0"/>
             <a:fld id="{F24FFC25-0C05-49C8-B150-3CF6B89B5C55}" type="datetime1">
               <a:rPr lang="zh-CN" altLang="en-US" smtClean="0"/>
-              <a:t>2020/3/30</a:t>
+              <a:t>2020/4/10</a:t>
             </a:fld>
             <a:endParaRPr lang="en-US" dirty="0"/>
           </a:p>
@@ -11920,7 +18172,7 @@
             <a:pPr rtl="0"/>
             <a:fld id="{F24FFC25-0C05-49C8-B150-3CF6B89B5C55}" type="datetime1">
               <a:rPr lang="zh-CN" altLang="en-US" smtClean="0"/>
-              <a:t>2020/3/30</a:t>
+              <a:t>2020/4/10</a:t>
             </a:fld>
             <a:endParaRPr lang="en-US" dirty="0"/>
           </a:p>
@@ -12187,7 +18439,7 @@
             <a:pPr rtl="0"/>
             <a:fld id="{F24FFC25-0C05-49C8-B150-3CF6B89B5C55}" type="datetime1">
               <a:rPr lang="zh-CN" altLang="en-US" smtClean="0"/>
-              <a:t>2020/3/30</a:t>
+              <a:t>2020/4/10</a:t>
             </a:fld>
             <a:endParaRPr lang="en-US" dirty="0"/>
           </a:p>
@@ -13172,7 +19424,7 @@
             <a:pPr rtl="0"/>
             <a:fld id="{F24FFC25-0C05-49C8-B150-3CF6B89B5C55}" type="datetime1">
               <a:rPr lang="zh-CN" altLang="en-US" smtClean="0"/>
-              <a:t>2020/3/30</a:t>
+              <a:t>2020/4/10</a:t>
             </a:fld>
             <a:endParaRPr lang="en-US" dirty="0"/>
           </a:p>
@@ -13431,7 +19683,7 @@
             <a:pPr rtl="0"/>
             <a:fld id="{F24FFC25-0C05-49C8-B150-3CF6B89B5C55}" type="datetime1">
               <a:rPr lang="zh-CN" altLang="en-US" smtClean="0"/>
-              <a:t>2020/3/30</a:t>
+              <a:t>2020/4/10</a:t>
             </a:fld>
             <a:endParaRPr lang="en-US" dirty="0"/>
           </a:p>
@@ -14408,7 +20660,7 @@
             <a:pPr rtl="0"/>
             <a:fld id="{F24FFC25-0C05-49C8-B150-3CF6B89B5C55}" type="datetime1">
               <a:rPr lang="zh-CN" altLang="en-US" smtClean="0"/>
-              <a:t>2020/3/30</a:t>
+              <a:t>2020/4/10</a:t>
             </a:fld>
             <a:endParaRPr lang="en-US" dirty="0"/>
           </a:p>

--- a/files/Service Mesh.pptx
+++ b/files/Service Mesh.pptx
@@ -5,10 +5,10 @@
     <p:sldMasterId id="2147483712" r:id="rId1"/>
   </p:sldMasterIdLst>
   <p:notesMasterIdLst>
-    <p:notesMasterId r:id="rId22"/>
+    <p:notesMasterId r:id="rId26"/>
   </p:notesMasterIdLst>
   <p:handoutMasterIdLst>
-    <p:handoutMasterId r:id="rId23"/>
+    <p:handoutMasterId r:id="rId27"/>
   </p:handoutMasterIdLst>
   <p:sldIdLst>
     <p:sldId id="257" r:id="rId2"/>
@@ -22,15 +22,19 @@
     <p:sldId id="266" r:id="rId10"/>
     <p:sldId id="267" r:id="rId11"/>
     <p:sldId id="265" r:id="rId12"/>
-    <p:sldId id="268" r:id="rId13"/>
-    <p:sldId id="269" r:id="rId14"/>
-    <p:sldId id="270" r:id="rId15"/>
-    <p:sldId id="271" r:id="rId16"/>
-    <p:sldId id="272" r:id="rId17"/>
-    <p:sldId id="273" r:id="rId18"/>
-    <p:sldId id="274" r:id="rId19"/>
-    <p:sldId id="275" r:id="rId20"/>
-    <p:sldId id="276" r:id="rId21"/>
+    <p:sldId id="269" r:id="rId13"/>
+    <p:sldId id="270" r:id="rId14"/>
+    <p:sldId id="271" r:id="rId15"/>
+    <p:sldId id="272" r:id="rId16"/>
+    <p:sldId id="273" r:id="rId17"/>
+    <p:sldId id="274" r:id="rId18"/>
+    <p:sldId id="275" r:id="rId19"/>
+    <p:sldId id="276" r:id="rId20"/>
+    <p:sldId id="268" r:id="rId21"/>
+    <p:sldId id="277" r:id="rId22"/>
+    <p:sldId id="278" r:id="rId23"/>
+    <p:sldId id="280" r:id="rId24"/>
+    <p:sldId id="279" r:id="rId25"/>
   </p:sldIdLst>
   <p:sldSz cx="12192000" cy="6858000"/>
   <p:notesSz cx="6858000" cy="9144000"/>
@@ -10959,7 +10963,7 @@
           <p:cNvPr id="2" name="标题 1">
             <a:extLst>
               <a:ext uri="{FF2B5EF4-FFF2-40B4-BE49-F238E27FC236}">
-                <a16:creationId xmlns:a16="http://schemas.microsoft.com/office/drawing/2014/main" id="{DF9ED0A6-C639-4C20-AEED-0171194E7822}"/>
+                <a16:creationId xmlns:a16="http://schemas.microsoft.com/office/drawing/2014/main" id="{55495BB5-5DC7-48BE-B6A9-0D6D9C91C7BF}"/>
               </a:ext>
             </a:extLst>
           </p:cNvPr>
@@ -10976,26 +10980,17 @@
           <a:lstStyle/>
           <a:p>
             <a:r>
-              <a:rPr lang="zh-CN" altLang="en-US" dirty="0">
-                <a:hlinkClick r:id="rId2" tooltip="如果使用服务网格，是否需要API网关？"/>
-              </a:rPr>
-              <a:t>如果使用服务网格，是否需要</a:t>
-            </a:r>
-            <a:r>
-              <a:rPr lang="en-US" altLang="zh-CN" dirty="0">
-                <a:hlinkClick r:id="rId2" tooltip="如果使用服务网格，是否需要API网关？"/>
-              </a:rPr>
-              <a:t>API</a:t>
-            </a:r>
-            <a:r>
-              <a:rPr lang="zh-CN" altLang="en-US" dirty="0">
-                <a:hlinkClick r:id="rId2" tooltip="如果使用服务网格，是否需要API网关？"/>
-              </a:rPr>
-              <a:t>网关？</a:t>
-            </a:r>
-            <a:br>
-              <a:rPr lang="zh-CN" altLang="en-US" dirty="0"/>
-            </a:br>
+              <a:rPr lang="en-US" altLang="zh-CN" b="0" dirty="0" err="1"/>
+              <a:t>Istio</a:t>
+            </a:r>
+            <a:r>
+              <a:rPr lang="en-US" altLang="zh-CN" b="0" dirty="0"/>
+              <a:t> </a:t>
+            </a:r>
+            <a:r>
+              <a:rPr lang="zh-CN" altLang="en-US" b="0" dirty="0"/>
+              <a:t>主要提供以下功能</a:t>
+            </a:r>
             <a:endParaRPr lang="zh-CN" altLang="en-US" dirty="0"/>
           </a:p>
         </p:txBody>
@@ -11005,7 +11000,7 @@
           <p:cNvPr id="3" name="内容占位符 2">
             <a:extLst>
               <a:ext uri="{FF2B5EF4-FFF2-40B4-BE49-F238E27FC236}">
-                <a16:creationId xmlns:a16="http://schemas.microsoft.com/office/drawing/2014/main" id="{21CD5E06-6813-463B-BC6F-AE041044FE28}"/>
+                <a16:creationId xmlns:a16="http://schemas.microsoft.com/office/drawing/2014/main" id="{C35D8B19-57FE-40AB-A924-BA752339C30E}"/>
               </a:ext>
             </a:extLst>
           </p:cNvPr>
@@ -11021,6 +11016,32 @@
           <a:bodyPr/>
           <a:lstStyle/>
           <a:p>
+            <a:r>
+              <a:rPr lang="zh-CN" altLang="en-US" dirty="0"/>
+              <a:t>流量管理，控制服务之间调用的流量和</a:t>
+            </a:r>
+            <a:r>
+              <a:rPr lang="en-US" altLang="zh-CN" dirty="0"/>
+              <a:t>API</a:t>
+            </a:r>
+            <a:r>
+              <a:rPr lang="zh-CN" altLang="en-US" dirty="0"/>
+              <a:t>调用，使得调用更可靠，并使网络在恶劣情况下更加健壮；</a:t>
+            </a:r>
+          </a:p>
+          <a:p>
+            <a:r>
+              <a:rPr lang="zh-CN" altLang="en-US" dirty="0"/>
+              <a:t>可观测性，获取服务之间的依赖，以及服务调用的流量走向，从而提供快速识别问题的能力；</a:t>
+            </a:r>
+          </a:p>
+          <a:p>
+            <a:r>
+              <a:rPr lang="zh-CN" altLang="en-US" dirty="0"/>
+              <a:t>策略执行，控制服务的访问策略，不需要改动服务本身。</a:t>
+            </a:r>
+          </a:p>
+          <a:p>
             <a:endParaRPr lang="zh-CN" altLang="en-US" dirty="0"/>
           </a:p>
         </p:txBody>
@@ -11030,7 +11051,7 @@
           <p:cNvPr id="4" name="日期占位符 3">
             <a:extLst>
               <a:ext uri="{FF2B5EF4-FFF2-40B4-BE49-F238E27FC236}">
-                <a16:creationId xmlns:a16="http://schemas.microsoft.com/office/drawing/2014/main" id="{F91887BD-9CB5-4527-8EAF-3B98E357FAD0}"/>
+                <a16:creationId xmlns:a16="http://schemas.microsoft.com/office/drawing/2014/main" id="{693CD2F0-CFD4-4DC7-A383-E44FAA6C7418}"/>
               </a:ext>
             </a:extLst>
           </p:cNvPr>
@@ -11058,7 +11079,7 @@
     </p:spTree>
     <p:extLst>
       <p:ext uri="{BB962C8B-B14F-4D97-AF65-F5344CB8AC3E}">
-        <p14:creationId xmlns:p14="http://schemas.microsoft.com/office/powerpoint/2010/main" val="3875312775"/>
+        <p14:creationId xmlns:p14="http://schemas.microsoft.com/office/powerpoint/2010/main" val="1497682878"/>
       </p:ext>
     </p:extLst>
   </p:cSld>
@@ -11090,7 +11111,7 @@
           <p:cNvPr id="2" name="标题 1">
             <a:extLst>
               <a:ext uri="{FF2B5EF4-FFF2-40B4-BE49-F238E27FC236}">
-                <a16:creationId xmlns:a16="http://schemas.microsoft.com/office/drawing/2014/main" id="{55495BB5-5DC7-48BE-B6A9-0D6D9C91C7BF}"/>
+                <a16:creationId xmlns:a16="http://schemas.microsoft.com/office/drawing/2014/main" id="{B0E852C2-3824-4AD2-BBB6-C6F11623531B}"/>
               </a:ext>
             </a:extLst>
           </p:cNvPr>
@@ -11101,24 +11122,20 @@
             <p:ph type="title"/>
           </p:nvPr>
         </p:nvSpPr>
-        <p:spPr/>
+        <p:spPr>
+          <a:xfrm>
+            <a:off x="416092" y="611428"/>
+            <a:ext cx="11029616" cy="542444"/>
+          </a:xfrm>
+        </p:spPr>
         <p:txBody>
           <a:bodyPr/>
           <a:lstStyle/>
           <a:p>
             <a:r>
-              <a:rPr lang="en-US" altLang="zh-CN" b="0" dirty="0" err="1"/>
-              <a:t>Istio</a:t>
-            </a:r>
-            <a:r>
-              <a:rPr lang="en-US" altLang="zh-CN" b="0" dirty="0"/>
-              <a:t> </a:t>
-            </a:r>
-            <a:r>
-              <a:rPr lang="zh-CN" altLang="en-US" b="0" dirty="0"/>
-              <a:t>主要提供以下功能</a:t>
-            </a:r>
-            <a:endParaRPr lang="zh-CN" altLang="en-US" dirty="0"/>
+              <a:rPr lang="zh-CN" altLang="en-US" dirty="0"/>
+              <a:t>核心功能</a:t>
+            </a:r>
           </a:p>
         </p:txBody>
       </p:sp>
@@ -11127,7 +11144,7 @@
           <p:cNvPr id="3" name="内容占位符 2">
             <a:extLst>
               <a:ext uri="{FF2B5EF4-FFF2-40B4-BE49-F238E27FC236}">
-                <a16:creationId xmlns:a16="http://schemas.microsoft.com/office/drawing/2014/main" id="{C35D8B19-57FE-40AB-A924-BA752339C30E}"/>
+                <a16:creationId xmlns:a16="http://schemas.microsoft.com/office/drawing/2014/main" id="{540F1838-9BF7-4A98-90D2-8A3B7E416E31}"/>
               </a:ext>
             </a:extLst>
           </p:cNvPr>
@@ -11138,37 +11155,216 @@
             <p:ph idx="1"/>
           </p:nvPr>
         </p:nvSpPr>
-        <p:spPr/>
+        <p:spPr>
+          <a:xfrm>
+            <a:off x="581192" y="1854200"/>
+            <a:ext cx="11029615" cy="4121150"/>
+          </a:xfrm>
+        </p:spPr>
         <p:txBody>
-          <a:bodyPr/>
+          <a:bodyPr>
+            <a:normAutofit fontScale="85000" lnSpcReduction="10000"/>
+          </a:bodyPr>
           <a:lstStyle/>
           <a:p>
             <a:r>
-              <a:rPr lang="zh-CN" altLang="en-US" dirty="0"/>
-              <a:t>流量管理，控制服务之间调用的流量和</a:t>
+              <a:rPr lang="en-US" altLang="zh-CN" b="1" dirty="0"/>
+              <a:t>1. </a:t>
+            </a:r>
+            <a:r>
+              <a:rPr lang="zh-CN" altLang="en-US" b="1" dirty="0"/>
+              <a:t>流量管理</a:t>
+            </a:r>
+            <a:endParaRPr lang="zh-CN" altLang="en-US" dirty="0"/>
+          </a:p>
+          <a:p>
+            <a:endParaRPr lang="zh-CN" altLang="en-US" dirty="0"/>
+          </a:p>
+          <a:p>
+            <a:pPr marL="0" indent="0">
+              <a:buNone/>
+            </a:pPr>
+            <a:r>
+              <a:rPr lang="zh-CN" altLang="en-US" dirty="0"/>
+              <a:t>通过简单的规则配置和流量路由，</a:t>
+            </a:r>
+            <a:r>
+              <a:rPr lang="en-US" altLang="zh-CN" dirty="0" err="1"/>
+              <a:t>Istio</a:t>
             </a:r>
             <a:r>
               <a:rPr lang="en-US" altLang="zh-CN" dirty="0"/>
-              <a:t>API</a:t>
-            </a:r>
-            <a:r>
-              <a:rPr lang="zh-CN" altLang="en-US" dirty="0"/>
-              <a:t>调用，使得调用更可靠，并使网络在恶劣情况下更加健壮；</a:t>
-            </a:r>
-          </a:p>
-          <a:p>
-            <a:r>
-              <a:rPr lang="zh-CN" altLang="en-US" dirty="0"/>
-              <a:t>可观测性，获取服务之间的依赖，以及服务调用的流量走向，从而提供快速识别问题的能力；</a:t>
-            </a:r>
-          </a:p>
-          <a:p>
-            <a:r>
-              <a:rPr lang="zh-CN" altLang="en-US" dirty="0"/>
-              <a:t>策略执行，控制服务的访问策略，不需要改动服务本身。</a:t>
-            </a:r>
-          </a:p>
-          <a:p>
+              <a:t> </a:t>
+            </a:r>
+            <a:r>
+              <a:rPr lang="zh-CN" altLang="en-US" dirty="0"/>
+              <a:t>可以控制服务之间的流量和 </a:t>
+            </a:r>
+            <a:r>
+              <a:rPr lang="en-US" altLang="zh-CN" dirty="0"/>
+              <a:t>API </a:t>
+            </a:r>
+            <a:r>
+              <a:rPr lang="zh-CN" altLang="en-US" dirty="0"/>
+              <a:t>调用。</a:t>
+            </a:r>
+            <a:r>
+              <a:rPr lang="en-US" altLang="zh-CN" dirty="0" err="1"/>
+              <a:t>Istio</a:t>
+            </a:r>
+            <a:r>
+              <a:rPr lang="en-US" altLang="zh-CN" dirty="0"/>
+              <a:t> </a:t>
+            </a:r>
+            <a:r>
+              <a:rPr lang="zh-CN" altLang="en-US" dirty="0"/>
+              <a:t>简化了熔断器、超时和重试等服务级别属性的配置，并且可以轻松设置 </a:t>
+            </a:r>
+            <a:r>
+              <a:rPr lang="en-US" altLang="zh-CN" dirty="0"/>
+              <a:t>A/B </a:t>
+            </a:r>
+            <a:r>
+              <a:rPr lang="zh-CN" altLang="en-US" dirty="0"/>
+              <a:t>测试、金丝雀部署和基于百分比的流量分割的分阶段部署等重要任务。</a:t>
+            </a:r>
+            <a:endParaRPr lang="en-US" altLang="zh-CN" dirty="0"/>
+          </a:p>
+          <a:p>
+            <a:pPr marL="0" indent="0">
+              <a:buNone/>
+            </a:pPr>
+            <a:br>
+              <a:rPr lang="zh-CN" altLang="en-US" dirty="0"/>
+            </a:br>
+            <a:r>
+              <a:rPr lang="en-US" altLang="zh-CN" dirty="0" err="1"/>
+              <a:t>Istio</a:t>
+            </a:r>
+            <a:r>
+              <a:rPr lang="en-US" altLang="zh-CN" dirty="0"/>
+              <a:t> </a:t>
+            </a:r>
+            <a:r>
+              <a:rPr lang="zh-CN" altLang="en-US" dirty="0"/>
+              <a:t>有开箱即用的故障恢复功能，你可以在问题出现之前先发现问题，通过优化使服务之间的调用更加可靠。</a:t>
+            </a:r>
+            <a:endParaRPr lang="en-US" altLang="zh-CN" dirty="0"/>
+          </a:p>
+          <a:p>
+            <a:r>
+              <a:rPr lang="en-US" altLang="zh-CN" b="1" dirty="0"/>
+              <a:t>2. </a:t>
+            </a:r>
+            <a:r>
+              <a:rPr lang="zh-CN" altLang="en-US" b="1" dirty="0"/>
+              <a:t>安全</a:t>
+            </a:r>
+            <a:br>
+              <a:rPr lang="zh-CN" altLang="en-US" dirty="0"/>
+            </a:br>
+            <a:endParaRPr lang="zh-CN" altLang="en-US" dirty="0"/>
+          </a:p>
+          <a:p>
+            <a:pPr marL="0" indent="0">
+              <a:buNone/>
+            </a:pPr>
+            <a:r>
+              <a:rPr lang="en-US" altLang="zh-CN" dirty="0" err="1"/>
+              <a:t>Istio</a:t>
+            </a:r>
+            <a:r>
+              <a:rPr lang="en-US" altLang="zh-CN" dirty="0"/>
+              <a:t> </a:t>
+            </a:r>
+            <a:r>
+              <a:rPr lang="zh-CN" altLang="en-US" dirty="0"/>
+              <a:t>具备强大的安全功能，使开发人员可以专注于应用程序级别的安全性。</a:t>
+            </a:r>
+            <a:r>
+              <a:rPr lang="en-US" altLang="zh-CN" dirty="0" err="1"/>
+              <a:t>Istio</a:t>
+            </a:r>
+            <a:r>
+              <a:rPr lang="en-US" altLang="zh-CN" dirty="0"/>
+              <a:t> </a:t>
+            </a:r>
+            <a:r>
+              <a:rPr lang="zh-CN" altLang="en-US" dirty="0"/>
+              <a:t>提供底层安全通信信道，并大规模管理服务通信的认证、授权和加密。使用 </a:t>
+            </a:r>
+            <a:r>
+              <a:rPr lang="en-US" altLang="zh-CN" dirty="0" err="1"/>
+              <a:t>Istio</a:t>
+            </a:r>
+            <a:r>
+              <a:rPr lang="zh-CN" altLang="en-US" dirty="0"/>
+              <a:t>，服务通信在默认情况下是安全的，允许跨多种协议和运行时一致地实施策略，而关键的是所有这些都很少或根本不需要应用程序更改。</a:t>
+            </a:r>
+            <a:endParaRPr lang="en-US" altLang="zh-CN" dirty="0"/>
+          </a:p>
+          <a:p>
+            <a:pPr marL="0" indent="0">
+              <a:buNone/>
+            </a:pPr>
+            <a:br>
+              <a:rPr lang="zh-CN" altLang="en-US" dirty="0"/>
+            </a:br>
+            <a:r>
+              <a:rPr lang="zh-CN" altLang="en-US" dirty="0"/>
+              <a:t>虽然 </a:t>
+            </a:r>
+            <a:r>
+              <a:rPr lang="en-US" altLang="zh-CN" dirty="0" err="1"/>
+              <a:t>Istio</a:t>
+            </a:r>
+            <a:r>
+              <a:rPr lang="en-US" altLang="zh-CN" dirty="0"/>
+              <a:t> </a:t>
+            </a:r>
+            <a:r>
+              <a:rPr lang="zh-CN" altLang="en-US" dirty="0"/>
+              <a:t>与平台无关，但将其与 </a:t>
+            </a:r>
+            <a:r>
+              <a:rPr lang="en-US" altLang="zh-CN" dirty="0"/>
+              <a:t>Kubernetes </a:t>
+            </a:r>
+            <a:r>
+              <a:rPr lang="zh-CN" altLang="en-US" dirty="0"/>
+              <a:t>网络策略一起使用时，其优势更大，包括在网络和应用层保护 </a:t>
+            </a:r>
+            <a:r>
+              <a:rPr lang="en-US" altLang="zh-CN" dirty="0"/>
+              <a:t>pod-to-pod </a:t>
+            </a:r>
+            <a:r>
+              <a:rPr lang="zh-CN" altLang="en-US" dirty="0"/>
+              <a:t>或服务到服务通信的能力。后续章节中会讲述如何在 </a:t>
+            </a:r>
+            <a:r>
+              <a:rPr lang="en-US" altLang="zh-CN" dirty="0"/>
+              <a:t>Kubernetes </a:t>
+            </a:r>
+            <a:r>
+              <a:rPr lang="zh-CN" altLang="en-US" dirty="0"/>
+              <a:t>中结合网络策略与 </a:t>
+            </a:r>
+            <a:r>
+              <a:rPr lang="en-US" altLang="zh-CN" dirty="0" err="1"/>
+              <a:t>Istio</a:t>
+            </a:r>
+            <a:r>
+              <a:rPr lang="en-US" altLang="zh-CN" dirty="0"/>
+              <a:t> </a:t>
+            </a:r>
+            <a:r>
+              <a:rPr lang="zh-CN" altLang="en-US" dirty="0"/>
+              <a:t>来共同保护服务。</a:t>
+            </a:r>
+            <a:br>
+              <a:rPr lang="zh-CN" altLang="en-US" dirty="0"/>
+            </a:br>
             <a:endParaRPr lang="zh-CN" altLang="en-US" dirty="0"/>
           </a:p>
         </p:txBody>
@@ -11178,7 +11374,7 @@
           <p:cNvPr id="4" name="日期占位符 3">
             <a:extLst>
               <a:ext uri="{FF2B5EF4-FFF2-40B4-BE49-F238E27FC236}">
-                <a16:creationId xmlns:a16="http://schemas.microsoft.com/office/drawing/2014/main" id="{693CD2F0-CFD4-4DC7-A383-E44FAA6C7418}"/>
+                <a16:creationId xmlns:a16="http://schemas.microsoft.com/office/drawing/2014/main" id="{9A43B8C1-8FD7-4596-9B9C-6122E61696C8}"/>
               </a:ext>
             </a:extLst>
           </p:cNvPr>
@@ -11206,7 +11402,7 @@
     </p:spTree>
     <p:extLst>
       <p:ext uri="{BB962C8B-B14F-4D97-AF65-F5344CB8AC3E}">
-        <p14:creationId xmlns:p14="http://schemas.microsoft.com/office/powerpoint/2010/main" val="1497682878"/>
+        <p14:creationId xmlns:p14="http://schemas.microsoft.com/office/powerpoint/2010/main" val="2133001112"/>
       </p:ext>
     </p:extLst>
   </p:cSld>
@@ -11251,329 +11447,6 @@
         </p:nvSpPr>
         <p:spPr>
           <a:xfrm>
-            <a:off x="416092" y="611428"/>
-            <a:ext cx="11029616" cy="542444"/>
-          </a:xfrm>
-        </p:spPr>
-        <p:txBody>
-          <a:bodyPr/>
-          <a:lstStyle/>
-          <a:p>
-            <a:r>
-              <a:rPr lang="zh-CN" altLang="en-US" dirty="0"/>
-              <a:t>核心功能</a:t>
-            </a:r>
-          </a:p>
-        </p:txBody>
-      </p:sp>
-      <p:sp>
-        <p:nvSpPr>
-          <p:cNvPr id="3" name="内容占位符 2">
-            <a:extLst>
-              <a:ext uri="{FF2B5EF4-FFF2-40B4-BE49-F238E27FC236}">
-                <a16:creationId xmlns:a16="http://schemas.microsoft.com/office/drawing/2014/main" id="{540F1838-9BF7-4A98-90D2-8A3B7E416E31}"/>
-              </a:ext>
-            </a:extLst>
-          </p:cNvPr>
-          <p:cNvSpPr>
-            <a:spLocks noGrp="1"/>
-          </p:cNvSpPr>
-          <p:nvPr>
-            <p:ph idx="1"/>
-          </p:nvPr>
-        </p:nvSpPr>
-        <p:spPr>
-          <a:xfrm>
-            <a:off x="581192" y="1854200"/>
-            <a:ext cx="11029615" cy="4121150"/>
-          </a:xfrm>
-        </p:spPr>
-        <p:txBody>
-          <a:bodyPr>
-            <a:normAutofit fontScale="85000" lnSpcReduction="10000"/>
-          </a:bodyPr>
-          <a:lstStyle/>
-          <a:p>
-            <a:r>
-              <a:rPr lang="en-US" altLang="zh-CN" b="1" dirty="0"/>
-              <a:t>1. </a:t>
-            </a:r>
-            <a:r>
-              <a:rPr lang="zh-CN" altLang="en-US" b="1" dirty="0"/>
-              <a:t>流量管理</a:t>
-            </a:r>
-            <a:endParaRPr lang="zh-CN" altLang="en-US" dirty="0"/>
-          </a:p>
-          <a:p>
-            <a:endParaRPr lang="zh-CN" altLang="en-US" dirty="0"/>
-          </a:p>
-          <a:p>
-            <a:pPr marL="0" indent="0">
-              <a:buNone/>
-            </a:pPr>
-            <a:r>
-              <a:rPr lang="zh-CN" altLang="en-US" dirty="0"/>
-              <a:t>通过简单的规则配置和流量路由，</a:t>
-            </a:r>
-            <a:r>
-              <a:rPr lang="en-US" altLang="zh-CN" dirty="0" err="1"/>
-              <a:t>Istio</a:t>
-            </a:r>
-            <a:r>
-              <a:rPr lang="en-US" altLang="zh-CN" dirty="0"/>
-              <a:t> </a:t>
-            </a:r>
-            <a:r>
-              <a:rPr lang="zh-CN" altLang="en-US" dirty="0"/>
-              <a:t>可以控制服务之间的流量和 </a:t>
-            </a:r>
-            <a:r>
-              <a:rPr lang="en-US" altLang="zh-CN" dirty="0"/>
-              <a:t>API </a:t>
-            </a:r>
-            <a:r>
-              <a:rPr lang="zh-CN" altLang="en-US" dirty="0"/>
-              <a:t>调用。</a:t>
-            </a:r>
-            <a:r>
-              <a:rPr lang="en-US" altLang="zh-CN" dirty="0" err="1"/>
-              <a:t>Istio</a:t>
-            </a:r>
-            <a:r>
-              <a:rPr lang="en-US" altLang="zh-CN" dirty="0"/>
-              <a:t> </a:t>
-            </a:r>
-            <a:r>
-              <a:rPr lang="zh-CN" altLang="en-US" dirty="0"/>
-              <a:t>简化了熔断器、超时和重试等服务级别属性的配置，并且可以轻松设置 </a:t>
-            </a:r>
-            <a:r>
-              <a:rPr lang="en-US" altLang="zh-CN" dirty="0"/>
-              <a:t>A/B </a:t>
-            </a:r>
-            <a:r>
-              <a:rPr lang="zh-CN" altLang="en-US" dirty="0"/>
-              <a:t>测试、金丝雀部署和基于百分比的流量分割的分阶段部署等重要任务。</a:t>
-            </a:r>
-            <a:endParaRPr lang="en-US" altLang="zh-CN" dirty="0"/>
-          </a:p>
-          <a:p>
-            <a:pPr marL="0" indent="0">
-              <a:buNone/>
-            </a:pPr>
-            <a:br>
-              <a:rPr lang="zh-CN" altLang="en-US" dirty="0"/>
-            </a:br>
-            <a:r>
-              <a:rPr lang="en-US" altLang="zh-CN" dirty="0" err="1"/>
-              <a:t>Istio</a:t>
-            </a:r>
-            <a:r>
-              <a:rPr lang="en-US" altLang="zh-CN" dirty="0"/>
-              <a:t> </a:t>
-            </a:r>
-            <a:r>
-              <a:rPr lang="zh-CN" altLang="en-US" dirty="0"/>
-              <a:t>有开箱即用的故障恢复功能，你可以在问题出现之前先发现问题，通过优化使服务之间的调用更加可靠。</a:t>
-            </a:r>
-            <a:endParaRPr lang="en-US" altLang="zh-CN" dirty="0"/>
-          </a:p>
-          <a:p>
-            <a:r>
-              <a:rPr lang="en-US" altLang="zh-CN" b="1" dirty="0"/>
-              <a:t>2. </a:t>
-            </a:r>
-            <a:r>
-              <a:rPr lang="zh-CN" altLang="en-US" b="1" dirty="0"/>
-              <a:t>安全</a:t>
-            </a:r>
-            <a:br>
-              <a:rPr lang="zh-CN" altLang="en-US" dirty="0"/>
-            </a:br>
-            <a:endParaRPr lang="zh-CN" altLang="en-US" dirty="0"/>
-          </a:p>
-          <a:p>
-            <a:pPr marL="0" indent="0">
-              <a:buNone/>
-            </a:pPr>
-            <a:r>
-              <a:rPr lang="en-US" altLang="zh-CN" dirty="0" err="1"/>
-              <a:t>Istio</a:t>
-            </a:r>
-            <a:r>
-              <a:rPr lang="en-US" altLang="zh-CN" dirty="0"/>
-              <a:t> </a:t>
-            </a:r>
-            <a:r>
-              <a:rPr lang="zh-CN" altLang="en-US" dirty="0"/>
-              <a:t>具备强大的安全功能，使开发人员可以专注于应用程序级别的安全性。</a:t>
-            </a:r>
-            <a:r>
-              <a:rPr lang="en-US" altLang="zh-CN" dirty="0" err="1"/>
-              <a:t>Istio</a:t>
-            </a:r>
-            <a:r>
-              <a:rPr lang="en-US" altLang="zh-CN" dirty="0"/>
-              <a:t> </a:t>
-            </a:r>
-            <a:r>
-              <a:rPr lang="zh-CN" altLang="en-US" dirty="0"/>
-              <a:t>提供底层安全通信信道，并大规模管理服务通信的认证、授权和加密。使用 </a:t>
-            </a:r>
-            <a:r>
-              <a:rPr lang="en-US" altLang="zh-CN" dirty="0" err="1"/>
-              <a:t>Istio</a:t>
-            </a:r>
-            <a:r>
-              <a:rPr lang="zh-CN" altLang="en-US" dirty="0"/>
-              <a:t>，服务通信在默认情况下是安全的，允许跨多种协议和运行时一致地实施策略，而关键的是所有这些都很少或根本不需要应用程序更改。</a:t>
-            </a:r>
-            <a:endParaRPr lang="en-US" altLang="zh-CN" dirty="0"/>
-          </a:p>
-          <a:p>
-            <a:pPr marL="0" indent="0">
-              <a:buNone/>
-            </a:pPr>
-            <a:br>
-              <a:rPr lang="zh-CN" altLang="en-US" dirty="0"/>
-            </a:br>
-            <a:r>
-              <a:rPr lang="zh-CN" altLang="en-US" dirty="0"/>
-              <a:t>虽然 </a:t>
-            </a:r>
-            <a:r>
-              <a:rPr lang="en-US" altLang="zh-CN" dirty="0" err="1"/>
-              <a:t>Istio</a:t>
-            </a:r>
-            <a:r>
-              <a:rPr lang="en-US" altLang="zh-CN" dirty="0"/>
-              <a:t> </a:t>
-            </a:r>
-            <a:r>
-              <a:rPr lang="zh-CN" altLang="en-US" dirty="0"/>
-              <a:t>与平台无关，但将其与 </a:t>
-            </a:r>
-            <a:r>
-              <a:rPr lang="en-US" altLang="zh-CN" dirty="0"/>
-              <a:t>Kubernetes </a:t>
-            </a:r>
-            <a:r>
-              <a:rPr lang="zh-CN" altLang="en-US" dirty="0"/>
-              <a:t>网络策略一起使用时，其优势更大，包括在网络和应用层保护 </a:t>
-            </a:r>
-            <a:r>
-              <a:rPr lang="en-US" altLang="zh-CN" dirty="0"/>
-              <a:t>pod-to-pod </a:t>
-            </a:r>
-            <a:r>
-              <a:rPr lang="zh-CN" altLang="en-US" dirty="0"/>
-              <a:t>或服务到服务通信的能力。后续章节中会讲述如何在 </a:t>
-            </a:r>
-            <a:r>
-              <a:rPr lang="en-US" altLang="zh-CN" dirty="0"/>
-              <a:t>Kubernetes </a:t>
-            </a:r>
-            <a:r>
-              <a:rPr lang="zh-CN" altLang="en-US" dirty="0"/>
-              <a:t>中结合网络策略与 </a:t>
-            </a:r>
-            <a:r>
-              <a:rPr lang="en-US" altLang="zh-CN" dirty="0" err="1"/>
-              <a:t>Istio</a:t>
-            </a:r>
-            <a:r>
-              <a:rPr lang="en-US" altLang="zh-CN" dirty="0"/>
-              <a:t> </a:t>
-            </a:r>
-            <a:r>
-              <a:rPr lang="zh-CN" altLang="en-US" dirty="0"/>
-              <a:t>来共同保护服务。</a:t>
-            </a:r>
-            <a:br>
-              <a:rPr lang="zh-CN" altLang="en-US" dirty="0"/>
-            </a:br>
-            <a:endParaRPr lang="zh-CN" altLang="en-US" dirty="0"/>
-          </a:p>
-        </p:txBody>
-      </p:sp>
-      <p:sp>
-        <p:nvSpPr>
-          <p:cNvPr id="4" name="日期占位符 3">
-            <a:extLst>
-              <a:ext uri="{FF2B5EF4-FFF2-40B4-BE49-F238E27FC236}">
-                <a16:creationId xmlns:a16="http://schemas.microsoft.com/office/drawing/2014/main" id="{9A43B8C1-8FD7-4596-9B9C-6122E61696C8}"/>
-              </a:ext>
-            </a:extLst>
-          </p:cNvPr>
-          <p:cNvSpPr>
-            <a:spLocks noGrp="1"/>
-          </p:cNvSpPr>
-          <p:nvPr>
-            <p:ph type="dt" sz="half" idx="10"/>
-          </p:nvPr>
-        </p:nvSpPr>
-        <p:spPr/>
-        <p:txBody>
-          <a:bodyPr/>
-          <a:lstStyle/>
-          <a:p>
-            <a:pPr rtl="0"/>
-            <a:fld id="{F24FFC25-0C05-49C8-B150-3CF6B89B5C55}" type="datetime1">
-              <a:rPr lang="zh-CN" altLang="en-US" smtClean="0"/>
-              <a:t>2020/4/10</a:t>
-            </a:fld>
-            <a:endParaRPr lang="en-US" dirty="0"/>
-          </a:p>
-        </p:txBody>
-      </p:sp>
-    </p:spTree>
-    <p:extLst>
-      <p:ext uri="{BB962C8B-B14F-4D97-AF65-F5344CB8AC3E}">
-        <p14:creationId xmlns:p14="http://schemas.microsoft.com/office/powerpoint/2010/main" val="2133001112"/>
-      </p:ext>
-    </p:extLst>
-  </p:cSld>
-  <p:clrMapOvr>
-    <a:masterClrMapping/>
-  </p:clrMapOvr>
-</p:sld>
-</file>
-
-<file path=ppt/slides/slide15.xml><?xml version="1.0" encoding="utf-8"?>
-<p:sld xmlns:a="http://schemas.openxmlformats.org/drawingml/2006/main" xmlns:r="http://schemas.openxmlformats.org/officeDocument/2006/relationships" xmlns:p="http://schemas.openxmlformats.org/presentationml/2006/main">
-  <p:cSld>
-    <p:spTree>
-      <p:nvGrpSpPr>
-        <p:cNvPr id="1" name=""/>
-        <p:cNvGrpSpPr/>
-        <p:nvPr/>
-      </p:nvGrpSpPr>
-      <p:grpSpPr>
-        <a:xfrm>
-          <a:off x="0" y="0"/>
-          <a:ext cx="0" cy="0"/>
-          <a:chOff x="0" y="0"/>
-          <a:chExt cx="0" cy="0"/>
-        </a:xfrm>
-      </p:grpSpPr>
-      <p:sp>
-        <p:nvSpPr>
-          <p:cNvPr id="2" name="标题 1">
-            <a:extLst>
-              <a:ext uri="{FF2B5EF4-FFF2-40B4-BE49-F238E27FC236}">
-                <a16:creationId xmlns:a16="http://schemas.microsoft.com/office/drawing/2014/main" id="{B0E852C2-3824-4AD2-BBB6-C6F11623531B}"/>
-              </a:ext>
-            </a:extLst>
-          </p:cNvPr>
-          <p:cNvSpPr>
-            <a:spLocks noGrp="1"/>
-          </p:cNvSpPr>
-          <p:nvPr>
-            <p:ph type="title"/>
-          </p:nvPr>
-        </p:nvSpPr>
-        <p:spPr>
-          <a:xfrm>
             <a:off x="409742" y="575156"/>
             <a:ext cx="11029616" cy="529744"/>
           </a:xfrm>
@@ -12119,7 +11992,7 @@
 </p:sld>
 </file>
 
-<file path=ppt/slides/slide16.xml><?xml version="1.0" encoding="utf-8"?>
+<file path=ppt/slides/slide15.xml><?xml version="1.0" encoding="utf-8"?>
 <p:sld xmlns:a="http://schemas.openxmlformats.org/drawingml/2006/main" xmlns:r="http://schemas.openxmlformats.org/officeDocument/2006/relationships" xmlns:p="http://schemas.openxmlformats.org/presentationml/2006/main">
   <p:cSld>
     <p:spTree>
@@ -12969,7 +12842,7 @@
 </p:sld>
 </file>
 
-<file path=ppt/slides/slide17.xml><?xml version="1.0" encoding="utf-8"?>
+<file path=ppt/slides/slide16.xml><?xml version="1.0" encoding="utf-8"?>
 <p:sld xmlns:a="http://schemas.openxmlformats.org/drawingml/2006/main" xmlns:r="http://schemas.openxmlformats.org/officeDocument/2006/relationships" xmlns:p="http://schemas.openxmlformats.org/presentationml/2006/main">
   <p:cSld>
     <p:spTree>
@@ -14049,7 +13922,7 @@
 </p:sld>
 </file>
 
-<file path=ppt/slides/slide18.xml><?xml version="1.0" encoding="utf-8"?>
+<file path=ppt/slides/slide17.xml><?xml version="1.0" encoding="utf-8"?>
 <p:sld xmlns:a="http://schemas.openxmlformats.org/drawingml/2006/main" xmlns:r="http://schemas.openxmlformats.org/officeDocument/2006/relationships" xmlns:p="http://schemas.openxmlformats.org/presentationml/2006/main">
   <p:cSld>
     <p:spTree>
@@ -14892,7 +14765,7 @@
 </p:sld>
 </file>
 
-<file path=ppt/slides/slide19.xml><?xml version="1.0" encoding="utf-8"?>
+<file path=ppt/slides/slide18.xml><?xml version="1.0" encoding="utf-8"?>
 <p:sld xmlns:a="http://schemas.openxmlformats.org/drawingml/2006/main" xmlns:r="http://schemas.openxmlformats.org/officeDocument/2006/relationships" xmlns:p="http://schemas.openxmlformats.org/presentationml/2006/main">
   <p:cSld>
     <p:spTree>
@@ -15979,6 +15852,1330 @@
     <p:extLst>
       <p:ext uri="{BB962C8B-B14F-4D97-AF65-F5344CB8AC3E}">
         <p14:creationId xmlns:p14="http://schemas.microsoft.com/office/powerpoint/2010/main" val="967210111"/>
+      </p:ext>
+    </p:extLst>
+  </p:cSld>
+  <p:clrMapOvr>
+    <a:masterClrMapping/>
+  </p:clrMapOvr>
+</p:sld>
+</file>
+
+<file path=ppt/slides/slide19.xml><?xml version="1.0" encoding="utf-8"?>
+<p:sld xmlns:a="http://schemas.openxmlformats.org/drawingml/2006/main" xmlns:r="http://schemas.openxmlformats.org/officeDocument/2006/relationships" xmlns:p="http://schemas.openxmlformats.org/presentationml/2006/main">
+  <p:cSld>
+    <p:spTree>
+      <p:nvGrpSpPr>
+        <p:cNvPr id="1" name=""/>
+        <p:cNvGrpSpPr/>
+        <p:nvPr/>
+      </p:nvGrpSpPr>
+      <p:grpSpPr>
+        <a:xfrm>
+          <a:off x="0" y="0"/>
+          <a:ext cx="0" cy="0"/>
+          <a:chOff x="0" y="0"/>
+          <a:chExt cx="0" cy="0"/>
+        </a:xfrm>
+      </p:grpSpPr>
+      <p:sp>
+        <p:nvSpPr>
+          <p:cNvPr id="2" name="标题 1">
+            <a:extLst>
+              <a:ext uri="{FF2B5EF4-FFF2-40B4-BE49-F238E27FC236}">
+                <a16:creationId xmlns:a16="http://schemas.microsoft.com/office/drawing/2014/main" id="{A1FF17D5-669F-4314-91EB-01736BE5652A}"/>
+              </a:ext>
+            </a:extLst>
+          </p:cNvPr>
+          <p:cNvSpPr>
+            <a:spLocks noGrp="1"/>
+          </p:cNvSpPr>
+          <p:nvPr>
+            <p:ph type="title"/>
+          </p:nvPr>
+        </p:nvSpPr>
+        <p:spPr>
+          <a:xfrm>
+            <a:off x="581526" y="530706"/>
+            <a:ext cx="11029616" cy="669444"/>
+          </a:xfrm>
+        </p:spPr>
+        <p:txBody>
+          <a:bodyPr/>
+          <a:lstStyle/>
+          <a:p>
+            <a:r>
+              <a:rPr lang="zh-CN" altLang="en-US" dirty="0"/>
+              <a:t>核心基础组件</a:t>
+            </a:r>
+          </a:p>
+        </p:txBody>
+      </p:sp>
+      <p:graphicFrame>
+        <p:nvGraphicFramePr>
+          <p:cNvPr id="5" name="表格 5">
+            <a:extLst>
+              <a:ext uri="{FF2B5EF4-FFF2-40B4-BE49-F238E27FC236}">
+                <a16:creationId xmlns:a16="http://schemas.microsoft.com/office/drawing/2014/main" id="{F100FDD9-C9BF-4440-A377-A88EF9E5BE1D}"/>
+              </a:ext>
+            </a:extLst>
+          </p:cNvPr>
+          <p:cNvGraphicFramePr>
+            <a:graphicFrameLocks noGrp="1"/>
+          </p:cNvGraphicFramePr>
+          <p:nvPr>
+            <p:ph idx="1"/>
+            <p:extLst>
+              <p:ext uri="{D42A27DB-BD31-4B8C-83A1-F6EECF244321}">
+                <p14:modId xmlns:p14="http://schemas.microsoft.com/office/powerpoint/2010/main" val="2075952885"/>
+              </p:ext>
+            </p:extLst>
+          </p:nvPr>
+        </p:nvGraphicFramePr>
+        <p:xfrm>
+          <a:off x="415925" y="1213544"/>
+          <a:ext cx="11029950" cy="5392932"/>
+        </p:xfrm>
+        <a:graphic>
+          <a:graphicData uri="http://schemas.openxmlformats.org/drawingml/2006/table">
+            <a:tbl>
+              <a:tblPr firstRow="1" bandRow="1">
+                <a:tableStyleId>{5C22544A-7EE6-4342-B048-85BDC9FD1C3A}</a:tableStyleId>
+              </a:tblPr>
+              <a:tblGrid>
+                <a:gridCol w="5514975">
+                  <a:extLst>
+                    <a:ext uri="{9D8B030D-6E8A-4147-A177-3AD203B41FA5}">
+                      <a16:colId xmlns:a16="http://schemas.microsoft.com/office/drawing/2014/main" val="2868141205"/>
+                    </a:ext>
+                  </a:extLst>
+                </a:gridCol>
+                <a:gridCol w="5514975">
+                  <a:extLst>
+                    <a:ext uri="{9D8B030D-6E8A-4147-A177-3AD203B41FA5}">
+                      <a16:colId xmlns:a16="http://schemas.microsoft.com/office/drawing/2014/main" val="914018687"/>
+                    </a:ext>
+                  </a:extLst>
+                </a:gridCol>
+              </a:tblGrid>
+              <a:tr h="295716">
+                <a:tc>
+                  <a:txBody>
+                    <a:bodyPr/>
+                    <a:lstStyle/>
+                    <a:p>
+                      <a:r>
+                        <a:rPr lang="zh-CN" altLang="en-US" dirty="0"/>
+                        <a:t>功能</a:t>
+                      </a:r>
+                    </a:p>
+                  </a:txBody>
+                  <a:tcPr/>
+                </a:tc>
+                <a:tc>
+                  <a:txBody>
+                    <a:bodyPr/>
+                    <a:lstStyle/>
+                    <a:p>
+                      <a:r>
+                        <a:rPr lang="zh-CN" altLang="en-US" dirty="0"/>
+                        <a:t>阶段</a:t>
+                      </a:r>
+                    </a:p>
+                  </a:txBody>
+                  <a:tcPr/>
+                </a:tc>
+                <a:extLst>
+                  <a:ext uri="{0D108BD9-81ED-4DB2-BD59-A6C34878D82A}">
+                    <a16:rowId xmlns:a16="http://schemas.microsoft.com/office/drawing/2014/main" val="4216912809"/>
+                  </a:ext>
+                </a:extLst>
+              </a:tr>
+              <a:tr h="295716">
+                <a:tc>
+                  <a:txBody>
+                    <a:bodyPr/>
+                    <a:lstStyle/>
+                    <a:p>
+                      <a:r>
+                        <a:rPr lang="en-US" altLang="zh-CN" sz="1200" b="0" i="0" kern="1200" dirty="0">
+                          <a:solidFill>
+                            <a:schemeClr val="dk1"/>
+                          </a:solidFill>
+                          <a:effectLst/>
+                          <a:latin typeface="+mn-lt"/>
+                          <a:ea typeface="+mn-ea"/>
+                          <a:cs typeface="+mn-cs"/>
+                        </a:rPr>
+                        <a:t>Kubernetes</a:t>
+                      </a:r>
+                      <a:r>
+                        <a:rPr lang="zh-CN" altLang="en-US" sz="1200" b="0" i="0" kern="1200" dirty="0">
+                          <a:solidFill>
+                            <a:schemeClr val="dk1"/>
+                          </a:solidFill>
+                          <a:effectLst/>
+                          <a:latin typeface="+mn-lt"/>
+                          <a:ea typeface="+mn-ea"/>
+                          <a:cs typeface="+mn-cs"/>
+                        </a:rPr>
+                        <a:t>：</a:t>
+                      </a:r>
+                      <a:r>
+                        <a:rPr lang="en-US" altLang="zh-CN" sz="1200" b="0" i="0" kern="1200" dirty="0">
+                          <a:solidFill>
+                            <a:schemeClr val="dk1"/>
+                          </a:solidFill>
+                          <a:effectLst/>
+                          <a:latin typeface="+mn-lt"/>
+                          <a:ea typeface="+mn-ea"/>
+                          <a:cs typeface="+mn-cs"/>
+                        </a:rPr>
+                        <a:t>Envoy</a:t>
+                      </a:r>
+                      <a:r>
+                        <a:rPr lang="zh-CN" altLang="en-US" sz="1200" b="0" i="0" kern="1200" dirty="0">
+                          <a:solidFill>
+                            <a:schemeClr val="dk1"/>
+                          </a:solidFill>
+                          <a:effectLst/>
+                          <a:latin typeface="+mn-lt"/>
+                          <a:ea typeface="+mn-ea"/>
+                          <a:cs typeface="+mn-cs"/>
+                        </a:rPr>
+                        <a:t>安装和流量拦截</a:t>
+                      </a:r>
+                      <a:endParaRPr lang="zh-CN" altLang="en-US" sz="1200" dirty="0"/>
+                    </a:p>
+                  </a:txBody>
+                  <a:tcPr/>
+                </a:tc>
+                <a:tc>
+                  <a:txBody>
+                    <a:bodyPr/>
+                    <a:lstStyle/>
+                    <a:p>
+                      <a:r>
+                        <a:rPr lang="en-US" altLang="zh-CN" sz="1200" b="0" i="0" kern="1200" dirty="0">
+                          <a:solidFill>
+                            <a:schemeClr val="dk1"/>
+                          </a:solidFill>
+                          <a:effectLst/>
+                          <a:latin typeface="+mn-lt"/>
+                          <a:ea typeface="+mn-ea"/>
+                          <a:cs typeface="+mn-cs"/>
+                        </a:rPr>
+                        <a:t>Stable</a:t>
+                      </a:r>
+                      <a:endParaRPr lang="zh-CN" altLang="en-US" sz="1200" dirty="0"/>
+                    </a:p>
+                  </a:txBody>
+                  <a:tcPr/>
+                </a:tc>
+                <a:extLst>
+                  <a:ext uri="{0D108BD9-81ED-4DB2-BD59-A6C34878D82A}">
+                    <a16:rowId xmlns:a16="http://schemas.microsoft.com/office/drawing/2014/main" val="1765276749"/>
+                  </a:ext>
+                </a:extLst>
+              </a:tr>
+              <a:tr h="295716">
+                <a:tc>
+                  <a:txBody>
+                    <a:bodyPr/>
+                    <a:lstStyle/>
+                    <a:p>
+                      <a:r>
+                        <a:rPr lang="en-US" altLang="zh-CN" sz="1200" b="0" i="0" kern="1200" dirty="0">
+                          <a:solidFill>
+                            <a:schemeClr val="dk1"/>
+                          </a:solidFill>
+                          <a:effectLst/>
+                          <a:latin typeface="+mn-lt"/>
+                          <a:ea typeface="+mn-ea"/>
+                          <a:cs typeface="+mn-cs"/>
+                        </a:rPr>
+                        <a:t>Kubernetes</a:t>
+                      </a:r>
+                      <a:r>
+                        <a:rPr lang="zh-CN" altLang="en-US" sz="1200" b="0" i="0" kern="1200" dirty="0">
+                          <a:solidFill>
+                            <a:schemeClr val="dk1"/>
+                          </a:solidFill>
+                          <a:effectLst/>
+                          <a:latin typeface="+mn-lt"/>
+                          <a:ea typeface="+mn-ea"/>
+                          <a:cs typeface="+mn-cs"/>
+                        </a:rPr>
+                        <a:t>：</a:t>
+                      </a:r>
+                      <a:r>
+                        <a:rPr lang="en-US" altLang="zh-CN" sz="1200" b="0" i="0" kern="1200" dirty="0" err="1">
+                          <a:solidFill>
+                            <a:schemeClr val="dk1"/>
+                          </a:solidFill>
+                          <a:effectLst/>
+                          <a:latin typeface="+mn-lt"/>
+                          <a:ea typeface="+mn-ea"/>
+                          <a:cs typeface="+mn-cs"/>
+                        </a:rPr>
+                        <a:t>Istio</a:t>
+                      </a:r>
+                      <a:r>
+                        <a:rPr lang="zh-CN" altLang="en-US" sz="1200" b="0" i="0" kern="1200" dirty="0">
+                          <a:solidFill>
+                            <a:schemeClr val="dk1"/>
+                          </a:solidFill>
+                          <a:effectLst/>
+                          <a:latin typeface="+mn-lt"/>
+                          <a:ea typeface="+mn-ea"/>
+                          <a:cs typeface="+mn-cs"/>
+                        </a:rPr>
+                        <a:t>控制平面安装</a:t>
+                      </a:r>
+                      <a:endParaRPr lang="zh-CN" altLang="en-US" sz="1200" dirty="0"/>
+                    </a:p>
+                  </a:txBody>
+                  <a:tcPr/>
+                </a:tc>
+                <a:tc>
+                  <a:txBody>
+                    <a:bodyPr/>
+                    <a:lstStyle/>
+                    <a:p>
+                      <a:r>
+                        <a:rPr lang="en-US" altLang="zh-CN" sz="1200" b="0" i="0" kern="1200" dirty="0">
+                          <a:solidFill>
+                            <a:schemeClr val="dk1"/>
+                          </a:solidFill>
+                          <a:effectLst/>
+                          <a:latin typeface="+mn-lt"/>
+                          <a:ea typeface="+mn-ea"/>
+                          <a:cs typeface="+mn-cs"/>
+                        </a:rPr>
+                        <a:t>Stable</a:t>
+                      </a:r>
+                      <a:endParaRPr lang="zh-CN" altLang="en-US" sz="1200" dirty="0"/>
+                    </a:p>
+                  </a:txBody>
+                  <a:tcPr/>
+                </a:tc>
+                <a:extLst>
+                  <a:ext uri="{0D108BD9-81ED-4DB2-BD59-A6C34878D82A}">
+                    <a16:rowId xmlns:a16="http://schemas.microsoft.com/office/drawing/2014/main" val="1924863888"/>
+                  </a:ext>
+                </a:extLst>
+              </a:tr>
+              <a:tr h="295716">
+                <a:tc>
+                  <a:txBody>
+                    <a:bodyPr/>
+                    <a:lstStyle/>
+                    <a:p>
+                      <a:r>
+                        <a:rPr lang="zh-CN" altLang="en-US" sz="1200" b="0" i="0" kern="1200" dirty="0">
+                          <a:solidFill>
+                            <a:schemeClr val="dk1"/>
+                          </a:solidFill>
+                          <a:effectLst/>
+                          <a:latin typeface="+mn-lt"/>
+                          <a:ea typeface="+mn-ea"/>
+                          <a:cs typeface="+mn-cs"/>
+                        </a:rPr>
+                        <a:t>属性表达式语言</a:t>
+                      </a:r>
+                      <a:endParaRPr lang="zh-CN" altLang="en-US" sz="1200" dirty="0"/>
+                    </a:p>
+                  </a:txBody>
+                  <a:tcPr/>
+                </a:tc>
+                <a:tc>
+                  <a:txBody>
+                    <a:bodyPr/>
+                    <a:lstStyle/>
+                    <a:p>
+                      <a:r>
+                        <a:rPr lang="en-US" altLang="zh-CN" sz="1200" b="0" i="0" kern="1200" dirty="0">
+                          <a:solidFill>
+                            <a:schemeClr val="dk1"/>
+                          </a:solidFill>
+                          <a:effectLst/>
+                          <a:latin typeface="+mn-lt"/>
+                          <a:ea typeface="+mn-ea"/>
+                          <a:cs typeface="+mn-cs"/>
+                        </a:rPr>
+                        <a:t>Stable</a:t>
+                      </a:r>
+                      <a:endParaRPr lang="zh-CN" altLang="en-US" sz="1200" dirty="0"/>
+                    </a:p>
+                  </a:txBody>
+                  <a:tcPr/>
+                </a:tc>
+                <a:extLst>
+                  <a:ext uri="{0D108BD9-81ED-4DB2-BD59-A6C34878D82A}">
+                    <a16:rowId xmlns:a16="http://schemas.microsoft.com/office/drawing/2014/main" val="1918660443"/>
+                  </a:ext>
+                </a:extLst>
+              </a:tr>
+              <a:tr h="295716">
+                <a:tc>
+                  <a:txBody>
+                    <a:bodyPr/>
+                    <a:lstStyle/>
+                    <a:p>
+                      <a:r>
+                        <a:rPr lang="en-US" altLang="zh-CN" sz="1200" b="0" i="0" kern="1200" dirty="0">
+                          <a:solidFill>
+                            <a:schemeClr val="dk1"/>
+                          </a:solidFill>
+                          <a:effectLst/>
+                          <a:latin typeface="+mn-lt"/>
+                          <a:ea typeface="+mn-ea"/>
+                          <a:cs typeface="+mn-cs"/>
+                        </a:rPr>
+                        <a:t>Standalone Operator</a:t>
+                      </a:r>
+                      <a:endParaRPr lang="zh-CN" altLang="en-US" sz="1200" dirty="0"/>
+                    </a:p>
+                  </a:txBody>
+                  <a:tcPr/>
+                </a:tc>
+                <a:tc>
+                  <a:txBody>
+                    <a:bodyPr/>
+                    <a:lstStyle/>
+                    <a:p>
+                      <a:r>
+                        <a:rPr lang="en-US" altLang="zh-CN" sz="1200" b="0" i="0" kern="1200" dirty="0">
+                          <a:solidFill>
+                            <a:schemeClr val="dk1"/>
+                          </a:solidFill>
+                          <a:effectLst/>
+                          <a:latin typeface="+mn-lt"/>
+                          <a:ea typeface="+mn-ea"/>
+                          <a:cs typeface="+mn-cs"/>
+                        </a:rPr>
+                        <a:t>Alpha</a:t>
+                      </a:r>
+                      <a:endParaRPr lang="zh-CN" altLang="en-US" sz="1200" dirty="0"/>
+                    </a:p>
+                  </a:txBody>
+                  <a:tcPr/>
+                </a:tc>
+                <a:extLst>
+                  <a:ext uri="{0D108BD9-81ED-4DB2-BD59-A6C34878D82A}">
+                    <a16:rowId xmlns:a16="http://schemas.microsoft.com/office/drawing/2014/main" val="2077965546"/>
+                  </a:ext>
+                </a:extLst>
+              </a:tr>
+              <a:tr h="295716">
+                <a:tc>
+                  <a:txBody>
+                    <a:bodyPr/>
+                    <a:lstStyle/>
+                    <a:p>
+                      <a:r>
+                        <a:rPr lang="zh-CN" altLang="en-US" sz="1200" b="0" i="0" kern="1200" dirty="0">
+                          <a:solidFill>
+                            <a:schemeClr val="dk1"/>
+                          </a:solidFill>
+                          <a:effectLst/>
+                          <a:latin typeface="+mn-lt"/>
+                          <a:ea typeface="+mn-ea"/>
+                          <a:cs typeface="+mn-cs"/>
+                        </a:rPr>
+                        <a:t>混合器进程外适配器创作模型</a:t>
+                      </a:r>
+                      <a:endParaRPr lang="zh-CN" altLang="en-US" sz="1200" dirty="0"/>
+                    </a:p>
+                  </a:txBody>
+                  <a:tcPr/>
+                </a:tc>
+                <a:tc>
+                  <a:txBody>
+                    <a:bodyPr/>
+                    <a:lstStyle/>
+                    <a:p>
+                      <a:r>
+                        <a:rPr lang="en-US" altLang="zh-CN" sz="1200" b="0" i="0" kern="1200" dirty="0">
+                          <a:solidFill>
+                            <a:schemeClr val="dk1"/>
+                          </a:solidFill>
+                          <a:effectLst/>
+                          <a:latin typeface="+mn-lt"/>
+                          <a:ea typeface="+mn-ea"/>
+                          <a:cs typeface="+mn-cs"/>
+                        </a:rPr>
+                        <a:t>Beta</a:t>
+                      </a:r>
+                      <a:endParaRPr lang="zh-CN" altLang="en-US" sz="1200" dirty="0"/>
+                    </a:p>
+                  </a:txBody>
+                  <a:tcPr/>
+                </a:tc>
+                <a:extLst>
+                  <a:ext uri="{0D108BD9-81ED-4DB2-BD59-A6C34878D82A}">
+                    <a16:rowId xmlns:a16="http://schemas.microsoft.com/office/drawing/2014/main" val="928013699"/>
+                  </a:ext>
+                </a:extLst>
+              </a:tr>
+              <a:tr h="295716">
+                <a:tc>
+                  <a:txBody>
+                    <a:bodyPr/>
+                    <a:lstStyle/>
+                    <a:p>
+                      <a:r>
+                        <a:rPr lang="en-US" altLang="zh-CN" sz="1200" dirty="0"/>
+                        <a:t>Helm</a:t>
+                      </a:r>
+                      <a:endParaRPr lang="zh-CN" altLang="en-US" sz="1200" dirty="0"/>
+                    </a:p>
+                  </a:txBody>
+                  <a:tcPr/>
+                </a:tc>
+                <a:tc>
+                  <a:txBody>
+                    <a:bodyPr/>
+                    <a:lstStyle/>
+                    <a:p>
+                      <a:r>
+                        <a:rPr lang="en-US" altLang="zh-CN" sz="1200" b="0" i="0" kern="1200" dirty="0">
+                          <a:solidFill>
+                            <a:schemeClr val="dk1"/>
+                          </a:solidFill>
+                          <a:effectLst/>
+                          <a:latin typeface="+mn-lt"/>
+                          <a:ea typeface="+mn-ea"/>
+                          <a:cs typeface="+mn-cs"/>
+                        </a:rPr>
+                        <a:t>Beta</a:t>
+                      </a:r>
+                      <a:endParaRPr lang="zh-CN" altLang="en-US" sz="1200" dirty="0"/>
+                    </a:p>
+                  </a:txBody>
+                  <a:tcPr/>
+                </a:tc>
+                <a:extLst>
+                  <a:ext uri="{0D108BD9-81ED-4DB2-BD59-A6C34878D82A}">
+                    <a16:rowId xmlns:a16="http://schemas.microsoft.com/office/drawing/2014/main" val="2163357051"/>
+                  </a:ext>
+                </a:extLst>
+              </a:tr>
+              <a:tr h="295716">
+                <a:tc>
+                  <a:txBody>
+                    <a:bodyPr/>
+                    <a:lstStyle/>
+                    <a:p>
+                      <a:r>
+                        <a:rPr lang="zh-CN" altLang="en-US" sz="1200" b="0" i="0" kern="1200" dirty="0">
+                          <a:solidFill>
+                            <a:schemeClr val="dk1"/>
+                          </a:solidFill>
+                          <a:effectLst/>
+                          <a:latin typeface="+mn-lt"/>
+                          <a:ea typeface="+mn-ea"/>
+                          <a:cs typeface="+mn-cs"/>
+                        </a:rPr>
+                        <a:t>基于</a:t>
+                      </a:r>
+                      <a:r>
+                        <a:rPr lang="en-US" altLang="zh-CN" sz="1200" b="0" i="0" kern="1200" dirty="0">
+                          <a:solidFill>
+                            <a:schemeClr val="dk1"/>
+                          </a:solidFill>
+                          <a:effectLst/>
+                          <a:latin typeface="+mn-lt"/>
+                          <a:ea typeface="+mn-ea"/>
+                          <a:cs typeface="+mn-cs"/>
+                        </a:rPr>
+                        <a:t>VPN</a:t>
+                      </a:r>
+                      <a:r>
+                        <a:rPr lang="zh-CN" altLang="en-US" sz="1200" b="0" i="0" kern="1200" dirty="0">
+                          <a:solidFill>
+                            <a:schemeClr val="dk1"/>
+                          </a:solidFill>
+                          <a:effectLst/>
+                          <a:latin typeface="+mn-lt"/>
+                          <a:ea typeface="+mn-ea"/>
+                          <a:cs typeface="+mn-cs"/>
+                        </a:rPr>
+                        <a:t>的多集群网格</a:t>
+                      </a:r>
+                      <a:endParaRPr lang="zh-CN" altLang="en-US" sz="1200" dirty="0"/>
+                    </a:p>
+                  </a:txBody>
+                  <a:tcPr/>
+                </a:tc>
+                <a:tc>
+                  <a:txBody>
+                    <a:bodyPr/>
+                    <a:lstStyle/>
+                    <a:p>
+                      <a:r>
+                        <a:rPr lang="en-US" altLang="zh-CN" sz="1200" b="0" i="0" kern="1200" dirty="0">
+                          <a:solidFill>
+                            <a:schemeClr val="dk1"/>
+                          </a:solidFill>
+                          <a:effectLst/>
+                          <a:latin typeface="+mn-lt"/>
+                          <a:ea typeface="+mn-ea"/>
+                          <a:cs typeface="+mn-cs"/>
+                        </a:rPr>
+                        <a:t>Alpha</a:t>
+                      </a:r>
+                      <a:endParaRPr lang="zh-CN" altLang="en-US" sz="1200" dirty="0"/>
+                    </a:p>
+                  </a:txBody>
+                  <a:tcPr/>
+                </a:tc>
+                <a:extLst>
+                  <a:ext uri="{0D108BD9-81ED-4DB2-BD59-A6C34878D82A}">
+                    <a16:rowId xmlns:a16="http://schemas.microsoft.com/office/drawing/2014/main" val="1106054437"/>
+                  </a:ext>
+                </a:extLst>
+              </a:tr>
+              <a:tr h="295716">
+                <a:tc>
+                  <a:txBody>
+                    <a:bodyPr/>
+                    <a:lstStyle/>
+                    <a:p>
+                      <a:r>
+                        <a:rPr lang="en-US" altLang="zh-CN" sz="1200" b="0" i="0" kern="1200" dirty="0">
+                          <a:solidFill>
+                            <a:schemeClr val="dk1"/>
+                          </a:solidFill>
+                          <a:effectLst/>
+                          <a:latin typeface="+mn-lt"/>
+                          <a:ea typeface="+mn-ea"/>
+                          <a:cs typeface="+mn-cs"/>
+                        </a:rPr>
+                        <a:t>Kubernetes</a:t>
+                      </a:r>
+                      <a:r>
+                        <a:rPr lang="zh-CN" altLang="en-US" sz="1200" b="0" i="0" kern="1200" dirty="0">
+                          <a:solidFill>
+                            <a:schemeClr val="dk1"/>
+                          </a:solidFill>
+                          <a:effectLst/>
+                          <a:latin typeface="+mn-lt"/>
+                          <a:ea typeface="+mn-ea"/>
+                          <a:cs typeface="+mn-cs"/>
+                        </a:rPr>
+                        <a:t>：</a:t>
+                      </a:r>
+                      <a:r>
+                        <a:rPr lang="en-US" altLang="zh-CN" sz="1200" b="0" i="0" kern="1200" dirty="0" err="1">
+                          <a:solidFill>
+                            <a:schemeClr val="dk1"/>
+                          </a:solidFill>
+                          <a:effectLst/>
+                          <a:latin typeface="+mn-lt"/>
+                          <a:ea typeface="+mn-ea"/>
+                          <a:cs typeface="+mn-cs"/>
+                        </a:rPr>
+                        <a:t>Istio</a:t>
+                      </a:r>
+                      <a:r>
+                        <a:rPr lang="zh-CN" altLang="en-US" sz="1200" b="0" i="0" kern="1200" dirty="0">
+                          <a:solidFill>
+                            <a:schemeClr val="dk1"/>
+                          </a:solidFill>
+                          <a:effectLst/>
+                          <a:latin typeface="+mn-lt"/>
+                          <a:ea typeface="+mn-ea"/>
+                          <a:cs typeface="+mn-cs"/>
+                        </a:rPr>
+                        <a:t>控制平面升级</a:t>
+                      </a:r>
+                      <a:endParaRPr lang="zh-CN" altLang="en-US" sz="1200" dirty="0"/>
+                    </a:p>
+                  </a:txBody>
+                  <a:tcPr/>
+                </a:tc>
+                <a:tc>
+                  <a:txBody>
+                    <a:bodyPr/>
+                    <a:lstStyle/>
+                    <a:p>
+                      <a:r>
+                        <a:rPr lang="en-US" altLang="zh-CN" sz="1200" b="0" i="0" kern="1200" dirty="0">
+                          <a:solidFill>
+                            <a:schemeClr val="dk1"/>
+                          </a:solidFill>
+                          <a:effectLst/>
+                          <a:latin typeface="+mn-lt"/>
+                          <a:ea typeface="+mn-ea"/>
+                          <a:cs typeface="+mn-cs"/>
+                        </a:rPr>
+                        <a:t>Beta</a:t>
+                      </a:r>
+                      <a:endParaRPr lang="zh-CN" altLang="en-US" sz="1200" dirty="0"/>
+                    </a:p>
+                  </a:txBody>
+                  <a:tcPr/>
+                </a:tc>
+                <a:extLst>
+                  <a:ext uri="{0D108BD9-81ED-4DB2-BD59-A6C34878D82A}">
+                    <a16:rowId xmlns:a16="http://schemas.microsoft.com/office/drawing/2014/main" val="2572359075"/>
+                  </a:ext>
+                </a:extLst>
+              </a:tr>
+              <a:tr h="295716">
+                <a:tc>
+                  <a:txBody>
+                    <a:bodyPr/>
+                    <a:lstStyle/>
+                    <a:p>
+                      <a:r>
+                        <a:rPr lang="en-US" altLang="zh-CN" sz="1200" b="0" i="0" kern="1200" dirty="0">
+                          <a:solidFill>
+                            <a:schemeClr val="dk1"/>
+                          </a:solidFill>
+                          <a:effectLst/>
+                          <a:latin typeface="+mn-lt"/>
+                          <a:ea typeface="+mn-ea"/>
+                          <a:cs typeface="+mn-cs"/>
+                        </a:rPr>
+                        <a:t>Consul</a:t>
+                      </a:r>
+                      <a:r>
+                        <a:rPr lang="zh-CN" altLang="en-US" sz="1200" b="0" i="0" kern="1200" dirty="0">
+                          <a:solidFill>
+                            <a:schemeClr val="dk1"/>
+                          </a:solidFill>
+                          <a:effectLst/>
+                          <a:latin typeface="+mn-lt"/>
+                          <a:ea typeface="+mn-ea"/>
+                          <a:cs typeface="+mn-cs"/>
+                        </a:rPr>
+                        <a:t>集成</a:t>
+                      </a:r>
+                      <a:endParaRPr lang="zh-CN" altLang="en-US" sz="1200" dirty="0"/>
+                    </a:p>
+                  </a:txBody>
+                  <a:tcPr/>
+                </a:tc>
+                <a:tc>
+                  <a:txBody>
+                    <a:bodyPr/>
+                    <a:lstStyle/>
+                    <a:p>
+                      <a:r>
+                        <a:rPr lang="en-US" altLang="zh-CN" sz="1200" b="0" i="0" kern="1200" dirty="0">
+                          <a:solidFill>
+                            <a:schemeClr val="dk1"/>
+                          </a:solidFill>
+                          <a:effectLst/>
+                          <a:latin typeface="+mn-lt"/>
+                          <a:ea typeface="+mn-ea"/>
+                          <a:cs typeface="+mn-cs"/>
+                        </a:rPr>
+                        <a:t>Alpha</a:t>
+                      </a:r>
+                      <a:endParaRPr lang="zh-CN" altLang="en-US" sz="1200" dirty="0"/>
+                    </a:p>
+                  </a:txBody>
+                  <a:tcPr/>
+                </a:tc>
+                <a:extLst>
+                  <a:ext uri="{0D108BD9-81ED-4DB2-BD59-A6C34878D82A}">
+                    <a16:rowId xmlns:a16="http://schemas.microsoft.com/office/drawing/2014/main" val="378438033"/>
+                  </a:ext>
+                </a:extLst>
+              </a:tr>
+              <a:tr h="295716">
+                <a:tc>
+                  <a:txBody>
+                    <a:bodyPr/>
+                    <a:lstStyle/>
+                    <a:p>
+                      <a:r>
+                        <a:rPr lang="zh-CN" altLang="en-US" sz="1200" b="0" i="0" kern="1200" dirty="0">
+                          <a:solidFill>
+                            <a:schemeClr val="dk1"/>
+                          </a:solidFill>
+                          <a:effectLst/>
+                          <a:latin typeface="+mn-lt"/>
+                          <a:ea typeface="+mn-ea"/>
+                          <a:cs typeface="+mn-cs"/>
+                        </a:rPr>
+                        <a:t>基本配置资源验证</a:t>
+                      </a:r>
+                      <a:endParaRPr lang="zh-CN" altLang="en-US" sz="1200" dirty="0"/>
+                    </a:p>
+                  </a:txBody>
+                  <a:tcPr/>
+                </a:tc>
+                <a:tc>
+                  <a:txBody>
+                    <a:bodyPr/>
+                    <a:lstStyle/>
+                    <a:p>
+                      <a:r>
+                        <a:rPr lang="en-US" altLang="zh-CN" sz="1200" b="0" i="0" kern="1200" dirty="0">
+                          <a:solidFill>
+                            <a:schemeClr val="dk1"/>
+                          </a:solidFill>
+                          <a:effectLst/>
+                          <a:latin typeface="+mn-lt"/>
+                          <a:ea typeface="+mn-ea"/>
+                          <a:cs typeface="+mn-cs"/>
+                        </a:rPr>
+                        <a:t>Beta</a:t>
+                      </a:r>
+                      <a:endParaRPr lang="zh-CN" altLang="en-US" sz="1200" dirty="0"/>
+                    </a:p>
+                  </a:txBody>
+                  <a:tcPr/>
+                </a:tc>
+                <a:extLst>
+                  <a:ext uri="{0D108BD9-81ED-4DB2-BD59-A6C34878D82A}">
+                    <a16:rowId xmlns:a16="http://schemas.microsoft.com/office/drawing/2014/main" val="699560111"/>
+                  </a:ext>
+                </a:extLst>
+              </a:tr>
+              <a:tr h="295716">
+                <a:tc>
+                  <a:txBody>
+                    <a:bodyPr/>
+                    <a:lstStyle/>
+                    <a:p>
+                      <a:r>
+                        <a:rPr lang="zh-CN" altLang="en-US" sz="1200" b="0" i="0" kern="1200" dirty="0">
+                          <a:solidFill>
+                            <a:schemeClr val="dk1"/>
+                          </a:solidFill>
+                          <a:effectLst/>
+                          <a:latin typeface="+mn-lt"/>
+                          <a:ea typeface="+mn-ea"/>
+                          <a:cs typeface="+mn-cs"/>
+                        </a:rPr>
+                        <a:t>使用</a:t>
+                      </a:r>
+                      <a:r>
+                        <a:rPr lang="en-US" altLang="zh-CN" sz="1200" b="0" i="0" kern="1200" dirty="0">
+                          <a:solidFill>
+                            <a:schemeClr val="dk1"/>
+                          </a:solidFill>
+                          <a:effectLst/>
+                          <a:latin typeface="+mn-lt"/>
+                          <a:ea typeface="+mn-ea"/>
+                          <a:cs typeface="+mn-cs"/>
+                        </a:rPr>
+                        <a:t>Galley</a:t>
+                      </a:r>
+                      <a:r>
+                        <a:rPr lang="zh-CN" altLang="en-US" sz="1200" b="0" i="0" kern="1200" dirty="0">
+                          <a:solidFill>
+                            <a:schemeClr val="dk1"/>
+                          </a:solidFill>
+                          <a:effectLst/>
+                          <a:latin typeface="+mn-lt"/>
+                          <a:ea typeface="+mn-ea"/>
+                          <a:cs typeface="+mn-cs"/>
+                        </a:rPr>
+                        <a:t>进行配置处理</a:t>
+                      </a:r>
+                      <a:endParaRPr lang="zh-CN" altLang="en-US" sz="1200" dirty="0"/>
+                    </a:p>
+                  </a:txBody>
+                  <a:tcPr/>
+                </a:tc>
+                <a:tc>
+                  <a:txBody>
+                    <a:bodyPr/>
+                    <a:lstStyle/>
+                    <a:p>
+                      <a:r>
+                        <a:rPr lang="en-US" altLang="zh-CN" sz="1200" b="0" i="0" kern="1200" dirty="0">
+                          <a:solidFill>
+                            <a:schemeClr val="dk1"/>
+                          </a:solidFill>
+                          <a:effectLst/>
+                          <a:latin typeface="+mn-lt"/>
+                          <a:ea typeface="+mn-ea"/>
+                          <a:cs typeface="+mn-cs"/>
+                        </a:rPr>
+                        <a:t>Beta</a:t>
+                      </a:r>
+                      <a:endParaRPr lang="zh-CN" altLang="en-US" sz="1200" dirty="0"/>
+                    </a:p>
+                  </a:txBody>
+                  <a:tcPr/>
+                </a:tc>
+                <a:extLst>
+                  <a:ext uri="{0D108BD9-81ED-4DB2-BD59-A6C34878D82A}">
+                    <a16:rowId xmlns:a16="http://schemas.microsoft.com/office/drawing/2014/main" val="499364727"/>
+                  </a:ext>
+                </a:extLst>
+              </a:tr>
+              <a:tr h="295716">
+                <a:tc>
+                  <a:txBody>
+                    <a:bodyPr/>
+                    <a:lstStyle/>
+                    <a:p>
+                      <a:r>
+                        <a:rPr lang="zh-CN" altLang="en-US" sz="1200" b="0" i="0" kern="1200" dirty="0">
+                          <a:solidFill>
+                            <a:schemeClr val="dk1"/>
+                          </a:solidFill>
+                          <a:effectLst/>
+                          <a:latin typeface="+mn-lt"/>
+                          <a:ea typeface="+mn-ea"/>
+                          <a:cs typeface="+mn-cs"/>
+                        </a:rPr>
+                        <a:t>混合器的自我监控</a:t>
+                      </a:r>
+                      <a:endParaRPr lang="zh-CN" altLang="en-US" sz="1200" dirty="0"/>
+                    </a:p>
+                  </a:txBody>
+                  <a:tcPr/>
+                </a:tc>
+                <a:tc>
+                  <a:txBody>
+                    <a:bodyPr/>
+                    <a:lstStyle/>
+                    <a:p>
+                      <a:r>
+                        <a:rPr lang="en-US" altLang="zh-CN" sz="1200" b="0" i="0" kern="1200" dirty="0">
+                          <a:solidFill>
+                            <a:schemeClr val="dk1"/>
+                          </a:solidFill>
+                          <a:effectLst/>
+                          <a:latin typeface="+mn-lt"/>
+                          <a:ea typeface="+mn-ea"/>
+                          <a:cs typeface="+mn-cs"/>
+                        </a:rPr>
+                        <a:t>Beta</a:t>
+                      </a:r>
+                      <a:endParaRPr lang="zh-CN" altLang="en-US" sz="1200" dirty="0"/>
+                    </a:p>
+                  </a:txBody>
+                  <a:tcPr/>
+                </a:tc>
+                <a:extLst>
+                  <a:ext uri="{0D108BD9-81ED-4DB2-BD59-A6C34878D82A}">
+                    <a16:rowId xmlns:a16="http://schemas.microsoft.com/office/drawing/2014/main" val="3495468831"/>
+                  </a:ext>
+                </a:extLst>
+              </a:tr>
+              <a:tr h="295716">
+                <a:tc>
+                  <a:txBody>
+                    <a:bodyPr/>
+                    <a:lstStyle/>
+                    <a:p>
+                      <a:r>
+                        <a:rPr lang="zh-CN" altLang="en-US" sz="1200" b="0" i="0" kern="1200" dirty="0">
+                          <a:solidFill>
+                            <a:schemeClr val="dk1"/>
+                          </a:solidFill>
+                          <a:effectLst/>
+                          <a:latin typeface="+mn-lt"/>
+                          <a:ea typeface="+mn-ea"/>
+                          <a:cs typeface="+mn-cs"/>
+                        </a:rPr>
+                        <a:t>自定义混合器模型构建</a:t>
+                      </a:r>
+                      <a:endParaRPr lang="zh-CN" altLang="en-US" sz="1200" dirty="0"/>
+                    </a:p>
+                  </a:txBody>
+                  <a:tcPr/>
+                </a:tc>
+                <a:tc>
+                  <a:txBody>
+                    <a:bodyPr/>
+                    <a:lstStyle/>
+                    <a:p>
+                      <a:r>
+                        <a:rPr lang="en-US" altLang="zh-CN" sz="1200" b="0" i="0" kern="1200" dirty="0">
+                          <a:solidFill>
+                            <a:schemeClr val="dk1"/>
+                          </a:solidFill>
+                          <a:effectLst/>
+                          <a:latin typeface="+mn-lt"/>
+                          <a:ea typeface="+mn-ea"/>
+                          <a:cs typeface="+mn-cs"/>
+                        </a:rPr>
+                        <a:t>deprecated</a:t>
+                      </a:r>
+                      <a:endParaRPr lang="zh-CN" altLang="en-US" sz="1200" dirty="0"/>
+                    </a:p>
+                  </a:txBody>
+                  <a:tcPr/>
+                </a:tc>
+                <a:extLst>
+                  <a:ext uri="{0D108BD9-81ED-4DB2-BD59-A6C34878D82A}">
+                    <a16:rowId xmlns:a16="http://schemas.microsoft.com/office/drawing/2014/main" val="1763465826"/>
+                  </a:ext>
+                </a:extLst>
+              </a:tr>
+              <a:tr h="295716">
+                <a:tc>
+                  <a:txBody>
+                    <a:bodyPr/>
+                    <a:lstStyle/>
+                    <a:p>
+                      <a:r>
+                        <a:rPr lang="zh-CN" altLang="en-US" sz="1200" b="0" i="0" kern="1200" dirty="0">
+                          <a:solidFill>
+                            <a:schemeClr val="dk1"/>
+                          </a:solidFill>
+                          <a:effectLst/>
+                          <a:latin typeface="+mn-lt"/>
+                          <a:ea typeface="+mn-ea"/>
+                          <a:cs typeface="+mn-cs"/>
+                        </a:rPr>
+                        <a:t>进程外混合器适配器（</a:t>
+                      </a:r>
+                      <a:r>
+                        <a:rPr lang="en-US" altLang="zh-CN" sz="1200" b="0" i="0" kern="1200" dirty="0" err="1">
+                          <a:solidFill>
+                            <a:schemeClr val="dk1"/>
+                          </a:solidFill>
+                          <a:effectLst/>
+                          <a:latin typeface="+mn-lt"/>
+                          <a:ea typeface="+mn-ea"/>
+                          <a:cs typeface="+mn-cs"/>
+                        </a:rPr>
+                        <a:t>gRPC</a:t>
+                      </a:r>
+                      <a:r>
+                        <a:rPr lang="zh-CN" altLang="en-US" sz="1200" b="0" i="0" kern="1200" dirty="0">
+                          <a:solidFill>
+                            <a:schemeClr val="dk1"/>
+                          </a:solidFill>
+                          <a:effectLst/>
+                          <a:latin typeface="+mn-lt"/>
+                          <a:ea typeface="+mn-ea"/>
+                          <a:cs typeface="+mn-cs"/>
+                        </a:rPr>
+                        <a:t>适配器）</a:t>
+                      </a:r>
+                      <a:endParaRPr lang="zh-CN" altLang="en-US" sz="1200" dirty="0"/>
+                    </a:p>
+                  </a:txBody>
+                  <a:tcPr/>
+                </a:tc>
+                <a:tc>
+                  <a:txBody>
+                    <a:bodyPr/>
+                    <a:lstStyle/>
+                    <a:p>
+                      <a:r>
+                        <a:rPr lang="en-US" altLang="zh-CN" sz="1200" b="0" i="0" kern="1200" dirty="0">
+                          <a:solidFill>
+                            <a:schemeClr val="dk1"/>
+                          </a:solidFill>
+                          <a:effectLst/>
+                          <a:latin typeface="+mn-lt"/>
+                          <a:ea typeface="+mn-ea"/>
+                          <a:cs typeface="+mn-cs"/>
+                        </a:rPr>
+                        <a:t>Beta</a:t>
+                      </a:r>
+                      <a:endParaRPr lang="zh-CN" altLang="en-US" sz="1200" dirty="0"/>
+                    </a:p>
+                  </a:txBody>
+                  <a:tcPr/>
+                </a:tc>
+                <a:extLst>
+                  <a:ext uri="{0D108BD9-81ED-4DB2-BD59-A6C34878D82A}">
+                    <a16:rowId xmlns:a16="http://schemas.microsoft.com/office/drawing/2014/main" val="2360489437"/>
+                  </a:ext>
+                </a:extLst>
+              </a:tr>
+              <a:tr h="295716">
+                <a:tc>
+                  <a:txBody>
+                    <a:bodyPr/>
+                    <a:lstStyle/>
+                    <a:p>
+                      <a:r>
+                        <a:rPr lang="en-US" altLang="zh-CN" sz="1200" b="0" i="0" kern="1200" dirty="0" err="1">
+                          <a:solidFill>
+                            <a:schemeClr val="dk1"/>
+                          </a:solidFill>
+                          <a:effectLst/>
+                          <a:latin typeface="+mn-lt"/>
+                          <a:ea typeface="+mn-ea"/>
+                          <a:cs typeface="+mn-cs"/>
+                        </a:rPr>
+                        <a:t>Istio</a:t>
+                      </a:r>
+                      <a:r>
+                        <a:rPr lang="en-US" altLang="zh-CN" sz="1200" b="0" i="0" kern="1200" dirty="0">
+                          <a:solidFill>
+                            <a:schemeClr val="dk1"/>
+                          </a:solidFill>
+                          <a:effectLst/>
+                          <a:latin typeface="+mn-lt"/>
+                          <a:ea typeface="+mn-ea"/>
+                          <a:cs typeface="+mn-cs"/>
+                        </a:rPr>
+                        <a:t> CNI</a:t>
+                      </a:r>
+                      <a:r>
+                        <a:rPr lang="zh-CN" altLang="en-US" sz="1200" b="0" i="0" kern="1200" dirty="0">
+                          <a:solidFill>
+                            <a:schemeClr val="dk1"/>
+                          </a:solidFill>
+                          <a:effectLst/>
+                          <a:latin typeface="+mn-lt"/>
+                          <a:ea typeface="+mn-ea"/>
+                          <a:cs typeface="+mn-cs"/>
+                        </a:rPr>
+                        <a:t>插件</a:t>
+                      </a:r>
+                      <a:endParaRPr lang="zh-CN" altLang="en-US" sz="1200" dirty="0"/>
+                    </a:p>
+                  </a:txBody>
+                  <a:tcPr/>
+                </a:tc>
+                <a:tc>
+                  <a:txBody>
+                    <a:bodyPr/>
+                    <a:lstStyle/>
+                    <a:p>
+                      <a:r>
+                        <a:rPr lang="en-US" altLang="zh-CN" sz="1200" b="0" i="0" kern="1200" dirty="0">
+                          <a:solidFill>
+                            <a:schemeClr val="dk1"/>
+                          </a:solidFill>
+                          <a:effectLst/>
+                          <a:latin typeface="+mn-lt"/>
+                          <a:ea typeface="+mn-ea"/>
+                          <a:cs typeface="+mn-cs"/>
+                        </a:rPr>
+                        <a:t>Alpha</a:t>
+                      </a:r>
+                      <a:endParaRPr lang="zh-CN" altLang="en-US" sz="1200" dirty="0"/>
+                    </a:p>
+                  </a:txBody>
+                  <a:tcPr/>
+                </a:tc>
+                <a:extLst>
+                  <a:ext uri="{0D108BD9-81ED-4DB2-BD59-A6C34878D82A}">
+                    <a16:rowId xmlns:a16="http://schemas.microsoft.com/office/drawing/2014/main" val="79590495"/>
+                  </a:ext>
+                </a:extLst>
+              </a:tr>
+              <a:tr h="295716">
+                <a:tc>
+                  <a:txBody>
+                    <a:bodyPr/>
+                    <a:lstStyle/>
+                    <a:p>
+                      <a:r>
+                        <a:rPr lang="en-US" altLang="zh-CN" sz="1200" b="0" i="0" kern="1200" dirty="0">
+                          <a:solidFill>
+                            <a:schemeClr val="dk1"/>
+                          </a:solidFill>
+                          <a:effectLst/>
+                          <a:latin typeface="+mn-lt"/>
+                          <a:ea typeface="+mn-ea"/>
+                          <a:cs typeface="+mn-cs"/>
+                        </a:rPr>
+                        <a:t>Kubernetes</a:t>
+                      </a:r>
+                      <a:r>
+                        <a:rPr lang="zh-CN" altLang="en-US" sz="1200" b="0" i="0" kern="1200" dirty="0">
+                          <a:solidFill>
+                            <a:schemeClr val="dk1"/>
+                          </a:solidFill>
+                          <a:effectLst/>
+                          <a:latin typeface="+mn-lt"/>
+                          <a:ea typeface="+mn-ea"/>
+                          <a:cs typeface="+mn-cs"/>
+                        </a:rPr>
+                        <a:t>的</a:t>
+                      </a:r>
+                      <a:r>
+                        <a:rPr lang="en-US" altLang="zh-CN" sz="1200" b="0" i="0" kern="1200" dirty="0">
+                          <a:solidFill>
+                            <a:schemeClr val="dk1"/>
+                          </a:solidFill>
+                          <a:effectLst/>
+                          <a:latin typeface="+mn-lt"/>
+                          <a:ea typeface="+mn-ea"/>
+                          <a:cs typeface="+mn-cs"/>
+                        </a:rPr>
+                        <a:t>IPv6</a:t>
+                      </a:r>
+                      <a:r>
+                        <a:rPr lang="zh-CN" altLang="en-US" sz="1200" b="0" i="0" kern="1200" dirty="0">
+                          <a:solidFill>
+                            <a:schemeClr val="dk1"/>
+                          </a:solidFill>
+                          <a:effectLst/>
+                          <a:latin typeface="+mn-lt"/>
+                          <a:ea typeface="+mn-ea"/>
+                          <a:cs typeface="+mn-cs"/>
+                        </a:rPr>
+                        <a:t>支持</a:t>
+                      </a:r>
+                      <a:endParaRPr lang="zh-CN" altLang="en-US" sz="1200" dirty="0"/>
+                    </a:p>
+                  </a:txBody>
+                  <a:tcPr/>
+                </a:tc>
+                <a:tc>
+                  <a:txBody>
+                    <a:bodyPr/>
+                    <a:lstStyle/>
+                    <a:p>
+                      <a:r>
+                        <a:rPr lang="en-US" altLang="zh-CN" sz="1200" b="0" i="0" kern="1200" dirty="0">
+                          <a:solidFill>
+                            <a:schemeClr val="dk1"/>
+                          </a:solidFill>
+                          <a:effectLst/>
+                          <a:latin typeface="+mn-lt"/>
+                          <a:ea typeface="+mn-ea"/>
+                          <a:cs typeface="+mn-cs"/>
+                        </a:rPr>
+                        <a:t>Alpha</a:t>
+                      </a:r>
+                      <a:endParaRPr lang="zh-CN" altLang="en-US" sz="1200" dirty="0"/>
+                    </a:p>
+                  </a:txBody>
+                  <a:tcPr/>
+                </a:tc>
+                <a:extLst>
+                  <a:ext uri="{0D108BD9-81ED-4DB2-BD59-A6C34878D82A}">
+                    <a16:rowId xmlns:a16="http://schemas.microsoft.com/office/drawing/2014/main" val="2012744441"/>
+                  </a:ext>
+                </a:extLst>
+              </a:tr>
+              <a:tr h="295716">
+                <a:tc>
+                  <a:txBody>
+                    <a:bodyPr/>
+                    <a:lstStyle/>
+                    <a:p>
+                      <a:r>
+                        <a:rPr lang="en-US" altLang="zh-CN" sz="1200" b="0" i="0" kern="1200" dirty="0" err="1">
+                          <a:solidFill>
+                            <a:schemeClr val="dk1"/>
+                          </a:solidFill>
+                          <a:effectLst/>
+                          <a:latin typeface="+mn-lt"/>
+                          <a:ea typeface="+mn-ea"/>
+                          <a:cs typeface="+mn-cs"/>
+                        </a:rPr>
+                        <a:t>Istio</a:t>
+                      </a:r>
+                      <a:r>
+                        <a:rPr lang="zh-CN" altLang="en-US" sz="1200" b="0" i="0" kern="1200" dirty="0">
+                          <a:solidFill>
+                            <a:schemeClr val="dk1"/>
+                          </a:solidFill>
+                          <a:effectLst/>
+                          <a:latin typeface="+mn-lt"/>
+                          <a:ea typeface="+mn-ea"/>
+                          <a:cs typeface="+mn-cs"/>
+                        </a:rPr>
+                        <a:t>的</a:t>
+                      </a:r>
+                      <a:r>
+                        <a:rPr lang="en-US" altLang="zh-CN" sz="1200" b="0" i="0" kern="1200" dirty="0" err="1">
+                          <a:solidFill>
+                            <a:schemeClr val="dk1"/>
+                          </a:solidFill>
+                          <a:effectLst/>
+                          <a:latin typeface="+mn-lt"/>
+                          <a:ea typeface="+mn-ea"/>
+                          <a:cs typeface="+mn-cs"/>
+                        </a:rPr>
+                        <a:t>Distroless</a:t>
+                      </a:r>
+                      <a:r>
+                        <a:rPr lang="zh-CN" altLang="en-US" sz="1200" b="0" i="0" kern="1200" dirty="0">
+                          <a:solidFill>
+                            <a:schemeClr val="dk1"/>
+                          </a:solidFill>
+                          <a:effectLst/>
+                          <a:latin typeface="+mn-lt"/>
+                          <a:ea typeface="+mn-ea"/>
+                          <a:cs typeface="+mn-cs"/>
+                        </a:rPr>
+                        <a:t>基本映像</a:t>
+                      </a:r>
+                      <a:endParaRPr lang="zh-CN" altLang="en-US" sz="1200" dirty="0"/>
+                    </a:p>
+                  </a:txBody>
+                  <a:tcPr/>
+                </a:tc>
+                <a:tc>
+                  <a:txBody>
+                    <a:bodyPr/>
+                    <a:lstStyle/>
+                    <a:p>
+                      <a:r>
+                        <a:rPr lang="en-US" altLang="zh-CN" sz="1200" b="0" i="0" kern="1200" dirty="0">
+                          <a:solidFill>
+                            <a:schemeClr val="dk1"/>
+                          </a:solidFill>
+                          <a:effectLst/>
+                          <a:latin typeface="+mn-lt"/>
+                          <a:ea typeface="+mn-ea"/>
+                          <a:cs typeface="+mn-cs"/>
+                        </a:rPr>
+                        <a:t>Alpha</a:t>
+                      </a:r>
+                      <a:endParaRPr lang="zh-CN" altLang="en-US" sz="1200" dirty="0"/>
+                    </a:p>
+                  </a:txBody>
+                  <a:tcPr/>
+                </a:tc>
+                <a:extLst>
+                  <a:ext uri="{0D108BD9-81ED-4DB2-BD59-A6C34878D82A}">
+                    <a16:rowId xmlns:a16="http://schemas.microsoft.com/office/drawing/2014/main" val="912210581"/>
+                  </a:ext>
+                </a:extLst>
+              </a:tr>
+            </a:tbl>
+          </a:graphicData>
+        </a:graphic>
+      </p:graphicFrame>
+      <p:sp>
+        <p:nvSpPr>
+          <p:cNvPr id="4" name="日期占位符 3">
+            <a:extLst>
+              <a:ext uri="{FF2B5EF4-FFF2-40B4-BE49-F238E27FC236}">
+                <a16:creationId xmlns:a16="http://schemas.microsoft.com/office/drawing/2014/main" id="{74EAE83B-8808-4E17-A602-1C37D97BFE4F}"/>
+              </a:ext>
+            </a:extLst>
+          </p:cNvPr>
+          <p:cNvSpPr>
+            <a:spLocks noGrp="1"/>
+          </p:cNvSpPr>
+          <p:nvPr>
+            <p:ph type="dt" sz="half" idx="10"/>
+          </p:nvPr>
+        </p:nvSpPr>
+        <p:spPr/>
+        <p:txBody>
+          <a:bodyPr/>
+          <a:lstStyle/>
+          <a:p>
+            <a:pPr rtl="0"/>
+            <a:fld id="{F24FFC25-0C05-49C8-B150-3CF6B89B5C55}" type="datetime1">
+              <a:rPr lang="zh-CN" altLang="en-US" smtClean="0"/>
+              <a:t>2020/4/10</a:t>
+            </a:fld>
+            <a:endParaRPr lang="en-US" dirty="0"/>
+          </a:p>
+        </p:txBody>
+      </p:sp>
+    </p:spTree>
+    <p:extLst>
+      <p:ext uri="{BB962C8B-B14F-4D97-AF65-F5344CB8AC3E}">
+        <p14:creationId xmlns:p14="http://schemas.microsoft.com/office/powerpoint/2010/main" val="2352451366"/>
       </p:ext>
     </p:extLst>
   </p:cSld>
@@ -16101,7 +17298,7 @@
           <p:cNvPr id="2" name="标题 1">
             <a:extLst>
               <a:ext uri="{FF2B5EF4-FFF2-40B4-BE49-F238E27FC236}">
-                <a16:creationId xmlns:a16="http://schemas.microsoft.com/office/drawing/2014/main" id="{A1FF17D5-669F-4314-91EB-01736BE5652A}"/>
+                <a16:creationId xmlns:a16="http://schemas.microsoft.com/office/drawing/2014/main" id="{DF9ED0A6-C639-4C20-AEED-0171194E7822}"/>
               </a:ext>
             </a:extLst>
           </p:cNvPr>
@@ -16112,1260 +17309,67 @@
             <p:ph type="title"/>
           </p:nvPr>
         </p:nvSpPr>
-        <p:spPr>
-          <a:xfrm>
-            <a:off x="581526" y="530706"/>
-            <a:ext cx="11029616" cy="669444"/>
-          </a:xfrm>
-        </p:spPr>
+        <p:spPr/>
         <p:txBody>
           <a:bodyPr/>
           <a:lstStyle/>
           <a:p>
             <a:r>
-              <a:rPr lang="zh-CN" altLang="en-US" dirty="0"/>
-              <a:t>核心基础组件</a:t>
-            </a:r>
+              <a:rPr lang="zh-CN" altLang="en-US" dirty="0">
+                <a:hlinkClick r:id="rId2" tooltip="如果使用服务网格，是否需要API网关？"/>
+              </a:rPr>
+              <a:t>如果使用服务网格，是否需要</a:t>
+            </a:r>
+            <a:r>
+              <a:rPr lang="en-US" altLang="zh-CN" dirty="0">
+                <a:hlinkClick r:id="rId2" tooltip="如果使用服务网格，是否需要API网关？"/>
+              </a:rPr>
+              <a:t>API</a:t>
+            </a:r>
+            <a:r>
+              <a:rPr lang="zh-CN" altLang="en-US" dirty="0">
+                <a:hlinkClick r:id="rId2" tooltip="如果使用服务网格，是否需要API网关？"/>
+              </a:rPr>
+              <a:t>网关？</a:t>
+            </a:r>
+            <a:br>
+              <a:rPr lang="zh-CN" altLang="en-US" dirty="0"/>
+            </a:br>
+            <a:endParaRPr lang="zh-CN" altLang="en-US" dirty="0"/>
           </a:p>
         </p:txBody>
       </p:sp>
-      <p:graphicFrame>
-        <p:nvGraphicFramePr>
-          <p:cNvPr id="5" name="表格 5">
+      <p:sp>
+        <p:nvSpPr>
+          <p:cNvPr id="3" name="内容占位符 2">
             <a:extLst>
               <a:ext uri="{FF2B5EF4-FFF2-40B4-BE49-F238E27FC236}">
-                <a16:creationId xmlns:a16="http://schemas.microsoft.com/office/drawing/2014/main" id="{F100FDD9-C9BF-4440-A377-A88EF9E5BE1D}"/>
+                <a16:creationId xmlns:a16="http://schemas.microsoft.com/office/drawing/2014/main" id="{21CD5E06-6813-463B-BC6F-AE041044FE28}"/>
               </a:ext>
             </a:extLst>
           </p:cNvPr>
-          <p:cNvGraphicFramePr>
-            <a:graphicFrameLocks noGrp="1"/>
-          </p:cNvGraphicFramePr>
+          <p:cNvSpPr>
+            <a:spLocks noGrp="1"/>
+          </p:cNvSpPr>
           <p:nvPr>
             <p:ph idx="1"/>
-            <p:extLst>
-              <p:ext uri="{D42A27DB-BD31-4B8C-83A1-F6EECF244321}">
-                <p14:modId xmlns:p14="http://schemas.microsoft.com/office/powerpoint/2010/main" val="2075952885"/>
-              </p:ext>
-            </p:extLst>
           </p:nvPr>
-        </p:nvGraphicFramePr>
-        <p:xfrm>
-          <a:off x="415925" y="1213544"/>
-          <a:ext cx="11029950" cy="5392932"/>
-        </p:xfrm>
-        <a:graphic>
-          <a:graphicData uri="http://schemas.openxmlformats.org/drawingml/2006/table">
-            <a:tbl>
-              <a:tblPr firstRow="1" bandRow="1">
-                <a:tableStyleId>{5C22544A-7EE6-4342-B048-85BDC9FD1C3A}</a:tableStyleId>
-              </a:tblPr>
-              <a:tblGrid>
-                <a:gridCol w="5514975">
-                  <a:extLst>
-                    <a:ext uri="{9D8B030D-6E8A-4147-A177-3AD203B41FA5}">
-                      <a16:colId xmlns:a16="http://schemas.microsoft.com/office/drawing/2014/main" val="2868141205"/>
-                    </a:ext>
-                  </a:extLst>
-                </a:gridCol>
-                <a:gridCol w="5514975">
-                  <a:extLst>
-                    <a:ext uri="{9D8B030D-6E8A-4147-A177-3AD203B41FA5}">
-                      <a16:colId xmlns:a16="http://schemas.microsoft.com/office/drawing/2014/main" val="914018687"/>
-                    </a:ext>
-                  </a:extLst>
-                </a:gridCol>
-              </a:tblGrid>
-              <a:tr h="295716">
-                <a:tc>
-                  <a:txBody>
-                    <a:bodyPr/>
-                    <a:lstStyle/>
-                    <a:p>
-                      <a:r>
-                        <a:rPr lang="zh-CN" altLang="en-US" dirty="0"/>
-                        <a:t>功能</a:t>
-                      </a:r>
-                    </a:p>
-                  </a:txBody>
-                  <a:tcPr/>
-                </a:tc>
-                <a:tc>
-                  <a:txBody>
-                    <a:bodyPr/>
-                    <a:lstStyle/>
-                    <a:p>
-                      <a:r>
-                        <a:rPr lang="zh-CN" altLang="en-US" dirty="0"/>
-                        <a:t>阶段</a:t>
-                      </a:r>
-                    </a:p>
-                  </a:txBody>
-                  <a:tcPr/>
-                </a:tc>
-                <a:extLst>
-                  <a:ext uri="{0D108BD9-81ED-4DB2-BD59-A6C34878D82A}">
-                    <a16:rowId xmlns:a16="http://schemas.microsoft.com/office/drawing/2014/main" val="4216912809"/>
-                  </a:ext>
-                </a:extLst>
-              </a:tr>
-              <a:tr h="295716">
-                <a:tc>
-                  <a:txBody>
-                    <a:bodyPr/>
-                    <a:lstStyle/>
-                    <a:p>
-                      <a:r>
-                        <a:rPr lang="en-US" altLang="zh-CN" sz="1200" b="0" i="0" kern="1200" dirty="0">
-                          <a:solidFill>
-                            <a:schemeClr val="dk1"/>
-                          </a:solidFill>
-                          <a:effectLst/>
-                          <a:latin typeface="+mn-lt"/>
-                          <a:ea typeface="+mn-ea"/>
-                          <a:cs typeface="+mn-cs"/>
-                        </a:rPr>
-                        <a:t>Kubernetes</a:t>
-                      </a:r>
-                      <a:r>
-                        <a:rPr lang="zh-CN" altLang="en-US" sz="1200" b="0" i="0" kern="1200" dirty="0">
-                          <a:solidFill>
-                            <a:schemeClr val="dk1"/>
-                          </a:solidFill>
-                          <a:effectLst/>
-                          <a:latin typeface="+mn-lt"/>
-                          <a:ea typeface="+mn-ea"/>
-                          <a:cs typeface="+mn-cs"/>
-                        </a:rPr>
-                        <a:t>：</a:t>
-                      </a:r>
-                      <a:r>
-                        <a:rPr lang="en-US" altLang="zh-CN" sz="1200" b="0" i="0" kern="1200" dirty="0">
-                          <a:solidFill>
-                            <a:schemeClr val="dk1"/>
-                          </a:solidFill>
-                          <a:effectLst/>
-                          <a:latin typeface="+mn-lt"/>
-                          <a:ea typeface="+mn-ea"/>
-                          <a:cs typeface="+mn-cs"/>
-                        </a:rPr>
-                        <a:t>Envoy</a:t>
-                      </a:r>
-                      <a:r>
-                        <a:rPr lang="zh-CN" altLang="en-US" sz="1200" b="0" i="0" kern="1200" dirty="0">
-                          <a:solidFill>
-                            <a:schemeClr val="dk1"/>
-                          </a:solidFill>
-                          <a:effectLst/>
-                          <a:latin typeface="+mn-lt"/>
-                          <a:ea typeface="+mn-ea"/>
-                          <a:cs typeface="+mn-cs"/>
-                        </a:rPr>
-                        <a:t>安装和流量拦截</a:t>
-                      </a:r>
-                      <a:endParaRPr lang="zh-CN" altLang="en-US" sz="1200" dirty="0"/>
-                    </a:p>
-                  </a:txBody>
-                  <a:tcPr/>
-                </a:tc>
-                <a:tc>
-                  <a:txBody>
-                    <a:bodyPr/>
-                    <a:lstStyle/>
-                    <a:p>
-                      <a:r>
-                        <a:rPr lang="en-US" altLang="zh-CN" sz="1200" b="0" i="0" kern="1200" dirty="0">
-                          <a:solidFill>
-                            <a:schemeClr val="dk1"/>
-                          </a:solidFill>
-                          <a:effectLst/>
-                          <a:latin typeface="+mn-lt"/>
-                          <a:ea typeface="+mn-ea"/>
-                          <a:cs typeface="+mn-cs"/>
-                        </a:rPr>
-                        <a:t>Stable</a:t>
-                      </a:r>
-                      <a:endParaRPr lang="zh-CN" altLang="en-US" sz="1200" dirty="0"/>
-                    </a:p>
-                  </a:txBody>
-                  <a:tcPr/>
-                </a:tc>
-                <a:extLst>
-                  <a:ext uri="{0D108BD9-81ED-4DB2-BD59-A6C34878D82A}">
-                    <a16:rowId xmlns:a16="http://schemas.microsoft.com/office/drawing/2014/main" val="1765276749"/>
-                  </a:ext>
-                </a:extLst>
-              </a:tr>
-              <a:tr h="295716">
-                <a:tc>
-                  <a:txBody>
-                    <a:bodyPr/>
-                    <a:lstStyle/>
-                    <a:p>
-                      <a:r>
-                        <a:rPr lang="en-US" altLang="zh-CN" sz="1200" b="0" i="0" kern="1200" dirty="0">
-                          <a:solidFill>
-                            <a:schemeClr val="dk1"/>
-                          </a:solidFill>
-                          <a:effectLst/>
-                          <a:latin typeface="+mn-lt"/>
-                          <a:ea typeface="+mn-ea"/>
-                          <a:cs typeface="+mn-cs"/>
-                        </a:rPr>
-                        <a:t>Kubernetes</a:t>
-                      </a:r>
-                      <a:r>
-                        <a:rPr lang="zh-CN" altLang="en-US" sz="1200" b="0" i="0" kern="1200" dirty="0">
-                          <a:solidFill>
-                            <a:schemeClr val="dk1"/>
-                          </a:solidFill>
-                          <a:effectLst/>
-                          <a:latin typeface="+mn-lt"/>
-                          <a:ea typeface="+mn-ea"/>
-                          <a:cs typeface="+mn-cs"/>
-                        </a:rPr>
-                        <a:t>：</a:t>
-                      </a:r>
-                      <a:r>
-                        <a:rPr lang="en-US" altLang="zh-CN" sz="1200" b="0" i="0" kern="1200" dirty="0" err="1">
-                          <a:solidFill>
-                            <a:schemeClr val="dk1"/>
-                          </a:solidFill>
-                          <a:effectLst/>
-                          <a:latin typeface="+mn-lt"/>
-                          <a:ea typeface="+mn-ea"/>
-                          <a:cs typeface="+mn-cs"/>
-                        </a:rPr>
-                        <a:t>Istio</a:t>
-                      </a:r>
-                      <a:r>
-                        <a:rPr lang="zh-CN" altLang="en-US" sz="1200" b="0" i="0" kern="1200" dirty="0">
-                          <a:solidFill>
-                            <a:schemeClr val="dk1"/>
-                          </a:solidFill>
-                          <a:effectLst/>
-                          <a:latin typeface="+mn-lt"/>
-                          <a:ea typeface="+mn-ea"/>
-                          <a:cs typeface="+mn-cs"/>
-                        </a:rPr>
-                        <a:t>控制平面安装</a:t>
-                      </a:r>
-                      <a:endParaRPr lang="zh-CN" altLang="en-US" sz="1200" dirty="0"/>
-                    </a:p>
-                  </a:txBody>
-                  <a:tcPr/>
-                </a:tc>
-                <a:tc>
-                  <a:txBody>
-                    <a:bodyPr/>
-                    <a:lstStyle/>
-                    <a:p>
-                      <a:r>
-                        <a:rPr lang="en-US" altLang="zh-CN" sz="1200" b="0" i="0" kern="1200" dirty="0">
-                          <a:solidFill>
-                            <a:schemeClr val="dk1"/>
-                          </a:solidFill>
-                          <a:effectLst/>
-                          <a:latin typeface="+mn-lt"/>
-                          <a:ea typeface="+mn-ea"/>
-                          <a:cs typeface="+mn-cs"/>
-                        </a:rPr>
-                        <a:t>Stable</a:t>
-                      </a:r>
-                      <a:endParaRPr lang="zh-CN" altLang="en-US" sz="1200" dirty="0"/>
-                    </a:p>
-                  </a:txBody>
-                  <a:tcPr/>
-                </a:tc>
-                <a:extLst>
-                  <a:ext uri="{0D108BD9-81ED-4DB2-BD59-A6C34878D82A}">
-                    <a16:rowId xmlns:a16="http://schemas.microsoft.com/office/drawing/2014/main" val="1924863888"/>
-                  </a:ext>
-                </a:extLst>
-              </a:tr>
-              <a:tr h="295716">
-                <a:tc>
-                  <a:txBody>
-                    <a:bodyPr/>
-                    <a:lstStyle/>
-                    <a:p>
-                      <a:r>
-                        <a:rPr lang="zh-CN" altLang="en-US" sz="1200" b="0" i="0" kern="1200" dirty="0">
-                          <a:solidFill>
-                            <a:schemeClr val="dk1"/>
-                          </a:solidFill>
-                          <a:effectLst/>
-                          <a:latin typeface="+mn-lt"/>
-                          <a:ea typeface="+mn-ea"/>
-                          <a:cs typeface="+mn-cs"/>
-                        </a:rPr>
-                        <a:t>属性表达式语言</a:t>
-                      </a:r>
-                      <a:endParaRPr lang="zh-CN" altLang="en-US" sz="1200" dirty="0"/>
-                    </a:p>
-                  </a:txBody>
-                  <a:tcPr/>
-                </a:tc>
-                <a:tc>
-                  <a:txBody>
-                    <a:bodyPr/>
-                    <a:lstStyle/>
-                    <a:p>
-                      <a:r>
-                        <a:rPr lang="en-US" altLang="zh-CN" sz="1200" b="0" i="0" kern="1200" dirty="0">
-                          <a:solidFill>
-                            <a:schemeClr val="dk1"/>
-                          </a:solidFill>
-                          <a:effectLst/>
-                          <a:latin typeface="+mn-lt"/>
-                          <a:ea typeface="+mn-ea"/>
-                          <a:cs typeface="+mn-cs"/>
-                        </a:rPr>
-                        <a:t>Stable</a:t>
-                      </a:r>
-                      <a:endParaRPr lang="zh-CN" altLang="en-US" sz="1200" dirty="0"/>
-                    </a:p>
-                  </a:txBody>
-                  <a:tcPr/>
-                </a:tc>
-                <a:extLst>
-                  <a:ext uri="{0D108BD9-81ED-4DB2-BD59-A6C34878D82A}">
-                    <a16:rowId xmlns:a16="http://schemas.microsoft.com/office/drawing/2014/main" val="1918660443"/>
-                  </a:ext>
-                </a:extLst>
-              </a:tr>
-              <a:tr h="295716">
-                <a:tc>
-                  <a:txBody>
-                    <a:bodyPr/>
-                    <a:lstStyle/>
-                    <a:p>
-                      <a:r>
-                        <a:rPr lang="en-US" altLang="zh-CN" sz="1200" b="0" i="0" kern="1200" dirty="0">
-                          <a:solidFill>
-                            <a:schemeClr val="dk1"/>
-                          </a:solidFill>
-                          <a:effectLst/>
-                          <a:latin typeface="+mn-lt"/>
-                          <a:ea typeface="+mn-ea"/>
-                          <a:cs typeface="+mn-cs"/>
-                        </a:rPr>
-                        <a:t>Standalone Operator</a:t>
-                      </a:r>
-                      <a:endParaRPr lang="zh-CN" altLang="en-US" sz="1200" dirty="0"/>
-                    </a:p>
-                  </a:txBody>
-                  <a:tcPr/>
-                </a:tc>
-                <a:tc>
-                  <a:txBody>
-                    <a:bodyPr/>
-                    <a:lstStyle/>
-                    <a:p>
-                      <a:r>
-                        <a:rPr lang="en-US" altLang="zh-CN" sz="1200" b="0" i="0" kern="1200" dirty="0">
-                          <a:solidFill>
-                            <a:schemeClr val="dk1"/>
-                          </a:solidFill>
-                          <a:effectLst/>
-                          <a:latin typeface="+mn-lt"/>
-                          <a:ea typeface="+mn-ea"/>
-                          <a:cs typeface="+mn-cs"/>
-                        </a:rPr>
-                        <a:t>Alpha</a:t>
-                      </a:r>
-                      <a:endParaRPr lang="zh-CN" altLang="en-US" sz="1200" dirty="0"/>
-                    </a:p>
-                  </a:txBody>
-                  <a:tcPr/>
-                </a:tc>
-                <a:extLst>
-                  <a:ext uri="{0D108BD9-81ED-4DB2-BD59-A6C34878D82A}">
-                    <a16:rowId xmlns:a16="http://schemas.microsoft.com/office/drawing/2014/main" val="2077965546"/>
-                  </a:ext>
-                </a:extLst>
-              </a:tr>
-              <a:tr h="295716">
-                <a:tc>
-                  <a:txBody>
-                    <a:bodyPr/>
-                    <a:lstStyle/>
-                    <a:p>
-                      <a:r>
-                        <a:rPr lang="zh-CN" altLang="en-US" sz="1200" b="0" i="0" kern="1200" dirty="0">
-                          <a:solidFill>
-                            <a:schemeClr val="dk1"/>
-                          </a:solidFill>
-                          <a:effectLst/>
-                          <a:latin typeface="+mn-lt"/>
-                          <a:ea typeface="+mn-ea"/>
-                          <a:cs typeface="+mn-cs"/>
-                        </a:rPr>
-                        <a:t>混合器进程外适配器创作模型</a:t>
-                      </a:r>
-                      <a:endParaRPr lang="zh-CN" altLang="en-US" sz="1200" dirty="0"/>
-                    </a:p>
-                  </a:txBody>
-                  <a:tcPr/>
-                </a:tc>
-                <a:tc>
-                  <a:txBody>
-                    <a:bodyPr/>
-                    <a:lstStyle/>
-                    <a:p>
-                      <a:r>
-                        <a:rPr lang="en-US" altLang="zh-CN" sz="1200" b="0" i="0" kern="1200" dirty="0">
-                          <a:solidFill>
-                            <a:schemeClr val="dk1"/>
-                          </a:solidFill>
-                          <a:effectLst/>
-                          <a:latin typeface="+mn-lt"/>
-                          <a:ea typeface="+mn-ea"/>
-                          <a:cs typeface="+mn-cs"/>
-                        </a:rPr>
-                        <a:t>Beta</a:t>
-                      </a:r>
-                      <a:endParaRPr lang="zh-CN" altLang="en-US" sz="1200" dirty="0"/>
-                    </a:p>
-                  </a:txBody>
-                  <a:tcPr/>
-                </a:tc>
-                <a:extLst>
-                  <a:ext uri="{0D108BD9-81ED-4DB2-BD59-A6C34878D82A}">
-                    <a16:rowId xmlns:a16="http://schemas.microsoft.com/office/drawing/2014/main" val="928013699"/>
-                  </a:ext>
-                </a:extLst>
-              </a:tr>
-              <a:tr h="295716">
-                <a:tc>
-                  <a:txBody>
-                    <a:bodyPr/>
-                    <a:lstStyle/>
-                    <a:p>
-                      <a:r>
-                        <a:rPr lang="en-US" altLang="zh-CN" sz="1200" dirty="0"/>
-                        <a:t>Helm</a:t>
-                      </a:r>
-                      <a:endParaRPr lang="zh-CN" altLang="en-US" sz="1200" dirty="0"/>
-                    </a:p>
-                  </a:txBody>
-                  <a:tcPr/>
-                </a:tc>
-                <a:tc>
-                  <a:txBody>
-                    <a:bodyPr/>
-                    <a:lstStyle/>
-                    <a:p>
-                      <a:r>
-                        <a:rPr lang="en-US" altLang="zh-CN" sz="1200" b="0" i="0" kern="1200" dirty="0">
-                          <a:solidFill>
-                            <a:schemeClr val="dk1"/>
-                          </a:solidFill>
-                          <a:effectLst/>
-                          <a:latin typeface="+mn-lt"/>
-                          <a:ea typeface="+mn-ea"/>
-                          <a:cs typeface="+mn-cs"/>
-                        </a:rPr>
-                        <a:t>Beta</a:t>
-                      </a:r>
-                      <a:endParaRPr lang="zh-CN" altLang="en-US" sz="1200" dirty="0"/>
-                    </a:p>
-                  </a:txBody>
-                  <a:tcPr/>
-                </a:tc>
-                <a:extLst>
-                  <a:ext uri="{0D108BD9-81ED-4DB2-BD59-A6C34878D82A}">
-                    <a16:rowId xmlns:a16="http://schemas.microsoft.com/office/drawing/2014/main" val="2163357051"/>
-                  </a:ext>
-                </a:extLst>
-              </a:tr>
-              <a:tr h="295716">
-                <a:tc>
-                  <a:txBody>
-                    <a:bodyPr/>
-                    <a:lstStyle/>
-                    <a:p>
-                      <a:r>
-                        <a:rPr lang="zh-CN" altLang="en-US" sz="1200" b="0" i="0" kern="1200" dirty="0">
-                          <a:solidFill>
-                            <a:schemeClr val="dk1"/>
-                          </a:solidFill>
-                          <a:effectLst/>
-                          <a:latin typeface="+mn-lt"/>
-                          <a:ea typeface="+mn-ea"/>
-                          <a:cs typeface="+mn-cs"/>
-                        </a:rPr>
-                        <a:t>基于</a:t>
-                      </a:r>
-                      <a:r>
-                        <a:rPr lang="en-US" altLang="zh-CN" sz="1200" b="0" i="0" kern="1200" dirty="0">
-                          <a:solidFill>
-                            <a:schemeClr val="dk1"/>
-                          </a:solidFill>
-                          <a:effectLst/>
-                          <a:latin typeface="+mn-lt"/>
-                          <a:ea typeface="+mn-ea"/>
-                          <a:cs typeface="+mn-cs"/>
-                        </a:rPr>
-                        <a:t>VPN</a:t>
-                      </a:r>
-                      <a:r>
-                        <a:rPr lang="zh-CN" altLang="en-US" sz="1200" b="0" i="0" kern="1200" dirty="0">
-                          <a:solidFill>
-                            <a:schemeClr val="dk1"/>
-                          </a:solidFill>
-                          <a:effectLst/>
-                          <a:latin typeface="+mn-lt"/>
-                          <a:ea typeface="+mn-ea"/>
-                          <a:cs typeface="+mn-cs"/>
-                        </a:rPr>
-                        <a:t>的多集群网格</a:t>
-                      </a:r>
-                      <a:endParaRPr lang="zh-CN" altLang="en-US" sz="1200" dirty="0"/>
-                    </a:p>
-                  </a:txBody>
-                  <a:tcPr/>
-                </a:tc>
-                <a:tc>
-                  <a:txBody>
-                    <a:bodyPr/>
-                    <a:lstStyle/>
-                    <a:p>
-                      <a:r>
-                        <a:rPr lang="en-US" altLang="zh-CN" sz="1200" b="0" i="0" kern="1200" dirty="0">
-                          <a:solidFill>
-                            <a:schemeClr val="dk1"/>
-                          </a:solidFill>
-                          <a:effectLst/>
-                          <a:latin typeface="+mn-lt"/>
-                          <a:ea typeface="+mn-ea"/>
-                          <a:cs typeface="+mn-cs"/>
-                        </a:rPr>
-                        <a:t>Alpha</a:t>
-                      </a:r>
-                      <a:endParaRPr lang="zh-CN" altLang="en-US" sz="1200" dirty="0"/>
-                    </a:p>
-                  </a:txBody>
-                  <a:tcPr/>
-                </a:tc>
-                <a:extLst>
-                  <a:ext uri="{0D108BD9-81ED-4DB2-BD59-A6C34878D82A}">
-                    <a16:rowId xmlns:a16="http://schemas.microsoft.com/office/drawing/2014/main" val="1106054437"/>
-                  </a:ext>
-                </a:extLst>
-              </a:tr>
-              <a:tr h="295716">
-                <a:tc>
-                  <a:txBody>
-                    <a:bodyPr/>
-                    <a:lstStyle/>
-                    <a:p>
-                      <a:r>
-                        <a:rPr lang="en-US" altLang="zh-CN" sz="1200" b="0" i="0" kern="1200" dirty="0">
-                          <a:solidFill>
-                            <a:schemeClr val="dk1"/>
-                          </a:solidFill>
-                          <a:effectLst/>
-                          <a:latin typeface="+mn-lt"/>
-                          <a:ea typeface="+mn-ea"/>
-                          <a:cs typeface="+mn-cs"/>
-                        </a:rPr>
-                        <a:t>Kubernetes</a:t>
-                      </a:r>
-                      <a:r>
-                        <a:rPr lang="zh-CN" altLang="en-US" sz="1200" b="0" i="0" kern="1200" dirty="0">
-                          <a:solidFill>
-                            <a:schemeClr val="dk1"/>
-                          </a:solidFill>
-                          <a:effectLst/>
-                          <a:latin typeface="+mn-lt"/>
-                          <a:ea typeface="+mn-ea"/>
-                          <a:cs typeface="+mn-cs"/>
-                        </a:rPr>
-                        <a:t>：</a:t>
-                      </a:r>
-                      <a:r>
-                        <a:rPr lang="en-US" altLang="zh-CN" sz="1200" b="0" i="0" kern="1200" dirty="0" err="1">
-                          <a:solidFill>
-                            <a:schemeClr val="dk1"/>
-                          </a:solidFill>
-                          <a:effectLst/>
-                          <a:latin typeface="+mn-lt"/>
-                          <a:ea typeface="+mn-ea"/>
-                          <a:cs typeface="+mn-cs"/>
-                        </a:rPr>
-                        <a:t>Istio</a:t>
-                      </a:r>
-                      <a:r>
-                        <a:rPr lang="zh-CN" altLang="en-US" sz="1200" b="0" i="0" kern="1200" dirty="0">
-                          <a:solidFill>
-                            <a:schemeClr val="dk1"/>
-                          </a:solidFill>
-                          <a:effectLst/>
-                          <a:latin typeface="+mn-lt"/>
-                          <a:ea typeface="+mn-ea"/>
-                          <a:cs typeface="+mn-cs"/>
-                        </a:rPr>
-                        <a:t>控制平面升级</a:t>
-                      </a:r>
-                      <a:endParaRPr lang="zh-CN" altLang="en-US" sz="1200" dirty="0"/>
-                    </a:p>
-                  </a:txBody>
-                  <a:tcPr/>
-                </a:tc>
-                <a:tc>
-                  <a:txBody>
-                    <a:bodyPr/>
-                    <a:lstStyle/>
-                    <a:p>
-                      <a:r>
-                        <a:rPr lang="en-US" altLang="zh-CN" sz="1200" b="0" i="0" kern="1200" dirty="0">
-                          <a:solidFill>
-                            <a:schemeClr val="dk1"/>
-                          </a:solidFill>
-                          <a:effectLst/>
-                          <a:latin typeface="+mn-lt"/>
-                          <a:ea typeface="+mn-ea"/>
-                          <a:cs typeface="+mn-cs"/>
-                        </a:rPr>
-                        <a:t>Beta</a:t>
-                      </a:r>
-                      <a:endParaRPr lang="zh-CN" altLang="en-US" sz="1200" dirty="0"/>
-                    </a:p>
-                  </a:txBody>
-                  <a:tcPr/>
-                </a:tc>
-                <a:extLst>
-                  <a:ext uri="{0D108BD9-81ED-4DB2-BD59-A6C34878D82A}">
-                    <a16:rowId xmlns:a16="http://schemas.microsoft.com/office/drawing/2014/main" val="2572359075"/>
-                  </a:ext>
-                </a:extLst>
-              </a:tr>
-              <a:tr h="295716">
-                <a:tc>
-                  <a:txBody>
-                    <a:bodyPr/>
-                    <a:lstStyle/>
-                    <a:p>
-                      <a:r>
-                        <a:rPr lang="en-US" altLang="zh-CN" sz="1200" b="0" i="0" kern="1200" dirty="0">
-                          <a:solidFill>
-                            <a:schemeClr val="dk1"/>
-                          </a:solidFill>
-                          <a:effectLst/>
-                          <a:latin typeface="+mn-lt"/>
-                          <a:ea typeface="+mn-ea"/>
-                          <a:cs typeface="+mn-cs"/>
-                        </a:rPr>
-                        <a:t>Consul</a:t>
-                      </a:r>
-                      <a:r>
-                        <a:rPr lang="zh-CN" altLang="en-US" sz="1200" b="0" i="0" kern="1200" dirty="0">
-                          <a:solidFill>
-                            <a:schemeClr val="dk1"/>
-                          </a:solidFill>
-                          <a:effectLst/>
-                          <a:latin typeface="+mn-lt"/>
-                          <a:ea typeface="+mn-ea"/>
-                          <a:cs typeface="+mn-cs"/>
-                        </a:rPr>
-                        <a:t>集成</a:t>
-                      </a:r>
-                      <a:endParaRPr lang="zh-CN" altLang="en-US" sz="1200" dirty="0"/>
-                    </a:p>
-                  </a:txBody>
-                  <a:tcPr/>
-                </a:tc>
-                <a:tc>
-                  <a:txBody>
-                    <a:bodyPr/>
-                    <a:lstStyle/>
-                    <a:p>
-                      <a:r>
-                        <a:rPr lang="en-US" altLang="zh-CN" sz="1200" b="0" i="0" kern="1200" dirty="0">
-                          <a:solidFill>
-                            <a:schemeClr val="dk1"/>
-                          </a:solidFill>
-                          <a:effectLst/>
-                          <a:latin typeface="+mn-lt"/>
-                          <a:ea typeface="+mn-ea"/>
-                          <a:cs typeface="+mn-cs"/>
-                        </a:rPr>
-                        <a:t>Alpha</a:t>
-                      </a:r>
-                      <a:endParaRPr lang="zh-CN" altLang="en-US" sz="1200" dirty="0"/>
-                    </a:p>
-                  </a:txBody>
-                  <a:tcPr/>
-                </a:tc>
-                <a:extLst>
-                  <a:ext uri="{0D108BD9-81ED-4DB2-BD59-A6C34878D82A}">
-                    <a16:rowId xmlns:a16="http://schemas.microsoft.com/office/drawing/2014/main" val="378438033"/>
-                  </a:ext>
-                </a:extLst>
-              </a:tr>
-              <a:tr h="295716">
-                <a:tc>
-                  <a:txBody>
-                    <a:bodyPr/>
-                    <a:lstStyle/>
-                    <a:p>
-                      <a:r>
-                        <a:rPr lang="zh-CN" altLang="en-US" sz="1200" b="0" i="0" kern="1200" dirty="0">
-                          <a:solidFill>
-                            <a:schemeClr val="dk1"/>
-                          </a:solidFill>
-                          <a:effectLst/>
-                          <a:latin typeface="+mn-lt"/>
-                          <a:ea typeface="+mn-ea"/>
-                          <a:cs typeface="+mn-cs"/>
-                        </a:rPr>
-                        <a:t>基本配置资源验证</a:t>
-                      </a:r>
-                      <a:endParaRPr lang="zh-CN" altLang="en-US" sz="1200" dirty="0"/>
-                    </a:p>
-                  </a:txBody>
-                  <a:tcPr/>
-                </a:tc>
-                <a:tc>
-                  <a:txBody>
-                    <a:bodyPr/>
-                    <a:lstStyle/>
-                    <a:p>
-                      <a:r>
-                        <a:rPr lang="en-US" altLang="zh-CN" sz="1200" b="0" i="0" kern="1200" dirty="0">
-                          <a:solidFill>
-                            <a:schemeClr val="dk1"/>
-                          </a:solidFill>
-                          <a:effectLst/>
-                          <a:latin typeface="+mn-lt"/>
-                          <a:ea typeface="+mn-ea"/>
-                          <a:cs typeface="+mn-cs"/>
-                        </a:rPr>
-                        <a:t>Beta</a:t>
-                      </a:r>
-                      <a:endParaRPr lang="zh-CN" altLang="en-US" sz="1200" dirty="0"/>
-                    </a:p>
-                  </a:txBody>
-                  <a:tcPr/>
-                </a:tc>
-                <a:extLst>
-                  <a:ext uri="{0D108BD9-81ED-4DB2-BD59-A6C34878D82A}">
-                    <a16:rowId xmlns:a16="http://schemas.microsoft.com/office/drawing/2014/main" val="699560111"/>
-                  </a:ext>
-                </a:extLst>
-              </a:tr>
-              <a:tr h="295716">
-                <a:tc>
-                  <a:txBody>
-                    <a:bodyPr/>
-                    <a:lstStyle/>
-                    <a:p>
-                      <a:r>
-                        <a:rPr lang="zh-CN" altLang="en-US" sz="1200" b="0" i="0" kern="1200" dirty="0">
-                          <a:solidFill>
-                            <a:schemeClr val="dk1"/>
-                          </a:solidFill>
-                          <a:effectLst/>
-                          <a:latin typeface="+mn-lt"/>
-                          <a:ea typeface="+mn-ea"/>
-                          <a:cs typeface="+mn-cs"/>
-                        </a:rPr>
-                        <a:t>使用</a:t>
-                      </a:r>
-                      <a:r>
-                        <a:rPr lang="en-US" altLang="zh-CN" sz="1200" b="0" i="0" kern="1200" dirty="0">
-                          <a:solidFill>
-                            <a:schemeClr val="dk1"/>
-                          </a:solidFill>
-                          <a:effectLst/>
-                          <a:latin typeface="+mn-lt"/>
-                          <a:ea typeface="+mn-ea"/>
-                          <a:cs typeface="+mn-cs"/>
-                        </a:rPr>
-                        <a:t>Galley</a:t>
-                      </a:r>
-                      <a:r>
-                        <a:rPr lang="zh-CN" altLang="en-US" sz="1200" b="0" i="0" kern="1200" dirty="0">
-                          <a:solidFill>
-                            <a:schemeClr val="dk1"/>
-                          </a:solidFill>
-                          <a:effectLst/>
-                          <a:latin typeface="+mn-lt"/>
-                          <a:ea typeface="+mn-ea"/>
-                          <a:cs typeface="+mn-cs"/>
-                        </a:rPr>
-                        <a:t>进行配置处理</a:t>
-                      </a:r>
-                      <a:endParaRPr lang="zh-CN" altLang="en-US" sz="1200" dirty="0"/>
-                    </a:p>
-                  </a:txBody>
-                  <a:tcPr/>
-                </a:tc>
-                <a:tc>
-                  <a:txBody>
-                    <a:bodyPr/>
-                    <a:lstStyle/>
-                    <a:p>
-                      <a:r>
-                        <a:rPr lang="en-US" altLang="zh-CN" sz="1200" b="0" i="0" kern="1200" dirty="0">
-                          <a:solidFill>
-                            <a:schemeClr val="dk1"/>
-                          </a:solidFill>
-                          <a:effectLst/>
-                          <a:latin typeface="+mn-lt"/>
-                          <a:ea typeface="+mn-ea"/>
-                          <a:cs typeface="+mn-cs"/>
-                        </a:rPr>
-                        <a:t>Beta</a:t>
-                      </a:r>
-                      <a:endParaRPr lang="zh-CN" altLang="en-US" sz="1200" dirty="0"/>
-                    </a:p>
-                  </a:txBody>
-                  <a:tcPr/>
-                </a:tc>
-                <a:extLst>
-                  <a:ext uri="{0D108BD9-81ED-4DB2-BD59-A6C34878D82A}">
-                    <a16:rowId xmlns:a16="http://schemas.microsoft.com/office/drawing/2014/main" val="499364727"/>
-                  </a:ext>
-                </a:extLst>
-              </a:tr>
-              <a:tr h="295716">
-                <a:tc>
-                  <a:txBody>
-                    <a:bodyPr/>
-                    <a:lstStyle/>
-                    <a:p>
-                      <a:r>
-                        <a:rPr lang="zh-CN" altLang="en-US" sz="1200" b="0" i="0" kern="1200" dirty="0">
-                          <a:solidFill>
-                            <a:schemeClr val="dk1"/>
-                          </a:solidFill>
-                          <a:effectLst/>
-                          <a:latin typeface="+mn-lt"/>
-                          <a:ea typeface="+mn-ea"/>
-                          <a:cs typeface="+mn-cs"/>
-                        </a:rPr>
-                        <a:t>混合器的自我监控</a:t>
-                      </a:r>
-                      <a:endParaRPr lang="zh-CN" altLang="en-US" sz="1200" dirty="0"/>
-                    </a:p>
-                  </a:txBody>
-                  <a:tcPr/>
-                </a:tc>
-                <a:tc>
-                  <a:txBody>
-                    <a:bodyPr/>
-                    <a:lstStyle/>
-                    <a:p>
-                      <a:r>
-                        <a:rPr lang="en-US" altLang="zh-CN" sz="1200" b="0" i="0" kern="1200" dirty="0">
-                          <a:solidFill>
-                            <a:schemeClr val="dk1"/>
-                          </a:solidFill>
-                          <a:effectLst/>
-                          <a:latin typeface="+mn-lt"/>
-                          <a:ea typeface="+mn-ea"/>
-                          <a:cs typeface="+mn-cs"/>
-                        </a:rPr>
-                        <a:t>Beta</a:t>
-                      </a:r>
-                      <a:endParaRPr lang="zh-CN" altLang="en-US" sz="1200" dirty="0"/>
-                    </a:p>
-                  </a:txBody>
-                  <a:tcPr/>
-                </a:tc>
-                <a:extLst>
-                  <a:ext uri="{0D108BD9-81ED-4DB2-BD59-A6C34878D82A}">
-                    <a16:rowId xmlns:a16="http://schemas.microsoft.com/office/drawing/2014/main" val="3495468831"/>
-                  </a:ext>
-                </a:extLst>
-              </a:tr>
-              <a:tr h="295716">
-                <a:tc>
-                  <a:txBody>
-                    <a:bodyPr/>
-                    <a:lstStyle/>
-                    <a:p>
-                      <a:r>
-                        <a:rPr lang="zh-CN" altLang="en-US" sz="1200" b="0" i="0" kern="1200" dirty="0">
-                          <a:solidFill>
-                            <a:schemeClr val="dk1"/>
-                          </a:solidFill>
-                          <a:effectLst/>
-                          <a:latin typeface="+mn-lt"/>
-                          <a:ea typeface="+mn-ea"/>
-                          <a:cs typeface="+mn-cs"/>
-                        </a:rPr>
-                        <a:t>自定义混合器模型构建</a:t>
-                      </a:r>
-                      <a:endParaRPr lang="zh-CN" altLang="en-US" sz="1200" dirty="0"/>
-                    </a:p>
-                  </a:txBody>
-                  <a:tcPr/>
-                </a:tc>
-                <a:tc>
-                  <a:txBody>
-                    <a:bodyPr/>
-                    <a:lstStyle/>
-                    <a:p>
-                      <a:r>
-                        <a:rPr lang="en-US" altLang="zh-CN" sz="1200" b="0" i="0" kern="1200" dirty="0">
-                          <a:solidFill>
-                            <a:schemeClr val="dk1"/>
-                          </a:solidFill>
-                          <a:effectLst/>
-                          <a:latin typeface="+mn-lt"/>
-                          <a:ea typeface="+mn-ea"/>
-                          <a:cs typeface="+mn-cs"/>
-                        </a:rPr>
-                        <a:t>deprecated</a:t>
-                      </a:r>
-                      <a:endParaRPr lang="zh-CN" altLang="en-US" sz="1200" dirty="0"/>
-                    </a:p>
-                  </a:txBody>
-                  <a:tcPr/>
-                </a:tc>
-                <a:extLst>
-                  <a:ext uri="{0D108BD9-81ED-4DB2-BD59-A6C34878D82A}">
-                    <a16:rowId xmlns:a16="http://schemas.microsoft.com/office/drawing/2014/main" val="1763465826"/>
-                  </a:ext>
-                </a:extLst>
-              </a:tr>
-              <a:tr h="295716">
-                <a:tc>
-                  <a:txBody>
-                    <a:bodyPr/>
-                    <a:lstStyle/>
-                    <a:p>
-                      <a:r>
-                        <a:rPr lang="zh-CN" altLang="en-US" sz="1200" b="0" i="0" kern="1200" dirty="0">
-                          <a:solidFill>
-                            <a:schemeClr val="dk1"/>
-                          </a:solidFill>
-                          <a:effectLst/>
-                          <a:latin typeface="+mn-lt"/>
-                          <a:ea typeface="+mn-ea"/>
-                          <a:cs typeface="+mn-cs"/>
-                        </a:rPr>
-                        <a:t>进程外混合器适配器（</a:t>
-                      </a:r>
-                      <a:r>
-                        <a:rPr lang="en-US" altLang="zh-CN" sz="1200" b="0" i="0" kern="1200" dirty="0" err="1">
-                          <a:solidFill>
-                            <a:schemeClr val="dk1"/>
-                          </a:solidFill>
-                          <a:effectLst/>
-                          <a:latin typeface="+mn-lt"/>
-                          <a:ea typeface="+mn-ea"/>
-                          <a:cs typeface="+mn-cs"/>
-                        </a:rPr>
-                        <a:t>gRPC</a:t>
-                      </a:r>
-                      <a:r>
-                        <a:rPr lang="zh-CN" altLang="en-US" sz="1200" b="0" i="0" kern="1200" dirty="0">
-                          <a:solidFill>
-                            <a:schemeClr val="dk1"/>
-                          </a:solidFill>
-                          <a:effectLst/>
-                          <a:latin typeface="+mn-lt"/>
-                          <a:ea typeface="+mn-ea"/>
-                          <a:cs typeface="+mn-cs"/>
-                        </a:rPr>
-                        <a:t>适配器）</a:t>
-                      </a:r>
-                      <a:endParaRPr lang="zh-CN" altLang="en-US" sz="1200" dirty="0"/>
-                    </a:p>
-                  </a:txBody>
-                  <a:tcPr/>
-                </a:tc>
-                <a:tc>
-                  <a:txBody>
-                    <a:bodyPr/>
-                    <a:lstStyle/>
-                    <a:p>
-                      <a:r>
-                        <a:rPr lang="en-US" altLang="zh-CN" sz="1200" b="0" i="0" kern="1200" dirty="0">
-                          <a:solidFill>
-                            <a:schemeClr val="dk1"/>
-                          </a:solidFill>
-                          <a:effectLst/>
-                          <a:latin typeface="+mn-lt"/>
-                          <a:ea typeface="+mn-ea"/>
-                          <a:cs typeface="+mn-cs"/>
-                        </a:rPr>
-                        <a:t>Beta</a:t>
-                      </a:r>
-                      <a:endParaRPr lang="zh-CN" altLang="en-US" sz="1200" dirty="0"/>
-                    </a:p>
-                  </a:txBody>
-                  <a:tcPr/>
-                </a:tc>
-                <a:extLst>
-                  <a:ext uri="{0D108BD9-81ED-4DB2-BD59-A6C34878D82A}">
-                    <a16:rowId xmlns:a16="http://schemas.microsoft.com/office/drawing/2014/main" val="2360489437"/>
-                  </a:ext>
-                </a:extLst>
-              </a:tr>
-              <a:tr h="295716">
-                <a:tc>
-                  <a:txBody>
-                    <a:bodyPr/>
-                    <a:lstStyle/>
-                    <a:p>
-                      <a:r>
-                        <a:rPr lang="en-US" altLang="zh-CN" sz="1200" b="0" i="0" kern="1200" dirty="0" err="1">
-                          <a:solidFill>
-                            <a:schemeClr val="dk1"/>
-                          </a:solidFill>
-                          <a:effectLst/>
-                          <a:latin typeface="+mn-lt"/>
-                          <a:ea typeface="+mn-ea"/>
-                          <a:cs typeface="+mn-cs"/>
-                        </a:rPr>
-                        <a:t>Istio</a:t>
-                      </a:r>
-                      <a:r>
-                        <a:rPr lang="en-US" altLang="zh-CN" sz="1200" b="0" i="0" kern="1200" dirty="0">
-                          <a:solidFill>
-                            <a:schemeClr val="dk1"/>
-                          </a:solidFill>
-                          <a:effectLst/>
-                          <a:latin typeface="+mn-lt"/>
-                          <a:ea typeface="+mn-ea"/>
-                          <a:cs typeface="+mn-cs"/>
-                        </a:rPr>
-                        <a:t> CNI</a:t>
-                      </a:r>
-                      <a:r>
-                        <a:rPr lang="zh-CN" altLang="en-US" sz="1200" b="0" i="0" kern="1200" dirty="0">
-                          <a:solidFill>
-                            <a:schemeClr val="dk1"/>
-                          </a:solidFill>
-                          <a:effectLst/>
-                          <a:latin typeface="+mn-lt"/>
-                          <a:ea typeface="+mn-ea"/>
-                          <a:cs typeface="+mn-cs"/>
-                        </a:rPr>
-                        <a:t>插件</a:t>
-                      </a:r>
-                      <a:endParaRPr lang="zh-CN" altLang="en-US" sz="1200" dirty="0"/>
-                    </a:p>
-                  </a:txBody>
-                  <a:tcPr/>
-                </a:tc>
-                <a:tc>
-                  <a:txBody>
-                    <a:bodyPr/>
-                    <a:lstStyle/>
-                    <a:p>
-                      <a:r>
-                        <a:rPr lang="en-US" altLang="zh-CN" sz="1200" b="0" i="0" kern="1200" dirty="0">
-                          <a:solidFill>
-                            <a:schemeClr val="dk1"/>
-                          </a:solidFill>
-                          <a:effectLst/>
-                          <a:latin typeface="+mn-lt"/>
-                          <a:ea typeface="+mn-ea"/>
-                          <a:cs typeface="+mn-cs"/>
-                        </a:rPr>
-                        <a:t>Alpha</a:t>
-                      </a:r>
-                      <a:endParaRPr lang="zh-CN" altLang="en-US" sz="1200" dirty="0"/>
-                    </a:p>
-                  </a:txBody>
-                  <a:tcPr/>
-                </a:tc>
-                <a:extLst>
-                  <a:ext uri="{0D108BD9-81ED-4DB2-BD59-A6C34878D82A}">
-                    <a16:rowId xmlns:a16="http://schemas.microsoft.com/office/drawing/2014/main" val="79590495"/>
-                  </a:ext>
-                </a:extLst>
-              </a:tr>
-              <a:tr h="295716">
-                <a:tc>
-                  <a:txBody>
-                    <a:bodyPr/>
-                    <a:lstStyle/>
-                    <a:p>
-                      <a:r>
-                        <a:rPr lang="en-US" altLang="zh-CN" sz="1200" b="0" i="0" kern="1200" dirty="0">
-                          <a:solidFill>
-                            <a:schemeClr val="dk1"/>
-                          </a:solidFill>
-                          <a:effectLst/>
-                          <a:latin typeface="+mn-lt"/>
-                          <a:ea typeface="+mn-ea"/>
-                          <a:cs typeface="+mn-cs"/>
-                        </a:rPr>
-                        <a:t>Kubernetes</a:t>
-                      </a:r>
-                      <a:r>
-                        <a:rPr lang="zh-CN" altLang="en-US" sz="1200" b="0" i="0" kern="1200" dirty="0">
-                          <a:solidFill>
-                            <a:schemeClr val="dk1"/>
-                          </a:solidFill>
-                          <a:effectLst/>
-                          <a:latin typeface="+mn-lt"/>
-                          <a:ea typeface="+mn-ea"/>
-                          <a:cs typeface="+mn-cs"/>
-                        </a:rPr>
-                        <a:t>的</a:t>
-                      </a:r>
-                      <a:r>
-                        <a:rPr lang="en-US" altLang="zh-CN" sz="1200" b="0" i="0" kern="1200" dirty="0">
-                          <a:solidFill>
-                            <a:schemeClr val="dk1"/>
-                          </a:solidFill>
-                          <a:effectLst/>
-                          <a:latin typeface="+mn-lt"/>
-                          <a:ea typeface="+mn-ea"/>
-                          <a:cs typeface="+mn-cs"/>
-                        </a:rPr>
-                        <a:t>IPv6</a:t>
-                      </a:r>
-                      <a:r>
-                        <a:rPr lang="zh-CN" altLang="en-US" sz="1200" b="0" i="0" kern="1200" dirty="0">
-                          <a:solidFill>
-                            <a:schemeClr val="dk1"/>
-                          </a:solidFill>
-                          <a:effectLst/>
-                          <a:latin typeface="+mn-lt"/>
-                          <a:ea typeface="+mn-ea"/>
-                          <a:cs typeface="+mn-cs"/>
-                        </a:rPr>
-                        <a:t>支持</a:t>
-                      </a:r>
-                      <a:endParaRPr lang="zh-CN" altLang="en-US" sz="1200" dirty="0"/>
-                    </a:p>
-                  </a:txBody>
-                  <a:tcPr/>
-                </a:tc>
-                <a:tc>
-                  <a:txBody>
-                    <a:bodyPr/>
-                    <a:lstStyle/>
-                    <a:p>
-                      <a:r>
-                        <a:rPr lang="en-US" altLang="zh-CN" sz="1200" b="0" i="0" kern="1200" dirty="0">
-                          <a:solidFill>
-                            <a:schemeClr val="dk1"/>
-                          </a:solidFill>
-                          <a:effectLst/>
-                          <a:latin typeface="+mn-lt"/>
-                          <a:ea typeface="+mn-ea"/>
-                          <a:cs typeface="+mn-cs"/>
-                        </a:rPr>
-                        <a:t>Alpha</a:t>
-                      </a:r>
-                      <a:endParaRPr lang="zh-CN" altLang="en-US" sz="1200" dirty="0"/>
-                    </a:p>
-                  </a:txBody>
-                  <a:tcPr/>
-                </a:tc>
-                <a:extLst>
-                  <a:ext uri="{0D108BD9-81ED-4DB2-BD59-A6C34878D82A}">
-                    <a16:rowId xmlns:a16="http://schemas.microsoft.com/office/drawing/2014/main" val="2012744441"/>
-                  </a:ext>
-                </a:extLst>
-              </a:tr>
-              <a:tr h="295716">
-                <a:tc>
-                  <a:txBody>
-                    <a:bodyPr/>
-                    <a:lstStyle/>
-                    <a:p>
-                      <a:r>
-                        <a:rPr lang="en-US" altLang="zh-CN" sz="1200" b="0" i="0" kern="1200" dirty="0" err="1">
-                          <a:solidFill>
-                            <a:schemeClr val="dk1"/>
-                          </a:solidFill>
-                          <a:effectLst/>
-                          <a:latin typeface="+mn-lt"/>
-                          <a:ea typeface="+mn-ea"/>
-                          <a:cs typeface="+mn-cs"/>
-                        </a:rPr>
-                        <a:t>Istio</a:t>
-                      </a:r>
-                      <a:r>
-                        <a:rPr lang="zh-CN" altLang="en-US" sz="1200" b="0" i="0" kern="1200" dirty="0">
-                          <a:solidFill>
-                            <a:schemeClr val="dk1"/>
-                          </a:solidFill>
-                          <a:effectLst/>
-                          <a:latin typeface="+mn-lt"/>
-                          <a:ea typeface="+mn-ea"/>
-                          <a:cs typeface="+mn-cs"/>
-                        </a:rPr>
-                        <a:t>的</a:t>
-                      </a:r>
-                      <a:r>
-                        <a:rPr lang="en-US" altLang="zh-CN" sz="1200" b="0" i="0" kern="1200" dirty="0" err="1">
-                          <a:solidFill>
-                            <a:schemeClr val="dk1"/>
-                          </a:solidFill>
-                          <a:effectLst/>
-                          <a:latin typeface="+mn-lt"/>
-                          <a:ea typeface="+mn-ea"/>
-                          <a:cs typeface="+mn-cs"/>
-                        </a:rPr>
-                        <a:t>Distroless</a:t>
-                      </a:r>
-                      <a:r>
-                        <a:rPr lang="zh-CN" altLang="en-US" sz="1200" b="0" i="0" kern="1200" dirty="0">
-                          <a:solidFill>
-                            <a:schemeClr val="dk1"/>
-                          </a:solidFill>
-                          <a:effectLst/>
-                          <a:latin typeface="+mn-lt"/>
-                          <a:ea typeface="+mn-ea"/>
-                          <a:cs typeface="+mn-cs"/>
-                        </a:rPr>
-                        <a:t>基本映像</a:t>
-                      </a:r>
-                      <a:endParaRPr lang="zh-CN" altLang="en-US" sz="1200" dirty="0"/>
-                    </a:p>
-                  </a:txBody>
-                  <a:tcPr/>
-                </a:tc>
-                <a:tc>
-                  <a:txBody>
-                    <a:bodyPr/>
-                    <a:lstStyle/>
-                    <a:p>
-                      <a:r>
-                        <a:rPr lang="en-US" altLang="zh-CN" sz="1200" b="0" i="0" kern="1200" dirty="0">
-                          <a:solidFill>
-                            <a:schemeClr val="dk1"/>
-                          </a:solidFill>
-                          <a:effectLst/>
-                          <a:latin typeface="+mn-lt"/>
-                          <a:ea typeface="+mn-ea"/>
-                          <a:cs typeface="+mn-cs"/>
-                        </a:rPr>
-                        <a:t>Alpha</a:t>
-                      </a:r>
-                      <a:endParaRPr lang="zh-CN" altLang="en-US" sz="1200" dirty="0"/>
-                    </a:p>
-                  </a:txBody>
-                  <a:tcPr/>
-                </a:tc>
-                <a:extLst>
-                  <a:ext uri="{0D108BD9-81ED-4DB2-BD59-A6C34878D82A}">
-                    <a16:rowId xmlns:a16="http://schemas.microsoft.com/office/drawing/2014/main" val="912210581"/>
-                  </a:ext>
-                </a:extLst>
-              </a:tr>
-            </a:tbl>
-          </a:graphicData>
-        </a:graphic>
-      </p:graphicFrame>
+        </p:nvSpPr>
+        <p:spPr/>
+        <p:txBody>
+          <a:bodyPr/>
+          <a:lstStyle/>
+          <a:p>
+            <a:endParaRPr lang="zh-CN" altLang="en-US" dirty="0"/>
+          </a:p>
+        </p:txBody>
+      </p:sp>
       <p:sp>
         <p:nvSpPr>
           <p:cNvPr id="4" name="日期占位符 3">
             <a:extLst>
               <a:ext uri="{FF2B5EF4-FFF2-40B4-BE49-F238E27FC236}">
-                <a16:creationId xmlns:a16="http://schemas.microsoft.com/office/drawing/2014/main" id="{74EAE83B-8808-4E17-A602-1C37D97BFE4F}"/>
+                <a16:creationId xmlns:a16="http://schemas.microsoft.com/office/drawing/2014/main" id="{F91887BD-9CB5-4527-8EAF-3B98E357FAD0}"/>
               </a:ext>
             </a:extLst>
           </p:cNvPr>
@@ -17393,7 +17397,1363 @@
     </p:spTree>
     <p:extLst>
       <p:ext uri="{BB962C8B-B14F-4D97-AF65-F5344CB8AC3E}">
-        <p14:creationId xmlns:p14="http://schemas.microsoft.com/office/powerpoint/2010/main" val="2352451366"/>
+        <p14:creationId xmlns:p14="http://schemas.microsoft.com/office/powerpoint/2010/main" val="3875312775"/>
+      </p:ext>
+    </p:extLst>
+  </p:cSld>
+  <p:clrMapOvr>
+    <a:masterClrMapping/>
+  </p:clrMapOvr>
+</p:sld>
+</file>
+
+<file path=ppt/slides/slide21.xml><?xml version="1.0" encoding="utf-8"?>
+<p:sld xmlns:a="http://schemas.openxmlformats.org/drawingml/2006/main" xmlns:r="http://schemas.openxmlformats.org/officeDocument/2006/relationships" xmlns:p="http://schemas.openxmlformats.org/presentationml/2006/main">
+  <p:cSld>
+    <p:spTree>
+      <p:nvGrpSpPr>
+        <p:cNvPr id="1" name=""/>
+        <p:cNvGrpSpPr/>
+        <p:nvPr/>
+      </p:nvGrpSpPr>
+      <p:grpSpPr>
+        <a:xfrm>
+          <a:off x="0" y="0"/>
+          <a:ext cx="0" cy="0"/>
+          <a:chOff x="0" y="0"/>
+          <a:chExt cx="0" cy="0"/>
+        </a:xfrm>
+      </p:grpSpPr>
+      <p:sp>
+        <p:nvSpPr>
+          <p:cNvPr id="2" name="标题 1">
+            <a:extLst>
+              <a:ext uri="{FF2B5EF4-FFF2-40B4-BE49-F238E27FC236}">
+                <a16:creationId xmlns:a16="http://schemas.microsoft.com/office/drawing/2014/main" id="{28139F05-46D5-40E4-92F6-6E9BCF690E27}"/>
+              </a:ext>
+            </a:extLst>
+          </p:cNvPr>
+          <p:cNvSpPr>
+            <a:spLocks noGrp="1"/>
+          </p:cNvSpPr>
+          <p:nvPr>
+            <p:ph type="title"/>
+          </p:nvPr>
+        </p:nvSpPr>
+        <p:spPr/>
+        <p:txBody>
+          <a:bodyPr/>
+          <a:lstStyle/>
+          <a:p>
+            <a:r>
+              <a:rPr lang="en-US" altLang="zh-CN" dirty="0"/>
+              <a:t>ISTIO</a:t>
+            </a:r>
+            <a:r>
+              <a:rPr lang="zh-CN" altLang="en-US" dirty="0"/>
+              <a:t>组件介绍</a:t>
+            </a:r>
+          </a:p>
+        </p:txBody>
+      </p:sp>
+      <p:sp>
+        <p:nvSpPr>
+          <p:cNvPr id="3" name="内容占位符 2">
+            <a:extLst>
+              <a:ext uri="{FF2B5EF4-FFF2-40B4-BE49-F238E27FC236}">
+                <a16:creationId xmlns:a16="http://schemas.microsoft.com/office/drawing/2014/main" id="{63CF2D61-9C95-4E87-8EB0-5C8D25B106B8}"/>
+              </a:ext>
+            </a:extLst>
+          </p:cNvPr>
+          <p:cNvSpPr>
+            <a:spLocks noGrp="1"/>
+          </p:cNvSpPr>
+          <p:nvPr>
+            <p:ph idx="1"/>
+          </p:nvPr>
+        </p:nvSpPr>
+        <p:spPr/>
+        <p:txBody>
+          <a:bodyPr/>
+          <a:lstStyle/>
+          <a:p>
+            <a:endParaRPr lang="zh-CN" altLang="en-US"/>
+          </a:p>
+        </p:txBody>
+      </p:sp>
+      <p:sp>
+        <p:nvSpPr>
+          <p:cNvPr id="4" name="日期占位符 3">
+            <a:extLst>
+              <a:ext uri="{FF2B5EF4-FFF2-40B4-BE49-F238E27FC236}">
+                <a16:creationId xmlns:a16="http://schemas.microsoft.com/office/drawing/2014/main" id="{8BA59311-C017-4E31-96E2-6388A03364FE}"/>
+              </a:ext>
+            </a:extLst>
+          </p:cNvPr>
+          <p:cNvSpPr>
+            <a:spLocks noGrp="1"/>
+          </p:cNvSpPr>
+          <p:nvPr>
+            <p:ph type="dt" sz="half" idx="10"/>
+          </p:nvPr>
+        </p:nvSpPr>
+        <p:spPr/>
+        <p:txBody>
+          <a:bodyPr/>
+          <a:lstStyle/>
+          <a:p>
+            <a:pPr rtl="0"/>
+            <a:fld id="{F24FFC25-0C05-49C8-B150-3CF6B89B5C55}" type="datetime1">
+              <a:rPr lang="zh-CN" altLang="en-US" smtClean="0"/>
+              <a:t>2020/4/10</a:t>
+            </a:fld>
+            <a:endParaRPr lang="en-US" dirty="0"/>
+          </a:p>
+        </p:txBody>
+      </p:sp>
+    </p:spTree>
+    <p:extLst>
+      <p:ext uri="{BB962C8B-B14F-4D97-AF65-F5344CB8AC3E}">
+        <p14:creationId xmlns:p14="http://schemas.microsoft.com/office/powerpoint/2010/main" val="3302909487"/>
+      </p:ext>
+    </p:extLst>
+  </p:cSld>
+  <p:clrMapOvr>
+    <a:masterClrMapping/>
+  </p:clrMapOvr>
+</p:sld>
+</file>
+
+<file path=ppt/slides/slide22.xml><?xml version="1.0" encoding="utf-8"?>
+<p:sld xmlns:a="http://schemas.openxmlformats.org/drawingml/2006/main" xmlns:r="http://schemas.openxmlformats.org/officeDocument/2006/relationships" xmlns:p="http://schemas.openxmlformats.org/presentationml/2006/main">
+  <p:cSld>
+    <p:spTree>
+      <p:nvGrpSpPr>
+        <p:cNvPr id="1" name=""/>
+        <p:cNvGrpSpPr/>
+        <p:nvPr/>
+      </p:nvGrpSpPr>
+      <p:grpSpPr>
+        <a:xfrm>
+          <a:off x="0" y="0"/>
+          <a:ext cx="0" cy="0"/>
+          <a:chOff x="0" y="0"/>
+          <a:chExt cx="0" cy="0"/>
+        </a:xfrm>
+      </p:grpSpPr>
+      <p:sp>
+        <p:nvSpPr>
+          <p:cNvPr id="2" name="标题 1">
+            <a:extLst>
+              <a:ext uri="{FF2B5EF4-FFF2-40B4-BE49-F238E27FC236}">
+                <a16:creationId xmlns:a16="http://schemas.microsoft.com/office/drawing/2014/main" id="{A6E2A952-B5D3-4A19-962E-F057C989CDFA}"/>
+              </a:ext>
+            </a:extLst>
+          </p:cNvPr>
+          <p:cNvSpPr>
+            <a:spLocks noGrp="1"/>
+          </p:cNvSpPr>
+          <p:nvPr>
+            <p:ph type="title"/>
+          </p:nvPr>
+        </p:nvSpPr>
+        <p:spPr>
+          <a:xfrm>
+            <a:off x="581192" y="702156"/>
+            <a:ext cx="11029616" cy="804427"/>
+          </a:xfrm>
+        </p:spPr>
+        <p:txBody>
+          <a:bodyPr/>
+          <a:lstStyle/>
+          <a:p>
+            <a:r>
+              <a:rPr lang="en-US" altLang="zh-CN" dirty="0"/>
+              <a:t>ISTIO</a:t>
+            </a:r>
+            <a:r>
+              <a:rPr lang="zh-CN" altLang="en-US" dirty="0"/>
+              <a:t>安装 </a:t>
+            </a:r>
+            <a:r>
+              <a:rPr lang="en-US" altLang="zh-CN" dirty="0"/>
+              <a:t>- ISTIOCTL</a:t>
+            </a:r>
+            <a:endParaRPr lang="zh-CN" altLang="en-US" dirty="0"/>
+          </a:p>
+        </p:txBody>
+      </p:sp>
+      <p:sp>
+        <p:nvSpPr>
+          <p:cNvPr id="3" name="内容占位符 2">
+            <a:extLst>
+              <a:ext uri="{FF2B5EF4-FFF2-40B4-BE49-F238E27FC236}">
+                <a16:creationId xmlns:a16="http://schemas.microsoft.com/office/drawing/2014/main" id="{EB4C6BC0-2F57-4428-8705-7505BB5517BF}"/>
+              </a:ext>
+            </a:extLst>
+          </p:cNvPr>
+          <p:cNvSpPr>
+            <a:spLocks noGrp="1"/>
+          </p:cNvSpPr>
+          <p:nvPr>
+            <p:ph idx="1"/>
+          </p:nvPr>
+        </p:nvSpPr>
+        <p:spPr>
+          <a:xfrm>
+            <a:off x="581192" y="1741714"/>
+            <a:ext cx="11029615" cy="4233636"/>
+          </a:xfrm>
+        </p:spPr>
+        <p:txBody>
+          <a:bodyPr>
+            <a:normAutofit fontScale="92500" lnSpcReduction="10000"/>
+          </a:bodyPr>
+          <a:lstStyle/>
+          <a:p>
+            <a:r>
+              <a:rPr lang="en-US" altLang="zh-CN" dirty="0"/>
+              <a:t>1. </a:t>
+            </a:r>
+            <a:r>
+              <a:rPr lang="zh-CN" altLang="en-US" dirty="0"/>
+              <a:t>下载安装</a:t>
+            </a:r>
+            <a:r>
+              <a:rPr lang="en-US" altLang="zh-CN" dirty="0" err="1"/>
+              <a:t>istioctl</a:t>
+            </a:r>
+            <a:endParaRPr lang="en-US" altLang="zh-CN" dirty="0"/>
+          </a:p>
+          <a:p>
+            <a:pPr marL="0" indent="0">
+              <a:buNone/>
+            </a:pPr>
+            <a:r>
+              <a:rPr lang="en-US" altLang="zh-CN" dirty="0" err="1"/>
+              <a:t>wget</a:t>
+            </a:r>
+            <a:r>
+              <a:rPr lang="en-US" altLang="zh-CN" dirty="0"/>
+              <a:t> </a:t>
+            </a:r>
+            <a:r>
+              <a:rPr lang="en-US" altLang="zh-CN" dirty="0">
+                <a:hlinkClick r:id="rId2"/>
+              </a:rPr>
+              <a:t>https://github.com/istio/istio/releases/download/1.5.1/istio-1.5.1-linux.tar.gz</a:t>
+            </a:r>
+            <a:endParaRPr lang="en-US" altLang="zh-CN" dirty="0"/>
+          </a:p>
+          <a:p>
+            <a:pPr marL="0" indent="0">
+              <a:buNone/>
+            </a:pPr>
+            <a:r>
+              <a:rPr lang="zh-CN" altLang="en-US" dirty="0"/>
+              <a:t>解压</a:t>
+            </a:r>
+            <a:endParaRPr lang="en-US" altLang="zh-CN" dirty="0"/>
+          </a:p>
+          <a:p>
+            <a:pPr marL="0" indent="0">
+              <a:buNone/>
+            </a:pPr>
+            <a:r>
+              <a:rPr lang="en-US" altLang="zh-CN" dirty="0"/>
+              <a:t>tar -</a:t>
+            </a:r>
+            <a:r>
+              <a:rPr lang="en-US" altLang="zh-CN" dirty="0" err="1"/>
+              <a:t>zxvf</a:t>
+            </a:r>
+            <a:r>
+              <a:rPr lang="en-US" altLang="zh-CN" dirty="0"/>
+              <a:t> istio-1.5.1-linux.tar.gz</a:t>
+            </a:r>
+          </a:p>
+          <a:p>
+            <a:pPr marL="0" indent="0">
+              <a:buNone/>
+            </a:pPr>
+            <a:r>
+              <a:rPr lang="zh-CN" altLang="en-US" dirty="0"/>
+              <a:t>环境变量</a:t>
+            </a:r>
+            <a:endParaRPr lang="en-US" altLang="zh-CN" dirty="0"/>
+          </a:p>
+          <a:p>
+            <a:pPr marL="0" indent="0">
+              <a:buNone/>
+            </a:pPr>
+            <a:r>
+              <a:rPr lang="en-US" altLang="zh-CN" dirty="0"/>
+              <a:t>vi ~/.</a:t>
+            </a:r>
+            <a:r>
+              <a:rPr lang="en-US" altLang="zh-CN" dirty="0" err="1"/>
+              <a:t>bashrc</a:t>
+            </a:r>
+            <a:endParaRPr lang="en-US" altLang="zh-CN" dirty="0"/>
+          </a:p>
+          <a:p>
+            <a:pPr marL="0" indent="0">
+              <a:buNone/>
+            </a:pPr>
+            <a:r>
+              <a:rPr lang="en-US" altLang="zh-CN" dirty="0"/>
+              <a:t>export PATH=/root/istio-1.5.1/bin:$PATH</a:t>
+            </a:r>
+          </a:p>
+          <a:p>
+            <a:pPr marL="0" indent="0">
+              <a:buNone/>
+            </a:pPr>
+            <a:r>
+              <a:rPr lang="zh-CN" altLang="en-US" dirty="0"/>
+              <a:t>使配置生效</a:t>
+            </a:r>
+            <a:br>
+              <a:rPr lang="en-US" altLang="zh-CN" dirty="0"/>
+            </a:br>
+            <a:r>
+              <a:rPr lang="en-US" altLang="zh-CN" dirty="0"/>
+              <a:t>source ~/.</a:t>
+            </a:r>
+            <a:r>
+              <a:rPr lang="en-US" altLang="zh-CN" dirty="0" err="1"/>
+              <a:t>bashrc</a:t>
+            </a:r>
+            <a:endParaRPr lang="en-US" altLang="zh-CN" dirty="0"/>
+          </a:p>
+          <a:p>
+            <a:pPr marL="0" indent="0">
+              <a:buNone/>
+            </a:pPr>
+            <a:r>
+              <a:rPr lang="zh-CN" altLang="en-US" dirty="0"/>
+              <a:t>验证是否安装成功</a:t>
+            </a:r>
+            <a:endParaRPr lang="en-US" altLang="zh-CN" dirty="0"/>
+          </a:p>
+          <a:p>
+            <a:pPr marL="0" indent="0">
+              <a:buNone/>
+            </a:pPr>
+            <a:r>
+              <a:rPr lang="en-US" altLang="zh-CN" dirty="0" err="1"/>
+              <a:t>istioctl</a:t>
+            </a:r>
+            <a:r>
+              <a:rPr lang="en-US" altLang="zh-CN" dirty="0"/>
+              <a:t> version</a:t>
+            </a:r>
+          </a:p>
+          <a:p>
+            <a:pPr marL="0" indent="0">
+              <a:buNone/>
+            </a:pPr>
+            <a:endParaRPr lang="zh-CN" altLang="en-US" dirty="0"/>
+          </a:p>
+        </p:txBody>
+      </p:sp>
+      <p:sp>
+        <p:nvSpPr>
+          <p:cNvPr id="4" name="日期占位符 3">
+            <a:extLst>
+              <a:ext uri="{FF2B5EF4-FFF2-40B4-BE49-F238E27FC236}">
+                <a16:creationId xmlns:a16="http://schemas.microsoft.com/office/drawing/2014/main" id="{EFCF124F-EE24-4B20-AF8C-E8DE7D075665}"/>
+              </a:ext>
+            </a:extLst>
+          </p:cNvPr>
+          <p:cNvSpPr>
+            <a:spLocks noGrp="1"/>
+          </p:cNvSpPr>
+          <p:nvPr>
+            <p:ph type="dt" sz="half" idx="10"/>
+          </p:nvPr>
+        </p:nvSpPr>
+        <p:spPr/>
+        <p:txBody>
+          <a:bodyPr/>
+          <a:lstStyle/>
+          <a:p>
+            <a:pPr rtl="0"/>
+            <a:fld id="{F24FFC25-0C05-49C8-B150-3CF6B89B5C55}" type="datetime1">
+              <a:rPr lang="zh-CN" altLang="en-US" smtClean="0"/>
+              <a:t>2020/4/10</a:t>
+            </a:fld>
+            <a:endParaRPr lang="en-US" dirty="0"/>
+          </a:p>
+        </p:txBody>
+      </p:sp>
+    </p:spTree>
+    <p:extLst>
+      <p:ext uri="{BB962C8B-B14F-4D97-AF65-F5344CB8AC3E}">
+        <p14:creationId xmlns:p14="http://schemas.microsoft.com/office/powerpoint/2010/main" val="2319491466"/>
+      </p:ext>
+    </p:extLst>
+  </p:cSld>
+  <p:clrMapOvr>
+    <a:masterClrMapping/>
+  </p:clrMapOvr>
+</p:sld>
+</file>
+
+<file path=ppt/slides/slide23.xml><?xml version="1.0" encoding="utf-8"?>
+<p:sld xmlns:a="http://schemas.openxmlformats.org/drawingml/2006/main" xmlns:r="http://schemas.openxmlformats.org/officeDocument/2006/relationships" xmlns:p="http://schemas.openxmlformats.org/presentationml/2006/main">
+  <p:cSld>
+    <p:spTree>
+      <p:nvGrpSpPr>
+        <p:cNvPr id="1" name=""/>
+        <p:cNvGrpSpPr/>
+        <p:nvPr/>
+      </p:nvGrpSpPr>
+      <p:grpSpPr>
+        <a:xfrm>
+          <a:off x="0" y="0"/>
+          <a:ext cx="0" cy="0"/>
+          <a:chOff x="0" y="0"/>
+          <a:chExt cx="0" cy="0"/>
+        </a:xfrm>
+      </p:grpSpPr>
+      <p:sp>
+        <p:nvSpPr>
+          <p:cNvPr id="2" name="标题 1">
+            <a:extLst>
+              <a:ext uri="{FF2B5EF4-FFF2-40B4-BE49-F238E27FC236}">
+                <a16:creationId xmlns:a16="http://schemas.microsoft.com/office/drawing/2014/main" id="{BA5A74F7-94B2-466F-8571-46C81E6B3C3C}"/>
+              </a:ext>
+            </a:extLst>
+          </p:cNvPr>
+          <p:cNvSpPr>
+            <a:spLocks noGrp="1"/>
+          </p:cNvSpPr>
+          <p:nvPr>
+            <p:ph type="title"/>
+          </p:nvPr>
+        </p:nvSpPr>
+        <p:spPr>
+          <a:xfrm>
+            <a:off x="494106" y="510567"/>
+            <a:ext cx="11029616" cy="699924"/>
+          </a:xfrm>
+        </p:spPr>
+        <p:txBody>
+          <a:bodyPr/>
+          <a:lstStyle/>
+          <a:p>
+            <a:r>
+              <a:rPr lang="en-US" altLang="zh-CN" dirty="0"/>
+              <a:t>ISTIO</a:t>
+            </a:r>
+            <a:r>
+              <a:rPr lang="zh-CN" altLang="en-US" dirty="0"/>
+              <a:t>安装 </a:t>
+            </a:r>
+            <a:r>
+              <a:rPr lang="en-US" altLang="zh-CN" dirty="0"/>
+              <a:t>- Standalone Operator</a:t>
+            </a:r>
+            <a:endParaRPr lang="zh-CN" altLang="en-US" dirty="0"/>
+          </a:p>
+        </p:txBody>
+      </p:sp>
+      <p:sp>
+        <p:nvSpPr>
+          <p:cNvPr id="3" name="内容占位符 2">
+            <a:extLst>
+              <a:ext uri="{FF2B5EF4-FFF2-40B4-BE49-F238E27FC236}">
+                <a16:creationId xmlns:a16="http://schemas.microsoft.com/office/drawing/2014/main" id="{E8736EE0-26AC-482A-97D2-18FF1708BF5A}"/>
+              </a:ext>
+            </a:extLst>
+          </p:cNvPr>
+          <p:cNvSpPr>
+            <a:spLocks noGrp="1"/>
+          </p:cNvSpPr>
+          <p:nvPr>
+            <p:ph idx="1"/>
+          </p:nvPr>
+        </p:nvSpPr>
+        <p:spPr>
+          <a:xfrm>
+            <a:off x="581192" y="1314995"/>
+            <a:ext cx="11029615" cy="5543006"/>
+          </a:xfrm>
+        </p:spPr>
+        <p:txBody>
+          <a:bodyPr>
+            <a:normAutofit fontScale="55000" lnSpcReduction="20000"/>
+          </a:bodyPr>
+          <a:lstStyle/>
+          <a:p>
+            <a:r>
+              <a:rPr lang="en-US" altLang="zh-CN" dirty="0"/>
+              <a:t>1.  </a:t>
+            </a:r>
+            <a:r>
+              <a:rPr lang="zh-CN" altLang="en-US" dirty="0"/>
+              <a:t>初始化</a:t>
+            </a:r>
+            <a:endParaRPr lang="en-US" altLang="zh-CN" dirty="0"/>
+          </a:p>
+          <a:p>
+            <a:pPr marL="0" indent="0">
+              <a:buNone/>
+            </a:pPr>
+            <a:r>
+              <a:rPr lang="en-US" altLang="zh-CN" dirty="0" err="1"/>
+              <a:t>istioctl</a:t>
+            </a:r>
+            <a:r>
+              <a:rPr lang="en-US" altLang="zh-CN" dirty="0"/>
+              <a:t> operator </a:t>
+            </a:r>
+            <a:r>
+              <a:rPr lang="en-US" altLang="zh-CN" dirty="0" err="1"/>
+              <a:t>init</a:t>
+            </a:r>
+            <a:r>
+              <a:rPr lang="en-US" altLang="zh-CN" dirty="0"/>
+              <a:t>       </a:t>
+            </a:r>
+          </a:p>
+          <a:p>
+            <a:r>
+              <a:rPr lang="en-US" altLang="zh-CN" dirty="0"/>
+              <a:t>2. </a:t>
+            </a:r>
+            <a:r>
+              <a:rPr lang="zh-CN" altLang="en-US" dirty="0"/>
+              <a:t>安装</a:t>
+            </a:r>
+            <a:r>
+              <a:rPr lang="en-US" altLang="zh-CN" dirty="0" err="1"/>
+              <a:t>istio</a:t>
+            </a:r>
+            <a:endParaRPr lang="en-US" altLang="zh-CN" dirty="0"/>
+          </a:p>
+          <a:p>
+            <a:pPr marL="0" indent="0">
+              <a:buNone/>
+            </a:pPr>
+            <a:r>
+              <a:rPr lang="en-US" altLang="zh-CN" dirty="0" err="1"/>
+              <a:t>kubectl</a:t>
+            </a:r>
+            <a:r>
+              <a:rPr lang="en-US" altLang="zh-CN" dirty="0"/>
+              <a:t> create ns </a:t>
+            </a:r>
+            <a:r>
+              <a:rPr lang="en-US" altLang="zh-CN" dirty="0" err="1"/>
+              <a:t>istio</a:t>
+            </a:r>
+            <a:r>
+              <a:rPr lang="en-US" altLang="zh-CN" dirty="0"/>
+              <a:t>-system</a:t>
+            </a:r>
+          </a:p>
+          <a:p>
+            <a:pPr marL="0" indent="0">
+              <a:buNone/>
+            </a:pPr>
+            <a:endParaRPr lang="en-US" altLang="zh-CN" dirty="0"/>
+          </a:p>
+          <a:p>
+            <a:pPr marL="0" indent="0">
+              <a:buNone/>
+            </a:pPr>
+            <a:r>
+              <a:rPr lang="en-US" altLang="zh-CN" dirty="0" err="1"/>
+              <a:t>kubectl</a:t>
+            </a:r>
+            <a:r>
+              <a:rPr lang="en-US" altLang="zh-CN" dirty="0"/>
+              <a:t> apply -f - &lt;&lt;EOF</a:t>
+            </a:r>
+          </a:p>
+          <a:p>
+            <a:pPr marL="0" indent="0">
+              <a:buNone/>
+            </a:pPr>
+            <a:r>
+              <a:rPr lang="en-US" altLang="zh-CN" dirty="0" err="1"/>
+              <a:t>apiVersion</a:t>
+            </a:r>
+            <a:r>
+              <a:rPr lang="en-US" altLang="zh-CN" dirty="0"/>
+              <a:t>: install.istio.io/v1alpha1</a:t>
+            </a:r>
+          </a:p>
+          <a:p>
+            <a:pPr marL="0" indent="0">
+              <a:buNone/>
+            </a:pPr>
+            <a:r>
+              <a:rPr lang="en-US" altLang="zh-CN" dirty="0"/>
+              <a:t>kind: </a:t>
+            </a:r>
+            <a:r>
+              <a:rPr lang="en-US" altLang="zh-CN" dirty="0" err="1"/>
+              <a:t>IstioOperator</a:t>
+            </a:r>
+            <a:endParaRPr lang="en-US" altLang="zh-CN" dirty="0"/>
+          </a:p>
+          <a:p>
+            <a:pPr marL="0" indent="0">
+              <a:buNone/>
+            </a:pPr>
+            <a:r>
+              <a:rPr lang="en-US" altLang="zh-CN" dirty="0"/>
+              <a:t>metadata:</a:t>
+            </a:r>
+          </a:p>
+          <a:p>
+            <a:pPr marL="0" indent="0">
+              <a:buNone/>
+            </a:pPr>
+            <a:r>
+              <a:rPr lang="en-US" altLang="zh-CN" dirty="0"/>
+              <a:t>  namespace: </a:t>
+            </a:r>
+            <a:r>
+              <a:rPr lang="en-US" altLang="zh-CN" dirty="0" err="1"/>
+              <a:t>istio</a:t>
+            </a:r>
+            <a:r>
+              <a:rPr lang="en-US" altLang="zh-CN" dirty="0"/>
+              <a:t>-system</a:t>
+            </a:r>
+          </a:p>
+          <a:p>
+            <a:pPr marL="0" indent="0">
+              <a:buNone/>
+            </a:pPr>
+            <a:r>
+              <a:rPr lang="en-US" altLang="zh-CN" dirty="0"/>
+              <a:t>  name: example-</a:t>
+            </a:r>
+            <a:r>
+              <a:rPr lang="en-US" altLang="zh-CN" dirty="0" err="1"/>
+              <a:t>istiocontrolplane</a:t>
+            </a:r>
+            <a:endParaRPr lang="en-US" altLang="zh-CN" dirty="0"/>
+          </a:p>
+          <a:p>
+            <a:pPr marL="0" indent="0">
+              <a:buNone/>
+            </a:pPr>
+            <a:r>
+              <a:rPr lang="en-US" altLang="zh-CN" dirty="0"/>
+              <a:t>spec:</a:t>
+            </a:r>
+          </a:p>
+          <a:p>
+            <a:pPr marL="0" indent="0">
+              <a:buNone/>
+            </a:pPr>
+            <a:r>
+              <a:rPr lang="en-US" altLang="zh-CN" dirty="0"/>
+              <a:t>  profile: demo</a:t>
+            </a:r>
+          </a:p>
+          <a:p>
+            <a:pPr marL="0" indent="0">
+              <a:buNone/>
+            </a:pPr>
+            <a:r>
+              <a:rPr lang="en-US" altLang="zh-CN" dirty="0"/>
+              <a:t>EOF</a:t>
+            </a:r>
+          </a:p>
+          <a:p>
+            <a:pPr marL="0" indent="0">
+              <a:buNone/>
+            </a:pPr>
+            <a:endParaRPr lang="en-US" altLang="zh-CN" dirty="0"/>
+          </a:p>
+          <a:p>
+            <a:r>
+              <a:rPr lang="en-US" altLang="zh-CN" dirty="0"/>
+              <a:t>3.  </a:t>
+            </a:r>
+            <a:r>
+              <a:rPr lang="zh-CN" altLang="en-US" dirty="0"/>
+              <a:t>验证</a:t>
+            </a:r>
+            <a:endParaRPr lang="en-US" altLang="zh-CN" dirty="0"/>
+          </a:p>
+          <a:p>
+            <a:pPr marL="0" indent="0">
+              <a:buNone/>
+            </a:pPr>
+            <a:r>
+              <a:rPr lang="en-US" altLang="zh-CN" dirty="0"/>
+              <a:t>  </a:t>
+            </a:r>
+            <a:r>
+              <a:rPr lang="en-US" altLang="zh-CN" dirty="0" err="1"/>
+              <a:t>kubectl</a:t>
+            </a:r>
+            <a:r>
+              <a:rPr lang="en-US" altLang="zh-CN" dirty="0"/>
+              <a:t> get svc -n </a:t>
+            </a:r>
+            <a:r>
+              <a:rPr lang="en-US" altLang="zh-CN" dirty="0" err="1"/>
+              <a:t>istio</a:t>
+            </a:r>
+            <a:r>
+              <a:rPr lang="en-US" altLang="zh-CN" dirty="0"/>
+              <a:t>-system</a:t>
+            </a:r>
+          </a:p>
+          <a:p>
+            <a:pPr marL="0" indent="0">
+              <a:buNone/>
+            </a:pPr>
+            <a:r>
+              <a:rPr lang="en-US" altLang="zh-CN" dirty="0"/>
+              <a:t>  </a:t>
+            </a:r>
+            <a:r>
+              <a:rPr lang="en-US" altLang="zh-CN" dirty="0" err="1"/>
+              <a:t>kubectl</a:t>
+            </a:r>
+            <a:r>
+              <a:rPr lang="en-US" altLang="zh-CN" dirty="0"/>
+              <a:t> get pod -n </a:t>
+            </a:r>
+            <a:r>
+              <a:rPr lang="en-US" altLang="zh-CN" dirty="0" err="1"/>
+              <a:t>istio</a:t>
+            </a:r>
+            <a:r>
+              <a:rPr lang="en-US" altLang="zh-CN" dirty="0"/>
+              <a:t>-system</a:t>
+            </a:r>
+          </a:p>
+          <a:p>
+            <a:r>
+              <a:rPr lang="en-US" altLang="zh-CN" dirty="0"/>
+              <a:t>4. </a:t>
+            </a:r>
+            <a:r>
+              <a:rPr lang="zh-CN" altLang="en-US" dirty="0"/>
+              <a:t>卸载</a:t>
+            </a:r>
+            <a:endParaRPr lang="en-US" altLang="zh-CN" dirty="0"/>
+          </a:p>
+          <a:p>
+            <a:r>
+              <a:rPr lang="en-US" altLang="zh-CN" dirty="0" err="1"/>
+              <a:t>kubectl</a:t>
+            </a:r>
+            <a:r>
+              <a:rPr lang="en-US" altLang="zh-CN" dirty="0"/>
+              <a:t> delete istiooperators.install.istio.io -n </a:t>
+            </a:r>
+            <a:r>
+              <a:rPr lang="en-US" altLang="zh-CN" dirty="0" err="1"/>
+              <a:t>istio</a:t>
+            </a:r>
+            <a:r>
+              <a:rPr lang="en-US" altLang="zh-CN" dirty="0"/>
+              <a:t>-system example-</a:t>
+            </a:r>
+            <a:r>
+              <a:rPr lang="en-US" altLang="zh-CN" dirty="0" err="1"/>
+              <a:t>istiocontrolplane</a:t>
+            </a:r>
+            <a:r>
+              <a:rPr lang="en-US" altLang="zh-CN" dirty="0"/>
+              <a:t>    </a:t>
+            </a:r>
+            <a:r>
+              <a:rPr lang="zh-CN" altLang="en-US" dirty="0"/>
+              <a:t>删除</a:t>
+            </a:r>
+            <a:r>
+              <a:rPr lang="en-US" altLang="zh-CN" dirty="0" err="1"/>
+              <a:t>Istio</a:t>
+            </a:r>
+            <a:r>
+              <a:rPr lang="en-US" altLang="zh-CN" dirty="0"/>
+              <a:t> deployment</a:t>
+            </a:r>
+          </a:p>
+          <a:p>
+            <a:r>
+              <a:rPr lang="en-US" altLang="zh-CN" dirty="0" err="1"/>
+              <a:t>istioctl</a:t>
+            </a:r>
+            <a:r>
+              <a:rPr lang="en-US" altLang="zh-CN" dirty="0"/>
+              <a:t> operator remove  </a:t>
+            </a:r>
+            <a:r>
+              <a:rPr lang="zh-CN" altLang="en-US" dirty="0"/>
+              <a:t>（</a:t>
+            </a:r>
+            <a:r>
+              <a:rPr lang="en-US" altLang="zh-CN" dirty="0"/>
+              <a:t>or </a:t>
+            </a:r>
+            <a:r>
+              <a:rPr lang="en-US" altLang="zh-CN" dirty="0" err="1"/>
+              <a:t>kubectl</a:t>
+            </a:r>
+            <a:r>
+              <a:rPr lang="en-US" altLang="zh-CN" dirty="0"/>
+              <a:t> delete ns </a:t>
+            </a:r>
+            <a:r>
+              <a:rPr lang="en-US" altLang="zh-CN" dirty="0" err="1"/>
+              <a:t>istio</a:t>
+            </a:r>
+            <a:r>
+              <a:rPr lang="en-US" altLang="zh-CN" dirty="0"/>
+              <a:t>-operator --grace-period=0 --force</a:t>
+            </a:r>
+            <a:r>
+              <a:rPr lang="zh-CN" altLang="en-US" dirty="0"/>
+              <a:t>）</a:t>
+            </a:r>
+            <a:r>
+              <a:rPr lang="en-US" altLang="zh-CN" dirty="0"/>
+              <a:t>   </a:t>
+            </a:r>
+            <a:r>
+              <a:rPr lang="zh-CN" altLang="en-US" dirty="0"/>
+              <a:t>删除 </a:t>
+            </a:r>
+            <a:r>
+              <a:rPr lang="en-US" altLang="zh-CN" dirty="0"/>
+              <a:t> </a:t>
+            </a:r>
+            <a:r>
+              <a:rPr lang="en-US" altLang="zh-CN" dirty="0" err="1"/>
+              <a:t>Istio</a:t>
+            </a:r>
+            <a:r>
+              <a:rPr lang="en-US" altLang="zh-CN" dirty="0"/>
+              <a:t> operator</a:t>
+            </a:r>
+          </a:p>
+          <a:p>
+            <a:r>
+              <a:rPr lang="en-US" altLang="zh-CN" dirty="0" err="1"/>
+              <a:t>istioctl</a:t>
+            </a:r>
+            <a:r>
+              <a:rPr lang="en-US" altLang="zh-CN" dirty="0"/>
+              <a:t> manifest generate | </a:t>
+            </a:r>
+            <a:r>
+              <a:rPr lang="en-US" altLang="zh-CN" dirty="0" err="1"/>
+              <a:t>kubectl</a:t>
+            </a:r>
+            <a:r>
+              <a:rPr lang="en-US" altLang="zh-CN" dirty="0"/>
+              <a:t> delete -f – </a:t>
+            </a:r>
+          </a:p>
+          <a:p>
+            <a:r>
+              <a:rPr lang="en-US" altLang="zh-CN" dirty="0" err="1"/>
+              <a:t>kubectl</a:t>
+            </a:r>
+            <a:r>
+              <a:rPr lang="en-US" altLang="zh-CN" dirty="0"/>
+              <a:t> delete ns </a:t>
+            </a:r>
+            <a:r>
+              <a:rPr lang="en-US" altLang="zh-CN" dirty="0" err="1"/>
+              <a:t>istio</a:t>
+            </a:r>
+            <a:r>
+              <a:rPr lang="en-US" altLang="zh-CN" dirty="0"/>
+              <a:t>-system --grace-period=0 --force</a:t>
+            </a:r>
+          </a:p>
+          <a:p>
+            <a:endParaRPr lang="en-US" altLang="zh-CN" dirty="0"/>
+          </a:p>
+          <a:p>
+            <a:pPr marL="342900" indent="-342900">
+              <a:buAutoNum type="arabicPeriod" startAt="4"/>
+            </a:pPr>
+            <a:endParaRPr lang="zh-CN" altLang="en-US" dirty="0"/>
+          </a:p>
+        </p:txBody>
+      </p:sp>
+      <p:sp>
+        <p:nvSpPr>
+          <p:cNvPr id="4" name="日期占位符 3">
+            <a:extLst>
+              <a:ext uri="{FF2B5EF4-FFF2-40B4-BE49-F238E27FC236}">
+                <a16:creationId xmlns:a16="http://schemas.microsoft.com/office/drawing/2014/main" id="{089C2AEB-9546-4B02-8976-18F7BDE0B52A}"/>
+              </a:ext>
+            </a:extLst>
+          </p:cNvPr>
+          <p:cNvSpPr>
+            <a:spLocks noGrp="1"/>
+          </p:cNvSpPr>
+          <p:nvPr>
+            <p:ph type="dt" sz="half" idx="10"/>
+          </p:nvPr>
+        </p:nvSpPr>
+        <p:spPr/>
+        <p:txBody>
+          <a:bodyPr/>
+          <a:lstStyle/>
+          <a:p>
+            <a:pPr rtl="0"/>
+            <a:fld id="{F24FFC25-0C05-49C8-B150-3CF6B89B5C55}" type="datetime1">
+              <a:rPr lang="zh-CN" altLang="en-US" smtClean="0"/>
+              <a:t>2020/4/10</a:t>
+            </a:fld>
+            <a:endParaRPr lang="en-US" dirty="0"/>
+          </a:p>
+        </p:txBody>
+      </p:sp>
+      <p:pic>
+        <p:nvPicPr>
+          <p:cNvPr id="5" name="图片 4">
+            <a:extLst>
+              <a:ext uri="{FF2B5EF4-FFF2-40B4-BE49-F238E27FC236}">
+                <a16:creationId xmlns:a16="http://schemas.microsoft.com/office/drawing/2014/main" id="{85BDDAF0-CB6E-4E19-96C6-B59C4D483DF3}"/>
+              </a:ext>
+            </a:extLst>
+          </p:cNvPr>
+          <p:cNvPicPr>
+            <a:picLocks noChangeAspect="1"/>
+          </p:cNvPicPr>
+          <p:nvPr/>
+        </p:nvPicPr>
+        <p:blipFill>
+          <a:blip r:embed="rId2"/>
+          <a:stretch>
+            <a:fillRect/>
+          </a:stretch>
+        </p:blipFill>
+        <p:spPr>
+          <a:xfrm>
+            <a:off x="3544952" y="1314995"/>
+            <a:ext cx="4666667" cy="3971429"/>
+          </a:xfrm>
+          <a:prstGeom prst="rect">
+            <a:avLst/>
+          </a:prstGeom>
+        </p:spPr>
+      </p:pic>
+    </p:spTree>
+    <p:extLst>
+      <p:ext uri="{BB962C8B-B14F-4D97-AF65-F5344CB8AC3E}">
+        <p14:creationId xmlns:p14="http://schemas.microsoft.com/office/powerpoint/2010/main" val="993569648"/>
+      </p:ext>
+    </p:extLst>
+  </p:cSld>
+  <p:clrMapOvr>
+    <a:masterClrMapping/>
+  </p:clrMapOvr>
+</p:sld>
+</file>
+
+<file path=ppt/slides/slide24.xml><?xml version="1.0" encoding="utf-8"?>
+<p:sld xmlns:a="http://schemas.openxmlformats.org/drawingml/2006/main" xmlns:r="http://schemas.openxmlformats.org/officeDocument/2006/relationships" xmlns:p="http://schemas.openxmlformats.org/presentationml/2006/main">
+  <p:cSld>
+    <p:spTree>
+      <p:nvGrpSpPr>
+        <p:cNvPr id="1" name=""/>
+        <p:cNvGrpSpPr/>
+        <p:nvPr/>
+      </p:nvGrpSpPr>
+      <p:grpSpPr>
+        <a:xfrm>
+          <a:off x="0" y="0"/>
+          <a:ext cx="0" cy="0"/>
+          <a:chOff x="0" y="0"/>
+          <a:chExt cx="0" cy="0"/>
+        </a:xfrm>
+      </p:grpSpPr>
+      <p:sp>
+        <p:nvSpPr>
+          <p:cNvPr id="2" name="标题 1">
+            <a:extLst>
+              <a:ext uri="{FF2B5EF4-FFF2-40B4-BE49-F238E27FC236}">
+                <a16:creationId xmlns:a16="http://schemas.microsoft.com/office/drawing/2014/main" id="{E347AE1B-C16C-400D-8A94-ADBDED5C77C1}"/>
+              </a:ext>
+            </a:extLst>
+          </p:cNvPr>
+          <p:cNvSpPr>
+            <a:spLocks noGrp="1"/>
+          </p:cNvSpPr>
+          <p:nvPr>
+            <p:ph type="title"/>
+          </p:nvPr>
+        </p:nvSpPr>
+        <p:spPr>
+          <a:xfrm>
+            <a:off x="581192" y="702156"/>
+            <a:ext cx="11029616" cy="621547"/>
+          </a:xfrm>
+        </p:spPr>
+        <p:txBody>
+          <a:bodyPr>
+            <a:normAutofit/>
+          </a:bodyPr>
+          <a:lstStyle/>
+          <a:p>
+            <a:r>
+              <a:rPr lang="en-US" altLang="zh-CN" dirty="0"/>
+              <a:t>ISTIO</a:t>
+            </a:r>
+            <a:r>
+              <a:rPr lang="zh-CN" altLang="en-US" dirty="0"/>
+              <a:t>功能演示 </a:t>
+            </a:r>
+            <a:r>
+              <a:rPr lang="en-US" altLang="zh-CN" dirty="0"/>
+              <a:t>– Sidecar </a:t>
+            </a:r>
+            <a:r>
+              <a:rPr lang="zh-CN" altLang="en-US" dirty="0"/>
+              <a:t>注入</a:t>
+            </a:r>
+          </a:p>
+        </p:txBody>
+      </p:sp>
+      <p:sp>
+        <p:nvSpPr>
+          <p:cNvPr id="3" name="内容占位符 2">
+            <a:extLst>
+              <a:ext uri="{FF2B5EF4-FFF2-40B4-BE49-F238E27FC236}">
+                <a16:creationId xmlns:a16="http://schemas.microsoft.com/office/drawing/2014/main" id="{19304D0B-3875-48AA-968E-BC43E5336941}"/>
+              </a:ext>
+            </a:extLst>
+          </p:cNvPr>
+          <p:cNvSpPr>
+            <a:spLocks noGrp="1"/>
+          </p:cNvSpPr>
+          <p:nvPr>
+            <p:ph idx="1"/>
+          </p:nvPr>
+        </p:nvSpPr>
+        <p:spPr>
+          <a:xfrm>
+            <a:off x="581192" y="1619794"/>
+            <a:ext cx="11029615" cy="4355556"/>
+          </a:xfrm>
+        </p:spPr>
+        <p:txBody>
+          <a:bodyPr>
+            <a:normAutofit fontScale="77500" lnSpcReduction="20000"/>
+          </a:bodyPr>
+          <a:lstStyle/>
+          <a:p>
+            <a:r>
+              <a:rPr lang="en-US" altLang="zh-CN" dirty="0"/>
+              <a:t>1. </a:t>
+            </a:r>
+            <a:r>
+              <a:rPr lang="zh-CN" altLang="en-US" dirty="0"/>
+              <a:t>手动注入</a:t>
+            </a:r>
+            <a:endParaRPr lang="en-US" altLang="zh-CN" dirty="0"/>
+          </a:p>
+          <a:p>
+            <a:pPr marL="0" indent="0">
+              <a:buNone/>
+            </a:pPr>
+            <a:r>
+              <a:rPr lang="en-US" altLang="zh-CN" dirty="0" err="1"/>
+              <a:t>istioctl</a:t>
+            </a:r>
+            <a:r>
+              <a:rPr lang="en-US" altLang="zh-CN" dirty="0"/>
+              <a:t> </a:t>
+            </a:r>
+            <a:r>
+              <a:rPr lang="en-US" altLang="zh-CN" dirty="0" err="1"/>
+              <a:t>kube</a:t>
+            </a:r>
+            <a:r>
+              <a:rPr lang="en-US" altLang="zh-CN" dirty="0"/>
+              <a:t>-inject -f </a:t>
+            </a:r>
+            <a:r>
+              <a:rPr lang="en-US" altLang="zh-CN" dirty="0">
+                <a:hlinkClick r:id="rId2"/>
+              </a:rPr>
+              <a:t>samples/sleep/</a:t>
+            </a:r>
+            <a:r>
+              <a:rPr lang="en-US" altLang="zh-CN" dirty="0" err="1">
+                <a:hlinkClick r:id="rId2"/>
+              </a:rPr>
+              <a:t>sleep.yaml</a:t>
+            </a:r>
+            <a:r>
+              <a:rPr lang="en-US" altLang="zh-CN" dirty="0"/>
+              <a:t> | </a:t>
+            </a:r>
+            <a:r>
+              <a:rPr lang="en-US" altLang="zh-CN" dirty="0" err="1"/>
+              <a:t>kubectl</a:t>
+            </a:r>
+            <a:r>
+              <a:rPr lang="en-US" altLang="zh-CN" dirty="0"/>
+              <a:t> apply -f –</a:t>
+            </a:r>
+          </a:p>
+          <a:p>
+            <a:r>
+              <a:rPr lang="en-US" altLang="zh-CN" dirty="0"/>
+              <a:t>2. </a:t>
+            </a:r>
+            <a:r>
+              <a:rPr lang="zh-CN" altLang="en-US" dirty="0"/>
+              <a:t>自动注入</a:t>
+            </a:r>
+            <a:endParaRPr lang="en-US" altLang="zh-CN" dirty="0"/>
+          </a:p>
+          <a:p>
+            <a:pPr marL="0" indent="0">
+              <a:buNone/>
+            </a:pPr>
+            <a:r>
+              <a:rPr lang="en-US" altLang="zh-CN" dirty="0" err="1"/>
+              <a:t>kubectl</a:t>
+            </a:r>
+            <a:r>
+              <a:rPr lang="en-US" altLang="zh-CN" dirty="0"/>
+              <a:t> label namespace loc </a:t>
+            </a:r>
+            <a:r>
+              <a:rPr lang="en-US" altLang="zh-CN" dirty="0" err="1"/>
+              <a:t>istio</a:t>
+            </a:r>
+            <a:r>
+              <a:rPr lang="en-US" altLang="zh-CN" dirty="0"/>
+              <a:t>-injection=enabled </a:t>
+            </a:r>
+          </a:p>
+          <a:p>
+            <a:pPr marL="0" indent="0">
+              <a:buNone/>
+            </a:pPr>
+            <a:r>
+              <a:rPr lang="en-US" altLang="zh-CN" dirty="0" err="1"/>
+              <a:t>kubectl</a:t>
+            </a:r>
+            <a:r>
+              <a:rPr lang="en-US" altLang="zh-CN" dirty="0"/>
+              <a:t> get namespace -L </a:t>
+            </a:r>
+            <a:r>
+              <a:rPr lang="en-US" altLang="zh-CN" dirty="0" err="1"/>
+              <a:t>istio</a:t>
+            </a:r>
+            <a:r>
+              <a:rPr lang="en-US" altLang="zh-CN" dirty="0"/>
+              <a:t>-injection  </a:t>
+            </a:r>
+            <a:r>
+              <a:rPr lang="zh-CN" altLang="en-US" dirty="0"/>
+              <a:t>查看</a:t>
+            </a:r>
+            <a:endParaRPr lang="en-US" altLang="zh-CN" dirty="0"/>
+          </a:p>
+          <a:p>
+            <a:pPr marL="0" indent="0">
+              <a:buNone/>
+            </a:pPr>
+            <a:r>
+              <a:rPr lang="zh-CN" altLang="en-US" dirty="0"/>
+              <a:t>在</a:t>
+            </a:r>
+            <a:r>
+              <a:rPr lang="en-US" altLang="zh-CN" dirty="0"/>
+              <a:t>enabled </a:t>
+            </a:r>
+            <a:r>
+              <a:rPr lang="zh-CN" altLang="en-US" dirty="0"/>
+              <a:t>的命名空间中 在</a:t>
+            </a:r>
+            <a:r>
+              <a:rPr lang="en-US" altLang="zh-CN" dirty="0" err="1"/>
+              <a:t>yml</a:t>
+            </a:r>
+            <a:r>
+              <a:rPr lang="zh-CN" altLang="en-US" dirty="0"/>
+              <a:t>文件中标记不注入或者</a:t>
+            </a:r>
+            <a:r>
+              <a:rPr lang="en-US" altLang="zh-CN" dirty="0"/>
+              <a:t>disabled</a:t>
+            </a:r>
+            <a:r>
+              <a:rPr lang="zh-CN" altLang="en-US" dirty="0"/>
+              <a:t>中注入</a:t>
+            </a:r>
+            <a:endParaRPr lang="en-US" altLang="zh-CN" dirty="0"/>
+          </a:p>
+          <a:p>
+            <a:pPr marL="0" indent="0">
+              <a:buNone/>
+            </a:pPr>
+            <a:r>
+              <a:rPr lang="en-US" altLang="zh-CN" sz="1100" dirty="0" err="1"/>
+              <a:t>apiVersion</a:t>
+            </a:r>
+            <a:r>
+              <a:rPr lang="en-US" altLang="zh-CN" sz="1100" dirty="0"/>
+              <a:t>: apps/v1</a:t>
+            </a:r>
+          </a:p>
+          <a:p>
+            <a:pPr marL="0" indent="0">
+              <a:buNone/>
+            </a:pPr>
+            <a:r>
+              <a:rPr lang="en-US" altLang="zh-CN" sz="1100" dirty="0"/>
+              <a:t>kind: Deployment</a:t>
+            </a:r>
+          </a:p>
+          <a:p>
+            <a:pPr marL="0" indent="0">
+              <a:buNone/>
+            </a:pPr>
+            <a:r>
+              <a:rPr lang="en-US" altLang="zh-CN" sz="1100" dirty="0"/>
+              <a:t>metadata:</a:t>
+            </a:r>
+          </a:p>
+          <a:p>
+            <a:pPr marL="0" indent="0">
+              <a:buNone/>
+            </a:pPr>
+            <a:r>
+              <a:rPr lang="en-US" altLang="zh-CN" sz="1100" dirty="0"/>
+              <a:t>  name: ignored</a:t>
+            </a:r>
+          </a:p>
+          <a:p>
+            <a:pPr marL="0" indent="0">
+              <a:buNone/>
+            </a:pPr>
+            <a:r>
+              <a:rPr lang="en-US" altLang="zh-CN" sz="1100" dirty="0"/>
+              <a:t>spec:</a:t>
+            </a:r>
+          </a:p>
+          <a:p>
+            <a:pPr marL="0" indent="0">
+              <a:buNone/>
+            </a:pPr>
+            <a:r>
+              <a:rPr lang="en-US" altLang="zh-CN" sz="1100" dirty="0"/>
+              <a:t>  template:</a:t>
+            </a:r>
+          </a:p>
+          <a:p>
+            <a:pPr marL="0" indent="0">
+              <a:buNone/>
+            </a:pPr>
+            <a:r>
+              <a:rPr lang="en-US" altLang="zh-CN" sz="1100" dirty="0"/>
+              <a:t>    metadata:</a:t>
+            </a:r>
+          </a:p>
+          <a:p>
+            <a:pPr marL="0" indent="0">
+              <a:buNone/>
+            </a:pPr>
+            <a:r>
+              <a:rPr lang="en-US" altLang="zh-CN" sz="1100" dirty="0"/>
+              <a:t>      annotations:</a:t>
+            </a:r>
+          </a:p>
+          <a:p>
+            <a:pPr marL="0" indent="0">
+              <a:buNone/>
+            </a:pPr>
+            <a:r>
+              <a:rPr lang="en-US" altLang="zh-CN" sz="1100" dirty="0"/>
+              <a:t>        sidecar.istio.io/inject: "false“</a:t>
+            </a:r>
+          </a:p>
+          <a:p>
+            <a:r>
+              <a:rPr lang="en-US" altLang="zh-CN" sz="1100" dirty="0"/>
+              <a:t>3. </a:t>
+            </a:r>
+            <a:r>
+              <a:rPr lang="zh-CN" altLang="en-US" sz="1100" dirty="0"/>
+              <a:t>禁用</a:t>
+            </a:r>
+            <a:endParaRPr lang="en-US" altLang="zh-CN" sz="1100" dirty="0"/>
+          </a:p>
+          <a:p>
+            <a:pPr marL="0" indent="0">
+              <a:buNone/>
+            </a:pPr>
+            <a:r>
+              <a:rPr lang="en-US" altLang="zh-CN" dirty="0" err="1"/>
+              <a:t>kubectl</a:t>
+            </a:r>
+            <a:r>
+              <a:rPr lang="en-US" altLang="zh-CN" dirty="0"/>
+              <a:t> label namespace default </a:t>
+            </a:r>
+            <a:r>
+              <a:rPr lang="en-US" altLang="zh-CN" dirty="0" err="1"/>
+              <a:t>istio</a:t>
+            </a:r>
+            <a:r>
+              <a:rPr lang="en-US" altLang="zh-CN" dirty="0"/>
+              <a:t>-injection-</a:t>
+            </a:r>
+            <a:endParaRPr lang="zh-CN" altLang="en-US" sz="1100" dirty="0"/>
+          </a:p>
+        </p:txBody>
+      </p:sp>
+      <p:sp>
+        <p:nvSpPr>
+          <p:cNvPr id="4" name="日期占位符 3">
+            <a:extLst>
+              <a:ext uri="{FF2B5EF4-FFF2-40B4-BE49-F238E27FC236}">
+                <a16:creationId xmlns:a16="http://schemas.microsoft.com/office/drawing/2014/main" id="{ED5AD41E-1C6E-4A7D-A177-73448B2A78FD}"/>
+              </a:ext>
+            </a:extLst>
+          </p:cNvPr>
+          <p:cNvSpPr>
+            <a:spLocks noGrp="1"/>
+          </p:cNvSpPr>
+          <p:nvPr>
+            <p:ph type="dt" sz="half" idx="10"/>
+          </p:nvPr>
+        </p:nvSpPr>
+        <p:spPr/>
+        <p:txBody>
+          <a:bodyPr/>
+          <a:lstStyle/>
+          <a:p>
+            <a:pPr rtl="0"/>
+            <a:fld id="{F24FFC25-0C05-49C8-B150-3CF6B89B5C55}" type="datetime1">
+              <a:rPr lang="zh-CN" altLang="en-US" smtClean="0"/>
+              <a:t>2020/4/10</a:t>
+            </a:fld>
+            <a:endParaRPr lang="en-US" dirty="0"/>
+          </a:p>
+        </p:txBody>
+      </p:sp>
+    </p:spTree>
+    <p:extLst>
+      <p:ext uri="{BB962C8B-B14F-4D97-AF65-F5344CB8AC3E}">
+        <p14:creationId xmlns:p14="http://schemas.microsoft.com/office/powerpoint/2010/main" val="3270235935"/>
       </p:ext>
     </p:extLst>
   </p:cSld>

--- a/files/Service Mesh.pptx
+++ b/files/Service Mesh.pptx
@@ -5,10 +5,10 @@
     <p:sldMasterId id="2147483712" r:id="rId1"/>
   </p:sldMasterIdLst>
   <p:notesMasterIdLst>
-    <p:notesMasterId r:id="rId26"/>
+    <p:notesMasterId r:id="rId36"/>
   </p:notesMasterIdLst>
   <p:handoutMasterIdLst>
-    <p:handoutMasterId r:id="rId27"/>
+    <p:handoutMasterId r:id="rId37"/>
   </p:handoutMasterIdLst>
   <p:sldIdLst>
     <p:sldId id="257" r:id="rId2"/>
@@ -21,20 +21,30 @@
     <p:sldId id="259" r:id="rId9"/>
     <p:sldId id="266" r:id="rId10"/>
     <p:sldId id="267" r:id="rId11"/>
-    <p:sldId id="265" r:id="rId12"/>
-    <p:sldId id="269" r:id="rId13"/>
-    <p:sldId id="270" r:id="rId14"/>
-    <p:sldId id="271" r:id="rId15"/>
-    <p:sldId id="272" r:id="rId16"/>
-    <p:sldId id="273" r:id="rId17"/>
-    <p:sldId id="274" r:id="rId18"/>
-    <p:sldId id="275" r:id="rId19"/>
-    <p:sldId id="276" r:id="rId20"/>
-    <p:sldId id="268" r:id="rId21"/>
-    <p:sldId id="277" r:id="rId22"/>
-    <p:sldId id="278" r:id="rId23"/>
-    <p:sldId id="280" r:id="rId24"/>
-    <p:sldId id="279" r:id="rId25"/>
+    <p:sldId id="281" r:id="rId12"/>
+    <p:sldId id="282" r:id="rId13"/>
+    <p:sldId id="283" r:id="rId14"/>
+    <p:sldId id="284" r:id="rId15"/>
+    <p:sldId id="285" r:id="rId16"/>
+    <p:sldId id="286" r:id="rId17"/>
+    <p:sldId id="288" r:id="rId18"/>
+    <p:sldId id="289" r:id="rId19"/>
+    <p:sldId id="287" r:id="rId20"/>
+    <p:sldId id="290" r:id="rId21"/>
+    <p:sldId id="265" r:id="rId22"/>
+    <p:sldId id="269" r:id="rId23"/>
+    <p:sldId id="270" r:id="rId24"/>
+    <p:sldId id="271" r:id="rId25"/>
+    <p:sldId id="272" r:id="rId26"/>
+    <p:sldId id="273" r:id="rId27"/>
+    <p:sldId id="274" r:id="rId28"/>
+    <p:sldId id="275" r:id="rId29"/>
+    <p:sldId id="276" r:id="rId30"/>
+    <p:sldId id="268" r:id="rId31"/>
+    <p:sldId id="277" r:id="rId32"/>
+    <p:sldId id="278" r:id="rId33"/>
+    <p:sldId id="280" r:id="rId34"/>
+    <p:sldId id="279" r:id="rId35"/>
   </p:sldIdLst>
   <p:sldSz cx="12192000" cy="6858000"/>
   <p:notesSz cx="6858000" cy="9144000"/>
@@ -5615,7 +5625,7 @@
             <a:pPr rtl="0"/>
             <a:fld id="{3FDE3333-857A-4131-9EBA-B73C0C259FD7}" type="datetime1">
               <a:rPr lang="zh-CN" altLang="en-US" smtClean="0"/>
-              <a:t>2020/4/10</a:t>
+              <a:t>2020/4/13</a:t>
             </a:fld>
             <a:endParaRPr lang="en-US"/>
           </a:p>
@@ -5785,7 +5795,7 @@
             <a:pPr rtl="0"/>
             <a:fld id="{8CD12D00-6AAC-4A94-B2E5-A12E9C579B03}" type="datetime1">
               <a:rPr lang="zh-CN" altLang="en-US" smtClean="0"/>
-              <a:t>2020/4/10</a:t>
+              <a:t>2020/4/13</a:t>
             </a:fld>
             <a:endParaRPr lang="en-US"/>
           </a:p>
@@ -6299,7 +6309,7 @@
             <a:pPr rtl="0"/>
             <a:fld id="{73594A98-8FB4-4076-AE7B-5D3B1A2CBC70}" type="datetime1">
               <a:rPr lang="zh-CN" altLang="en-US" smtClean="0"/>
-              <a:t>2020/4/10</a:t>
+              <a:t>2020/4/13</a:t>
             </a:fld>
             <a:endParaRPr lang="en-US" dirty="0"/>
           </a:p>
@@ -6506,7 +6516,7 @@
             <a:pPr rtl="0"/>
             <a:fld id="{B3E0F2F7-3EF1-4761-ABAF-2FA9DDE4F1A8}" type="datetime1">
               <a:rPr lang="zh-CN" altLang="en-US" smtClean="0"/>
-              <a:t>2020/4/10</a:t>
+              <a:t>2020/4/13</a:t>
             </a:fld>
             <a:endParaRPr lang="en-US" dirty="0"/>
           </a:p>
@@ -6872,7 +6882,7 @@
             <a:pPr rtl="0"/>
             <a:fld id="{D563FC6D-277D-4D53-8EB6-E41026A24247}" type="datetime1">
               <a:rPr lang="zh-CN" altLang="en-US" smtClean="0"/>
-              <a:t>2020/4/10</a:t>
+              <a:t>2020/4/13</a:t>
             </a:fld>
             <a:endParaRPr lang="en-US" dirty="0"/>
           </a:p>
@@ -7074,7 +7084,7 @@
             <a:pPr rtl="0"/>
             <a:fld id="{F24FFC25-0C05-49C8-B150-3CF6B89B5C55}" type="datetime1">
               <a:rPr lang="zh-CN" altLang="en-US" smtClean="0"/>
-              <a:t>2020/4/10</a:t>
+              <a:t>2020/4/13</a:t>
             </a:fld>
             <a:endParaRPr lang="en-US" dirty="0"/>
           </a:p>
@@ -7390,7 +7400,7 @@
             <a:pPr rtl="0"/>
             <a:fld id="{DFC14310-5240-428A-850A-F7101D16AE5A}" type="datetime1">
               <a:rPr lang="zh-CN" altLang="en-US" smtClean="0"/>
-              <a:t>2020/4/10</a:t>
+              <a:t>2020/4/13</a:t>
             </a:fld>
             <a:endParaRPr lang="en-US" dirty="0"/>
           </a:p>
@@ -7647,7 +7657,7 @@
             <a:pPr rtl="0"/>
             <a:fld id="{71F85B13-09B0-4D01-A286-57280995F924}" type="datetime1">
               <a:rPr lang="zh-CN" altLang="en-US" smtClean="0"/>
-              <a:t>2020/4/10</a:t>
+              <a:t>2020/4/13</a:t>
             </a:fld>
             <a:endParaRPr lang="en-US" dirty="0"/>
           </a:p>
@@ -8073,7 +8083,7 @@
             <a:pPr rtl="0"/>
             <a:fld id="{F411FE78-D258-4188-9C5F-198CC4CE7F12}" type="datetime1">
               <a:rPr lang="zh-CN" altLang="en-US" smtClean="0"/>
-              <a:t>2020/4/10</a:t>
+              <a:t>2020/4/13</a:t>
             </a:fld>
             <a:endParaRPr lang="en-US" dirty="0"/>
           </a:p>
@@ -8200,7 +8210,7 @@
             <a:pPr rtl="0"/>
             <a:fld id="{BE491C52-D618-41DD-80F2-22500A780186}" type="datetime1">
               <a:rPr lang="zh-CN" altLang="en-US" smtClean="0"/>
-              <a:t>2020/4/10</a:t>
+              <a:t>2020/4/13</a:t>
             </a:fld>
             <a:endParaRPr lang="en-US" dirty="0"/>
           </a:p>
@@ -8298,7 +8308,7 @@
             <a:pPr rtl="0"/>
             <a:fld id="{26EE3488-748A-4EA8-9571-9D5A1694FA0A}" type="datetime1">
               <a:rPr lang="zh-CN" altLang="en-US" smtClean="0"/>
-              <a:t>2020/4/10</a:t>
+              <a:t>2020/4/13</a:t>
             </a:fld>
             <a:endParaRPr lang="en-US" dirty="0"/>
           </a:p>
@@ -8679,7 +8689,7 @@
             <a:pPr rtl="0"/>
             <a:fld id="{D7791703-7779-4492-8183-3F96B27D2540}" type="datetime1">
               <a:rPr lang="zh-CN" altLang="en-US" smtClean="0"/>
-              <a:t>2020/4/10</a:t>
+              <a:t>2020/4/13</a:t>
             </a:fld>
             <a:endParaRPr lang="en-US" dirty="0"/>
           </a:p>
@@ -8977,7 +8987,7 @@
             <a:pPr rtl="0"/>
             <a:fld id="{D4D22F12-409A-40D9-8774-D34C978752A7}" type="datetime1">
               <a:rPr lang="zh-CN" altLang="en-US" smtClean="0"/>
-              <a:t>2020/4/10</a:t>
+              <a:t>2020/4/13</a:t>
             </a:fld>
             <a:endParaRPr lang="en-US" dirty="0"/>
           </a:p>
@@ -9196,7 +9206,7 @@
           <a:p>
             <a:fld id="{4400FF2F-BAC0-4F33-9E13-F8F6FA55A14D}" type="datetime1">
               <a:rPr lang="zh-CN" altLang="en-US" smtClean="0"/>
-              <a:t>2020/4/10</a:t>
+              <a:t>2020/4/13</a:t>
             </a:fld>
             <a:endParaRPr lang="en-US" dirty="0"/>
           </a:p>
@@ -9971,9 +9981,14 @@
           <a:p>
             <a:pPr rtl="0"/>
             <a:r>
-              <a:rPr lang="zh-cn" dirty="0"/>
-              <a:t>Sit Dolor Amet</a:t>
-            </a:r>
+              <a:rPr lang="en-US" altLang="zh-CN" dirty="0"/>
+              <a:t>LCB </a:t>
+            </a:r>
+            <a:r>
+              <a:rPr lang="en-US" altLang="zh-CN" dirty="0" err="1"/>
+              <a:t>Jinwei</a:t>
+            </a:r>
+            <a:endParaRPr lang="zh-cn" dirty="0"/>
           </a:p>
         </p:txBody>
       </p:sp>
@@ -10228,7 +10243,7 @@
             <a:pPr rtl="0"/>
             <a:fld id="{F24FFC25-0C05-49C8-B150-3CF6B89B5C55}" type="datetime1">
               <a:rPr lang="zh-CN" altLang="en-US" smtClean="0"/>
-              <a:t>2020/4/10</a:t>
+              <a:t>2020/4/13</a:t>
             </a:fld>
             <a:endParaRPr lang="en-US" dirty="0"/>
           </a:p>
@@ -10451,6 +10466,2436 @@
           <p:cNvPr id="2" name="标题 1">
             <a:extLst>
               <a:ext uri="{FF2B5EF4-FFF2-40B4-BE49-F238E27FC236}">
+                <a16:creationId xmlns:a16="http://schemas.microsoft.com/office/drawing/2014/main" id="{DD6C89B5-E084-452C-A66F-6059B3974710}"/>
+              </a:ext>
+            </a:extLst>
+          </p:cNvPr>
+          <p:cNvSpPr>
+            <a:spLocks noGrp="1"/>
+          </p:cNvSpPr>
+          <p:nvPr>
+            <p:ph type="title"/>
+          </p:nvPr>
+        </p:nvSpPr>
+        <p:spPr/>
+        <p:txBody>
+          <a:bodyPr/>
+          <a:lstStyle/>
+          <a:p>
+            <a:r>
+              <a:rPr lang="en-US" altLang="zh-CN" dirty="0"/>
+              <a:t>linkerd2</a:t>
+            </a:r>
+            <a:br>
+              <a:rPr lang="en-US" altLang="zh-CN" dirty="0"/>
+            </a:br>
+            <a:endParaRPr lang="zh-CN" altLang="en-US" dirty="0"/>
+          </a:p>
+        </p:txBody>
+      </p:sp>
+      <p:sp>
+        <p:nvSpPr>
+          <p:cNvPr id="3" name="内容占位符 2">
+            <a:extLst>
+              <a:ext uri="{FF2B5EF4-FFF2-40B4-BE49-F238E27FC236}">
+                <a16:creationId xmlns:a16="http://schemas.microsoft.com/office/drawing/2014/main" id="{E6575A72-B550-4FAD-A917-E9546D5636E2}"/>
+              </a:ext>
+            </a:extLst>
+          </p:cNvPr>
+          <p:cNvSpPr>
+            <a:spLocks noGrp="1"/>
+          </p:cNvSpPr>
+          <p:nvPr>
+            <p:ph idx="1"/>
+          </p:nvPr>
+        </p:nvSpPr>
+        <p:spPr>
+          <a:xfrm>
+            <a:off x="581192" y="1890876"/>
+            <a:ext cx="11029615" cy="4084474"/>
+          </a:xfrm>
+        </p:spPr>
+        <p:txBody>
+          <a:bodyPr/>
+          <a:lstStyle/>
+          <a:p>
+            <a:r>
+              <a:rPr lang="zh-CN" altLang="en-US" dirty="0"/>
+              <a:t>什么是</a:t>
+            </a:r>
+            <a:r>
+              <a:rPr lang="en-US" altLang="zh-CN" b="1" dirty="0" err="1"/>
+              <a:t>Linkerd</a:t>
+            </a:r>
+            <a:endParaRPr lang="en-US" altLang="zh-CN" b="1" dirty="0"/>
+          </a:p>
+          <a:p>
+            <a:r>
+              <a:rPr lang="en-US" altLang="zh-CN" dirty="0" err="1"/>
+              <a:t>Linkerd</a:t>
+            </a:r>
+            <a:r>
+              <a:rPr lang="zh-CN" altLang="en-US" dirty="0"/>
+              <a:t>和</a:t>
+            </a:r>
+            <a:r>
+              <a:rPr lang="en-US" altLang="zh-CN" dirty="0"/>
+              <a:t>Istio</a:t>
+            </a:r>
+            <a:r>
+              <a:rPr lang="zh-CN" altLang="en-US" dirty="0"/>
+              <a:t>有什么区别</a:t>
+            </a:r>
+            <a:endParaRPr lang="en-US" altLang="zh-CN" b="1" dirty="0"/>
+          </a:p>
+          <a:p>
+            <a:r>
+              <a:rPr lang="en-US" altLang="zh-CN" dirty="0" err="1"/>
+              <a:t>Linkerd</a:t>
+            </a:r>
+            <a:r>
+              <a:rPr lang="zh-CN" altLang="en-US" dirty="0"/>
+              <a:t>为什么不使用</a:t>
+            </a:r>
+            <a:r>
+              <a:rPr lang="en-US" altLang="zh-CN" dirty="0"/>
+              <a:t>Envoy</a:t>
+            </a:r>
+          </a:p>
+          <a:p>
+            <a:r>
+              <a:rPr lang="en-US" altLang="zh-CN" dirty="0" err="1"/>
+              <a:t>Linkerd</a:t>
+            </a:r>
+            <a:r>
+              <a:rPr lang="zh-CN" altLang="en-US" dirty="0"/>
+              <a:t>功能列表</a:t>
+            </a:r>
+            <a:endParaRPr lang="en-US" altLang="zh-CN" dirty="0"/>
+          </a:p>
+          <a:p>
+            <a:r>
+              <a:rPr lang="en-US" altLang="zh-CN" dirty="0" err="1"/>
+              <a:t>Linkerd</a:t>
+            </a:r>
+            <a:r>
+              <a:rPr lang="zh-CN" altLang="en-US" dirty="0"/>
+              <a:t>实际操作</a:t>
+            </a:r>
+          </a:p>
+        </p:txBody>
+      </p:sp>
+      <p:sp>
+        <p:nvSpPr>
+          <p:cNvPr id="4" name="日期占位符 3">
+            <a:extLst>
+              <a:ext uri="{FF2B5EF4-FFF2-40B4-BE49-F238E27FC236}">
+                <a16:creationId xmlns:a16="http://schemas.microsoft.com/office/drawing/2014/main" id="{F5035E11-DD4C-4254-BA11-DC2DF4B396FC}"/>
+              </a:ext>
+            </a:extLst>
+          </p:cNvPr>
+          <p:cNvSpPr>
+            <a:spLocks noGrp="1"/>
+          </p:cNvSpPr>
+          <p:nvPr>
+            <p:ph type="dt" sz="half" idx="10"/>
+          </p:nvPr>
+        </p:nvSpPr>
+        <p:spPr/>
+        <p:txBody>
+          <a:bodyPr/>
+          <a:lstStyle/>
+          <a:p>
+            <a:pPr rtl="0"/>
+            <a:fld id="{F24FFC25-0C05-49C8-B150-3CF6B89B5C55}" type="datetime1">
+              <a:rPr lang="zh-CN" altLang="en-US" smtClean="0"/>
+              <a:t>2020/4/13</a:t>
+            </a:fld>
+            <a:endParaRPr lang="en-US" dirty="0"/>
+          </a:p>
+        </p:txBody>
+      </p:sp>
+    </p:spTree>
+    <p:extLst>
+      <p:ext uri="{BB962C8B-B14F-4D97-AF65-F5344CB8AC3E}">
+        <p14:creationId xmlns:p14="http://schemas.microsoft.com/office/powerpoint/2010/main" val="1119734200"/>
+      </p:ext>
+    </p:extLst>
+  </p:cSld>
+  <p:clrMapOvr>
+    <a:masterClrMapping/>
+  </p:clrMapOvr>
+</p:sld>
+</file>
+
+<file path=ppt/slides/slide12.xml><?xml version="1.0" encoding="utf-8"?>
+<p:sld xmlns:a="http://schemas.openxmlformats.org/drawingml/2006/main" xmlns:r="http://schemas.openxmlformats.org/officeDocument/2006/relationships" xmlns:p="http://schemas.openxmlformats.org/presentationml/2006/main">
+  <p:cSld>
+    <p:spTree>
+      <p:nvGrpSpPr>
+        <p:cNvPr id="1" name=""/>
+        <p:cNvGrpSpPr/>
+        <p:nvPr/>
+      </p:nvGrpSpPr>
+      <p:grpSpPr>
+        <a:xfrm>
+          <a:off x="0" y="0"/>
+          <a:ext cx="0" cy="0"/>
+          <a:chOff x="0" y="0"/>
+          <a:chExt cx="0" cy="0"/>
+        </a:xfrm>
+      </p:grpSpPr>
+      <p:sp>
+        <p:nvSpPr>
+          <p:cNvPr id="2" name="标题 1">
+            <a:extLst>
+              <a:ext uri="{FF2B5EF4-FFF2-40B4-BE49-F238E27FC236}">
+                <a16:creationId xmlns:a16="http://schemas.microsoft.com/office/drawing/2014/main" id="{47BDD7D8-AF3D-44E7-8035-99F07712C082}"/>
+              </a:ext>
+            </a:extLst>
+          </p:cNvPr>
+          <p:cNvSpPr>
+            <a:spLocks noGrp="1"/>
+          </p:cNvSpPr>
+          <p:nvPr>
+            <p:ph type="title"/>
+          </p:nvPr>
+        </p:nvSpPr>
+        <p:spPr/>
+        <p:txBody>
+          <a:bodyPr/>
+          <a:lstStyle/>
+          <a:p>
+            <a:r>
+              <a:rPr lang="zh-CN" altLang="en-US" dirty="0"/>
+              <a:t>什么是</a:t>
+            </a:r>
+            <a:r>
+              <a:rPr lang="en-US" altLang="zh-CN" dirty="0" err="1"/>
+              <a:t>Linkerd</a:t>
+            </a:r>
+            <a:br>
+              <a:rPr lang="en-US" altLang="zh-CN" dirty="0"/>
+            </a:br>
+            <a:endParaRPr lang="zh-CN" altLang="en-US" dirty="0"/>
+          </a:p>
+        </p:txBody>
+      </p:sp>
+      <p:sp>
+        <p:nvSpPr>
+          <p:cNvPr id="3" name="内容占位符 2">
+            <a:extLst>
+              <a:ext uri="{FF2B5EF4-FFF2-40B4-BE49-F238E27FC236}">
+                <a16:creationId xmlns:a16="http://schemas.microsoft.com/office/drawing/2014/main" id="{72E9CDC2-D97C-485B-9751-625D190632A2}"/>
+              </a:ext>
+            </a:extLst>
+          </p:cNvPr>
+          <p:cNvSpPr>
+            <a:spLocks noGrp="1"/>
+          </p:cNvSpPr>
+          <p:nvPr>
+            <p:ph idx="1"/>
+          </p:nvPr>
+        </p:nvSpPr>
+        <p:spPr/>
+        <p:txBody>
+          <a:bodyPr/>
+          <a:lstStyle/>
+          <a:p>
+            <a:r>
+              <a:rPr lang="en-US" altLang="zh-CN" dirty="0" err="1"/>
+              <a:t>Linkerd</a:t>
+            </a:r>
+            <a:r>
+              <a:rPr lang="zh-CN" altLang="en-US" dirty="0"/>
+              <a:t>是服务网格。 它为云原生应用程序增加了可观察性，可靠性和安全性，而无需更改代码。 例如，</a:t>
+            </a:r>
+            <a:r>
+              <a:rPr lang="en-US" altLang="zh-CN" dirty="0" err="1"/>
+              <a:t>Linkerd</a:t>
+            </a:r>
+            <a:r>
+              <a:rPr lang="zh-CN" altLang="en-US" dirty="0"/>
+              <a:t>可以监视和报告每个服务的成功率和等待时间，可以自动重试失败的请求，并且可以加密和验证服务之间的连接，而无需对应用程序本身进行任何修改。</a:t>
+            </a:r>
+          </a:p>
+          <a:p>
+            <a:r>
+              <a:rPr lang="en-US" altLang="zh-CN" dirty="0" err="1"/>
+              <a:t>Linkerd</a:t>
+            </a:r>
+            <a:r>
+              <a:rPr lang="zh-CN" altLang="en-US" dirty="0"/>
+              <a:t>的工作方式是在每个应用程序实例旁边插入超轻代理（统称为“数据平面”）。 </a:t>
+            </a:r>
+            <a:r>
+              <a:rPr lang="en-US" altLang="zh-CN" dirty="0" err="1"/>
+              <a:t>Linkerd</a:t>
+            </a:r>
+            <a:r>
+              <a:rPr lang="zh-CN" altLang="en-US" dirty="0"/>
+              <a:t>的控制平面为操作员提供了一个统一点，他们可以在该点上控制和测量数据平面的行为。 操作员通常使用</a:t>
+            </a:r>
+            <a:r>
+              <a:rPr lang="en-US" altLang="zh-CN" dirty="0"/>
+              <a:t>CLI</a:t>
+            </a:r>
+            <a:r>
+              <a:rPr lang="zh-CN" altLang="en-US" dirty="0"/>
+              <a:t>和</a:t>
+            </a:r>
+            <a:r>
+              <a:rPr lang="en-US" altLang="zh-CN" dirty="0"/>
+              <a:t>Web</a:t>
+            </a:r>
+            <a:r>
+              <a:rPr lang="zh-CN" altLang="en-US" dirty="0"/>
+              <a:t>仪表板</a:t>
+            </a:r>
+            <a:r>
+              <a:rPr lang="en-US" altLang="zh-CN" dirty="0"/>
+              <a:t>UI</a:t>
+            </a:r>
+            <a:r>
+              <a:rPr lang="zh-CN" altLang="en-US" dirty="0"/>
+              <a:t>与</a:t>
+            </a:r>
+            <a:r>
+              <a:rPr lang="en-US" altLang="zh-CN" dirty="0" err="1"/>
+              <a:t>Linkerd</a:t>
+            </a:r>
+            <a:r>
+              <a:rPr lang="zh-CN" altLang="en-US" dirty="0"/>
+              <a:t>进行交互。</a:t>
+            </a:r>
+          </a:p>
+          <a:p>
+            <a:endParaRPr lang="zh-CN" altLang="en-US" dirty="0"/>
+          </a:p>
+        </p:txBody>
+      </p:sp>
+      <p:sp>
+        <p:nvSpPr>
+          <p:cNvPr id="4" name="日期占位符 3">
+            <a:extLst>
+              <a:ext uri="{FF2B5EF4-FFF2-40B4-BE49-F238E27FC236}">
+                <a16:creationId xmlns:a16="http://schemas.microsoft.com/office/drawing/2014/main" id="{21A851B7-3FDF-43AA-B587-32B965B84996}"/>
+              </a:ext>
+            </a:extLst>
+          </p:cNvPr>
+          <p:cNvSpPr>
+            <a:spLocks noGrp="1"/>
+          </p:cNvSpPr>
+          <p:nvPr>
+            <p:ph type="dt" sz="half" idx="10"/>
+          </p:nvPr>
+        </p:nvSpPr>
+        <p:spPr/>
+        <p:txBody>
+          <a:bodyPr/>
+          <a:lstStyle/>
+          <a:p>
+            <a:pPr rtl="0"/>
+            <a:fld id="{F24FFC25-0C05-49C8-B150-3CF6B89B5C55}" type="datetime1">
+              <a:rPr lang="zh-CN" altLang="en-US" smtClean="0"/>
+              <a:t>2020/4/13</a:t>
+            </a:fld>
+            <a:endParaRPr lang="en-US" dirty="0"/>
+          </a:p>
+        </p:txBody>
+      </p:sp>
+    </p:spTree>
+    <p:extLst>
+      <p:ext uri="{BB962C8B-B14F-4D97-AF65-F5344CB8AC3E}">
+        <p14:creationId xmlns:p14="http://schemas.microsoft.com/office/powerpoint/2010/main" val="3721198028"/>
+      </p:ext>
+    </p:extLst>
+  </p:cSld>
+  <p:clrMapOvr>
+    <a:masterClrMapping/>
+  </p:clrMapOvr>
+</p:sld>
+</file>
+
+<file path=ppt/slides/slide13.xml><?xml version="1.0" encoding="utf-8"?>
+<p:sld xmlns:a="http://schemas.openxmlformats.org/drawingml/2006/main" xmlns:r="http://schemas.openxmlformats.org/officeDocument/2006/relationships" xmlns:p="http://schemas.openxmlformats.org/presentationml/2006/main">
+  <p:cSld>
+    <p:spTree>
+      <p:nvGrpSpPr>
+        <p:cNvPr id="1" name=""/>
+        <p:cNvGrpSpPr/>
+        <p:nvPr/>
+      </p:nvGrpSpPr>
+      <p:grpSpPr>
+        <a:xfrm>
+          <a:off x="0" y="0"/>
+          <a:ext cx="0" cy="0"/>
+          <a:chOff x="0" y="0"/>
+          <a:chExt cx="0" cy="0"/>
+        </a:xfrm>
+      </p:grpSpPr>
+      <p:sp>
+        <p:nvSpPr>
+          <p:cNvPr id="2" name="标题 1">
+            <a:extLst>
+              <a:ext uri="{FF2B5EF4-FFF2-40B4-BE49-F238E27FC236}">
+                <a16:creationId xmlns:a16="http://schemas.microsoft.com/office/drawing/2014/main" id="{AE0B4978-6652-49A0-A8BB-48451A3028F4}"/>
+              </a:ext>
+            </a:extLst>
+          </p:cNvPr>
+          <p:cNvSpPr>
+            <a:spLocks noGrp="1"/>
+          </p:cNvSpPr>
+          <p:nvPr>
+            <p:ph type="title"/>
+          </p:nvPr>
+        </p:nvSpPr>
+        <p:spPr/>
+        <p:txBody>
+          <a:bodyPr/>
+          <a:lstStyle/>
+          <a:p>
+            <a:r>
+              <a:rPr lang="en-US" altLang="zh-CN" dirty="0" err="1"/>
+              <a:t>Linkerd</a:t>
+            </a:r>
+            <a:r>
+              <a:rPr lang="zh-CN" altLang="en-US" dirty="0"/>
+              <a:t>和</a:t>
+            </a:r>
+            <a:r>
+              <a:rPr lang="en-US" altLang="zh-CN" dirty="0"/>
+              <a:t>Istio</a:t>
+            </a:r>
+            <a:r>
+              <a:rPr lang="zh-CN" altLang="en-US" dirty="0"/>
+              <a:t>有什么区别</a:t>
+            </a:r>
+            <a:br>
+              <a:rPr lang="en-US" altLang="zh-CN" dirty="0"/>
+            </a:br>
+            <a:endParaRPr lang="zh-CN" altLang="en-US" dirty="0"/>
+          </a:p>
+        </p:txBody>
+      </p:sp>
+      <p:sp>
+        <p:nvSpPr>
+          <p:cNvPr id="3" name="内容占位符 2">
+            <a:extLst>
+              <a:ext uri="{FF2B5EF4-FFF2-40B4-BE49-F238E27FC236}">
+                <a16:creationId xmlns:a16="http://schemas.microsoft.com/office/drawing/2014/main" id="{7C4369B1-EDA5-4D8D-80C6-C911ABE63281}"/>
+              </a:ext>
+            </a:extLst>
+          </p:cNvPr>
+          <p:cNvSpPr>
+            <a:spLocks noGrp="1"/>
+          </p:cNvSpPr>
+          <p:nvPr>
+            <p:ph idx="1"/>
+          </p:nvPr>
+        </p:nvSpPr>
+        <p:spPr>
+          <a:xfrm>
+            <a:off x="581192" y="2340863"/>
+            <a:ext cx="11029615" cy="3920599"/>
+          </a:xfrm>
+        </p:spPr>
+        <p:txBody>
+          <a:bodyPr>
+            <a:normAutofit/>
+          </a:bodyPr>
+          <a:lstStyle/>
+          <a:p>
+            <a:pPr marL="0" indent="0">
+              <a:buNone/>
+            </a:pPr>
+            <a:r>
+              <a:rPr lang="en-US" altLang="zh-CN" dirty="0" err="1"/>
+              <a:t>Linkerd</a:t>
+            </a:r>
+            <a:r>
+              <a:rPr lang="zh-CN" altLang="en-US" dirty="0"/>
+              <a:t>和</a:t>
+            </a:r>
+            <a:r>
+              <a:rPr lang="en-US" altLang="zh-CN" dirty="0"/>
+              <a:t>Istio</a:t>
+            </a:r>
+            <a:r>
+              <a:rPr lang="zh-CN" altLang="en-US" dirty="0"/>
+              <a:t>都是服务网格。 尽管这两个项目具有相似的目标，但在设计上还是存在一些重大差异：</a:t>
+            </a:r>
+            <a:endParaRPr lang="en-US" altLang="zh-CN" dirty="0"/>
+          </a:p>
+          <a:p>
+            <a:r>
+              <a:rPr lang="en-US" altLang="zh-CN" dirty="0" err="1"/>
+              <a:t>Linkerd</a:t>
+            </a:r>
+            <a:r>
+              <a:rPr lang="zh-CN" altLang="en-US" dirty="0"/>
+              <a:t>专注于简单性，速度和低资源使用率。 尽管目前功能较少，但它比</a:t>
+            </a:r>
+            <a:r>
+              <a:rPr lang="en-US" altLang="zh-CN" dirty="0"/>
+              <a:t>Istio</a:t>
+            </a:r>
+            <a:r>
+              <a:rPr lang="zh-CN" altLang="en-US" dirty="0"/>
+              <a:t>小得多且速度更快。</a:t>
+            </a:r>
+            <a:endParaRPr lang="en-US" altLang="zh-CN" dirty="0"/>
+          </a:p>
+          <a:p>
+            <a:r>
+              <a:rPr lang="en-US" altLang="zh-CN" dirty="0" err="1"/>
+              <a:t>Linkerd</a:t>
+            </a:r>
+            <a:r>
+              <a:rPr lang="zh-CN" altLang="en-US" dirty="0"/>
+              <a:t>从根本上为安全性而构建，其范围包括默认的</a:t>
+            </a:r>
+            <a:r>
+              <a:rPr lang="en-US" altLang="zh-CN" dirty="0" err="1"/>
+              <a:t>mTLS</a:t>
+            </a:r>
+            <a:r>
+              <a:rPr lang="zh-CN" altLang="en-US" dirty="0"/>
+              <a:t>等功能，以内存安全语言（</a:t>
+            </a:r>
+            <a:r>
+              <a:rPr lang="en-US" altLang="zh-CN" dirty="0"/>
+              <a:t>rust</a:t>
+            </a:r>
+            <a:r>
+              <a:rPr lang="zh-CN" altLang="en-US" dirty="0"/>
+              <a:t>）构建的数据平面以及定期的安全审核。</a:t>
+            </a:r>
+            <a:endParaRPr lang="en-US" altLang="zh-CN" dirty="0"/>
+          </a:p>
+          <a:p>
+            <a:r>
+              <a:rPr lang="en-US" altLang="zh-CN" dirty="0" err="1"/>
+              <a:t>Linkerd</a:t>
+            </a:r>
+            <a:r>
+              <a:rPr lang="zh-CN" altLang="en-US" dirty="0"/>
+              <a:t>致力于开放治理，由一个中立的基金会托管。</a:t>
+            </a:r>
+            <a:r>
+              <a:rPr lang="en-US" altLang="zh-CN" dirty="0"/>
+              <a:t>Istio</a:t>
+            </a:r>
+            <a:r>
+              <a:rPr lang="zh-CN" altLang="en-US" dirty="0"/>
+              <a:t>主要由谷歌控制。</a:t>
+            </a:r>
+            <a:endParaRPr lang="en-US" altLang="zh-CN" dirty="0"/>
+          </a:p>
+          <a:p>
+            <a:endParaRPr lang="en-US" altLang="zh-CN" dirty="0"/>
+          </a:p>
+          <a:p>
+            <a:pPr marL="0" indent="0">
+              <a:buNone/>
+            </a:pPr>
+            <a:r>
+              <a:rPr lang="zh-CN" altLang="en-US" dirty="0"/>
+              <a:t>当然，使用哪种服务网格的选择取决于具体情况。 </a:t>
+            </a:r>
+            <a:r>
+              <a:rPr lang="en-US" altLang="zh-CN" dirty="0" err="1"/>
+              <a:t>Linkerd</a:t>
+            </a:r>
+            <a:r>
+              <a:rPr lang="zh-CN" altLang="en-US" dirty="0"/>
+              <a:t>和</a:t>
+            </a:r>
+            <a:r>
+              <a:rPr lang="en-US" altLang="zh-CN" dirty="0"/>
+              <a:t>Istio</a:t>
+            </a:r>
+            <a:r>
+              <a:rPr lang="zh-CN" altLang="en-US" dirty="0"/>
+              <a:t>都在集群级别运行，因此可以在同一个组织中运行这两者。</a:t>
+            </a:r>
+            <a:endParaRPr lang="en-US" altLang="zh-CN" dirty="0"/>
+          </a:p>
+          <a:p>
+            <a:pPr marL="0" indent="0">
+              <a:buNone/>
+            </a:pPr>
+            <a:r>
+              <a:rPr lang="en-US" altLang="zh-CN" dirty="0" err="1"/>
+              <a:t>Linkerd</a:t>
+            </a:r>
+            <a:r>
+              <a:rPr lang="zh-CN" altLang="en-US" dirty="0"/>
+              <a:t>的代理不直接与</a:t>
+            </a:r>
+            <a:r>
+              <a:rPr lang="en-US" altLang="zh-CN" dirty="0"/>
+              <a:t>Kubernetes</a:t>
+            </a:r>
+            <a:r>
+              <a:rPr lang="zh-CN" altLang="en-US" dirty="0"/>
+              <a:t>集成，而是依靠控制平面获取服务发现信息。 代理被设计为即使无法到达控制平面也可以继续运行。</a:t>
+            </a:r>
+            <a:endParaRPr lang="en-US" altLang="zh-CN" dirty="0"/>
+          </a:p>
+          <a:p>
+            <a:pPr marL="0" indent="0">
+              <a:buNone/>
+            </a:pPr>
+            <a:endParaRPr lang="zh-CN" altLang="en-US" dirty="0"/>
+          </a:p>
+        </p:txBody>
+      </p:sp>
+      <p:sp>
+        <p:nvSpPr>
+          <p:cNvPr id="4" name="日期占位符 3">
+            <a:extLst>
+              <a:ext uri="{FF2B5EF4-FFF2-40B4-BE49-F238E27FC236}">
+                <a16:creationId xmlns:a16="http://schemas.microsoft.com/office/drawing/2014/main" id="{D38035A1-6A49-4C25-B4FB-51572080FE9B}"/>
+              </a:ext>
+            </a:extLst>
+          </p:cNvPr>
+          <p:cNvSpPr>
+            <a:spLocks noGrp="1"/>
+          </p:cNvSpPr>
+          <p:nvPr>
+            <p:ph type="dt" sz="half" idx="10"/>
+          </p:nvPr>
+        </p:nvSpPr>
+        <p:spPr/>
+        <p:txBody>
+          <a:bodyPr/>
+          <a:lstStyle/>
+          <a:p>
+            <a:pPr rtl="0"/>
+            <a:fld id="{F24FFC25-0C05-49C8-B150-3CF6B89B5C55}" type="datetime1">
+              <a:rPr lang="zh-CN" altLang="en-US" smtClean="0"/>
+              <a:t>2020/4/13</a:t>
+            </a:fld>
+            <a:endParaRPr lang="en-US" dirty="0"/>
+          </a:p>
+        </p:txBody>
+      </p:sp>
+    </p:spTree>
+    <p:extLst>
+      <p:ext uri="{BB962C8B-B14F-4D97-AF65-F5344CB8AC3E}">
+        <p14:creationId xmlns:p14="http://schemas.microsoft.com/office/powerpoint/2010/main" val="1921027903"/>
+      </p:ext>
+    </p:extLst>
+  </p:cSld>
+  <p:clrMapOvr>
+    <a:masterClrMapping/>
+  </p:clrMapOvr>
+</p:sld>
+</file>
+
+<file path=ppt/slides/slide14.xml><?xml version="1.0" encoding="utf-8"?>
+<p:sld xmlns:a="http://schemas.openxmlformats.org/drawingml/2006/main" xmlns:r="http://schemas.openxmlformats.org/officeDocument/2006/relationships" xmlns:p="http://schemas.openxmlformats.org/presentationml/2006/main">
+  <p:cSld>
+    <p:spTree>
+      <p:nvGrpSpPr>
+        <p:cNvPr id="1" name=""/>
+        <p:cNvGrpSpPr/>
+        <p:nvPr/>
+      </p:nvGrpSpPr>
+      <p:grpSpPr>
+        <a:xfrm>
+          <a:off x="0" y="0"/>
+          <a:ext cx="0" cy="0"/>
+          <a:chOff x="0" y="0"/>
+          <a:chExt cx="0" cy="0"/>
+        </a:xfrm>
+      </p:grpSpPr>
+      <p:sp>
+        <p:nvSpPr>
+          <p:cNvPr id="2" name="标题 1">
+            <a:extLst>
+              <a:ext uri="{FF2B5EF4-FFF2-40B4-BE49-F238E27FC236}">
+                <a16:creationId xmlns:a16="http://schemas.microsoft.com/office/drawing/2014/main" id="{E0F32F29-01CE-48D8-A094-3032A23E4351}"/>
+              </a:ext>
+            </a:extLst>
+          </p:cNvPr>
+          <p:cNvSpPr>
+            <a:spLocks noGrp="1"/>
+          </p:cNvSpPr>
+          <p:nvPr>
+            <p:ph type="title"/>
+          </p:nvPr>
+        </p:nvSpPr>
+        <p:spPr/>
+        <p:txBody>
+          <a:bodyPr/>
+          <a:lstStyle/>
+          <a:p>
+            <a:r>
+              <a:rPr lang="en-US" altLang="zh-CN" dirty="0" err="1"/>
+              <a:t>Linkerd</a:t>
+            </a:r>
+            <a:r>
+              <a:rPr lang="zh-CN" altLang="en-US" dirty="0"/>
+              <a:t>为什么不使用</a:t>
+            </a:r>
+            <a:r>
+              <a:rPr lang="en-US" altLang="zh-CN" dirty="0"/>
+              <a:t>Envoy</a:t>
+            </a:r>
+            <a:br>
+              <a:rPr lang="en-US" altLang="zh-CN" dirty="0"/>
+            </a:br>
+            <a:endParaRPr lang="zh-CN" altLang="en-US" dirty="0"/>
+          </a:p>
+        </p:txBody>
+      </p:sp>
+      <p:sp>
+        <p:nvSpPr>
+          <p:cNvPr id="3" name="内容占位符 2">
+            <a:extLst>
+              <a:ext uri="{FF2B5EF4-FFF2-40B4-BE49-F238E27FC236}">
+                <a16:creationId xmlns:a16="http://schemas.microsoft.com/office/drawing/2014/main" id="{893F6348-52F9-4DEE-9B52-5CB077D23395}"/>
+              </a:ext>
+            </a:extLst>
+          </p:cNvPr>
+          <p:cNvSpPr>
+            <a:spLocks noGrp="1"/>
+          </p:cNvSpPr>
+          <p:nvPr>
+            <p:ph idx="1"/>
+          </p:nvPr>
+        </p:nvSpPr>
+        <p:spPr/>
+        <p:txBody>
+          <a:bodyPr/>
+          <a:lstStyle/>
+          <a:p>
+            <a:r>
+              <a:rPr lang="en-US" altLang="zh-CN" dirty="0"/>
+              <a:t>Envoy</a:t>
+            </a:r>
+            <a:r>
+              <a:rPr lang="zh-CN" altLang="en-US" dirty="0"/>
+              <a:t>是通用代理。 </a:t>
+            </a:r>
+            <a:endParaRPr lang="en-US" altLang="zh-CN" dirty="0"/>
+          </a:p>
+          <a:p>
+            <a:r>
+              <a:rPr lang="en-US" altLang="zh-CN" dirty="0"/>
+              <a:t>Linkerd2</a:t>
+            </a:r>
+            <a:r>
+              <a:rPr lang="zh-CN" altLang="en-US" dirty="0"/>
+              <a:t>通过使用为服务网格边车用例专门构建的</a:t>
+            </a:r>
+            <a:r>
+              <a:rPr lang="en-US" altLang="zh-CN" dirty="0"/>
+              <a:t>linkerd2-proxy</a:t>
+            </a:r>
+            <a:r>
+              <a:rPr lang="zh-CN" altLang="en-US" dirty="0"/>
+              <a:t>，</a:t>
+            </a:r>
+            <a:r>
+              <a:rPr lang="en-US" altLang="zh-CN" dirty="0" err="1"/>
+              <a:t>Linkerd</a:t>
+            </a:r>
+            <a:r>
+              <a:rPr lang="zh-CN" altLang="en-US" dirty="0"/>
+              <a:t>比基于</a:t>
+            </a:r>
+            <a:r>
+              <a:rPr lang="en-US" altLang="zh-CN" dirty="0"/>
+              <a:t>Envoy</a:t>
+            </a:r>
+            <a:r>
+              <a:rPr lang="zh-CN" altLang="en-US" dirty="0"/>
+              <a:t>的服务网格明显更小，更快。 此外，</a:t>
+            </a:r>
+            <a:r>
+              <a:rPr lang="en-US" altLang="zh-CN" dirty="0"/>
+              <a:t>Rust</a:t>
+            </a:r>
+            <a:r>
+              <a:rPr lang="zh-CN" altLang="en-US" dirty="0"/>
+              <a:t>为</a:t>
+            </a:r>
+            <a:r>
+              <a:rPr lang="en-US" altLang="zh-CN" dirty="0"/>
+              <a:t>linkerd2-proxy</a:t>
+            </a:r>
+            <a:r>
+              <a:rPr lang="zh-CN" altLang="en-US" dirty="0"/>
+              <a:t>的选择使</a:t>
+            </a:r>
+            <a:r>
+              <a:rPr lang="en-US" altLang="zh-CN" dirty="0" err="1"/>
+              <a:t>Linkerd</a:t>
+            </a:r>
+            <a:r>
+              <a:rPr lang="zh-CN" altLang="en-US" dirty="0"/>
+              <a:t>避免了一整类</a:t>
+            </a:r>
+            <a:r>
+              <a:rPr lang="en-US" altLang="zh-CN" dirty="0"/>
+              <a:t>CVE</a:t>
+            </a:r>
+            <a:r>
+              <a:rPr lang="zh-CN" altLang="en-US" dirty="0"/>
+              <a:t>和漏洞，这些漏洞可能影响以非内存安全语言（例如</a:t>
+            </a:r>
+            <a:r>
+              <a:rPr lang="en-US" altLang="zh-CN" dirty="0"/>
+              <a:t>C ++</a:t>
+            </a:r>
+            <a:r>
+              <a:rPr lang="zh-CN" altLang="en-US" dirty="0"/>
+              <a:t>）编写的代理，这是针对以</a:t>
+            </a:r>
+            <a:r>
+              <a:rPr lang="en-US" altLang="zh-CN" dirty="0" err="1"/>
+              <a:t>Linkerd</a:t>
+            </a:r>
+            <a:r>
+              <a:rPr lang="zh-CN" altLang="en-US" dirty="0"/>
+              <a:t>为重点的安全项目的关键要求。</a:t>
+            </a:r>
+          </a:p>
+        </p:txBody>
+      </p:sp>
+      <p:sp>
+        <p:nvSpPr>
+          <p:cNvPr id="4" name="日期占位符 3">
+            <a:extLst>
+              <a:ext uri="{FF2B5EF4-FFF2-40B4-BE49-F238E27FC236}">
+                <a16:creationId xmlns:a16="http://schemas.microsoft.com/office/drawing/2014/main" id="{0A3B2764-E505-47C7-8341-26684404CFF1}"/>
+              </a:ext>
+            </a:extLst>
+          </p:cNvPr>
+          <p:cNvSpPr>
+            <a:spLocks noGrp="1"/>
+          </p:cNvSpPr>
+          <p:nvPr>
+            <p:ph type="dt" sz="half" idx="10"/>
+          </p:nvPr>
+        </p:nvSpPr>
+        <p:spPr/>
+        <p:txBody>
+          <a:bodyPr/>
+          <a:lstStyle/>
+          <a:p>
+            <a:pPr rtl="0"/>
+            <a:fld id="{F24FFC25-0C05-49C8-B150-3CF6B89B5C55}" type="datetime1">
+              <a:rPr lang="zh-CN" altLang="en-US" smtClean="0"/>
+              <a:t>2020/4/13</a:t>
+            </a:fld>
+            <a:endParaRPr lang="en-US" dirty="0"/>
+          </a:p>
+        </p:txBody>
+      </p:sp>
+    </p:spTree>
+    <p:extLst>
+      <p:ext uri="{BB962C8B-B14F-4D97-AF65-F5344CB8AC3E}">
+        <p14:creationId xmlns:p14="http://schemas.microsoft.com/office/powerpoint/2010/main" val="1865339059"/>
+      </p:ext>
+    </p:extLst>
+  </p:cSld>
+  <p:clrMapOvr>
+    <a:masterClrMapping/>
+  </p:clrMapOvr>
+</p:sld>
+</file>
+
+<file path=ppt/slides/slide15.xml><?xml version="1.0" encoding="utf-8"?>
+<p:sld xmlns:a="http://schemas.openxmlformats.org/drawingml/2006/main" xmlns:r="http://schemas.openxmlformats.org/officeDocument/2006/relationships" xmlns:p="http://schemas.openxmlformats.org/presentationml/2006/main">
+  <p:cSld>
+    <p:spTree>
+      <p:nvGrpSpPr>
+        <p:cNvPr id="1" name=""/>
+        <p:cNvGrpSpPr/>
+        <p:nvPr/>
+      </p:nvGrpSpPr>
+      <p:grpSpPr>
+        <a:xfrm>
+          <a:off x="0" y="0"/>
+          <a:ext cx="0" cy="0"/>
+          <a:chOff x="0" y="0"/>
+          <a:chExt cx="0" cy="0"/>
+        </a:xfrm>
+      </p:grpSpPr>
+      <p:sp>
+        <p:nvSpPr>
+          <p:cNvPr id="2" name="标题 1">
+            <a:extLst>
+              <a:ext uri="{FF2B5EF4-FFF2-40B4-BE49-F238E27FC236}">
+                <a16:creationId xmlns:a16="http://schemas.microsoft.com/office/drawing/2014/main" id="{B74BFD7C-572A-49D9-AAA4-04C7BB318FAB}"/>
+              </a:ext>
+            </a:extLst>
+          </p:cNvPr>
+          <p:cNvSpPr>
+            <a:spLocks noGrp="1"/>
+          </p:cNvSpPr>
+          <p:nvPr>
+            <p:ph type="title"/>
+          </p:nvPr>
+        </p:nvSpPr>
+        <p:spPr>
+          <a:xfrm>
+            <a:off x="581191" y="580236"/>
+            <a:ext cx="11029616" cy="952473"/>
+          </a:xfrm>
+        </p:spPr>
+        <p:txBody>
+          <a:bodyPr/>
+          <a:lstStyle/>
+          <a:p>
+            <a:r>
+              <a:rPr lang="en-US" altLang="zh-CN" dirty="0" err="1"/>
+              <a:t>Linkerd</a:t>
+            </a:r>
+            <a:r>
+              <a:rPr lang="zh-CN" altLang="en-US" dirty="0"/>
+              <a:t>功能列表</a:t>
+            </a:r>
+            <a:br>
+              <a:rPr lang="en-US" altLang="zh-CN" dirty="0"/>
+            </a:br>
+            <a:endParaRPr lang="zh-CN" altLang="en-US" dirty="0"/>
+          </a:p>
+        </p:txBody>
+      </p:sp>
+      <p:sp>
+        <p:nvSpPr>
+          <p:cNvPr id="3" name="内容占位符 2">
+            <a:extLst>
+              <a:ext uri="{FF2B5EF4-FFF2-40B4-BE49-F238E27FC236}">
+                <a16:creationId xmlns:a16="http://schemas.microsoft.com/office/drawing/2014/main" id="{AAD8702D-03A5-4D14-9A1E-11306D70573B}"/>
+              </a:ext>
+            </a:extLst>
+          </p:cNvPr>
+          <p:cNvSpPr>
+            <a:spLocks noGrp="1"/>
+          </p:cNvSpPr>
+          <p:nvPr>
+            <p:ph idx="1"/>
+          </p:nvPr>
+        </p:nvSpPr>
+        <p:spPr>
+          <a:xfrm>
+            <a:off x="581191" y="1532709"/>
+            <a:ext cx="11029615" cy="5187297"/>
+          </a:xfrm>
+        </p:spPr>
+        <p:txBody>
+          <a:bodyPr>
+            <a:normAutofit fontScale="92500" lnSpcReduction="20000"/>
+          </a:bodyPr>
+          <a:lstStyle/>
+          <a:p>
+            <a:r>
+              <a:rPr lang="en-US" altLang="zh-CN" sz="1600" dirty="0"/>
+              <a:t>HTTP, HTTP/2, and </a:t>
+            </a:r>
+            <a:r>
+              <a:rPr lang="en-US" altLang="zh-CN" sz="1600" dirty="0" err="1"/>
+              <a:t>gRPC</a:t>
+            </a:r>
+            <a:r>
+              <a:rPr lang="en-US" altLang="zh-CN" sz="1600" dirty="0"/>
+              <a:t> </a:t>
+            </a:r>
+            <a:r>
+              <a:rPr lang="zh-CN" altLang="en-US" sz="1600" dirty="0"/>
+              <a:t>代理</a:t>
+            </a:r>
+            <a:endParaRPr lang="en-US" altLang="zh-CN" sz="1600" dirty="0"/>
+          </a:p>
+          <a:p>
+            <a:r>
+              <a:rPr lang="en-US" altLang="zh-CN" dirty="0"/>
+              <a:t>TCP</a:t>
+            </a:r>
+            <a:r>
+              <a:rPr lang="zh-CN" altLang="en-US" dirty="0"/>
+              <a:t>代理和协议检测</a:t>
+            </a:r>
+            <a:endParaRPr lang="en-US" altLang="zh-CN" dirty="0"/>
+          </a:p>
+          <a:p>
+            <a:r>
+              <a:rPr lang="zh-CN" altLang="en-US" dirty="0"/>
+              <a:t>重试和超时</a:t>
+            </a:r>
+            <a:endParaRPr lang="en-US" altLang="zh-CN" dirty="0"/>
+          </a:p>
+          <a:p>
+            <a:r>
+              <a:rPr lang="zh-CN" altLang="en-US" dirty="0"/>
+              <a:t>自动</a:t>
+            </a:r>
+            <a:r>
+              <a:rPr lang="en-US" altLang="zh-CN" dirty="0" err="1"/>
+              <a:t>mTLS</a:t>
+            </a:r>
+            <a:endParaRPr lang="en-US" altLang="zh-CN" dirty="0"/>
+          </a:p>
+          <a:p>
+            <a:r>
+              <a:rPr lang="zh-CN" altLang="en-US" dirty="0"/>
+              <a:t>为简单起见，</a:t>
+            </a:r>
+            <a:r>
+              <a:rPr lang="en-US" altLang="zh-CN" dirty="0" err="1"/>
+              <a:t>Linkerd</a:t>
+            </a:r>
+            <a:r>
+              <a:rPr lang="zh-CN" altLang="en-US" dirty="0"/>
+              <a:t>不提供</a:t>
+            </a:r>
+            <a:r>
+              <a:rPr lang="en-US" altLang="zh-CN" dirty="0" err="1"/>
+              <a:t>igress</a:t>
+            </a:r>
+            <a:r>
+              <a:rPr lang="zh-CN" altLang="en-US" dirty="0"/>
+              <a:t>本身</a:t>
+            </a:r>
+            <a:r>
+              <a:rPr lang="en-US" altLang="zh-CN" dirty="0"/>
+              <a:t> </a:t>
+            </a:r>
+          </a:p>
+          <a:p>
+            <a:r>
+              <a:rPr lang="zh-CN" altLang="en-US" dirty="0"/>
+              <a:t>遥测和监控</a:t>
+            </a:r>
+            <a:endParaRPr lang="en-US" altLang="zh-CN" dirty="0"/>
+          </a:p>
+          <a:p>
+            <a:r>
+              <a:rPr lang="zh-CN" altLang="en-US" dirty="0"/>
+              <a:t>负载均衡</a:t>
+            </a:r>
+            <a:r>
+              <a:rPr lang="en-US" altLang="zh-CN" dirty="0"/>
+              <a:t>(</a:t>
+            </a:r>
+            <a:r>
+              <a:rPr lang="en-US" altLang="zh-CN" dirty="0">
+                <a:hlinkClick r:id="rId2"/>
+              </a:rPr>
+              <a:t>Kubernetes </a:t>
+            </a:r>
+            <a:r>
+              <a:rPr lang="en-US" altLang="zh-CN" dirty="0" err="1">
+                <a:hlinkClick r:id="rId2"/>
+              </a:rPr>
+              <a:t>gRPC</a:t>
+            </a:r>
+            <a:r>
+              <a:rPr lang="en-US" altLang="zh-CN" dirty="0">
+                <a:hlinkClick r:id="rId2"/>
+              </a:rPr>
+              <a:t>-HTTP/2</a:t>
+            </a:r>
+            <a:r>
+              <a:rPr lang="zh-CN" altLang="en-US" dirty="0">
+                <a:hlinkClick r:id="rId2"/>
+              </a:rPr>
+              <a:t>默认的负载均衡是无效的</a:t>
+            </a:r>
+            <a:r>
+              <a:rPr lang="en-US" altLang="zh-CN" dirty="0"/>
+              <a:t>)</a:t>
+            </a:r>
+          </a:p>
+          <a:p>
+            <a:r>
+              <a:rPr lang="zh-CN" altLang="en-US" dirty="0"/>
+              <a:t>自动代理注入</a:t>
+            </a:r>
+            <a:endParaRPr lang="en-US" altLang="zh-CN" dirty="0"/>
+          </a:p>
+          <a:p>
+            <a:r>
+              <a:rPr lang="en-US" altLang="zh-CN" dirty="0"/>
+              <a:t>CNI Plugin</a:t>
+            </a:r>
+          </a:p>
+          <a:p>
+            <a:r>
+              <a:rPr lang="zh-CN" altLang="en-US" dirty="0"/>
+              <a:t>仪表板和</a:t>
+            </a:r>
+            <a:r>
+              <a:rPr lang="en-US" altLang="zh-CN" dirty="0"/>
+              <a:t>Grafana</a:t>
+            </a:r>
+          </a:p>
+          <a:p>
+            <a:r>
+              <a:rPr lang="zh-CN" altLang="en-US" dirty="0"/>
+              <a:t>分布式追踪</a:t>
+            </a:r>
+            <a:endParaRPr lang="en-US" altLang="zh-CN" dirty="0"/>
+          </a:p>
+          <a:p>
+            <a:r>
+              <a:rPr lang="zh-CN" altLang="en-US" dirty="0"/>
+              <a:t>故障注入</a:t>
+            </a:r>
+            <a:r>
+              <a:rPr lang="en-US" altLang="zh-CN" dirty="0"/>
+              <a:t>(</a:t>
+            </a:r>
+            <a:r>
+              <a:rPr lang="zh-CN" altLang="en-US" dirty="0"/>
+              <a:t>人为增加错误</a:t>
+            </a:r>
+            <a:r>
+              <a:rPr lang="en-US" altLang="zh-CN" dirty="0"/>
+              <a:t>)</a:t>
+            </a:r>
+          </a:p>
+          <a:p>
+            <a:r>
+              <a:rPr lang="zh-CN" altLang="en-US" dirty="0"/>
+              <a:t>高可用</a:t>
+            </a:r>
+            <a:endParaRPr lang="en-US" altLang="zh-CN" dirty="0"/>
+          </a:p>
+          <a:p>
+            <a:r>
+              <a:rPr lang="en-US" altLang="zh-CN" sz="1600" dirty="0"/>
+              <a:t>Service Profiles</a:t>
+            </a:r>
+          </a:p>
+          <a:p>
+            <a:r>
+              <a:rPr lang="zh-CN" altLang="en-US" dirty="0"/>
+              <a:t>流量分流</a:t>
+            </a:r>
+            <a:r>
+              <a:rPr lang="en-US" altLang="zh-CN" dirty="0"/>
+              <a:t>(</a:t>
+            </a:r>
+            <a:r>
+              <a:rPr lang="zh-CN" altLang="en-US" dirty="0"/>
+              <a:t>金丝雀，蓝 </a:t>
+            </a:r>
+            <a:r>
+              <a:rPr lang="en-US" altLang="zh-CN" dirty="0"/>
+              <a:t>/ </a:t>
+            </a:r>
+            <a:r>
+              <a:rPr lang="zh-CN" altLang="en-US" dirty="0"/>
+              <a:t>绿色部署</a:t>
+            </a:r>
+            <a:r>
+              <a:rPr lang="en-US" altLang="zh-CN" dirty="0"/>
+              <a:t>) </a:t>
+            </a:r>
+            <a:endParaRPr lang="zh-CN" altLang="en-US" dirty="0"/>
+          </a:p>
+        </p:txBody>
+      </p:sp>
+      <p:sp>
+        <p:nvSpPr>
+          <p:cNvPr id="4" name="日期占位符 3">
+            <a:extLst>
+              <a:ext uri="{FF2B5EF4-FFF2-40B4-BE49-F238E27FC236}">
+                <a16:creationId xmlns:a16="http://schemas.microsoft.com/office/drawing/2014/main" id="{C14D8450-6025-4DCC-B601-7340D7C5A69E}"/>
+              </a:ext>
+            </a:extLst>
+          </p:cNvPr>
+          <p:cNvSpPr>
+            <a:spLocks noGrp="1"/>
+          </p:cNvSpPr>
+          <p:nvPr>
+            <p:ph type="dt" sz="half" idx="10"/>
+          </p:nvPr>
+        </p:nvSpPr>
+        <p:spPr/>
+        <p:txBody>
+          <a:bodyPr/>
+          <a:lstStyle/>
+          <a:p>
+            <a:pPr rtl="0"/>
+            <a:fld id="{F24FFC25-0C05-49C8-B150-3CF6B89B5C55}" type="datetime1">
+              <a:rPr lang="zh-CN" altLang="en-US" smtClean="0"/>
+              <a:t>2020/4/13</a:t>
+            </a:fld>
+            <a:endParaRPr lang="en-US" dirty="0"/>
+          </a:p>
+        </p:txBody>
+      </p:sp>
+    </p:spTree>
+    <p:extLst>
+      <p:ext uri="{BB962C8B-B14F-4D97-AF65-F5344CB8AC3E}">
+        <p14:creationId xmlns:p14="http://schemas.microsoft.com/office/powerpoint/2010/main" val="989130227"/>
+      </p:ext>
+    </p:extLst>
+  </p:cSld>
+  <p:clrMapOvr>
+    <a:masterClrMapping/>
+  </p:clrMapOvr>
+</p:sld>
+</file>
+
+<file path=ppt/slides/slide16.xml><?xml version="1.0" encoding="utf-8"?>
+<p:sld xmlns:a="http://schemas.openxmlformats.org/drawingml/2006/main" xmlns:r="http://schemas.openxmlformats.org/officeDocument/2006/relationships" xmlns:p="http://schemas.openxmlformats.org/presentationml/2006/main">
+  <p:cSld>
+    <p:spTree>
+      <p:nvGrpSpPr>
+        <p:cNvPr id="1" name=""/>
+        <p:cNvGrpSpPr/>
+        <p:nvPr/>
+      </p:nvGrpSpPr>
+      <p:grpSpPr>
+        <a:xfrm>
+          <a:off x="0" y="0"/>
+          <a:ext cx="0" cy="0"/>
+          <a:chOff x="0" y="0"/>
+          <a:chExt cx="0" cy="0"/>
+        </a:xfrm>
+      </p:grpSpPr>
+      <p:sp>
+        <p:nvSpPr>
+          <p:cNvPr id="2" name="标题 1">
+            <a:extLst>
+              <a:ext uri="{FF2B5EF4-FFF2-40B4-BE49-F238E27FC236}">
+                <a16:creationId xmlns:a16="http://schemas.microsoft.com/office/drawing/2014/main" id="{F7971F76-95FC-41D7-9084-336C8E6A4B26}"/>
+              </a:ext>
+            </a:extLst>
+          </p:cNvPr>
+          <p:cNvSpPr>
+            <a:spLocks noGrp="1"/>
+          </p:cNvSpPr>
+          <p:nvPr>
+            <p:ph type="title"/>
+          </p:nvPr>
+        </p:nvSpPr>
+        <p:spPr/>
+        <p:txBody>
+          <a:bodyPr/>
+          <a:lstStyle/>
+          <a:p>
+            <a:r>
+              <a:rPr lang="en-US" altLang="zh-CN" dirty="0" err="1"/>
+              <a:t>Linkerd</a:t>
+            </a:r>
+            <a:r>
+              <a:rPr lang="zh-CN" altLang="en-US" dirty="0"/>
+              <a:t>实际操作 </a:t>
+            </a:r>
+            <a:r>
+              <a:rPr lang="en-US" altLang="zh-CN" dirty="0"/>
+              <a:t>– </a:t>
+            </a:r>
+            <a:r>
+              <a:rPr lang="zh-CN" altLang="en-US" dirty="0"/>
+              <a:t>安装</a:t>
+            </a:r>
+            <a:br>
+              <a:rPr lang="zh-CN" altLang="en-US" dirty="0"/>
+            </a:br>
+            <a:endParaRPr lang="zh-CN" altLang="en-US" dirty="0"/>
+          </a:p>
+        </p:txBody>
+      </p:sp>
+      <p:sp>
+        <p:nvSpPr>
+          <p:cNvPr id="4" name="日期占位符 3">
+            <a:extLst>
+              <a:ext uri="{FF2B5EF4-FFF2-40B4-BE49-F238E27FC236}">
+                <a16:creationId xmlns:a16="http://schemas.microsoft.com/office/drawing/2014/main" id="{DE19DAB7-2EF2-43DE-981A-2CF1D7BB8572}"/>
+              </a:ext>
+            </a:extLst>
+          </p:cNvPr>
+          <p:cNvSpPr>
+            <a:spLocks noGrp="1"/>
+          </p:cNvSpPr>
+          <p:nvPr>
+            <p:ph type="dt" sz="half" idx="10"/>
+          </p:nvPr>
+        </p:nvSpPr>
+        <p:spPr/>
+        <p:txBody>
+          <a:bodyPr/>
+          <a:lstStyle/>
+          <a:p>
+            <a:pPr rtl="0"/>
+            <a:fld id="{F24FFC25-0C05-49C8-B150-3CF6B89B5C55}" type="datetime1">
+              <a:rPr lang="zh-CN" altLang="en-US" smtClean="0"/>
+              <a:t>2020/4/13</a:t>
+            </a:fld>
+            <a:endParaRPr lang="en-US" dirty="0"/>
+          </a:p>
+        </p:txBody>
+      </p:sp>
+      <p:sp>
+        <p:nvSpPr>
+          <p:cNvPr id="6" name="内容占位符 5">
+            <a:extLst>
+              <a:ext uri="{FF2B5EF4-FFF2-40B4-BE49-F238E27FC236}">
+                <a16:creationId xmlns:a16="http://schemas.microsoft.com/office/drawing/2014/main" id="{A0BF8AE3-7370-4BAB-874D-40A0DB6201B9}"/>
+              </a:ext>
+            </a:extLst>
+          </p:cNvPr>
+          <p:cNvSpPr>
+            <a:spLocks noGrp="1"/>
+          </p:cNvSpPr>
+          <p:nvPr>
+            <p:ph idx="1"/>
+          </p:nvPr>
+        </p:nvSpPr>
+        <p:spPr>
+          <a:xfrm>
+            <a:off x="581192" y="1715589"/>
+            <a:ext cx="11029615" cy="4937760"/>
+          </a:xfrm>
+        </p:spPr>
+        <p:txBody>
+          <a:bodyPr>
+            <a:normAutofit fontScale="77500" lnSpcReduction="20000"/>
+          </a:bodyPr>
+          <a:lstStyle/>
+          <a:p>
+            <a:r>
+              <a:rPr lang="en-US" altLang="zh-CN" dirty="0"/>
+              <a:t># </a:t>
+            </a:r>
+            <a:r>
+              <a:rPr lang="zh-CN" altLang="en-US" dirty="0"/>
+              <a:t>安装</a:t>
+            </a:r>
+            <a:r>
+              <a:rPr lang="en-US" altLang="zh-CN" dirty="0" err="1"/>
+              <a:t>linkerd</a:t>
+            </a:r>
+            <a:r>
+              <a:rPr lang="en-US" altLang="zh-CN" dirty="0"/>
+              <a:t> CLI</a:t>
+            </a:r>
+          </a:p>
+          <a:p>
+            <a:r>
+              <a:rPr lang="en-US" altLang="zh-CN" dirty="0"/>
+              <a:t>curl -</a:t>
+            </a:r>
+            <a:r>
+              <a:rPr lang="en-US" altLang="zh-CN" dirty="0" err="1"/>
+              <a:t>sL</a:t>
+            </a:r>
+            <a:r>
+              <a:rPr lang="en-US" altLang="zh-CN" dirty="0"/>
+              <a:t> https://run.linkerd.io/install | </a:t>
+            </a:r>
+            <a:r>
+              <a:rPr lang="en-US" altLang="zh-CN" dirty="0" err="1"/>
+              <a:t>sh</a:t>
+            </a:r>
+            <a:endParaRPr lang="en-US" altLang="zh-CN" dirty="0"/>
+          </a:p>
+          <a:p>
+            <a:r>
+              <a:rPr lang="en-US" altLang="zh-CN" dirty="0"/>
+              <a:t># </a:t>
+            </a:r>
+            <a:r>
+              <a:rPr lang="zh-CN" altLang="en-US" dirty="0"/>
+              <a:t>设置环境变量</a:t>
+            </a:r>
+          </a:p>
+          <a:p>
+            <a:r>
+              <a:rPr lang="en-US" altLang="zh-CN" dirty="0"/>
+              <a:t>export PATH=$PATH:$HOME/.linkerd2/bin</a:t>
+            </a:r>
+          </a:p>
+          <a:p>
+            <a:r>
+              <a:rPr lang="en-US" altLang="zh-CN" dirty="0"/>
+              <a:t># </a:t>
+            </a:r>
+            <a:r>
+              <a:rPr lang="zh-CN" altLang="en-US" dirty="0"/>
+              <a:t>查看版本</a:t>
+            </a:r>
+          </a:p>
+          <a:p>
+            <a:r>
+              <a:rPr lang="en-US" altLang="zh-CN" dirty="0" err="1"/>
+              <a:t>linkerd</a:t>
+            </a:r>
+            <a:r>
+              <a:rPr lang="en-US" altLang="zh-CN" dirty="0"/>
+              <a:t> version</a:t>
+            </a:r>
+          </a:p>
+          <a:p>
+            <a:r>
+              <a:rPr lang="en-US" altLang="zh-CN" dirty="0"/>
+              <a:t># </a:t>
+            </a:r>
+            <a:r>
+              <a:rPr lang="zh-CN" altLang="en-US" dirty="0"/>
+              <a:t>安装</a:t>
+            </a:r>
+            <a:r>
+              <a:rPr lang="en-US" altLang="zh-CN" dirty="0" err="1"/>
+              <a:t>linkerd</a:t>
+            </a:r>
+            <a:r>
+              <a:rPr lang="zh-CN" altLang="en-US" dirty="0"/>
+              <a:t>到</a:t>
+            </a:r>
+            <a:r>
+              <a:rPr lang="en-US" altLang="zh-CN" dirty="0"/>
+              <a:t>k8s</a:t>
+            </a:r>
+            <a:r>
+              <a:rPr lang="zh-CN" altLang="en-US" dirty="0"/>
+              <a:t>之前的检查</a:t>
+            </a:r>
+          </a:p>
+          <a:p>
+            <a:r>
+              <a:rPr lang="en-US" altLang="zh-CN" dirty="0" err="1"/>
+              <a:t>linkerd</a:t>
+            </a:r>
+            <a:r>
+              <a:rPr lang="en-US" altLang="zh-CN" dirty="0"/>
+              <a:t> check --pre</a:t>
+            </a:r>
+          </a:p>
+          <a:p>
+            <a:r>
+              <a:rPr lang="en-US" altLang="zh-CN" dirty="0"/>
+              <a:t># </a:t>
+            </a:r>
+            <a:r>
+              <a:rPr lang="zh-CN" altLang="en-US" dirty="0"/>
+              <a:t>安装</a:t>
+            </a:r>
+            <a:r>
+              <a:rPr lang="en-US" altLang="zh-CN" dirty="0" err="1"/>
+              <a:t>linkerd</a:t>
+            </a:r>
+            <a:r>
+              <a:rPr lang="zh-CN" altLang="en-US" dirty="0"/>
+              <a:t>到</a:t>
+            </a:r>
+            <a:r>
+              <a:rPr lang="en-US" altLang="zh-CN" dirty="0"/>
+              <a:t>k8s(</a:t>
+            </a:r>
+            <a:r>
+              <a:rPr lang="zh-CN" altLang="en-US" dirty="0"/>
+              <a:t>需要梯子</a:t>
+            </a:r>
+            <a:r>
+              <a:rPr lang="en-US" altLang="zh-CN" dirty="0"/>
+              <a:t>)</a:t>
+            </a:r>
+          </a:p>
+          <a:p>
+            <a:r>
+              <a:rPr lang="en-US" altLang="zh-CN" dirty="0" err="1"/>
+              <a:t>linkerd</a:t>
+            </a:r>
+            <a:r>
+              <a:rPr lang="en-US" altLang="zh-CN" dirty="0"/>
+              <a:t> install | </a:t>
+            </a:r>
+            <a:r>
+              <a:rPr lang="en-US" altLang="zh-CN" dirty="0" err="1"/>
+              <a:t>kubectl</a:t>
+            </a:r>
+            <a:r>
+              <a:rPr lang="en-US" altLang="zh-CN" dirty="0"/>
+              <a:t> apply -f -</a:t>
+            </a:r>
+          </a:p>
+          <a:p>
+            <a:r>
+              <a:rPr lang="en-US" altLang="zh-CN" dirty="0"/>
+              <a:t># </a:t>
+            </a:r>
+            <a:r>
+              <a:rPr lang="zh-CN" altLang="en-US" dirty="0"/>
+              <a:t>等待安装</a:t>
+            </a:r>
+            <a:r>
+              <a:rPr lang="en-US" altLang="zh-CN" dirty="0" err="1"/>
+              <a:t>linkerd</a:t>
+            </a:r>
+            <a:r>
+              <a:rPr lang="zh-CN" altLang="en-US" dirty="0"/>
+              <a:t>完成</a:t>
+            </a:r>
+          </a:p>
+          <a:p>
+            <a:r>
+              <a:rPr lang="en-US" altLang="zh-CN" dirty="0" err="1"/>
+              <a:t>linkerd</a:t>
+            </a:r>
+            <a:r>
+              <a:rPr lang="en-US" altLang="zh-CN" dirty="0"/>
+              <a:t> check</a:t>
+            </a:r>
+          </a:p>
+          <a:p>
+            <a:r>
+              <a:rPr lang="en-US" altLang="zh-CN" dirty="0"/>
+              <a:t># </a:t>
+            </a:r>
+            <a:r>
+              <a:rPr lang="zh-CN" altLang="en-US" dirty="0"/>
+              <a:t>查看</a:t>
+            </a:r>
+          </a:p>
+          <a:p>
+            <a:r>
+              <a:rPr lang="en-US" altLang="zh-CN" dirty="0" err="1"/>
+              <a:t>kubectl</a:t>
+            </a:r>
+            <a:r>
+              <a:rPr lang="en-US" altLang="zh-CN" dirty="0"/>
+              <a:t> -n </a:t>
+            </a:r>
+            <a:r>
+              <a:rPr lang="en-US" altLang="zh-CN" dirty="0" err="1"/>
+              <a:t>linkerd</a:t>
+            </a:r>
+            <a:r>
+              <a:rPr lang="en-US" altLang="zh-CN" dirty="0"/>
+              <a:t> get deploy</a:t>
+            </a:r>
+          </a:p>
+          <a:p>
+            <a:r>
+              <a:rPr lang="en-US" altLang="zh-CN" dirty="0"/>
+              <a:t># </a:t>
+            </a:r>
+            <a:r>
+              <a:rPr lang="zh-CN" altLang="en-US" dirty="0"/>
+              <a:t>仪表板和</a:t>
+            </a:r>
+            <a:r>
+              <a:rPr lang="en-US" altLang="zh-CN" dirty="0"/>
+              <a:t>Grafana http://ip:50750/namespaces</a:t>
+            </a:r>
+          </a:p>
+          <a:p>
+            <a:r>
+              <a:rPr lang="en-US" altLang="zh-CN" dirty="0" err="1"/>
+              <a:t>linkerd</a:t>
+            </a:r>
+            <a:r>
+              <a:rPr lang="en-US" altLang="zh-CN" dirty="0"/>
+              <a:t> dashboard --address 0.0.0.0 &amp;</a:t>
+            </a:r>
+          </a:p>
+          <a:p>
+            <a:endParaRPr lang="zh-CN" altLang="en-US" dirty="0"/>
+          </a:p>
+        </p:txBody>
+      </p:sp>
+    </p:spTree>
+    <p:extLst>
+      <p:ext uri="{BB962C8B-B14F-4D97-AF65-F5344CB8AC3E}">
+        <p14:creationId xmlns:p14="http://schemas.microsoft.com/office/powerpoint/2010/main" val="1746224257"/>
+      </p:ext>
+    </p:extLst>
+  </p:cSld>
+  <p:clrMapOvr>
+    <a:masterClrMapping/>
+  </p:clrMapOvr>
+</p:sld>
+</file>
+
+<file path=ppt/slides/slide17.xml><?xml version="1.0" encoding="utf-8"?>
+<p:sld xmlns:a="http://schemas.openxmlformats.org/drawingml/2006/main" xmlns:r="http://schemas.openxmlformats.org/officeDocument/2006/relationships" xmlns:p="http://schemas.openxmlformats.org/presentationml/2006/main">
+  <p:cSld>
+    <p:spTree>
+      <p:nvGrpSpPr>
+        <p:cNvPr id="1" name=""/>
+        <p:cNvGrpSpPr/>
+        <p:nvPr/>
+      </p:nvGrpSpPr>
+      <p:grpSpPr>
+        <a:xfrm>
+          <a:off x="0" y="0"/>
+          <a:ext cx="0" cy="0"/>
+          <a:chOff x="0" y="0"/>
+          <a:chExt cx="0" cy="0"/>
+        </a:xfrm>
+      </p:grpSpPr>
+      <p:sp>
+        <p:nvSpPr>
+          <p:cNvPr id="2" name="标题 1">
+            <a:extLst>
+              <a:ext uri="{FF2B5EF4-FFF2-40B4-BE49-F238E27FC236}">
+                <a16:creationId xmlns:a16="http://schemas.microsoft.com/office/drawing/2014/main" id="{15F3478D-248E-4A50-86EB-7A52A8765590}"/>
+              </a:ext>
+            </a:extLst>
+          </p:cNvPr>
+          <p:cNvSpPr>
+            <a:spLocks noGrp="1"/>
+          </p:cNvSpPr>
+          <p:nvPr>
+            <p:ph type="title"/>
+          </p:nvPr>
+        </p:nvSpPr>
+        <p:spPr>
+          <a:xfrm>
+            <a:off x="485398" y="528199"/>
+            <a:ext cx="11029616" cy="874095"/>
+          </a:xfrm>
+        </p:spPr>
+        <p:txBody>
+          <a:bodyPr/>
+          <a:lstStyle/>
+          <a:p>
+            <a:r>
+              <a:rPr lang="en-US" altLang="zh-CN" dirty="0" err="1"/>
+              <a:t>Linkerd</a:t>
+            </a:r>
+            <a:r>
+              <a:rPr lang="zh-CN" altLang="en-US" dirty="0"/>
+              <a:t>实际操作 </a:t>
+            </a:r>
+            <a:r>
+              <a:rPr lang="en-US" altLang="zh-CN" dirty="0"/>
+              <a:t>– </a:t>
+            </a:r>
+            <a:r>
+              <a:rPr lang="zh-CN" altLang="en-US" dirty="0"/>
+              <a:t>分布式追踪</a:t>
+            </a:r>
+          </a:p>
+        </p:txBody>
+      </p:sp>
+      <p:sp>
+        <p:nvSpPr>
+          <p:cNvPr id="4" name="日期占位符 3">
+            <a:extLst>
+              <a:ext uri="{FF2B5EF4-FFF2-40B4-BE49-F238E27FC236}">
+                <a16:creationId xmlns:a16="http://schemas.microsoft.com/office/drawing/2014/main" id="{A9C78608-469F-41E9-A003-6A26C699BEA2}"/>
+              </a:ext>
+            </a:extLst>
+          </p:cNvPr>
+          <p:cNvSpPr>
+            <a:spLocks noGrp="1"/>
+          </p:cNvSpPr>
+          <p:nvPr>
+            <p:ph type="dt" sz="half" idx="10"/>
+          </p:nvPr>
+        </p:nvSpPr>
+        <p:spPr/>
+        <p:txBody>
+          <a:bodyPr/>
+          <a:lstStyle/>
+          <a:p>
+            <a:pPr rtl="0"/>
+            <a:fld id="{F24FFC25-0C05-49C8-B150-3CF6B89B5C55}" type="datetime1">
+              <a:rPr lang="zh-CN" altLang="en-US" smtClean="0"/>
+              <a:t>2020/4/13</a:t>
+            </a:fld>
+            <a:endParaRPr lang="en-US" dirty="0"/>
+          </a:p>
+        </p:txBody>
+      </p:sp>
+      <p:pic>
+        <p:nvPicPr>
+          <p:cNvPr id="6" name="图片 5">
+            <a:extLst>
+              <a:ext uri="{FF2B5EF4-FFF2-40B4-BE49-F238E27FC236}">
+                <a16:creationId xmlns:a16="http://schemas.microsoft.com/office/drawing/2014/main" id="{1D51BF4F-7762-48A8-8145-64695FA1F5A4}"/>
+              </a:ext>
+            </a:extLst>
+          </p:cNvPr>
+          <p:cNvPicPr>
+            <a:picLocks noChangeAspect="1"/>
+          </p:cNvPicPr>
+          <p:nvPr/>
+        </p:nvPicPr>
+        <p:blipFill>
+          <a:blip r:embed="rId2"/>
+          <a:stretch>
+            <a:fillRect/>
+          </a:stretch>
+        </p:blipFill>
+        <p:spPr>
+          <a:xfrm>
+            <a:off x="307893" y="1638368"/>
+            <a:ext cx="10142857" cy="5038095"/>
+          </a:xfrm>
+          <a:prstGeom prst="rect">
+            <a:avLst/>
+          </a:prstGeom>
+        </p:spPr>
+      </p:pic>
+      <p:pic>
+        <p:nvPicPr>
+          <p:cNvPr id="5" name="内容占位符 4">
+            <a:extLst>
+              <a:ext uri="{FF2B5EF4-FFF2-40B4-BE49-F238E27FC236}">
+                <a16:creationId xmlns:a16="http://schemas.microsoft.com/office/drawing/2014/main" id="{AE010058-E353-49CA-9F20-1498C77BE4A7}"/>
+              </a:ext>
+            </a:extLst>
+          </p:cNvPr>
+          <p:cNvPicPr>
+            <a:picLocks noGrp="1" noChangeAspect="1"/>
+          </p:cNvPicPr>
+          <p:nvPr>
+            <p:ph idx="1"/>
+          </p:nvPr>
+        </p:nvPicPr>
+        <p:blipFill>
+          <a:blip r:embed="rId3"/>
+          <a:stretch>
+            <a:fillRect/>
+          </a:stretch>
+        </p:blipFill>
+        <p:spPr>
+          <a:xfrm>
+            <a:off x="3240537" y="2071373"/>
+            <a:ext cx="8951463" cy="3919537"/>
+          </a:xfrm>
+          <a:prstGeom prst="rect">
+            <a:avLst/>
+          </a:prstGeom>
+        </p:spPr>
+      </p:pic>
+    </p:spTree>
+    <p:extLst>
+      <p:ext uri="{BB962C8B-B14F-4D97-AF65-F5344CB8AC3E}">
+        <p14:creationId xmlns:p14="http://schemas.microsoft.com/office/powerpoint/2010/main" val="1259040594"/>
+      </p:ext>
+    </p:extLst>
+  </p:cSld>
+  <p:clrMapOvr>
+    <a:masterClrMapping/>
+  </p:clrMapOvr>
+  <p:timing>
+    <p:tnLst>
+      <p:par>
+        <p:cTn id="1" dur="indefinite" restart="never" nodeType="tmRoot">
+          <p:childTnLst>
+            <p:seq concurrent="1" nextAc="seek">
+              <p:cTn id="2" dur="indefinite" nodeType="mainSeq">
+                <p:childTnLst>
+                  <p:par>
+                    <p:cTn id="3" fill="hold">
+                      <p:stCondLst>
+                        <p:cond delay="indefinite"/>
+                      </p:stCondLst>
+                      <p:childTnLst>
+                        <p:par>
+                          <p:cTn id="4" fill="hold">
+                            <p:stCondLst>
+                              <p:cond delay="0"/>
+                            </p:stCondLst>
+                            <p:childTnLst>
+                              <p:par>
+                                <p:cTn id="5" presetID="1" presetClass="entr" presetSubtype="0" fill="hold" nodeType="clickEffect">
+                                  <p:stCondLst>
+                                    <p:cond delay="0"/>
+                                  </p:stCondLst>
+                                  <p:childTnLst>
+                                    <p:set>
+                                      <p:cBhvr>
+                                        <p:cTn id="6" dur="1" fill="hold">
+                                          <p:stCondLst>
+                                            <p:cond delay="0"/>
+                                          </p:stCondLst>
+                                        </p:cTn>
+                                        <p:tgtEl>
+                                          <p:spTgt spid="6"/>
+                                        </p:tgtEl>
+                                        <p:attrNameLst>
+                                          <p:attrName>style.visibility</p:attrName>
+                                        </p:attrNameLst>
+                                      </p:cBhvr>
+                                      <p:to>
+                                        <p:strVal val="visible"/>
+                                      </p:to>
+                                    </p:set>
+                                  </p:childTnLst>
+                                </p:cTn>
+                              </p:par>
+                            </p:childTnLst>
+                          </p:cTn>
+                        </p:par>
+                      </p:childTnLst>
+                    </p:cTn>
+                  </p:par>
+                  <p:par>
+                    <p:cTn id="7" fill="hold">
+                      <p:stCondLst>
+                        <p:cond delay="indefinite"/>
+                      </p:stCondLst>
+                      <p:childTnLst>
+                        <p:par>
+                          <p:cTn id="8" fill="hold">
+                            <p:stCondLst>
+                              <p:cond delay="0"/>
+                            </p:stCondLst>
+                            <p:childTnLst>
+                              <p:par>
+                                <p:cTn id="9" presetID="2" presetClass="entr" presetSubtype="4" fill="hold" nodeType="clickEffect">
+                                  <p:stCondLst>
+                                    <p:cond delay="0"/>
+                                  </p:stCondLst>
+                                  <p:childTnLst>
+                                    <p:set>
+                                      <p:cBhvr>
+                                        <p:cTn id="10" dur="1" fill="hold">
+                                          <p:stCondLst>
+                                            <p:cond delay="0"/>
+                                          </p:stCondLst>
+                                        </p:cTn>
+                                        <p:tgtEl>
+                                          <p:spTgt spid="5"/>
+                                        </p:tgtEl>
+                                        <p:attrNameLst>
+                                          <p:attrName>style.visibility</p:attrName>
+                                        </p:attrNameLst>
+                                      </p:cBhvr>
+                                      <p:to>
+                                        <p:strVal val="visible"/>
+                                      </p:to>
+                                    </p:set>
+                                    <p:anim calcmode="lin" valueType="num">
+                                      <p:cBhvr additive="base">
+                                        <p:cTn id="11" dur="500" fill="hold"/>
+                                        <p:tgtEl>
+                                          <p:spTgt spid="5"/>
+                                        </p:tgtEl>
+                                        <p:attrNameLst>
+                                          <p:attrName>ppt_x</p:attrName>
+                                        </p:attrNameLst>
+                                      </p:cBhvr>
+                                      <p:tavLst>
+                                        <p:tav tm="0">
+                                          <p:val>
+                                            <p:strVal val="#ppt_x"/>
+                                          </p:val>
+                                        </p:tav>
+                                        <p:tav tm="100000">
+                                          <p:val>
+                                            <p:strVal val="#ppt_x"/>
+                                          </p:val>
+                                        </p:tav>
+                                      </p:tavLst>
+                                    </p:anim>
+                                    <p:anim calcmode="lin" valueType="num">
+                                      <p:cBhvr additive="base">
+                                        <p:cTn id="12" dur="500" fill="hold"/>
+                                        <p:tgtEl>
+                                          <p:spTgt spid="5"/>
+                                        </p:tgtEl>
+                                        <p:attrNameLst>
+                                          <p:attrName>ppt_y</p:attrName>
+                                        </p:attrNameLst>
+                                      </p:cBhvr>
+                                      <p:tavLst>
+                                        <p:tav tm="0">
+                                          <p:val>
+                                            <p:strVal val="1+#ppt_h/2"/>
+                                          </p:val>
+                                        </p:tav>
+                                        <p:tav tm="100000">
+                                          <p:val>
+                                            <p:strVal val="#ppt_y"/>
+                                          </p:val>
+                                        </p:tav>
+                                      </p:tavLst>
+                                    </p:anim>
+                                  </p:childTnLst>
+                                </p:cTn>
+                              </p:par>
+                            </p:childTnLst>
+                          </p:cTn>
+                        </p:par>
+                      </p:childTnLst>
+                    </p:cTn>
+                  </p:par>
+                </p:childTnLst>
+              </p:cTn>
+              <p:prevCondLst>
+                <p:cond evt="onPrev" delay="0">
+                  <p:tgtEl>
+                    <p:sldTgt/>
+                  </p:tgtEl>
+                </p:cond>
+              </p:prevCondLst>
+              <p:nextCondLst>
+                <p:cond evt="onNext" delay="0">
+                  <p:tgtEl>
+                    <p:sldTgt/>
+                  </p:tgtEl>
+                </p:cond>
+              </p:nextCondLst>
+            </p:seq>
+          </p:childTnLst>
+        </p:cTn>
+      </p:par>
+    </p:tnLst>
+  </p:timing>
+</p:sld>
+</file>
+
+<file path=ppt/slides/slide18.xml><?xml version="1.0" encoding="utf-8"?>
+<p:sld xmlns:a="http://schemas.openxmlformats.org/drawingml/2006/main" xmlns:r="http://schemas.openxmlformats.org/officeDocument/2006/relationships" xmlns:p="http://schemas.openxmlformats.org/presentationml/2006/main">
+  <p:cSld>
+    <p:spTree>
+      <p:nvGrpSpPr>
+        <p:cNvPr id="1" name=""/>
+        <p:cNvGrpSpPr/>
+        <p:nvPr/>
+      </p:nvGrpSpPr>
+      <p:grpSpPr>
+        <a:xfrm>
+          <a:off x="0" y="0"/>
+          <a:ext cx="0" cy="0"/>
+          <a:chOff x="0" y="0"/>
+          <a:chExt cx="0" cy="0"/>
+        </a:xfrm>
+      </p:grpSpPr>
+      <p:sp>
+        <p:nvSpPr>
+          <p:cNvPr id="4" name="日期占位符 3">
+            <a:extLst>
+              <a:ext uri="{FF2B5EF4-FFF2-40B4-BE49-F238E27FC236}">
+                <a16:creationId xmlns:a16="http://schemas.microsoft.com/office/drawing/2014/main" id="{47409EC2-3EFD-431B-A547-E4962208ADAD}"/>
+              </a:ext>
+            </a:extLst>
+          </p:cNvPr>
+          <p:cNvSpPr>
+            <a:spLocks noGrp="1"/>
+          </p:cNvSpPr>
+          <p:nvPr>
+            <p:ph type="dt" sz="half" idx="10"/>
+          </p:nvPr>
+        </p:nvSpPr>
+        <p:spPr/>
+        <p:txBody>
+          <a:bodyPr/>
+          <a:lstStyle/>
+          <a:p>
+            <a:pPr rtl="0"/>
+            <a:fld id="{F24FFC25-0C05-49C8-B150-3CF6B89B5C55}" type="datetime1">
+              <a:rPr lang="zh-CN" altLang="en-US" smtClean="0"/>
+              <a:t>2020/4/13</a:t>
+            </a:fld>
+            <a:endParaRPr lang="en-US" dirty="0"/>
+          </a:p>
+        </p:txBody>
+      </p:sp>
+      <p:sp>
+        <p:nvSpPr>
+          <p:cNvPr id="6" name="标题 5">
+            <a:extLst>
+              <a:ext uri="{FF2B5EF4-FFF2-40B4-BE49-F238E27FC236}">
+                <a16:creationId xmlns:a16="http://schemas.microsoft.com/office/drawing/2014/main" id="{88F34C54-4546-45C3-AF16-34F66D414DEF}"/>
+              </a:ext>
+            </a:extLst>
+          </p:cNvPr>
+          <p:cNvSpPr>
+            <a:spLocks noGrp="1"/>
+          </p:cNvSpPr>
+          <p:nvPr>
+            <p:ph type="title"/>
+          </p:nvPr>
+        </p:nvSpPr>
+        <p:spPr/>
+        <p:txBody>
+          <a:bodyPr/>
+          <a:lstStyle/>
+          <a:p>
+            <a:r>
+              <a:rPr lang="en-US" altLang="zh-CN" dirty="0" err="1"/>
+              <a:t>Linkerd</a:t>
+            </a:r>
+            <a:r>
+              <a:rPr lang="zh-CN" altLang="en-US" dirty="0"/>
+              <a:t>实际操作 </a:t>
+            </a:r>
+            <a:r>
+              <a:rPr lang="en-US" altLang="zh-CN" dirty="0"/>
+              <a:t>– </a:t>
+            </a:r>
+            <a:r>
+              <a:rPr lang="zh-CN" altLang="en-US" dirty="0"/>
+              <a:t>超时</a:t>
+            </a:r>
+          </a:p>
+        </p:txBody>
+      </p:sp>
+      <p:pic>
+        <p:nvPicPr>
+          <p:cNvPr id="8" name="图片 7">
+            <a:extLst>
+              <a:ext uri="{FF2B5EF4-FFF2-40B4-BE49-F238E27FC236}">
+                <a16:creationId xmlns:a16="http://schemas.microsoft.com/office/drawing/2014/main" id="{C3F56CD9-3116-4AD6-AAA5-1FFB21ECCA6F}"/>
+              </a:ext>
+            </a:extLst>
+          </p:cNvPr>
+          <p:cNvPicPr>
+            <a:picLocks noChangeAspect="1"/>
+          </p:cNvPicPr>
+          <p:nvPr/>
+        </p:nvPicPr>
+        <p:blipFill>
+          <a:blip r:embed="rId2"/>
+          <a:stretch>
+            <a:fillRect/>
+          </a:stretch>
+        </p:blipFill>
+        <p:spPr>
+          <a:xfrm>
+            <a:off x="1144526" y="2670897"/>
+            <a:ext cx="9171428" cy="3571429"/>
+          </a:xfrm>
+          <a:prstGeom prst="rect">
+            <a:avLst/>
+          </a:prstGeom>
+        </p:spPr>
+      </p:pic>
+    </p:spTree>
+    <p:extLst>
+      <p:ext uri="{BB962C8B-B14F-4D97-AF65-F5344CB8AC3E}">
+        <p14:creationId xmlns:p14="http://schemas.microsoft.com/office/powerpoint/2010/main" val="1726512029"/>
+      </p:ext>
+    </p:extLst>
+  </p:cSld>
+  <p:clrMapOvr>
+    <a:masterClrMapping/>
+  </p:clrMapOvr>
+</p:sld>
+</file>
+
+<file path=ppt/slides/slide19.xml><?xml version="1.0" encoding="utf-8"?>
+<p:sld xmlns:a="http://schemas.openxmlformats.org/drawingml/2006/main" xmlns:r="http://schemas.openxmlformats.org/officeDocument/2006/relationships" xmlns:p="http://schemas.openxmlformats.org/presentationml/2006/main">
+  <p:cSld>
+    <p:spTree>
+      <p:nvGrpSpPr>
+        <p:cNvPr id="1" name=""/>
+        <p:cNvGrpSpPr/>
+        <p:nvPr/>
+      </p:nvGrpSpPr>
+      <p:grpSpPr>
+        <a:xfrm>
+          <a:off x="0" y="0"/>
+          <a:ext cx="0" cy="0"/>
+          <a:chOff x="0" y="0"/>
+          <a:chExt cx="0" cy="0"/>
+        </a:xfrm>
+      </p:grpSpPr>
+      <p:sp>
+        <p:nvSpPr>
+          <p:cNvPr id="2" name="标题 1">
+            <a:extLst>
+              <a:ext uri="{FF2B5EF4-FFF2-40B4-BE49-F238E27FC236}">
+                <a16:creationId xmlns:a16="http://schemas.microsoft.com/office/drawing/2014/main" id="{4BDD6448-1D1D-4F97-B73C-AF4B67708CB1}"/>
+              </a:ext>
+            </a:extLst>
+          </p:cNvPr>
+          <p:cNvSpPr>
+            <a:spLocks noGrp="1"/>
+          </p:cNvSpPr>
+          <p:nvPr>
+            <p:ph type="title"/>
+          </p:nvPr>
+        </p:nvSpPr>
+        <p:spPr/>
+        <p:txBody>
+          <a:bodyPr/>
+          <a:lstStyle/>
+          <a:p>
+            <a:r>
+              <a:rPr lang="en-US" altLang="zh-CN" dirty="0" err="1"/>
+              <a:t>Linkerd</a:t>
+            </a:r>
+            <a:r>
+              <a:rPr lang="zh-CN" altLang="en-US" dirty="0"/>
+              <a:t>实际操作 </a:t>
+            </a:r>
+            <a:r>
+              <a:rPr lang="en-US" altLang="zh-CN" dirty="0"/>
+              <a:t>– </a:t>
+            </a:r>
+            <a:r>
+              <a:rPr lang="zh-CN" altLang="en-US" dirty="0"/>
+              <a:t>流量分流</a:t>
+            </a:r>
+          </a:p>
+        </p:txBody>
+      </p:sp>
+      <p:sp>
+        <p:nvSpPr>
+          <p:cNvPr id="3" name="内容占位符 2">
+            <a:extLst>
+              <a:ext uri="{FF2B5EF4-FFF2-40B4-BE49-F238E27FC236}">
+                <a16:creationId xmlns:a16="http://schemas.microsoft.com/office/drawing/2014/main" id="{ED0B8348-7E84-4665-BBB5-69A14B411BBD}"/>
+              </a:ext>
+            </a:extLst>
+          </p:cNvPr>
+          <p:cNvSpPr>
+            <a:spLocks noGrp="1"/>
+          </p:cNvSpPr>
+          <p:nvPr>
+            <p:ph idx="1"/>
+          </p:nvPr>
+        </p:nvSpPr>
+        <p:spPr/>
+        <p:txBody>
+          <a:bodyPr/>
+          <a:lstStyle/>
+          <a:p>
+            <a:r>
+              <a:rPr lang="en-US" altLang="zh-CN" dirty="0" err="1"/>
+              <a:t>Linkerd</a:t>
+            </a:r>
+            <a:r>
+              <a:rPr lang="zh-CN" altLang="en-US" dirty="0"/>
+              <a:t>通过服务网格接口（</a:t>
+            </a:r>
+            <a:r>
+              <a:rPr lang="en-US" altLang="zh-CN" dirty="0"/>
+              <a:t>SMI</a:t>
+            </a:r>
+            <a:r>
+              <a:rPr lang="zh-CN" altLang="en-US" dirty="0"/>
+              <a:t>）</a:t>
+            </a:r>
+            <a:r>
+              <a:rPr lang="en-US" altLang="zh-CN" dirty="0" err="1"/>
+              <a:t>TrafficSplit</a:t>
+            </a:r>
+            <a:r>
+              <a:rPr lang="en-US" altLang="zh-CN" dirty="0"/>
+              <a:t> API</a:t>
+            </a:r>
+            <a:r>
+              <a:rPr lang="zh-CN" altLang="en-US" dirty="0"/>
+              <a:t>公开了此功能，</a:t>
+            </a:r>
+            <a:r>
+              <a:rPr lang="en-US" altLang="zh-CN" dirty="0" err="1"/>
+              <a:t>Linkerd</a:t>
+            </a:r>
+            <a:r>
+              <a:rPr lang="zh-CN" altLang="en-US" dirty="0"/>
+              <a:t>与</a:t>
+            </a:r>
+            <a:r>
+              <a:rPr lang="en-US" altLang="zh-CN" dirty="0"/>
+              <a:t>Flagger</a:t>
+            </a:r>
+            <a:r>
+              <a:rPr lang="zh-CN" altLang="en-US" dirty="0"/>
+              <a:t>结合使用。</a:t>
+            </a:r>
+            <a:endParaRPr lang="en-US" altLang="zh-CN" dirty="0"/>
+          </a:p>
+          <a:p>
+            <a:r>
+              <a:rPr lang="en-US" altLang="zh-CN" dirty="0"/>
+              <a:t>Flagger</a:t>
+            </a:r>
+            <a:r>
+              <a:rPr lang="zh-CN" altLang="en-US" dirty="0"/>
+              <a:t>是一种渐进式交付工具，可将</a:t>
+            </a:r>
+            <a:r>
+              <a:rPr lang="en-US" altLang="zh-CN" dirty="0" err="1"/>
+              <a:t>Linkerd</a:t>
+            </a:r>
+            <a:r>
+              <a:rPr lang="zh-CN" altLang="en-US" dirty="0"/>
+              <a:t>的指标和流量拆分控制在一个控制环中，从而实现全自动的，支持指标的金丝雀部署。</a:t>
+            </a:r>
+            <a:endParaRPr lang="en-US" altLang="zh-CN" sz="1600" dirty="0"/>
+          </a:p>
+          <a:p>
+            <a:endParaRPr lang="zh-CN" altLang="en-US" dirty="0"/>
+          </a:p>
+        </p:txBody>
+      </p:sp>
+      <p:sp>
+        <p:nvSpPr>
+          <p:cNvPr id="4" name="日期占位符 3">
+            <a:extLst>
+              <a:ext uri="{FF2B5EF4-FFF2-40B4-BE49-F238E27FC236}">
+                <a16:creationId xmlns:a16="http://schemas.microsoft.com/office/drawing/2014/main" id="{22F00336-30CB-4F05-81AE-D6B9E841C5E7}"/>
+              </a:ext>
+            </a:extLst>
+          </p:cNvPr>
+          <p:cNvSpPr>
+            <a:spLocks noGrp="1"/>
+          </p:cNvSpPr>
+          <p:nvPr>
+            <p:ph type="dt" sz="half" idx="10"/>
+          </p:nvPr>
+        </p:nvSpPr>
+        <p:spPr/>
+        <p:txBody>
+          <a:bodyPr/>
+          <a:lstStyle/>
+          <a:p>
+            <a:pPr rtl="0"/>
+            <a:fld id="{F24FFC25-0C05-49C8-B150-3CF6B89B5C55}" type="datetime1">
+              <a:rPr lang="zh-CN" altLang="en-US" smtClean="0"/>
+              <a:t>2020/4/13</a:t>
+            </a:fld>
+            <a:endParaRPr lang="en-US" dirty="0"/>
+          </a:p>
+        </p:txBody>
+      </p:sp>
+    </p:spTree>
+    <p:extLst>
+      <p:ext uri="{BB962C8B-B14F-4D97-AF65-F5344CB8AC3E}">
+        <p14:creationId xmlns:p14="http://schemas.microsoft.com/office/powerpoint/2010/main" val="815633739"/>
+      </p:ext>
+    </p:extLst>
+  </p:cSld>
+  <p:clrMapOvr>
+    <a:masterClrMapping/>
+  </p:clrMapOvr>
+</p:sld>
+</file>
+
+<file path=ppt/slides/slide2.xml><?xml version="1.0" encoding="utf-8"?>
+<p:sld xmlns:a="http://schemas.openxmlformats.org/drawingml/2006/main" xmlns:r="http://schemas.openxmlformats.org/officeDocument/2006/relationships" xmlns:p="http://schemas.openxmlformats.org/presentationml/2006/main">
+  <p:cSld>
+    <p:spTree>
+      <p:nvGrpSpPr>
+        <p:cNvPr id="1" name=""/>
+        <p:cNvGrpSpPr/>
+        <p:nvPr/>
+      </p:nvGrpSpPr>
+      <p:grpSpPr>
+        <a:xfrm>
+          <a:off x="0" y="0"/>
+          <a:ext cx="0" cy="0"/>
+          <a:chOff x="0" y="0"/>
+          <a:chExt cx="0" cy="0"/>
+        </a:xfrm>
+      </p:grpSpPr>
+      <p:sp>
+        <p:nvSpPr>
+          <p:cNvPr id="2" name="标题 1">
+            <a:extLst>
+              <a:ext uri="{FF2B5EF4-FFF2-40B4-BE49-F238E27FC236}">
+                <a16:creationId xmlns:a16="http://schemas.microsoft.com/office/drawing/2014/main" id="{5E562972-3449-42D1-8185-B4BEFD52AB44}"/>
+              </a:ext>
+            </a:extLst>
+          </p:cNvPr>
+          <p:cNvSpPr>
+            <a:spLocks noGrp="1"/>
+          </p:cNvSpPr>
+          <p:nvPr>
+            <p:ph type="title"/>
+          </p:nvPr>
+        </p:nvSpPr>
+        <p:spPr/>
+        <p:txBody>
+          <a:bodyPr rtlCol="0"/>
+          <a:lstStyle/>
+          <a:p>
+            <a:pPr rtl="0"/>
+            <a:r>
+              <a:rPr lang="en-US" altLang="zh-CN" dirty="0"/>
+              <a:t>TIME LINE</a:t>
+            </a:r>
+            <a:endParaRPr lang="zh-cn" dirty="0"/>
+          </a:p>
+        </p:txBody>
+      </p:sp>
+      <p:graphicFrame>
+        <p:nvGraphicFramePr>
+          <p:cNvPr id="4" name="内容占位符 2">
+            <a:extLst>
+              <a:ext uri="{FF2B5EF4-FFF2-40B4-BE49-F238E27FC236}">
+                <a16:creationId xmlns:a16="http://schemas.microsoft.com/office/drawing/2014/main" id="{FF3F0D82-0AA6-45C3-8367-955CBFA02ED6}"/>
+              </a:ext>
+            </a:extLst>
+          </p:cNvPr>
+          <p:cNvGraphicFramePr>
+            <a:graphicFrameLocks noGrp="1"/>
+          </p:cNvGraphicFramePr>
+          <p:nvPr>
+            <p:ph idx="1"/>
+            <p:extLst>
+              <p:ext uri="{D42A27DB-BD31-4B8C-83A1-F6EECF244321}">
+                <p14:modId xmlns:p14="http://schemas.microsoft.com/office/powerpoint/2010/main" val="2924226617"/>
+              </p:ext>
+            </p:extLst>
+          </p:nvPr>
+        </p:nvGraphicFramePr>
+        <p:xfrm>
+          <a:off x="581025" y="2341563"/>
+          <a:ext cx="11029950" cy="3633787"/>
+        </p:xfrm>
+        <a:graphic>
+          <a:graphicData uri="http://schemas.openxmlformats.org/drawingml/2006/diagram">
+            <dgm:relIds xmlns:dgm="http://schemas.openxmlformats.org/drawingml/2006/diagram" xmlns:r="http://schemas.openxmlformats.org/officeDocument/2006/relationships" r:dm="rId2" r:lo="rId3" r:qs="rId4" r:cs="rId5"/>
+          </a:graphicData>
+        </a:graphic>
+      </p:graphicFrame>
+    </p:spTree>
+    <p:extLst>
+      <p:ext uri="{BB962C8B-B14F-4D97-AF65-F5344CB8AC3E}">
+        <p14:creationId xmlns:p14="http://schemas.microsoft.com/office/powerpoint/2010/main" val="263784652"/>
+      </p:ext>
+    </p:extLst>
+  </p:cSld>
+  <p:clrMapOvr>
+    <a:masterClrMapping/>
+  </p:clrMapOvr>
+</p:sld>
+</file>
+
+<file path=ppt/slides/slide20.xml><?xml version="1.0" encoding="utf-8"?>
+<p:sld xmlns:a="http://schemas.openxmlformats.org/drawingml/2006/main" xmlns:r="http://schemas.openxmlformats.org/officeDocument/2006/relationships" xmlns:p="http://schemas.openxmlformats.org/presentationml/2006/main">
+  <p:cSld>
+    <p:spTree>
+      <p:nvGrpSpPr>
+        <p:cNvPr id="1" name=""/>
+        <p:cNvGrpSpPr/>
+        <p:nvPr/>
+      </p:nvGrpSpPr>
+      <p:grpSpPr>
+        <a:xfrm>
+          <a:off x="0" y="0"/>
+          <a:ext cx="0" cy="0"/>
+          <a:chOff x="0" y="0"/>
+          <a:chExt cx="0" cy="0"/>
+        </a:xfrm>
+      </p:grpSpPr>
+      <p:sp>
+        <p:nvSpPr>
+          <p:cNvPr id="2" name="标题 1">
+            <a:extLst>
+              <a:ext uri="{FF2B5EF4-FFF2-40B4-BE49-F238E27FC236}">
+                <a16:creationId xmlns:a16="http://schemas.microsoft.com/office/drawing/2014/main" id="{D2C38DCB-D93E-44E0-8550-748139B408FE}"/>
+              </a:ext>
+            </a:extLst>
+          </p:cNvPr>
+          <p:cNvSpPr>
+            <a:spLocks noGrp="1"/>
+          </p:cNvSpPr>
+          <p:nvPr>
+            <p:ph type="title"/>
+          </p:nvPr>
+        </p:nvSpPr>
+        <p:spPr/>
+        <p:txBody>
+          <a:bodyPr/>
+          <a:lstStyle/>
+          <a:p>
+            <a:endParaRPr lang="zh-CN" altLang="en-US"/>
+          </a:p>
+        </p:txBody>
+      </p:sp>
+      <p:sp>
+        <p:nvSpPr>
+          <p:cNvPr id="3" name="内容占位符 2">
+            <a:extLst>
+              <a:ext uri="{FF2B5EF4-FFF2-40B4-BE49-F238E27FC236}">
+                <a16:creationId xmlns:a16="http://schemas.microsoft.com/office/drawing/2014/main" id="{8DE03C2C-F4EC-478B-B472-1B5860307ABF}"/>
+              </a:ext>
+            </a:extLst>
+          </p:cNvPr>
+          <p:cNvSpPr>
+            <a:spLocks noGrp="1"/>
+          </p:cNvSpPr>
+          <p:nvPr>
+            <p:ph idx="1"/>
+          </p:nvPr>
+        </p:nvSpPr>
+        <p:spPr/>
+        <p:txBody>
+          <a:bodyPr/>
+          <a:lstStyle/>
+          <a:p>
+            <a:endParaRPr lang="zh-CN" altLang="en-US"/>
+          </a:p>
+        </p:txBody>
+      </p:sp>
+      <p:sp>
+        <p:nvSpPr>
+          <p:cNvPr id="4" name="日期占位符 3">
+            <a:extLst>
+              <a:ext uri="{FF2B5EF4-FFF2-40B4-BE49-F238E27FC236}">
+                <a16:creationId xmlns:a16="http://schemas.microsoft.com/office/drawing/2014/main" id="{8518978B-8AC4-416A-86A0-525DF32C3D2A}"/>
+              </a:ext>
+            </a:extLst>
+          </p:cNvPr>
+          <p:cNvSpPr>
+            <a:spLocks noGrp="1"/>
+          </p:cNvSpPr>
+          <p:nvPr>
+            <p:ph type="dt" sz="half" idx="10"/>
+          </p:nvPr>
+        </p:nvSpPr>
+        <p:spPr/>
+        <p:txBody>
+          <a:bodyPr/>
+          <a:lstStyle/>
+          <a:p>
+            <a:pPr rtl="0"/>
+            <a:fld id="{F24FFC25-0C05-49C8-B150-3CF6B89B5C55}" type="datetime1">
+              <a:rPr lang="zh-CN" altLang="en-US" smtClean="0"/>
+              <a:t>2020/4/13</a:t>
+            </a:fld>
+            <a:endParaRPr lang="en-US" dirty="0"/>
+          </a:p>
+        </p:txBody>
+      </p:sp>
+    </p:spTree>
+    <p:extLst>
+      <p:ext uri="{BB962C8B-B14F-4D97-AF65-F5344CB8AC3E}">
+        <p14:creationId xmlns:p14="http://schemas.microsoft.com/office/powerpoint/2010/main" val="1581277755"/>
+      </p:ext>
+    </p:extLst>
+  </p:cSld>
+  <p:clrMapOvr>
+    <a:masterClrMapping/>
+  </p:clrMapOvr>
+</p:sld>
+</file>
+
+<file path=ppt/slides/slide21.xml><?xml version="1.0" encoding="utf-8"?>
+<p:sld xmlns:a="http://schemas.openxmlformats.org/drawingml/2006/main" xmlns:r="http://schemas.openxmlformats.org/officeDocument/2006/relationships" xmlns:p="http://schemas.openxmlformats.org/presentationml/2006/main">
+  <p:cSld>
+    <p:spTree>
+      <p:nvGrpSpPr>
+        <p:cNvPr id="1" name=""/>
+        <p:cNvGrpSpPr/>
+        <p:nvPr/>
+      </p:nvGrpSpPr>
+      <p:grpSpPr>
+        <a:xfrm>
+          <a:off x="0" y="0"/>
+          <a:ext cx="0" cy="0"/>
+          <a:chOff x="0" y="0"/>
+          <a:chExt cx="0" cy="0"/>
+        </a:xfrm>
+      </p:grpSpPr>
+      <p:sp>
+        <p:nvSpPr>
+          <p:cNvPr id="2" name="标题 1">
+            <a:extLst>
+              <a:ext uri="{FF2B5EF4-FFF2-40B4-BE49-F238E27FC236}">
                 <a16:creationId xmlns:a16="http://schemas.microsoft.com/office/drawing/2014/main" id="{F755A394-BFCE-4CCB-9D9D-5547669C4195}"/>
               </a:ext>
             </a:extLst>
@@ -10922,7 +13367,7 @@
             <a:pPr rtl="0"/>
             <a:fld id="{F24FFC25-0C05-49C8-B150-3CF6B89B5C55}" type="datetime1">
               <a:rPr lang="zh-CN" altLang="en-US" smtClean="0"/>
-              <a:t>2020/4/10</a:t>
+              <a:t>2020/4/13</a:t>
             </a:fld>
             <a:endParaRPr lang="en-US" dirty="0"/>
           </a:p>
@@ -10941,7 +13386,7 @@
 </p:sld>
 </file>
 
-<file path=ppt/slides/slide12.xml><?xml version="1.0" encoding="utf-8"?>
+<file path=ppt/slides/slide22.xml><?xml version="1.0" encoding="utf-8"?>
 <p:sld xmlns:a="http://schemas.openxmlformats.org/drawingml/2006/main" xmlns:r="http://schemas.openxmlformats.org/officeDocument/2006/relationships" xmlns:p="http://schemas.openxmlformats.org/presentationml/2006/main">
   <p:cSld>
     <p:spTree>
@@ -11070,7 +13515,7 @@
             <a:pPr rtl="0"/>
             <a:fld id="{F24FFC25-0C05-49C8-B150-3CF6B89B5C55}" type="datetime1">
               <a:rPr lang="zh-CN" altLang="en-US" smtClean="0"/>
-              <a:t>2020/4/10</a:t>
+              <a:t>2020/4/13</a:t>
             </a:fld>
             <a:endParaRPr lang="en-US" dirty="0"/>
           </a:p>
@@ -11089,7 +13534,7 @@
 </p:sld>
 </file>
 
-<file path=ppt/slides/slide13.xml><?xml version="1.0" encoding="utf-8"?>
+<file path=ppt/slides/slide23.xml><?xml version="1.0" encoding="utf-8"?>
 <p:sld xmlns:a="http://schemas.openxmlformats.org/drawingml/2006/main" xmlns:r="http://schemas.openxmlformats.org/officeDocument/2006/relationships" xmlns:p="http://schemas.openxmlformats.org/presentationml/2006/main">
   <p:cSld>
     <p:spTree>
@@ -11393,7 +13838,7 @@
             <a:pPr rtl="0"/>
             <a:fld id="{F24FFC25-0C05-49C8-B150-3CF6B89B5C55}" type="datetime1">
               <a:rPr lang="zh-CN" altLang="en-US" smtClean="0"/>
-              <a:t>2020/4/10</a:t>
+              <a:t>2020/4/13</a:t>
             </a:fld>
             <a:endParaRPr lang="en-US" dirty="0"/>
           </a:p>
@@ -11412,7 +13857,7 @@
 </p:sld>
 </file>
 
-<file path=ppt/slides/slide14.xml><?xml version="1.0" encoding="utf-8"?>
+<file path=ppt/slides/slide24.xml><?xml version="1.0" encoding="utf-8"?>
 <p:sld xmlns:a="http://schemas.openxmlformats.org/drawingml/2006/main" xmlns:r="http://schemas.openxmlformats.org/officeDocument/2006/relationships" xmlns:p="http://schemas.openxmlformats.org/presentationml/2006/main">
   <p:cSld>
     <p:spTree>
@@ -11973,7 +14418,7 @@
             <a:pPr rtl="0"/>
             <a:fld id="{F24FFC25-0C05-49C8-B150-3CF6B89B5C55}" type="datetime1">
               <a:rPr lang="zh-CN" altLang="en-US" smtClean="0"/>
-              <a:t>2020/4/10</a:t>
+              <a:t>2020/4/13</a:t>
             </a:fld>
             <a:endParaRPr lang="en-US" dirty="0"/>
           </a:p>
@@ -11992,7 +14437,7 @@
 </p:sld>
 </file>
 
-<file path=ppt/slides/slide15.xml><?xml version="1.0" encoding="utf-8"?>
+<file path=ppt/slides/slide25.xml><?xml version="1.0" encoding="utf-8"?>
 <p:sld xmlns:a="http://schemas.openxmlformats.org/drawingml/2006/main" xmlns:r="http://schemas.openxmlformats.org/officeDocument/2006/relationships" xmlns:p="http://schemas.openxmlformats.org/presentationml/2006/main">
   <p:cSld>
     <p:spTree>
@@ -12067,7 +14512,7 @@
             <a:pPr rtl="0"/>
             <a:fld id="{F24FFC25-0C05-49C8-B150-3CF6B89B5C55}" type="datetime1">
               <a:rPr lang="zh-CN" altLang="en-US" smtClean="0"/>
-              <a:t>2020/4/10</a:t>
+              <a:t>2020/4/13</a:t>
             </a:fld>
             <a:endParaRPr lang="en-US" dirty="0"/>
           </a:p>
@@ -12842,7 +15287,7 @@
 </p:sld>
 </file>
 
-<file path=ppt/slides/slide16.xml><?xml version="1.0" encoding="utf-8"?>
+<file path=ppt/slides/slide26.xml><?xml version="1.0" encoding="utf-8"?>
 <p:sld xmlns:a="http://schemas.openxmlformats.org/drawingml/2006/main" xmlns:r="http://schemas.openxmlformats.org/officeDocument/2006/relationships" xmlns:p="http://schemas.openxmlformats.org/presentationml/2006/main">
   <p:cSld>
     <p:spTree>
@@ -13903,7 +16348,7 @@
             <a:pPr rtl="0"/>
             <a:fld id="{F24FFC25-0C05-49C8-B150-3CF6B89B5C55}" type="datetime1">
               <a:rPr lang="zh-CN" altLang="en-US" smtClean="0"/>
-              <a:t>2020/4/10</a:t>
+              <a:t>2020/4/13</a:t>
             </a:fld>
             <a:endParaRPr lang="en-US" dirty="0"/>
           </a:p>
@@ -13922,7 +16367,7 @@
 </p:sld>
 </file>
 
-<file path=ppt/slides/slide17.xml><?xml version="1.0" encoding="utf-8"?>
+<file path=ppt/slides/slide27.xml><?xml version="1.0" encoding="utf-8"?>
 <p:sld xmlns:a="http://schemas.openxmlformats.org/drawingml/2006/main" xmlns:r="http://schemas.openxmlformats.org/officeDocument/2006/relationships" xmlns:p="http://schemas.openxmlformats.org/presentationml/2006/main">
   <p:cSld>
     <p:spTree>
@@ -14746,7 +17191,7 @@
             <a:pPr rtl="0"/>
             <a:fld id="{F24FFC25-0C05-49C8-B150-3CF6B89B5C55}" type="datetime1">
               <a:rPr lang="zh-CN" altLang="en-US" smtClean="0"/>
-              <a:t>2020/4/10</a:t>
+              <a:t>2020/4/13</a:t>
             </a:fld>
             <a:endParaRPr lang="en-US" dirty="0"/>
           </a:p>
@@ -14765,7 +17210,7 @@
 </p:sld>
 </file>
 
-<file path=ppt/slides/slide18.xml><?xml version="1.0" encoding="utf-8"?>
+<file path=ppt/slides/slide28.xml><?xml version="1.0" encoding="utf-8"?>
 <p:sld xmlns:a="http://schemas.openxmlformats.org/drawingml/2006/main" xmlns:r="http://schemas.openxmlformats.org/officeDocument/2006/relationships" xmlns:p="http://schemas.openxmlformats.org/presentationml/2006/main">
   <p:cSld>
     <p:spTree>
@@ -15842,7 +18287,7 @@
             <a:pPr rtl="0"/>
             <a:fld id="{F24FFC25-0C05-49C8-B150-3CF6B89B5C55}" type="datetime1">
               <a:rPr lang="zh-CN" altLang="en-US" smtClean="0"/>
-              <a:t>2020/4/10</a:t>
+              <a:t>2020/4/13</a:t>
             </a:fld>
             <a:endParaRPr lang="en-US" dirty="0"/>
           </a:p>
@@ -15861,7 +18306,7 @@
 </p:sld>
 </file>
 
-<file path=ppt/slides/slide19.xml><?xml version="1.0" encoding="utf-8"?>
+<file path=ppt/slides/slide29.xml><?xml version="1.0" encoding="utf-8"?>
 <p:sld xmlns:a="http://schemas.openxmlformats.org/drawingml/2006/main" xmlns:r="http://schemas.openxmlformats.org/officeDocument/2006/relationships" xmlns:p="http://schemas.openxmlformats.org/presentationml/2006/main">
   <p:cSld>
     <p:spTree>
@@ -17166,7 +19611,7 @@
             <a:pPr rtl="0"/>
             <a:fld id="{F24FFC25-0C05-49C8-B150-3CF6B89B5C55}" type="datetime1">
               <a:rPr lang="zh-CN" altLang="en-US" smtClean="0"/>
-              <a:t>2020/4/10</a:t>
+              <a:t>2020/4/13</a:t>
             </a:fld>
             <a:endParaRPr lang="en-US" dirty="0"/>
           </a:p>
@@ -17176,1584 +19621,6 @@
     <p:extLst>
       <p:ext uri="{BB962C8B-B14F-4D97-AF65-F5344CB8AC3E}">
         <p14:creationId xmlns:p14="http://schemas.microsoft.com/office/powerpoint/2010/main" val="2352451366"/>
-      </p:ext>
-    </p:extLst>
-  </p:cSld>
-  <p:clrMapOvr>
-    <a:masterClrMapping/>
-  </p:clrMapOvr>
-</p:sld>
-</file>
-
-<file path=ppt/slides/slide2.xml><?xml version="1.0" encoding="utf-8"?>
-<p:sld xmlns:a="http://schemas.openxmlformats.org/drawingml/2006/main" xmlns:r="http://schemas.openxmlformats.org/officeDocument/2006/relationships" xmlns:p="http://schemas.openxmlformats.org/presentationml/2006/main">
-  <p:cSld>
-    <p:spTree>
-      <p:nvGrpSpPr>
-        <p:cNvPr id="1" name=""/>
-        <p:cNvGrpSpPr/>
-        <p:nvPr/>
-      </p:nvGrpSpPr>
-      <p:grpSpPr>
-        <a:xfrm>
-          <a:off x="0" y="0"/>
-          <a:ext cx="0" cy="0"/>
-          <a:chOff x="0" y="0"/>
-          <a:chExt cx="0" cy="0"/>
-        </a:xfrm>
-      </p:grpSpPr>
-      <p:sp>
-        <p:nvSpPr>
-          <p:cNvPr id="2" name="标题 1">
-            <a:extLst>
-              <a:ext uri="{FF2B5EF4-FFF2-40B4-BE49-F238E27FC236}">
-                <a16:creationId xmlns:a16="http://schemas.microsoft.com/office/drawing/2014/main" id="{5E562972-3449-42D1-8185-B4BEFD52AB44}"/>
-              </a:ext>
-            </a:extLst>
-          </p:cNvPr>
-          <p:cNvSpPr>
-            <a:spLocks noGrp="1"/>
-          </p:cNvSpPr>
-          <p:nvPr>
-            <p:ph type="title"/>
-          </p:nvPr>
-        </p:nvSpPr>
-        <p:spPr/>
-        <p:txBody>
-          <a:bodyPr rtlCol="0"/>
-          <a:lstStyle/>
-          <a:p>
-            <a:pPr rtl="0"/>
-            <a:r>
-              <a:rPr lang="en-US" altLang="zh-CN" dirty="0"/>
-              <a:t>TIME LINE</a:t>
-            </a:r>
-            <a:endParaRPr lang="zh-cn" dirty="0"/>
-          </a:p>
-        </p:txBody>
-      </p:sp>
-      <p:graphicFrame>
-        <p:nvGraphicFramePr>
-          <p:cNvPr id="4" name="内容占位符 2">
-            <a:extLst>
-              <a:ext uri="{FF2B5EF4-FFF2-40B4-BE49-F238E27FC236}">
-                <a16:creationId xmlns:a16="http://schemas.microsoft.com/office/drawing/2014/main" id="{FF3F0D82-0AA6-45C3-8367-955CBFA02ED6}"/>
-              </a:ext>
-            </a:extLst>
-          </p:cNvPr>
-          <p:cNvGraphicFramePr>
-            <a:graphicFrameLocks noGrp="1"/>
-          </p:cNvGraphicFramePr>
-          <p:nvPr>
-            <p:ph idx="1"/>
-            <p:extLst>
-              <p:ext uri="{D42A27DB-BD31-4B8C-83A1-F6EECF244321}">
-                <p14:modId xmlns:p14="http://schemas.microsoft.com/office/powerpoint/2010/main" val="2924226617"/>
-              </p:ext>
-            </p:extLst>
-          </p:nvPr>
-        </p:nvGraphicFramePr>
-        <p:xfrm>
-          <a:off x="581025" y="2341563"/>
-          <a:ext cx="11029950" cy="3633787"/>
-        </p:xfrm>
-        <a:graphic>
-          <a:graphicData uri="http://schemas.openxmlformats.org/drawingml/2006/diagram">
-            <dgm:relIds xmlns:dgm="http://schemas.openxmlformats.org/drawingml/2006/diagram" xmlns:r="http://schemas.openxmlformats.org/officeDocument/2006/relationships" r:dm="rId2" r:lo="rId3" r:qs="rId4" r:cs="rId5"/>
-          </a:graphicData>
-        </a:graphic>
-      </p:graphicFrame>
-    </p:spTree>
-    <p:extLst>
-      <p:ext uri="{BB962C8B-B14F-4D97-AF65-F5344CB8AC3E}">
-        <p14:creationId xmlns:p14="http://schemas.microsoft.com/office/powerpoint/2010/main" val="263784652"/>
-      </p:ext>
-    </p:extLst>
-  </p:cSld>
-  <p:clrMapOvr>
-    <a:masterClrMapping/>
-  </p:clrMapOvr>
-</p:sld>
-</file>
-
-<file path=ppt/slides/slide20.xml><?xml version="1.0" encoding="utf-8"?>
-<p:sld xmlns:a="http://schemas.openxmlformats.org/drawingml/2006/main" xmlns:r="http://schemas.openxmlformats.org/officeDocument/2006/relationships" xmlns:p="http://schemas.openxmlformats.org/presentationml/2006/main">
-  <p:cSld>
-    <p:spTree>
-      <p:nvGrpSpPr>
-        <p:cNvPr id="1" name=""/>
-        <p:cNvGrpSpPr/>
-        <p:nvPr/>
-      </p:nvGrpSpPr>
-      <p:grpSpPr>
-        <a:xfrm>
-          <a:off x="0" y="0"/>
-          <a:ext cx="0" cy="0"/>
-          <a:chOff x="0" y="0"/>
-          <a:chExt cx="0" cy="0"/>
-        </a:xfrm>
-      </p:grpSpPr>
-      <p:sp>
-        <p:nvSpPr>
-          <p:cNvPr id="2" name="标题 1">
-            <a:extLst>
-              <a:ext uri="{FF2B5EF4-FFF2-40B4-BE49-F238E27FC236}">
-                <a16:creationId xmlns:a16="http://schemas.microsoft.com/office/drawing/2014/main" id="{DF9ED0A6-C639-4C20-AEED-0171194E7822}"/>
-              </a:ext>
-            </a:extLst>
-          </p:cNvPr>
-          <p:cNvSpPr>
-            <a:spLocks noGrp="1"/>
-          </p:cNvSpPr>
-          <p:nvPr>
-            <p:ph type="title"/>
-          </p:nvPr>
-        </p:nvSpPr>
-        <p:spPr/>
-        <p:txBody>
-          <a:bodyPr/>
-          <a:lstStyle/>
-          <a:p>
-            <a:r>
-              <a:rPr lang="zh-CN" altLang="en-US" dirty="0">
-                <a:hlinkClick r:id="rId2" tooltip="如果使用服务网格，是否需要API网关？"/>
-              </a:rPr>
-              <a:t>如果使用服务网格，是否需要</a:t>
-            </a:r>
-            <a:r>
-              <a:rPr lang="en-US" altLang="zh-CN" dirty="0">
-                <a:hlinkClick r:id="rId2" tooltip="如果使用服务网格，是否需要API网关？"/>
-              </a:rPr>
-              <a:t>API</a:t>
-            </a:r>
-            <a:r>
-              <a:rPr lang="zh-CN" altLang="en-US" dirty="0">
-                <a:hlinkClick r:id="rId2" tooltip="如果使用服务网格，是否需要API网关？"/>
-              </a:rPr>
-              <a:t>网关？</a:t>
-            </a:r>
-            <a:br>
-              <a:rPr lang="zh-CN" altLang="en-US" dirty="0"/>
-            </a:br>
-            <a:endParaRPr lang="zh-CN" altLang="en-US" dirty="0"/>
-          </a:p>
-        </p:txBody>
-      </p:sp>
-      <p:sp>
-        <p:nvSpPr>
-          <p:cNvPr id="3" name="内容占位符 2">
-            <a:extLst>
-              <a:ext uri="{FF2B5EF4-FFF2-40B4-BE49-F238E27FC236}">
-                <a16:creationId xmlns:a16="http://schemas.microsoft.com/office/drawing/2014/main" id="{21CD5E06-6813-463B-BC6F-AE041044FE28}"/>
-              </a:ext>
-            </a:extLst>
-          </p:cNvPr>
-          <p:cNvSpPr>
-            <a:spLocks noGrp="1"/>
-          </p:cNvSpPr>
-          <p:nvPr>
-            <p:ph idx="1"/>
-          </p:nvPr>
-        </p:nvSpPr>
-        <p:spPr/>
-        <p:txBody>
-          <a:bodyPr/>
-          <a:lstStyle/>
-          <a:p>
-            <a:endParaRPr lang="zh-CN" altLang="en-US" dirty="0"/>
-          </a:p>
-        </p:txBody>
-      </p:sp>
-      <p:sp>
-        <p:nvSpPr>
-          <p:cNvPr id="4" name="日期占位符 3">
-            <a:extLst>
-              <a:ext uri="{FF2B5EF4-FFF2-40B4-BE49-F238E27FC236}">
-                <a16:creationId xmlns:a16="http://schemas.microsoft.com/office/drawing/2014/main" id="{F91887BD-9CB5-4527-8EAF-3B98E357FAD0}"/>
-              </a:ext>
-            </a:extLst>
-          </p:cNvPr>
-          <p:cNvSpPr>
-            <a:spLocks noGrp="1"/>
-          </p:cNvSpPr>
-          <p:nvPr>
-            <p:ph type="dt" sz="half" idx="10"/>
-          </p:nvPr>
-        </p:nvSpPr>
-        <p:spPr/>
-        <p:txBody>
-          <a:bodyPr/>
-          <a:lstStyle/>
-          <a:p>
-            <a:pPr rtl="0"/>
-            <a:fld id="{F24FFC25-0C05-49C8-B150-3CF6B89B5C55}" type="datetime1">
-              <a:rPr lang="zh-CN" altLang="en-US" smtClean="0"/>
-              <a:t>2020/4/10</a:t>
-            </a:fld>
-            <a:endParaRPr lang="en-US" dirty="0"/>
-          </a:p>
-        </p:txBody>
-      </p:sp>
-    </p:spTree>
-    <p:extLst>
-      <p:ext uri="{BB962C8B-B14F-4D97-AF65-F5344CB8AC3E}">
-        <p14:creationId xmlns:p14="http://schemas.microsoft.com/office/powerpoint/2010/main" val="3875312775"/>
-      </p:ext>
-    </p:extLst>
-  </p:cSld>
-  <p:clrMapOvr>
-    <a:masterClrMapping/>
-  </p:clrMapOvr>
-</p:sld>
-</file>
-
-<file path=ppt/slides/slide21.xml><?xml version="1.0" encoding="utf-8"?>
-<p:sld xmlns:a="http://schemas.openxmlformats.org/drawingml/2006/main" xmlns:r="http://schemas.openxmlformats.org/officeDocument/2006/relationships" xmlns:p="http://schemas.openxmlformats.org/presentationml/2006/main">
-  <p:cSld>
-    <p:spTree>
-      <p:nvGrpSpPr>
-        <p:cNvPr id="1" name=""/>
-        <p:cNvGrpSpPr/>
-        <p:nvPr/>
-      </p:nvGrpSpPr>
-      <p:grpSpPr>
-        <a:xfrm>
-          <a:off x="0" y="0"/>
-          <a:ext cx="0" cy="0"/>
-          <a:chOff x="0" y="0"/>
-          <a:chExt cx="0" cy="0"/>
-        </a:xfrm>
-      </p:grpSpPr>
-      <p:sp>
-        <p:nvSpPr>
-          <p:cNvPr id="2" name="标题 1">
-            <a:extLst>
-              <a:ext uri="{FF2B5EF4-FFF2-40B4-BE49-F238E27FC236}">
-                <a16:creationId xmlns:a16="http://schemas.microsoft.com/office/drawing/2014/main" id="{28139F05-46D5-40E4-92F6-6E9BCF690E27}"/>
-              </a:ext>
-            </a:extLst>
-          </p:cNvPr>
-          <p:cNvSpPr>
-            <a:spLocks noGrp="1"/>
-          </p:cNvSpPr>
-          <p:nvPr>
-            <p:ph type="title"/>
-          </p:nvPr>
-        </p:nvSpPr>
-        <p:spPr/>
-        <p:txBody>
-          <a:bodyPr/>
-          <a:lstStyle/>
-          <a:p>
-            <a:r>
-              <a:rPr lang="en-US" altLang="zh-CN" dirty="0"/>
-              <a:t>ISTIO</a:t>
-            </a:r>
-            <a:r>
-              <a:rPr lang="zh-CN" altLang="en-US" dirty="0"/>
-              <a:t>组件介绍</a:t>
-            </a:r>
-          </a:p>
-        </p:txBody>
-      </p:sp>
-      <p:sp>
-        <p:nvSpPr>
-          <p:cNvPr id="3" name="内容占位符 2">
-            <a:extLst>
-              <a:ext uri="{FF2B5EF4-FFF2-40B4-BE49-F238E27FC236}">
-                <a16:creationId xmlns:a16="http://schemas.microsoft.com/office/drawing/2014/main" id="{63CF2D61-9C95-4E87-8EB0-5C8D25B106B8}"/>
-              </a:ext>
-            </a:extLst>
-          </p:cNvPr>
-          <p:cNvSpPr>
-            <a:spLocks noGrp="1"/>
-          </p:cNvSpPr>
-          <p:nvPr>
-            <p:ph idx="1"/>
-          </p:nvPr>
-        </p:nvSpPr>
-        <p:spPr/>
-        <p:txBody>
-          <a:bodyPr/>
-          <a:lstStyle/>
-          <a:p>
-            <a:endParaRPr lang="zh-CN" altLang="en-US"/>
-          </a:p>
-        </p:txBody>
-      </p:sp>
-      <p:sp>
-        <p:nvSpPr>
-          <p:cNvPr id="4" name="日期占位符 3">
-            <a:extLst>
-              <a:ext uri="{FF2B5EF4-FFF2-40B4-BE49-F238E27FC236}">
-                <a16:creationId xmlns:a16="http://schemas.microsoft.com/office/drawing/2014/main" id="{8BA59311-C017-4E31-96E2-6388A03364FE}"/>
-              </a:ext>
-            </a:extLst>
-          </p:cNvPr>
-          <p:cNvSpPr>
-            <a:spLocks noGrp="1"/>
-          </p:cNvSpPr>
-          <p:nvPr>
-            <p:ph type="dt" sz="half" idx="10"/>
-          </p:nvPr>
-        </p:nvSpPr>
-        <p:spPr/>
-        <p:txBody>
-          <a:bodyPr/>
-          <a:lstStyle/>
-          <a:p>
-            <a:pPr rtl="0"/>
-            <a:fld id="{F24FFC25-0C05-49C8-B150-3CF6B89B5C55}" type="datetime1">
-              <a:rPr lang="zh-CN" altLang="en-US" smtClean="0"/>
-              <a:t>2020/4/10</a:t>
-            </a:fld>
-            <a:endParaRPr lang="en-US" dirty="0"/>
-          </a:p>
-        </p:txBody>
-      </p:sp>
-    </p:spTree>
-    <p:extLst>
-      <p:ext uri="{BB962C8B-B14F-4D97-AF65-F5344CB8AC3E}">
-        <p14:creationId xmlns:p14="http://schemas.microsoft.com/office/powerpoint/2010/main" val="3302909487"/>
-      </p:ext>
-    </p:extLst>
-  </p:cSld>
-  <p:clrMapOvr>
-    <a:masterClrMapping/>
-  </p:clrMapOvr>
-</p:sld>
-</file>
-
-<file path=ppt/slides/slide22.xml><?xml version="1.0" encoding="utf-8"?>
-<p:sld xmlns:a="http://schemas.openxmlformats.org/drawingml/2006/main" xmlns:r="http://schemas.openxmlformats.org/officeDocument/2006/relationships" xmlns:p="http://schemas.openxmlformats.org/presentationml/2006/main">
-  <p:cSld>
-    <p:spTree>
-      <p:nvGrpSpPr>
-        <p:cNvPr id="1" name=""/>
-        <p:cNvGrpSpPr/>
-        <p:nvPr/>
-      </p:nvGrpSpPr>
-      <p:grpSpPr>
-        <a:xfrm>
-          <a:off x="0" y="0"/>
-          <a:ext cx="0" cy="0"/>
-          <a:chOff x="0" y="0"/>
-          <a:chExt cx="0" cy="0"/>
-        </a:xfrm>
-      </p:grpSpPr>
-      <p:sp>
-        <p:nvSpPr>
-          <p:cNvPr id="2" name="标题 1">
-            <a:extLst>
-              <a:ext uri="{FF2B5EF4-FFF2-40B4-BE49-F238E27FC236}">
-                <a16:creationId xmlns:a16="http://schemas.microsoft.com/office/drawing/2014/main" id="{A6E2A952-B5D3-4A19-962E-F057C989CDFA}"/>
-              </a:ext>
-            </a:extLst>
-          </p:cNvPr>
-          <p:cNvSpPr>
-            <a:spLocks noGrp="1"/>
-          </p:cNvSpPr>
-          <p:nvPr>
-            <p:ph type="title"/>
-          </p:nvPr>
-        </p:nvSpPr>
-        <p:spPr>
-          <a:xfrm>
-            <a:off x="581192" y="702156"/>
-            <a:ext cx="11029616" cy="804427"/>
-          </a:xfrm>
-        </p:spPr>
-        <p:txBody>
-          <a:bodyPr/>
-          <a:lstStyle/>
-          <a:p>
-            <a:r>
-              <a:rPr lang="en-US" altLang="zh-CN" dirty="0"/>
-              <a:t>ISTIO</a:t>
-            </a:r>
-            <a:r>
-              <a:rPr lang="zh-CN" altLang="en-US" dirty="0"/>
-              <a:t>安装 </a:t>
-            </a:r>
-            <a:r>
-              <a:rPr lang="en-US" altLang="zh-CN" dirty="0"/>
-              <a:t>- ISTIOCTL</a:t>
-            </a:r>
-            <a:endParaRPr lang="zh-CN" altLang="en-US" dirty="0"/>
-          </a:p>
-        </p:txBody>
-      </p:sp>
-      <p:sp>
-        <p:nvSpPr>
-          <p:cNvPr id="3" name="内容占位符 2">
-            <a:extLst>
-              <a:ext uri="{FF2B5EF4-FFF2-40B4-BE49-F238E27FC236}">
-                <a16:creationId xmlns:a16="http://schemas.microsoft.com/office/drawing/2014/main" id="{EB4C6BC0-2F57-4428-8705-7505BB5517BF}"/>
-              </a:ext>
-            </a:extLst>
-          </p:cNvPr>
-          <p:cNvSpPr>
-            <a:spLocks noGrp="1"/>
-          </p:cNvSpPr>
-          <p:nvPr>
-            <p:ph idx="1"/>
-          </p:nvPr>
-        </p:nvSpPr>
-        <p:spPr>
-          <a:xfrm>
-            <a:off x="581192" y="1741714"/>
-            <a:ext cx="11029615" cy="4233636"/>
-          </a:xfrm>
-        </p:spPr>
-        <p:txBody>
-          <a:bodyPr>
-            <a:normAutofit fontScale="92500" lnSpcReduction="10000"/>
-          </a:bodyPr>
-          <a:lstStyle/>
-          <a:p>
-            <a:r>
-              <a:rPr lang="en-US" altLang="zh-CN" dirty="0"/>
-              <a:t>1. </a:t>
-            </a:r>
-            <a:r>
-              <a:rPr lang="zh-CN" altLang="en-US" dirty="0"/>
-              <a:t>下载安装</a:t>
-            </a:r>
-            <a:r>
-              <a:rPr lang="en-US" altLang="zh-CN" dirty="0" err="1"/>
-              <a:t>istioctl</a:t>
-            </a:r>
-            <a:endParaRPr lang="en-US" altLang="zh-CN" dirty="0"/>
-          </a:p>
-          <a:p>
-            <a:pPr marL="0" indent="0">
-              <a:buNone/>
-            </a:pPr>
-            <a:r>
-              <a:rPr lang="en-US" altLang="zh-CN" dirty="0" err="1"/>
-              <a:t>wget</a:t>
-            </a:r>
-            <a:r>
-              <a:rPr lang="en-US" altLang="zh-CN" dirty="0"/>
-              <a:t> </a:t>
-            </a:r>
-            <a:r>
-              <a:rPr lang="en-US" altLang="zh-CN" dirty="0">
-                <a:hlinkClick r:id="rId2"/>
-              </a:rPr>
-              <a:t>https://github.com/istio/istio/releases/download/1.5.1/istio-1.5.1-linux.tar.gz</a:t>
-            </a:r>
-            <a:endParaRPr lang="en-US" altLang="zh-CN" dirty="0"/>
-          </a:p>
-          <a:p>
-            <a:pPr marL="0" indent="0">
-              <a:buNone/>
-            </a:pPr>
-            <a:r>
-              <a:rPr lang="zh-CN" altLang="en-US" dirty="0"/>
-              <a:t>解压</a:t>
-            </a:r>
-            <a:endParaRPr lang="en-US" altLang="zh-CN" dirty="0"/>
-          </a:p>
-          <a:p>
-            <a:pPr marL="0" indent="0">
-              <a:buNone/>
-            </a:pPr>
-            <a:r>
-              <a:rPr lang="en-US" altLang="zh-CN" dirty="0"/>
-              <a:t>tar -</a:t>
-            </a:r>
-            <a:r>
-              <a:rPr lang="en-US" altLang="zh-CN" dirty="0" err="1"/>
-              <a:t>zxvf</a:t>
-            </a:r>
-            <a:r>
-              <a:rPr lang="en-US" altLang="zh-CN" dirty="0"/>
-              <a:t> istio-1.5.1-linux.tar.gz</a:t>
-            </a:r>
-          </a:p>
-          <a:p>
-            <a:pPr marL="0" indent="0">
-              <a:buNone/>
-            </a:pPr>
-            <a:r>
-              <a:rPr lang="zh-CN" altLang="en-US" dirty="0"/>
-              <a:t>环境变量</a:t>
-            </a:r>
-            <a:endParaRPr lang="en-US" altLang="zh-CN" dirty="0"/>
-          </a:p>
-          <a:p>
-            <a:pPr marL="0" indent="0">
-              <a:buNone/>
-            </a:pPr>
-            <a:r>
-              <a:rPr lang="en-US" altLang="zh-CN" dirty="0"/>
-              <a:t>vi ~/.</a:t>
-            </a:r>
-            <a:r>
-              <a:rPr lang="en-US" altLang="zh-CN" dirty="0" err="1"/>
-              <a:t>bashrc</a:t>
-            </a:r>
-            <a:endParaRPr lang="en-US" altLang="zh-CN" dirty="0"/>
-          </a:p>
-          <a:p>
-            <a:pPr marL="0" indent="0">
-              <a:buNone/>
-            </a:pPr>
-            <a:r>
-              <a:rPr lang="en-US" altLang="zh-CN" dirty="0"/>
-              <a:t>export PATH=/root/istio-1.5.1/bin:$PATH</a:t>
-            </a:r>
-          </a:p>
-          <a:p>
-            <a:pPr marL="0" indent="0">
-              <a:buNone/>
-            </a:pPr>
-            <a:r>
-              <a:rPr lang="zh-CN" altLang="en-US" dirty="0"/>
-              <a:t>使配置生效</a:t>
-            </a:r>
-            <a:br>
-              <a:rPr lang="en-US" altLang="zh-CN" dirty="0"/>
-            </a:br>
-            <a:r>
-              <a:rPr lang="en-US" altLang="zh-CN" dirty="0"/>
-              <a:t>source ~/.</a:t>
-            </a:r>
-            <a:r>
-              <a:rPr lang="en-US" altLang="zh-CN" dirty="0" err="1"/>
-              <a:t>bashrc</a:t>
-            </a:r>
-            <a:endParaRPr lang="en-US" altLang="zh-CN" dirty="0"/>
-          </a:p>
-          <a:p>
-            <a:pPr marL="0" indent="0">
-              <a:buNone/>
-            </a:pPr>
-            <a:r>
-              <a:rPr lang="zh-CN" altLang="en-US" dirty="0"/>
-              <a:t>验证是否安装成功</a:t>
-            </a:r>
-            <a:endParaRPr lang="en-US" altLang="zh-CN" dirty="0"/>
-          </a:p>
-          <a:p>
-            <a:pPr marL="0" indent="0">
-              <a:buNone/>
-            </a:pPr>
-            <a:r>
-              <a:rPr lang="en-US" altLang="zh-CN" dirty="0" err="1"/>
-              <a:t>istioctl</a:t>
-            </a:r>
-            <a:r>
-              <a:rPr lang="en-US" altLang="zh-CN" dirty="0"/>
-              <a:t> version</a:t>
-            </a:r>
-          </a:p>
-          <a:p>
-            <a:pPr marL="0" indent="0">
-              <a:buNone/>
-            </a:pPr>
-            <a:endParaRPr lang="zh-CN" altLang="en-US" dirty="0"/>
-          </a:p>
-        </p:txBody>
-      </p:sp>
-      <p:sp>
-        <p:nvSpPr>
-          <p:cNvPr id="4" name="日期占位符 3">
-            <a:extLst>
-              <a:ext uri="{FF2B5EF4-FFF2-40B4-BE49-F238E27FC236}">
-                <a16:creationId xmlns:a16="http://schemas.microsoft.com/office/drawing/2014/main" id="{EFCF124F-EE24-4B20-AF8C-E8DE7D075665}"/>
-              </a:ext>
-            </a:extLst>
-          </p:cNvPr>
-          <p:cNvSpPr>
-            <a:spLocks noGrp="1"/>
-          </p:cNvSpPr>
-          <p:nvPr>
-            <p:ph type="dt" sz="half" idx="10"/>
-          </p:nvPr>
-        </p:nvSpPr>
-        <p:spPr/>
-        <p:txBody>
-          <a:bodyPr/>
-          <a:lstStyle/>
-          <a:p>
-            <a:pPr rtl="0"/>
-            <a:fld id="{F24FFC25-0C05-49C8-B150-3CF6B89B5C55}" type="datetime1">
-              <a:rPr lang="zh-CN" altLang="en-US" smtClean="0"/>
-              <a:t>2020/4/10</a:t>
-            </a:fld>
-            <a:endParaRPr lang="en-US" dirty="0"/>
-          </a:p>
-        </p:txBody>
-      </p:sp>
-    </p:spTree>
-    <p:extLst>
-      <p:ext uri="{BB962C8B-B14F-4D97-AF65-F5344CB8AC3E}">
-        <p14:creationId xmlns:p14="http://schemas.microsoft.com/office/powerpoint/2010/main" val="2319491466"/>
-      </p:ext>
-    </p:extLst>
-  </p:cSld>
-  <p:clrMapOvr>
-    <a:masterClrMapping/>
-  </p:clrMapOvr>
-</p:sld>
-</file>
-
-<file path=ppt/slides/slide23.xml><?xml version="1.0" encoding="utf-8"?>
-<p:sld xmlns:a="http://schemas.openxmlformats.org/drawingml/2006/main" xmlns:r="http://schemas.openxmlformats.org/officeDocument/2006/relationships" xmlns:p="http://schemas.openxmlformats.org/presentationml/2006/main">
-  <p:cSld>
-    <p:spTree>
-      <p:nvGrpSpPr>
-        <p:cNvPr id="1" name=""/>
-        <p:cNvGrpSpPr/>
-        <p:nvPr/>
-      </p:nvGrpSpPr>
-      <p:grpSpPr>
-        <a:xfrm>
-          <a:off x="0" y="0"/>
-          <a:ext cx="0" cy="0"/>
-          <a:chOff x="0" y="0"/>
-          <a:chExt cx="0" cy="0"/>
-        </a:xfrm>
-      </p:grpSpPr>
-      <p:sp>
-        <p:nvSpPr>
-          <p:cNvPr id="2" name="标题 1">
-            <a:extLst>
-              <a:ext uri="{FF2B5EF4-FFF2-40B4-BE49-F238E27FC236}">
-                <a16:creationId xmlns:a16="http://schemas.microsoft.com/office/drawing/2014/main" id="{BA5A74F7-94B2-466F-8571-46C81E6B3C3C}"/>
-              </a:ext>
-            </a:extLst>
-          </p:cNvPr>
-          <p:cNvSpPr>
-            <a:spLocks noGrp="1"/>
-          </p:cNvSpPr>
-          <p:nvPr>
-            <p:ph type="title"/>
-          </p:nvPr>
-        </p:nvSpPr>
-        <p:spPr>
-          <a:xfrm>
-            <a:off x="494106" y="510567"/>
-            <a:ext cx="11029616" cy="699924"/>
-          </a:xfrm>
-        </p:spPr>
-        <p:txBody>
-          <a:bodyPr/>
-          <a:lstStyle/>
-          <a:p>
-            <a:r>
-              <a:rPr lang="en-US" altLang="zh-CN" dirty="0"/>
-              <a:t>ISTIO</a:t>
-            </a:r>
-            <a:r>
-              <a:rPr lang="zh-CN" altLang="en-US" dirty="0"/>
-              <a:t>安装 </a:t>
-            </a:r>
-            <a:r>
-              <a:rPr lang="en-US" altLang="zh-CN" dirty="0"/>
-              <a:t>- Standalone Operator</a:t>
-            </a:r>
-            <a:endParaRPr lang="zh-CN" altLang="en-US" dirty="0"/>
-          </a:p>
-        </p:txBody>
-      </p:sp>
-      <p:sp>
-        <p:nvSpPr>
-          <p:cNvPr id="3" name="内容占位符 2">
-            <a:extLst>
-              <a:ext uri="{FF2B5EF4-FFF2-40B4-BE49-F238E27FC236}">
-                <a16:creationId xmlns:a16="http://schemas.microsoft.com/office/drawing/2014/main" id="{E8736EE0-26AC-482A-97D2-18FF1708BF5A}"/>
-              </a:ext>
-            </a:extLst>
-          </p:cNvPr>
-          <p:cNvSpPr>
-            <a:spLocks noGrp="1"/>
-          </p:cNvSpPr>
-          <p:nvPr>
-            <p:ph idx="1"/>
-          </p:nvPr>
-        </p:nvSpPr>
-        <p:spPr>
-          <a:xfrm>
-            <a:off x="581192" y="1314995"/>
-            <a:ext cx="11029615" cy="5543006"/>
-          </a:xfrm>
-        </p:spPr>
-        <p:txBody>
-          <a:bodyPr>
-            <a:normAutofit fontScale="55000" lnSpcReduction="20000"/>
-          </a:bodyPr>
-          <a:lstStyle/>
-          <a:p>
-            <a:r>
-              <a:rPr lang="en-US" altLang="zh-CN" dirty="0"/>
-              <a:t>1.  </a:t>
-            </a:r>
-            <a:r>
-              <a:rPr lang="zh-CN" altLang="en-US" dirty="0"/>
-              <a:t>初始化</a:t>
-            </a:r>
-            <a:endParaRPr lang="en-US" altLang="zh-CN" dirty="0"/>
-          </a:p>
-          <a:p>
-            <a:pPr marL="0" indent="0">
-              <a:buNone/>
-            </a:pPr>
-            <a:r>
-              <a:rPr lang="en-US" altLang="zh-CN" dirty="0" err="1"/>
-              <a:t>istioctl</a:t>
-            </a:r>
-            <a:r>
-              <a:rPr lang="en-US" altLang="zh-CN" dirty="0"/>
-              <a:t> operator </a:t>
-            </a:r>
-            <a:r>
-              <a:rPr lang="en-US" altLang="zh-CN" dirty="0" err="1"/>
-              <a:t>init</a:t>
-            </a:r>
-            <a:r>
-              <a:rPr lang="en-US" altLang="zh-CN" dirty="0"/>
-              <a:t>       </a:t>
-            </a:r>
-          </a:p>
-          <a:p>
-            <a:r>
-              <a:rPr lang="en-US" altLang="zh-CN" dirty="0"/>
-              <a:t>2. </a:t>
-            </a:r>
-            <a:r>
-              <a:rPr lang="zh-CN" altLang="en-US" dirty="0"/>
-              <a:t>安装</a:t>
-            </a:r>
-            <a:r>
-              <a:rPr lang="en-US" altLang="zh-CN" dirty="0" err="1"/>
-              <a:t>istio</a:t>
-            </a:r>
-            <a:endParaRPr lang="en-US" altLang="zh-CN" dirty="0"/>
-          </a:p>
-          <a:p>
-            <a:pPr marL="0" indent="0">
-              <a:buNone/>
-            </a:pPr>
-            <a:r>
-              <a:rPr lang="en-US" altLang="zh-CN" dirty="0" err="1"/>
-              <a:t>kubectl</a:t>
-            </a:r>
-            <a:r>
-              <a:rPr lang="en-US" altLang="zh-CN" dirty="0"/>
-              <a:t> create ns </a:t>
-            </a:r>
-            <a:r>
-              <a:rPr lang="en-US" altLang="zh-CN" dirty="0" err="1"/>
-              <a:t>istio</a:t>
-            </a:r>
-            <a:r>
-              <a:rPr lang="en-US" altLang="zh-CN" dirty="0"/>
-              <a:t>-system</a:t>
-            </a:r>
-          </a:p>
-          <a:p>
-            <a:pPr marL="0" indent="0">
-              <a:buNone/>
-            </a:pPr>
-            <a:endParaRPr lang="en-US" altLang="zh-CN" dirty="0"/>
-          </a:p>
-          <a:p>
-            <a:pPr marL="0" indent="0">
-              <a:buNone/>
-            </a:pPr>
-            <a:r>
-              <a:rPr lang="en-US" altLang="zh-CN" dirty="0" err="1"/>
-              <a:t>kubectl</a:t>
-            </a:r>
-            <a:r>
-              <a:rPr lang="en-US" altLang="zh-CN" dirty="0"/>
-              <a:t> apply -f - &lt;&lt;EOF</a:t>
-            </a:r>
-          </a:p>
-          <a:p>
-            <a:pPr marL="0" indent="0">
-              <a:buNone/>
-            </a:pPr>
-            <a:r>
-              <a:rPr lang="en-US" altLang="zh-CN" dirty="0" err="1"/>
-              <a:t>apiVersion</a:t>
-            </a:r>
-            <a:r>
-              <a:rPr lang="en-US" altLang="zh-CN" dirty="0"/>
-              <a:t>: install.istio.io/v1alpha1</a:t>
-            </a:r>
-          </a:p>
-          <a:p>
-            <a:pPr marL="0" indent="0">
-              <a:buNone/>
-            </a:pPr>
-            <a:r>
-              <a:rPr lang="en-US" altLang="zh-CN" dirty="0"/>
-              <a:t>kind: </a:t>
-            </a:r>
-            <a:r>
-              <a:rPr lang="en-US" altLang="zh-CN" dirty="0" err="1"/>
-              <a:t>IstioOperator</a:t>
-            </a:r>
-            <a:endParaRPr lang="en-US" altLang="zh-CN" dirty="0"/>
-          </a:p>
-          <a:p>
-            <a:pPr marL="0" indent="0">
-              <a:buNone/>
-            </a:pPr>
-            <a:r>
-              <a:rPr lang="en-US" altLang="zh-CN" dirty="0"/>
-              <a:t>metadata:</a:t>
-            </a:r>
-          </a:p>
-          <a:p>
-            <a:pPr marL="0" indent="0">
-              <a:buNone/>
-            </a:pPr>
-            <a:r>
-              <a:rPr lang="en-US" altLang="zh-CN" dirty="0"/>
-              <a:t>  namespace: </a:t>
-            </a:r>
-            <a:r>
-              <a:rPr lang="en-US" altLang="zh-CN" dirty="0" err="1"/>
-              <a:t>istio</a:t>
-            </a:r>
-            <a:r>
-              <a:rPr lang="en-US" altLang="zh-CN" dirty="0"/>
-              <a:t>-system</a:t>
-            </a:r>
-          </a:p>
-          <a:p>
-            <a:pPr marL="0" indent="0">
-              <a:buNone/>
-            </a:pPr>
-            <a:r>
-              <a:rPr lang="en-US" altLang="zh-CN" dirty="0"/>
-              <a:t>  name: example-</a:t>
-            </a:r>
-            <a:r>
-              <a:rPr lang="en-US" altLang="zh-CN" dirty="0" err="1"/>
-              <a:t>istiocontrolplane</a:t>
-            </a:r>
-            <a:endParaRPr lang="en-US" altLang="zh-CN" dirty="0"/>
-          </a:p>
-          <a:p>
-            <a:pPr marL="0" indent="0">
-              <a:buNone/>
-            </a:pPr>
-            <a:r>
-              <a:rPr lang="en-US" altLang="zh-CN" dirty="0"/>
-              <a:t>spec:</a:t>
-            </a:r>
-          </a:p>
-          <a:p>
-            <a:pPr marL="0" indent="0">
-              <a:buNone/>
-            </a:pPr>
-            <a:r>
-              <a:rPr lang="en-US" altLang="zh-CN" dirty="0"/>
-              <a:t>  profile: demo</a:t>
-            </a:r>
-          </a:p>
-          <a:p>
-            <a:pPr marL="0" indent="0">
-              <a:buNone/>
-            </a:pPr>
-            <a:r>
-              <a:rPr lang="en-US" altLang="zh-CN" dirty="0"/>
-              <a:t>EOF</a:t>
-            </a:r>
-          </a:p>
-          <a:p>
-            <a:pPr marL="0" indent="0">
-              <a:buNone/>
-            </a:pPr>
-            <a:endParaRPr lang="en-US" altLang="zh-CN" dirty="0"/>
-          </a:p>
-          <a:p>
-            <a:r>
-              <a:rPr lang="en-US" altLang="zh-CN" dirty="0"/>
-              <a:t>3.  </a:t>
-            </a:r>
-            <a:r>
-              <a:rPr lang="zh-CN" altLang="en-US" dirty="0"/>
-              <a:t>验证</a:t>
-            </a:r>
-            <a:endParaRPr lang="en-US" altLang="zh-CN" dirty="0"/>
-          </a:p>
-          <a:p>
-            <a:pPr marL="0" indent="0">
-              <a:buNone/>
-            </a:pPr>
-            <a:r>
-              <a:rPr lang="en-US" altLang="zh-CN" dirty="0"/>
-              <a:t>  </a:t>
-            </a:r>
-            <a:r>
-              <a:rPr lang="en-US" altLang="zh-CN" dirty="0" err="1"/>
-              <a:t>kubectl</a:t>
-            </a:r>
-            <a:r>
-              <a:rPr lang="en-US" altLang="zh-CN" dirty="0"/>
-              <a:t> get svc -n </a:t>
-            </a:r>
-            <a:r>
-              <a:rPr lang="en-US" altLang="zh-CN" dirty="0" err="1"/>
-              <a:t>istio</a:t>
-            </a:r>
-            <a:r>
-              <a:rPr lang="en-US" altLang="zh-CN" dirty="0"/>
-              <a:t>-system</a:t>
-            </a:r>
-          </a:p>
-          <a:p>
-            <a:pPr marL="0" indent="0">
-              <a:buNone/>
-            </a:pPr>
-            <a:r>
-              <a:rPr lang="en-US" altLang="zh-CN" dirty="0"/>
-              <a:t>  </a:t>
-            </a:r>
-            <a:r>
-              <a:rPr lang="en-US" altLang="zh-CN" dirty="0" err="1"/>
-              <a:t>kubectl</a:t>
-            </a:r>
-            <a:r>
-              <a:rPr lang="en-US" altLang="zh-CN" dirty="0"/>
-              <a:t> get pod -n </a:t>
-            </a:r>
-            <a:r>
-              <a:rPr lang="en-US" altLang="zh-CN" dirty="0" err="1"/>
-              <a:t>istio</a:t>
-            </a:r>
-            <a:r>
-              <a:rPr lang="en-US" altLang="zh-CN" dirty="0"/>
-              <a:t>-system</a:t>
-            </a:r>
-          </a:p>
-          <a:p>
-            <a:r>
-              <a:rPr lang="en-US" altLang="zh-CN" dirty="0"/>
-              <a:t>4. </a:t>
-            </a:r>
-            <a:r>
-              <a:rPr lang="zh-CN" altLang="en-US" dirty="0"/>
-              <a:t>卸载</a:t>
-            </a:r>
-            <a:endParaRPr lang="en-US" altLang="zh-CN" dirty="0"/>
-          </a:p>
-          <a:p>
-            <a:r>
-              <a:rPr lang="en-US" altLang="zh-CN" dirty="0" err="1"/>
-              <a:t>kubectl</a:t>
-            </a:r>
-            <a:r>
-              <a:rPr lang="en-US" altLang="zh-CN" dirty="0"/>
-              <a:t> delete istiooperators.install.istio.io -n </a:t>
-            </a:r>
-            <a:r>
-              <a:rPr lang="en-US" altLang="zh-CN" dirty="0" err="1"/>
-              <a:t>istio</a:t>
-            </a:r>
-            <a:r>
-              <a:rPr lang="en-US" altLang="zh-CN" dirty="0"/>
-              <a:t>-system example-</a:t>
-            </a:r>
-            <a:r>
-              <a:rPr lang="en-US" altLang="zh-CN" dirty="0" err="1"/>
-              <a:t>istiocontrolplane</a:t>
-            </a:r>
-            <a:r>
-              <a:rPr lang="en-US" altLang="zh-CN" dirty="0"/>
-              <a:t>    </a:t>
-            </a:r>
-            <a:r>
-              <a:rPr lang="zh-CN" altLang="en-US" dirty="0"/>
-              <a:t>删除</a:t>
-            </a:r>
-            <a:r>
-              <a:rPr lang="en-US" altLang="zh-CN" dirty="0" err="1"/>
-              <a:t>Istio</a:t>
-            </a:r>
-            <a:r>
-              <a:rPr lang="en-US" altLang="zh-CN" dirty="0"/>
-              <a:t> deployment</a:t>
-            </a:r>
-          </a:p>
-          <a:p>
-            <a:r>
-              <a:rPr lang="en-US" altLang="zh-CN" dirty="0" err="1"/>
-              <a:t>istioctl</a:t>
-            </a:r>
-            <a:r>
-              <a:rPr lang="en-US" altLang="zh-CN" dirty="0"/>
-              <a:t> operator remove  </a:t>
-            </a:r>
-            <a:r>
-              <a:rPr lang="zh-CN" altLang="en-US" dirty="0"/>
-              <a:t>（</a:t>
-            </a:r>
-            <a:r>
-              <a:rPr lang="en-US" altLang="zh-CN" dirty="0"/>
-              <a:t>or </a:t>
-            </a:r>
-            <a:r>
-              <a:rPr lang="en-US" altLang="zh-CN" dirty="0" err="1"/>
-              <a:t>kubectl</a:t>
-            </a:r>
-            <a:r>
-              <a:rPr lang="en-US" altLang="zh-CN" dirty="0"/>
-              <a:t> delete ns </a:t>
-            </a:r>
-            <a:r>
-              <a:rPr lang="en-US" altLang="zh-CN" dirty="0" err="1"/>
-              <a:t>istio</a:t>
-            </a:r>
-            <a:r>
-              <a:rPr lang="en-US" altLang="zh-CN" dirty="0"/>
-              <a:t>-operator --grace-period=0 --force</a:t>
-            </a:r>
-            <a:r>
-              <a:rPr lang="zh-CN" altLang="en-US" dirty="0"/>
-              <a:t>）</a:t>
-            </a:r>
-            <a:r>
-              <a:rPr lang="en-US" altLang="zh-CN" dirty="0"/>
-              <a:t>   </a:t>
-            </a:r>
-            <a:r>
-              <a:rPr lang="zh-CN" altLang="en-US" dirty="0"/>
-              <a:t>删除 </a:t>
-            </a:r>
-            <a:r>
-              <a:rPr lang="en-US" altLang="zh-CN" dirty="0"/>
-              <a:t> </a:t>
-            </a:r>
-            <a:r>
-              <a:rPr lang="en-US" altLang="zh-CN" dirty="0" err="1"/>
-              <a:t>Istio</a:t>
-            </a:r>
-            <a:r>
-              <a:rPr lang="en-US" altLang="zh-CN" dirty="0"/>
-              <a:t> operator</a:t>
-            </a:r>
-          </a:p>
-          <a:p>
-            <a:r>
-              <a:rPr lang="en-US" altLang="zh-CN" dirty="0" err="1"/>
-              <a:t>istioctl</a:t>
-            </a:r>
-            <a:r>
-              <a:rPr lang="en-US" altLang="zh-CN" dirty="0"/>
-              <a:t> manifest generate | </a:t>
-            </a:r>
-            <a:r>
-              <a:rPr lang="en-US" altLang="zh-CN" dirty="0" err="1"/>
-              <a:t>kubectl</a:t>
-            </a:r>
-            <a:r>
-              <a:rPr lang="en-US" altLang="zh-CN" dirty="0"/>
-              <a:t> delete -f – </a:t>
-            </a:r>
-          </a:p>
-          <a:p>
-            <a:r>
-              <a:rPr lang="en-US" altLang="zh-CN" dirty="0" err="1"/>
-              <a:t>kubectl</a:t>
-            </a:r>
-            <a:r>
-              <a:rPr lang="en-US" altLang="zh-CN" dirty="0"/>
-              <a:t> delete ns </a:t>
-            </a:r>
-            <a:r>
-              <a:rPr lang="en-US" altLang="zh-CN" dirty="0" err="1"/>
-              <a:t>istio</a:t>
-            </a:r>
-            <a:r>
-              <a:rPr lang="en-US" altLang="zh-CN" dirty="0"/>
-              <a:t>-system --grace-period=0 --force</a:t>
-            </a:r>
-          </a:p>
-          <a:p>
-            <a:endParaRPr lang="en-US" altLang="zh-CN" dirty="0"/>
-          </a:p>
-          <a:p>
-            <a:pPr marL="342900" indent="-342900">
-              <a:buAutoNum type="arabicPeriod" startAt="4"/>
-            </a:pPr>
-            <a:endParaRPr lang="zh-CN" altLang="en-US" dirty="0"/>
-          </a:p>
-        </p:txBody>
-      </p:sp>
-      <p:sp>
-        <p:nvSpPr>
-          <p:cNvPr id="4" name="日期占位符 3">
-            <a:extLst>
-              <a:ext uri="{FF2B5EF4-FFF2-40B4-BE49-F238E27FC236}">
-                <a16:creationId xmlns:a16="http://schemas.microsoft.com/office/drawing/2014/main" id="{089C2AEB-9546-4B02-8976-18F7BDE0B52A}"/>
-              </a:ext>
-            </a:extLst>
-          </p:cNvPr>
-          <p:cNvSpPr>
-            <a:spLocks noGrp="1"/>
-          </p:cNvSpPr>
-          <p:nvPr>
-            <p:ph type="dt" sz="half" idx="10"/>
-          </p:nvPr>
-        </p:nvSpPr>
-        <p:spPr/>
-        <p:txBody>
-          <a:bodyPr/>
-          <a:lstStyle/>
-          <a:p>
-            <a:pPr rtl="0"/>
-            <a:fld id="{F24FFC25-0C05-49C8-B150-3CF6B89B5C55}" type="datetime1">
-              <a:rPr lang="zh-CN" altLang="en-US" smtClean="0"/>
-              <a:t>2020/4/10</a:t>
-            </a:fld>
-            <a:endParaRPr lang="en-US" dirty="0"/>
-          </a:p>
-        </p:txBody>
-      </p:sp>
-      <p:pic>
-        <p:nvPicPr>
-          <p:cNvPr id="5" name="图片 4">
-            <a:extLst>
-              <a:ext uri="{FF2B5EF4-FFF2-40B4-BE49-F238E27FC236}">
-                <a16:creationId xmlns:a16="http://schemas.microsoft.com/office/drawing/2014/main" id="{85BDDAF0-CB6E-4E19-96C6-B59C4D483DF3}"/>
-              </a:ext>
-            </a:extLst>
-          </p:cNvPr>
-          <p:cNvPicPr>
-            <a:picLocks noChangeAspect="1"/>
-          </p:cNvPicPr>
-          <p:nvPr/>
-        </p:nvPicPr>
-        <p:blipFill>
-          <a:blip r:embed="rId2"/>
-          <a:stretch>
-            <a:fillRect/>
-          </a:stretch>
-        </p:blipFill>
-        <p:spPr>
-          <a:xfrm>
-            <a:off x="3544952" y="1314995"/>
-            <a:ext cx="4666667" cy="3971429"/>
-          </a:xfrm>
-          <a:prstGeom prst="rect">
-            <a:avLst/>
-          </a:prstGeom>
-        </p:spPr>
-      </p:pic>
-    </p:spTree>
-    <p:extLst>
-      <p:ext uri="{BB962C8B-B14F-4D97-AF65-F5344CB8AC3E}">
-        <p14:creationId xmlns:p14="http://schemas.microsoft.com/office/powerpoint/2010/main" val="993569648"/>
-      </p:ext>
-    </p:extLst>
-  </p:cSld>
-  <p:clrMapOvr>
-    <a:masterClrMapping/>
-  </p:clrMapOvr>
-</p:sld>
-</file>
-
-<file path=ppt/slides/slide24.xml><?xml version="1.0" encoding="utf-8"?>
-<p:sld xmlns:a="http://schemas.openxmlformats.org/drawingml/2006/main" xmlns:r="http://schemas.openxmlformats.org/officeDocument/2006/relationships" xmlns:p="http://schemas.openxmlformats.org/presentationml/2006/main">
-  <p:cSld>
-    <p:spTree>
-      <p:nvGrpSpPr>
-        <p:cNvPr id="1" name=""/>
-        <p:cNvGrpSpPr/>
-        <p:nvPr/>
-      </p:nvGrpSpPr>
-      <p:grpSpPr>
-        <a:xfrm>
-          <a:off x="0" y="0"/>
-          <a:ext cx="0" cy="0"/>
-          <a:chOff x="0" y="0"/>
-          <a:chExt cx="0" cy="0"/>
-        </a:xfrm>
-      </p:grpSpPr>
-      <p:sp>
-        <p:nvSpPr>
-          <p:cNvPr id="2" name="标题 1">
-            <a:extLst>
-              <a:ext uri="{FF2B5EF4-FFF2-40B4-BE49-F238E27FC236}">
-                <a16:creationId xmlns:a16="http://schemas.microsoft.com/office/drawing/2014/main" id="{E347AE1B-C16C-400D-8A94-ADBDED5C77C1}"/>
-              </a:ext>
-            </a:extLst>
-          </p:cNvPr>
-          <p:cNvSpPr>
-            <a:spLocks noGrp="1"/>
-          </p:cNvSpPr>
-          <p:nvPr>
-            <p:ph type="title"/>
-          </p:nvPr>
-        </p:nvSpPr>
-        <p:spPr>
-          <a:xfrm>
-            <a:off x="581192" y="702156"/>
-            <a:ext cx="11029616" cy="621547"/>
-          </a:xfrm>
-        </p:spPr>
-        <p:txBody>
-          <a:bodyPr>
-            <a:normAutofit/>
-          </a:bodyPr>
-          <a:lstStyle/>
-          <a:p>
-            <a:r>
-              <a:rPr lang="en-US" altLang="zh-CN" dirty="0"/>
-              <a:t>ISTIO</a:t>
-            </a:r>
-            <a:r>
-              <a:rPr lang="zh-CN" altLang="en-US" dirty="0"/>
-              <a:t>功能演示 </a:t>
-            </a:r>
-            <a:r>
-              <a:rPr lang="en-US" altLang="zh-CN" dirty="0"/>
-              <a:t>– Sidecar </a:t>
-            </a:r>
-            <a:r>
-              <a:rPr lang="zh-CN" altLang="en-US" dirty="0"/>
-              <a:t>注入</a:t>
-            </a:r>
-          </a:p>
-        </p:txBody>
-      </p:sp>
-      <p:sp>
-        <p:nvSpPr>
-          <p:cNvPr id="3" name="内容占位符 2">
-            <a:extLst>
-              <a:ext uri="{FF2B5EF4-FFF2-40B4-BE49-F238E27FC236}">
-                <a16:creationId xmlns:a16="http://schemas.microsoft.com/office/drawing/2014/main" id="{19304D0B-3875-48AA-968E-BC43E5336941}"/>
-              </a:ext>
-            </a:extLst>
-          </p:cNvPr>
-          <p:cNvSpPr>
-            <a:spLocks noGrp="1"/>
-          </p:cNvSpPr>
-          <p:nvPr>
-            <p:ph idx="1"/>
-          </p:nvPr>
-        </p:nvSpPr>
-        <p:spPr>
-          <a:xfrm>
-            <a:off x="581192" y="1619794"/>
-            <a:ext cx="11029615" cy="4355556"/>
-          </a:xfrm>
-        </p:spPr>
-        <p:txBody>
-          <a:bodyPr>
-            <a:normAutofit fontScale="77500" lnSpcReduction="20000"/>
-          </a:bodyPr>
-          <a:lstStyle/>
-          <a:p>
-            <a:r>
-              <a:rPr lang="en-US" altLang="zh-CN" dirty="0"/>
-              <a:t>1. </a:t>
-            </a:r>
-            <a:r>
-              <a:rPr lang="zh-CN" altLang="en-US" dirty="0"/>
-              <a:t>手动注入</a:t>
-            </a:r>
-            <a:endParaRPr lang="en-US" altLang="zh-CN" dirty="0"/>
-          </a:p>
-          <a:p>
-            <a:pPr marL="0" indent="0">
-              <a:buNone/>
-            </a:pPr>
-            <a:r>
-              <a:rPr lang="en-US" altLang="zh-CN" dirty="0" err="1"/>
-              <a:t>istioctl</a:t>
-            </a:r>
-            <a:r>
-              <a:rPr lang="en-US" altLang="zh-CN" dirty="0"/>
-              <a:t> </a:t>
-            </a:r>
-            <a:r>
-              <a:rPr lang="en-US" altLang="zh-CN" dirty="0" err="1"/>
-              <a:t>kube</a:t>
-            </a:r>
-            <a:r>
-              <a:rPr lang="en-US" altLang="zh-CN" dirty="0"/>
-              <a:t>-inject -f </a:t>
-            </a:r>
-            <a:r>
-              <a:rPr lang="en-US" altLang="zh-CN" dirty="0">
-                <a:hlinkClick r:id="rId2"/>
-              </a:rPr>
-              <a:t>samples/sleep/</a:t>
-            </a:r>
-            <a:r>
-              <a:rPr lang="en-US" altLang="zh-CN" dirty="0" err="1">
-                <a:hlinkClick r:id="rId2"/>
-              </a:rPr>
-              <a:t>sleep.yaml</a:t>
-            </a:r>
-            <a:r>
-              <a:rPr lang="en-US" altLang="zh-CN" dirty="0"/>
-              <a:t> | </a:t>
-            </a:r>
-            <a:r>
-              <a:rPr lang="en-US" altLang="zh-CN" dirty="0" err="1"/>
-              <a:t>kubectl</a:t>
-            </a:r>
-            <a:r>
-              <a:rPr lang="en-US" altLang="zh-CN" dirty="0"/>
-              <a:t> apply -f –</a:t>
-            </a:r>
-          </a:p>
-          <a:p>
-            <a:r>
-              <a:rPr lang="en-US" altLang="zh-CN" dirty="0"/>
-              <a:t>2. </a:t>
-            </a:r>
-            <a:r>
-              <a:rPr lang="zh-CN" altLang="en-US" dirty="0"/>
-              <a:t>自动注入</a:t>
-            </a:r>
-            <a:endParaRPr lang="en-US" altLang="zh-CN" dirty="0"/>
-          </a:p>
-          <a:p>
-            <a:pPr marL="0" indent="0">
-              <a:buNone/>
-            </a:pPr>
-            <a:r>
-              <a:rPr lang="en-US" altLang="zh-CN" dirty="0" err="1"/>
-              <a:t>kubectl</a:t>
-            </a:r>
-            <a:r>
-              <a:rPr lang="en-US" altLang="zh-CN" dirty="0"/>
-              <a:t> label namespace loc </a:t>
-            </a:r>
-            <a:r>
-              <a:rPr lang="en-US" altLang="zh-CN" dirty="0" err="1"/>
-              <a:t>istio</a:t>
-            </a:r>
-            <a:r>
-              <a:rPr lang="en-US" altLang="zh-CN" dirty="0"/>
-              <a:t>-injection=enabled </a:t>
-            </a:r>
-          </a:p>
-          <a:p>
-            <a:pPr marL="0" indent="0">
-              <a:buNone/>
-            </a:pPr>
-            <a:r>
-              <a:rPr lang="en-US" altLang="zh-CN" dirty="0" err="1"/>
-              <a:t>kubectl</a:t>
-            </a:r>
-            <a:r>
-              <a:rPr lang="en-US" altLang="zh-CN" dirty="0"/>
-              <a:t> get namespace -L </a:t>
-            </a:r>
-            <a:r>
-              <a:rPr lang="en-US" altLang="zh-CN" dirty="0" err="1"/>
-              <a:t>istio</a:t>
-            </a:r>
-            <a:r>
-              <a:rPr lang="en-US" altLang="zh-CN" dirty="0"/>
-              <a:t>-injection  </a:t>
-            </a:r>
-            <a:r>
-              <a:rPr lang="zh-CN" altLang="en-US" dirty="0"/>
-              <a:t>查看</a:t>
-            </a:r>
-            <a:endParaRPr lang="en-US" altLang="zh-CN" dirty="0"/>
-          </a:p>
-          <a:p>
-            <a:pPr marL="0" indent="0">
-              <a:buNone/>
-            </a:pPr>
-            <a:r>
-              <a:rPr lang="zh-CN" altLang="en-US" dirty="0"/>
-              <a:t>在</a:t>
-            </a:r>
-            <a:r>
-              <a:rPr lang="en-US" altLang="zh-CN" dirty="0"/>
-              <a:t>enabled </a:t>
-            </a:r>
-            <a:r>
-              <a:rPr lang="zh-CN" altLang="en-US" dirty="0"/>
-              <a:t>的命名空间中 在</a:t>
-            </a:r>
-            <a:r>
-              <a:rPr lang="en-US" altLang="zh-CN" dirty="0" err="1"/>
-              <a:t>yml</a:t>
-            </a:r>
-            <a:r>
-              <a:rPr lang="zh-CN" altLang="en-US" dirty="0"/>
-              <a:t>文件中标记不注入或者</a:t>
-            </a:r>
-            <a:r>
-              <a:rPr lang="en-US" altLang="zh-CN" dirty="0"/>
-              <a:t>disabled</a:t>
-            </a:r>
-            <a:r>
-              <a:rPr lang="zh-CN" altLang="en-US" dirty="0"/>
-              <a:t>中注入</a:t>
-            </a:r>
-            <a:endParaRPr lang="en-US" altLang="zh-CN" dirty="0"/>
-          </a:p>
-          <a:p>
-            <a:pPr marL="0" indent="0">
-              <a:buNone/>
-            </a:pPr>
-            <a:r>
-              <a:rPr lang="en-US" altLang="zh-CN" sz="1100" dirty="0" err="1"/>
-              <a:t>apiVersion</a:t>
-            </a:r>
-            <a:r>
-              <a:rPr lang="en-US" altLang="zh-CN" sz="1100" dirty="0"/>
-              <a:t>: apps/v1</a:t>
-            </a:r>
-          </a:p>
-          <a:p>
-            <a:pPr marL="0" indent="0">
-              <a:buNone/>
-            </a:pPr>
-            <a:r>
-              <a:rPr lang="en-US" altLang="zh-CN" sz="1100" dirty="0"/>
-              <a:t>kind: Deployment</a:t>
-            </a:r>
-          </a:p>
-          <a:p>
-            <a:pPr marL="0" indent="0">
-              <a:buNone/>
-            </a:pPr>
-            <a:r>
-              <a:rPr lang="en-US" altLang="zh-CN" sz="1100" dirty="0"/>
-              <a:t>metadata:</a:t>
-            </a:r>
-          </a:p>
-          <a:p>
-            <a:pPr marL="0" indent="0">
-              <a:buNone/>
-            </a:pPr>
-            <a:r>
-              <a:rPr lang="en-US" altLang="zh-CN" sz="1100" dirty="0"/>
-              <a:t>  name: ignored</a:t>
-            </a:r>
-          </a:p>
-          <a:p>
-            <a:pPr marL="0" indent="0">
-              <a:buNone/>
-            </a:pPr>
-            <a:r>
-              <a:rPr lang="en-US" altLang="zh-CN" sz="1100" dirty="0"/>
-              <a:t>spec:</a:t>
-            </a:r>
-          </a:p>
-          <a:p>
-            <a:pPr marL="0" indent="0">
-              <a:buNone/>
-            </a:pPr>
-            <a:r>
-              <a:rPr lang="en-US" altLang="zh-CN" sz="1100" dirty="0"/>
-              <a:t>  template:</a:t>
-            </a:r>
-          </a:p>
-          <a:p>
-            <a:pPr marL="0" indent="0">
-              <a:buNone/>
-            </a:pPr>
-            <a:r>
-              <a:rPr lang="en-US" altLang="zh-CN" sz="1100" dirty="0"/>
-              <a:t>    metadata:</a:t>
-            </a:r>
-          </a:p>
-          <a:p>
-            <a:pPr marL="0" indent="0">
-              <a:buNone/>
-            </a:pPr>
-            <a:r>
-              <a:rPr lang="en-US" altLang="zh-CN" sz="1100" dirty="0"/>
-              <a:t>      annotations:</a:t>
-            </a:r>
-          </a:p>
-          <a:p>
-            <a:pPr marL="0" indent="0">
-              <a:buNone/>
-            </a:pPr>
-            <a:r>
-              <a:rPr lang="en-US" altLang="zh-CN" sz="1100" dirty="0"/>
-              <a:t>        sidecar.istio.io/inject: "false“</a:t>
-            </a:r>
-          </a:p>
-          <a:p>
-            <a:r>
-              <a:rPr lang="en-US" altLang="zh-CN" sz="1100" dirty="0"/>
-              <a:t>3. </a:t>
-            </a:r>
-            <a:r>
-              <a:rPr lang="zh-CN" altLang="en-US" sz="1100" dirty="0"/>
-              <a:t>禁用</a:t>
-            </a:r>
-            <a:endParaRPr lang="en-US" altLang="zh-CN" sz="1100" dirty="0"/>
-          </a:p>
-          <a:p>
-            <a:pPr marL="0" indent="0">
-              <a:buNone/>
-            </a:pPr>
-            <a:r>
-              <a:rPr lang="en-US" altLang="zh-CN" dirty="0" err="1"/>
-              <a:t>kubectl</a:t>
-            </a:r>
-            <a:r>
-              <a:rPr lang="en-US" altLang="zh-CN" dirty="0"/>
-              <a:t> label namespace default </a:t>
-            </a:r>
-            <a:r>
-              <a:rPr lang="en-US" altLang="zh-CN" dirty="0" err="1"/>
-              <a:t>istio</a:t>
-            </a:r>
-            <a:r>
-              <a:rPr lang="en-US" altLang="zh-CN" dirty="0"/>
-              <a:t>-injection-</a:t>
-            </a:r>
-            <a:endParaRPr lang="zh-CN" altLang="en-US" sz="1100" dirty="0"/>
-          </a:p>
-        </p:txBody>
-      </p:sp>
-      <p:sp>
-        <p:nvSpPr>
-          <p:cNvPr id="4" name="日期占位符 3">
-            <a:extLst>
-              <a:ext uri="{FF2B5EF4-FFF2-40B4-BE49-F238E27FC236}">
-                <a16:creationId xmlns:a16="http://schemas.microsoft.com/office/drawing/2014/main" id="{ED5AD41E-1C6E-4A7D-A177-73448B2A78FD}"/>
-              </a:ext>
-            </a:extLst>
-          </p:cNvPr>
-          <p:cNvSpPr>
-            <a:spLocks noGrp="1"/>
-          </p:cNvSpPr>
-          <p:nvPr>
-            <p:ph type="dt" sz="half" idx="10"/>
-          </p:nvPr>
-        </p:nvSpPr>
-        <p:spPr/>
-        <p:txBody>
-          <a:bodyPr/>
-          <a:lstStyle/>
-          <a:p>
-            <a:pPr rtl="0"/>
-            <a:fld id="{F24FFC25-0C05-49C8-B150-3CF6B89B5C55}" type="datetime1">
-              <a:rPr lang="zh-CN" altLang="en-US" smtClean="0"/>
-              <a:t>2020/4/10</a:t>
-            </a:fld>
-            <a:endParaRPr lang="en-US" dirty="0"/>
-          </a:p>
-        </p:txBody>
-      </p:sp>
-    </p:spTree>
-    <p:extLst>
-      <p:ext uri="{BB962C8B-B14F-4D97-AF65-F5344CB8AC3E}">
-        <p14:creationId xmlns:p14="http://schemas.microsoft.com/office/powerpoint/2010/main" val="3270235935"/>
       </p:ext>
     </p:extLst>
   </p:cSld>
@@ -19197,7 +20064,7 @@
             <a:pPr rtl="0"/>
             <a:fld id="{F24FFC25-0C05-49C8-B150-3CF6B89B5C55}" type="datetime1">
               <a:rPr lang="zh-CN" altLang="en-US" smtClean="0"/>
-              <a:t>2020/4/10</a:t>
+              <a:t>2020/4/13</a:t>
             </a:fld>
             <a:endParaRPr lang="en-US" dirty="0"/>
           </a:p>
@@ -19207,6 +20074,1493 @@
     <p:extLst>
       <p:ext uri="{BB962C8B-B14F-4D97-AF65-F5344CB8AC3E}">
         <p14:creationId xmlns:p14="http://schemas.microsoft.com/office/powerpoint/2010/main" val="1130933906"/>
+      </p:ext>
+    </p:extLst>
+  </p:cSld>
+  <p:clrMapOvr>
+    <a:masterClrMapping/>
+  </p:clrMapOvr>
+</p:sld>
+</file>
+
+<file path=ppt/slides/slide30.xml><?xml version="1.0" encoding="utf-8"?>
+<p:sld xmlns:a="http://schemas.openxmlformats.org/drawingml/2006/main" xmlns:r="http://schemas.openxmlformats.org/officeDocument/2006/relationships" xmlns:p="http://schemas.openxmlformats.org/presentationml/2006/main">
+  <p:cSld>
+    <p:spTree>
+      <p:nvGrpSpPr>
+        <p:cNvPr id="1" name=""/>
+        <p:cNvGrpSpPr/>
+        <p:nvPr/>
+      </p:nvGrpSpPr>
+      <p:grpSpPr>
+        <a:xfrm>
+          <a:off x="0" y="0"/>
+          <a:ext cx="0" cy="0"/>
+          <a:chOff x="0" y="0"/>
+          <a:chExt cx="0" cy="0"/>
+        </a:xfrm>
+      </p:grpSpPr>
+      <p:sp>
+        <p:nvSpPr>
+          <p:cNvPr id="2" name="标题 1">
+            <a:extLst>
+              <a:ext uri="{FF2B5EF4-FFF2-40B4-BE49-F238E27FC236}">
+                <a16:creationId xmlns:a16="http://schemas.microsoft.com/office/drawing/2014/main" id="{DF9ED0A6-C639-4C20-AEED-0171194E7822}"/>
+              </a:ext>
+            </a:extLst>
+          </p:cNvPr>
+          <p:cNvSpPr>
+            <a:spLocks noGrp="1"/>
+          </p:cNvSpPr>
+          <p:nvPr>
+            <p:ph type="title"/>
+          </p:nvPr>
+        </p:nvSpPr>
+        <p:spPr/>
+        <p:txBody>
+          <a:bodyPr/>
+          <a:lstStyle/>
+          <a:p>
+            <a:r>
+              <a:rPr lang="zh-CN" altLang="en-US" dirty="0">
+                <a:hlinkClick r:id="rId2" tooltip="如果使用服务网格，是否需要API网关？"/>
+              </a:rPr>
+              <a:t>如果使用服务网格，是否需要</a:t>
+            </a:r>
+            <a:r>
+              <a:rPr lang="en-US" altLang="zh-CN" dirty="0">
+                <a:hlinkClick r:id="rId2" tooltip="如果使用服务网格，是否需要API网关？"/>
+              </a:rPr>
+              <a:t>API</a:t>
+            </a:r>
+            <a:r>
+              <a:rPr lang="zh-CN" altLang="en-US" dirty="0">
+                <a:hlinkClick r:id="rId2" tooltip="如果使用服务网格，是否需要API网关？"/>
+              </a:rPr>
+              <a:t>网关？</a:t>
+            </a:r>
+            <a:br>
+              <a:rPr lang="zh-CN" altLang="en-US" dirty="0"/>
+            </a:br>
+            <a:endParaRPr lang="zh-CN" altLang="en-US" dirty="0"/>
+          </a:p>
+        </p:txBody>
+      </p:sp>
+      <p:sp>
+        <p:nvSpPr>
+          <p:cNvPr id="3" name="内容占位符 2">
+            <a:extLst>
+              <a:ext uri="{FF2B5EF4-FFF2-40B4-BE49-F238E27FC236}">
+                <a16:creationId xmlns:a16="http://schemas.microsoft.com/office/drawing/2014/main" id="{21CD5E06-6813-463B-BC6F-AE041044FE28}"/>
+              </a:ext>
+            </a:extLst>
+          </p:cNvPr>
+          <p:cNvSpPr>
+            <a:spLocks noGrp="1"/>
+          </p:cNvSpPr>
+          <p:nvPr>
+            <p:ph idx="1"/>
+          </p:nvPr>
+        </p:nvSpPr>
+        <p:spPr/>
+        <p:txBody>
+          <a:bodyPr/>
+          <a:lstStyle/>
+          <a:p>
+            <a:endParaRPr lang="zh-CN" altLang="en-US" dirty="0"/>
+          </a:p>
+        </p:txBody>
+      </p:sp>
+      <p:sp>
+        <p:nvSpPr>
+          <p:cNvPr id="4" name="日期占位符 3">
+            <a:extLst>
+              <a:ext uri="{FF2B5EF4-FFF2-40B4-BE49-F238E27FC236}">
+                <a16:creationId xmlns:a16="http://schemas.microsoft.com/office/drawing/2014/main" id="{F91887BD-9CB5-4527-8EAF-3B98E357FAD0}"/>
+              </a:ext>
+            </a:extLst>
+          </p:cNvPr>
+          <p:cNvSpPr>
+            <a:spLocks noGrp="1"/>
+          </p:cNvSpPr>
+          <p:nvPr>
+            <p:ph type="dt" sz="half" idx="10"/>
+          </p:nvPr>
+        </p:nvSpPr>
+        <p:spPr/>
+        <p:txBody>
+          <a:bodyPr/>
+          <a:lstStyle/>
+          <a:p>
+            <a:pPr rtl="0"/>
+            <a:fld id="{F24FFC25-0C05-49C8-B150-3CF6B89B5C55}" type="datetime1">
+              <a:rPr lang="zh-CN" altLang="en-US" smtClean="0"/>
+              <a:t>2020/4/13</a:t>
+            </a:fld>
+            <a:endParaRPr lang="en-US" dirty="0"/>
+          </a:p>
+        </p:txBody>
+      </p:sp>
+    </p:spTree>
+    <p:extLst>
+      <p:ext uri="{BB962C8B-B14F-4D97-AF65-F5344CB8AC3E}">
+        <p14:creationId xmlns:p14="http://schemas.microsoft.com/office/powerpoint/2010/main" val="3875312775"/>
+      </p:ext>
+    </p:extLst>
+  </p:cSld>
+  <p:clrMapOvr>
+    <a:masterClrMapping/>
+  </p:clrMapOvr>
+</p:sld>
+</file>
+
+<file path=ppt/slides/slide31.xml><?xml version="1.0" encoding="utf-8"?>
+<p:sld xmlns:a="http://schemas.openxmlformats.org/drawingml/2006/main" xmlns:r="http://schemas.openxmlformats.org/officeDocument/2006/relationships" xmlns:p="http://schemas.openxmlformats.org/presentationml/2006/main">
+  <p:cSld>
+    <p:spTree>
+      <p:nvGrpSpPr>
+        <p:cNvPr id="1" name=""/>
+        <p:cNvGrpSpPr/>
+        <p:nvPr/>
+      </p:nvGrpSpPr>
+      <p:grpSpPr>
+        <a:xfrm>
+          <a:off x="0" y="0"/>
+          <a:ext cx="0" cy="0"/>
+          <a:chOff x="0" y="0"/>
+          <a:chExt cx="0" cy="0"/>
+        </a:xfrm>
+      </p:grpSpPr>
+      <p:sp>
+        <p:nvSpPr>
+          <p:cNvPr id="2" name="标题 1">
+            <a:extLst>
+              <a:ext uri="{FF2B5EF4-FFF2-40B4-BE49-F238E27FC236}">
+                <a16:creationId xmlns:a16="http://schemas.microsoft.com/office/drawing/2014/main" id="{28139F05-46D5-40E4-92F6-6E9BCF690E27}"/>
+              </a:ext>
+            </a:extLst>
+          </p:cNvPr>
+          <p:cNvSpPr>
+            <a:spLocks noGrp="1"/>
+          </p:cNvSpPr>
+          <p:nvPr>
+            <p:ph type="title"/>
+          </p:nvPr>
+        </p:nvSpPr>
+        <p:spPr/>
+        <p:txBody>
+          <a:bodyPr/>
+          <a:lstStyle/>
+          <a:p>
+            <a:r>
+              <a:rPr lang="en-US" altLang="zh-CN" dirty="0"/>
+              <a:t>ISTIO</a:t>
+            </a:r>
+            <a:r>
+              <a:rPr lang="zh-CN" altLang="en-US" dirty="0"/>
+              <a:t>组件介绍</a:t>
+            </a:r>
+          </a:p>
+        </p:txBody>
+      </p:sp>
+      <p:sp>
+        <p:nvSpPr>
+          <p:cNvPr id="3" name="内容占位符 2">
+            <a:extLst>
+              <a:ext uri="{FF2B5EF4-FFF2-40B4-BE49-F238E27FC236}">
+                <a16:creationId xmlns:a16="http://schemas.microsoft.com/office/drawing/2014/main" id="{63CF2D61-9C95-4E87-8EB0-5C8D25B106B8}"/>
+              </a:ext>
+            </a:extLst>
+          </p:cNvPr>
+          <p:cNvSpPr>
+            <a:spLocks noGrp="1"/>
+          </p:cNvSpPr>
+          <p:nvPr>
+            <p:ph idx="1"/>
+          </p:nvPr>
+        </p:nvSpPr>
+        <p:spPr/>
+        <p:txBody>
+          <a:bodyPr/>
+          <a:lstStyle/>
+          <a:p>
+            <a:endParaRPr lang="zh-CN" altLang="en-US"/>
+          </a:p>
+        </p:txBody>
+      </p:sp>
+      <p:sp>
+        <p:nvSpPr>
+          <p:cNvPr id="4" name="日期占位符 3">
+            <a:extLst>
+              <a:ext uri="{FF2B5EF4-FFF2-40B4-BE49-F238E27FC236}">
+                <a16:creationId xmlns:a16="http://schemas.microsoft.com/office/drawing/2014/main" id="{8BA59311-C017-4E31-96E2-6388A03364FE}"/>
+              </a:ext>
+            </a:extLst>
+          </p:cNvPr>
+          <p:cNvSpPr>
+            <a:spLocks noGrp="1"/>
+          </p:cNvSpPr>
+          <p:nvPr>
+            <p:ph type="dt" sz="half" idx="10"/>
+          </p:nvPr>
+        </p:nvSpPr>
+        <p:spPr/>
+        <p:txBody>
+          <a:bodyPr/>
+          <a:lstStyle/>
+          <a:p>
+            <a:pPr rtl="0"/>
+            <a:fld id="{F24FFC25-0C05-49C8-B150-3CF6B89B5C55}" type="datetime1">
+              <a:rPr lang="zh-CN" altLang="en-US" smtClean="0"/>
+              <a:t>2020/4/13</a:t>
+            </a:fld>
+            <a:endParaRPr lang="en-US" dirty="0"/>
+          </a:p>
+        </p:txBody>
+      </p:sp>
+    </p:spTree>
+    <p:extLst>
+      <p:ext uri="{BB962C8B-B14F-4D97-AF65-F5344CB8AC3E}">
+        <p14:creationId xmlns:p14="http://schemas.microsoft.com/office/powerpoint/2010/main" val="3302909487"/>
+      </p:ext>
+    </p:extLst>
+  </p:cSld>
+  <p:clrMapOvr>
+    <a:masterClrMapping/>
+  </p:clrMapOvr>
+</p:sld>
+</file>
+
+<file path=ppt/slides/slide32.xml><?xml version="1.0" encoding="utf-8"?>
+<p:sld xmlns:a="http://schemas.openxmlformats.org/drawingml/2006/main" xmlns:r="http://schemas.openxmlformats.org/officeDocument/2006/relationships" xmlns:p="http://schemas.openxmlformats.org/presentationml/2006/main">
+  <p:cSld>
+    <p:spTree>
+      <p:nvGrpSpPr>
+        <p:cNvPr id="1" name=""/>
+        <p:cNvGrpSpPr/>
+        <p:nvPr/>
+      </p:nvGrpSpPr>
+      <p:grpSpPr>
+        <a:xfrm>
+          <a:off x="0" y="0"/>
+          <a:ext cx="0" cy="0"/>
+          <a:chOff x="0" y="0"/>
+          <a:chExt cx="0" cy="0"/>
+        </a:xfrm>
+      </p:grpSpPr>
+      <p:sp>
+        <p:nvSpPr>
+          <p:cNvPr id="2" name="标题 1">
+            <a:extLst>
+              <a:ext uri="{FF2B5EF4-FFF2-40B4-BE49-F238E27FC236}">
+                <a16:creationId xmlns:a16="http://schemas.microsoft.com/office/drawing/2014/main" id="{A6E2A952-B5D3-4A19-962E-F057C989CDFA}"/>
+              </a:ext>
+            </a:extLst>
+          </p:cNvPr>
+          <p:cNvSpPr>
+            <a:spLocks noGrp="1"/>
+          </p:cNvSpPr>
+          <p:nvPr>
+            <p:ph type="title"/>
+          </p:nvPr>
+        </p:nvSpPr>
+        <p:spPr>
+          <a:xfrm>
+            <a:off x="581192" y="702156"/>
+            <a:ext cx="11029616" cy="804427"/>
+          </a:xfrm>
+        </p:spPr>
+        <p:txBody>
+          <a:bodyPr/>
+          <a:lstStyle/>
+          <a:p>
+            <a:r>
+              <a:rPr lang="en-US" altLang="zh-CN" dirty="0"/>
+              <a:t>ISTIO</a:t>
+            </a:r>
+            <a:r>
+              <a:rPr lang="zh-CN" altLang="en-US" dirty="0"/>
+              <a:t>安装 </a:t>
+            </a:r>
+            <a:r>
+              <a:rPr lang="en-US" altLang="zh-CN" dirty="0"/>
+              <a:t>- ISTIOCTL</a:t>
+            </a:r>
+            <a:endParaRPr lang="zh-CN" altLang="en-US" dirty="0"/>
+          </a:p>
+        </p:txBody>
+      </p:sp>
+      <p:sp>
+        <p:nvSpPr>
+          <p:cNvPr id="3" name="内容占位符 2">
+            <a:extLst>
+              <a:ext uri="{FF2B5EF4-FFF2-40B4-BE49-F238E27FC236}">
+                <a16:creationId xmlns:a16="http://schemas.microsoft.com/office/drawing/2014/main" id="{EB4C6BC0-2F57-4428-8705-7505BB5517BF}"/>
+              </a:ext>
+            </a:extLst>
+          </p:cNvPr>
+          <p:cNvSpPr>
+            <a:spLocks noGrp="1"/>
+          </p:cNvSpPr>
+          <p:nvPr>
+            <p:ph idx="1"/>
+          </p:nvPr>
+        </p:nvSpPr>
+        <p:spPr>
+          <a:xfrm>
+            <a:off x="581192" y="1741714"/>
+            <a:ext cx="11029615" cy="4233636"/>
+          </a:xfrm>
+        </p:spPr>
+        <p:txBody>
+          <a:bodyPr>
+            <a:normAutofit fontScale="92500" lnSpcReduction="10000"/>
+          </a:bodyPr>
+          <a:lstStyle/>
+          <a:p>
+            <a:r>
+              <a:rPr lang="en-US" altLang="zh-CN" dirty="0"/>
+              <a:t>1. </a:t>
+            </a:r>
+            <a:r>
+              <a:rPr lang="zh-CN" altLang="en-US" dirty="0"/>
+              <a:t>下载安装</a:t>
+            </a:r>
+            <a:r>
+              <a:rPr lang="en-US" altLang="zh-CN" dirty="0" err="1"/>
+              <a:t>istioctl</a:t>
+            </a:r>
+            <a:endParaRPr lang="en-US" altLang="zh-CN" dirty="0"/>
+          </a:p>
+          <a:p>
+            <a:pPr marL="0" indent="0">
+              <a:buNone/>
+            </a:pPr>
+            <a:r>
+              <a:rPr lang="en-US" altLang="zh-CN" dirty="0" err="1"/>
+              <a:t>wget</a:t>
+            </a:r>
+            <a:r>
+              <a:rPr lang="en-US" altLang="zh-CN" dirty="0"/>
+              <a:t> </a:t>
+            </a:r>
+            <a:r>
+              <a:rPr lang="en-US" altLang="zh-CN" dirty="0">
+                <a:hlinkClick r:id="rId2"/>
+              </a:rPr>
+              <a:t>https://github.com/istio/istio/releases/download/1.5.1/istio-1.5.1-linux.tar.gz</a:t>
+            </a:r>
+            <a:endParaRPr lang="en-US" altLang="zh-CN" dirty="0"/>
+          </a:p>
+          <a:p>
+            <a:pPr marL="0" indent="0">
+              <a:buNone/>
+            </a:pPr>
+            <a:r>
+              <a:rPr lang="zh-CN" altLang="en-US" dirty="0"/>
+              <a:t>解压</a:t>
+            </a:r>
+            <a:endParaRPr lang="en-US" altLang="zh-CN" dirty="0"/>
+          </a:p>
+          <a:p>
+            <a:pPr marL="0" indent="0">
+              <a:buNone/>
+            </a:pPr>
+            <a:r>
+              <a:rPr lang="en-US" altLang="zh-CN" dirty="0"/>
+              <a:t>tar -</a:t>
+            </a:r>
+            <a:r>
+              <a:rPr lang="en-US" altLang="zh-CN" dirty="0" err="1"/>
+              <a:t>zxvf</a:t>
+            </a:r>
+            <a:r>
+              <a:rPr lang="en-US" altLang="zh-CN" dirty="0"/>
+              <a:t> istio-1.5.1-linux.tar.gz</a:t>
+            </a:r>
+          </a:p>
+          <a:p>
+            <a:pPr marL="0" indent="0">
+              <a:buNone/>
+            </a:pPr>
+            <a:r>
+              <a:rPr lang="zh-CN" altLang="en-US" dirty="0"/>
+              <a:t>环境变量</a:t>
+            </a:r>
+            <a:endParaRPr lang="en-US" altLang="zh-CN" dirty="0"/>
+          </a:p>
+          <a:p>
+            <a:pPr marL="0" indent="0">
+              <a:buNone/>
+            </a:pPr>
+            <a:r>
+              <a:rPr lang="en-US" altLang="zh-CN" dirty="0"/>
+              <a:t>vi ~/.</a:t>
+            </a:r>
+            <a:r>
+              <a:rPr lang="en-US" altLang="zh-CN" dirty="0" err="1"/>
+              <a:t>bashrc</a:t>
+            </a:r>
+            <a:endParaRPr lang="en-US" altLang="zh-CN" dirty="0"/>
+          </a:p>
+          <a:p>
+            <a:pPr marL="0" indent="0">
+              <a:buNone/>
+            </a:pPr>
+            <a:r>
+              <a:rPr lang="en-US" altLang="zh-CN" dirty="0"/>
+              <a:t>export PATH=/root/istio-1.5.1/bin:$PATH</a:t>
+            </a:r>
+          </a:p>
+          <a:p>
+            <a:pPr marL="0" indent="0">
+              <a:buNone/>
+            </a:pPr>
+            <a:r>
+              <a:rPr lang="zh-CN" altLang="en-US" dirty="0"/>
+              <a:t>使配置生效</a:t>
+            </a:r>
+            <a:br>
+              <a:rPr lang="en-US" altLang="zh-CN" dirty="0"/>
+            </a:br>
+            <a:r>
+              <a:rPr lang="en-US" altLang="zh-CN" dirty="0"/>
+              <a:t>source ~/.</a:t>
+            </a:r>
+            <a:r>
+              <a:rPr lang="en-US" altLang="zh-CN" dirty="0" err="1"/>
+              <a:t>bashrc</a:t>
+            </a:r>
+            <a:endParaRPr lang="en-US" altLang="zh-CN" dirty="0"/>
+          </a:p>
+          <a:p>
+            <a:pPr marL="0" indent="0">
+              <a:buNone/>
+            </a:pPr>
+            <a:r>
+              <a:rPr lang="zh-CN" altLang="en-US" dirty="0"/>
+              <a:t>验证是否安装成功</a:t>
+            </a:r>
+            <a:endParaRPr lang="en-US" altLang="zh-CN" dirty="0"/>
+          </a:p>
+          <a:p>
+            <a:pPr marL="0" indent="0">
+              <a:buNone/>
+            </a:pPr>
+            <a:r>
+              <a:rPr lang="en-US" altLang="zh-CN" dirty="0" err="1"/>
+              <a:t>istioctl</a:t>
+            </a:r>
+            <a:r>
+              <a:rPr lang="en-US" altLang="zh-CN" dirty="0"/>
+              <a:t> version</a:t>
+            </a:r>
+          </a:p>
+          <a:p>
+            <a:pPr marL="0" indent="0">
+              <a:buNone/>
+            </a:pPr>
+            <a:endParaRPr lang="zh-CN" altLang="en-US" dirty="0"/>
+          </a:p>
+        </p:txBody>
+      </p:sp>
+      <p:sp>
+        <p:nvSpPr>
+          <p:cNvPr id="4" name="日期占位符 3">
+            <a:extLst>
+              <a:ext uri="{FF2B5EF4-FFF2-40B4-BE49-F238E27FC236}">
+                <a16:creationId xmlns:a16="http://schemas.microsoft.com/office/drawing/2014/main" id="{EFCF124F-EE24-4B20-AF8C-E8DE7D075665}"/>
+              </a:ext>
+            </a:extLst>
+          </p:cNvPr>
+          <p:cNvSpPr>
+            <a:spLocks noGrp="1"/>
+          </p:cNvSpPr>
+          <p:nvPr>
+            <p:ph type="dt" sz="half" idx="10"/>
+          </p:nvPr>
+        </p:nvSpPr>
+        <p:spPr/>
+        <p:txBody>
+          <a:bodyPr/>
+          <a:lstStyle/>
+          <a:p>
+            <a:pPr rtl="0"/>
+            <a:fld id="{F24FFC25-0C05-49C8-B150-3CF6B89B5C55}" type="datetime1">
+              <a:rPr lang="zh-CN" altLang="en-US" smtClean="0"/>
+              <a:t>2020/4/13</a:t>
+            </a:fld>
+            <a:endParaRPr lang="en-US" dirty="0"/>
+          </a:p>
+        </p:txBody>
+      </p:sp>
+    </p:spTree>
+    <p:extLst>
+      <p:ext uri="{BB962C8B-B14F-4D97-AF65-F5344CB8AC3E}">
+        <p14:creationId xmlns:p14="http://schemas.microsoft.com/office/powerpoint/2010/main" val="2319491466"/>
+      </p:ext>
+    </p:extLst>
+  </p:cSld>
+  <p:clrMapOvr>
+    <a:masterClrMapping/>
+  </p:clrMapOvr>
+</p:sld>
+</file>
+
+<file path=ppt/slides/slide33.xml><?xml version="1.0" encoding="utf-8"?>
+<p:sld xmlns:a="http://schemas.openxmlformats.org/drawingml/2006/main" xmlns:r="http://schemas.openxmlformats.org/officeDocument/2006/relationships" xmlns:p="http://schemas.openxmlformats.org/presentationml/2006/main">
+  <p:cSld>
+    <p:spTree>
+      <p:nvGrpSpPr>
+        <p:cNvPr id="1" name=""/>
+        <p:cNvGrpSpPr/>
+        <p:nvPr/>
+      </p:nvGrpSpPr>
+      <p:grpSpPr>
+        <a:xfrm>
+          <a:off x="0" y="0"/>
+          <a:ext cx="0" cy="0"/>
+          <a:chOff x="0" y="0"/>
+          <a:chExt cx="0" cy="0"/>
+        </a:xfrm>
+      </p:grpSpPr>
+      <p:sp>
+        <p:nvSpPr>
+          <p:cNvPr id="2" name="标题 1">
+            <a:extLst>
+              <a:ext uri="{FF2B5EF4-FFF2-40B4-BE49-F238E27FC236}">
+                <a16:creationId xmlns:a16="http://schemas.microsoft.com/office/drawing/2014/main" id="{BA5A74F7-94B2-466F-8571-46C81E6B3C3C}"/>
+              </a:ext>
+            </a:extLst>
+          </p:cNvPr>
+          <p:cNvSpPr>
+            <a:spLocks noGrp="1"/>
+          </p:cNvSpPr>
+          <p:nvPr>
+            <p:ph type="title"/>
+          </p:nvPr>
+        </p:nvSpPr>
+        <p:spPr>
+          <a:xfrm>
+            <a:off x="494106" y="510567"/>
+            <a:ext cx="11029616" cy="699924"/>
+          </a:xfrm>
+        </p:spPr>
+        <p:txBody>
+          <a:bodyPr/>
+          <a:lstStyle/>
+          <a:p>
+            <a:r>
+              <a:rPr lang="en-US" altLang="zh-CN" dirty="0"/>
+              <a:t>ISTIO</a:t>
+            </a:r>
+            <a:r>
+              <a:rPr lang="zh-CN" altLang="en-US" dirty="0"/>
+              <a:t>安装 </a:t>
+            </a:r>
+            <a:r>
+              <a:rPr lang="en-US" altLang="zh-CN" dirty="0"/>
+              <a:t>- Standalone Operator</a:t>
+            </a:r>
+            <a:endParaRPr lang="zh-CN" altLang="en-US" dirty="0"/>
+          </a:p>
+        </p:txBody>
+      </p:sp>
+      <p:sp>
+        <p:nvSpPr>
+          <p:cNvPr id="3" name="内容占位符 2">
+            <a:extLst>
+              <a:ext uri="{FF2B5EF4-FFF2-40B4-BE49-F238E27FC236}">
+                <a16:creationId xmlns:a16="http://schemas.microsoft.com/office/drawing/2014/main" id="{E8736EE0-26AC-482A-97D2-18FF1708BF5A}"/>
+              </a:ext>
+            </a:extLst>
+          </p:cNvPr>
+          <p:cNvSpPr>
+            <a:spLocks noGrp="1"/>
+          </p:cNvSpPr>
+          <p:nvPr>
+            <p:ph idx="1"/>
+          </p:nvPr>
+        </p:nvSpPr>
+        <p:spPr>
+          <a:xfrm>
+            <a:off x="581192" y="1314995"/>
+            <a:ext cx="11029615" cy="5543006"/>
+          </a:xfrm>
+        </p:spPr>
+        <p:txBody>
+          <a:bodyPr>
+            <a:normAutofit fontScale="55000" lnSpcReduction="20000"/>
+          </a:bodyPr>
+          <a:lstStyle/>
+          <a:p>
+            <a:r>
+              <a:rPr lang="en-US" altLang="zh-CN" dirty="0"/>
+              <a:t>1.  </a:t>
+            </a:r>
+            <a:r>
+              <a:rPr lang="zh-CN" altLang="en-US" dirty="0"/>
+              <a:t>初始化</a:t>
+            </a:r>
+            <a:endParaRPr lang="en-US" altLang="zh-CN" dirty="0"/>
+          </a:p>
+          <a:p>
+            <a:pPr marL="0" indent="0">
+              <a:buNone/>
+            </a:pPr>
+            <a:r>
+              <a:rPr lang="en-US" altLang="zh-CN" dirty="0" err="1"/>
+              <a:t>istioctl</a:t>
+            </a:r>
+            <a:r>
+              <a:rPr lang="en-US" altLang="zh-CN" dirty="0"/>
+              <a:t> operator </a:t>
+            </a:r>
+            <a:r>
+              <a:rPr lang="en-US" altLang="zh-CN" dirty="0" err="1"/>
+              <a:t>init</a:t>
+            </a:r>
+            <a:r>
+              <a:rPr lang="en-US" altLang="zh-CN" dirty="0"/>
+              <a:t>       </a:t>
+            </a:r>
+          </a:p>
+          <a:p>
+            <a:r>
+              <a:rPr lang="en-US" altLang="zh-CN" dirty="0"/>
+              <a:t>2. </a:t>
+            </a:r>
+            <a:r>
+              <a:rPr lang="zh-CN" altLang="en-US" dirty="0"/>
+              <a:t>安装</a:t>
+            </a:r>
+            <a:r>
+              <a:rPr lang="en-US" altLang="zh-CN" dirty="0" err="1"/>
+              <a:t>istio</a:t>
+            </a:r>
+            <a:endParaRPr lang="en-US" altLang="zh-CN" dirty="0"/>
+          </a:p>
+          <a:p>
+            <a:pPr marL="0" indent="0">
+              <a:buNone/>
+            </a:pPr>
+            <a:r>
+              <a:rPr lang="en-US" altLang="zh-CN" dirty="0" err="1"/>
+              <a:t>kubectl</a:t>
+            </a:r>
+            <a:r>
+              <a:rPr lang="en-US" altLang="zh-CN" dirty="0"/>
+              <a:t> create ns </a:t>
+            </a:r>
+            <a:r>
+              <a:rPr lang="en-US" altLang="zh-CN" dirty="0" err="1"/>
+              <a:t>istio</a:t>
+            </a:r>
+            <a:r>
+              <a:rPr lang="en-US" altLang="zh-CN" dirty="0"/>
+              <a:t>-system</a:t>
+            </a:r>
+          </a:p>
+          <a:p>
+            <a:pPr marL="0" indent="0">
+              <a:buNone/>
+            </a:pPr>
+            <a:endParaRPr lang="en-US" altLang="zh-CN" dirty="0"/>
+          </a:p>
+          <a:p>
+            <a:pPr marL="0" indent="0">
+              <a:buNone/>
+            </a:pPr>
+            <a:r>
+              <a:rPr lang="en-US" altLang="zh-CN" dirty="0" err="1"/>
+              <a:t>kubectl</a:t>
+            </a:r>
+            <a:r>
+              <a:rPr lang="en-US" altLang="zh-CN" dirty="0"/>
+              <a:t> apply -f - &lt;&lt;EOF</a:t>
+            </a:r>
+          </a:p>
+          <a:p>
+            <a:pPr marL="0" indent="0">
+              <a:buNone/>
+            </a:pPr>
+            <a:r>
+              <a:rPr lang="en-US" altLang="zh-CN" dirty="0" err="1"/>
+              <a:t>apiVersion</a:t>
+            </a:r>
+            <a:r>
+              <a:rPr lang="en-US" altLang="zh-CN" dirty="0"/>
+              <a:t>: install.istio.io/v1alpha1</a:t>
+            </a:r>
+          </a:p>
+          <a:p>
+            <a:pPr marL="0" indent="0">
+              <a:buNone/>
+            </a:pPr>
+            <a:r>
+              <a:rPr lang="en-US" altLang="zh-CN" dirty="0"/>
+              <a:t>kind: </a:t>
+            </a:r>
+            <a:r>
+              <a:rPr lang="en-US" altLang="zh-CN" dirty="0" err="1"/>
+              <a:t>IstioOperator</a:t>
+            </a:r>
+            <a:endParaRPr lang="en-US" altLang="zh-CN" dirty="0"/>
+          </a:p>
+          <a:p>
+            <a:pPr marL="0" indent="0">
+              <a:buNone/>
+            </a:pPr>
+            <a:r>
+              <a:rPr lang="en-US" altLang="zh-CN" dirty="0"/>
+              <a:t>metadata:</a:t>
+            </a:r>
+          </a:p>
+          <a:p>
+            <a:pPr marL="0" indent="0">
+              <a:buNone/>
+            </a:pPr>
+            <a:r>
+              <a:rPr lang="en-US" altLang="zh-CN" dirty="0"/>
+              <a:t>  namespace: </a:t>
+            </a:r>
+            <a:r>
+              <a:rPr lang="en-US" altLang="zh-CN" dirty="0" err="1"/>
+              <a:t>istio</a:t>
+            </a:r>
+            <a:r>
+              <a:rPr lang="en-US" altLang="zh-CN" dirty="0"/>
+              <a:t>-system</a:t>
+            </a:r>
+          </a:p>
+          <a:p>
+            <a:pPr marL="0" indent="0">
+              <a:buNone/>
+            </a:pPr>
+            <a:r>
+              <a:rPr lang="en-US" altLang="zh-CN" dirty="0"/>
+              <a:t>  name: example-</a:t>
+            </a:r>
+            <a:r>
+              <a:rPr lang="en-US" altLang="zh-CN" dirty="0" err="1"/>
+              <a:t>istiocontrolplane</a:t>
+            </a:r>
+            <a:endParaRPr lang="en-US" altLang="zh-CN" dirty="0"/>
+          </a:p>
+          <a:p>
+            <a:pPr marL="0" indent="0">
+              <a:buNone/>
+            </a:pPr>
+            <a:r>
+              <a:rPr lang="en-US" altLang="zh-CN" dirty="0"/>
+              <a:t>spec:</a:t>
+            </a:r>
+          </a:p>
+          <a:p>
+            <a:pPr marL="0" indent="0">
+              <a:buNone/>
+            </a:pPr>
+            <a:r>
+              <a:rPr lang="en-US" altLang="zh-CN" dirty="0"/>
+              <a:t>  profile: demo</a:t>
+            </a:r>
+          </a:p>
+          <a:p>
+            <a:pPr marL="0" indent="0">
+              <a:buNone/>
+            </a:pPr>
+            <a:r>
+              <a:rPr lang="en-US" altLang="zh-CN" dirty="0"/>
+              <a:t>EOF</a:t>
+            </a:r>
+          </a:p>
+          <a:p>
+            <a:pPr marL="0" indent="0">
+              <a:buNone/>
+            </a:pPr>
+            <a:endParaRPr lang="en-US" altLang="zh-CN" dirty="0"/>
+          </a:p>
+          <a:p>
+            <a:r>
+              <a:rPr lang="en-US" altLang="zh-CN" dirty="0"/>
+              <a:t>3.  </a:t>
+            </a:r>
+            <a:r>
+              <a:rPr lang="zh-CN" altLang="en-US" dirty="0"/>
+              <a:t>验证</a:t>
+            </a:r>
+            <a:endParaRPr lang="en-US" altLang="zh-CN" dirty="0"/>
+          </a:p>
+          <a:p>
+            <a:pPr marL="0" indent="0">
+              <a:buNone/>
+            </a:pPr>
+            <a:r>
+              <a:rPr lang="en-US" altLang="zh-CN" dirty="0"/>
+              <a:t>  </a:t>
+            </a:r>
+            <a:r>
+              <a:rPr lang="en-US" altLang="zh-CN" dirty="0" err="1"/>
+              <a:t>kubectl</a:t>
+            </a:r>
+            <a:r>
+              <a:rPr lang="en-US" altLang="zh-CN" dirty="0"/>
+              <a:t> get svc -n </a:t>
+            </a:r>
+            <a:r>
+              <a:rPr lang="en-US" altLang="zh-CN" dirty="0" err="1"/>
+              <a:t>istio</a:t>
+            </a:r>
+            <a:r>
+              <a:rPr lang="en-US" altLang="zh-CN" dirty="0"/>
+              <a:t>-system</a:t>
+            </a:r>
+          </a:p>
+          <a:p>
+            <a:pPr marL="0" indent="0">
+              <a:buNone/>
+            </a:pPr>
+            <a:r>
+              <a:rPr lang="en-US" altLang="zh-CN" dirty="0"/>
+              <a:t>  </a:t>
+            </a:r>
+            <a:r>
+              <a:rPr lang="en-US" altLang="zh-CN" dirty="0" err="1"/>
+              <a:t>kubectl</a:t>
+            </a:r>
+            <a:r>
+              <a:rPr lang="en-US" altLang="zh-CN" dirty="0"/>
+              <a:t> get pod -n </a:t>
+            </a:r>
+            <a:r>
+              <a:rPr lang="en-US" altLang="zh-CN" dirty="0" err="1"/>
+              <a:t>istio</a:t>
+            </a:r>
+            <a:r>
+              <a:rPr lang="en-US" altLang="zh-CN" dirty="0"/>
+              <a:t>-system</a:t>
+            </a:r>
+          </a:p>
+          <a:p>
+            <a:r>
+              <a:rPr lang="en-US" altLang="zh-CN" dirty="0"/>
+              <a:t>4. </a:t>
+            </a:r>
+            <a:r>
+              <a:rPr lang="zh-CN" altLang="en-US" dirty="0"/>
+              <a:t>卸载</a:t>
+            </a:r>
+            <a:endParaRPr lang="en-US" altLang="zh-CN" dirty="0"/>
+          </a:p>
+          <a:p>
+            <a:r>
+              <a:rPr lang="en-US" altLang="zh-CN" dirty="0" err="1"/>
+              <a:t>kubectl</a:t>
+            </a:r>
+            <a:r>
+              <a:rPr lang="en-US" altLang="zh-CN" dirty="0"/>
+              <a:t> delete istiooperators.install.istio.io -n </a:t>
+            </a:r>
+            <a:r>
+              <a:rPr lang="en-US" altLang="zh-CN" dirty="0" err="1"/>
+              <a:t>istio</a:t>
+            </a:r>
+            <a:r>
+              <a:rPr lang="en-US" altLang="zh-CN" dirty="0"/>
+              <a:t>-system example-</a:t>
+            </a:r>
+            <a:r>
+              <a:rPr lang="en-US" altLang="zh-CN" dirty="0" err="1"/>
+              <a:t>istiocontrolplane</a:t>
+            </a:r>
+            <a:r>
+              <a:rPr lang="en-US" altLang="zh-CN" dirty="0"/>
+              <a:t>    </a:t>
+            </a:r>
+            <a:r>
+              <a:rPr lang="zh-CN" altLang="en-US" dirty="0"/>
+              <a:t>删除</a:t>
+            </a:r>
+            <a:r>
+              <a:rPr lang="en-US" altLang="zh-CN" dirty="0" err="1"/>
+              <a:t>Istio</a:t>
+            </a:r>
+            <a:r>
+              <a:rPr lang="en-US" altLang="zh-CN" dirty="0"/>
+              <a:t> deployment</a:t>
+            </a:r>
+          </a:p>
+          <a:p>
+            <a:r>
+              <a:rPr lang="en-US" altLang="zh-CN" dirty="0" err="1"/>
+              <a:t>istioctl</a:t>
+            </a:r>
+            <a:r>
+              <a:rPr lang="en-US" altLang="zh-CN" dirty="0"/>
+              <a:t> operator remove  </a:t>
+            </a:r>
+            <a:r>
+              <a:rPr lang="zh-CN" altLang="en-US" dirty="0"/>
+              <a:t>（</a:t>
+            </a:r>
+            <a:r>
+              <a:rPr lang="en-US" altLang="zh-CN" dirty="0"/>
+              <a:t>or </a:t>
+            </a:r>
+            <a:r>
+              <a:rPr lang="en-US" altLang="zh-CN" dirty="0" err="1"/>
+              <a:t>kubectl</a:t>
+            </a:r>
+            <a:r>
+              <a:rPr lang="en-US" altLang="zh-CN" dirty="0"/>
+              <a:t> delete ns </a:t>
+            </a:r>
+            <a:r>
+              <a:rPr lang="en-US" altLang="zh-CN" dirty="0" err="1"/>
+              <a:t>istio</a:t>
+            </a:r>
+            <a:r>
+              <a:rPr lang="en-US" altLang="zh-CN" dirty="0"/>
+              <a:t>-operator --grace-period=0 --force</a:t>
+            </a:r>
+            <a:r>
+              <a:rPr lang="zh-CN" altLang="en-US" dirty="0"/>
+              <a:t>）</a:t>
+            </a:r>
+            <a:r>
+              <a:rPr lang="en-US" altLang="zh-CN" dirty="0"/>
+              <a:t>   </a:t>
+            </a:r>
+            <a:r>
+              <a:rPr lang="zh-CN" altLang="en-US" dirty="0"/>
+              <a:t>删除 </a:t>
+            </a:r>
+            <a:r>
+              <a:rPr lang="en-US" altLang="zh-CN" dirty="0"/>
+              <a:t> </a:t>
+            </a:r>
+            <a:r>
+              <a:rPr lang="en-US" altLang="zh-CN" dirty="0" err="1"/>
+              <a:t>Istio</a:t>
+            </a:r>
+            <a:r>
+              <a:rPr lang="en-US" altLang="zh-CN" dirty="0"/>
+              <a:t> operator</a:t>
+            </a:r>
+          </a:p>
+          <a:p>
+            <a:r>
+              <a:rPr lang="en-US" altLang="zh-CN" dirty="0" err="1"/>
+              <a:t>istioctl</a:t>
+            </a:r>
+            <a:r>
+              <a:rPr lang="en-US" altLang="zh-CN" dirty="0"/>
+              <a:t> manifest generate | </a:t>
+            </a:r>
+            <a:r>
+              <a:rPr lang="en-US" altLang="zh-CN" dirty="0" err="1"/>
+              <a:t>kubectl</a:t>
+            </a:r>
+            <a:r>
+              <a:rPr lang="en-US" altLang="zh-CN" dirty="0"/>
+              <a:t> delete -f – </a:t>
+            </a:r>
+          </a:p>
+          <a:p>
+            <a:r>
+              <a:rPr lang="en-US" altLang="zh-CN" dirty="0" err="1"/>
+              <a:t>kubectl</a:t>
+            </a:r>
+            <a:r>
+              <a:rPr lang="en-US" altLang="zh-CN" dirty="0"/>
+              <a:t> delete ns </a:t>
+            </a:r>
+            <a:r>
+              <a:rPr lang="en-US" altLang="zh-CN" dirty="0" err="1"/>
+              <a:t>istio</a:t>
+            </a:r>
+            <a:r>
+              <a:rPr lang="en-US" altLang="zh-CN" dirty="0"/>
+              <a:t>-system --grace-period=0 --force</a:t>
+            </a:r>
+          </a:p>
+          <a:p>
+            <a:endParaRPr lang="en-US" altLang="zh-CN" dirty="0"/>
+          </a:p>
+          <a:p>
+            <a:pPr marL="342900" indent="-342900">
+              <a:buAutoNum type="arabicPeriod" startAt="4"/>
+            </a:pPr>
+            <a:endParaRPr lang="zh-CN" altLang="en-US" dirty="0"/>
+          </a:p>
+        </p:txBody>
+      </p:sp>
+      <p:sp>
+        <p:nvSpPr>
+          <p:cNvPr id="4" name="日期占位符 3">
+            <a:extLst>
+              <a:ext uri="{FF2B5EF4-FFF2-40B4-BE49-F238E27FC236}">
+                <a16:creationId xmlns:a16="http://schemas.microsoft.com/office/drawing/2014/main" id="{089C2AEB-9546-4B02-8976-18F7BDE0B52A}"/>
+              </a:ext>
+            </a:extLst>
+          </p:cNvPr>
+          <p:cNvSpPr>
+            <a:spLocks noGrp="1"/>
+          </p:cNvSpPr>
+          <p:nvPr>
+            <p:ph type="dt" sz="half" idx="10"/>
+          </p:nvPr>
+        </p:nvSpPr>
+        <p:spPr/>
+        <p:txBody>
+          <a:bodyPr/>
+          <a:lstStyle/>
+          <a:p>
+            <a:pPr rtl="0"/>
+            <a:fld id="{F24FFC25-0C05-49C8-B150-3CF6B89B5C55}" type="datetime1">
+              <a:rPr lang="zh-CN" altLang="en-US" smtClean="0"/>
+              <a:t>2020/4/13</a:t>
+            </a:fld>
+            <a:endParaRPr lang="en-US" dirty="0"/>
+          </a:p>
+        </p:txBody>
+      </p:sp>
+      <p:pic>
+        <p:nvPicPr>
+          <p:cNvPr id="5" name="图片 4">
+            <a:extLst>
+              <a:ext uri="{FF2B5EF4-FFF2-40B4-BE49-F238E27FC236}">
+                <a16:creationId xmlns:a16="http://schemas.microsoft.com/office/drawing/2014/main" id="{85BDDAF0-CB6E-4E19-96C6-B59C4D483DF3}"/>
+              </a:ext>
+            </a:extLst>
+          </p:cNvPr>
+          <p:cNvPicPr>
+            <a:picLocks noChangeAspect="1"/>
+          </p:cNvPicPr>
+          <p:nvPr/>
+        </p:nvPicPr>
+        <p:blipFill>
+          <a:blip r:embed="rId2"/>
+          <a:stretch>
+            <a:fillRect/>
+          </a:stretch>
+        </p:blipFill>
+        <p:spPr>
+          <a:xfrm>
+            <a:off x="3544952" y="1314995"/>
+            <a:ext cx="4666667" cy="3971429"/>
+          </a:xfrm>
+          <a:prstGeom prst="rect">
+            <a:avLst/>
+          </a:prstGeom>
+        </p:spPr>
+      </p:pic>
+    </p:spTree>
+    <p:extLst>
+      <p:ext uri="{BB962C8B-B14F-4D97-AF65-F5344CB8AC3E}">
+        <p14:creationId xmlns:p14="http://schemas.microsoft.com/office/powerpoint/2010/main" val="993569648"/>
+      </p:ext>
+    </p:extLst>
+  </p:cSld>
+  <p:clrMapOvr>
+    <a:masterClrMapping/>
+  </p:clrMapOvr>
+</p:sld>
+</file>
+
+<file path=ppt/slides/slide34.xml><?xml version="1.0" encoding="utf-8"?>
+<p:sld xmlns:a="http://schemas.openxmlformats.org/drawingml/2006/main" xmlns:r="http://schemas.openxmlformats.org/officeDocument/2006/relationships" xmlns:p="http://schemas.openxmlformats.org/presentationml/2006/main">
+  <p:cSld>
+    <p:spTree>
+      <p:nvGrpSpPr>
+        <p:cNvPr id="1" name=""/>
+        <p:cNvGrpSpPr/>
+        <p:nvPr/>
+      </p:nvGrpSpPr>
+      <p:grpSpPr>
+        <a:xfrm>
+          <a:off x="0" y="0"/>
+          <a:ext cx="0" cy="0"/>
+          <a:chOff x="0" y="0"/>
+          <a:chExt cx="0" cy="0"/>
+        </a:xfrm>
+      </p:grpSpPr>
+      <p:sp>
+        <p:nvSpPr>
+          <p:cNvPr id="2" name="标题 1">
+            <a:extLst>
+              <a:ext uri="{FF2B5EF4-FFF2-40B4-BE49-F238E27FC236}">
+                <a16:creationId xmlns:a16="http://schemas.microsoft.com/office/drawing/2014/main" id="{E347AE1B-C16C-400D-8A94-ADBDED5C77C1}"/>
+              </a:ext>
+            </a:extLst>
+          </p:cNvPr>
+          <p:cNvSpPr>
+            <a:spLocks noGrp="1"/>
+          </p:cNvSpPr>
+          <p:nvPr>
+            <p:ph type="title"/>
+          </p:nvPr>
+        </p:nvSpPr>
+        <p:spPr>
+          <a:xfrm>
+            <a:off x="581192" y="702156"/>
+            <a:ext cx="11029616" cy="621547"/>
+          </a:xfrm>
+        </p:spPr>
+        <p:txBody>
+          <a:bodyPr>
+            <a:normAutofit/>
+          </a:bodyPr>
+          <a:lstStyle/>
+          <a:p>
+            <a:r>
+              <a:rPr lang="en-US" altLang="zh-CN" dirty="0"/>
+              <a:t>ISTIO</a:t>
+            </a:r>
+            <a:r>
+              <a:rPr lang="zh-CN" altLang="en-US" dirty="0"/>
+              <a:t>功能演示 </a:t>
+            </a:r>
+            <a:r>
+              <a:rPr lang="en-US" altLang="zh-CN" dirty="0"/>
+              <a:t>– Sidecar </a:t>
+            </a:r>
+            <a:r>
+              <a:rPr lang="zh-CN" altLang="en-US" dirty="0"/>
+              <a:t>注入</a:t>
+            </a:r>
+          </a:p>
+        </p:txBody>
+      </p:sp>
+      <p:sp>
+        <p:nvSpPr>
+          <p:cNvPr id="3" name="内容占位符 2">
+            <a:extLst>
+              <a:ext uri="{FF2B5EF4-FFF2-40B4-BE49-F238E27FC236}">
+                <a16:creationId xmlns:a16="http://schemas.microsoft.com/office/drawing/2014/main" id="{19304D0B-3875-48AA-968E-BC43E5336941}"/>
+              </a:ext>
+            </a:extLst>
+          </p:cNvPr>
+          <p:cNvSpPr>
+            <a:spLocks noGrp="1"/>
+          </p:cNvSpPr>
+          <p:nvPr>
+            <p:ph idx="1"/>
+          </p:nvPr>
+        </p:nvSpPr>
+        <p:spPr>
+          <a:xfrm>
+            <a:off x="581192" y="1619794"/>
+            <a:ext cx="11029615" cy="4355556"/>
+          </a:xfrm>
+        </p:spPr>
+        <p:txBody>
+          <a:bodyPr>
+            <a:normAutofit fontScale="77500" lnSpcReduction="20000"/>
+          </a:bodyPr>
+          <a:lstStyle/>
+          <a:p>
+            <a:r>
+              <a:rPr lang="en-US" altLang="zh-CN" dirty="0"/>
+              <a:t>1. </a:t>
+            </a:r>
+            <a:r>
+              <a:rPr lang="zh-CN" altLang="en-US" dirty="0"/>
+              <a:t>手动注入</a:t>
+            </a:r>
+            <a:endParaRPr lang="en-US" altLang="zh-CN" dirty="0"/>
+          </a:p>
+          <a:p>
+            <a:pPr marL="0" indent="0">
+              <a:buNone/>
+            </a:pPr>
+            <a:r>
+              <a:rPr lang="en-US" altLang="zh-CN" dirty="0" err="1"/>
+              <a:t>istioctl</a:t>
+            </a:r>
+            <a:r>
+              <a:rPr lang="en-US" altLang="zh-CN" dirty="0"/>
+              <a:t> </a:t>
+            </a:r>
+            <a:r>
+              <a:rPr lang="en-US" altLang="zh-CN" dirty="0" err="1"/>
+              <a:t>kube</a:t>
+            </a:r>
+            <a:r>
+              <a:rPr lang="en-US" altLang="zh-CN" dirty="0"/>
+              <a:t>-inject -f </a:t>
+            </a:r>
+            <a:r>
+              <a:rPr lang="en-US" altLang="zh-CN" dirty="0">
+                <a:hlinkClick r:id="rId2"/>
+              </a:rPr>
+              <a:t>samples/sleep/</a:t>
+            </a:r>
+            <a:r>
+              <a:rPr lang="en-US" altLang="zh-CN" dirty="0" err="1">
+                <a:hlinkClick r:id="rId2"/>
+              </a:rPr>
+              <a:t>sleep.yaml</a:t>
+            </a:r>
+            <a:r>
+              <a:rPr lang="en-US" altLang="zh-CN" dirty="0"/>
+              <a:t> | </a:t>
+            </a:r>
+            <a:r>
+              <a:rPr lang="en-US" altLang="zh-CN" dirty="0" err="1"/>
+              <a:t>kubectl</a:t>
+            </a:r>
+            <a:r>
+              <a:rPr lang="en-US" altLang="zh-CN" dirty="0"/>
+              <a:t> apply -f –</a:t>
+            </a:r>
+          </a:p>
+          <a:p>
+            <a:r>
+              <a:rPr lang="en-US" altLang="zh-CN" dirty="0"/>
+              <a:t>2. </a:t>
+            </a:r>
+            <a:r>
+              <a:rPr lang="zh-CN" altLang="en-US" dirty="0"/>
+              <a:t>自动注入</a:t>
+            </a:r>
+            <a:endParaRPr lang="en-US" altLang="zh-CN" dirty="0"/>
+          </a:p>
+          <a:p>
+            <a:pPr marL="0" indent="0">
+              <a:buNone/>
+            </a:pPr>
+            <a:r>
+              <a:rPr lang="en-US" altLang="zh-CN" dirty="0" err="1"/>
+              <a:t>kubectl</a:t>
+            </a:r>
+            <a:r>
+              <a:rPr lang="en-US" altLang="zh-CN" dirty="0"/>
+              <a:t> label namespace loc </a:t>
+            </a:r>
+            <a:r>
+              <a:rPr lang="en-US" altLang="zh-CN" dirty="0" err="1"/>
+              <a:t>istio</a:t>
+            </a:r>
+            <a:r>
+              <a:rPr lang="en-US" altLang="zh-CN" dirty="0"/>
+              <a:t>-injection=enabled </a:t>
+            </a:r>
+          </a:p>
+          <a:p>
+            <a:pPr marL="0" indent="0">
+              <a:buNone/>
+            </a:pPr>
+            <a:r>
+              <a:rPr lang="en-US" altLang="zh-CN" dirty="0" err="1"/>
+              <a:t>kubectl</a:t>
+            </a:r>
+            <a:r>
+              <a:rPr lang="en-US" altLang="zh-CN" dirty="0"/>
+              <a:t> get namespace -L </a:t>
+            </a:r>
+            <a:r>
+              <a:rPr lang="en-US" altLang="zh-CN" dirty="0" err="1"/>
+              <a:t>istio</a:t>
+            </a:r>
+            <a:r>
+              <a:rPr lang="en-US" altLang="zh-CN" dirty="0"/>
+              <a:t>-injection  </a:t>
+            </a:r>
+            <a:r>
+              <a:rPr lang="zh-CN" altLang="en-US" dirty="0"/>
+              <a:t>查看</a:t>
+            </a:r>
+            <a:endParaRPr lang="en-US" altLang="zh-CN" dirty="0"/>
+          </a:p>
+          <a:p>
+            <a:pPr marL="0" indent="0">
+              <a:buNone/>
+            </a:pPr>
+            <a:r>
+              <a:rPr lang="zh-CN" altLang="en-US" dirty="0"/>
+              <a:t>在</a:t>
+            </a:r>
+            <a:r>
+              <a:rPr lang="en-US" altLang="zh-CN" dirty="0"/>
+              <a:t>enabled </a:t>
+            </a:r>
+            <a:r>
+              <a:rPr lang="zh-CN" altLang="en-US" dirty="0"/>
+              <a:t>的命名空间中 在</a:t>
+            </a:r>
+            <a:r>
+              <a:rPr lang="en-US" altLang="zh-CN" dirty="0" err="1"/>
+              <a:t>yml</a:t>
+            </a:r>
+            <a:r>
+              <a:rPr lang="zh-CN" altLang="en-US" dirty="0"/>
+              <a:t>文件中标记不注入或者</a:t>
+            </a:r>
+            <a:r>
+              <a:rPr lang="en-US" altLang="zh-CN" dirty="0"/>
+              <a:t>disabled</a:t>
+            </a:r>
+            <a:r>
+              <a:rPr lang="zh-CN" altLang="en-US" dirty="0"/>
+              <a:t>中注入</a:t>
+            </a:r>
+            <a:endParaRPr lang="en-US" altLang="zh-CN" dirty="0"/>
+          </a:p>
+          <a:p>
+            <a:pPr marL="0" indent="0">
+              <a:buNone/>
+            </a:pPr>
+            <a:r>
+              <a:rPr lang="en-US" altLang="zh-CN" sz="1100" dirty="0" err="1"/>
+              <a:t>apiVersion</a:t>
+            </a:r>
+            <a:r>
+              <a:rPr lang="en-US" altLang="zh-CN" sz="1100" dirty="0"/>
+              <a:t>: apps/v1</a:t>
+            </a:r>
+          </a:p>
+          <a:p>
+            <a:pPr marL="0" indent="0">
+              <a:buNone/>
+            </a:pPr>
+            <a:r>
+              <a:rPr lang="en-US" altLang="zh-CN" sz="1100" dirty="0"/>
+              <a:t>kind: Deployment</a:t>
+            </a:r>
+          </a:p>
+          <a:p>
+            <a:pPr marL="0" indent="0">
+              <a:buNone/>
+            </a:pPr>
+            <a:r>
+              <a:rPr lang="en-US" altLang="zh-CN" sz="1100" dirty="0"/>
+              <a:t>metadata:</a:t>
+            </a:r>
+          </a:p>
+          <a:p>
+            <a:pPr marL="0" indent="0">
+              <a:buNone/>
+            </a:pPr>
+            <a:r>
+              <a:rPr lang="en-US" altLang="zh-CN" sz="1100" dirty="0"/>
+              <a:t>  name: ignored</a:t>
+            </a:r>
+          </a:p>
+          <a:p>
+            <a:pPr marL="0" indent="0">
+              <a:buNone/>
+            </a:pPr>
+            <a:r>
+              <a:rPr lang="en-US" altLang="zh-CN" sz="1100" dirty="0"/>
+              <a:t>spec:</a:t>
+            </a:r>
+          </a:p>
+          <a:p>
+            <a:pPr marL="0" indent="0">
+              <a:buNone/>
+            </a:pPr>
+            <a:r>
+              <a:rPr lang="en-US" altLang="zh-CN" sz="1100" dirty="0"/>
+              <a:t>  template:</a:t>
+            </a:r>
+          </a:p>
+          <a:p>
+            <a:pPr marL="0" indent="0">
+              <a:buNone/>
+            </a:pPr>
+            <a:r>
+              <a:rPr lang="en-US" altLang="zh-CN" sz="1100" dirty="0"/>
+              <a:t>    metadata:</a:t>
+            </a:r>
+          </a:p>
+          <a:p>
+            <a:pPr marL="0" indent="0">
+              <a:buNone/>
+            </a:pPr>
+            <a:r>
+              <a:rPr lang="en-US" altLang="zh-CN" sz="1100" dirty="0"/>
+              <a:t>      annotations:</a:t>
+            </a:r>
+          </a:p>
+          <a:p>
+            <a:pPr marL="0" indent="0">
+              <a:buNone/>
+            </a:pPr>
+            <a:r>
+              <a:rPr lang="en-US" altLang="zh-CN" sz="1100" dirty="0"/>
+              <a:t>        sidecar.istio.io/inject: "false“</a:t>
+            </a:r>
+          </a:p>
+          <a:p>
+            <a:r>
+              <a:rPr lang="en-US" altLang="zh-CN" sz="1100" dirty="0"/>
+              <a:t>3. </a:t>
+            </a:r>
+            <a:r>
+              <a:rPr lang="zh-CN" altLang="en-US" sz="1100" dirty="0"/>
+              <a:t>禁用</a:t>
+            </a:r>
+            <a:endParaRPr lang="en-US" altLang="zh-CN" sz="1100" dirty="0"/>
+          </a:p>
+          <a:p>
+            <a:pPr marL="0" indent="0">
+              <a:buNone/>
+            </a:pPr>
+            <a:r>
+              <a:rPr lang="en-US" altLang="zh-CN" dirty="0" err="1"/>
+              <a:t>kubectl</a:t>
+            </a:r>
+            <a:r>
+              <a:rPr lang="en-US" altLang="zh-CN" dirty="0"/>
+              <a:t> label namespace default </a:t>
+            </a:r>
+            <a:r>
+              <a:rPr lang="en-US" altLang="zh-CN" dirty="0" err="1"/>
+              <a:t>istio</a:t>
+            </a:r>
+            <a:r>
+              <a:rPr lang="en-US" altLang="zh-CN" dirty="0"/>
+              <a:t>-injection-</a:t>
+            </a:r>
+            <a:endParaRPr lang="zh-CN" altLang="en-US" sz="1100" dirty="0"/>
+          </a:p>
+        </p:txBody>
+      </p:sp>
+      <p:sp>
+        <p:nvSpPr>
+          <p:cNvPr id="4" name="日期占位符 3">
+            <a:extLst>
+              <a:ext uri="{FF2B5EF4-FFF2-40B4-BE49-F238E27FC236}">
+                <a16:creationId xmlns:a16="http://schemas.microsoft.com/office/drawing/2014/main" id="{ED5AD41E-1C6E-4A7D-A177-73448B2A78FD}"/>
+              </a:ext>
+            </a:extLst>
+          </p:cNvPr>
+          <p:cNvSpPr>
+            <a:spLocks noGrp="1"/>
+          </p:cNvSpPr>
+          <p:nvPr>
+            <p:ph type="dt" sz="half" idx="10"/>
+          </p:nvPr>
+        </p:nvSpPr>
+        <p:spPr/>
+        <p:txBody>
+          <a:bodyPr/>
+          <a:lstStyle/>
+          <a:p>
+            <a:pPr rtl="0"/>
+            <a:fld id="{F24FFC25-0C05-49C8-B150-3CF6B89B5C55}" type="datetime1">
+              <a:rPr lang="zh-CN" altLang="en-US" smtClean="0"/>
+              <a:t>2020/4/13</a:t>
+            </a:fld>
+            <a:endParaRPr lang="en-US" dirty="0"/>
+          </a:p>
+        </p:txBody>
+      </p:sp>
+    </p:spTree>
+    <p:extLst>
+      <p:ext uri="{BB962C8B-B14F-4D97-AF65-F5344CB8AC3E}">
+        <p14:creationId xmlns:p14="http://schemas.microsoft.com/office/powerpoint/2010/main" val="3270235935"/>
       </p:ext>
     </p:extLst>
   </p:cSld>
@@ -19375,7 +21729,7 @@
             <a:pPr rtl="0"/>
             <a:fld id="{F24FFC25-0C05-49C8-B150-3CF6B89B5C55}" type="datetime1">
               <a:rPr lang="zh-CN" altLang="en-US" smtClean="0"/>
-              <a:t>2020/4/10</a:t>
+              <a:t>2020/4/13</a:t>
             </a:fld>
             <a:endParaRPr lang="en-US" dirty="0"/>
           </a:p>
@@ -19532,7 +21886,7 @@
             <a:pPr rtl="0"/>
             <a:fld id="{F24FFC25-0C05-49C8-B150-3CF6B89B5C55}" type="datetime1">
               <a:rPr lang="zh-CN" altLang="en-US" smtClean="0"/>
-              <a:t>2020/4/10</a:t>
+              <a:t>2020/4/13</a:t>
             </a:fld>
             <a:endParaRPr lang="en-US" dirty="0"/>
           </a:p>
@@ -19799,7 +22153,7 @@
             <a:pPr rtl="0"/>
             <a:fld id="{F24FFC25-0C05-49C8-B150-3CF6B89B5C55}" type="datetime1">
               <a:rPr lang="zh-CN" altLang="en-US" smtClean="0"/>
-              <a:t>2020/4/10</a:t>
+              <a:t>2020/4/13</a:t>
             </a:fld>
             <a:endParaRPr lang="en-US" dirty="0"/>
           </a:p>
@@ -20784,7 +23138,7 @@
             <a:pPr rtl="0"/>
             <a:fld id="{F24FFC25-0C05-49C8-B150-3CF6B89B5C55}" type="datetime1">
               <a:rPr lang="zh-CN" altLang="en-US" smtClean="0"/>
-              <a:t>2020/4/10</a:t>
+              <a:t>2020/4/13</a:t>
             </a:fld>
             <a:endParaRPr lang="en-US" dirty="0"/>
           </a:p>
@@ -21043,7 +23397,7 @@
             <a:pPr rtl="0"/>
             <a:fld id="{F24FFC25-0C05-49C8-B150-3CF6B89B5C55}" type="datetime1">
               <a:rPr lang="zh-CN" altLang="en-US" smtClean="0"/>
-              <a:t>2020/4/10</a:t>
+              <a:t>2020/4/13</a:t>
             </a:fld>
             <a:endParaRPr lang="en-US" dirty="0"/>
           </a:p>
@@ -21618,7 +23972,12 @@
             <p:ph type="title"/>
           </p:nvPr>
         </p:nvSpPr>
-        <p:spPr/>
+        <p:spPr>
+          <a:xfrm>
+            <a:off x="581192" y="702156"/>
+            <a:ext cx="11029616" cy="743467"/>
+          </a:xfrm>
+        </p:spPr>
         <p:txBody>
           <a:bodyPr/>
           <a:lstStyle/>
@@ -21655,13 +24014,23 @@
             <p:ph idx="1"/>
           </p:nvPr>
         </p:nvSpPr>
-        <p:spPr/>
+        <p:spPr>
+          <a:xfrm>
+            <a:off x="581192" y="1645920"/>
+            <a:ext cx="11029615" cy="4509924"/>
+          </a:xfrm>
+        </p:spPr>
         <p:txBody>
           <a:bodyPr>
-            <a:normAutofit fontScale="77500" lnSpcReduction="20000"/>
+            <a:normAutofit fontScale="70000" lnSpcReduction="20000"/>
           </a:bodyPr>
           <a:lstStyle/>
           <a:p>
+            <a:pPr>
+              <a:lnSpc>
+                <a:spcPct val="120000"/>
+              </a:lnSpc>
+            </a:pPr>
             <a:r>
               <a:rPr lang="zh-CN" altLang="en-US" dirty="0"/>
               <a:t>架构</a:t>
@@ -21669,6 +24038,11 @@
             <a:endParaRPr lang="en-US" altLang="zh-CN" dirty="0"/>
           </a:p>
           <a:p>
+            <a:pPr>
+              <a:lnSpc>
+                <a:spcPct val="120000"/>
+              </a:lnSpc>
+            </a:pPr>
             <a:r>
               <a:rPr lang="zh-CN" altLang="en-US" dirty="0"/>
               <a:t>平台支持</a:t>
@@ -21676,7 +24050,11 @@
             <a:endParaRPr lang="en-US" altLang="zh-CN" dirty="0"/>
           </a:p>
           <a:p>
-            <a:pPr lvl="1"/>
+            <a:pPr lvl="1">
+              <a:lnSpc>
+                <a:spcPct val="120000"/>
+              </a:lnSpc>
+            </a:pPr>
             <a:r>
               <a:rPr lang="en-US" altLang="zh-CN" dirty="0" err="1"/>
               <a:t>Istio</a:t>
@@ -21691,24 +24069,20 @@
             </a:r>
             <a:r>
               <a:rPr lang="en-US" altLang="zh-CN" dirty="0"/>
-              <a:t>spanning Cloud, on-premise, Kubernetes, Mesos, and more. </a:t>
-            </a:r>
-            <a:r>
-              <a:rPr lang="zh-CN" altLang="en-US" dirty="0"/>
-              <a:t>其实也只支持</a:t>
-            </a:r>
-            <a:r>
-              <a:rPr lang="en-US" altLang="zh-CN" dirty="0"/>
-              <a:t>Kubernetes </a:t>
-            </a:r>
-            <a:r>
-              <a:rPr lang="zh-CN" altLang="en-US"/>
+              <a:t>spanning Cloud, on-premise, Kubernetes, Mesos, and more</a:t>
+            </a:r>
+            <a:r>
+              <a:rPr lang="zh-CN" altLang="en-US" dirty="0"/>
               <a:t>。</a:t>
             </a:r>
             <a:endParaRPr lang="en-US" altLang="zh-CN" dirty="0"/>
           </a:p>
           <a:p>
-            <a:pPr lvl="1"/>
+            <a:pPr lvl="1">
+              <a:lnSpc>
+                <a:spcPct val="120000"/>
+              </a:lnSpc>
+            </a:pPr>
             <a:r>
               <a:rPr lang="en-US" altLang="zh-CN" dirty="0" err="1"/>
               <a:t>Linkerd</a:t>
@@ -21772,6 +24146,11 @@
             <a:endParaRPr lang="en-US" altLang="zh-CN" dirty="0"/>
           </a:p>
           <a:p>
+            <a:pPr>
+              <a:lnSpc>
+                <a:spcPct val="120000"/>
+              </a:lnSpc>
+            </a:pPr>
             <a:r>
               <a:rPr lang="zh-CN" altLang="en-US" dirty="0"/>
               <a:t>协议支持</a:t>
@@ -21779,7 +24158,11 @@
             <a:endParaRPr lang="en-US" altLang="zh-CN" dirty="0"/>
           </a:p>
           <a:p>
-            <a:pPr lvl="1"/>
+            <a:pPr lvl="1">
+              <a:lnSpc>
+                <a:spcPct val="120000"/>
+              </a:lnSpc>
+            </a:pPr>
             <a:r>
               <a:rPr lang="zh-CN" altLang="en-US" dirty="0"/>
               <a:t>基于外挂代理，</a:t>
@@ -21793,8 +24176,12 @@
               <a:t>和</a:t>
             </a:r>
             <a:r>
-              <a:rPr lang="en-US" altLang="zh-CN" dirty="0"/>
-              <a:t>Linkerd 2.x </a:t>
+              <a:rPr lang="en-US" altLang="zh-CN" dirty="0" err="1"/>
+              <a:t>Linkerd</a:t>
+            </a:r>
+            <a:r>
+              <a:rPr lang="en-US" altLang="zh-CN" dirty="0"/>
+              <a:t> 2.x </a:t>
             </a:r>
             <a:r>
               <a:rPr lang="zh-CN" altLang="en-US" dirty="0"/>
@@ -21823,6 +24210,11 @@
             <a:endParaRPr lang="en-US" altLang="zh-CN" dirty="0"/>
           </a:p>
           <a:p>
+            <a:pPr>
+              <a:lnSpc>
+                <a:spcPct val="120000"/>
+              </a:lnSpc>
+            </a:pPr>
             <a:r>
               <a:rPr lang="zh-CN" altLang="en-US" dirty="0"/>
               <a:t>外挂注入</a:t>
@@ -21830,7 +24222,11 @@
             <a:endParaRPr lang="en-US" altLang="zh-CN" dirty="0"/>
           </a:p>
           <a:p>
-            <a:pPr lvl="1"/>
+            <a:pPr lvl="1">
+              <a:lnSpc>
+                <a:spcPct val="120000"/>
+              </a:lnSpc>
+            </a:pPr>
             <a:r>
               <a:rPr lang="zh-CN" altLang="en-US" dirty="0"/>
               <a:t>将外挂加入到部署包并且在服务网格的控制层进行注册的过程即为“外挂注入”。</a:t>
@@ -21854,6 +24250,11 @@
             <a:endParaRPr lang="en-US" altLang="zh-CN" dirty="0"/>
           </a:p>
           <a:p>
+            <a:pPr>
+              <a:lnSpc>
+                <a:spcPct val="120000"/>
+              </a:lnSpc>
+            </a:pPr>
             <a:r>
               <a:rPr lang="zh-CN" altLang="en-US" dirty="0"/>
               <a:t>监控和跟踪</a:t>
@@ -21861,7 +24262,11 @@
             <a:endParaRPr lang="en-US" altLang="zh-CN" dirty="0"/>
           </a:p>
           <a:p>
-            <a:pPr lvl="1"/>
+            <a:pPr lvl="1">
+              <a:lnSpc>
+                <a:spcPct val="120000"/>
+              </a:lnSpc>
+            </a:pPr>
             <a:r>
               <a:rPr lang="en-US" altLang="zh-CN" dirty="0"/>
               <a:t>Istio</a:t>
@@ -21908,11 +24313,16 @@
             </a:r>
             <a:r>
               <a:rPr lang="zh-CN" altLang="en-US" dirty="0"/>
-              <a:t>从外部进行监控，但目前并不支持分布式跟踪。</a:t>
+              <a:t>从外部进行监控和分布式跟踪。</a:t>
             </a:r>
             <a:endParaRPr lang="en-US" altLang="zh-CN" dirty="0"/>
           </a:p>
           <a:p>
+            <a:pPr>
+              <a:lnSpc>
+                <a:spcPct val="120000"/>
+              </a:lnSpc>
+            </a:pPr>
             <a:r>
               <a:rPr lang="zh-CN" altLang="en-US" dirty="0"/>
               <a:t>性能</a:t>
@@ -21920,7 +24330,11 @@
             <a:endParaRPr lang="en-US" altLang="zh-CN" dirty="0"/>
           </a:p>
           <a:p>
-            <a:pPr lvl="1"/>
+            <a:pPr lvl="1">
+              <a:lnSpc>
+                <a:spcPct val="120000"/>
+              </a:lnSpc>
+            </a:pPr>
             <a:r>
               <a:rPr lang="en-US" altLang="zh-CN" dirty="0"/>
               <a:t>Linkerd 2.x </a:t>
@@ -21993,6 +24407,66 @@
               <a:rPr lang="zh-CN" altLang="en-US" dirty="0"/>
               <a:t>。</a:t>
             </a:r>
+            <a:r>
+              <a:rPr lang="en-US" altLang="zh-CN" b="1" dirty="0" err="1">
+                <a:hlinkClick r:id="rId2"/>
+              </a:rPr>
+              <a:t>Linkerd</a:t>
+            </a:r>
+            <a:r>
+              <a:rPr lang="en-US" altLang="zh-CN" b="1" dirty="0">
+                <a:hlinkClick r:id="rId2"/>
+              </a:rPr>
+              <a:t> Benchmarks</a:t>
+            </a:r>
+            <a:endParaRPr lang="en-US" altLang="zh-CN" b="1" dirty="0"/>
+          </a:p>
+          <a:p>
+            <a:pPr>
+              <a:lnSpc>
+                <a:spcPct val="120000"/>
+              </a:lnSpc>
+            </a:pPr>
+            <a:r>
+              <a:rPr lang="zh-CN" altLang="en-US" dirty="0"/>
+              <a:t>功能</a:t>
+            </a:r>
+            <a:endParaRPr lang="en-US" altLang="zh-CN" dirty="0"/>
+          </a:p>
+          <a:p>
+            <a:pPr lvl="1">
+              <a:lnSpc>
+                <a:spcPct val="120000"/>
+              </a:lnSpc>
+            </a:pPr>
+            <a:r>
+              <a:rPr lang="en-US" altLang="zh-CN" dirty="0"/>
+              <a:t>Istio</a:t>
+            </a:r>
+            <a:r>
+              <a:rPr lang="zh-CN" altLang="en-US" dirty="0"/>
+              <a:t>功能丰富</a:t>
+            </a:r>
+            <a:r>
+              <a:rPr lang="en-US" altLang="zh-CN" dirty="0"/>
+              <a:t>, Linkerd2.x</a:t>
+            </a:r>
+            <a:r>
+              <a:rPr lang="zh-CN" altLang="en-US" dirty="0"/>
+              <a:t>功能简单，大部分通过第三实现</a:t>
+            </a:r>
+            <a:r>
+              <a:rPr lang="en-US" altLang="zh-CN" dirty="0"/>
+              <a:t>.</a:t>
+            </a:r>
+          </a:p>
+          <a:p>
+            <a:pPr lvl="1">
+              <a:lnSpc>
+                <a:spcPct val="120000"/>
+              </a:lnSpc>
+            </a:pPr>
+            <a:endParaRPr lang="zh-CN" altLang="en-US" dirty="0"/>
           </a:p>
         </p:txBody>
       </p:sp>
@@ -22020,7 +24494,7 @@
             <a:pPr rtl="0"/>
             <a:fld id="{F24FFC25-0C05-49C8-B150-3CF6B89B5C55}" type="datetime1">
               <a:rPr lang="zh-CN" altLang="en-US" smtClean="0"/>
-              <a:t>2020/4/10</a:t>
+              <a:t>2020/4/13</a:t>
             </a:fld>
             <a:endParaRPr lang="en-US" dirty="0"/>
           </a:p>

--- a/files/Service Mesh.pptx
+++ b/files/Service Mesh.pptx
@@ -5,10 +5,10 @@
     <p:sldMasterId id="2147483712" r:id="rId1"/>
   </p:sldMasterIdLst>
   <p:notesMasterIdLst>
-    <p:notesMasterId r:id="rId36"/>
+    <p:notesMasterId r:id="rId46"/>
   </p:notesMasterIdLst>
   <p:handoutMasterIdLst>
-    <p:handoutMasterId r:id="rId37"/>
+    <p:handoutMasterId r:id="rId47"/>
   </p:handoutMasterIdLst>
   <p:sldIdLst>
     <p:sldId id="257" r:id="rId2"/>
@@ -25,26 +25,36 @@
     <p:sldId id="282" r:id="rId13"/>
     <p:sldId id="283" r:id="rId14"/>
     <p:sldId id="284" r:id="rId15"/>
-    <p:sldId id="285" r:id="rId16"/>
-    <p:sldId id="286" r:id="rId17"/>
-    <p:sldId id="288" r:id="rId18"/>
-    <p:sldId id="289" r:id="rId19"/>
-    <p:sldId id="287" r:id="rId20"/>
-    <p:sldId id="290" r:id="rId21"/>
-    <p:sldId id="265" r:id="rId22"/>
-    <p:sldId id="269" r:id="rId23"/>
-    <p:sldId id="270" r:id="rId24"/>
-    <p:sldId id="271" r:id="rId25"/>
-    <p:sldId id="272" r:id="rId26"/>
-    <p:sldId id="273" r:id="rId27"/>
-    <p:sldId id="274" r:id="rId28"/>
-    <p:sldId id="275" r:id="rId29"/>
-    <p:sldId id="276" r:id="rId30"/>
-    <p:sldId id="268" r:id="rId31"/>
-    <p:sldId id="277" r:id="rId32"/>
-    <p:sldId id="278" r:id="rId33"/>
-    <p:sldId id="280" r:id="rId34"/>
-    <p:sldId id="279" r:id="rId35"/>
+    <p:sldId id="291" r:id="rId16"/>
+    <p:sldId id="285" r:id="rId17"/>
+    <p:sldId id="292" r:id="rId18"/>
+    <p:sldId id="293" r:id="rId19"/>
+    <p:sldId id="294" r:id="rId20"/>
+    <p:sldId id="295" r:id="rId21"/>
+    <p:sldId id="296" r:id="rId22"/>
+    <p:sldId id="297" r:id="rId23"/>
+    <p:sldId id="298" r:id="rId24"/>
+    <p:sldId id="299" r:id="rId25"/>
+    <p:sldId id="286" r:id="rId26"/>
+    <p:sldId id="288" r:id="rId27"/>
+    <p:sldId id="289" r:id="rId28"/>
+    <p:sldId id="287" r:id="rId29"/>
+    <p:sldId id="290" r:id="rId30"/>
+    <p:sldId id="300" r:id="rId31"/>
+    <p:sldId id="265" r:id="rId32"/>
+    <p:sldId id="269" r:id="rId33"/>
+    <p:sldId id="270" r:id="rId34"/>
+    <p:sldId id="271" r:id="rId35"/>
+    <p:sldId id="272" r:id="rId36"/>
+    <p:sldId id="273" r:id="rId37"/>
+    <p:sldId id="274" r:id="rId38"/>
+    <p:sldId id="275" r:id="rId39"/>
+    <p:sldId id="276" r:id="rId40"/>
+    <p:sldId id="268" r:id="rId41"/>
+    <p:sldId id="277" r:id="rId42"/>
+    <p:sldId id="278" r:id="rId43"/>
+    <p:sldId id="280" r:id="rId44"/>
+    <p:sldId id="279" r:id="rId45"/>
   </p:sldIdLst>
   <p:sldSz cx="12192000" cy="6858000"/>
   <p:notesSz cx="6858000" cy="9144000"/>
@@ -5625,7 +5635,7 @@
             <a:pPr rtl="0"/>
             <a:fld id="{3FDE3333-857A-4131-9EBA-B73C0C259FD7}" type="datetime1">
               <a:rPr lang="zh-CN" altLang="en-US" smtClean="0"/>
-              <a:t>2020/4/13</a:t>
+              <a:t>2020/4/15</a:t>
             </a:fld>
             <a:endParaRPr lang="en-US"/>
           </a:p>
@@ -5795,7 +5805,7 @@
             <a:pPr rtl="0"/>
             <a:fld id="{8CD12D00-6AAC-4A94-B2E5-A12E9C579B03}" type="datetime1">
               <a:rPr lang="zh-CN" altLang="en-US" smtClean="0"/>
-              <a:t>2020/4/13</a:t>
+              <a:t>2020/4/15</a:t>
             </a:fld>
             <a:endParaRPr lang="en-US"/>
           </a:p>
@@ -6309,7 +6319,7 @@
             <a:pPr rtl="0"/>
             <a:fld id="{73594A98-8FB4-4076-AE7B-5D3B1A2CBC70}" type="datetime1">
               <a:rPr lang="zh-CN" altLang="en-US" smtClean="0"/>
-              <a:t>2020/4/13</a:t>
+              <a:t>2020/4/15</a:t>
             </a:fld>
             <a:endParaRPr lang="en-US" dirty="0"/>
           </a:p>
@@ -6516,7 +6526,7 @@
             <a:pPr rtl="0"/>
             <a:fld id="{B3E0F2F7-3EF1-4761-ABAF-2FA9DDE4F1A8}" type="datetime1">
               <a:rPr lang="zh-CN" altLang="en-US" smtClean="0"/>
-              <a:t>2020/4/13</a:t>
+              <a:t>2020/4/15</a:t>
             </a:fld>
             <a:endParaRPr lang="en-US" dirty="0"/>
           </a:p>
@@ -6882,7 +6892,7 @@
             <a:pPr rtl="0"/>
             <a:fld id="{D563FC6D-277D-4D53-8EB6-E41026A24247}" type="datetime1">
               <a:rPr lang="zh-CN" altLang="en-US" smtClean="0"/>
-              <a:t>2020/4/13</a:t>
+              <a:t>2020/4/15</a:t>
             </a:fld>
             <a:endParaRPr lang="en-US" dirty="0"/>
           </a:p>
@@ -7084,7 +7094,7 @@
             <a:pPr rtl="0"/>
             <a:fld id="{F24FFC25-0C05-49C8-B150-3CF6B89B5C55}" type="datetime1">
               <a:rPr lang="zh-CN" altLang="en-US" smtClean="0"/>
-              <a:t>2020/4/13</a:t>
+              <a:t>2020/4/15</a:t>
             </a:fld>
             <a:endParaRPr lang="en-US" dirty="0"/>
           </a:p>
@@ -7400,7 +7410,7 @@
             <a:pPr rtl="0"/>
             <a:fld id="{DFC14310-5240-428A-850A-F7101D16AE5A}" type="datetime1">
               <a:rPr lang="zh-CN" altLang="en-US" smtClean="0"/>
-              <a:t>2020/4/13</a:t>
+              <a:t>2020/4/15</a:t>
             </a:fld>
             <a:endParaRPr lang="en-US" dirty="0"/>
           </a:p>
@@ -7657,7 +7667,7 @@
             <a:pPr rtl="0"/>
             <a:fld id="{71F85B13-09B0-4D01-A286-57280995F924}" type="datetime1">
               <a:rPr lang="zh-CN" altLang="en-US" smtClean="0"/>
-              <a:t>2020/4/13</a:t>
+              <a:t>2020/4/15</a:t>
             </a:fld>
             <a:endParaRPr lang="en-US" dirty="0"/>
           </a:p>
@@ -8083,7 +8093,7 @@
             <a:pPr rtl="0"/>
             <a:fld id="{F411FE78-D258-4188-9C5F-198CC4CE7F12}" type="datetime1">
               <a:rPr lang="zh-CN" altLang="en-US" smtClean="0"/>
-              <a:t>2020/4/13</a:t>
+              <a:t>2020/4/15</a:t>
             </a:fld>
             <a:endParaRPr lang="en-US" dirty="0"/>
           </a:p>
@@ -8210,7 +8220,7 @@
             <a:pPr rtl="0"/>
             <a:fld id="{BE491C52-D618-41DD-80F2-22500A780186}" type="datetime1">
               <a:rPr lang="zh-CN" altLang="en-US" smtClean="0"/>
-              <a:t>2020/4/13</a:t>
+              <a:t>2020/4/15</a:t>
             </a:fld>
             <a:endParaRPr lang="en-US" dirty="0"/>
           </a:p>
@@ -8308,7 +8318,7 @@
             <a:pPr rtl="0"/>
             <a:fld id="{26EE3488-748A-4EA8-9571-9D5A1694FA0A}" type="datetime1">
               <a:rPr lang="zh-CN" altLang="en-US" smtClean="0"/>
-              <a:t>2020/4/13</a:t>
+              <a:t>2020/4/15</a:t>
             </a:fld>
             <a:endParaRPr lang="en-US" dirty="0"/>
           </a:p>
@@ -8689,7 +8699,7 @@
             <a:pPr rtl="0"/>
             <a:fld id="{D7791703-7779-4492-8183-3F96B27D2540}" type="datetime1">
               <a:rPr lang="zh-CN" altLang="en-US" smtClean="0"/>
-              <a:t>2020/4/13</a:t>
+              <a:t>2020/4/15</a:t>
             </a:fld>
             <a:endParaRPr lang="en-US" dirty="0"/>
           </a:p>
@@ -8987,7 +8997,7 @@
             <a:pPr rtl="0"/>
             <a:fld id="{D4D22F12-409A-40D9-8774-D34C978752A7}" type="datetime1">
               <a:rPr lang="zh-CN" altLang="en-US" smtClean="0"/>
-              <a:t>2020/4/13</a:t>
+              <a:t>2020/4/15</a:t>
             </a:fld>
             <a:endParaRPr lang="en-US" dirty="0"/>
           </a:p>
@@ -9206,7 +9216,7 @@
           <a:p>
             <a:fld id="{4400FF2F-BAC0-4F33-9E13-F8F6FA55A14D}" type="datetime1">
               <a:rPr lang="zh-CN" altLang="en-US" smtClean="0"/>
-              <a:t>2020/4/13</a:t>
+              <a:t>2020/4/15</a:t>
             </a:fld>
             <a:endParaRPr lang="en-US" dirty="0"/>
           </a:p>
@@ -10243,7 +10253,7 @@
             <a:pPr rtl="0"/>
             <a:fld id="{F24FFC25-0C05-49C8-B150-3CF6B89B5C55}" type="datetime1">
               <a:rPr lang="zh-CN" altLang="en-US" smtClean="0"/>
-              <a:t>2020/4/13</a:t>
+              <a:t>2020/4/15</a:t>
             </a:fld>
             <a:endParaRPr lang="en-US" dirty="0"/>
           </a:p>
@@ -10569,7 +10579,29 @@
             </a:r>
             <a:r>
               <a:rPr lang="zh-CN" altLang="en-US" dirty="0"/>
+              <a:t>设计原则</a:t>
+            </a:r>
+            <a:endParaRPr lang="en-US" altLang="zh-CN" dirty="0"/>
+          </a:p>
+          <a:p>
+            <a:r>
+              <a:rPr lang="en-US" altLang="zh-CN" dirty="0" err="1"/>
+              <a:t>Linkerd</a:t>
+            </a:r>
+            <a:r>
+              <a:rPr lang="zh-CN" altLang="en-US" dirty="0"/>
               <a:t>功能列表</a:t>
+            </a:r>
+            <a:endParaRPr lang="en-US" altLang="zh-CN" dirty="0"/>
+          </a:p>
+          <a:p>
+            <a:r>
+              <a:rPr lang="en-US" altLang="zh-CN" dirty="0" err="1"/>
+              <a:t>Linkerd</a:t>
+            </a:r>
+            <a:r>
+              <a:rPr lang="zh-CN" altLang="en-US" dirty="0"/>
+              <a:t>组件</a:t>
             </a:r>
             <a:endParaRPr lang="en-US" altLang="zh-CN" dirty="0"/>
           </a:p>
@@ -10609,7 +10641,7 @@
             <a:pPr rtl="0"/>
             <a:fld id="{F24FFC25-0C05-49C8-B150-3CF6B89B5C55}" type="datetime1">
               <a:rPr lang="zh-CN" altLang="en-US" smtClean="0"/>
-              <a:t>2020/4/13</a:t>
+              <a:t>2020/4/15</a:t>
             </a:fld>
             <a:endParaRPr lang="en-US" dirty="0"/>
           </a:p>
@@ -10798,7 +10830,7 @@
             <a:pPr rtl="0"/>
             <a:fld id="{F24FFC25-0C05-49C8-B150-3CF6B89B5C55}" type="datetime1">
               <a:rPr lang="zh-CN" altLang="en-US" smtClean="0"/>
-              <a:t>2020/4/13</a:t>
+              <a:t>2020/4/15</a:t>
             </a:fld>
             <a:endParaRPr lang="en-US" dirty="0"/>
           </a:p>
@@ -11075,7 +11107,7 @@
             <a:pPr rtl="0"/>
             <a:fld id="{F24FFC25-0C05-49C8-B150-3CF6B89B5C55}" type="datetime1">
               <a:rPr lang="zh-CN" altLang="en-US" smtClean="0"/>
-              <a:t>2020/4/13</a:t>
+              <a:t>2020/4/15</a:t>
             </a:fld>
             <a:endParaRPr lang="en-US" dirty="0"/>
           </a:p>
@@ -11290,7 +11322,7 @@
             <a:pPr rtl="0"/>
             <a:fld id="{F24FFC25-0C05-49C8-B150-3CF6B89B5C55}" type="datetime1">
               <a:rPr lang="zh-CN" altLang="en-US" smtClean="0"/>
-              <a:t>2020/4/13</a:t>
+              <a:t>2020/4/15</a:t>
             </a:fld>
             <a:endParaRPr lang="en-US" dirty="0"/>
           </a:p>
@@ -11310,6 +11342,195 @@
 </file>
 
 <file path=ppt/slides/slide15.xml><?xml version="1.0" encoding="utf-8"?>
+<p:sld xmlns:a="http://schemas.openxmlformats.org/drawingml/2006/main" xmlns:r="http://schemas.openxmlformats.org/officeDocument/2006/relationships" xmlns:p="http://schemas.openxmlformats.org/presentationml/2006/main">
+  <p:cSld>
+    <p:spTree>
+      <p:nvGrpSpPr>
+        <p:cNvPr id="1" name=""/>
+        <p:cNvGrpSpPr/>
+        <p:nvPr/>
+      </p:nvGrpSpPr>
+      <p:grpSpPr>
+        <a:xfrm>
+          <a:off x="0" y="0"/>
+          <a:ext cx="0" cy="0"/>
+          <a:chOff x="0" y="0"/>
+          <a:chExt cx="0" cy="0"/>
+        </a:xfrm>
+      </p:grpSpPr>
+      <p:sp>
+        <p:nvSpPr>
+          <p:cNvPr id="2" name="标题 1">
+            <a:extLst>
+              <a:ext uri="{FF2B5EF4-FFF2-40B4-BE49-F238E27FC236}">
+                <a16:creationId xmlns:a16="http://schemas.microsoft.com/office/drawing/2014/main" id="{58D05791-B282-4161-A57B-D8AB9155C411}"/>
+              </a:ext>
+            </a:extLst>
+          </p:cNvPr>
+          <p:cNvSpPr>
+            <a:spLocks noGrp="1"/>
+          </p:cNvSpPr>
+          <p:nvPr>
+            <p:ph type="title"/>
+          </p:nvPr>
+        </p:nvSpPr>
+        <p:spPr/>
+        <p:txBody>
+          <a:bodyPr/>
+          <a:lstStyle/>
+          <a:p>
+            <a:r>
+              <a:rPr lang="en-US" altLang="zh-CN" dirty="0" err="1"/>
+              <a:t>Linkerd</a:t>
+            </a:r>
+            <a:r>
+              <a:rPr lang="zh-CN" altLang="en-US" dirty="0"/>
+              <a:t>设计原则</a:t>
+            </a:r>
+            <a:br>
+              <a:rPr lang="en-US" altLang="zh-CN" dirty="0"/>
+            </a:br>
+            <a:endParaRPr lang="zh-CN" altLang="en-US" dirty="0"/>
+          </a:p>
+        </p:txBody>
+      </p:sp>
+      <p:sp>
+        <p:nvSpPr>
+          <p:cNvPr id="3" name="内容占位符 2">
+            <a:extLst>
+              <a:ext uri="{FF2B5EF4-FFF2-40B4-BE49-F238E27FC236}">
+                <a16:creationId xmlns:a16="http://schemas.microsoft.com/office/drawing/2014/main" id="{9683A744-DC2D-41D1-BEC4-FC9CD04BFBF2}"/>
+              </a:ext>
+            </a:extLst>
+          </p:cNvPr>
+          <p:cNvSpPr>
+            <a:spLocks noGrp="1"/>
+          </p:cNvSpPr>
+          <p:nvPr>
+            <p:ph idx="1"/>
+          </p:nvPr>
+        </p:nvSpPr>
+        <p:spPr/>
+        <p:txBody>
+          <a:bodyPr/>
+          <a:lstStyle/>
+          <a:p>
+            <a:r>
+              <a:rPr lang="zh-CN" altLang="en-US" b="1" dirty="0"/>
+              <a:t>保持简单。</a:t>
+            </a:r>
+            <a:r>
+              <a:rPr lang="en-US" altLang="zh-CN" dirty="0" err="1"/>
+              <a:t>Linkerd</a:t>
+            </a:r>
+            <a:r>
+              <a:rPr lang="zh-CN" altLang="en-US" dirty="0"/>
+              <a:t>应该操作简单，具有较低的认知开销。操作者应该发现它的组件是清晰的，它的行为是可理解的和可预测的，而不需要什么魔法。</a:t>
+            </a:r>
+          </a:p>
+          <a:p>
+            <a:r>
+              <a:rPr lang="zh-CN" altLang="en-US" b="1" dirty="0"/>
+              <a:t>减少资源需求。</a:t>
+            </a:r>
+            <a:r>
+              <a:rPr lang="en-US" altLang="zh-CN" dirty="0" err="1"/>
+              <a:t>Linkerd</a:t>
+            </a:r>
+            <a:r>
+              <a:rPr lang="zh-CN" altLang="en-US" dirty="0"/>
+              <a:t>应该尽可能降低性能和资源成本，尤其是在数据平面层。</a:t>
+            </a:r>
+          </a:p>
+          <a:p>
+            <a:r>
+              <a:rPr lang="zh-CN" altLang="en-US" b="1" dirty="0"/>
+              <a:t>执行简单。</a:t>
+            </a:r>
+            <a:r>
+              <a:rPr lang="en-US" altLang="zh-CN" dirty="0" err="1"/>
+              <a:t>Linkerd</a:t>
+            </a:r>
+            <a:r>
+              <a:rPr lang="zh-CN" altLang="en-US" dirty="0"/>
+              <a:t>不应该破坏现有的应用程序，也不应该要求复杂的配置才能启动或执行简单的操作。</a:t>
+            </a:r>
+            <a:endParaRPr lang="en-US" altLang="zh-CN" dirty="0"/>
+          </a:p>
+          <a:p>
+            <a:endParaRPr lang="zh-CN" altLang="en-US" dirty="0"/>
+          </a:p>
+          <a:p>
+            <a:pPr marL="0" indent="0">
+              <a:buNone/>
+            </a:pPr>
+            <a:r>
+              <a:rPr lang="zh-CN" altLang="en-US" dirty="0"/>
+              <a:t>这三个原则有一个共同点：它们都降低了运行</a:t>
+            </a:r>
+            <a:r>
+              <a:rPr lang="en-US" altLang="zh-CN" dirty="0" err="1"/>
+              <a:t>Linkerd</a:t>
+            </a:r>
+            <a:r>
+              <a:rPr lang="zh-CN" altLang="en-US" dirty="0"/>
+              <a:t>的操作成本。无论它是通过计算资源来度量的，还是更重要的，在人类花费的时间中度量的，这些原则都要求</a:t>
+            </a:r>
+            <a:r>
+              <a:rPr lang="en-US" altLang="zh-CN" dirty="0" err="1"/>
+              <a:t>Linkerd</a:t>
+            </a:r>
+            <a:r>
+              <a:rPr lang="zh-CN" altLang="en-US" dirty="0"/>
+              <a:t>忠实于保持服务网格运行成本尽可能低的目标。</a:t>
+            </a:r>
+          </a:p>
+        </p:txBody>
+      </p:sp>
+      <p:sp>
+        <p:nvSpPr>
+          <p:cNvPr id="4" name="日期占位符 3">
+            <a:extLst>
+              <a:ext uri="{FF2B5EF4-FFF2-40B4-BE49-F238E27FC236}">
+                <a16:creationId xmlns:a16="http://schemas.microsoft.com/office/drawing/2014/main" id="{DC2005BB-A47E-45F2-9C57-C91073FAFB8E}"/>
+              </a:ext>
+            </a:extLst>
+          </p:cNvPr>
+          <p:cNvSpPr>
+            <a:spLocks noGrp="1"/>
+          </p:cNvSpPr>
+          <p:nvPr>
+            <p:ph type="dt" sz="half" idx="10"/>
+          </p:nvPr>
+        </p:nvSpPr>
+        <p:spPr/>
+        <p:txBody>
+          <a:bodyPr/>
+          <a:lstStyle/>
+          <a:p>
+            <a:pPr rtl="0"/>
+            <a:fld id="{F24FFC25-0C05-49C8-B150-3CF6B89B5C55}" type="datetime1">
+              <a:rPr lang="zh-CN" altLang="en-US" smtClean="0"/>
+              <a:t>2020/4/15</a:t>
+            </a:fld>
+            <a:endParaRPr lang="en-US" dirty="0"/>
+          </a:p>
+        </p:txBody>
+      </p:sp>
+    </p:spTree>
+    <p:extLst>
+      <p:ext uri="{BB962C8B-B14F-4D97-AF65-F5344CB8AC3E}">
+        <p14:creationId xmlns:p14="http://schemas.microsoft.com/office/powerpoint/2010/main" val="839197072"/>
+      </p:ext>
+    </p:extLst>
+  </p:cSld>
+  <p:clrMapOvr>
+    <a:masterClrMapping/>
+  </p:clrMapOvr>
+</p:sld>
+</file>
+
+<file path=ppt/slides/slide16.xml><?xml version="1.0" encoding="utf-8"?>
 <p:sld xmlns:a="http://schemas.openxmlformats.org/drawingml/2006/main" xmlns:r="http://schemas.openxmlformats.org/officeDocument/2006/relationships" xmlns:p="http://schemas.openxmlformats.org/presentationml/2006/main">
   <p:cSld>
     <p:spTree>
@@ -11627,7 +11848,7 @@
             <a:pPr rtl="0"/>
             <a:fld id="{F24FFC25-0C05-49C8-B150-3CF6B89B5C55}" type="datetime1">
               <a:rPr lang="zh-CN" altLang="en-US" smtClean="0"/>
-              <a:t>2020/4/13</a:t>
+              <a:t>2020/4/15</a:t>
             </a:fld>
             <a:endParaRPr lang="en-US" dirty="0"/>
           </a:p>
@@ -11646,7 +11867,2431 @@
 </p:sld>
 </file>
 
-<file path=ppt/slides/slide16.xml><?xml version="1.0" encoding="utf-8"?>
+<file path=ppt/slides/slide17.xml><?xml version="1.0" encoding="utf-8"?>
+<p:sld xmlns:a="http://schemas.openxmlformats.org/drawingml/2006/main" xmlns:r="http://schemas.openxmlformats.org/officeDocument/2006/relationships" xmlns:p="http://schemas.openxmlformats.org/presentationml/2006/main">
+  <p:cSld>
+    <p:spTree>
+      <p:nvGrpSpPr>
+        <p:cNvPr id="1" name=""/>
+        <p:cNvGrpSpPr/>
+        <p:nvPr/>
+      </p:nvGrpSpPr>
+      <p:grpSpPr>
+        <a:xfrm>
+          <a:off x="0" y="0"/>
+          <a:ext cx="0" cy="0"/>
+          <a:chOff x="0" y="0"/>
+          <a:chExt cx="0" cy="0"/>
+        </a:xfrm>
+      </p:grpSpPr>
+      <p:sp>
+        <p:nvSpPr>
+          <p:cNvPr id="2" name="标题 1">
+            <a:extLst>
+              <a:ext uri="{FF2B5EF4-FFF2-40B4-BE49-F238E27FC236}">
+                <a16:creationId xmlns:a16="http://schemas.microsoft.com/office/drawing/2014/main" id="{2B54F022-9D39-49D1-BCC6-3ADECDDE95E1}"/>
+              </a:ext>
+            </a:extLst>
+          </p:cNvPr>
+          <p:cNvSpPr>
+            <a:spLocks noGrp="1"/>
+          </p:cNvSpPr>
+          <p:nvPr>
+            <p:ph type="title"/>
+          </p:nvPr>
+        </p:nvSpPr>
+        <p:spPr/>
+        <p:txBody>
+          <a:bodyPr/>
+          <a:lstStyle/>
+          <a:p>
+            <a:r>
+              <a:rPr lang="en-US" altLang="zh-CN" dirty="0" err="1"/>
+              <a:t>Linkerd</a:t>
+            </a:r>
+            <a:r>
+              <a:rPr lang="zh-CN" altLang="en-US" dirty="0"/>
+              <a:t>组件 </a:t>
+            </a:r>
+            <a:r>
+              <a:rPr lang="en-US" altLang="zh-CN" dirty="0"/>
+              <a:t>– </a:t>
+            </a:r>
+            <a:r>
+              <a:rPr lang="zh-CN" altLang="en-US" dirty="0"/>
+              <a:t>架构图</a:t>
+            </a:r>
+            <a:br>
+              <a:rPr lang="en-US" altLang="zh-CN" dirty="0"/>
+            </a:br>
+            <a:endParaRPr lang="zh-CN" altLang="en-US" dirty="0"/>
+          </a:p>
+        </p:txBody>
+      </p:sp>
+      <p:pic>
+        <p:nvPicPr>
+          <p:cNvPr id="6" name="内容占位符 5">
+            <a:extLst>
+              <a:ext uri="{FF2B5EF4-FFF2-40B4-BE49-F238E27FC236}">
+                <a16:creationId xmlns:a16="http://schemas.microsoft.com/office/drawing/2014/main" id="{C398FDEB-54B0-4BA3-B6BE-F6EC974DE0C4}"/>
+              </a:ext>
+            </a:extLst>
+          </p:cNvPr>
+          <p:cNvPicPr>
+            <a:picLocks noGrp="1" noChangeAspect="1"/>
+          </p:cNvPicPr>
+          <p:nvPr>
+            <p:ph idx="1"/>
+          </p:nvPr>
+        </p:nvPicPr>
+        <p:blipFill>
+          <a:blip r:embed="rId2">
+            <a:extLst>
+              <a:ext uri="{28A0092B-C50C-407E-A947-70E740481C1C}">
+                <a14:useLocalDpi xmlns:a14="http://schemas.microsoft.com/office/drawing/2010/main" val="0"/>
+              </a:ext>
+            </a:extLst>
+          </a:blip>
+          <a:stretch>
+            <a:fillRect/>
+          </a:stretch>
+        </p:blipFill>
+        <p:spPr>
+          <a:xfrm>
+            <a:off x="1323704" y="1434738"/>
+            <a:ext cx="9013372" cy="5070294"/>
+          </a:xfrm>
+        </p:spPr>
+      </p:pic>
+      <p:sp>
+        <p:nvSpPr>
+          <p:cNvPr id="4" name="日期占位符 3">
+            <a:extLst>
+              <a:ext uri="{FF2B5EF4-FFF2-40B4-BE49-F238E27FC236}">
+                <a16:creationId xmlns:a16="http://schemas.microsoft.com/office/drawing/2014/main" id="{E8D32B95-6FCA-4CF0-8787-4205DFADF17E}"/>
+              </a:ext>
+            </a:extLst>
+          </p:cNvPr>
+          <p:cNvSpPr>
+            <a:spLocks noGrp="1"/>
+          </p:cNvSpPr>
+          <p:nvPr>
+            <p:ph type="dt" sz="half" idx="10"/>
+          </p:nvPr>
+        </p:nvSpPr>
+        <p:spPr/>
+        <p:txBody>
+          <a:bodyPr/>
+          <a:lstStyle/>
+          <a:p>
+            <a:pPr rtl="0"/>
+            <a:fld id="{F24FFC25-0C05-49C8-B150-3CF6B89B5C55}" type="datetime1">
+              <a:rPr lang="zh-CN" altLang="en-US" smtClean="0"/>
+              <a:t>2020/4/15</a:t>
+            </a:fld>
+            <a:endParaRPr lang="en-US" dirty="0"/>
+          </a:p>
+        </p:txBody>
+      </p:sp>
+    </p:spTree>
+    <p:extLst>
+      <p:ext uri="{BB962C8B-B14F-4D97-AF65-F5344CB8AC3E}">
+        <p14:creationId xmlns:p14="http://schemas.microsoft.com/office/powerpoint/2010/main" val="3638125299"/>
+      </p:ext>
+    </p:extLst>
+  </p:cSld>
+  <p:clrMapOvr>
+    <a:masterClrMapping/>
+  </p:clrMapOvr>
+</p:sld>
+</file>
+
+<file path=ppt/slides/slide18.xml><?xml version="1.0" encoding="utf-8"?>
+<p:sld xmlns:a="http://schemas.openxmlformats.org/drawingml/2006/main" xmlns:r="http://schemas.openxmlformats.org/officeDocument/2006/relationships" xmlns:p="http://schemas.openxmlformats.org/presentationml/2006/main">
+  <p:cSld>
+    <p:spTree>
+      <p:nvGrpSpPr>
+        <p:cNvPr id="1" name=""/>
+        <p:cNvGrpSpPr/>
+        <p:nvPr/>
+      </p:nvGrpSpPr>
+      <p:grpSpPr>
+        <a:xfrm>
+          <a:off x="0" y="0"/>
+          <a:ext cx="0" cy="0"/>
+          <a:chOff x="0" y="0"/>
+          <a:chExt cx="0" cy="0"/>
+        </a:xfrm>
+      </p:grpSpPr>
+      <p:sp>
+        <p:nvSpPr>
+          <p:cNvPr id="2" name="标题 1">
+            <a:extLst>
+              <a:ext uri="{FF2B5EF4-FFF2-40B4-BE49-F238E27FC236}">
+                <a16:creationId xmlns:a16="http://schemas.microsoft.com/office/drawing/2014/main" id="{694D87E8-3B3F-4D74-87D4-67A0CB5FB876}"/>
+              </a:ext>
+            </a:extLst>
+          </p:cNvPr>
+          <p:cNvSpPr>
+            <a:spLocks noGrp="1"/>
+          </p:cNvSpPr>
+          <p:nvPr>
+            <p:ph type="title"/>
+          </p:nvPr>
+        </p:nvSpPr>
+        <p:spPr>
+          <a:xfrm>
+            <a:off x="581192" y="702156"/>
+            <a:ext cx="11029616" cy="760884"/>
+          </a:xfrm>
+        </p:spPr>
+        <p:txBody>
+          <a:bodyPr/>
+          <a:lstStyle/>
+          <a:p>
+            <a:r>
+              <a:rPr lang="en-US" altLang="zh-CN" dirty="0" err="1"/>
+              <a:t>Linkerd</a:t>
+            </a:r>
+            <a:r>
+              <a:rPr lang="zh-CN" altLang="en-US" dirty="0"/>
+              <a:t>组件 </a:t>
+            </a:r>
+            <a:r>
+              <a:rPr lang="en-US" altLang="zh-CN" dirty="0"/>
+              <a:t>– </a:t>
+            </a:r>
+            <a:r>
+              <a:rPr lang="zh-CN" altLang="en-US" dirty="0"/>
+              <a:t>控制平面</a:t>
+            </a:r>
+            <a:r>
+              <a:rPr lang="en-US" altLang="zh-CN" dirty="0"/>
+              <a:t>1</a:t>
+            </a:r>
+            <a:endParaRPr lang="zh-CN" altLang="en-US" dirty="0"/>
+          </a:p>
+        </p:txBody>
+      </p:sp>
+      <p:sp>
+        <p:nvSpPr>
+          <p:cNvPr id="3" name="内容占位符 2">
+            <a:extLst>
+              <a:ext uri="{FF2B5EF4-FFF2-40B4-BE49-F238E27FC236}">
+                <a16:creationId xmlns:a16="http://schemas.microsoft.com/office/drawing/2014/main" id="{6D05E832-4B01-4784-A0D7-D899F5FEF7F0}"/>
+              </a:ext>
+            </a:extLst>
+          </p:cNvPr>
+          <p:cNvSpPr>
+            <a:spLocks noGrp="1"/>
+          </p:cNvSpPr>
+          <p:nvPr>
+            <p:ph idx="1"/>
+          </p:nvPr>
+        </p:nvSpPr>
+        <p:spPr/>
+        <p:txBody>
+          <a:bodyPr>
+            <a:normAutofit fontScale="85000" lnSpcReduction="10000"/>
+          </a:bodyPr>
+          <a:lstStyle/>
+          <a:p>
+            <a:pPr marL="0" indent="0">
+              <a:buNone/>
+            </a:pPr>
+            <a:r>
+              <a:rPr lang="en-US" altLang="zh-CN" dirty="0" err="1"/>
+              <a:t>Linkerd</a:t>
+            </a:r>
+            <a:r>
+              <a:rPr lang="zh-CN" altLang="en-US" dirty="0"/>
+              <a:t>控制平面是在专用</a:t>
+            </a:r>
+            <a:r>
+              <a:rPr lang="en-US" altLang="zh-CN" dirty="0"/>
+              <a:t>Kubernetes</a:t>
+            </a:r>
+            <a:r>
+              <a:rPr lang="zh-CN" altLang="en-US" dirty="0"/>
+              <a:t>命名空间（默认为</a:t>
+            </a:r>
+            <a:r>
+              <a:rPr lang="en-US" altLang="zh-CN" dirty="0" err="1"/>
+              <a:t>linkerd</a:t>
+            </a:r>
+            <a:r>
+              <a:rPr lang="zh-CN" altLang="en-US" dirty="0"/>
+              <a:t>）中运行的一组服务。 这些服务可以完成各种事情</a:t>
+            </a:r>
+            <a:r>
+              <a:rPr lang="en-US" altLang="zh-CN" dirty="0"/>
+              <a:t>-</a:t>
+            </a:r>
+            <a:r>
+              <a:rPr lang="zh-CN" altLang="en-US" dirty="0"/>
+              <a:t>聚集遥测数据，提供面向用户的</a:t>
+            </a:r>
+            <a:r>
+              <a:rPr lang="en-US" altLang="zh-CN" dirty="0"/>
+              <a:t>API</a:t>
+            </a:r>
+            <a:r>
+              <a:rPr lang="zh-CN" altLang="en-US" dirty="0"/>
+              <a:t>，向数据平面代理提供控制数据等。它们共同驱动数据平面的行为。 要将控制平面安装在您自己的群集上，请按照说明进行操作。</a:t>
+            </a:r>
+          </a:p>
+          <a:p>
+            <a:pPr marL="0" indent="0">
+              <a:buNone/>
+            </a:pPr>
+            <a:r>
+              <a:rPr lang="zh-CN" altLang="en-US" dirty="0"/>
+              <a:t>控制平面由以下组成：</a:t>
+            </a:r>
+            <a:endParaRPr lang="en-US" altLang="zh-CN" dirty="0"/>
+          </a:p>
+          <a:p>
+            <a:r>
+              <a:rPr lang="en-US" altLang="zh-CN" dirty="0"/>
+              <a:t>Controller</a:t>
+            </a:r>
+          </a:p>
+          <a:p>
+            <a:pPr marL="0" indent="0">
+              <a:buNone/>
+            </a:pPr>
+            <a:r>
+              <a:rPr lang="zh-CN" altLang="en-US" dirty="0"/>
+              <a:t>控制器部署由</a:t>
+            </a:r>
+            <a:r>
+              <a:rPr lang="en-US" altLang="zh-CN" dirty="0"/>
+              <a:t>public-</a:t>
+            </a:r>
+            <a:r>
+              <a:rPr lang="en-US" altLang="zh-CN" dirty="0" err="1"/>
+              <a:t>api</a:t>
+            </a:r>
+            <a:r>
+              <a:rPr lang="zh-CN" altLang="en-US" dirty="0"/>
+              <a:t>容器组成，该容器为</a:t>
+            </a:r>
+            <a:r>
+              <a:rPr lang="en-US" altLang="zh-CN" dirty="0"/>
+              <a:t>CLI</a:t>
+            </a:r>
+            <a:r>
+              <a:rPr lang="zh-CN" altLang="en-US" dirty="0"/>
+              <a:t>和仪表板提供了接口的</a:t>
+            </a:r>
+            <a:r>
+              <a:rPr lang="en-US" altLang="zh-CN" dirty="0"/>
+              <a:t>API</a:t>
+            </a:r>
+            <a:r>
+              <a:rPr lang="zh-CN" altLang="en-US" dirty="0"/>
+              <a:t>。</a:t>
+            </a:r>
+            <a:endParaRPr lang="en-US" altLang="zh-CN" dirty="0"/>
+          </a:p>
+          <a:p>
+            <a:r>
+              <a:rPr lang="en-US" altLang="zh-CN" dirty="0"/>
+              <a:t>Destination</a:t>
+            </a:r>
+          </a:p>
+          <a:p>
+            <a:pPr marL="0" indent="0">
+              <a:buNone/>
+            </a:pPr>
+            <a:r>
+              <a:rPr lang="zh-CN" altLang="en-US" dirty="0"/>
+              <a:t>数据平面中的每个代理都使用此组件来查找将请求发送到哪里。 该组件还用于获取用于每个路由指标，重试和超时的服务配置文件信息</a:t>
+            </a:r>
+            <a:endParaRPr lang="en-US" altLang="zh-CN" dirty="0"/>
+          </a:p>
+          <a:p>
+            <a:r>
+              <a:rPr lang="en-US" altLang="zh-CN" dirty="0"/>
+              <a:t>Identity</a:t>
+            </a:r>
+          </a:p>
+          <a:p>
+            <a:pPr marL="0" indent="0">
+              <a:buNone/>
+            </a:pPr>
+            <a:r>
+              <a:rPr lang="zh-CN" altLang="en-US" dirty="0"/>
+              <a:t>此组件提供了一个证书颁发机构，该证书颁发机构接受来自代理的</a:t>
+            </a:r>
+            <a:r>
+              <a:rPr lang="en-US" altLang="zh-CN" dirty="0"/>
+              <a:t>CSR</a:t>
+            </a:r>
+            <a:r>
+              <a:rPr lang="zh-CN" altLang="en-US" dirty="0"/>
+              <a:t>并返回以正确身份签名的证书。 这些证书由代理在启动时获取，并且必须在代理准备就绪之前发出。 它们随后用于</a:t>
+            </a:r>
+            <a:r>
+              <a:rPr lang="en-US" altLang="zh-CN" dirty="0" err="1"/>
+              <a:t>Linkerd</a:t>
+            </a:r>
+            <a:r>
+              <a:rPr lang="zh-CN" altLang="en-US" dirty="0"/>
+              <a:t>代理之间的任何连接以实现</a:t>
+            </a:r>
+            <a:r>
+              <a:rPr lang="en-US" altLang="zh-CN" dirty="0" err="1"/>
+              <a:t>mTLS</a:t>
+            </a:r>
+            <a:r>
+              <a:rPr lang="zh-CN" altLang="en-US" dirty="0"/>
+              <a:t>。</a:t>
+            </a:r>
+            <a:endParaRPr lang="en-US" altLang="zh-CN" dirty="0"/>
+          </a:p>
+          <a:p>
+            <a:pPr marL="0" indent="0">
+              <a:buNone/>
+            </a:pPr>
+            <a:endParaRPr lang="zh-CN" altLang="en-US" dirty="0"/>
+          </a:p>
+        </p:txBody>
+      </p:sp>
+      <p:sp>
+        <p:nvSpPr>
+          <p:cNvPr id="4" name="日期占位符 3">
+            <a:extLst>
+              <a:ext uri="{FF2B5EF4-FFF2-40B4-BE49-F238E27FC236}">
+                <a16:creationId xmlns:a16="http://schemas.microsoft.com/office/drawing/2014/main" id="{9856D0EE-0100-477B-A95A-24A77123C7D9}"/>
+              </a:ext>
+            </a:extLst>
+          </p:cNvPr>
+          <p:cNvSpPr>
+            <a:spLocks noGrp="1"/>
+          </p:cNvSpPr>
+          <p:nvPr>
+            <p:ph type="dt" sz="half" idx="10"/>
+          </p:nvPr>
+        </p:nvSpPr>
+        <p:spPr/>
+        <p:txBody>
+          <a:bodyPr/>
+          <a:lstStyle/>
+          <a:p>
+            <a:pPr rtl="0"/>
+            <a:fld id="{F24FFC25-0C05-49C8-B150-3CF6B89B5C55}" type="datetime1">
+              <a:rPr lang="zh-CN" altLang="en-US" smtClean="0"/>
+              <a:t>2020/4/15</a:t>
+            </a:fld>
+            <a:endParaRPr lang="en-US" dirty="0"/>
+          </a:p>
+        </p:txBody>
+      </p:sp>
+      <p:pic>
+        <p:nvPicPr>
+          <p:cNvPr id="6" name="图片 5">
+            <a:extLst>
+              <a:ext uri="{FF2B5EF4-FFF2-40B4-BE49-F238E27FC236}">
+                <a16:creationId xmlns:a16="http://schemas.microsoft.com/office/drawing/2014/main" id="{3B3BD289-7752-4915-AAFB-4BB0F4198D1B}"/>
+              </a:ext>
+            </a:extLst>
+          </p:cNvPr>
+          <p:cNvPicPr>
+            <a:picLocks noChangeAspect="1"/>
+          </p:cNvPicPr>
+          <p:nvPr/>
+        </p:nvPicPr>
+        <p:blipFill>
+          <a:blip r:embed="rId2"/>
+          <a:stretch>
+            <a:fillRect/>
+          </a:stretch>
+        </p:blipFill>
+        <p:spPr>
+          <a:xfrm>
+            <a:off x="6165973" y="240392"/>
+            <a:ext cx="4876190" cy="1876190"/>
+          </a:xfrm>
+          <a:prstGeom prst="rect">
+            <a:avLst/>
+          </a:prstGeom>
+        </p:spPr>
+      </p:pic>
+    </p:spTree>
+    <p:extLst>
+      <p:ext uri="{BB962C8B-B14F-4D97-AF65-F5344CB8AC3E}">
+        <p14:creationId xmlns:p14="http://schemas.microsoft.com/office/powerpoint/2010/main" val="1957206614"/>
+      </p:ext>
+    </p:extLst>
+  </p:cSld>
+  <p:clrMapOvr>
+    <a:masterClrMapping/>
+  </p:clrMapOvr>
+</p:sld>
+</file>
+
+<file path=ppt/slides/slide19.xml><?xml version="1.0" encoding="utf-8"?>
+<p:sld xmlns:a="http://schemas.openxmlformats.org/drawingml/2006/main" xmlns:r="http://schemas.openxmlformats.org/officeDocument/2006/relationships" xmlns:p="http://schemas.openxmlformats.org/presentationml/2006/main">
+  <p:cSld>
+    <p:spTree>
+      <p:nvGrpSpPr>
+        <p:cNvPr id="1" name=""/>
+        <p:cNvGrpSpPr/>
+        <p:nvPr/>
+      </p:nvGrpSpPr>
+      <p:grpSpPr>
+        <a:xfrm>
+          <a:off x="0" y="0"/>
+          <a:ext cx="0" cy="0"/>
+          <a:chOff x="0" y="0"/>
+          <a:chExt cx="0" cy="0"/>
+        </a:xfrm>
+      </p:grpSpPr>
+      <p:pic>
+        <p:nvPicPr>
+          <p:cNvPr id="6" name="图片 5">
+            <a:extLst>
+              <a:ext uri="{FF2B5EF4-FFF2-40B4-BE49-F238E27FC236}">
+                <a16:creationId xmlns:a16="http://schemas.microsoft.com/office/drawing/2014/main" id="{9BBC6D6A-2341-4310-942B-A94D352E498E}"/>
+              </a:ext>
+            </a:extLst>
+          </p:cNvPr>
+          <p:cNvPicPr>
+            <a:picLocks noChangeAspect="1"/>
+          </p:cNvPicPr>
+          <p:nvPr/>
+        </p:nvPicPr>
+        <p:blipFill>
+          <a:blip r:embed="rId2"/>
+          <a:stretch>
+            <a:fillRect/>
+          </a:stretch>
+        </p:blipFill>
+        <p:spPr>
+          <a:xfrm>
+            <a:off x="8666841" y="2173665"/>
+            <a:ext cx="5695238" cy="3266667"/>
+          </a:xfrm>
+          <a:prstGeom prst="rect">
+            <a:avLst/>
+          </a:prstGeom>
+        </p:spPr>
+      </p:pic>
+      <p:sp>
+        <p:nvSpPr>
+          <p:cNvPr id="2" name="标题 1">
+            <a:extLst>
+              <a:ext uri="{FF2B5EF4-FFF2-40B4-BE49-F238E27FC236}">
+                <a16:creationId xmlns:a16="http://schemas.microsoft.com/office/drawing/2014/main" id="{C539F61F-1D15-420B-8E74-B8192EA57C5F}"/>
+              </a:ext>
+            </a:extLst>
+          </p:cNvPr>
+          <p:cNvSpPr>
+            <a:spLocks noGrp="1"/>
+          </p:cNvSpPr>
+          <p:nvPr>
+            <p:ph type="title"/>
+          </p:nvPr>
+        </p:nvSpPr>
+        <p:spPr>
+          <a:xfrm>
+            <a:off x="581192" y="702156"/>
+            <a:ext cx="11029616" cy="673798"/>
+          </a:xfrm>
+        </p:spPr>
+        <p:txBody>
+          <a:bodyPr/>
+          <a:lstStyle/>
+          <a:p>
+            <a:r>
+              <a:rPr lang="en-US" altLang="zh-CN" dirty="0" err="1"/>
+              <a:t>Linkerd</a:t>
+            </a:r>
+            <a:r>
+              <a:rPr lang="zh-CN" altLang="en-US" dirty="0"/>
+              <a:t>组件 </a:t>
+            </a:r>
+            <a:r>
+              <a:rPr lang="en-US" altLang="zh-CN" dirty="0"/>
+              <a:t>– </a:t>
+            </a:r>
+            <a:r>
+              <a:rPr lang="zh-CN" altLang="en-US" dirty="0"/>
+              <a:t>控制平面</a:t>
+            </a:r>
+            <a:r>
+              <a:rPr lang="en-US" altLang="zh-CN" dirty="0"/>
+              <a:t>2</a:t>
+            </a:r>
+            <a:endParaRPr lang="zh-CN" altLang="en-US" dirty="0"/>
+          </a:p>
+        </p:txBody>
+      </p:sp>
+      <p:sp>
+        <p:nvSpPr>
+          <p:cNvPr id="3" name="内容占位符 2">
+            <a:extLst>
+              <a:ext uri="{FF2B5EF4-FFF2-40B4-BE49-F238E27FC236}">
+                <a16:creationId xmlns:a16="http://schemas.microsoft.com/office/drawing/2014/main" id="{8BA3AC5C-0D27-4624-AC54-2FAA891C38F1}"/>
+              </a:ext>
+            </a:extLst>
+          </p:cNvPr>
+          <p:cNvSpPr>
+            <a:spLocks noGrp="1"/>
+          </p:cNvSpPr>
+          <p:nvPr>
+            <p:ph idx="1"/>
+          </p:nvPr>
+        </p:nvSpPr>
+        <p:spPr>
+          <a:xfrm>
+            <a:off x="581192" y="1593669"/>
+            <a:ext cx="11029615" cy="5195370"/>
+          </a:xfrm>
+        </p:spPr>
+        <p:txBody>
+          <a:bodyPr>
+            <a:normAutofit fontScale="85000" lnSpcReduction="10000"/>
+          </a:bodyPr>
+          <a:lstStyle/>
+          <a:p>
+            <a:r>
+              <a:rPr lang="en-US" altLang="zh-CN" dirty="0"/>
+              <a:t>Proxy Injector</a:t>
+            </a:r>
+          </a:p>
+          <a:p>
+            <a:pPr marL="0" indent="0">
+              <a:buNone/>
+            </a:pPr>
+            <a:r>
+              <a:rPr lang="zh-CN" altLang="en-US" dirty="0"/>
+              <a:t>注入程序是一个准入控制器，每次创建一个容器时，它都会接收一个</a:t>
+            </a:r>
+            <a:r>
+              <a:rPr lang="en-US" altLang="zh-CN" dirty="0"/>
+              <a:t>Webhook</a:t>
+            </a:r>
+            <a:r>
+              <a:rPr lang="zh-CN" altLang="en-US" dirty="0"/>
+              <a:t>请求。 该注入器检查资源以获取特定于</a:t>
+            </a:r>
+            <a:r>
+              <a:rPr lang="en-US" altLang="zh-CN" dirty="0" err="1"/>
+              <a:t>Linkerd</a:t>
+            </a:r>
+            <a:r>
+              <a:rPr lang="zh-CN" altLang="en-US" dirty="0"/>
+              <a:t>的注释（</a:t>
+            </a:r>
+            <a:r>
+              <a:rPr lang="en-US" altLang="zh-CN" dirty="0"/>
+              <a:t>linkerd.io/inject</a:t>
+            </a:r>
+            <a:r>
+              <a:rPr lang="zh-CN" altLang="en-US" dirty="0"/>
+              <a:t>：</a:t>
+            </a:r>
+            <a:r>
+              <a:rPr lang="en-US" altLang="zh-CN" dirty="0"/>
+              <a:t>enabled</a:t>
+            </a:r>
+            <a:r>
+              <a:rPr lang="zh-CN" altLang="en-US" dirty="0"/>
+              <a:t>）。 当存在该注释时，注入器将更改容器的规范，并添加一个</a:t>
+            </a:r>
+            <a:r>
+              <a:rPr lang="en-US" altLang="zh-CN" dirty="0" err="1"/>
+              <a:t>initContainer</a:t>
+            </a:r>
+            <a:r>
+              <a:rPr lang="zh-CN" altLang="en-US" dirty="0"/>
+              <a:t>以及包含代理本身的</a:t>
+            </a:r>
+            <a:r>
+              <a:rPr lang="en-US" altLang="zh-CN" dirty="0"/>
+              <a:t>sidecar</a:t>
+            </a:r>
+            <a:r>
+              <a:rPr lang="zh-CN" altLang="en-US" dirty="0"/>
+              <a:t>。</a:t>
+            </a:r>
+            <a:endParaRPr lang="en-US" altLang="zh-CN" dirty="0"/>
+          </a:p>
+          <a:p>
+            <a:r>
+              <a:rPr lang="en-US" altLang="zh-CN" dirty="0"/>
+              <a:t>Service Profile Validator</a:t>
+            </a:r>
+          </a:p>
+          <a:p>
+            <a:pPr marL="0" indent="0">
+              <a:buNone/>
+            </a:pPr>
+            <a:r>
+              <a:rPr lang="zh-CN" altLang="en-US" dirty="0"/>
+              <a:t>验证器也是一个许可控制器，它在保存新的服务配置文件之前验证它们。</a:t>
+            </a:r>
+            <a:endParaRPr lang="en-US" altLang="zh-CN" dirty="0"/>
+          </a:p>
+          <a:p>
+            <a:r>
+              <a:rPr lang="en-US" altLang="zh-CN" dirty="0"/>
+              <a:t>Tap</a:t>
+            </a:r>
+          </a:p>
+          <a:p>
+            <a:pPr marL="0" indent="0">
+              <a:buNone/>
+            </a:pPr>
+            <a:r>
+              <a:rPr lang="zh-CN" altLang="en-US" dirty="0"/>
+              <a:t>改组件从</a:t>
+            </a:r>
+            <a:r>
+              <a:rPr lang="en-US" altLang="zh-CN" dirty="0"/>
+              <a:t>CLI</a:t>
+            </a:r>
+            <a:r>
+              <a:rPr lang="zh-CN" altLang="en-US" dirty="0"/>
+              <a:t>和仪表板接收请求，以实时监视请求和响应。 它建立流以监视与请求的应用程序关联的特定代理中的这些请求和响应。</a:t>
+            </a:r>
+            <a:endParaRPr lang="en-US" altLang="zh-CN" dirty="0"/>
+          </a:p>
+          <a:p>
+            <a:r>
+              <a:rPr lang="en-US" altLang="zh-CN" dirty="0"/>
+              <a:t>Web</a:t>
+            </a:r>
+          </a:p>
+          <a:p>
+            <a:pPr marL="0" indent="0">
+              <a:buNone/>
+            </a:pPr>
+            <a:r>
+              <a:rPr lang="zh-CN" altLang="en-US" dirty="0"/>
+              <a:t>为</a:t>
+            </a:r>
+            <a:r>
+              <a:rPr lang="en-US" altLang="zh-CN" dirty="0" err="1"/>
+              <a:t>Linkerd</a:t>
+            </a:r>
+            <a:r>
+              <a:rPr lang="zh-CN" altLang="en-US" dirty="0"/>
+              <a:t>仪表盘提供数据</a:t>
+            </a:r>
+            <a:endParaRPr lang="en-US" altLang="zh-CN" dirty="0"/>
+          </a:p>
+          <a:p>
+            <a:r>
+              <a:rPr lang="en-US" altLang="zh-CN" dirty="0"/>
+              <a:t>Heartbeat</a:t>
+            </a:r>
+          </a:p>
+          <a:p>
+            <a:pPr marL="0" indent="0">
+              <a:buNone/>
+            </a:pPr>
+            <a:r>
+              <a:rPr lang="zh-CN" altLang="en-US" dirty="0"/>
+              <a:t>该</a:t>
+            </a:r>
+            <a:r>
+              <a:rPr lang="en-US" altLang="zh-CN" dirty="0" err="1"/>
+              <a:t>CronJob</a:t>
+            </a:r>
+            <a:r>
+              <a:rPr lang="zh-CN" altLang="en-US" dirty="0"/>
+              <a:t>每天运行一次，并记录一些有助于</a:t>
+            </a:r>
+            <a:r>
+              <a:rPr lang="en-US" altLang="zh-CN" dirty="0" err="1"/>
+              <a:t>Linkerd</a:t>
+            </a:r>
+            <a:r>
+              <a:rPr lang="zh-CN" altLang="en-US" dirty="0"/>
+              <a:t>开发的分析数据。 它是可选的，可以禁用。</a:t>
+            </a:r>
+            <a:endParaRPr lang="en-US" altLang="zh-CN" dirty="0"/>
+          </a:p>
+          <a:p>
+            <a:r>
+              <a:rPr lang="en-US" altLang="zh-CN" dirty="0"/>
+              <a:t>Grafana</a:t>
+            </a:r>
+          </a:p>
+          <a:p>
+            <a:pPr marL="0" indent="0">
+              <a:buNone/>
+            </a:pPr>
+            <a:r>
+              <a:rPr lang="en-US" altLang="zh-CN" dirty="0" err="1"/>
+              <a:t>Linkerd</a:t>
+            </a:r>
+            <a:r>
+              <a:rPr lang="zh-CN" altLang="en-US" dirty="0"/>
+              <a:t>带有许多现成的仪表板。 </a:t>
+            </a:r>
+            <a:r>
+              <a:rPr lang="en-US" altLang="zh-CN" dirty="0"/>
+              <a:t>Grafana</a:t>
+            </a:r>
+            <a:r>
+              <a:rPr lang="zh-CN" altLang="en-US" dirty="0"/>
+              <a:t>组件用于呈现和显示这些仪表板。 您可以通过</a:t>
+            </a:r>
+            <a:r>
+              <a:rPr lang="en-US" altLang="zh-CN" dirty="0" err="1"/>
+              <a:t>Linkerd</a:t>
+            </a:r>
+            <a:r>
+              <a:rPr lang="zh-CN" altLang="en-US" dirty="0"/>
+              <a:t>仪表板本身中的链接访问这些仪表板。 可以查看高级指标，并深入了解您的工作负载以及</a:t>
+            </a:r>
+            <a:r>
+              <a:rPr lang="en-US" altLang="zh-CN" dirty="0" err="1"/>
+              <a:t>Linkerd</a:t>
+            </a:r>
+            <a:r>
+              <a:rPr lang="zh-CN" altLang="en-US" dirty="0"/>
+              <a:t>本身的详细信息。</a:t>
+            </a:r>
+            <a:endParaRPr lang="en-US" altLang="zh-CN" dirty="0"/>
+          </a:p>
+          <a:p>
+            <a:r>
+              <a:rPr lang="en-US" altLang="zh-CN" dirty="0"/>
+              <a:t>Prometheus</a:t>
+            </a:r>
+          </a:p>
+          <a:p>
+            <a:pPr marL="0" indent="0">
+              <a:buNone/>
+            </a:pPr>
+            <a:r>
+              <a:rPr lang="zh-CN" altLang="en-US" dirty="0"/>
+              <a:t>代理为</a:t>
+            </a:r>
+            <a:r>
+              <a:rPr lang="en-US" altLang="zh-CN" dirty="0"/>
+              <a:t>Prometheus</a:t>
+            </a:r>
+            <a:r>
+              <a:rPr lang="zh-CN" altLang="en-US" dirty="0"/>
+              <a:t>公开了一个：</a:t>
+            </a:r>
+            <a:r>
+              <a:rPr lang="en-US" altLang="zh-CN" dirty="0"/>
+              <a:t>4191/metrics</a:t>
+            </a:r>
+            <a:r>
+              <a:rPr lang="zh-CN" altLang="en-US" dirty="0"/>
+              <a:t>终结点。每</a:t>
+            </a:r>
+            <a:r>
+              <a:rPr lang="en-US" altLang="zh-CN" dirty="0"/>
+              <a:t>10</a:t>
+            </a:r>
+            <a:r>
+              <a:rPr lang="zh-CN" altLang="en-US" dirty="0"/>
+              <a:t>秒钟将其刮一次。 这些指标可用于所有其他</a:t>
+            </a:r>
+            <a:r>
+              <a:rPr lang="en-US" altLang="zh-CN" dirty="0" err="1"/>
+              <a:t>Linkerd</a:t>
+            </a:r>
+            <a:r>
+              <a:rPr lang="zh-CN" altLang="en-US" dirty="0"/>
+              <a:t>组件，例如</a:t>
+            </a:r>
+            <a:r>
+              <a:rPr lang="en-US" altLang="zh-CN" dirty="0"/>
+              <a:t>CLI</a:t>
+            </a:r>
+            <a:r>
+              <a:rPr lang="zh-CN" altLang="en-US" dirty="0"/>
+              <a:t>和仪表板。</a:t>
+            </a:r>
+            <a:endParaRPr lang="en-US" altLang="zh-CN" dirty="0"/>
+          </a:p>
+          <a:p>
+            <a:endParaRPr lang="zh-CN" altLang="en-US" dirty="0"/>
+          </a:p>
+        </p:txBody>
+      </p:sp>
+      <p:sp>
+        <p:nvSpPr>
+          <p:cNvPr id="4" name="日期占位符 3">
+            <a:extLst>
+              <a:ext uri="{FF2B5EF4-FFF2-40B4-BE49-F238E27FC236}">
+                <a16:creationId xmlns:a16="http://schemas.microsoft.com/office/drawing/2014/main" id="{CB59ADF2-0A57-45B0-BF9A-2E7B90EAEAD1}"/>
+              </a:ext>
+            </a:extLst>
+          </p:cNvPr>
+          <p:cNvSpPr>
+            <a:spLocks noGrp="1"/>
+          </p:cNvSpPr>
+          <p:nvPr>
+            <p:ph type="dt" sz="half" idx="10"/>
+          </p:nvPr>
+        </p:nvSpPr>
+        <p:spPr/>
+        <p:txBody>
+          <a:bodyPr/>
+          <a:lstStyle/>
+          <a:p>
+            <a:pPr rtl="0"/>
+            <a:fld id="{F24FFC25-0C05-49C8-B150-3CF6B89B5C55}" type="datetime1">
+              <a:rPr lang="zh-CN" altLang="en-US" smtClean="0"/>
+              <a:t>2020/4/15</a:t>
+            </a:fld>
+            <a:endParaRPr lang="en-US" dirty="0"/>
+          </a:p>
+        </p:txBody>
+      </p:sp>
+      <p:pic>
+        <p:nvPicPr>
+          <p:cNvPr id="5" name="图片 4">
+            <a:extLst>
+              <a:ext uri="{FF2B5EF4-FFF2-40B4-BE49-F238E27FC236}">
+                <a16:creationId xmlns:a16="http://schemas.microsoft.com/office/drawing/2014/main" id="{14CC2348-5D81-4DF1-8FE8-497C4406BF21}"/>
+              </a:ext>
+            </a:extLst>
+          </p:cNvPr>
+          <p:cNvPicPr>
+            <a:picLocks noChangeAspect="1"/>
+          </p:cNvPicPr>
+          <p:nvPr/>
+        </p:nvPicPr>
+        <p:blipFill>
+          <a:blip r:embed="rId3"/>
+          <a:stretch>
+            <a:fillRect/>
+          </a:stretch>
+        </p:blipFill>
+        <p:spPr>
+          <a:xfrm>
+            <a:off x="6452159" y="557784"/>
+            <a:ext cx="5152381" cy="447619"/>
+          </a:xfrm>
+          <a:prstGeom prst="rect">
+            <a:avLst/>
+          </a:prstGeom>
+        </p:spPr>
+      </p:pic>
+    </p:spTree>
+    <p:extLst>
+      <p:ext uri="{BB962C8B-B14F-4D97-AF65-F5344CB8AC3E}">
+        <p14:creationId xmlns:p14="http://schemas.microsoft.com/office/powerpoint/2010/main" val="1066379907"/>
+      </p:ext>
+    </p:extLst>
+  </p:cSld>
+  <p:clrMapOvr>
+    <a:masterClrMapping/>
+  </p:clrMapOvr>
+</p:sld>
+</file>
+
+<file path=ppt/slides/slide2.xml><?xml version="1.0" encoding="utf-8"?>
+<p:sld xmlns:a="http://schemas.openxmlformats.org/drawingml/2006/main" xmlns:r="http://schemas.openxmlformats.org/officeDocument/2006/relationships" xmlns:p="http://schemas.openxmlformats.org/presentationml/2006/main">
+  <p:cSld>
+    <p:spTree>
+      <p:nvGrpSpPr>
+        <p:cNvPr id="1" name=""/>
+        <p:cNvGrpSpPr/>
+        <p:nvPr/>
+      </p:nvGrpSpPr>
+      <p:grpSpPr>
+        <a:xfrm>
+          <a:off x="0" y="0"/>
+          <a:ext cx="0" cy="0"/>
+          <a:chOff x="0" y="0"/>
+          <a:chExt cx="0" cy="0"/>
+        </a:xfrm>
+      </p:grpSpPr>
+      <p:sp>
+        <p:nvSpPr>
+          <p:cNvPr id="2" name="标题 1">
+            <a:extLst>
+              <a:ext uri="{FF2B5EF4-FFF2-40B4-BE49-F238E27FC236}">
+                <a16:creationId xmlns:a16="http://schemas.microsoft.com/office/drawing/2014/main" id="{5E562972-3449-42D1-8185-B4BEFD52AB44}"/>
+              </a:ext>
+            </a:extLst>
+          </p:cNvPr>
+          <p:cNvSpPr>
+            <a:spLocks noGrp="1"/>
+          </p:cNvSpPr>
+          <p:nvPr>
+            <p:ph type="title"/>
+          </p:nvPr>
+        </p:nvSpPr>
+        <p:spPr/>
+        <p:txBody>
+          <a:bodyPr rtlCol="0"/>
+          <a:lstStyle/>
+          <a:p>
+            <a:pPr rtl="0"/>
+            <a:r>
+              <a:rPr lang="en-US" altLang="zh-CN" dirty="0"/>
+              <a:t>TIME LINE</a:t>
+            </a:r>
+            <a:endParaRPr lang="zh-cn" dirty="0"/>
+          </a:p>
+        </p:txBody>
+      </p:sp>
+      <p:graphicFrame>
+        <p:nvGraphicFramePr>
+          <p:cNvPr id="4" name="内容占位符 2">
+            <a:extLst>
+              <a:ext uri="{FF2B5EF4-FFF2-40B4-BE49-F238E27FC236}">
+                <a16:creationId xmlns:a16="http://schemas.microsoft.com/office/drawing/2014/main" id="{FF3F0D82-0AA6-45C3-8367-955CBFA02ED6}"/>
+              </a:ext>
+            </a:extLst>
+          </p:cNvPr>
+          <p:cNvGraphicFramePr>
+            <a:graphicFrameLocks noGrp="1"/>
+          </p:cNvGraphicFramePr>
+          <p:nvPr>
+            <p:ph idx="1"/>
+            <p:extLst>
+              <p:ext uri="{D42A27DB-BD31-4B8C-83A1-F6EECF244321}">
+                <p14:modId xmlns:p14="http://schemas.microsoft.com/office/powerpoint/2010/main" val="2924226617"/>
+              </p:ext>
+            </p:extLst>
+          </p:nvPr>
+        </p:nvGraphicFramePr>
+        <p:xfrm>
+          <a:off x="581025" y="2341563"/>
+          <a:ext cx="11029950" cy="3633787"/>
+        </p:xfrm>
+        <a:graphic>
+          <a:graphicData uri="http://schemas.openxmlformats.org/drawingml/2006/diagram">
+            <dgm:relIds xmlns:dgm="http://schemas.openxmlformats.org/drawingml/2006/diagram" xmlns:r="http://schemas.openxmlformats.org/officeDocument/2006/relationships" r:dm="rId2" r:lo="rId3" r:qs="rId4" r:cs="rId5"/>
+          </a:graphicData>
+        </a:graphic>
+      </p:graphicFrame>
+    </p:spTree>
+    <p:extLst>
+      <p:ext uri="{BB962C8B-B14F-4D97-AF65-F5344CB8AC3E}">
+        <p14:creationId xmlns:p14="http://schemas.microsoft.com/office/powerpoint/2010/main" val="263784652"/>
+      </p:ext>
+    </p:extLst>
+  </p:cSld>
+  <p:clrMapOvr>
+    <a:masterClrMapping/>
+  </p:clrMapOvr>
+</p:sld>
+</file>
+
+<file path=ppt/slides/slide20.xml><?xml version="1.0" encoding="utf-8"?>
+<p:sld xmlns:a="http://schemas.openxmlformats.org/drawingml/2006/main" xmlns:r="http://schemas.openxmlformats.org/officeDocument/2006/relationships" xmlns:p="http://schemas.openxmlformats.org/presentationml/2006/main">
+  <p:cSld>
+    <p:spTree>
+      <p:nvGrpSpPr>
+        <p:cNvPr id="1" name=""/>
+        <p:cNvGrpSpPr/>
+        <p:nvPr/>
+      </p:nvGrpSpPr>
+      <p:grpSpPr>
+        <a:xfrm>
+          <a:off x="0" y="0"/>
+          <a:ext cx="0" cy="0"/>
+          <a:chOff x="0" y="0"/>
+          <a:chExt cx="0" cy="0"/>
+        </a:xfrm>
+      </p:grpSpPr>
+      <p:sp>
+        <p:nvSpPr>
+          <p:cNvPr id="2" name="标题 1">
+            <a:extLst>
+              <a:ext uri="{FF2B5EF4-FFF2-40B4-BE49-F238E27FC236}">
+                <a16:creationId xmlns:a16="http://schemas.microsoft.com/office/drawing/2014/main" id="{B3C92CF9-6562-415B-8700-CFF1FF3301DE}"/>
+              </a:ext>
+            </a:extLst>
+          </p:cNvPr>
+          <p:cNvSpPr>
+            <a:spLocks noGrp="1"/>
+          </p:cNvSpPr>
+          <p:nvPr>
+            <p:ph type="title"/>
+          </p:nvPr>
+        </p:nvSpPr>
+        <p:spPr>
+          <a:xfrm>
+            <a:off x="581192" y="702156"/>
+            <a:ext cx="11029616" cy="525753"/>
+          </a:xfrm>
+        </p:spPr>
+        <p:txBody>
+          <a:bodyPr/>
+          <a:lstStyle/>
+          <a:p>
+            <a:r>
+              <a:rPr lang="en-US" altLang="zh-CN" dirty="0" err="1"/>
+              <a:t>Linkerd</a:t>
+            </a:r>
+            <a:r>
+              <a:rPr lang="zh-CN" altLang="en-US" dirty="0"/>
+              <a:t>组件 </a:t>
+            </a:r>
+            <a:r>
+              <a:rPr lang="en-US" altLang="zh-CN" dirty="0"/>
+              <a:t>– </a:t>
+            </a:r>
+            <a:r>
+              <a:rPr lang="zh-CN" altLang="en-US" dirty="0"/>
+              <a:t>数据平面</a:t>
+            </a:r>
+            <a:r>
+              <a:rPr lang="en-US" altLang="zh-CN" dirty="0"/>
+              <a:t>1</a:t>
+            </a:r>
+            <a:endParaRPr lang="zh-CN" altLang="en-US" dirty="0"/>
+          </a:p>
+        </p:txBody>
+      </p:sp>
+      <p:sp>
+        <p:nvSpPr>
+          <p:cNvPr id="3" name="内容占位符 2">
+            <a:extLst>
+              <a:ext uri="{FF2B5EF4-FFF2-40B4-BE49-F238E27FC236}">
+                <a16:creationId xmlns:a16="http://schemas.microsoft.com/office/drawing/2014/main" id="{E262A610-BDE1-462C-A742-D1CB9D6F17EC}"/>
+              </a:ext>
+            </a:extLst>
+          </p:cNvPr>
+          <p:cNvSpPr>
+            <a:spLocks noGrp="1"/>
+          </p:cNvSpPr>
+          <p:nvPr>
+            <p:ph idx="1"/>
+          </p:nvPr>
+        </p:nvSpPr>
+        <p:spPr>
+          <a:xfrm>
+            <a:off x="581192" y="1515291"/>
+            <a:ext cx="11029615" cy="4908623"/>
+          </a:xfrm>
+        </p:spPr>
+        <p:txBody>
+          <a:bodyPr>
+            <a:normAutofit fontScale="85000" lnSpcReduction="20000"/>
+          </a:bodyPr>
+          <a:lstStyle/>
+          <a:p>
+            <a:pPr marL="0" indent="0">
+              <a:buNone/>
+            </a:pPr>
+            <a:r>
+              <a:rPr lang="en-US" altLang="zh-CN" dirty="0" err="1"/>
+              <a:t>Linkerd</a:t>
+            </a:r>
+            <a:r>
+              <a:rPr lang="zh-CN" altLang="en-US" dirty="0"/>
+              <a:t>数据平面由轻量级代理组成，这些代理作为边车容器与服务代码的每个实例一起部署。 为了将服务“添加”到</a:t>
+            </a:r>
+            <a:r>
+              <a:rPr lang="en-US" altLang="zh-CN" dirty="0" err="1"/>
+              <a:t>Linkerd</a:t>
+            </a:r>
+            <a:r>
+              <a:rPr lang="zh-CN" altLang="en-US" dirty="0"/>
+              <a:t>服务网格，必须重新部署该服务的</a:t>
+            </a:r>
+            <a:r>
+              <a:rPr lang="en-US" altLang="zh-CN" dirty="0"/>
+              <a:t>Pod</a:t>
+            </a:r>
+            <a:r>
+              <a:rPr lang="zh-CN" altLang="en-US" dirty="0"/>
+              <a:t>，以在每个</a:t>
+            </a:r>
+            <a:r>
+              <a:rPr lang="en-US" altLang="zh-CN" dirty="0"/>
+              <a:t>Pod</a:t>
+            </a:r>
+            <a:r>
+              <a:rPr lang="zh-CN" altLang="en-US" dirty="0"/>
+              <a:t>中包含数据平面代理。 代理注入器通过监视特定的注释来实现此目的，也可以使用单个</a:t>
+            </a:r>
+            <a:r>
+              <a:rPr lang="en-US" altLang="zh-CN" dirty="0"/>
+              <a:t>CLI</a:t>
+            </a:r>
+            <a:r>
+              <a:rPr lang="zh-CN" altLang="en-US" dirty="0"/>
+              <a:t>命令将服务添加到数据平面。</a:t>
+            </a:r>
+            <a:endParaRPr lang="en-US" altLang="zh-CN" dirty="0"/>
+          </a:p>
+          <a:p>
+            <a:pPr marL="0" indent="0">
+              <a:buNone/>
+            </a:pPr>
+            <a:r>
+              <a:rPr lang="zh-CN" altLang="en-US" dirty="0"/>
+              <a:t>这些代理通过利用由</a:t>
+            </a:r>
+            <a:r>
+              <a:rPr lang="en-US" altLang="zh-CN" dirty="0" err="1"/>
+              <a:t>linkerd-init</a:t>
+            </a:r>
+            <a:r>
+              <a:rPr lang="zh-CN" altLang="en-US" dirty="0"/>
+              <a:t>自动配置的</a:t>
+            </a:r>
+            <a:r>
+              <a:rPr lang="en-US" altLang="zh-CN" dirty="0"/>
+              <a:t>iptables</a:t>
+            </a:r>
+            <a:r>
+              <a:rPr lang="zh-CN" altLang="en-US" dirty="0"/>
+              <a:t>规则透明地拦截与每个</a:t>
+            </a:r>
+            <a:r>
+              <a:rPr lang="en-US" altLang="zh-CN" dirty="0"/>
+              <a:t>Pod</a:t>
+            </a:r>
+            <a:r>
+              <a:rPr lang="zh-CN" altLang="en-US" dirty="0"/>
+              <a:t>的通信，并添加诸如检测和加密（</a:t>
+            </a:r>
+            <a:r>
+              <a:rPr lang="en-US" altLang="zh-CN" dirty="0"/>
+              <a:t>TLS</a:t>
+            </a:r>
+            <a:r>
+              <a:rPr lang="zh-CN" altLang="en-US" dirty="0"/>
+              <a:t>）之类的功能，以及根据相关策略允许和拒绝请求。它们的行为由控制平面驱动。</a:t>
+            </a:r>
+            <a:endParaRPr lang="en-US" altLang="zh-CN" dirty="0"/>
+          </a:p>
+          <a:p>
+            <a:r>
+              <a:rPr lang="en-US" altLang="zh-CN" dirty="0"/>
+              <a:t>Proxy</a:t>
+            </a:r>
+          </a:p>
+          <a:p>
+            <a:pPr marL="0" indent="0">
+              <a:buNone/>
+            </a:pPr>
+            <a:r>
+              <a:rPr lang="zh-CN" altLang="en-US" dirty="0"/>
+              <a:t>一个用</a:t>
+            </a:r>
+            <a:r>
+              <a:rPr lang="en-US" altLang="zh-CN" dirty="0"/>
+              <a:t>Rust</a:t>
+            </a:r>
+            <a:r>
+              <a:rPr lang="zh-CN" altLang="en-US" dirty="0"/>
+              <a:t>编写的超轻透明代理，该代理安装在服务的每个容器中，并成为数据平面的一部分。 它接收</a:t>
+            </a:r>
+            <a:r>
+              <a:rPr lang="en-US" altLang="zh-CN" dirty="0"/>
+              <a:t>Pod</a:t>
+            </a:r>
+            <a:r>
+              <a:rPr lang="zh-CN" altLang="en-US" dirty="0"/>
+              <a:t>的所有传入流量，并通过将</a:t>
+            </a:r>
+            <a:r>
+              <a:rPr lang="en-US" altLang="zh-CN" dirty="0"/>
+              <a:t>iptables</a:t>
+            </a:r>
+            <a:r>
+              <a:rPr lang="zh-CN" altLang="en-US" dirty="0"/>
+              <a:t>配置为正确转发流量的</a:t>
+            </a:r>
+            <a:r>
+              <a:rPr lang="en-US" altLang="zh-CN" dirty="0" err="1"/>
+              <a:t>initContainer</a:t>
+            </a:r>
+            <a:r>
+              <a:rPr lang="zh-CN" altLang="en-US" dirty="0"/>
+              <a:t>拦截所有传出流量。 因为它是</a:t>
+            </a:r>
+            <a:r>
+              <a:rPr lang="en-US" altLang="zh-CN" dirty="0"/>
+              <a:t>sidecar </a:t>
+            </a:r>
+            <a:r>
+              <a:rPr lang="zh-CN" altLang="en-US" dirty="0"/>
+              <a:t>，并且可以拦截服务的所有传入和传出流量，所以不需要更改代码，甚至可以将其添加到正在运行的服务中。</a:t>
+            </a:r>
+            <a:endParaRPr lang="en-US" altLang="zh-CN" dirty="0"/>
+          </a:p>
+          <a:p>
+            <a:pPr marL="0" indent="0">
+              <a:buNone/>
+            </a:pPr>
+            <a:r>
+              <a:rPr lang="zh-CN" altLang="en-US" dirty="0"/>
+              <a:t>代理的功能包括：</a:t>
+            </a:r>
+            <a:endParaRPr lang="en-US" altLang="zh-CN" dirty="0"/>
+          </a:p>
+          <a:p>
+            <a:pPr lvl="1"/>
+            <a:r>
+              <a:rPr lang="zh-CN" altLang="en-US" dirty="0"/>
+              <a:t>透明，零配置代理</a:t>
+            </a:r>
+            <a:r>
+              <a:rPr lang="en-US" altLang="zh-CN" dirty="0"/>
+              <a:t>HTTP</a:t>
+            </a:r>
+            <a:r>
+              <a:rPr lang="zh-CN" altLang="en-US" dirty="0"/>
+              <a:t>，</a:t>
+            </a:r>
+            <a:r>
+              <a:rPr lang="en-US" altLang="zh-CN" dirty="0"/>
+              <a:t>HTTP / 2</a:t>
+            </a:r>
+            <a:r>
+              <a:rPr lang="zh-CN" altLang="en-US" dirty="0"/>
+              <a:t>和任意</a:t>
+            </a:r>
+            <a:r>
+              <a:rPr lang="en-US" altLang="zh-CN" dirty="0"/>
+              <a:t>TCP</a:t>
+            </a:r>
+            <a:r>
+              <a:rPr lang="zh-CN" altLang="en-US" dirty="0"/>
+              <a:t>协议。</a:t>
+            </a:r>
+          </a:p>
+          <a:p>
+            <a:pPr lvl="1"/>
+            <a:r>
+              <a:rPr lang="zh-CN" altLang="en-US" dirty="0"/>
+              <a:t>自动为</a:t>
+            </a:r>
+            <a:r>
+              <a:rPr lang="en-US" altLang="zh-CN" dirty="0"/>
+              <a:t>HTTP</a:t>
+            </a:r>
+            <a:r>
+              <a:rPr lang="zh-CN" altLang="en-US" dirty="0"/>
+              <a:t>和</a:t>
+            </a:r>
+            <a:r>
+              <a:rPr lang="en-US" altLang="zh-CN" dirty="0"/>
+              <a:t>TCP</a:t>
+            </a:r>
+            <a:r>
+              <a:rPr lang="zh-CN" altLang="en-US" dirty="0"/>
+              <a:t>流量导出</a:t>
+            </a:r>
+            <a:r>
+              <a:rPr lang="en-US" altLang="zh-CN" dirty="0"/>
+              <a:t>Prometheus</a:t>
+            </a:r>
+            <a:r>
+              <a:rPr lang="zh-CN" altLang="en-US" dirty="0"/>
+              <a:t>指标。</a:t>
+            </a:r>
+          </a:p>
+          <a:p>
+            <a:pPr lvl="1"/>
+            <a:r>
+              <a:rPr lang="zh-CN" altLang="en-US" dirty="0"/>
+              <a:t>透明的零配置</a:t>
+            </a:r>
+            <a:r>
+              <a:rPr lang="en-US" altLang="zh-CN" dirty="0"/>
+              <a:t>WebSocket</a:t>
+            </a:r>
+            <a:r>
+              <a:rPr lang="zh-CN" altLang="en-US" dirty="0"/>
+              <a:t>代理。</a:t>
+            </a:r>
+          </a:p>
+          <a:p>
+            <a:pPr lvl="1"/>
+            <a:r>
+              <a:rPr lang="zh-CN" altLang="en-US" dirty="0"/>
+              <a:t>自动，可感知延迟的第</a:t>
+            </a:r>
+            <a:r>
+              <a:rPr lang="en-US" altLang="zh-CN" dirty="0"/>
+              <a:t>7</a:t>
+            </a:r>
+            <a:r>
+              <a:rPr lang="zh-CN" altLang="en-US" dirty="0"/>
+              <a:t>层负载平衡。</a:t>
+            </a:r>
+          </a:p>
+          <a:p>
+            <a:pPr lvl="1"/>
+            <a:r>
+              <a:rPr lang="zh-CN" altLang="en-US" dirty="0"/>
+              <a:t>针对非</a:t>
+            </a:r>
+            <a:r>
+              <a:rPr lang="en-US" altLang="zh-CN" dirty="0"/>
+              <a:t>HTTP</a:t>
+            </a:r>
+            <a:r>
+              <a:rPr lang="zh-CN" altLang="en-US" dirty="0"/>
+              <a:t>流量的自动第</a:t>
+            </a:r>
+            <a:r>
+              <a:rPr lang="en-US" altLang="zh-CN" dirty="0"/>
+              <a:t>4</a:t>
+            </a:r>
+            <a:r>
+              <a:rPr lang="zh-CN" altLang="en-US" dirty="0"/>
+              <a:t>层负载平衡。</a:t>
+            </a:r>
+          </a:p>
+          <a:p>
+            <a:pPr lvl="1"/>
+            <a:r>
+              <a:rPr lang="zh-CN" altLang="en-US" dirty="0"/>
+              <a:t>自动</a:t>
+            </a:r>
+            <a:r>
+              <a:rPr lang="en-US" altLang="zh-CN" dirty="0"/>
+              <a:t>TLS</a:t>
+            </a:r>
+            <a:r>
+              <a:rPr lang="zh-CN" altLang="en-US" dirty="0"/>
+              <a:t>。</a:t>
+            </a:r>
+          </a:p>
+          <a:p>
+            <a:pPr lvl="1"/>
+            <a:r>
+              <a:rPr lang="zh-CN" altLang="en-US" dirty="0"/>
+              <a:t>按需诊断</a:t>
+            </a:r>
+            <a:r>
+              <a:rPr lang="en-US" altLang="zh-CN" dirty="0"/>
+              <a:t>tap API</a:t>
+            </a:r>
+            <a:r>
+              <a:rPr lang="zh-CN" altLang="en-US" dirty="0"/>
+              <a:t>。</a:t>
+            </a:r>
+            <a:endParaRPr lang="en-US" altLang="zh-CN" dirty="0"/>
+          </a:p>
+          <a:p>
+            <a:pPr marL="0" indent="0">
+              <a:buNone/>
+            </a:pPr>
+            <a:r>
+              <a:rPr lang="zh-CN" altLang="en-US" dirty="0"/>
+              <a:t>代理支持通过</a:t>
+            </a:r>
+            <a:r>
+              <a:rPr lang="en-US" altLang="zh-CN" dirty="0"/>
+              <a:t>DNS</a:t>
+            </a:r>
+            <a:r>
+              <a:rPr lang="zh-CN" altLang="en-US" dirty="0"/>
+              <a:t>和目标</a:t>
+            </a:r>
+            <a:r>
+              <a:rPr lang="en-US" altLang="zh-CN" dirty="0" err="1"/>
+              <a:t>gRPC</a:t>
+            </a:r>
+            <a:r>
+              <a:rPr lang="en-US" altLang="zh-CN" dirty="0"/>
+              <a:t> API</a:t>
+            </a:r>
+            <a:r>
+              <a:rPr lang="zh-CN" altLang="en-US" dirty="0"/>
+              <a:t>进行服务发现。</a:t>
+            </a:r>
+          </a:p>
+        </p:txBody>
+      </p:sp>
+      <p:sp>
+        <p:nvSpPr>
+          <p:cNvPr id="4" name="日期占位符 3">
+            <a:extLst>
+              <a:ext uri="{FF2B5EF4-FFF2-40B4-BE49-F238E27FC236}">
+                <a16:creationId xmlns:a16="http://schemas.microsoft.com/office/drawing/2014/main" id="{A1BAF3FC-F5F8-46BB-93B0-8929FC76A0BB}"/>
+              </a:ext>
+            </a:extLst>
+          </p:cNvPr>
+          <p:cNvSpPr>
+            <a:spLocks noGrp="1"/>
+          </p:cNvSpPr>
+          <p:nvPr>
+            <p:ph type="dt" sz="half" idx="10"/>
+          </p:nvPr>
+        </p:nvSpPr>
+        <p:spPr/>
+        <p:txBody>
+          <a:bodyPr/>
+          <a:lstStyle/>
+          <a:p>
+            <a:pPr rtl="0"/>
+            <a:fld id="{F24FFC25-0C05-49C8-B150-3CF6B89B5C55}" type="datetime1">
+              <a:rPr lang="zh-CN" altLang="en-US" smtClean="0"/>
+              <a:t>2020/4/15</a:t>
+            </a:fld>
+            <a:endParaRPr lang="en-US" dirty="0"/>
+          </a:p>
+        </p:txBody>
+      </p:sp>
+    </p:spTree>
+    <p:extLst>
+      <p:ext uri="{BB962C8B-B14F-4D97-AF65-F5344CB8AC3E}">
+        <p14:creationId xmlns:p14="http://schemas.microsoft.com/office/powerpoint/2010/main" val="219204744"/>
+      </p:ext>
+    </p:extLst>
+  </p:cSld>
+  <p:clrMapOvr>
+    <a:masterClrMapping/>
+  </p:clrMapOvr>
+</p:sld>
+</file>
+
+<file path=ppt/slides/slide21.xml><?xml version="1.0" encoding="utf-8"?>
+<p:sld xmlns:a="http://schemas.openxmlformats.org/drawingml/2006/main" xmlns:r="http://schemas.openxmlformats.org/officeDocument/2006/relationships" xmlns:p="http://schemas.openxmlformats.org/presentationml/2006/main">
+  <p:cSld>
+    <p:spTree>
+      <p:nvGrpSpPr>
+        <p:cNvPr id="1" name=""/>
+        <p:cNvGrpSpPr/>
+        <p:nvPr/>
+      </p:nvGrpSpPr>
+      <p:grpSpPr>
+        <a:xfrm>
+          <a:off x="0" y="0"/>
+          <a:ext cx="0" cy="0"/>
+          <a:chOff x="0" y="0"/>
+          <a:chExt cx="0" cy="0"/>
+        </a:xfrm>
+      </p:grpSpPr>
+      <p:sp>
+        <p:nvSpPr>
+          <p:cNvPr id="2" name="标题 1">
+            <a:extLst>
+              <a:ext uri="{FF2B5EF4-FFF2-40B4-BE49-F238E27FC236}">
+                <a16:creationId xmlns:a16="http://schemas.microsoft.com/office/drawing/2014/main" id="{F861494A-D4E6-4F52-9879-13E26D9176FF}"/>
+              </a:ext>
+            </a:extLst>
+          </p:cNvPr>
+          <p:cNvSpPr>
+            <a:spLocks noGrp="1"/>
+          </p:cNvSpPr>
+          <p:nvPr>
+            <p:ph type="title"/>
+          </p:nvPr>
+        </p:nvSpPr>
+        <p:spPr/>
+        <p:txBody>
+          <a:bodyPr/>
+          <a:lstStyle/>
+          <a:p>
+            <a:endParaRPr lang="zh-CN" altLang="en-US"/>
+          </a:p>
+        </p:txBody>
+      </p:sp>
+      <p:sp>
+        <p:nvSpPr>
+          <p:cNvPr id="4" name="日期占位符 3">
+            <a:extLst>
+              <a:ext uri="{FF2B5EF4-FFF2-40B4-BE49-F238E27FC236}">
+                <a16:creationId xmlns:a16="http://schemas.microsoft.com/office/drawing/2014/main" id="{25D380AA-CBA1-44B9-9655-B684D13B57D7}"/>
+              </a:ext>
+            </a:extLst>
+          </p:cNvPr>
+          <p:cNvSpPr>
+            <a:spLocks noGrp="1"/>
+          </p:cNvSpPr>
+          <p:nvPr>
+            <p:ph type="dt" sz="half" idx="10"/>
+          </p:nvPr>
+        </p:nvSpPr>
+        <p:spPr/>
+        <p:txBody>
+          <a:bodyPr/>
+          <a:lstStyle/>
+          <a:p>
+            <a:pPr rtl="0"/>
+            <a:fld id="{F24FFC25-0C05-49C8-B150-3CF6B89B5C55}" type="datetime1">
+              <a:rPr lang="zh-CN" altLang="en-US" smtClean="0"/>
+              <a:t>2020/4/15</a:t>
+            </a:fld>
+            <a:endParaRPr lang="en-US" dirty="0"/>
+          </a:p>
+        </p:txBody>
+      </p:sp>
+      <p:pic>
+        <p:nvPicPr>
+          <p:cNvPr id="5" name="内容占位符 4">
+            <a:extLst>
+              <a:ext uri="{FF2B5EF4-FFF2-40B4-BE49-F238E27FC236}">
+                <a16:creationId xmlns:a16="http://schemas.microsoft.com/office/drawing/2014/main" id="{96CB52DB-4A29-40A9-9F6A-D8834FC9A7BB}"/>
+              </a:ext>
+            </a:extLst>
+          </p:cNvPr>
+          <p:cNvPicPr>
+            <a:picLocks noGrp="1" noChangeAspect="1"/>
+          </p:cNvPicPr>
+          <p:nvPr>
+            <p:ph idx="1"/>
+          </p:nvPr>
+        </p:nvPicPr>
+        <p:blipFill>
+          <a:blip r:embed="rId2"/>
+          <a:stretch>
+            <a:fillRect/>
+          </a:stretch>
+        </p:blipFill>
+        <p:spPr>
+          <a:xfrm>
+            <a:off x="916601" y="2487829"/>
+            <a:ext cx="11029950" cy="1669565"/>
+          </a:xfrm>
+          <a:prstGeom prst="rect">
+            <a:avLst/>
+          </a:prstGeom>
+        </p:spPr>
+      </p:pic>
+    </p:spTree>
+    <p:extLst>
+      <p:ext uri="{BB962C8B-B14F-4D97-AF65-F5344CB8AC3E}">
+        <p14:creationId xmlns:p14="http://schemas.microsoft.com/office/powerpoint/2010/main" val="2421847750"/>
+      </p:ext>
+    </p:extLst>
+  </p:cSld>
+  <p:clrMapOvr>
+    <a:masterClrMapping/>
+  </p:clrMapOvr>
+</p:sld>
+</file>
+
+<file path=ppt/slides/slide22.xml><?xml version="1.0" encoding="utf-8"?>
+<p:sld xmlns:a="http://schemas.openxmlformats.org/drawingml/2006/main" xmlns:r="http://schemas.openxmlformats.org/officeDocument/2006/relationships" xmlns:p="http://schemas.openxmlformats.org/presentationml/2006/main">
+  <p:cSld>
+    <p:spTree>
+      <p:nvGrpSpPr>
+        <p:cNvPr id="1" name=""/>
+        <p:cNvGrpSpPr/>
+        <p:nvPr/>
+      </p:nvGrpSpPr>
+      <p:grpSpPr>
+        <a:xfrm>
+          <a:off x="0" y="0"/>
+          <a:ext cx="0" cy="0"/>
+          <a:chOff x="0" y="0"/>
+          <a:chExt cx="0" cy="0"/>
+        </a:xfrm>
+      </p:grpSpPr>
+      <p:sp>
+        <p:nvSpPr>
+          <p:cNvPr id="2" name="标题 1">
+            <a:extLst>
+              <a:ext uri="{FF2B5EF4-FFF2-40B4-BE49-F238E27FC236}">
+                <a16:creationId xmlns:a16="http://schemas.microsoft.com/office/drawing/2014/main" id="{78B8C380-EEB6-43DC-9946-AD7955456B51}"/>
+              </a:ext>
+            </a:extLst>
+          </p:cNvPr>
+          <p:cNvSpPr>
+            <a:spLocks noGrp="1"/>
+          </p:cNvSpPr>
+          <p:nvPr>
+            <p:ph type="title"/>
+          </p:nvPr>
+        </p:nvSpPr>
+        <p:spPr>
+          <a:xfrm>
+            <a:off x="581192" y="702156"/>
+            <a:ext cx="11029616" cy="549595"/>
+          </a:xfrm>
+        </p:spPr>
+        <p:txBody>
+          <a:bodyPr/>
+          <a:lstStyle/>
+          <a:p>
+            <a:r>
+              <a:rPr lang="en-US" altLang="zh-CN" dirty="0" err="1"/>
+              <a:t>Linkerd</a:t>
+            </a:r>
+            <a:r>
+              <a:rPr lang="zh-CN" altLang="en-US" dirty="0"/>
+              <a:t>组件 </a:t>
+            </a:r>
+            <a:r>
+              <a:rPr lang="en-US" altLang="zh-CN" dirty="0"/>
+              <a:t>– </a:t>
+            </a:r>
+            <a:r>
+              <a:rPr lang="zh-CN" altLang="en-US" dirty="0"/>
+              <a:t>数据平面</a:t>
+            </a:r>
+            <a:r>
+              <a:rPr lang="en-US" altLang="zh-CN" dirty="0"/>
+              <a:t>2</a:t>
+            </a:r>
+            <a:endParaRPr lang="zh-CN" altLang="en-US" dirty="0"/>
+          </a:p>
+        </p:txBody>
+      </p:sp>
+      <p:sp>
+        <p:nvSpPr>
+          <p:cNvPr id="3" name="内容占位符 2">
+            <a:extLst>
+              <a:ext uri="{FF2B5EF4-FFF2-40B4-BE49-F238E27FC236}">
+                <a16:creationId xmlns:a16="http://schemas.microsoft.com/office/drawing/2014/main" id="{2B999B63-E7BA-437E-A787-EEA68CE407B7}"/>
+              </a:ext>
+            </a:extLst>
+          </p:cNvPr>
+          <p:cNvSpPr>
+            <a:spLocks noGrp="1"/>
+          </p:cNvSpPr>
+          <p:nvPr>
+            <p:ph idx="1"/>
+          </p:nvPr>
+        </p:nvSpPr>
+        <p:spPr>
+          <a:xfrm>
+            <a:off x="581192" y="1471749"/>
+            <a:ext cx="11029615" cy="4952165"/>
+          </a:xfrm>
+        </p:spPr>
+        <p:txBody>
+          <a:bodyPr>
+            <a:normAutofit/>
+          </a:bodyPr>
+          <a:lstStyle/>
+          <a:p>
+            <a:r>
+              <a:rPr lang="en-US" altLang="zh-CN" dirty="0" err="1"/>
+              <a:t>Linkerd</a:t>
+            </a:r>
+            <a:r>
+              <a:rPr lang="en-US" altLang="zh-CN" dirty="0"/>
+              <a:t> Init</a:t>
+            </a:r>
+          </a:p>
+          <a:p>
+            <a:pPr marL="0" indent="0">
+              <a:buNone/>
+            </a:pPr>
+            <a:r>
+              <a:rPr lang="zh-CN" altLang="en-US" dirty="0"/>
+              <a:t>为了使代理真正透明，需要自动通过它路由流量。 </a:t>
+            </a:r>
+            <a:r>
+              <a:rPr lang="en-US" altLang="zh-CN" dirty="0" err="1"/>
+              <a:t>linkerd-init</a:t>
+            </a:r>
+            <a:r>
+              <a:rPr lang="zh-CN" altLang="en-US" dirty="0"/>
+              <a:t>容器作为</a:t>
+            </a:r>
+            <a:r>
+              <a:rPr lang="en-US" altLang="zh-CN" dirty="0"/>
+              <a:t>Kubernetes</a:t>
+            </a:r>
+            <a:r>
+              <a:rPr lang="zh-CN" altLang="en-US" dirty="0"/>
+              <a:t>初始化容器添加，该容器在启动任何其他容器之前运行。 这将执行一个小程序，该程序执行</a:t>
+            </a:r>
+            <a:r>
+              <a:rPr lang="en-US" altLang="zh-CN" dirty="0"/>
+              <a:t>iptables</a:t>
+            </a:r>
+            <a:r>
+              <a:rPr lang="zh-CN" altLang="en-US" dirty="0"/>
+              <a:t>并配置流量。</a:t>
+            </a:r>
+            <a:endParaRPr lang="en-US" altLang="zh-CN" dirty="0"/>
+          </a:p>
+          <a:p>
+            <a:pPr marL="0" indent="0">
+              <a:buNone/>
+            </a:pPr>
+            <a:r>
+              <a:rPr lang="en-US" altLang="zh-CN" dirty="0"/>
+              <a:t>Iptables</a:t>
+            </a:r>
+            <a:r>
+              <a:rPr lang="zh-CN" altLang="en-US" dirty="0"/>
+              <a:t>的用途主要有两种规则</a:t>
+            </a:r>
+            <a:r>
+              <a:rPr lang="en-US" altLang="zh-CN" dirty="0"/>
+              <a:t>:</a:t>
+            </a:r>
+          </a:p>
+          <a:p>
+            <a:pPr lvl="1"/>
+            <a:r>
+              <a:rPr lang="zh-CN" altLang="en-US" dirty="0"/>
+              <a:t>发送到</a:t>
+            </a:r>
+            <a:r>
+              <a:rPr lang="en-US" altLang="zh-CN" dirty="0"/>
+              <a:t>Pod</a:t>
+            </a:r>
+            <a:r>
+              <a:rPr lang="zh-CN" altLang="en-US" dirty="0"/>
+              <a:t>的外部</a:t>
+            </a:r>
+            <a:r>
+              <a:rPr lang="en-US" altLang="zh-CN" dirty="0"/>
+              <a:t>IP</a:t>
+            </a:r>
+            <a:r>
+              <a:rPr lang="zh-CN" altLang="en-US" dirty="0"/>
+              <a:t>地址（例如</a:t>
+            </a:r>
+            <a:r>
+              <a:rPr lang="en-US" altLang="zh-CN" dirty="0"/>
+              <a:t>10.0.0.1</a:t>
+            </a:r>
+            <a:r>
+              <a:rPr lang="zh-CN" altLang="en-US" dirty="0"/>
+              <a:t>）的所有流量都将转发到代理上的特定端口（</a:t>
+            </a:r>
+            <a:r>
+              <a:rPr lang="en-US" altLang="zh-CN" dirty="0"/>
+              <a:t>4143</a:t>
+            </a:r>
+            <a:r>
+              <a:rPr lang="zh-CN" altLang="en-US" dirty="0"/>
+              <a:t>）。 通过在套接字上设置</a:t>
+            </a:r>
+            <a:r>
+              <a:rPr lang="en-US" altLang="zh-CN" dirty="0"/>
+              <a:t>SO_ORIGINAL_DST</a:t>
+            </a:r>
+            <a:r>
+              <a:rPr lang="zh-CN" altLang="en-US" dirty="0"/>
+              <a:t>，代理可以将流量转发到应用程序正在侦听的原始目标端口。</a:t>
+            </a:r>
+            <a:endParaRPr lang="en-US" altLang="zh-CN" dirty="0"/>
+          </a:p>
+          <a:p>
+            <a:pPr lvl="1"/>
+            <a:r>
+              <a:rPr lang="zh-CN" altLang="en-US" dirty="0"/>
+              <a:t>任何来自容器内部并发送到外部</a:t>
+            </a:r>
+            <a:r>
+              <a:rPr lang="en-US" altLang="zh-CN" dirty="0"/>
+              <a:t>IP</a:t>
+            </a:r>
+            <a:r>
+              <a:rPr lang="zh-CN" altLang="en-US" dirty="0"/>
+              <a:t>地址（不是</a:t>
+            </a:r>
+            <a:r>
+              <a:rPr lang="en-US" altLang="zh-CN" dirty="0"/>
+              <a:t>127.0.0.1</a:t>
+            </a:r>
+            <a:r>
+              <a:rPr lang="zh-CN" altLang="en-US" dirty="0"/>
+              <a:t>）的流量都将转发到代理上的特定端口（</a:t>
+            </a:r>
+            <a:r>
+              <a:rPr lang="en-US" altLang="zh-CN" dirty="0"/>
+              <a:t>4140</a:t>
+            </a:r>
+            <a:r>
+              <a:rPr lang="zh-CN" altLang="en-US" dirty="0"/>
+              <a:t>）。 因为在套接字上设置了</a:t>
+            </a:r>
+            <a:r>
+              <a:rPr lang="en-US" altLang="zh-CN" dirty="0"/>
+              <a:t>SO_ORIGINAL_DST</a:t>
+            </a:r>
+            <a:r>
+              <a:rPr lang="zh-CN" altLang="en-US" dirty="0"/>
+              <a:t>，所以代理能够将流量转发到原始接收者（除非有理由将其发送到其他地方）。 这不会导致流量循环，因为</a:t>
+            </a:r>
+            <a:r>
+              <a:rPr lang="en-US" altLang="zh-CN" dirty="0"/>
+              <a:t>iptables</a:t>
+            </a:r>
+            <a:r>
+              <a:rPr lang="zh-CN" altLang="en-US" dirty="0"/>
+              <a:t>规则明确跳过了代理的</a:t>
+            </a:r>
+            <a:r>
+              <a:rPr lang="en-US" altLang="zh-CN" dirty="0"/>
+              <a:t>UID</a:t>
+            </a:r>
+            <a:r>
+              <a:rPr lang="zh-CN" altLang="en-US" dirty="0"/>
+              <a:t>。</a:t>
+            </a:r>
+            <a:endParaRPr lang="en-US" altLang="zh-CN" dirty="0"/>
+          </a:p>
+          <a:p>
+            <a:pPr marL="0" indent="0">
+              <a:buNone/>
+            </a:pPr>
+            <a:r>
+              <a:rPr lang="zh-CN" altLang="en-US" dirty="0"/>
+              <a:t>默认情况下，大多数端口都是通过代理转发的。 这并不总是可取的，有可能让特定端口完全针对传入和传出流量跳过代理。 请参阅</a:t>
+            </a:r>
+            <a:r>
+              <a:rPr lang="zh-CN" altLang="en-US" dirty="0">
+                <a:hlinkClick r:id="rId2"/>
+              </a:rPr>
+              <a:t>协议检测</a:t>
+            </a:r>
+            <a:r>
+              <a:rPr lang="zh-CN" altLang="en-US" dirty="0"/>
+              <a:t>文档以了解此处发生的情况。</a:t>
+            </a:r>
+          </a:p>
+        </p:txBody>
+      </p:sp>
+      <p:sp>
+        <p:nvSpPr>
+          <p:cNvPr id="4" name="日期占位符 3">
+            <a:extLst>
+              <a:ext uri="{FF2B5EF4-FFF2-40B4-BE49-F238E27FC236}">
+                <a16:creationId xmlns:a16="http://schemas.microsoft.com/office/drawing/2014/main" id="{3CC53E7A-298C-453D-A618-EC64CE499ED5}"/>
+              </a:ext>
+            </a:extLst>
+          </p:cNvPr>
+          <p:cNvSpPr>
+            <a:spLocks noGrp="1"/>
+          </p:cNvSpPr>
+          <p:nvPr>
+            <p:ph type="dt" sz="half" idx="10"/>
+          </p:nvPr>
+        </p:nvSpPr>
+        <p:spPr/>
+        <p:txBody>
+          <a:bodyPr/>
+          <a:lstStyle/>
+          <a:p>
+            <a:pPr rtl="0"/>
+            <a:fld id="{F24FFC25-0C05-49C8-B150-3CF6B89B5C55}" type="datetime1">
+              <a:rPr lang="zh-CN" altLang="en-US" smtClean="0"/>
+              <a:t>2020/4/15</a:t>
+            </a:fld>
+            <a:endParaRPr lang="en-US" dirty="0"/>
+          </a:p>
+        </p:txBody>
+      </p:sp>
+    </p:spTree>
+    <p:extLst>
+      <p:ext uri="{BB962C8B-B14F-4D97-AF65-F5344CB8AC3E}">
+        <p14:creationId xmlns:p14="http://schemas.microsoft.com/office/powerpoint/2010/main" val="2642972942"/>
+      </p:ext>
+    </p:extLst>
+  </p:cSld>
+  <p:clrMapOvr>
+    <a:masterClrMapping/>
+  </p:clrMapOvr>
+</p:sld>
+</file>
+
+<file path=ppt/slides/slide23.xml><?xml version="1.0" encoding="utf-8"?>
+<p:sld xmlns:a="http://schemas.openxmlformats.org/drawingml/2006/main" xmlns:r="http://schemas.openxmlformats.org/officeDocument/2006/relationships" xmlns:p="http://schemas.openxmlformats.org/presentationml/2006/main">
+  <p:cSld>
+    <p:spTree>
+      <p:nvGrpSpPr>
+        <p:cNvPr id="1" name=""/>
+        <p:cNvGrpSpPr/>
+        <p:nvPr/>
+      </p:nvGrpSpPr>
+      <p:grpSpPr>
+        <a:xfrm>
+          <a:off x="0" y="0"/>
+          <a:ext cx="0" cy="0"/>
+          <a:chOff x="0" y="0"/>
+          <a:chExt cx="0" cy="0"/>
+        </a:xfrm>
+      </p:grpSpPr>
+      <p:sp>
+        <p:nvSpPr>
+          <p:cNvPr id="2" name="标题 1">
+            <a:extLst>
+              <a:ext uri="{FF2B5EF4-FFF2-40B4-BE49-F238E27FC236}">
+                <a16:creationId xmlns:a16="http://schemas.microsoft.com/office/drawing/2014/main" id="{3C4C8B52-C187-4679-A8B8-644338089D99}"/>
+              </a:ext>
+            </a:extLst>
+          </p:cNvPr>
+          <p:cNvSpPr>
+            <a:spLocks noGrp="1"/>
+          </p:cNvSpPr>
+          <p:nvPr>
+            <p:ph type="title"/>
+          </p:nvPr>
+        </p:nvSpPr>
+        <p:spPr/>
+        <p:txBody>
+          <a:bodyPr/>
+          <a:lstStyle/>
+          <a:p>
+            <a:endParaRPr lang="zh-CN" altLang="en-US"/>
+          </a:p>
+        </p:txBody>
+      </p:sp>
+      <p:pic>
+        <p:nvPicPr>
+          <p:cNvPr id="5" name="内容占位符 4">
+            <a:extLst>
+              <a:ext uri="{FF2B5EF4-FFF2-40B4-BE49-F238E27FC236}">
+                <a16:creationId xmlns:a16="http://schemas.microsoft.com/office/drawing/2014/main" id="{87BF864C-F7BB-4C98-A1B7-4C23D8DD36E8}"/>
+              </a:ext>
+            </a:extLst>
+          </p:cNvPr>
+          <p:cNvPicPr>
+            <a:picLocks noGrp="1" noChangeAspect="1"/>
+          </p:cNvPicPr>
+          <p:nvPr>
+            <p:ph idx="1"/>
+          </p:nvPr>
+        </p:nvPicPr>
+        <p:blipFill>
+          <a:blip r:embed="rId2"/>
+          <a:stretch>
+            <a:fillRect/>
+          </a:stretch>
+        </p:blipFill>
+        <p:spPr>
+          <a:xfrm>
+            <a:off x="69668" y="0"/>
+            <a:ext cx="7199155" cy="3633787"/>
+          </a:xfrm>
+          <a:prstGeom prst="rect">
+            <a:avLst/>
+          </a:prstGeom>
+        </p:spPr>
+      </p:pic>
+      <p:sp>
+        <p:nvSpPr>
+          <p:cNvPr id="4" name="日期占位符 3">
+            <a:extLst>
+              <a:ext uri="{FF2B5EF4-FFF2-40B4-BE49-F238E27FC236}">
+                <a16:creationId xmlns:a16="http://schemas.microsoft.com/office/drawing/2014/main" id="{6C8C74BA-39C1-41C1-94F2-FB4BBFC35229}"/>
+              </a:ext>
+            </a:extLst>
+          </p:cNvPr>
+          <p:cNvSpPr>
+            <a:spLocks noGrp="1"/>
+          </p:cNvSpPr>
+          <p:nvPr>
+            <p:ph type="dt" sz="half" idx="10"/>
+          </p:nvPr>
+        </p:nvSpPr>
+        <p:spPr/>
+        <p:txBody>
+          <a:bodyPr/>
+          <a:lstStyle/>
+          <a:p>
+            <a:pPr rtl="0"/>
+            <a:fld id="{F24FFC25-0C05-49C8-B150-3CF6B89B5C55}" type="datetime1">
+              <a:rPr lang="zh-CN" altLang="en-US" smtClean="0"/>
+              <a:t>2020/4/15</a:t>
+            </a:fld>
+            <a:endParaRPr lang="en-US" dirty="0"/>
+          </a:p>
+        </p:txBody>
+      </p:sp>
+      <p:pic>
+        <p:nvPicPr>
+          <p:cNvPr id="6" name="图片 5">
+            <a:extLst>
+              <a:ext uri="{FF2B5EF4-FFF2-40B4-BE49-F238E27FC236}">
+                <a16:creationId xmlns:a16="http://schemas.microsoft.com/office/drawing/2014/main" id="{5E1FFE68-7212-40E3-82F3-26FC966F1D80}"/>
+              </a:ext>
+            </a:extLst>
+          </p:cNvPr>
+          <p:cNvPicPr>
+            <a:picLocks noChangeAspect="1"/>
+          </p:cNvPicPr>
+          <p:nvPr/>
+        </p:nvPicPr>
+        <p:blipFill>
+          <a:blip r:embed="rId3"/>
+          <a:stretch>
+            <a:fillRect/>
+          </a:stretch>
+        </p:blipFill>
+        <p:spPr>
+          <a:xfrm>
+            <a:off x="69668" y="1028610"/>
+            <a:ext cx="12192000" cy="5829390"/>
+          </a:xfrm>
+          <a:prstGeom prst="rect">
+            <a:avLst/>
+          </a:prstGeom>
+        </p:spPr>
+      </p:pic>
+    </p:spTree>
+    <p:extLst>
+      <p:ext uri="{BB962C8B-B14F-4D97-AF65-F5344CB8AC3E}">
+        <p14:creationId xmlns:p14="http://schemas.microsoft.com/office/powerpoint/2010/main" val="1881325422"/>
+      </p:ext>
+    </p:extLst>
+  </p:cSld>
+  <p:clrMapOvr>
+    <a:masterClrMapping/>
+  </p:clrMapOvr>
+  <p:timing>
+    <p:tnLst>
+      <p:par>
+        <p:cTn id="1" dur="indefinite" restart="never" nodeType="tmRoot">
+          <p:childTnLst>
+            <p:seq concurrent="1" nextAc="seek">
+              <p:cTn id="2" dur="indefinite" nodeType="mainSeq">
+                <p:childTnLst>
+                  <p:par>
+                    <p:cTn id="3" fill="hold">
+                      <p:stCondLst>
+                        <p:cond delay="indefinite"/>
+                      </p:stCondLst>
+                      <p:childTnLst>
+                        <p:par>
+                          <p:cTn id="4" fill="hold">
+                            <p:stCondLst>
+                              <p:cond delay="0"/>
+                            </p:stCondLst>
+                            <p:childTnLst>
+                              <p:par>
+                                <p:cTn id="5" presetID="1" presetClass="entr" presetSubtype="0" fill="hold" nodeType="clickEffect">
+                                  <p:stCondLst>
+                                    <p:cond delay="0"/>
+                                  </p:stCondLst>
+                                  <p:childTnLst>
+                                    <p:set>
+                                      <p:cBhvr>
+                                        <p:cTn id="6" dur="1" fill="hold">
+                                          <p:stCondLst>
+                                            <p:cond delay="0"/>
+                                          </p:stCondLst>
+                                        </p:cTn>
+                                        <p:tgtEl>
+                                          <p:spTgt spid="5"/>
+                                        </p:tgtEl>
+                                        <p:attrNameLst>
+                                          <p:attrName>style.visibility</p:attrName>
+                                        </p:attrNameLst>
+                                      </p:cBhvr>
+                                      <p:to>
+                                        <p:strVal val="visible"/>
+                                      </p:to>
+                                    </p:set>
+                                  </p:childTnLst>
+                                </p:cTn>
+                              </p:par>
+                            </p:childTnLst>
+                          </p:cTn>
+                        </p:par>
+                      </p:childTnLst>
+                    </p:cTn>
+                  </p:par>
+                  <p:par>
+                    <p:cTn id="7" fill="hold">
+                      <p:stCondLst>
+                        <p:cond delay="indefinite"/>
+                      </p:stCondLst>
+                      <p:childTnLst>
+                        <p:par>
+                          <p:cTn id="8" fill="hold">
+                            <p:stCondLst>
+                              <p:cond delay="0"/>
+                            </p:stCondLst>
+                            <p:childTnLst>
+                              <p:par>
+                                <p:cTn id="9" presetID="1" presetClass="entr" presetSubtype="0" fill="hold" nodeType="clickEffect">
+                                  <p:stCondLst>
+                                    <p:cond delay="0"/>
+                                  </p:stCondLst>
+                                  <p:childTnLst>
+                                    <p:set>
+                                      <p:cBhvr>
+                                        <p:cTn id="10" dur="1" fill="hold">
+                                          <p:stCondLst>
+                                            <p:cond delay="0"/>
+                                          </p:stCondLst>
+                                        </p:cTn>
+                                        <p:tgtEl>
+                                          <p:spTgt spid="6"/>
+                                        </p:tgtEl>
+                                        <p:attrNameLst>
+                                          <p:attrName>style.visibility</p:attrName>
+                                        </p:attrNameLst>
+                                      </p:cBhvr>
+                                      <p:to>
+                                        <p:strVal val="visible"/>
+                                      </p:to>
+                                    </p:set>
+                                  </p:childTnLst>
+                                </p:cTn>
+                              </p:par>
+                            </p:childTnLst>
+                          </p:cTn>
+                        </p:par>
+                      </p:childTnLst>
+                    </p:cTn>
+                  </p:par>
+                </p:childTnLst>
+              </p:cTn>
+              <p:prevCondLst>
+                <p:cond evt="onPrev" delay="0">
+                  <p:tgtEl>
+                    <p:sldTgt/>
+                  </p:tgtEl>
+                </p:cond>
+              </p:prevCondLst>
+              <p:nextCondLst>
+                <p:cond evt="onNext" delay="0">
+                  <p:tgtEl>
+                    <p:sldTgt/>
+                  </p:tgtEl>
+                </p:cond>
+              </p:nextCondLst>
+            </p:seq>
+          </p:childTnLst>
+        </p:cTn>
+      </p:par>
+    </p:tnLst>
+  </p:timing>
+</p:sld>
+</file>
+
+<file path=ppt/slides/slide24.xml><?xml version="1.0" encoding="utf-8"?>
+<p:sld xmlns:a="http://schemas.openxmlformats.org/drawingml/2006/main" xmlns:r="http://schemas.openxmlformats.org/officeDocument/2006/relationships" xmlns:p="http://schemas.openxmlformats.org/presentationml/2006/main">
+  <p:cSld>
+    <p:spTree>
+      <p:nvGrpSpPr>
+        <p:cNvPr id="1" name=""/>
+        <p:cNvGrpSpPr/>
+        <p:nvPr/>
+      </p:nvGrpSpPr>
+      <p:grpSpPr>
+        <a:xfrm>
+          <a:off x="0" y="0"/>
+          <a:ext cx="0" cy="0"/>
+          <a:chOff x="0" y="0"/>
+          <a:chExt cx="0" cy="0"/>
+        </a:xfrm>
+      </p:grpSpPr>
+      <p:sp>
+        <p:nvSpPr>
+          <p:cNvPr id="2" name="标题 1">
+            <a:extLst>
+              <a:ext uri="{FF2B5EF4-FFF2-40B4-BE49-F238E27FC236}">
+                <a16:creationId xmlns:a16="http://schemas.microsoft.com/office/drawing/2014/main" id="{E5D32941-E70F-4009-9F92-B1ED837F5244}"/>
+              </a:ext>
+            </a:extLst>
+          </p:cNvPr>
+          <p:cNvSpPr>
+            <a:spLocks noGrp="1"/>
+          </p:cNvSpPr>
+          <p:nvPr>
+            <p:ph type="title"/>
+          </p:nvPr>
+        </p:nvSpPr>
+        <p:spPr/>
+        <p:txBody>
+          <a:bodyPr>
+            <a:normAutofit/>
+          </a:bodyPr>
+          <a:lstStyle/>
+          <a:p>
+            <a:r>
+              <a:rPr lang="en-US" altLang="zh-CN" dirty="0" err="1"/>
+              <a:t>Linkerd</a:t>
+            </a:r>
+            <a:r>
+              <a:rPr lang="zh-CN" altLang="en-US" dirty="0"/>
+              <a:t>组件 </a:t>
+            </a:r>
+            <a:r>
+              <a:rPr lang="en-US" altLang="zh-CN" dirty="0"/>
+              <a:t>– CLI &amp; Dashboard</a:t>
+            </a:r>
+            <a:br>
+              <a:rPr lang="en-US" altLang="zh-CN" dirty="0"/>
+            </a:br>
+            <a:endParaRPr lang="zh-CN" altLang="en-US" dirty="0"/>
+          </a:p>
+        </p:txBody>
+      </p:sp>
+      <p:sp>
+        <p:nvSpPr>
+          <p:cNvPr id="3" name="内容占位符 2">
+            <a:extLst>
+              <a:ext uri="{FF2B5EF4-FFF2-40B4-BE49-F238E27FC236}">
+                <a16:creationId xmlns:a16="http://schemas.microsoft.com/office/drawing/2014/main" id="{0EA6E18E-BEB4-4A22-872C-E015F8173D84}"/>
+              </a:ext>
+            </a:extLst>
+          </p:cNvPr>
+          <p:cNvSpPr>
+            <a:spLocks noGrp="1"/>
+          </p:cNvSpPr>
+          <p:nvPr>
+            <p:ph idx="1"/>
+          </p:nvPr>
+        </p:nvSpPr>
+        <p:spPr/>
+        <p:txBody>
+          <a:bodyPr/>
+          <a:lstStyle/>
+          <a:p>
+            <a:r>
+              <a:rPr lang="en-US" altLang="zh-CN" b="1" dirty="0"/>
+              <a:t>CLI</a:t>
+            </a:r>
+          </a:p>
+          <a:p>
+            <a:pPr marL="0" indent="0">
+              <a:buNone/>
+            </a:pPr>
+            <a:r>
+              <a:rPr lang="en-US" altLang="zh-CN" dirty="0" err="1"/>
+              <a:t>Linkerd</a:t>
+            </a:r>
+            <a:r>
+              <a:rPr lang="en-US" altLang="zh-CN" dirty="0"/>
+              <a:t> CLI</a:t>
+            </a:r>
+            <a:r>
+              <a:rPr lang="zh-CN" altLang="en-US" dirty="0"/>
+              <a:t>在您的计算机上本地运行，并用于与控制和数据平面进行交互。 它可用于查看统计信息，实时调试生产问题以及安装</a:t>
+            </a:r>
+            <a:r>
+              <a:rPr lang="en-US" altLang="zh-CN" dirty="0"/>
+              <a:t>/</a:t>
+            </a:r>
+            <a:r>
+              <a:rPr lang="zh-CN" altLang="en-US" dirty="0"/>
+              <a:t>升级控制和数据平面。</a:t>
+            </a:r>
+            <a:endParaRPr lang="en-US" altLang="zh-CN" dirty="0"/>
+          </a:p>
+          <a:p>
+            <a:r>
+              <a:rPr lang="en-US" altLang="zh-CN" b="1" dirty="0"/>
+              <a:t>Dashboard</a:t>
+            </a:r>
+          </a:p>
+          <a:p>
+            <a:pPr marL="0" indent="0">
+              <a:buNone/>
+            </a:pPr>
+            <a:r>
+              <a:rPr lang="en-US" altLang="zh-CN" dirty="0" err="1"/>
+              <a:t>Linkerd</a:t>
+            </a:r>
+            <a:r>
+              <a:rPr lang="zh-CN" altLang="en-US" dirty="0"/>
+              <a:t>仪表板实时提供有关服务正在发生的高级视图。 它可用于查看“黄金”指标（成功率，请求</a:t>
+            </a:r>
+            <a:r>
+              <a:rPr lang="en-US" altLang="zh-CN" dirty="0"/>
+              <a:t>/</a:t>
+            </a:r>
+            <a:r>
+              <a:rPr lang="zh-CN" altLang="en-US" dirty="0"/>
+              <a:t>秒和延迟），可视化服务依赖关系并了解特定服务路由的运行状况。命令：</a:t>
+            </a:r>
+            <a:r>
+              <a:rPr lang="en-US" altLang="zh-CN" dirty="0" err="1"/>
+              <a:t>linkerd</a:t>
+            </a:r>
+            <a:r>
+              <a:rPr lang="en-US" altLang="zh-CN" dirty="0"/>
+              <a:t> dashboard</a:t>
+            </a:r>
+          </a:p>
+          <a:p>
+            <a:pPr marL="0" indent="0">
+              <a:buNone/>
+            </a:pPr>
+            <a:r>
+              <a:rPr lang="zh-CN" altLang="en-US" dirty="0"/>
+              <a:t>仪表盘由</a:t>
+            </a:r>
+            <a:r>
+              <a:rPr lang="en-US" altLang="zh-CN" dirty="0" err="1"/>
+              <a:t>linkerd</a:t>
+            </a:r>
+            <a:r>
+              <a:rPr lang="en-US" altLang="zh-CN" dirty="0"/>
+              <a:t>-web</a:t>
+            </a:r>
+            <a:r>
+              <a:rPr lang="zh-CN" altLang="en-US" dirty="0"/>
+              <a:t>提供，如果你不想</a:t>
+            </a:r>
+            <a:r>
+              <a:rPr lang="en-US" altLang="zh-CN" dirty="0" err="1"/>
+              <a:t>linkerd</a:t>
+            </a:r>
+            <a:r>
+              <a:rPr lang="en-US" altLang="zh-CN" dirty="0"/>
+              <a:t> dashboard</a:t>
+            </a:r>
+            <a:r>
+              <a:rPr lang="zh-CN" altLang="en-US" dirty="0"/>
+              <a:t>打开，也可以暴露给其他组件（如：</a:t>
+            </a:r>
+            <a:r>
+              <a:rPr lang="en-US" altLang="zh-CN" b="1"/>
+              <a:t> Ingress</a:t>
+            </a:r>
+            <a:r>
+              <a:rPr lang="zh-CN" altLang="en-US" dirty="0"/>
+              <a:t>）。</a:t>
+            </a:r>
+          </a:p>
+        </p:txBody>
+      </p:sp>
+      <p:sp>
+        <p:nvSpPr>
+          <p:cNvPr id="4" name="日期占位符 3">
+            <a:extLst>
+              <a:ext uri="{FF2B5EF4-FFF2-40B4-BE49-F238E27FC236}">
+                <a16:creationId xmlns:a16="http://schemas.microsoft.com/office/drawing/2014/main" id="{8E2DF369-8C04-4735-BC80-102F02D032E6}"/>
+              </a:ext>
+            </a:extLst>
+          </p:cNvPr>
+          <p:cNvSpPr>
+            <a:spLocks noGrp="1"/>
+          </p:cNvSpPr>
+          <p:nvPr>
+            <p:ph type="dt" sz="half" idx="10"/>
+          </p:nvPr>
+        </p:nvSpPr>
+        <p:spPr/>
+        <p:txBody>
+          <a:bodyPr/>
+          <a:lstStyle/>
+          <a:p>
+            <a:pPr rtl="0"/>
+            <a:fld id="{F24FFC25-0C05-49C8-B150-3CF6B89B5C55}" type="datetime1">
+              <a:rPr lang="zh-CN" altLang="en-US" smtClean="0"/>
+              <a:t>2020/4/15</a:t>
+            </a:fld>
+            <a:endParaRPr lang="en-US" dirty="0"/>
+          </a:p>
+        </p:txBody>
+      </p:sp>
+    </p:spTree>
+    <p:extLst>
+      <p:ext uri="{BB962C8B-B14F-4D97-AF65-F5344CB8AC3E}">
+        <p14:creationId xmlns:p14="http://schemas.microsoft.com/office/powerpoint/2010/main" val="2317806499"/>
+      </p:ext>
+    </p:extLst>
+  </p:cSld>
+  <p:clrMapOvr>
+    <a:masterClrMapping/>
+  </p:clrMapOvr>
+</p:sld>
+</file>
+
+<file path=ppt/slides/slide25.xml><?xml version="1.0" encoding="utf-8"?>
 <p:sld xmlns:a="http://schemas.openxmlformats.org/drawingml/2006/main" xmlns:r="http://schemas.openxmlformats.org/officeDocument/2006/relationships" xmlns:p="http://schemas.openxmlformats.org/presentationml/2006/main">
   <p:cSld>
     <p:spTree>
@@ -11731,7 +14376,7 @@
             <a:pPr rtl="0"/>
             <a:fld id="{F24FFC25-0C05-49C8-B150-3CF6B89B5C55}" type="datetime1">
               <a:rPr lang="zh-CN" altLang="en-US" smtClean="0"/>
-              <a:t>2020/4/13</a:t>
+              <a:t>2020/4/15</a:t>
             </a:fld>
             <a:endParaRPr lang="en-US" dirty="0"/>
           </a:p>
@@ -12019,7 +14664,7 @@
 </p:sld>
 </file>
 
-<file path=ppt/slides/slide17.xml><?xml version="1.0" encoding="utf-8"?>
+<file path=ppt/slides/slide26.xml><?xml version="1.0" encoding="utf-8"?>
 <p:sld xmlns:a="http://schemas.openxmlformats.org/drawingml/2006/main" xmlns:r="http://schemas.openxmlformats.org/officeDocument/2006/relationships" xmlns:p="http://schemas.openxmlformats.org/presentationml/2006/main">
   <p:cSld>
     <p:spTree>
@@ -12105,7 +14750,7 @@
             <a:pPr rtl="0"/>
             <a:fld id="{F24FFC25-0C05-49C8-B150-3CF6B89B5C55}" type="datetime1">
               <a:rPr lang="zh-CN" altLang="en-US" smtClean="0"/>
-              <a:t>2020/4/13</a:t>
+              <a:t>2020/4/15</a:t>
             </a:fld>
             <a:endParaRPr lang="en-US" dirty="0"/>
           </a:p>
@@ -12352,7 +14997,7 @@
 </p:sld>
 </file>
 
-<file path=ppt/slides/slide18.xml><?xml version="1.0" encoding="utf-8"?>
+<file path=ppt/slides/slide27.xml><?xml version="1.0" encoding="utf-8"?>
 <p:sld xmlns:a="http://schemas.openxmlformats.org/drawingml/2006/main" xmlns:r="http://schemas.openxmlformats.org/officeDocument/2006/relationships" xmlns:p="http://schemas.openxmlformats.org/presentationml/2006/main">
   <p:cSld>
     <p:spTree>
@@ -12393,7 +15038,7 @@
             <a:pPr rtl="0"/>
             <a:fld id="{F24FFC25-0C05-49C8-B150-3CF6B89B5C55}" type="datetime1">
               <a:rPr lang="zh-CN" altLang="en-US" smtClean="0"/>
-              <a:t>2020/4/13</a:t>
+              <a:t>2020/4/15</a:t>
             </a:fld>
             <a:endParaRPr lang="en-US" dirty="0"/>
           </a:p>
@@ -12482,7 +15127,7 @@
 </p:sld>
 </file>
 
-<file path=ppt/slides/slide19.xml><?xml version="1.0" encoding="utf-8"?>
+<file path=ppt/slides/slide28.xml><?xml version="1.0" encoding="utf-8"?>
 <p:sld xmlns:a="http://schemas.openxmlformats.org/drawingml/2006/main" xmlns:r="http://schemas.openxmlformats.org/officeDocument/2006/relationships" xmlns:p="http://schemas.openxmlformats.org/presentationml/2006/main">
   <p:cSld>
     <p:spTree>
@@ -12654,7 +15299,7 @@
             <a:pPr rtl="0"/>
             <a:fld id="{F24FFC25-0C05-49C8-B150-3CF6B89B5C55}" type="datetime1">
               <a:rPr lang="zh-CN" altLang="en-US" smtClean="0"/>
-              <a:t>2020/4/13</a:t>
+              <a:t>2020/4/15</a:t>
             </a:fld>
             <a:endParaRPr lang="en-US" dirty="0"/>
           </a:p>
@@ -12673,7 +15318,129 @@
 </p:sld>
 </file>
 
-<file path=ppt/slides/slide2.xml><?xml version="1.0" encoding="utf-8"?>
+<file path=ppt/slides/slide29.xml><?xml version="1.0" encoding="utf-8"?>
+<p:sld xmlns:a="http://schemas.openxmlformats.org/drawingml/2006/main" xmlns:r="http://schemas.openxmlformats.org/officeDocument/2006/relationships" xmlns:p="http://schemas.openxmlformats.org/presentationml/2006/main">
+  <p:cSld>
+    <p:spTree>
+      <p:nvGrpSpPr>
+        <p:cNvPr id="1" name=""/>
+        <p:cNvGrpSpPr/>
+        <p:nvPr/>
+      </p:nvGrpSpPr>
+      <p:grpSpPr>
+        <a:xfrm>
+          <a:off x="0" y="0"/>
+          <a:ext cx="0" cy="0"/>
+          <a:chOff x="0" y="0"/>
+          <a:chExt cx="0" cy="0"/>
+        </a:xfrm>
+      </p:grpSpPr>
+      <p:pic>
+        <p:nvPicPr>
+          <p:cNvPr id="5" name="内容占位符 4">
+            <a:extLst>
+              <a:ext uri="{FF2B5EF4-FFF2-40B4-BE49-F238E27FC236}">
+                <a16:creationId xmlns:a16="http://schemas.microsoft.com/office/drawing/2014/main" id="{5F8D9ED3-CBB0-4DDD-A139-9E7F428158FB}"/>
+              </a:ext>
+            </a:extLst>
+          </p:cNvPr>
+          <p:cNvPicPr>
+            <a:picLocks noGrp="1" noChangeAspect="1"/>
+          </p:cNvPicPr>
+          <p:nvPr>
+            <p:ph idx="1"/>
+          </p:nvPr>
+        </p:nvPicPr>
+        <p:blipFill>
+          <a:blip r:embed="rId2"/>
+          <a:stretch>
+            <a:fillRect/>
+          </a:stretch>
+        </p:blipFill>
+        <p:spPr>
+          <a:xfrm>
+            <a:off x="2207360" y="1990377"/>
+            <a:ext cx="6605714" cy="4616099"/>
+          </a:xfrm>
+          <a:prstGeom prst="rect">
+            <a:avLst/>
+          </a:prstGeom>
+        </p:spPr>
+      </p:pic>
+      <p:sp>
+        <p:nvSpPr>
+          <p:cNvPr id="4" name="日期占位符 3">
+            <a:extLst>
+              <a:ext uri="{FF2B5EF4-FFF2-40B4-BE49-F238E27FC236}">
+                <a16:creationId xmlns:a16="http://schemas.microsoft.com/office/drawing/2014/main" id="{8518978B-8AC4-416A-86A0-525DF32C3D2A}"/>
+              </a:ext>
+            </a:extLst>
+          </p:cNvPr>
+          <p:cNvSpPr>
+            <a:spLocks noGrp="1"/>
+          </p:cNvSpPr>
+          <p:nvPr>
+            <p:ph type="dt" sz="half" idx="10"/>
+          </p:nvPr>
+        </p:nvSpPr>
+        <p:spPr/>
+        <p:txBody>
+          <a:bodyPr/>
+          <a:lstStyle/>
+          <a:p>
+            <a:pPr rtl="0"/>
+            <a:fld id="{F24FFC25-0C05-49C8-B150-3CF6B89B5C55}" type="datetime1">
+              <a:rPr lang="zh-CN" altLang="en-US" smtClean="0"/>
+              <a:t>2020/4/15</a:t>
+            </a:fld>
+            <a:endParaRPr lang="en-US" dirty="0"/>
+          </a:p>
+        </p:txBody>
+      </p:sp>
+      <p:pic>
+        <p:nvPicPr>
+          <p:cNvPr id="3" name="图片 2">
+            <a:extLst>
+              <a:ext uri="{FF2B5EF4-FFF2-40B4-BE49-F238E27FC236}">
+                <a16:creationId xmlns:a16="http://schemas.microsoft.com/office/drawing/2014/main" id="{AF4DD993-43D2-471C-9267-85B957576088}"/>
+              </a:ext>
+            </a:extLst>
+          </p:cNvPr>
+          <p:cNvPicPr>
+            <a:picLocks noChangeAspect="1"/>
+          </p:cNvPicPr>
+          <p:nvPr/>
+        </p:nvPicPr>
+        <p:blipFill>
+          <a:blip r:embed="rId3"/>
+          <a:stretch>
+            <a:fillRect/>
+          </a:stretch>
+        </p:blipFill>
+        <p:spPr>
+          <a:xfrm>
+            <a:off x="1652289" y="573423"/>
+            <a:ext cx="8295238" cy="1304762"/>
+          </a:xfrm>
+          <a:prstGeom prst="rect">
+            <a:avLst/>
+          </a:prstGeom>
+        </p:spPr>
+      </p:pic>
+    </p:spTree>
+    <p:extLst>
+      <p:ext uri="{BB962C8B-B14F-4D97-AF65-F5344CB8AC3E}">
+        <p14:creationId xmlns:p14="http://schemas.microsoft.com/office/powerpoint/2010/main" val="1581277755"/>
+      </p:ext>
+    </p:extLst>
+  </p:cSld>
+  <p:clrMapOvr>
+    <a:masterClrMapping/>
+  </p:clrMapOvr>
+</p:sld>
+</file>
+
+<file path=ppt/slides/slide3.xml><?xml version="1.0" encoding="utf-8"?>
 <p:sld xmlns:a="http://schemas.openxmlformats.org/drawingml/2006/main" xmlns:r="http://schemas.openxmlformats.org/officeDocument/2006/relationships" xmlns:p="http://schemas.openxmlformats.org/presentationml/2006/main">
   <p:cSld>
     <p:spTree>
@@ -12695,7 +15462,7 @@
           <p:cNvPr id="2" name="标题 1">
             <a:extLst>
               <a:ext uri="{FF2B5EF4-FFF2-40B4-BE49-F238E27FC236}">
-                <a16:creationId xmlns:a16="http://schemas.microsoft.com/office/drawing/2014/main" id="{5E562972-3449-42D1-8185-B4BEFD52AB44}"/>
+                <a16:creationId xmlns:a16="http://schemas.microsoft.com/office/drawing/2014/main" id="{53B006C1-4D6C-4315-B1DE-7D884C9C35FF}"/>
               </a:ext>
             </a:extLst>
           </p:cNvPr>
@@ -12708,53 +15475,415 @@
         </p:nvSpPr>
         <p:spPr/>
         <p:txBody>
-          <a:bodyPr rtlCol="0"/>
+          <a:bodyPr>
+            <a:normAutofit fontScale="90000"/>
+          </a:bodyPr>
           <a:lstStyle/>
           <a:p>
-            <a:pPr rtl="0"/>
-            <a:r>
-              <a:rPr lang="en-US" altLang="zh-CN" dirty="0"/>
-              <a:t>TIME LINE</a:t>
-            </a:r>
-            <a:endParaRPr lang="zh-cn" dirty="0"/>
+            <a:r>
+              <a:rPr lang="zh-CN" altLang="en-US" dirty="0"/>
+              <a:t>这是一个</a:t>
+            </a:r>
+            <a:r>
+              <a:rPr lang="zh-CN" altLang="en-US" sz="4800" dirty="0">
+                <a:solidFill>
+                  <a:srgbClr val="FF0000"/>
+                </a:solidFill>
+              </a:rPr>
+              <a:t>新</a:t>
+            </a:r>
+            <a:r>
+              <a:rPr lang="zh-CN" altLang="en-US" dirty="0"/>
+              <a:t>名词</a:t>
+            </a:r>
+            <a:br>
+              <a:rPr lang="zh-CN" altLang="en-US" dirty="0"/>
+            </a:br>
+            <a:endParaRPr lang="zh-CN" altLang="en-US" dirty="0"/>
           </a:p>
         </p:txBody>
       </p:sp>
-      <p:graphicFrame>
-        <p:nvGraphicFramePr>
-          <p:cNvPr id="4" name="内容占位符 2">
+      <p:sp>
+        <p:nvSpPr>
+          <p:cNvPr id="3" name="内容占位符 2">
             <a:extLst>
               <a:ext uri="{FF2B5EF4-FFF2-40B4-BE49-F238E27FC236}">
-                <a16:creationId xmlns:a16="http://schemas.microsoft.com/office/drawing/2014/main" id="{FF3F0D82-0AA6-45C3-8367-955CBFA02ED6}"/>
+                <a16:creationId xmlns:a16="http://schemas.microsoft.com/office/drawing/2014/main" id="{6ED5FE39-1F9D-49A8-8F34-D20169138617}"/>
               </a:ext>
             </a:extLst>
           </p:cNvPr>
-          <p:cNvGraphicFramePr>
-            <a:graphicFrameLocks noGrp="1"/>
-          </p:cNvGraphicFramePr>
+          <p:cNvSpPr>
+            <a:spLocks noGrp="1"/>
+          </p:cNvSpPr>
           <p:nvPr>
             <p:ph idx="1"/>
-            <p:extLst>
-              <p:ext uri="{D42A27DB-BD31-4B8C-83A1-F6EECF244321}">
-                <p14:modId xmlns:p14="http://schemas.microsoft.com/office/powerpoint/2010/main" val="2924226617"/>
-              </p:ext>
-            </p:extLst>
           </p:nvPr>
-        </p:nvGraphicFramePr>
-        <p:xfrm>
-          <a:off x="581025" y="2341563"/>
-          <a:ext cx="11029950" cy="3633787"/>
-        </p:xfrm>
-        <a:graphic>
-          <a:graphicData uri="http://schemas.openxmlformats.org/drawingml/2006/diagram">
-            <dgm:relIds xmlns:dgm="http://schemas.openxmlformats.org/drawingml/2006/diagram" xmlns:r="http://schemas.openxmlformats.org/officeDocument/2006/relationships" r:dm="rId2" r:lo="rId3" r:qs="rId4" r:cs="rId5"/>
-          </a:graphicData>
-        </a:graphic>
-      </p:graphicFrame>
+        </p:nvSpPr>
+        <p:spPr>
+          <a:xfrm>
+            <a:off x="581192" y="2063692"/>
+            <a:ext cx="11029615" cy="3911658"/>
+          </a:xfrm>
+        </p:spPr>
+        <p:txBody>
+          <a:bodyPr>
+            <a:normAutofit lnSpcReduction="10000"/>
+          </a:bodyPr>
+          <a:lstStyle/>
+          <a:p>
+            <a:r>
+              <a:rPr lang="zh-CN" altLang="en-US" b="1" dirty="0"/>
+              <a:t>最早使用</a:t>
+            </a:r>
+            <a:endParaRPr lang="en-US" altLang="zh-CN" b="1" dirty="0"/>
+          </a:p>
+          <a:p>
+            <a:pPr>
+              <a:buFont typeface="Wingdings" panose="05000000000000000000" pitchFamily="2" charset="2"/>
+              <a:buChar char="l"/>
+            </a:pPr>
+            <a:r>
+              <a:rPr lang="en-US" altLang="zh-CN" sz="1400" dirty="0"/>
+              <a:t>Service Mesh</a:t>
+            </a:r>
+            <a:r>
+              <a:rPr lang="zh-CN" altLang="en-US" sz="1400" dirty="0"/>
+              <a:t>最早是由开发</a:t>
+            </a:r>
+            <a:r>
+              <a:rPr lang="en-US" altLang="zh-CN" sz="1400" dirty="0"/>
+              <a:t>Linkerd</a:t>
+            </a:r>
+            <a:r>
+              <a:rPr lang="zh-CN" altLang="en-US" sz="1400" dirty="0"/>
+              <a:t>的</a:t>
+            </a:r>
+            <a:r>
+              <a:rPr lang="en-US" altLang="zh-CN" sz="1400" dirty="0"/>
+              <a:t>Buoyant</a:t>
+            </a:r>
+            <a:r>
+              <a:rPr lang="zh-CN" altLang="en-US" sz="1400" dirty="0"/>
+              <a:t>公司提出</a:t>
+            </a:r>
+            <a:r>
+              <a:rPr lang="en-US" altLang="zh-CN" sz="1400" dirty="0"/>
+              <a:t>, </a:t>
+            </a:r>
+            <a:r>
+              <a:rPr lang="zh-CN" altLang="en-US" sz="1400" dirty="0"/>
+              <a:t>并在内部使用</a:t>
+            </a:r>
+            <a:endParaRPr lang="en-US" altLang="zh-CN" sz="1400" dirty="0"/>
+          </a:p>
+          <a:p>
+            <a:pPr>
+              <a:buFont typeface="Wingdings" panose="05000000000000000000" pitchFamily="2" charset="2"/>
+              <a:buChar char="l"/>
+            </a:pPr>
+            <a:r>
+              <a:rPr lang="en-US" altLang="zh-CN" sz="1400" dirty="0"/>
+              <a:t>2016</a:t>
+            </a:r>
+            <a:r>
+              <a:rPr lang="zh-CN" altLang="en-US" sz="1400" dirty="0"/>
+              <a:t>年</a:t>
+            </a:r>
+            <a:r>
+              <a:rPr lang="en-US" altLang="zh-CN" sz="1400" dirty="0"/>
+              <a:t>9</a:t>
+            </a:r>
+            <a:r>
+              <a:rPr lang="zh-CN" altLang="en-US" sz="1400" dirty="0"/>
+              <a:t>月第一次公开使用</a:t>
+            </a:r>
+            <a:endParaRPr lang="en-US" altLang="zh-CN" sz="1400" dirty="0"/>
+          </a:p>
+          <a:p>
+            <a:pPr>
+              <a:buFont typeface="Wingdings" panose="05000000000000000000" pitchFamily="2" charset="2"/>
+              <a:buChar char="n"/>
+            </a:pPr>
+            <a:r>
+              <a:rPr lang="zh-CN" altLang="en-US" b="1" dirty="0"/>
+              <a:t>第一代 </a:t>
+            </a:r>
+            <a:r>
+              <a:rPr lang="en-US" altLang="zh-CN" b="1" dirty="0"/>
+              <a:t>service mesh </a:t>
+            </a:r>
+            <a:r>
+              <a:rPr lang="zh-CN" altLang="en-US" b="1" dirty="0"/>
+              <a:t>以 </a:t>
+            </a:r>
+            <a:r>
+              <a:rPr lang="en-US" altLang="zh-CN" b="1" dirty="0"/>
+              <a:t>Linkerd </a:t>
+            </a:r>
+            <a:r>
+              <a:rPr lang="zh-CN" altLang="en-US" b="1" dirty="0"/>
+              <a:t>和 </a:t>
+            </a:r>
+            <a:r>
+              <a:rPr lang="en-US" altLang="zh-CN" b="1" dirty="0"/>
+              <a:t>Envoy </a:t>
+            </a:r>
+            <a:r>
+              <a:rPr lang="zh-CN" altLang="en-US" b="1" dirty="0"/>
+              <a:t>为代表</a:t>
+            </a:r>
+            <a:endParaRPr lang="en-US" altLang="zh-CN" b="1" dirty="0"/>
+          </a:p>
+          <a:p>
+            <a:pPr>
+              <a:buFont typeface="Wingdings" panose="05000000000000000000" pitchFamily="2" charset="2"/>
+              <a:buChar char="l"/>
+            </a:pPr>
+            <a:r>
+              <a:rPr lang="en-US" altLang="zh-CN" sz="1400" dirty="0"/>
+              <a:t>Linkerd </a:t>
+            </a:r>
+            <a:r>
+              <a:rPr lang="zh-CN" altLang="en-US" sz="1400" dirty="0"/>
+              <a:t>使用</a:t>
+            </a:r>
+            <a:r>
+              <a:rPr lang="en-US" altLang="zh-CN" sz="1400" dirty="0"/>
+              <a:t>Scala</a:t>
+            </a:r>
+            <a:r>
+              <a:rPr lang="zh-CN" altLang="en-US" sz="1400" dirty="0"/>
+              <a:t>编写，是业界第一个开源的</a:t>
+            </a:r>
+            <a:r>
+              <a:rPr lang="en-US" altLang="zh-CN" sz="1400" dirty="0"/>
+              <a:t>service mesh</a:t>
+            </a:r>
+            <a:r>
+              <a:rPr lang="zh-CN" altLang="en-US" sz="1400" dirty="0"/>
+              <a:t>方案。作者 </a:t>
+            </a:r>
+            <a:r>
+              <a:rPr lang="en-US" altLang="zh-CN" sz="1400" dirty="0"/>
+              <a:t>William Morgan </a:t>
+            </a:r>
+            <a:r>
+              <a:rPr lang="zh-CN" altLang="en-US" sz="1400" dirty="0"/>
+              <a:t>是 </a:t>
+            </a:r>
+            <a:r>
+              <a:rPr lang="en-US" altLang="zh-CN" sz="1400" dirty="0"/>
+              <a:t>service mesh </a:t>
+            </a:r>
+            <a:r>
+              <a:rPr lang="zh-CN" altLang="en-US" sz="1400" dirty="0"/>
+              <a:t>的布道师和践行者。</a:t>
+            </a:r>
+            <a:r>
+              <a:rPr lang="en-US" altLang="zh-CN" sz="1400" dirty="0"/>
+              <a:t>Envoy </a:t>
+            </a:r>
+            <a:r>
+              <a:rPr lang="zh-CN" altLang="en-US" sz="1400" dirty="0"/>
+              <a:t>基于</a:t>
+            </a:r>
+            <a:r>
+              <a:rPr lang="en-US" altLang="zh-CN" sz="1400" dirty="0"/>
+              <a:t>C++ 11</a:t>
+            </a:r>
+            <a:r>
+              <a:rPr lang="zh-CN" altLang="en-US" sz="1400" dirty="0"/>
+              <a:t>编写，无论是理论上还是实际上，后者性能都比 </a:t>
+            </a:r>
+            <a:r>
+              <a:rPr lang="en-US" altLang="zh-CN" sz="1400" dirty="0"/>
+              <a:t>Linkderd </a:t>
+            </a:r>
+            <a:r>
+              <a:rPr lang="zh-CN" altLang="en-US" sz="1400" dirty="0"/>
+              <a:t>更好。这两个开源实现都是以 </a:t>
+            </a:r>
+            <a:r>
+              <a:rPr lang="en-US" altLang="zh-CN" sz="1400" dirty="0"/>
+              <a:t>sidecar </a:t>
+            </a:r>
+            <a:r>
+              <a:rPr lang="zh-CN" altLang="en-US" sz="1400" dirty="0"/>
+              <a:t>为核心，绝大部分关注点都是如何做好</a:t>
+            </a:r>
+            <a:r>
+              <a:rPr lang="en-US" altLang="zh-CN" sz="1400" dirty="0"/>
+              <a:t>proxy</a:t>
+            </a:r>
+            <a:r>
+              <a:rPr lang="zh-CN" altLang="en-US" sz="1400" dirty="0"/>
+              <a:t>，并完成一些通用控制面的功能。 但是，当你在容器中大量部署 </a:t>
+            </a:r>
+            <a:r>
+              <a:rPr lang="en-US" altLang="zh-CN" sz="1400" dirty="0"/>
+              <a:t>sidecar </a:t>
+            </a:r>
+            <a:r>
+              <a:rPr lang="zh-CN" altLang="en-US" sz="1400" dirty="0"/>
+              <a:t>以后，如何管理和控制这些 </a:t>
+            </a:r>
+            <a:r>
+              <a:rPr lang="en-US" altLang="zh-CN" sz="1400" dirty="0"/>
+              <a:t>sidecar </a:t>
+            </a:r>
+            <a:r>
+              <a:rPr lang="zh-CN" altLang="en-US" sz="1400" dirty="0"/>
+              <a:t>本身就是一个不小的挑战。于是，第二代 </a:t>
+            </a:r>
+            <a:r>
+              <a:rPr lang="en-US" altLang="zh-CN" sz="1400" dirty="0"/>
+              <a:t>Service Mesh </a:t>
+            </a:r>
+            <a:r>
+              <a:rPr lang="zh-CN" altLang="en-US" sz="1400" dirty="0"/>
+              <a:t>应运而生。</a:t>
+            </a:r>
+            <a:endParaRPr lang="en-US" altLang="zh-CN" sz="1400" dirty="0"/>
+          </a:p>
+          <a:p>
+            <a:pPr>
+              <a:buFont typeface="Wingdings" panose="05000000000000000000" pitchFamily="2" charset="2"/>
+              <a:buChar char="n"/>
+            </a:pPr>
+            <a:r>
+              <a:rPr lang="zh-CN" altLang="en-US" b="1" dirty="0"/>
+              <a:t>第二代</a:t>
+            </a:r>
+            <a:r>
+              <a:rPr lang="en-US" altLang="zh-CN" b="1" dirty="0"/>
+              <a:t>service mesh</a:t>
+            </a:r>
+            <a:r>
+              <a:rPr lang="zh-CN" altLang="fr-FR" b="1" dirty="0"/>
+              <a:t>典型代表有 </a:t>
+            </a:r>
+            <a:r>
+              <a:rPr lang="fr-FR" altLang="zh-CN" b="1" dirty="0"/>
+              <a:t>Istio </a:t>
+            </a:r>
+            <a:r>
+              <a:rPr lang="zh-CN" altLang="fr-FR" b="1" dirty="0"/>
+              <a:t>和 </a:t>
+            </a:r>
+            <a:r>
+              <a:rPr lang="fr-FR" altLang="zh-CN" b="1" dirty="0"/>
+              <a:t>Conduit(Linkerd2)</a:t>
+            </a:r>
+          </a:p>
+          <a:p>
+            <a:pPr>
+              <a:buFont typeface="Wingdings" panose="05000000000000000000" pitchFamily="2" charset="2"/>
+              <a:buChar char="l"/>
+            </a:pPr>
+            <a:r>
+              <a:rPr lang="en-US" altLang="zh-CN" sz="1400" dirty="0"/>
+              <a:t>Linkerd1.0</a:t>
+            </a:r>
+            <a:r>
+              <a:rPr lang="zh-CN" altLang="en-US" sz="1400" dirty="0"/>
+              <a:t>发布不到一个月，</a:t>
+            </a:r>
+            <a:r>
+              <a:rPr lang="en-US" altLang="zh-CN" sz="1400" dirty="0"/>
+              <a:t>Istio</a:t>
+            </a:r>
+            <a:r>
+              <a:rPr lang="zh-CN" altLang="en-US" sz="1400" dirty="0"/>
+              <a:t>就出来了，紧接着</a:t>
+            </a:r>
+            <a:r>
+              <a:rPr lang="en-US" altLang="zh-CN" sz="1400" dirty="0"/>
+              <a:t>Envoy</a:t>
+            </a:r>
+            <a:r>
+              <a:rPr lang="zh-CN" altLang="en-US" sz="1400" dirty="0"/>
+              <a:t>在九月份杀入</a:t>
+            </a:r>
+            <a:r>
+              <a:rPr lang="en-US" altLang="zh-CN" sz="1400" dirty="0"/>
+              <a:t>CNCF</a:t>
+            </a:r>
+            <a:r>
+              <a:rPr lang="zh-CN" altLang="en-US" sz="1400" dirty="0"/>
+              <a:t>。时间点上可以看到非常近，可谓是“江山代有才人出，各领风骚几个月”。</a:t>
+            </a:r>
+            <a:r>
+              <a:rPr lang="en-US" altLang="zh-CN" sz="1400" dirty="0"/>
+              <a:t>Service Mesh</a:t>
+            </a:r>
+            <a:r>
+              <a:rPr lang="zh-CN" altLang="en-US" sz="1400" dirty="0"/>
+              <a:t>的风头就是以一个月一个月的方式在做变化。</a:t>
+            </a:r>
+            <a:endParaRPr lang="en-US" altLang="zh-CN" sz="1400" dirty="0"/>
+          </a:p>
+          <a:p>
+            <a:pPr>
+              <a:buFont typeface="Wingdings" panose="05000000000000000000" pitchFamily="2" charset="2"/>
+              <a:buChar char="l"/>
+            </a:pPr>
+            <a:r>
+              <a:rPr lang="zh-CN" altLang="en-US" sz="1400" dirty="0"/>
+              <a:t>主要改进集中在更加强大的控制面功能（与之对应的 </a:t>
+            </a:r>
+            <a:r>
+              <a:rPr lang="en-US" altLang="zh-CN" sz="1400" dirty="0"/>
+              <a:t>sidecar proxy </a:t>
+            </a:r>
+            <a:r>
+              <a:rPr lang="zh-CN" altLang="en-US" sz="1400" dirty="0"/>
+              <a:t>被称之为数据面）</a:t>
+            </a:r>
+            <a:endParaRPr lang="zh-CN" altLang="en-US" sz="1400" b="1" dirty="0"/>
+          </a:p>
+          <a:p>
+            <a:pPr>
+              <a:buFont typeface="Wingdings" panose="05000000000000000000" pitchFamily="2" charset="2"/>
+              <a:buChar char="l"/>
+            </a:pPr>
+            <a:endParaRPr lang="en-US" altLang="zh-CN" sz="1400" dirty="0"/>
+          </a:p>
+        </p:txBody>
+      </p:sp>
+      <p:sp>
+        <p:nvSpPr>
+          <p:cNvPr id="4" name="日期占位符 3">
+            <a:extLst>
+              <a:ext uri="{FF2B5EF4-FFF2-40B4-BE49-F238E27FC236}">
+                <a16:creationId xmlns:a16="http://schemas.microsoft.com/office/drawing/2014/main" id="{3B6F896E-2DDB-4286-8F67-934B0C5CD5B1}"/>
+              </a:ext>
+            </a:extLst>
+          </p:cNvPr>
+          <p:cNvSpPr>
+            <a:spLocks noGrp="1"/>
+          </p:cNvSpPr>
+          <p:nvPr>
+            <p:ph type="dt" sz="half" idx="10"/>
+          </p:nvPr>
+        </p:nvSpPr>
+        <p:spPr/>
+        <p:txBody>
+          <a:bodyPr/>
+          <a:lstStyle/>
+          <a:p>
+            <a:pPr rtl="0"/>
+            <a:fld id="{F24FFC25-0C05-49C8-B150-3CF6B89B5C55}" type="datetime1">
+              <a:rPr lang="zh-CN" altLang="en-US" smtClean="0"/>
+              <a:t>2020/4/15</a:t>
+            </a:fld>
+            <a:endParaRPr lang="en-US" dirty="0"/>
+          </a:p>
+        </p:txBody>
+      </p:sp>
     </p:spTree>
     <p:extLst>
       <p:ext uri="{BB962C8B-B14F-4D97-AF65-F5344CB8AC3E}">
-        <p14:creationId xmlns:p14="http://schemas.microsoft.com/office/powerpoint/2010/main" val="263784652"/>
+        <p14:creationId xmlns:p14="http://schemas.microsoft.com/office/powerpoint/2010/main" val="1130933906"/>
       </p:ext>
     </p:extLst>
   </p:cSld>
@@ -12764,7 +15893,7 @@
 </p:sld>
 </file>
 
-<file path=ppt/slides/slide20.xml><?xml version="1.0" encoding="utf-8"?>
+<file path=ppt/slides/slide30.xml><?xml version="1.0" encoding="utf-8"?>
 <p:sld xmlns:a="http://schemas.openxmlformats.org/drawingml/2006/main" xmlns:r="http://schemas.openxmlformats.org/officeDocument/2006/relationships" xmlns:p="http://schemas.openxmlformats.org/presentationml/2006/main">
   <p:cSld>
     <p:spTree>
@@ -12786,7 +15915,7 @@
           <p:cNvPr id="2" name="标题 1">
             <a:extLst>
               <a:ext uri="{FF2B5EF4-FFF2-40B4-BE49-F238E27FC236}">
-                <a16:creationId xmlns:a16="http://schemas.microsoft.com/office/drawing/2014/main" id="{D2C38DCB-D93E-44E0-8550-748139B408FE}"/>
+                <a16:creationId xmlns:a16="http://schemas.microsoft.com/office/drawing/2014/main" id="{893724BB-C091-4684-AA93-3E98D0313293}"/>
               </a:ext>
             </a:extLst>
           </p:cNvPr>
@@ -12797,37 +15926,34 @@
             <p:ph type="title"/>
           </p:nvPr>
         </p:nvSpPr>
-        <p:spPr/>
+        <p:spPr>
+          <a:xfrm>
+            <a:off x="581192" y="702155"/>
+            <a:ext cx="11029616" cy="3329913"/>
+          </a:xfrm>
+        </p:spPr>
         <p:txBody>
-          <a:bodyPr/>
+          <a:bodyPr>
+            <a:normAutofit/>
+          </a:bodyPr>
           <a:lstStyle/>
           <a:p>
-            <a:endParaRPr lang="zh-CN" altLang="en-US"/>
-          </a:p>
-        </p:txBody>
-      </p:sp>
-      <p:sp>
-        <p:nvSpPr>
-          <p:cNvPr id="3" name="内容占位符 2">
-            <a:extLst>
-              <a:ext uri="{FF2B5EF4-FFF2-40B4-BE49-F238E27FC236}">
-                <a16:creationId xmlns:a16="http://schemas.microsoft.com/office/drawing/2014/main" id="{8DE03C2C-F4EC-478B-B472-1B5860307ABF}"/>
-              </a:ext>
-            </a:extLst>
-          </p:cNvPr>
-          <p:cNvSpPr>
-            <a:spLocks noGrp="1"/>
-          </p:cNvSpPr>
-          <p:nvPr>
-            <p:ph idx="1"/>
-          </p:nvPr>
-        </p:nvSpPr>
-        <p:spPr/>
-        <p:txBody>
-          <a:bodyPr/>
-          <a:lstStyle/>
-          <a:p>
-            <a:endParaRPr lang="zh-CN" altLang="en-US"/>
+            <a:pPr algn="ctr"/>
+            <a:r>
+              <a:rPr lang="zh-CN" altLang="en-US" sz="8800" dirty="0">
+                <a:latin typeface="Magneto" panose="04030805050802020D02" pitchFamily="82" charset="0"/>
+              </a:rPr>
+              <a:t>谢谢</a:t>
+            </a:r>
+            <a:r>
+              <a:rPr lang="en-US" altLang="zh-CN" sz="8800" dirty="0">
+                <a:latin typeface="Magneto" panose="04030805050802020D02" pitchFamily="82" charset="0"/>
+              </a:rPr>
+              <a:t>!</a:t>
+            </a:r>
+            <a:endParaRPr lang="zh-CN" altLang="en-US" sz="8800" dirty="0">
+              <a:latin typeface="Magneto" panose="04030805050802020D02" pitchFamily="82" charset="0"/>
+            </a:endParaRPr>
           </a:p>
         </p:txBody>
       </p:sp>
@@ -12836,7 +15962,7 @@
           <p:cNvPr id="4" name="日期占位符 3">
             <a:extLst>
               <a:ext uri="{FF2B5EF4-FFF2-40B4-BE49-F238E27FC236}">
-                <a16:creationId xmlns:a16="http://schemas.microsoft.com/office/drawing/2014/main" id="{8518978B-8AC4-416A-86A0-525DF32C3D2A}"/>
+                <a16:creationId xmlns:a16="http://schemas.microsoft.com/office/drawing/2014/main" id="{1AD93D1D-EEBE-4C3E-8E9D-6A82339306EA}"/>
               </a:ext>
             </a:extLst>
           </p:cNvPr>
@@ -12855,7 +15981,7 @@
             <a:pPr rtl="0"/>
             <a:fld id="{F24FFC25-0C05-49C8-B150-3CF6B89B5C55}" type="datetime1">
               <a:rPr lang="zh-CN" altLang="en-US" smtClean="0"/>
-              <a:t>2020/4/13</a:t>
+              <a:t>2020/4/15</a:t>
             </a:fld>
             <a:endParaRPr lang="en-US" dirty="0"/>
           </a:p>
@@ -12864,7 +15990,7 @@
     </p:spTree>
     <p:extLst>
       <p:ext uri="{BB962C8B-B14F-4D97-AF65-F5344CB8AC3E}">
-        <p14:creationId xmlns:p14="http://schemas.microsoft.com/office/powerpoint/2010/main" val="1581277755"/>
+        <p14:creationId xmlns:p14="http://schemas.microsoft.com/office/powerpoint/2010/main" val="65905417"/>
       </p:ext>
     </p:extLst>
   </p:cSld>
@@ -12874,7 +16000,7 @@
 </p:sld>
 </file>
 
-<file path=ppt/slides/slide21.xml><?xml version="1.0" encoding="utf-8"?>
+<file path=ppt/slides/slide31.xml><?xml version="1.0" encoding="utf-8"?>
 <p:sld xmlns:a="http://schemas.openxmlformats.org/drawingml/2006/main" xmlns:r="http://schemas.openxmlformats.org/officeDocument/2006/relationships" xmlns:p="http://schemas.openxmlformats.org/presentationml/2006/main">
   <p:cSld>
     <p:spTree>
@@ -13367,7 +16493,7 @@
             <a:pPr rtl="0"/>
             <a:fld id="{F24FFC25-0C05-49C8-B150-3CF6B89B5C55}" type="datetime1">
               <a:rPr lang="zh-CN" altLang="en-US" smtClean="0"/>
-              <a:t>2020/4/13</a:t>
+              <a:t>2020/4/15</a:t>
             </a:fld>
             <a:endParaRPr lang="en-US" dirty="0"/>
           </a:p>
@@ -13386,7 +16512,7 @@
 </p:sld>
 </file>
 
-<file path=ppt/slides/slide22.xml><?xml version="1.0" encoding="utf-8"?>
+<file path=ppt/slides/slide32.xml><?xml version="1.0" encoding="utf-8"?>
 <p:sld xmlns:a="http://schemas.openxmlformats.org/drawingml/2006/main" xmlns:r="http://schemas.openxmlformats.org/officeDocument/2006/relationships" xmlns:p="http://schemas.openxmlformats.org/presentationml/2006/main">
   <p:cSld>
     <p:spTree>
@@ -13515,7 +16641,7 @@
             <a:pPr rtl="0"/>
             <a:fld id="{F24FFC25-0C05-49C8-B150-3CF6B89B5C55}" type="datetime1">
               <a:rPr lang="zh-CN" altLang="en-US" smtClean="0"/>
-              <a:t>2020/4/13</a:t>
+              <a:t>2020/4/15</a:t>
             </a:fld>
             <a:endParaRPr lang="en-US" dirty="0"/>
           </a:p>
@@ -13534,7 +16660,7 @@
 </p:sld>
 </file>
 
-<file path=ppt/slides/slide23.xml><?xml version="1.0" encoding="utf-8"?>
+<file path=ppt/slides/slide33.xml><?xml version="1.0" encoding="utf-8"?>
 <p:sld xmlns:a="http://schemas.openxmlformats.org/drawingml/2006/main" xmlns:r="http://schemas.openxmlformats.org/officeDocument/2006/relationships" xmlns:p="http://schemas.openxmlformats.org/presentationml/2006/main">
   <p:cSld>
     <p:spTree>
@@ -13838,7 +16964,7 @@
             <a:pPr rtl="0"/>
             <a:fld id="{F24FFC25-0C05-49C8-B150-3CF6B89B5C55}" type="datetime1">
               <a:rPr lang="zh-CN" altLang="en-US" smtClean="0"/>
-              <a:t>2020/4/13</a:t>
+              <a:t>2020/4/15</a:t>
             </a:fld>
             <a:endParaRPr lang="en-US" dirty="0"/>
           </a:p>
@@ -13857,7 +16983,7 @@
 </p:sld>
 </file>
 
-<file path=ppt/slides/slide24.xml><?xml version="1.0" encoding="utf-8"?>
+<file path=ppt/slides/slide34.xml><?xml version="1.0" encoding="utf-8"?>
 <p:sld xmlns:a="http://schemas.openxmlformats.org/drawingml/2006/main" xmlns:r="http://schemas.openxmlformats.org/officeDocument/2006/relationships" xmlns:p="http://schemas.openxmlformats.org/presentationml/2006/main">
   <p:cSld>
     <p:spTree>
@@ -14418,7 +17544,7 @@
             <a:pPr rtl="0"/>
             <a:fld id="{F24FFC25-0C05-49C8-B150-3CF6B89B5C55}" type="datetime1">
               <a:rPr lang="zh-CN" altLang="en-US" smtClean="0"/>
-              <a:t>2020/4/13</a:t>
+              <a:t>2020/4/15</a:t>
             </a:fld>
             <a:endParaRPr lang="en-US" dirty="0"/>
           </a:p>
@@ -14437,7 +17563,7 @@
 </p:sld>
 </file>
 
-<file path=ppt/slides/slide25.xml><?xml version="1.0" encoding="utf-8"?>
+<file path=ppt/slides/slide35.xml><?xml version="1.0" encoding="utf-8"?>
 <p:sld xmlns:a="http://schemas.openxmlformats.org/drawingml/2006/main" xmlns:r="http://schemas.openxmlformats.org/officeDocument/2006/relationships" xmlns:p="http://schemas.openxmlformats.org/presentationml/2006/main">
   <p:cSld>
     <p:spTree>
@@ -14512,7 +17638,7 @@
             <a:pPr rtl="0"/>
             <a:fld id="{F24FFC25-0C05-49C8-B150-3CF6B89B5C55}" type="datetime1">
               <a:rPr lang="zh-CN" altLang="en-US" smtClean="0"/>
-              <a:t>2020/4/13</a:t>
+              <a:t>2020/4/15</a:t>
             </a:fld>
             <a:endParaRPr lang="en-US" dirty="0"/>
           </a:p>
@@ -15287,7 +18413,7 @@
 </p:sld>
 </file>
 
-<file path=ppt/slides/slide26.xml><?xml version="1.0" encoding="utf-8"?>
+<file path=ppt/slides/slide36.xml><?xml version="1.0" encoding="utf-8"?>
 <p:sld xmlns:a="http://schemas.openxmlformats.org/drawingml/2006/main" xmlns:r="http://schemas.openxmlformats.org/officeDocument/2006/relationships" xmlns:p="http://schemas.openxmlformats.org/presentationml/2006/main">
   <p:cSld>
     <p:spTree>
@@ -16348,7 +19474,7 @@
             <a:pPr rtl="0"/>
             <a:fld id="{F24FFC25-0C05-49C8-B150-3CF6B89B5C55}" type="datetime1">
               <a:rPr lang="zh-CN" altLang="en-US" smtClean="0"/>
-              <a:t>2020/4/13</a:t>
+              <a:t>2020/4/15</a:t>
             </a:fld>
             <a:endParaRPr lang="en-US" dirty="0"/>
           </a:p>
@@ -16367,7 +19493,7 @@
 </p:sld>
 </file>
 
-<file path=ppt/slides/slide27.xml><?xml version="1.0" encoding="utf-8"?>
+<file path=ppt/slides/slide37.xml><?xml version="1.0" encoding="utf-8"?>
 <p:sld xmlns:a="http://schemas.openxmlformats.org/drawingml/2006/main" xmlns:r="http://schemas.openxmlformats.org/officeDocument/2006/relationships" xmlns:p="http://schemas.openxmlformats.org/presentationml/2006/main">
   <p:cSld>
     <p:spTree>
@@ -17191,7 +20317,7 @@
             <a:pPr rtl="0"/>
             <a:fld id="{F24FFC25-0C05-49C8-B150-3CF6B89B5C55}" type="datetime1">
               <a:rPr lang="zh-CN" altLang="en-US" smtClean="0"/>
-              <a:t>2020/4/13</a:t>
+              <a:t>2020/4/15</a:t>
             </a:fld>
             <a:endParaRPr lang="en-US" dirty="0"/>
           </a:p>
@@ -17210,7 +20336,7 @@
 </p:sld>
 </file>
 
-<file path=ppt/slides/slide28.xml><?xml version="1.0" encoding="utf-8"?>
+<file path=ppt/slides/slide38.xml><?xml version="1.0" encoding="utf-8"?>
 <p:sld xmlns:a="http://schemas.openxmlformats.org/drawingml/2006/main" xmlns:r="http://schemas.openxmlformats.org/officeDocument/2006/relationships" xmlns:p="http://schemas.openxmlformats.org/presentationml/2006/main">
   <p:cSld>
     <p:spTree>
@@ -18287,7 +21413,7 @@
             <a:pPr rtl="0"/>
             <a:fld id="{F24FFC25-0C05-49C8-B150-3CF6B89B5C55}" type="datetime1">
               <a:rPr lang="zh-CN" altLang="en-US" smtClean="0"/>
-              <a:t>2020/4/13</a:t>
+              <a:t>2020/4/15</a:t>
             </a:fld>
             <a:endParaRPr lang="en-US" dirty="0"/>
           </a:p>
@@ -18306,7 +21432,7 @@
 </p:sld>
 </file>
 
-<file path=ppt/slides/slide29.xml><?xml version="1.0" encoding="utf-8"?>
+<file path=ppt/slides/slide39.xml><?xml version="1.0" encoding="utf-8"?>
 <p:sld xmlns:a="http://schemas.openxmlformats.org/drawingml/2006/main" xmlns:r="http://schemas.openxmlformats.org/officeDocument/2006/relationships" xmlns:p="http://schemas.openxmlformats.org/presentationml/2006/main">
   <p:cSld>
     <p:spTree>
@@ -19611,7 +22737,7 @@
             <a:pPr rtl="0"/>
             <a:fld id="{F24FFC25-0C05-49C8-B150-3CF6B89B5C55}" type="datetime1">
               <a:rPr lang="zh-CN" altLang="en-US" smtClean="0"/>
-              <a:t>2020/4/13</a:t>
+              <a:t>2020/4/15</a:t>
             </a:fld>
             <a:endParaRPr lang="en-US" dirty="0"/>
           </a:p>
@@ -19621,1946 +22747,6 @@
     <p:extLst>
       <p:ext uri="{BB962C8B-B14F-4D97-AF65-F5344CB8AC3E}">
         <p14:creationId xmlns:p14="http://schemas.microsoft.com/office/powerpoint/2010/main" val="2352451366"/>
-      </p:ext>
-    </p:extLst>
-  </p:cSld>
-  <p:clrMapOvr>
-    <a:masterClrMapping/>
-  </p:clrMapOvr>
-</p:sld>
-</file>
-
-<file path=ppt/slides/slide3.xml><?xml version="1.0" encoding="utf-8"?>
-<p:sld xmlns:a="http://schemas.openxmlformats.org/drawingml/2006/main" xmlns:r="http://schemas.openxmlformats.org/officeDocument/2006/relationships" xmlns:p="http://schemas.openxmlformats.org/presentationml/2006/main">
-  <p:cSld>
-    <p:spTree>
-      <p:nvGrpSpPr>
-        <p:cNvPr id="1" name=""/>
-        <p:cNvGrpSpPr/>
-        <p:nvPr/>
-      </p:nvGrpSpPr>
-      <p:grpSpPr>
-        <a:xfrm>
-          <a:off x="0" y="0"/>
-          <a:ext cx="0" cy="0"/>
-          <a:chOff x="0" y="0"/>
-          <a:chExt cx="0" cy="0"/>
-        </a:xfrm>
-      </p:grpSpPr>
-      <p:sp>
-        <p:nvSpPr>
-          <p:cNvPr id="2" name="标题 1">
-            <a:extLst>
-              <a:ext uri="{FF2B5EF4-FFF2-40B4-BE49-F238E27FC236}">
-                <a16:creationId xmlns:a16="http://schemas.microsoft.com/office/drawing/2014/main" id="{53B006C1-4D6C-4315-B1DE-7D884C9C35FF}"/>
-              </a:ext>
-            </a:extLst>
-          </p:cNvPr>
-          <p:cNvSpPr>
-            <a:spLocks noGrp="1"/>
-          </p:cNvSpPr>
-          <p:nvPr>
-            <p:ph type="title"/>
-          </p:nvPr>
-        </p:nvSpPr>
-        <p:spPr/>
-        <p:txBody>
-          <a:bodyPr>
-            <a:normAutofit fontScale="90000"/>
-          </a:bodyPr>
-          <a:lstStyle/>
-          <a:p>
-            <a:r>
-              <a:rPr lang="zh-CN" altLang="en-US" dirty="0"/>
-              <a:t>这是一个</a:t>
-            </a:r>
-            <a:r>
-              <a:rPr lang="zh-CN" altLang="en-US" sz="4800" dirty="0">
-                <a:solidFill>
-                  <a:srgbClr val="FF0000"/>
-                </a:solidFill>
-              </a:rPr>
-              <a:t>新</a:t>
-            </a:r>
-            <a:r>
-              <a:rPr lang="zh-CN" altLang="en-US" dirty="0"/>
-              <a:t>名词</a:t>
-            </a:r>
-            <a:br>
-              <a:rPr lang="zh-CN" altLang="en-US" dirty="0"/>
-            </a:br>
-            <a:endParaRPr lang="zh-CN" altLang="en-US" dirty="0"/>
-          </a:p>
-        </p:txBody>
-      </p:sp>
-      <p:sp>
-        <p:nvSpPr>
-          <p:cNvPr id="3" name="内容占位符 2">
-            <a:extLst>
-              <a:ext uri="{FF2B5EF4-FFF2-40B4-BE49-F238E27FC236}">
-                <a16:creationId xmlns:a16="http://schemas.microsoft.com/office/drawing/2014/main" id="{6ED5FE39-1F9D-49A8-8F34-D20169138617}"/>
-              </a:ext>
-            </a:extLst>
-          </p:cNvPr>
-          <p:cNvSpPr>
-            <a:spLocks noGrp="1"/>
-          </p:cNvSpPr>
-          <p:nvPr>
-            <p:ph idx="1"/>
-          </p:nvPr>
-        </p:nvSpPr>
-        <p:spPr>
-          <a:xfrm>
-            <a:off x="581192" y="2063692"/>
-            <a:ext cx="11029615" cy="3911658"/>
-          </a:xfrm>
-        </p:spPr>
-        <p:txBody>
-          <a:bodyPr>
-            <a:normAutofit lnSpcReduction="10000"/>
-          </a:bodyPr>
-          <a:lstStyle/>
-          <a:p>
-            <a:r>
-              <a:rPr lang="zh-CN" altLang="en-US" b="1" dirty="0"/>
-              <a:t>最早使用</a:t>
-            </a:r>
-            <a:endParaRPr lang="en-US" altLang="zh-CN" b="1" dirty="0"/>
-          </a:p>
-          <a:p>
-            <a:pPr>
-              <a:buFont typeface="Wingdings" panose="05000000000000000000" pitchFamily="2" charset="2"/>
-              <a:buChar char="l"/>
-            </a:pPr>
-            <a:r>
-              <a:rPr lang="en-US" altLang="zh-CN" sz="1400" dirty="0"/>
-              <a:t>Service Mesh</a:t>
-            </a:r>
-            <a:r>
-              <a:rPr lang="zh-CN" altLang="en-US" sz="1400" dirty="0"/>
-              <a:t>最早是由开发</a:t>
-            </a:r>
-            <a:r>
-              <a:rPr lang="en-US" altLang="zh-CN" sz="1400" dirty="0"/>
-              <a:t>Linkerd</a:t>
-            </a:r>
-            <a:r>
-              <a:rPr lang="zh-CN" altLang="en-US" sz="1400" dirty="0"/>
-              <a:t>的</a:t>
-            </a:r>
-            <a:r>
-              <a:rPr lang="en-US" altLang="zh-CN" sz="1400" dirty="0"/>
-              <a:t>Buoyant</a:t>
-            </a:r>
-            <a:r>
-              <a:rPr lang="zh-CN" altLang="en-US" sz="1400" dirty="0"/>
-              <a:t>公司提出</a:t>
-            </a:r>
-            <a:r>
-              <a:rPr lang="en-US" altLang="zh-CN" sz="1400" dirty="0"/>
-              <a:t>, </a:t>
-            </a:r>
-            <a:r>
-              <a:rPr lang="zh-CN" altLang="en-US" sz="1400" dirty="0"/>
-              <a:t>并在内部使用</a:t>
-            </a:r>
-            <a:endParaRPr lang="en-US" altLang="zh-CN" sz="1400" dirty="0"/>
-          </a:p>
-          <a:p>
-            <a:pPr>
-              <a:buFont typeface="Wingdings" panose="05000000000000000000" pitchFamily="2" charset="2"/>
-              <a:buChar char="l"/>
-            </a:pPr>
-            <a:r>
-              <a:rPr lang="en-US" altLang="zh-CN" sz="1400" dirty="0"/>
-              <a:t>2016</a:t>
-            </a:r>
-            <a:r>
-              <a:rPr lang="zh-CN" altLang="en-US" sz="1400" dirty="0"/>
-              <a:t>年</a:t>
-            </a:r>
-            <a:r>
-              <a:rPr lang="en-US" altLang="zh-CN" sz="1400" dirty="0"/>
-              <a:t>9</a:t>
-            </a:r>
-            <a:r>
-              <a:rPr lang="zh-CN" altLang="en-US" sz="1400" dirty="0"/>
-              <a:t>月第一次公开使用</a:t>
-            </a:r>
-            <a:endParaRPr lang="en-US" altLang="zh-CN" sz="1400" dirty="0"/>
-          </a:p>
-          <a:p>
-            <a:pPr>
-              <a:buFont typeface="Wingdings" panose="05000000000000000000" pitchFamily="2" charset="2"/>
-              <a:buChar char="n"/>
-            </a:pPr>
-            <a:r>
-              <a:rPr lang="zh-CN" altLang="en-US" b="1" dirty="0"/>
-              <a:t>第一代 </a:t>
-            </a:r>
-            <a:r>
-              <a:rPr lang="en-US" altLang="zh-CN" b="1" dirty="0"/>
-              <a:t>service mesh </a:t>
-            </a:r>
-            <a:r>
-              <a:rPr lang="zh-CN" altLang="en-US" b="1" dirty="0"/>
-              <a:t>以 </a:t>
-            </a:r>
-            <a:r>
-              <a:rPr lang="en-US" altLang="zh-CN" b="1" dirty="0"/>
-              <a:t>Linkerd </a:t>
-            </a:r>
-            <a:r>
-              <a:rPr lang="zh-CN" altLang="en-US" b="1" dirty="0"/>
-              <a:t>和 </a:t>
-            </a:r>
-            <a:r>
-              <a:rPr lang="en-US" altLang="zh-CN" b="1" dirty="0"/>
-              <a:t>Envoy </a:t>
-            </a:r>
-            <a:r>
-              <a:rPr lang="zh-CN" altLang="en-US" b="1" dirty="0"/>
-              <a:t>为代表</a:t>
-            </a:r>
-            <a:endParaRPr lang="en-US" altLang="zh-CN" b="1" dirty="0"/>
-          </a:p>
-          <a:p>
-            <a:pPr>
-              <a:buFont typeface="Wingdings" panose="05000000000000000000" pitchFamily="2" charset="2"/>
-              <a:buChar char="l"/>
-            </a:pPr>
-            <a:r>
-              <a:rPr lang="en-US" altLang="zh-CN" sz="1400" dirty="0"/>
-              <a:t>Linkerd </a:t>
-            </a:r>
-            <a:r>
-              <a:rPr lang="zh-CN" altLang="en-US" sz="1400" dirty="0"/>
-              <a:t>使用</a:t>
-            </a:r>
-            <a:r>
-              <a:rPr lang="en-US" altLang="zh-CN" sz="1400" dirty="0"/>
-              <a:t>Scala</a:t>
-            </a:r>
-            <a:r>
-              <a:rPr lang="zh-CN" altLang="en-US" sz="1400" dirty="0"/>
-              <a:t>编写，是业界第一个开源的</a:t>
-            </a:r>
-            <a:r>
-              <a:rPr lang="en-US" altLang="zh-CN" sz="1400" dirty="0"/>
-              <a:t>service mesh</a:t>
-            </a:r>
-            <a:r>
-              <a:rPr lang="zh-CN" altLang="en-US" sz="1400" dirty="0"/>
-              <a:t>方案。作者 </a:t>
-            </a:r>
-            <a:r>
-              <a:rPr lang="en-US" altLang="zh-CN" sz="1400" dirty="0"/>
-              <a:t>William Morgan </a:t>
-            </a:r>
-            <a:r>
-              <a:rPr lang="zh-CN" altLang="en-US" sz="1400" dirty="0"/>
-              <a:t>是 </a:t>
-            </a:r>
-            <a:r>
-              <a:rPr lang="en-US" altLang="zh-CN" sz="1400" dirty="0"/>
-              <a:t>service mesh </a:t>
-            </a:r>
-            <a:r>
-              <a:rPr lang="zh-CN" altLang="en-US" sz="1400" dirty="0"/>
-              <a:t>的布道师和践行者。</a:t>
-            </a:r>
-            <a:r>
-              <a:rPr lang="en-US" altLang="zh-CN" sz="1400" dirty="0"/>
-              <a:t>Envoy </a:t>
-            </a:r>
-            <a:r>
-              <a:rPr lang="zh-CN" altLang="en-US" sz="1400" dirty="0"/>
-              <a:t>基于</a:t>
-            </a:r>
-            <a:r>
-              <a:rPr lang="en-US" altLang="zh-CN" sz="1400" dirty="0"/>
-              <a:t>C++ 11</a:t>
-            </a:r>
-            <a:r>
-              <a:rPr lang="zh-CN" altLang="en-US" sz="1400" dirty="0"/>
-              <a:t>编写，无论是理论上还是实际上，后者性能都比 </a:t>
-            </a:r>
-            <a:r>
-              <a:rPr lang="en-US" altLang="zh-CN" sz="1400" dirty="0"/>
-              <a:t>Linkderd </a:t>
-            </a:r>
-            <a:r>
-              <a:rPr lang="zh-CN" altLang="en-US" sz="1400" dirty="0"/>
-              <a:t>更好。这两个开源实现都是以 </a:t>
-            </a:r>
-            <a:r>
-              <a:rPr lang="en-US" altLang="zh-CN" sz="1400" dirty="0"/>
-              <a:t>sidecar </a:t>
-            </a:r>
-            <a:r>
-              <a:rPr lang="zh-CN" altLang="en-US" sz="1400" dirty="0"/>
-              <a:t>为核心，绝大部分关注点都是如何做好</a:t>
-            </a:r>
-            <a:r>
-              <a:rPr lang="en-US" altLang="zh-CN" sz="1400" dirty="0"/>
-              <a:t>proxy</a:t>
-            </a:r>
-            <a:r>
-              <a:rPr lang="zh-CN" altLang="en-US" sz="1400" dirty="0"/>
-              <a:t>，并完成一些通用控制面的功能。 但是，当你在容器中大量部署 </a:t>
-            </a:r>
-            <a:r>
-              <a:rPr lang="en-US" altLang="zh-CN" sz="1400" dirty="0"/>
-              <a:t>sidecar </a:t>
-            </a:r>
-            <a:r>
-              <a:rPr lang="zh-CN" altLang="en-US" sz="1400" dirty="0"/>
-              <a:t>以后，如何管理和控制这些 </a:t>
-            </a:r>
-            <a:r>
-              <a:rPr lang="en-US" altLang="zh-CN" sz="1400" dirty="0"/>
-              <a:t>sidecar </a:t>
-            </a:r>
-            <a:r>
-              <a:rPr lang="zh-CN" altLang="en-US" sz="1400" dirty="0"/>
-              <a:t>本身就是一个不小的挑战。于是，第二代 </a:t>
-            </a:r>
-            <a:r>
-              <a:rPr lang="en-US" altLang="zh-CN" sz="1400" dirty="0"/>
-              <a:t>Service Mesh </a:t>
-            </a:r>
-            <a:r>
-              <a:rPr lang="zh-CN" altLang="en-US" sz="1400" dirty="0"/>
-              <a:t>应运而生。</a:t>
-            </a:r>
-            <a:endParaRPr lang="en-US" altLang="zh-CN" sz="1400" dirty="0"/>
-          </a:p>
-          <a:p>
-            <a:pPr>
-              <a:buFont typeface="Wingdings" panose="05000000000000000000" pitchFamily="2" charset="2"/>
-              <a:buChar char="n"/>
-            </a:pPr>
-            <a:r>
-              <a:rPr lang="zh-CN" altLang="en-US" b="1" dirty="0"/>
-              <a:t>第二代</a:t>
-            </a:r>
-            <a:r>
-              <a:rPr lang="en-US" altLang="zh-CN" b="1" dirty="0"/>
-              <a:t>service mesh</a:t>
-            </a:r>
-            <a:r>
-              <a:rPr lang="zh-CN" altLang="fr-FR" b="1" dirty="0"/>
-              <a:t>典型代表有 </a:t>
-            </a:r>
-            <a:r>
-              <a:rPr lang="fr-FR" altLang="zh-CN" b="1" dirty="0"/>
-              <a:t>Istio </a:t>
-            </a:r>
-            <a:r>
-              <a:rPr lang="zh-CN" altLang="fr-FR" b="1" dirty="0"/>
-              <a:t>和 </a:t>
-            </a:r>
-            <a:r>
-              <a:rPr lang="fr-FR" altLang="zh-CN" b="1" dirty="0"/>
-              <a:t>Conduit(Linkerd2)</a:t>
-            </a:r>
-          </a:p>
-          <a:p>
-            <a:pPr>
-              <a:buFont typeface="Wingdings" panose="05000000000000000000" pitchFamily="2" charset="2"/>
-              <a:buChar char="l"/>
-            </a:pPr>
-            <a:r>
-              <a:rPr lang="en-US" altLang="zh-CN" sz="1400" dirty="0"/>
-              <a:t>Linkerd1.0</a:t>
-            </a:r>
-            <a:r>
-              <a:rPr lang="zh-CN" altLang="en-US" sz="1400" dirty="0"/>
-              <a:t>发布不到一个月，</a:t>
-            </a:r>
-            <a:r>
-              <a:rPr lang="en-US" altLang="zh-CN" sz="1400" dirty="0"/>
-              <a:t>Istio</a:t>
-            </a:r>
-            <a:r>
-              <a:rPr lang="zh-CN" altLang="en-US" sz="1400" dirty="0"/>
-              <a:t>就出来了，紧接着</a:t>
-            </a:r>
-            <a:r>
-              <a:rPr lang="en-US" altLang="zh-CN" sz="1400" dirty="0"/>
-              <a:t>Envoy</a:t>
-            </a:r>
-            <a:r>
-              <a:rPr lang="zh-CN" altLang="en-US" sz="1400" dirty="0"/>
-              <a:t>在九月份杀入</a:t>
-            </a:r>
-            <a:r>
-              <a:rPr lang="en-US" altLang="zh-CN" sz="1400" dirty="0"/>
-              <a:t>CNCF</a:t>
-            </a:r>
-            <a:r>
-              <a:rPr lang="zh-CN" altLang="en-US" sz="1400" dirty="0"/>
-              <a:t>。时间点上可以看到非常近，可谓是“江山代有才人出，各领风骚几个月”。</a:t>
-            </a:r>
-            <a:r>
-              <a:rPr lang="en-US" altLang="zh-CN" sz="1400" dirty="0"/>
-              <a:t>Service Mesh</a:t>
-            </a:r>
-            <a:r>
-              <a:rPr lang="zh-CN" altLang="en-US" sz="1400" dirty="0"/>
-              <a:t>的风头就是以一个月一个月的方式在做变化。</a:t>
-            </a:r>
-            <a:endParaRPr lang="en-US" altLang="zh-CN" sz="1400" dirty="0"/>
-          </a:p>
-          <a:p>
-            <a:pPr>
-              <a:buFont typeface="Wingdings" panose="05000000000000000000" pitchFamily="2" charset="2"/>
-              <a:buChar char="l"/>
-            </a:pPr>
-            <a:r>
-              <a:rPr lang="zh-CN" altLang="en-US" sz="1400" dirty="0"/>
-              <a:t>主要改进集中在更加强大的控制面功能（与之对应的 </a:t>
-            </a:r>
-            <a:r>
-              <a:rPr lang="en-US" altLang="zh-CN" sz="1400" dirty="0"/>
-              <a:t>sidecar proxy </a:t>
-            </a:r>
-            <a:r>
-              <a:rPr lang="zh-CN" altLang="en-US" sz="1400" dirty="0"/>
-              <a:t>被称之为数据面）</a:t>
-            </a:r>
-            <a:endParaRPr lang="zh-CN" altLang="en-US" sz="1400" b="1" dirty="0"/>
-          </a:p>
-          <a:p>
-            <a:pPr>
-              <a:buFont typeface="Wingdings" panose="05000000000000000000" pitchFamily="2" charset="2"/>
-              <a:buChar char="l"/>
-            </a:pPr>
-            <a:endParaRPr lang="en-US" altLang="zh-CN" sz="1400" dirty="0"/>
-          </a:p>
-        </p:txBody>
-      </p:sp>
-      <p:sp>
-        <p:nvSpPr>
-          <p:cNvPr id="4" name="日期占位符 3">
-            <a:extLst>
-              <a:ext uri="{FF2B5EF4-FFF2-40B4-BE49-F238E27FC236}">
-                <a16:creationId xmlns:a16="http://schemas.microsoft.com/office/drawing/2014/main" id="{3B6F896E-2DDB-4286-8F67-934B0C5CD5B1}"/>
-              </a:ext>
-            </a:extLst>
-          </p:cNvPr>
-          <p:cNvSpPr>
-            <a:spLocks noGrp="1"/>
-          </p:cNvSpPr>
-          <p:nvPr>
-            <p:ph type="dt" sz="half" idx="10"/>
-          </p:nvPr>
-        </p:nvSpPr>
-        <p:spPr/>
-        <p:txBody>
-          <a:bodyPr/>
-          <a:lstStyle/>
-          <a:p>
-            <a:pPr rtl="0"/>
-            <a:fld id="{F24FFC25-0C05-49C8-B150-3CF6B89B5C55}" type="datetime1">
-              <a:rPr lang="zh-CN" altLang="en-US" smtClean="0"/>
-              <a:t>2020/4/13</a:t>
-            </a:fld>
-            <a:endParaRPr lang="en-US" dirty="0"/>
-          </a:p>
-        </p:txBody>
-      </p:sp>
-    </p:spTree>
-    <p:extLst>
-      <p:ext uri="{BB962C8B-B14F-4D97-AF65-F5344CB8AC3E}">
-        <p14:creationId xmlns:p14="http://schemas.microsoft.com/office/powerpoint/2010/main" val="1130933906"/>
-      </p:ext>
-    </p:extLst>
-  </p:cSld>
-  <p:clrMapOvr>
-    <a:masterClrMapping/>
-  </p:clrMapOvr>
-</p:sld>
-</file>
-
-<file path=ppt/slides/slide30.xml><?xml version="1.0" encoding="utf-8"?>
-<p:sld xmlns:a="http://schemas.openxmlformats.org/drawingml/2006/main" xmlns:r="http://schemas.openxmlformats.org/officeDocument/2006/relationships" xmlns:p="http://schemas.openxmlformats.org/presentationml/2006/main">
-  <p:cSld>
-    <p:spTree>
-      <p:nvGrpSpPr>
-        <p:cNvPr id="1" name=""/>
-        <p:cNvGrpSpPr/>
-        <p:nvPr/>
-      </p:nvGrpSpPr>
-      <p:grpSpPr>
-        <a:xfrm>
-          <a:off x="0" y="0"/>
-          <a:ext cx="0" cy="0"/>
-          <a:chOff x="0" y="0"/>
-          <a:chExt cx="0" cy="0"/>
-        </a:xfrm>
-      </p:grpSpPr>
-      <p:sp>
-        <p:nvSpPr>
-          <p:cNvPr id="2" name="标题 1">
-            <a:extLst>
-              <a:ext uri="{FF2B5EF4-FFF2-40B4-BE49-F238E27FC236}">
-                <a16:creationId xmlns:a16="http://schemas.microsoft.com/office/drawing/2014/main" id="{DF9ED0A6-C639-4C20-AEED-0171194E7822}"/>
-              </a:ext>
-            </a:extLst>
-          </p:cNvPr>
-          <p:cNvSpPr>
-            <a:spLocks noGrp="1"/>
-          </p:cNvSpPr>
-          <p:nvPr>
-            <p:ph type="title"/>
-          </p:nvPr>
-        </p:nvSpPr>
-        <p:spPr/>
-        <p:txBody>
-          <a:bodyPr/>
-          <a:lstStyle/>
-          <a:p>
-            <a:r>
-              <a:rPr lang="zh-CN" altLang="en-US" dirty="0">
-                <a:hlinkClick r:id="rId2" tooltip="如果使用服务网格，是否需要API网关？"/>
-              </a:rPr>
-              <a:t>如果使用服务网格，是否需要</a:t>
-            </a:r>
-            <a:r>
-              <a:rPr lang="en-US" altLang="zh-CN" dirty="0">
-                <a:hlinkClick r:id="rId2" tooltip="如果使用服务网格，是否需要API网关？"/>
-              </a:rPr>
-              <a:t>API</a:t>
-            </a:r>
-            <a:r>
-              <a:rPr lang="zh-CN" altLang="en-US" dirty="0">
-                <a:hlinkClick r:id="rId2" tooltip="如果使用服务网格，是否需要API网关？"/>
-              </a:rPr>
-              <a:t>网关？</a:t>
-            </a:r>
-            <a:br>
-              <a:rPr lang="zh-CN" altLang="en-US" dirty="0"/>
-            </a:br>
-            <a:endParaRPr lang="zh-CN" altLang="en-US" dirty="0"/>
-          </a:p>
-        </p:txBody>
-      </p:sp>
-      <p:sp>
-        <p:nvSpPr>
-          <p:cNvPr id="3" name="内容占位符 2">
-            <a:extLst>
-              <a:ext uri="{FF2B5EF4-FFF2-40B4-BE49-F238E27FC236}">
-                <a16:creationId xmlns:a16="http://schemas.microsoft.com/office/drawing/2014/main" id="{21CD5E06-6813-463B-BC6F-AE041044FE28}"/>
-              </a:ext>
-            </a:extLst>
-          </p:cNvPr>
-          <p:cNvSpPr>
-            <a:spLocks noGrp="1"/>
-          </p:cNvSpPr>
-          <p:nvPr>
-            <p:ph idx="1"/>
-          </p:nvPr>
-        </p:nvSpPr>
-        <p:spPr/>
-        <p:txBody>
-          <a:bodyPr/>
-          <a:lstStyle/>
-          <a:p>
-            <a:endParaRPr lang="zh-CN" altLang="en-US" dirty="0"/>
-          </a:p>
-        </p:txBody>
-      </p:sp>
-      <p:sp>
-        <p:nvSpPr>
-          <p:cNvPr id="4" name="日期占位符 3">
-            <a:extLst>
-              <a:ext uri="{FF2B5EF4-FFF2-40B4-BE49-F238E27FC236}">
-                <a16:creationId xmlns:a16="http://schemas.microsoft.com/office/drawing/2014/main" id="{F91887BD-9CB5-4527-8EAF-3B98E357FAD0}"/>
-              </a:ext>
-            </a:extLst>
-          </p:cNvPr>
-          <p:cNvSpPr>
-            <a:spLocks noGrp="1"/>
-          </p:cNvSpPr>
-          <p:nvPr>
-            <p:ph type="dt" sz="half" idx="10"/>
-          </p:nvPr>
-        </p:nvSpPr>
-        <p:spPr/>
-        <p:txBody>
-          <a:bodyPr/>
-          <a:lstStyle/>
-          <a:p>
-            <a:pPr rtl="0"/>
-            <a:fld id="{F24FFC25-0C05-49C8-B150-3CF6B89B5C55}" type="datetime1">
-              <a:rPr lang="zh-CN" altLang="en-US" smtClean="0"/>
-              <a:t>2020/4/13</a:t>
-            </a:fld>
-            <a:endParaRPr lang="en-US" dirty="0"/>
-          </a:p>
-        </p:txBody>
-      </p:sp>
-    </p:spTree>
-    <p:extLst>
-      <p:ext uri="{BB962C8B-B14F-4D97-AF65-F5344CB8AC3E}">
-        <p14:creationId xmlns:p14="http://schemas.microsoft.com/office/powerpoint/2010/main" val="3875312775"/>
-      </p:ext>
-    </p:extLst>
-  </p:cSld>
-  <p:clrMapOvr>
-    <a:masterClrMapping/>
-  </p:clrMapOvr>
-</p:sld>
-</file>
-
-<file path=ppt/slides/slide31.xml><?xml version="1.0" encoding="utf-8"?>
-<p:sld xmlns:a="http://schemas.openxmlformats.org/drawingml/2006/main" xmlns:r="http://schemas.openxmlformats.org/officeDocument/2006/relationships" xmlns:p="http://schemas.openxmlformats.org/presentationml/2006/main">
-  <p:cSld>
-    <p:spTree>
-      <p:nvGrpSpPr>
-        <p:cNvPr id="1" name=""/>
-        <p:cNvGrpSpPr/>
-        <p:nvPr/>
-      </p:nvGrpSpPr>
-      <p:grpSpPr>
-        <a:xfrm>
-          <a:off x="0" y="0"/>
-          <a:ext cx="0" cy="0"/>
-          <a:chOff x="0" y="0"/>
-          <a:chExt cx="0" cy="0"/>
-        </a:xfrm>
-      </p:grpSpPr>
-      <p:sp>
-        <p:nvSpPr>
-          <p:cNvPr id="2" name="标题 1">
-            <a:extLst>
-              <a:ext uri="{FF2B5EF4-FFF2-40B4-BE49-F238E27FC236}">
-                <a16:creationId xmlns:a16="http://schemas.microsoft.com/office/drawing/2014/main" id="{28139F05-46D5-40E4-92F6-6E9BCF690E27}"/>
-              </a:ext>
-            </a:extLst>
-          </p:cNvPr>
-          <p:cNvSpPr>
-            <a:spLocks noGrp="1"/>
-          </p:cNvSpPr>
-          <p:nvPr>
-            <p:ph type="title"/>
-          </p:nvPr>
-        </p:nvSpPr>
-        <p:spPr/>
-        <p:txBody>
-          <a:bodyPr/>
-          <a:lstStyle/>
-          <a:p>
-            <a:r>
-              <a:rPr lang="en-US" altLang="zh-CN" dirty="0"/>
-              <a:t>ISTIO</a:t>
-            </a:r>
-            <a:r>
-              <a:rPr lang="zh-CN" altLang="en-US" dirty="0"/>
-              <a:t>组件介绍</a:t>
-            </a:r>
-          </a:p>
-        </p:txBody>
-      </p:sp>
-      <p:sp>
-        <p:nvSpPr>
-          <p:cNvPr id="3" name="内容占位符 2">
-            <a:extLst>
-              <a:ext uri="{FF2B5EF4-FFF2-40B4-BE49-F238E27FC236}">
-                <a16:creationId xmlns:a16="http://schemas.microsoft.com/office/drawing/2014/main" id="{63CF2D61-9C95-4E87-8EB0-5C8D25B106B8}"/>
-              </a:ext>
-            </a:extLst>
-          </p:cNvPr>
-          <p:cNvSpPr>
-            <a:spLocks noGrp="1"/>
-          </p:cNvSpPr>
-          <p:nvPr>
-            <p:ph idx="1"/>
-          </p:nvPr>
-        </p:nvSpPr>
-        <p:spPr/>
-        <p:txBody>
-          <a:bodyPr/>
-          <a:lstStyle/>
-          <a:p>
-            <a:endParaRPr lang="zh-CN" altLang="en-US"/>
-          </a:p>
-        </p:txBody>
-      </p:sp>
-      <p:sp>
-        <p:nvSpPr>
-          <p:cNvPr id="4" name="日期占位符 3">
-            <a:extLst>
-              <a:ext uri="{FF2B5EF4-FFF2-40B4-BE49-F238E27FC236}">
-                <a16:creationId xmlns:a16="http://schemas.microsoft.com/office/drawing/2014/main" id="{8BA59311-C017-4E31-96E2-6388A03364FE}"/>
-              </a:ext>
-            </a:extLst>
-          </p:cNvPr>
-          <p:cNvSpPr>
-            <a:spLocks noGrp="1"/>
-          </p:cNvSpPr>
-          <p:nvPr>
-            <p:ph type="dt" sz="half" idx="10"/>
-          </p:nvPr>
-        </p:nvSpPr>
-        <p:spPr/>
-        <p:txBody>
-          <a:bodyPr/>
-          <a:lstStyle/>
-          <a:p>
-            <a:pPr rtl="0"/>
-            <a:fld id="{F24FFC25-0C05-49C8-B150-3CF6B89B5C55}" type="datetime1">
-              <a:rPr lang="zh-CN" altLang="en-US" smtClean="0"/>
-              <a:t>2020/4/13</a:t>
-            </a:fld>
-            <a:endParaRPr lang="en-US" dirty="0"/>
-          </a:p>
-        </p:txBody>
-      </p:sp>
-    </p:spTree>
-    <p:extLst>
-      <p:ext uri="{BB962C8B-B14F-4D97-AF65-F5344CB8AC3E}">
-        <p14:creationId xmlns:p14="http://schemas.microsoft.com/office/powerpoint/2010/main" val="3302909487"/>
-      </p:ext>
-    </p:extLst>
-  </p:cSld>
-  <p:clrMapOvr>
-    <a:masterClrMapping/>
-  </p:clrMapOvr>
-</p:sld>
-</file>
-
-<file path=ppt/slides/slide32.xml><?xml version="1.0" encoding="utf-8"?>
-<p:sld xmlns:a="http://schemas.openxmlformats.org/drawingml/2006/main" xmlns:r="http://schemas.openxmlformats.org/officeDocument/2006/relationships" xmlns:p="http://schemas.openxmlformats.org/presentationml/2006/main">
-  <p:cSld>
-    <p:spTree>
-      <p:nvGrpSpPr>
-        <p:cNvPr id="1" name=""/>
-        <p:cNvGrpSpPr/>
-        <p:nvPr/>
-      </p:nvGrpSpPr>
-      <p:grpSpPr>
-        <a:xfrm>
-          <a:off x="0" y="0"/>
-          <a:ext cx="0" cy="0"/>
-          <a:chOff x="0" y="0"/>
-          <a:chExt cx="0" cy="0"/>
-        </a:xfrm>
-      </p:grpSpPr>
-      <p:sp>
-        <p:nvSpPr>
-          <p:cNvPr id="2" name="标题 1">
-            <a:extLst>
-              <a:ext uri="{FF2B5EF4-FFF2-40B4-BE49-F238E27FC236}">
-                <a16:creationId xmlns:a16="http://schemas.microsoft.com/office/drawing/2014/main" id="{A6E2A952-B5D3-4A19-962E-F057C989CDFA}"/>
-              </a:ext>
-            </a:extLst>
-          </p:cNvPr>
-          <p:cNvSpPr>
-            <a:spLocks noGrp="1"/>
-          </p:cNvSpPr>
-          <p:nvPr>
-            <p:ph type="title"/>
-          </p:nvPr>
-        </p:nvSpPr>
-        <p:spPr>
-          <a:xfrm>
-            <a:off x="581192" y="702156"/>
-            <a:ext cx="11029616" cy="804427"/>
-          </a:xfrm>
-        </p:spPr>
-        <p:txBody>
-          <a:bodyPr/>
-          <a:lstStyle/>
-          <a:p>
-            <a:r>
-              <a:rPr lang="en-US" altLang="zh-CN" dirty="0"/>
-              <a:t>ISTIO</a:t>
-            </a:r>
-            <a:r>
-              <a:rPr lang="zh-CN" altLang="en-US" dirty="0"/>
-              <a:t>安装 </a:t>
-            </a:r>
-            <a:r>
-              <a:rPr lang="en-US" altLang="zh-CN" dirty="0"/>
-              <a:t>- ISTIOCTL</a:t>
-            </a:r>
-            <a:endParaRPr lang="zh-CN" altLang="en-US" dirty="0"/>
-          </a:p>
-        </p:txBody>
-      </p:sp>
-      <p:sp>
-        <p:nvSpPr>
-          <p:cNvPr id="3" name="内容占位符 2">
-            <a:extLst>
-              <a:ext uri="{FF2B5EF4-FFF2-40B4-BE49-F238E27FC236}">
-                <a16:creationId xmlns:a16="http://schemas.microsoft.com/office/drawing/2014/main" id="{EB4C6BC0-2F57-4428-8705-7505BB5517BF}"/>
-              </a:ext>
-            </a:extLst>
-          </p:cNvPr>
-          <p:cNvSpPr>
-            <a:spLocks noGrp="1"/>
-          </p:cNvSpPr>
-          <p:nvPr>
-            <p:ph idx="1"/>
-          </p:nvPr>
-        </p:nvSpPr>
-        <p:spPr>
-          <a:xfrm>
-            <a:off x="581192" y="1741714"/>
-            <a:ext cx="11029615" cy="4233636"/>
-          </a:xfrm>
-        </p:spPr>
-        <p:txBody>
-          <a:bodyPr>
-            <a:normAutofit fontScale="92500" lnSpcReduction="10000"/>
-          </a:bodyPr>
-          <a:lstStyle/>
-          <a:p>
-            <a:r>
-              <a:rPr lang="en-US" altLang="zh-CN" dirty="0"/>
-              <a:t>1. </a:t>
-            </a:r>
-            <a:r>
-              <a:rPr lang="zh-CN" altLang="en-US" dirty="0"/>
-              <a:t>下载安装</a:t>
-            </a:r>
-            <a:r>
-              <a:rPr lang="en-US" altLang="zh-CN" dirty="0" err="1"/>
-              <a:t>istioctl</a:t>
-            </a:r>
-            <a:endParaRPr lang="en-US" altLang="zh-CN" dirty="0"/>
-          </a:p>
-          <a:p>
-            <a:pPr marL="0" indent="0">
-              <a:buNone/>
-            </a:pPr>
-            <a:r>
-              <a:rPr lang="en-US" altLang="zh-CN" dirty="0" err="1"/>
-              <a:t>wget</a:t>
-            </a:r>
-            <a:r>
-              <a:rPr lang="en-US" altLang="zh-CN" dirty="0"/>
-              <a:t> </a:t>
-            </a:r>
-            <a:r>
-              <a:rPr lang="en-US" altLang="zh-CN" dirty="0">
-                <a:hlinkClick r:id="rId2"/>
-              </a:rPr>
-              <a:t>https://github.com/istio/istio/releases/download/1.5.1/istio-1.5.1-linux.tar.gz</a:t>
-            </a:r>
-            <a:endParaRPr lang="en-US" altLang="zh-CN" dirty="0"/>
-          </a:p>
-          <a:p>
-            <a:pPr marL="0" indent="0">
-              <a:buNone/>
-            </a:pPr>
-            <a:r>
-              <a:rPr lang="zh-CN" altLang="en-US" dirty="0"/>
-              <a:t>解压</a:t>
-            </a:r>
-            <a:endParaRPr lang="en-US" altLang="zh-CN" dirty="0"/>
-          </a:p>
-          <a:p>
-            <a:pPr marL="0" indent="0">
-              <a:buNone/>
-            </a:pPr>
-            <a:r>
-              <a:rPr lang="en-US" altLang="zh-CN" dirty="0"/>
-              <a:t>tar -</a:t>
-            </a:r>
-            <a:r>
-              <a:rPr lang="en-US" altLang="zh-CN" dirty="0" err="1"/>
-              <a:t>zxvf</a:t>
-            </a:r>
-            <a:r>
-              <a:rPr lang="en-US" altLang="zh-CN" dirty="0"/>
-              <a:t> istio-1.5.1-linux.tar.gz</a:t>
-            </a:r>
-          </a:p>
-          <a:p>
-            <a:pPr marL="0" indent="0">
-              <a:buNone/>
-            </a:pPr>
-            <a:r>
-              <a:rPr lang="zh-CN" altLang="en-US" dirty="0"/>
-              <a:t>环境变量</a:t>
-            </a:r>
-            <a:endParaRPr lang="en-US" altLang="zh-CN" dirty="0"/>
-          </a:p>
-          <a:p>
-            <a:pPr marL="0" indent="0">
-              <a:buNone/>
-            </a:pPr>
-            <a:r>
-              <a:rPr lang="en-US" altLang="zh-CN" dirty="0"/>
-              <a:t>vi ~/.</a:t>
-            </a:r>
-            <a:r>
-              <a:rPr lang="en-US" altLang="zh-CN" dirty="0" err="1"/>
-              <a:t>bashrc</a:t>
-            </a:r>
-            <a:endParaRPr lang="en-US" altLang="zh-CN" dirty="0"/>
-          </a:p>
-          <a:p>
-            <a:pPr marL="0" indent="0">
-              <a:buNone/>
-            </a:pPr>
-            <a:r>
-              <a:rPr lang="en-US" altLang="zh-CN" dirty="0"/>
-              <a:t>export PATH=/root/istio-1.5.1/bin:$PATH</a:t>
-            </a:r>
-          </a:p>
-          <a:p>
-            <a:pPr marL="0" indent="0">
-              <a:buNone/>
-            </a:pPr>
-            <a:r>
-              <a:rPr lang="zh-CN" altLang="en-US" dirty="0"/>
-              <a:t>使配置生效</a:t>
-            </a:r>
-            <a:br>
-              <a:rPr lang="en-US" altLang="zh-CN" dirty="0"/>
-            </a:br>
-            <a:r>
-              <a:rPr lang="en-US" altLang="zh-CN" dirty="0"/>
-              <a:t>source ~/.</a:t>
-            </a:r>
-            <a:r>
-              <a:rPr lang="en-US" altLang="zh-CN" dirty="0" err="1"/>
-              <a:t>bashrc</a:t>
-            </a:r>
-            <a:endParaRPr lang="en-US" altLang="zh-CN" dirty="0"/>
-          </a:p>
-          <a:p>
-            <a:pPr marL="0" indent="0">
-              <a:buNone/>
-            </a:pPr>
-            <a:r>
-              <a:rPr lang="zh-CN" altLang="en-US" dirty="0"/>
-              <a:t>验证是否安装成功</a:t>
-            </a:r>
-            <a:endParaRPr lang="en-US" altLang="zh-CN" dirty="0"/>
-          </a:p>
-          <a:p>
-            <a:pPr marL="0" indent="0">
-              <a:buNone/>
-            </a:pPr>
-            <a:r>
-              <a:rPr lang="en-US" altLang="zh-CN" dirty="0" err="1"/>
-              <a:t>istioctl</a:t>
-            </a:r>
-            <a:r>
-              <a:rPr lang="en-US" altLang="zh-CN" dirty="0"/>
-              <a:t> version</a:t>
-            </a:r>
-          </a:p>
-          <a:p>
-            <a:pPr marL="0" indent="0">
-              <a:buNone/>
-            </a:pPr>
-            <a:endParaRPr lang="zh-CN" altLang="en-US" dirty="0"/>
-          </a:p>
-        </p:txBody>
-      </p:sp>
-      <p:sp>
-        <p:nvSpPr>
-          <p:cNvPr id="4" name="日期占位符 3">
-            <a:extLst>
-              <a:ext uri="{FF2B5EF4-FFF2-40B4-BE49-F238E27FC236}">
-                <a16:creationId xmlns:a16="http://schemas.microsoft.com/office/drawing/2014/main" id="{EFCF124F-EE24-4B20-AF8C-E8DE7D075665}"/>
-              </a:ext>
-            </a:extLst>
-          </p:cNvPr>
-          <p:cNvSpPr>
-            <a:spLocks noGrp="1"/>
-          </p:cNvSpPr>
-          <p:nvPr>
-            <p:ph type="dt" sz="half" idx="10"/>
-          </p:nvPr>
-        </p:nvSpPr>
-        <p:spPr/>
-        <p:txBody>
-          <a:bodyPr/>
-          <a:lstStyle/>
-          <a:p>
-            <a:pPr rtl="0"/>
-            <a:fld id="{F24FFC25-0C05-49C8-B150-3CF6B89B5C55}" type="datetime1">
-              <a:rPr lang="zh-CN" altLang="en-US" smtClean="0"/>
-              <a:t>2020/4/13</a:t>
-            </a:fld>
-            <a:endParaRPr lang="en-US" dirty="0"/>
-          </a:p>
-        </p:txBody>
-      </p:sp>
-    </p:spTree>
-    <p:extLst>
-      <p:ext uri="{BB962C8B-B14F-4D97-AF65-F5344CB8AC3E}">
-        <p14:creationId xmlns:p14="http://schemas.microsoft.com/office/powerpoint/2010/main" val="2319491466"/>
-      </p:ext>
-    </p:extLst>
-  </p:cSld>
-  <p:clrMapOvr>
-    <a:masterClrMapping/>
-  </p:clrMapOvr>
-</p:sld>
-</file>
-
-<file path=ppt/slides/slide33.xml><?xml version="1.0" encoding="utf-8"?>
-<p:sld xmlns:a="http://schemas.openxmlformats.org/drawingml/2006/main" xmlns:r="http://schemas.openxmlformats.org/officeDocument/2006/relationships" xmlns:p="http://schemas.openxmlformats.org/presentationml/2006/main">
-  <p:cSld>
-    <p:spTree>
-      <p:nvGrpSpPr>
-        <p:cNvPr id="1" name=""/>
-        <p:cNvGrpSpPr/>
-        <p:nvPr/>
-      </p:nvGrpSpPr>
-      <p:grpSpPr>
-        <a:xfrm>
-          <a:off x="0" y="0"/>
-          <a:ext cx="0" cy="0"/>
-          <a:chOff x="0" y="0"/>
-          <a:chExt cx="0" cy="0"/>
-        </a:xfrm>
-      </p:grpSpPr>
-      <p:sp>
-        <p:nvSpPr>
-          <p:cNvPr id="2" name="标题 1">
-            <a:extLst>
-              <a:ext uri="{FF2B5EF4-FFF2-40B4-BE49-F238E27FC236}">
-                <a16:creationId xmlns:a16="http://schemas.microsoft.com/office/drawing/2014/main" id="{BA5A74F7-94B2-466F-8571-46C81E6B3C3C}"/>
-              </a:ext>
-            </a:extLst>
-          </p:cNvPr>
-          <p:cNvSpPr>
-            <a:spLocks noGrp="1"/>
-          </p:cNvSpPr>
-          <p:nvPr>
-            <p:ph type="title"/>
-          </p:nvPr>
-        </p:nvSpPr>
-        <p:spPr>
-          <a:xfrm>
-            <a:off x="494106" y="510567"/>
-            <a:ext cx="11029616" cy="699924"/>
-          </a:xfrm>
-        </p:spPr>
-        <p:txBody>
-          <a:bodyPr/>
-          <a:lstStyle/>
-          <a:p>
-            <a:r>
-              <a:rPr lang="en-US" altLang="zh-CN" dirty="0"/>
-              <a:t>ISTIO</a:t>
-            </a:r>
-            <a:r>
-              <a:rPr lang="zh-CN" altLang="en-US" dirty="0"/>
-              <a:t>安装 </a:t>
-            </a:r>
-            <a:r>
-              <a:rPr lang="en-US" altLang="zh-CN" dirty="0"/>
-              <a:t>- Standalone Operator</a:t>
-            </a:r>
-            <a:endParaRPr lang="zh-CN" altLang="en-US" dirty="0"/>
-          </a:p>
-        </p:txBody>
-      </p:sp>
-      <p:sp>
-        <p:nvSpPr>
-          <p:cNvPr id="3" name="内容占位符 2">
-            <a:extLst>
-              <a:ext uri="{FF2B5EF4-FFF2-40B4-BE49-F238E27FC236}">
-                <a16:creationId xmlns:a16="http://schemas.microsoft.com/office/drawing/2014/main" id="{E8736EE0-26AC-482A-97D2-18FF1708BF5A}"/>
-              </a:ext>
-            </a:extLst>
-          </p:cNvPr>
-          <p:cNvSpPr>
-            <a:spLocks noGrp="1"/>
-          </p:cNvSpPr>
-          <p:nvPr>
-            <p:ph idx="1"/>
-          </p:nvPr>
-        </p:nvSpPr>
-        <p:spPr>
-          <a:xfrm>
-            <a:off x="581192" y="1314995"/>
-            <a:ext cx="11029615" cy="5543006"/>
-          </a:xfrm>
-        </p:spPr>
-        <p:txBody>
-          <a:bodyPr>
-            <a:normAutofit fontScale="55000" lnSpcReduction="20000"/>
-          </a:bodyPr>
-          <a:lstStyle/>
-          <a:p>
-            <a:r>
-              <a:rPr lang="en-US" altLang="zh-CN" dirty="0"/>
-              <a:t>1.  </a:t>
-            </a:r>
-            <a:r>
-              <a:rPr lang="zh-CN" altLang="en-US" dirty="0"/>
-              <a:t>初始化</a:t>
-            </a:r>
-            <a:endParaRPr lang="en-US" altLang="zh-CN" dirty="0"/>
-          </a:p>
-          <a:p>
-            <a:pPr marL="0" indent="0">
-              <a:buNone/>
-            </a:pPr>
-            <a:r>
-              <a:rPr lang="en-US" altLang="zh-CN" dirty="0" err="1"/>
-              <a:t>istioctl</a:t>
-            </a:r>
-            <a:r>
-              <a:rPr lang="en-US" altLang="zh-CN" dirty="0"/>
-              <a:t> operator </a:t>
-            </a:r>
-            <a:r>
-              <a:rPr lang="en-US" altLang="zh-CN" dirty="0" err="1"/>
-              <a:t>init</a:t>
-            </a:r>
-            <a:r>
-              <a:rPr lang="en-US" altLang="zh-CN" dirty="0"/>
-              <a:t>       </a:t>
-            </a:r>
-          </a:p>
-          <a:p>
-            <a:r>
-              <a:rPr lang="en-US" altLang="zh-CN" dirty="0"/>
-              <a:t>2. </a:t>
-            </a:r>
-            <a:r>
-              <a:rPr lang="zh-CN" altLang="en-US" dirty="0"/>
-              <a:t>安装</a:t>
-            </a:r>
-            <a:r>
-              <a:rPr lang="en-US" altLang="zh-CN" dirty="0" err="1"/>
-              <a:t>istio</a:t>
-            </a:r>
-            <a:endParaRPr lang="en-US" altLang="zh-CN" dirty="0"/>
-          </a:p>
-          <a:p>
-            <a:pPr marL="0" indent="0">
-              <a:buNone/>
-            </a:pPr>
-            <a:r>
-              <a:rPr lang="en-US" altLang="zh-CN" dirty="0" err="1"/>
-              <a:t>kubectl</a:t>
-            </a:r>
-            <a:r>
-              <a:rPr lang="en-US" altLang="zh-CN" dirty="0"/>
-              <a:t> create ns </a:t>
-            </a:r>
-            <a:r>
-              <a:rPr lang="en-US" altLang="zh-CN" dirty="0" err="1"/>
-              <a:t>istio</a:t>
-            </a:r>
-            <a:r>
-              <a:rPr lang="en-US" altLang="zh-CN" dirty="0"/>
-              <a:t>-system</a:t>
-            </a:r>
-          </a:p>
-          <a:p>
-            <a:pPr marL="0" indent="0">
-              <a:buNone/>
-            </a:pPr>
-            <a:endParaRPr lang="en-US" altLang="zh-CN" dirty="0"/>
-          </a:p>
-          <a:p>
-            <a:pPr marL="0" indent="0">
-              <a:buNone/>
-            </a:pPr>
-            <a:r>
-              <a:rPr lang="en-US" altLang="zh-CN" dirty="0" err="1"/>
-              <a:t>kubectl</a:t>
-            </a:r>
-            <a:r>
-              <a:rPr lang="en-US" altLang="zh-CN" dirty="0"/>
-              <a:t> apply -f - &lt;&lt;EOF</a:t>
-            </a:r>
-          </a:p>
-          <a:p>
-            <a:pPr marL="0" indent="0">
-              <a:buNone/>
-            </a:pPr>
-            <a:r>
-              <a:rPr lang="en-US" altLang="zh-CN" dirty="0" err="1"/>
-              <a:t>apiVersion</a:t>
-            </a:r>
-            <a:r>
-              <a:rPr lang="en-US" altLang="zh-CN" dirty="0"/>
-              <a:t>: install.istio.io/v1alpha1</a:t>
-            </a:r>
-          </a:p>
-          <a:p>
-            <a:pPr marL="0" indent="0">
-              <a:buNone/>
-            </a:pPr>
-            <a:r>
-              <a:rPr lang="en-US" altLang="zh-CN" dirty="0"/>
-              <a:t>kind: </a:t>
-            </a:r>
-            <a:r>
-              <a:rPr lang="en-US" altLang="zh-CN" dirty="0" err="1"/>
-              <a:t>IstioOperator</a:t>
-            </a:r>
-            <a:endParaRPr lang="en-US" altLang="zh-CN" dirty="0"/>
-          </a:p>
-          <a:p>
-            <a:pPr marL="0" indent="0">
-              <a:buNone/>
-            </a:pPr>
-            <a:r>
-              <a:rPr lang="en-US" altLang="zh-CN" dirty="0"/>
-              <a:t>metadata:</a:t>
-            </a:r>
-          </a:p>
-          <a:p>
-            <a:pPr marL="0" indent="0">
-              <a:buNone/>
-            </a:pPr>
-            <a:r>
-              <a:rPr lang="en-US" altLang="zh-CN" dirty="0"/>
-              <a:t>  namespace: </a:t>
-            </a:r>
-            <a:r>
-              <a:rPr lang="en-US" altLang="zh-CN" dirty="0" err="1"/>
-              <a:t>istio</a:t>
-            </a:r>
-            <a:r>
-              <a:rPr lang="en-US" altLang="zh-CN" dirty="0"/>
-              <a:t>-system</a:t>
-            </a:r>
-          </a:p>
-          <a:p>
-            <a:pPr marL="0" indent="0">
-              <a:buNone/>
-            </a:pPr>
-            <a:r>
-              <a:rPr lang="en-US" altLang="zh-CN" dirty="0"/>
-              <a:t>  name: example-</a:t>
-            </a:r>
-            <a:r>
-              <a:rPr lang="en-US" altLang="zh-CN" dirty="0" err="1"/>
-              <a:t>istiocontrolplane</a:t>
-            </a:r>
-            <a:endParaRPr lang="en-US" altLang="zh-CN" dirty="0"/>
-          </a:p>
-          <a:p>
-            <a:pPr marL="0" indent="0">
-              <a:buNone/>
-            </a:pPr>
-            <a:r>
-              <a:rPr lang="en-US" altLang="zh-CN" dirty="0"/>
-              <a:t>spec:</a:t>
-            </a:r>
-          </a:p>
-          <a:p>
-            <a:pPr marL="0" indent="0">
-              <a:buNone/>
-            </a:pPr>
-            <a:r>
-              <a:rPr lang="en-US" altLang="zh-CN" dirty="0"/>
-              <a:t>  profile: demo</a:t>
-            </a:r>
-          </a:p>
-          <a:p>
-            <a:pPr marL="0" indent="0">
-              <a:buNone/>
-            </a:pPr>
-            <a:r>
-              <a:rPr lang="en-US" altLang="zh-CN" dirty="0"/>
-              <a:t>EOF</a:t>
-            </a:r>
-          </a:p>
-          <a:p>
-            <a:pPr marL="0" indent="0">
-              <a:buNone/>
-            </a:pPr>
-            <a:endParaRPr lang="en-US" altLang="zh-CN" dirty="0"/>
-          </a:p>
-          <a:p>
-            <a:r>
-              <a:rPr lang="en-US" altLang="zh-CN" dirty="0"/>
-              <a:t>3.  </a:t>
-            </a:r>
-            <a:r>
-              <a:rPr lang="zh-CN" altLang="en-US" dirty="0"/>
-              <a:t>验证</a:t>
-            </a:r>
-            <a:endParaRPr lang="en-US" altLang="zh-CN" dirty="0"/>
-          </a:p>
-          <a:p>
-            <a:pPr marL="0" indent="0">
-              <a:buNone/>
-            </a:pPr>
-            <a:r>
-              <a:rPr lang="en-US" altLang="zh-CN" dirty="0"/>
-              <a:t>  </a:t>
-            </a:r>
-            <a:r>
-              <a:rPr lang="en-US" altLang="zh-CN" dirty="0" err="1"/>
-              <a:t>kubectl</a:t>
-            </a:r>
-            <a:r>
-              <a:rPr lang="en-US" altLang="zh-CN" dirty="0"/>
-              <a:t> get svc -n </a:t>
-            </a:r>
-            <a:r>
-              <a:rPr lang="en-US" altLang="zh-CN" dirty="0" err="1"/>
-              <a:t>istio</a:t>
-            </a:r>
-            <a:r>
-              <a:rPr lang="en-US" altLang="zh-CN" dirty="0"/>
-              <a:t>-system</a:t>
-            </a:r>
-          </a:p>
-          <a:p>
-            <a:pPr marL="0" indent="0">
-              <a:buNone/>
-            </a:pPr>
-            <a:r>
-              <a:rPr lang="en-US" altLang="zh-CN" dirty="0"/>
-              <a:t>  </a:t>
-            </a:r>
-            <a:r>
-              <a:rPr lang="en-US" altLang="zh-CN" dirty="0" err="1"/>
-              <a:t>kubectl</a:t>
-            </a:r>
-            <a:r>
-              <a:rPr lang="en-US" altLang="zh-CN" dirty="0"/>
-              <a:t> get pod -n </a:t>
-            </a:r>
-            <a:r>
-              <a:rPr lang="en-US" altLang="zh-CN" dirty="0" err="1"/>
-              <a:t>istio</a:t>
-            </a:r>
-            <a:r>
-              <a:rPr lang="en-US" altLang="zh-CN" dirty="0"/>
-              <a:t>-system</a:t>
-            </a:r>
-          </a:p>
-          <a:p>
-            <a:r>
-              <a:rPr lang="en-US" altLang="zh-CN" dirty="0"/>
-              <a:t>4. </a:t>
-            </a:r>
-            <a:r>
-              <a:rPr lang="zh-CN" altLang="en-US" dirty="0"/>
-              <a:t>卸载</a:t>
-            </a:r>
-            <a:endParaRPr lang="en-US" altLang="zh-CN" dirty="0"/>
-          </a:p>
-          <a:p>
-            <a:r>
-              <a:rPr lang="en-US" altLang="zh-CN" dirty="0" err="1"/>
-              <a:t>kubectl</a:t>
-            </a:r>
-            <a:r>
-              <a:rPr lang="en-US" altLang="zh-CN" dirty="0"/>
-              <a:t> delete istiooperators.install.istio.io -n </a:t>
-            </a:r>
-            <a:r>
-              <a:rPr lang="en-US" altLang="zh-CN" dirty="0" err="1"/>
-              <a:t>istio</a:t>
-            </a:r>
-            <a:r>
-              <a:rPr lang="en-US" altLang="zh-CN" dirty="0"/>
-              <a:t>-system example-</a:t>
-            </a:r>
-            <a:r>
-              <a:rPr lang="en-US" altLang="zh-CN" dirty="0" err="1"/>
-              <a:t>istiocontrolplane</a:t>
-            </a:r>
-            <a:r>
-              <a:rPr lang="en-US" altLang="zh-CN" dirty="0"/>
-              <a:t>    </a:t>
-            </a:r>
-            <a:r>
-              <a:rPr lang="zh-CN" altLang="en-US" dirty="0"/>
-              <a:t>删除</a:t>
-            </a:r>
-            <a:r>
-              <a:rPr lang="en-US" altLang="zh-CN" dirty="0" err="1"/>
-              <a:t>Istio</a:t>
-            </a:r>
-            <a:r>
-              <a:rPr lang="en-US" altLang="zh-CN" dirty="0"/>
-              <a:t> deployment</a:t>
-            </a:r>
-          </a:p>
-          <a:p>
-            <a:r>
-              <a:rPr lang="en-US" altLang="zh-CN" dirty="0" err="1"/>
-              <a:t>istioctl</a:t>
-            </a:r>
-            <a:r>
-              <a:rPr lang="en-US" altLang="zh-CN" dirty="0"/>
-              <a:t> operator remove  </a:t>
-            </a:r>
-            <a:r>
-              <a:rPr lang="zh-CN" altLang="en-US" dirty="0"/>
-              <a:t>（</a:t>
-            </a:r>
-            <a:r>
-              <a:rPr lang="en-US" altLang="zh-CN" dirty="0"/>
-              <a:t>or </a:t>
-            </a:r>
-            <a:r>
-              <a:rPr lang="en-US" altLang="zh-CN" dirty="0" err="1"/>
-              <a:t>kubectl</a:t>
-            </a:r>
-            <a:r>
-              <a:rPr lang="en-US" altLang="zh-CN" dirty="0"/>
-              <a:t> delete ns </a:t>
-            </a:r>
-            <a:r>
-              <a:rPr lang="en-US" altLang="zh-CN" dirty="0" err="1"/>
-              <a:t>istio</a:t>
-            </a:r>
-            <a:r>
-              <a:rPr lang="en-US" altLang="zh-CN" dirty="0"/>
-              <a:t>-operator --grace-period=0 --force</a:t>
-            </a:r>
-            <a:r>
-              <a:rPr lang="zh-CN" altLang="en-US" dirty="0"/>
-              <a:t>）</a:t>
-            </a:r>
-            <a:r>
-              <a:rPr lang="en-US" altLang="zh-CN" dirty="0"/>
-              <a:t>   </a:t>
-            </a:r>
-            <a:r>
-              <a:rPr lang="zh-CN" altLang="en-US" dirty="0"/>
-              <a:t>删除 </a:t>
-            </a:r>
-            <a:r>
-              <a:rPr lang="en-US" altLang="zh-CN" dirty="0"/>
-              <a:t> </a:t>
-            </a:r>
-            <a:r>
-              <a:rPr lang="en-US" altLang="zh-CN" dirty="0" err="1"/>
-              <a:t>Istio</a:t>
-            </a:r>
-            <a:r>
-              <a:rPr lang="en-US" altLang="zh-CN" dirty="0"/>
-              <a:t> operator</a:t>
-            </a:r>
-          </a:p>
-          <a:p>
-            <a:r>
-              <a:rPr lang="en-US" altLang="zh-CN" dirty="0" err="1"/>
-              <a:t>istioctl</a:t>
-            </a:r>
-            <a:r>
-              <a:rPr lang="en-US" altLang="zh-CN" dirty="0"/>
-              <a:t> manifest generate | </a:t>
-            </a:r>
-            <a:r>
-              <a:rPr lang="en-US" altLang="zh-CN" dirty="0" err="1"/>
-              <a:t>kubectl</a:t>
-            </a:r>
-            <a:r>
-              <a:rPr lang="en-US" altLang="zh-CN" dirty="0"/>
-              <a:t> delete -f – </a:t>
-            </a:r>
-          </a:p>
-          <a:p>
-            <a:r>
-              <a:rPr lang="en-US" altLang="zh-CN" dirty="0" err="1"/>
-              <a:t>kubectl</a:t>
-            </a:r>
-            <a:r>
-              <a:rPr lang="en-US" altLang="zh-CN" dirty="0"/>
-              <a:t> delete ns </a:t>
-            </a:r>
-            <a:r>
-              <a:rPr lang="en-US" altLang="zh-CN" dirty="0" err="1"/>
-              <a:t>istio</a:t>
-            </a:r>
-            <a:r>
-              <a:rPr lang="en-US" altLang="zh-CN" dirty="0"/>
-              <a:t>-system --grace-period=0 --force</a:t>
-            </a:r>
-          </a:p>
-          <a:p>
-            <a:endParaRPr lang="en-US" altLang="zh-CN" dirty="0"/>
-          </a:p>
-          <a:p>
-            <a:pPr marL="342900" indent="-342900">
-              <a:buAutoNum type="arabicPeriod" startAt="4"/>
-            </a:pPr>
-            <a:endParaRPr lang="zh-CN" altLang="en-US" dirty="0"/>
-          </a:p>
-        </p:txBody>
-      </p:sp>
-      <p:sp>
-        <p:nvSpPr>
-          <p:cNvPr id="4" name="日期占位符 3">
-            <a:extLst>
-              <a:ext uri="{FF2B5EF4-FFF2-40B4-BE49-F238E27FC236}">
-                <a16:creationId xmlns:a16="http://schemas.microsoft.com/office/drawing/2014/main" id="{089C2AEB-9546-4B02-8976-18F7BDE0B52A}"/>
-              </a:ext>
-            </a:extLst>
-          </p:cNvPr>
-          <p:cNvSpPr>
-            <a:spLocks noGrp="1"/>
-          </p:cNvSpPr>
-          <p:nvPr>
-            <p:ph type="dt" sz="half" idx="10"/>
-          </p:nvPr>
-        </p:nvSpPr>
-        <p:spPr/>
-        <p:txBody>
-          <a:bodyPr/>
-          <a:lstStyle/>
-          <a:p>
-            <a:pPr rtl="0"/>
-            <a:fld id="{F24FFC25-0C05-49C8-B150-3CF6B89B5C55}" type="datetime1">
-              <a:rPr lang="zh-CN" altLang="en-US" smtClean="0"/>
-              <a:t>2020/4/13</a:t>
-            </a:fld>
-            <a:endParaRPr lang="en-US" dirty="0"/>
-          </a:p>
-        </p:txBody>
-      </p:sp>
-      <p:pic>
-        <p:nvPicPr>
-          <p:cNvPr id="5" name="图片 4">
-            <a:extLst>
-              <a:ext uri="{FF2B5EF4-FFF2-40B4-BE49-F238E27FC236}">
-                <a16:creationId xmlns:a16="http://schemas.microsoft.com/office/drawing/2014/main" id="{85BDDAF0-CB6E-4E19-96C6-B59C4D483DF3}"/>
-              </a:ext>
-            </a:extLst>
-          </p:cNvPr>
-          <p:cNvPicPr>
-            <a:picLocks noChangeAspect="1"/>
-          </p:cNvPicPr>
-          <p:nvPr/>
-        </p:nvPicPr>
-        <p:blipFill>
-          <a:blip r:embed="rId2"/>
-          <a:stretch>
-            <a:fillRect/>
-          </a:stretch>
-        </p:blipFill>
-        <p:spPr>
-          <a:xfrm>
-            <a:off x="3544952" y="1314995"/>
-            <a:ext cx="4666667" cy="3971429"/>
-          </a:xfrm>
-          <a:prstGeom prst="rect">
-            <a:avLst/>
-          </a:prstGeom>
-        </p:spPr>
-      </p:pic>
-    </p:spTree>
-    <p:extLst>
-      <p:ext uri="{BB962C8B-B14F-4D97-AF65-F5344CB8AC3E}">
-        <p14:creationId xmlns:p14="http://schemas.microsoft.com/office/powerpoint/2010/main" val="993569648"/>
-      </p:ext>
-    </p:extLst>
-  </p:cSld>
-  <p:clrMapOvr>
-    <a:masterClrMapping/>
-  </p:clrMapOvr>
-</p:sld>
-</file>
-
-<file path=ppt/slides/slide34.xml><?xml version="1.0" encoding="utf-8"?>
-<p:sld xmlns:a="http://schemas.openxmlformats.org/drawingml/2006/main" xmlns:r="http://schemas.openxmlformats.org/officeDocument/2006/relationships" xmlns:p="http://schemas.openxmlformats.org/presentationml/2006/main">
-  <p:cSld>
-    <p:spTree>
-      <p:nvGrpSpPr>
-        <p:cNvPr id="1" name=""/>
-        <p:cNvGrpSpPr/>
-        <p:nvPr/>
-      </p:nvGrpSpPr>
-      <p:grpSpPr>
-        <a:xfrm>
-          <a:off x="0" y="0"/>
-          <a:ext cx="0" cy="0"/>
-          <a:chOff x="0" y="0"/>
-          <a:chExt cx="0" cy="0"/>
-        </a:xfrm>
-      </p:grpSpPr>
-      <p:sp>
-        <p:nvSpPr>
-          <p:cNvPr id="2" name="标题 1">
-            <a:extLst>
-              <a:ext uri="{FF2B5EF4-FFF2-40B4-BE49-F238E27FC236}">
-                <a16:creationId xmlns:a16="http://schemas.microsoft.com/office/drawing/2014/main" id="{E347AE1B-C16C-400D-8A94-ADBDED5C77C1}"/>
-              </a:ext>
-            </a:extLst>
-          </p:cNvPr>
-          <p:cNvSpPr>
-            <a:spLocks noGrp="1"/>
-          </p:cNvSpPr>
-          <p:nvPr>
-            <p:ph type="title"/>
-          </p:nvPr>
-        </p:nvSpPr>
-        <p:spPr>
-          <a:xfrm>
-            <a:off x="581192" y="702156"/>
-            <a:ext cx="11029616" cy="621547"/>
-          </a:xfrm>
-        </p:spPr>
-        <p:txBody>
-          <a:bodyPr>
-            <a:normAutofit/>
-          </a:bodyPr>
-          <a:lstStyle/>
-          <a:p>
-            <a:r>
-              <a:rPr lang="en-US" altLang="zh-CN" dirty="0"/>
-              <a:t>ISTIO</a:t>
-            </a:r>
-            <a:r>
-              <a:rPr lang="zh-CN" altLang="en-US" dirty="0"/>
-              <a:t>功能演示 </a:t>
-            </a:r>
-            <a:r>
-              <a:rPr lang="en-US" altLang="zh-CN" dirty="0"/>
-              <a:t>– Sidecar </a:t>
-            </a:r>
-            <a:r>
-              <a:rPr lang="zh-CN" altLang="en-US" dirty="0"/>
-              <a:t>注入</a:t>
-            </a:r>
-          </a:p>
-        </p:txBody>
-      </p:sp>
-      <p:sp>
-        <p:nvSpPr>
-          <p:cNvPr id="3" name="内容占位符 2">
-            <a:extLst>
-              <a:ext uri="{FF2B5EF4-FFF2-40B4-BE49-F238E27FC236}">
-                <a16:creationId xmlns:a16="http://schemas.microsoft.com/office/drawing/2014/main" id="{19304D0B-3875-48AA-968E-BC43E5336941}"/>
-              </a:ext>
-            </a:extLst>
-          </p:cNvPr>
-          <p:cNvSpPr>
-            <a:spLocks noGrp="1"/>
-          </p:cNvSpPr>
-          <p:nvPr>
-            <p:ph idx="1"/>
-          </p:nvPr>
-        </p:nvSpPr>
-        <p:spPr>
-          <a:xfrm>
-            <a:off x="581192" y="1619794"/>
-            <a:ext cx="11029615" cy="4355556"/>
-          </a:xfrm>
-        </p:spPr>
-        <p:txBody>
-          <a:bodyPr>
-            <a:normAutofit fontScale="77500" lnSpcReduction="20000"/>
-          </a:bodyPr>
-          <a:lstStyle/>
-          <a:p>
-            <a:r>
-              <a:rPr lang="en-US" altLang="zh-CN" dirty="0"/>
-              <a:t>1. </a:t>
-            </a:r>
-            <a:r>
-              <a:rPr lang="zh-CN" altLang="en-US" dirty="0"/>
-              <a:t>手动注入</a:t>
-            </a:r>
-            <a:endParaRPr lang="en-US" altLang="zh-CN" dirty="0"/>
-          </a:p>
-          <a:p>
-            <a:pPr marL="0" indent="0">
-              <a:buNone/>
-            </a:pPr>
-            <a:r>
-              <a:rPr lang="en-US" altLang="zh-CN" dirty="0" err="1"/>
-              <a:t>istioctl</a:t>
-            </a:r>
-            <a:r>
-              <a:rPr lang="en-US" altLang="zh-CN" dirty="0"/>
-              <a:t> </a:t>
-            </a:r>
-            <a:r>
-              <a:rPr lang="en-US" altLang="zh-CN" dirty="0" err="1"/>
-              <a:t>kube</a:t>
-            </a:r>
-            <a:r>
-              <a:rPr lang="en-US" altLang="zh-CN" dirty="0"/>
-              <a:t>-inject -f </a:t>
-            </a:r>
-            <a:r>
-              <a:rPr lang="en-US" altLang="zh-CN" dirty="0">
-                <a:hlinkClick r:id="rId2"/>
-              </a:rPr>
-              <a:t>samples/sleep/</a:t>
-            </a:r>
-            <a:r>
-              <a:rPr lang="en-US" altLang="zh-CN" dirty="0" err="1">
-                <a:hlinkClick r:id="rId2"/>
-              </a:rPr>
-              <a:t>sleep.yaml</a:t>
-            </a:r>
-            <a:r>
-              <a:rPr lang="en-US" altLang="zh-CN" dirty="0"/>
-              <a:t> | </a:t>
-            </a:r>
-            <a:r>
-              <a:rPr lang="en-US" altLang="zh-CN" dirty="0" err="1"/>
-              <a:t>kubectl</a:t>
-            </a:r>
-            <a:r>
-              <a:rPr lang="en-US" altLang="zh-CN" dirty="0"/>
-              <a:t> apply -f –</a:t>
-            </a:r>
-          </a:p>
-          <a:p>
-            <a:r>
-              <a:rPr lang="en-US" altLang="zh-CN" dirty="0"/>
-              <a:t>2. </a:t>
-            </a:r>
-            <a:r>
-              <a:rPr lang="zh-CN" altLang="en-US" dirty="0"/>
-              <a:t>自动注入</a:t>
-            </a:r>
-            <a:endParaRPr lang="en-US" altLang="zh-CN" dirty="0"/>
-          </a:p>
-          <a:p>
-            <a:pPr marL="0" indent="0">
-              <a:buNone/>
-            </a:pPr>
-            <a:r>
-              <a:rPr lang="en-US" altLang="zh-CN" dirty="0" err="1"/>
-              <a:t>kubectl</a:t>
-            </a:r>
-            <a:r>
-              <a:rPr lang="en-US" altLang="zh-CN" dirty="0"/>
-              <a:t> label namespace loc </a:t>
-            </a:r>
-            <a:r>
-              <a:rPr lang="en-US" altLang="zh-CN" dirty="0" err="1"/>
-              <a:t>istio</a:t>
-            </a:r>
-            <a:r>
-              <a:rPr lang="en-US" altLang="zh-CN" dirty="0"/>
-              <a:t>-injection=enabled </a:t>
-            </a:r>
-          </a:p>
-          <a:p>
-            <a:pPr marL="0" indent="0">
-              <a:buNone/>
-            </a:pPr>
-            <a:r>
-              <a:rPr lang="en-US" altLang="zh-CN" dirty="0" err="1"/>
-              <a:t>kubectl</a:t>
-            </a:r>
-            <a:r>
-              <a:rPr lang="en-US" altLang="zh-CN" dirty="0"/>
-              <a:t> get namespace -L </a:t>
-            </a:r>
-            <a:r>
-              <a:rPr lang="en-US" altLang="zh-CN" dirty="0" err="1"/>
-              <a:t>istio</a:t>
-            </a:r>
-            <a:r>
-              <a:rPr lang="en-US" altLang="zh-CN" dirty="0"/>
-              <a:t>-injection  </a:t>
-            </a:r>
-            <a:r>
-              <a:rPr lang="zh-CN" altLang="en-US" dirty="0"/>
-              <a:t>查看</a:t>
-            </a:r>
-            <a:endParaRPr lang="en-US" altLang="zh-CN" dirty="0"/>
-          </a:p>
-          <a:p>
-            <a:pPr marL="0" indent="0">
-              <a:buNone/>
-            </a:pPr>
-            <a:r>
-              <a:rPr lang="zh-CN" altLang="en-US" dirty="0"/>
-              <a:t>在</a:t>
-            </a:r>
-            <a:r>
-              <a:rPr lang="en-US" altLang="zh-CN" dirty="0"/>
-              <a:t>enabled </a:t>
-            </a:r>
-            <a:r>
-              <a:rPr lang="zh-CN" altLang="en-US" dirty="0"/>
-              <a:t>的命名空间中 在</a:t>
-            </a:r>
-            <a:r>
-              <a:rPr lang="en-US" altLang="zh-CN" dirty="0" err="1"/>
-              <a:t>yml</a:t>
-            </a:r>
-            <a:r>
-              <a:rPr lang="zh-CN" altLang="en-US" dirty="0"/>
-              <a:t>文件中标记不注入或者</a:t>
-            </a:r>
-            <a:r>
-              <a:rPr lang="en-US" altLang="zh-CN" dirty="0"/>
-              <a:t>disabled</a:t>
-            </a:r>
-            <a:r>
-              <a:rPr lang="zh-CN" altLang="en-US" dirty="0"/>
-              <a:t>中注入</a:t>
-            </a:r>
-            <a:endParaRPr lang="en-US" altLang="zh-CN" dirty="0"/>
-          </a:p>
-          <a:p>
-            <a:pPr marL="0" indent="0">
-              <a:buNone/>
-            </a:pPr>
-            <a:r>
-              <a:rPr lang="en-US" altLang="zh-CN" sz="1100" dirty="0" err="1"/>
-              <a:t>apiVersion</a:t>
-            </a:r>
-            <a:r>
-              <a:rPr lang="en-US" altLang="zh-CN" sz="1100" dirty="0"/>
-              <a:t>: apps/v1</a:t>
-            </a:r>
-          </a:p>
-          <a:p>
-            <a:pPr marL="0" indent="0">
-              <a:buNone/>
-            </a:pPr>
-            <a:r>
-              <a:rPr lang="en-US" altLang="zh-CN" sz="1100" dirty="0"/>
-              <a:t>kind: Deployment</a:t>
-            </a:r>
-          </a:p>
-          <a:p>
-            <a:pPr marL="0" indent="0">
-              <a:buNone/>
-            </a:pPr>
-            <a:r>
-              <a:rPr lang="en-US" altLang="zh-CN" sz="1100" dirty="0"/>
-              <a:t>metadata:</a:t>
-            </a:r>
-          </a:p>
-          <a:p>
-            <a:pPr marL="0" indent="0">
-              <a:buNone/>
-            </a:pPr>
-            <a:r>
-              <a:rPr lang="en-US" altLang="zh-CN" sz="1100" dirty="0"/>
-              <a:t>  name: ignored</a:t>
-            </a:r>
-          </a:p>
-          <a:p>
-            <a:pPr marL="0" indent="0">
-              <a:buNone/>
-            </a:pPr>
-            <a:r>
-              <a:rPr lang="en-US" altLang="zh-CN" sz="1100" dirty="0"/>
-              <a:t>spec:</a:t>
-            </a:r>
-          </a:p>
-          <a:p>
-            <a:pPr marL="0" indent="0">
-              <a:buNone/>
-            </a:pPr>
-            <a:r>
-              <a:rPr lang="en-US" altLang="zh-CN" sz="1100" dirty="0"/>
-              <a:t>  template:</a:t>
-            </a:r>
-          </a:p>
-          <a:p>
-            <a:pPr marL="0" indent="0">
-              <a:buNone/>
-            </a:pPr>
-            <a:r>
-              <a:rPr lang="en-US" altLang="zh-CN" sz="1100" dirty="0"/>
-              <a:t>    metadata:</a:t>
-            </a:r>
-          </a:p>
-          <a:p>
-            <a:pPr marL="0" indent="0">
-              <a:buNone/>
-            </a:pPr>
-            <a:r>
-              <a:rPr lang="en-US" altLang="zh-CN" sz="1100" dirty="0"/>
-              <a:t>      annotations:</a:t>
-            </a:r>
-          </a:p>
-          <a:p>
-            <a:pPr marL="0" indent="0">
-              <a:buNone/>
-            </a:pPr>
-            <a:r>
-              <a:rPr lang="en-US" altLang="zh-CN" sz="1100" dirty="0"/>
-              <a:t>        sidecar.istio.io/inject: "false“</a:t>
-            </a:r>
-          </a:p>
-          <a:p>
-            <a:r>
-              <a:rPr lang="en-US" altLang="zh-CN" sz="1100" dirty="0"/>
-              <a:t>3. </a:t>
-            </a:r>
-            <a:r>
-              <a:rPr lang="zh-CN" altLang="en-US" sz="1100" dirty="0"/>
-              <a:t>禁用</a:t>
-            </a:r>
-            <a:endParaRPr lang="en-US" altLang="zh-CN" sz="1100" dirty="0"/>
-          </a:p>
-          <a:p>
-            <a:pPr marL="0" indent="0">
-              <a:buNone/>
-            </a:pPr>
-            <a:r>
-              <a:rPr lang="en-US" altLang="zh-CN" dirty="0" err="1"/>
-              <a:t>kubectl</a:t>
-            </a:r>
-            <a:r>
-              <a:rPr lang="en-US" altLang="zh-CN" dirty="0"/>
-              <a:t> label namespace default </a:t>
-            </a:r>
-            <a:r>
-              <a:rPr lang="en-US" altLang="zh-CN" dirty="0" err="1"/>
-              <a:t>istio</a:t>
-            </a:r>
-            <a:r>
-              <a:rPr lang="en-US" altLang="zh-CN" dirty="0"/>
-              <a:t>-injection-</a:t>
-            </a:r>
-            <a:endParaRPr lang="zh-CN" altLang="en-US" sz="1100" dirty="0"/>
-          </a:p>
-        </p:txBody>
-      </p:sp>
-      <p:sp>
-        <p:nvSpPr>
-          <p:cNvPr id="4" name="日期占位符 3">
-            <a:extLst>
-              <a:ext uri="{FF2B5EF4-FFF2-40B4-BE49-F238E27FC236}">
-                <a16:creationId xmlns:a16="http://schemas.microsoft.com/office/drawing/2014/main" id="{ED5AD41E-1C6E-4A7D-A177-73448B2A78FD}"/>
-              </a:ext>
-            </a:extLst>
-          </p:cNvPr>
-          <p:cNvSpPr>
-            <a:spLocks noGrp="1"/>
-          </p:cNvSpPr>
-          <p:nvPr>
-            <p:ph type="dt" sz="half" idx="10"/>
-          </p:nvPr>
-        </p:nvSpPr>
-        <p:spPr/>
-        <p:txBody>
-          <a:bodyPr/>
-          <a:lstStyle/>
-          <a:p>
-            <a:pPr rtl="0"/>
-            <a:fld id="{F24FFC25-0C05-49C8-B150-3CF6B89B5C55}" type="datetime1">
-              <a:rPr lang="zh-CN" altLang="en-US" smtClean="0"/>
-              <a:t>2020/4/13</a:t>
-            </a:fld>
-            <a:endParaRPr lang="en-US" dirty="0"/>
-          </a:p>
-        </p:txBody>
-      </p:sp>
-    </p:spTree>
-    <p:extLst>
-      <p:ext uri="{BB962C8B-B14F-4D97-AF65-F5344CB8AC3E}">
-        <p14:creationId xmlns:p14="http://schemas.microsoft.com/office/powerpoint/2010/main" val="3270235935"/>
       </p:ext>
     </p:extLst>
   </p:cSld>
@@ -21729,7 +22915,7 @@
             <a:pPr rtl="0"/>
             <a:fld id="{F24FFC25-0C05-49C8-B150-3CF6B89B5C55}" type="datetime1">
               <a:rPr lang="zh-CN" altLang="en-US" smtClean="0"/>
-              <a:t>2020/4/13</a:t>
+              <a:t>2020/4/15</a:t>
             </a:fld>
             <a:endParaRPr lang="en-US" dirty="0"/>
           </a:p>
@@ -21739,6 +22925,1493 @@
     <p:extLst>
       <p:ext uri="{BB962C8B-B14F-4D97-AF65-F5344CB8AC3E}">
         <p14:creationId xmlns:p14="http://schemas.microsoft.com/office/powerpoint/2010/main" val="2770081583"/>
+      </p:ext>
+    </p:extLst>
+  </p:cSld>
+  <p:clrMapOvr>
+    <a:masterClrMapping/>
+  </p:clrMapOvr>
+</p:sld>
+</file>
+
+<file path=ppt/slides/slide40.xml><?xml version="1.0" encoding="utf-8"?>
+<p:sld xmlns:a="http://schemas.openxmlformats.org/drawingml/2006/main" xmlns:r="http://schemas.openxmlformats.org/officeDocument/2006/relationships" xmlns:p="http://schemas.openxmlformats.org/presentationml/2006/main">
+  <p:cSld>
+    <p:spTree>
+      <p:nvGrpSpPr>
+        <p:cNvPr id="1" name=""/>
+        <p:cNvGrpSpPr/>
+        <p:nvPr/>
+      </p:nvGrpSpPr>
+      <p:grpSpPr>
+        <a:xfrm>
+          <a:off x="0" y="0"/>
+          <a:ext cx="0" cy="0"/>
+          <a:chOff x="0" y="0"/>
+          <a:chExt cx="0" cy="0"/>
+        </a:xfrm>
+      </p:grpSpPr>
+      <p:sp>
+        <p:nvSpPr>
+          <p:cNvPr id="2" name="标题 1">
+            <a:extLst>
+              <a:ext uri="{FF2B5EF4-FFF2-40B4-BE49-F238E27FC236}">
+                <a16:creationId xmlns:a16="http://schemas.microsoft.com/office/drawing/2014/main" id="{DF9ED0A6-C639-4C20-AEED-0171194E7822}"/>
+              </a:ext>
+            </a:extLst>
+          </p:cNvPr>
+          <p:cNvSpPr>
+            <a:spLocks noGrp="1"/>
+          </p:cNvSpPr>
+          <p:nvPr>
+            <p:ph type="title"/>
+          </p:nvPr>
+        </p:nvSpPr>
+        <p:spPr/>
+        <p:txBody>
+          <a:bodyPr/>
+          <a:lstStyle/>
+          <a:p>
+            <a:r>
+              <a:rPr lang="zh-CN" altLang="en-US" dirty="0">
+                <a:hlinkClick r:id="rId2" tooltip="如果使用服务网格，是否需要API网关？"/>
+              </a:rPr>
+              <a:t>如果使用服务网格，是否需要</a:t>
+            </a:r>
+            <a:r>
+              <a:rPr lang="en-US" altLang="zh-CN" dirty="0">
+                <a:hlinkClick r:id="rId2" tooltip="如果使用服务网格，是否需要API网关？"/>
+              </a:rPr>
+              <a:t>API</a:t>
+            </a:r>
+            <a:r>
+              <a:rPr lang="zh-CN" altLang="en-US" dirty="0">
+                <a:hlinkClick r:id="rId2" tooltip="如果使用服务网格，是否需要API网关？"/>
+              </a:rPr>
+              <a:t>网关？</a:t>
+            </a:r>
+            <a:br>
+              <a:rPr lang="zh-CN" altLang="en-US" dirty="0"/>
+            </a:br>
+            <a:endParaRPr lang="zh-CN" altLang="en-US" dirty="0"/>
+          </a:p>
+        </p:txBody>
+      </p:sp>
+      <p:sp>
+        <p:nvSpPr>
+          <p:cNvPr id="3" name="内容占位符 2">
+            <a:extLst>
+              <a:ext uri="{FF2B5EF4-FFF2-40B4-BE49-F238E27FC236}">
+                <a16:creationId xmlns:a16="http://schemas.microsoft.com/office/drawing/2014/main" id="{21CD5E06-6813-463B-BC6F-AE041044FE28}"/>
+              </a:ext>
+            </a:extLst>
+          </p:cNvPr>
+          <p:cNvSpPr>
+            <a:spLocks noGrp="1"/>
+          </p:cNvSpPr>
+          <p:nvPr>
+            <p:ph idx="1"/>
+          </p:nvPr>
+        </p:nvSpPr>
+        <p:spPr/>
+        <p:txBody>
+          <a:bodyPr/>
+          <a:lstStyle/>
+          <a:p>
+            <a:endParaRPr lang="zh-CN" altLang="en-US" dirty="0"/>
+          </a:p>
+        </p:txBody>
+      </p:sp>
+      <p:sp>
+        <p:nvSpPr>
+          <p:cNvPr id="4" name="日期占位符 3">
+            <a:extLst>
+              <a:ext uri="{FF2B5EF4-FFF2-40B4-BE49-F238E27FC236}">
+                <a16:creationId xmlns:a16="http://schemas.microsoft.com/office/drawing/2014/main" id="{F91887BD-9CB5-4527-8EAF-3B98E357FAD0}"/>
+              </a:ext>
+            </a:extLst>
+          </p:cNvPr>
+          <p:cNvSpPr>
+            <a:spLocks noGrp="1"/>
+          </p:cNvSpPr>
+          <p:nvPr>
+            <p:ph type="dt" sz="half" idx="10"/>
+          </p:nvPr>
+        </p:nvSpPr>
+        <p:spPr/>
+        <p:txBody>
+          <a:bodyPr/>
+          <a:lstStyle/>
+          <a:p>
+            <a:pPr rtl="0"/>
+            <a:fld id="{F24FFC25-0C05-49C8-B150-3CF6B89B5C55}" type="datetime1">
+              <a:rPr lang="zh-CN" altLang="en-US" smtClean="0"/>
+              <a:t>2020/4/15</a:t>
+            </a:fld>
+            <a:endParaRPr lang="en-US" dirty="0"/>
+          </a:p>
+        </p:txBody>
+      </p:sp>
+    </p:spTree>
+    <p:extLst>
+      <p:ext uri="{BB962C8B-B14F-4D97-AF65-F5344CB8AC3E}">
+        <p14:creationId xmlns:p14="http://schemas.microsoft.com/office/powerpoint/2010/main" val="3875312775"/>
+      </p:ext>
+    </p:extLst>
+  </p:cSld>
+  <p:clrMapOvr>
+    <a:masterClrMapping/>
+  </p:clrMapOvr>
+</p:sld>
+</file>
+
+<file path=ppt/slides/slide41.xml><?xml version="1.0" encoding="utf-8"?>
+<p:sld xmlns:a="http://schemas.openxmlformats.org/drawingml/2006/main" xmlns:r="http://schemas.openxmlformats.org/officeDocument/2006/relationships" xmlns:p="http://schemas.openxmlformats.org/presentationml/2006/main">
+  <p:cSld>
+    <p:spTree>
+      <p:nvGrpSpPr>
+        <p:cNvPr id="1" name=""/>
+        <p:cNvGrpSpPr/>
+        <p:nvPr/>
+      </p:nvGrpSpPr>
+      <p:grpSpPr>
+        <a:xfrm>
+          <a:off x="0" y="0"/>
+          <a:ext cx="0" cy="0"/>
+          <a:chOff x="0" y="0"/>
+          <a:chExt cx="0" cy="0"/>
+        </a:xfrm>
+      </p:grpSpPr>
+      <p:sp>
+        <p:nvSpPr>
+          <p:cNvPr id="2" name="标题 1">
+            <a:extLst>
+              <a:ext uri="{FF2B5EF4-FFF2-40B4-BE49-F238E27FC236}">
+                <a16:creationId xmlns:a16="http://schemas.microsoft.com/office/drawing/2014/main" id="{28139F05-46D5-40E4-92F6-6E9BCF690E27}"/>
+              </a:ext>
+            </a:extLst>
+          </p:cNvPr>
+          <p:cNvSpPr>
+            <a:spLocks noGrp="1"/>
+          </p:cNvSpPr>
+          <p:nvPr>
+            <p:ph type="title"/>
+          </p:nvPr>
+        </p:nvSpPr>
+        <p:spPr/>
+        <p:txBody>
+          <a:bodyPr/>
+          <a:lstStyle/>
+          <a:p>
+            <a:r>
+              <a:rPr lang="en-US" altLang="zh-CN" dirty="0"/>
+              <a:t>ISTIO</a:t>
+            </a:r>
+            <a:r>
+              <a:rPr lang="zh-CN" altLang="en-US" dirty="0"/>
+              <a:t>组件介绍</a:t>
+            </a:r>
+          </a:p>
+        </p:txBody>
+      </p:sp>
+      <p:sp>
+        <p:nvSpPr>
+          <p:cNvPr id="3" name="内容占位符 2">
+            <a:extLst>
+              <a:ext uri="{FF2B5EF4-FFF2-40B4-BE49-F238E27FC236}">
+                <a16:creationId xmlns:a16="http://schemas.microsoft.com/office/drawing/2014/main" id="{63CF2D61-9C95-4E87-8EB0-5C8D25B106B8}"/>
+              </a:ext>
+            </a:extLst>
+          </p:cNvPr>
+          <p:cNvSpPr>
+            <a:spLocks noGrp="1"/>
+          </p:cNvSpPr>
+          <p:nvPr>
+            <p:ph idx="1"/>
+          </p:nvPr>
+        </p:nvSpPr>
+        <p:spPr/>
+        <p:txBody>
+          <a:bodyPr/>
+          <a:lstStyle/>
+          <a:p>
+            <a:endParaRPr lang="zh-CN" altLang="en-US"/>
+          </a:p>
+        </p:txBody>
+      </p:sp>
+      <p:sp>
+        <p:nvSpPr>
+          <p:cNvPr id="4" name="日期占位符 3">
+            <a:extLst>
+              <a:ext uri="{FF2B5EF4-FFF2-40B4-BE49-F238E27FC236}">
+                <a16:creationId xmlns:a16="http://schemas.microsoft.com/office/drawing/2014/main" id="{8BA59311-C017-4E31-96E2-6388A03364FE}"/>
+              </a:ext>
+            </a:extLst>
+          </p:cNvPr>
+          <p:cNvSpPr>
+            <a:spLocks noGrp="1"/>
+          </p:cNvSpPr>
+          <p:nvPr>
+            <p:ph type="dt" sz="half" idx="10"/>
+          </p:nvPr>
+        </p:nvSpPr>
+        <p:spPr/>
+        <p:txBody>
+          <a:bodyPr/>
+          <a:lstStyle/>
+          <a:p>
+            <a:pPr rtl="0"/>
+            <a:fld id="{F24FFC25-0C05-49C8-B150-3CF6B89B5C55}" type="datetime1">
+              <a:rPr lang="zh-CN" altLang="en-US" smtClean="0"/>
+              <a:t>2020/4/15</a:t>
+            </a:fld>
+            <a:endParaRPr lang="en-US" dirty="0"/>
+          </a:p>
+        </p:txBody>
+      </p:sp>
+    </p:spTree>
+    <p:extLst>
+      <p:ext uri="{BB962C8B-B14F-4D97-AF65-F5344CB8AC3E}">
+        <p14:creationId xmlns:p14="http://schemas.microsoft.com/office/powerpoint/2010/main" val="3302909487"/>
+      </p:ext>
+    </p:extLst>
+  </p:cSld>
+  <p:clrMapOvr>
+    <a:masterClrMapping/>
+  </p:clrMapOvr>
+</p:sld>
+</file>
+
+<file path=ppt/slides/slide42.xml><?xml version="1.0" encoding="utf-8"?>
+<p:sld xmlns:a="http://schemas.openxmlformats.org/drawingml/2006/main" xmlns:r="http://schemas.openxmlformats.org/officeDocument/2006/relationships" xmlns:p="http://schemas.openxmlformats.org/presentationml/2006/main">
+  <p:cSld>
+    <p:spTree>
+      <p:nvGrpSpPr>
+        <p:cNvPr id="1" name=""/>
+        <p:cNvGrpSpPr/>
+        <p:nvPr/>
+      </p:nvGrpSpPr>
+      <p:grpSpPr>
+        <a:xfrm>
+          <a:off x="0" y="0"/>
+          <a:ext cx="0" cy="0"/>
+          <a:chOff x="0" y="0"/>
+          <a:chExt cx="0" cy="0"/>
+        </a:xfrm>
+      </p:grpSpPr>
+      <p:sp>
+        <p:nvSpPr>
+          <p:cNvPr id="2" name="标题 1">
+            <a:extLst>
+              <a:ext uri="{FF2B5EF4-FFF2-40B4-BE49-F238E27FC236}">
+                <a16:creationId xmlns:a16="http://schemas.microsoft.com/office/drawing/2014/main" id="{A6E2A952-B5D3-4A19-962E-F057C989CDFA}"/>
+              </a:ext>
+            </a:extLst>
+          </p:cNvPr>
+          <p:cNvSpPr>
+            <a:spLocks noGrp="1"/>
+          </p:cNvSpPr>
+          <p:nvPr>
+            <p:ph type="title"/>
+          </p:nvPr>
+        </p:nvSpPr>
+        <p:spPr>
+          <a:xfrm>
+            <a:off x="581192" y="702156"/>
+            <a:ext cx="11029616" cy="804427"/>
+          </a:xfrm>
+        </p:spPr>
+        <p:txBody>
+          <a:bodyPr/>
+          <a:lstStyle/>
+          <a:p>
+            <a:r>
+              <a:rPr lang="en-US" altLang="zh-CN" dirty="0"/>
+              <a:t>ISTIO</a:t>
+            </a:r>
+            <a:r>
+              <a:rPr lang="zh-CN" altLang="en-US" dirty="0"/>
+              <a:t>安装 </a:t>
+            </a:r>
+            <a:r>
+              <a:rPr lang="en-US" altLang="zh-CN" dirty="0"/>
+              <a:t>- ISTIOCTL</a:t>
+            </a:r>
+            <a:endParaRPr lang="zh-CN" altLang="en-US" dirty="0"/>
+          </a:p>
+        </p:txBody>
+      </p:sp>
+      <p:sp>
+        <p:nvSpPr>
+          <p:cNvPr id="3" name="内容占位符 2">
+            <a:extLst>
+              <a:ext uri="{FF2B5EF4-FFF2-40B4-BE49-F238E27FC236}">
+                <a16:creationId xmlns:a16="http://schemas.microsoft.com/office/drawing/2014/main" id="{EB4C6BC0-2F57-4428-8705-7505BB5517BF}"/>
+              </a:ext>
+            </a:extLst>
+          </p:cNvPr>
+          <p:cNvSpPr>
+            <a:spLocks noGrp="1"/>
+          </p:cNvSpPr>
+          <p:nvPr>
+            <p:ph idx="1"/>
+          </p:nvPr>
+        </p:nvSpPr>
+        <p:spPr>
+          <a:xfrm>
+            <a:off x="581192" y="1741714"/>
+            <a:ext cx="11029615" cy="4233636"/>
+          </a:xfrm>
+        </p:spPr>
+        <p:txBody>
+          <a:bodyPr>
+            <a:normAutofit fontScale="92500" lnSpcReduction="10000"/>
+          </a:bodyPr>
+          <a:lstStyle/>
+          <a:p>
+            <a:r>
+              <a:rPr lang="en-US" altLang="zh-CN" dirty="0"/>
+              <a:t>1. </a:t>
+            </a:r>
+            <a:r>
+              <a:rPr lang="zh-CN" altLang="en-US" dirty="0"/>
+              <a:t>下载安装</a:t>
+            </a:r>
+            <a:r>
+              <a:rPr lang="en-US" altLang="zh-CN" dirty="0" err="1"/>
+              <a:t>istioctl</a:t>
+            </a:r>
+            <a:endParaRPr lang="en-US" altLang="zh-CN" dirty="0"/>
+          </a:p>
+          <a:p>
+            <a:pPr marL="0" indent="0">
+              <a:buNone/>
+            </a:pPr>
+            <a:r>
+              <a:rPr lang="en-US" altLang="zh-CN" dirty="0" err="1"/>
+              <a:t>wget</a:t>
+            </a:r>
+            <a:r>
+              <a:rPr lang="en-US" altLang="zh-CN" dirty="0"/>
+              <a:t> </a:t>
+            </a:r>
+            <a:r>
+              <a:rPr lang="en-US" altLang="zh-CN" dirty="0">
+                <a:hlinkClick r:id="rId2"/>
+              </a:rPr>
+              <a:t>https://github.com/istio/istio/releases/download/1.5.1/istio-1.5.1-linux.tar.gz</a:t>
+            </a:r>
+            <a:endParaRPr lang="en-US" altLang="zh-CN" dirty="0"/>
+          </a:p>
+          <a:p>
+            <a:pPr marL="0" indent="0">
+              <a:buNone/>
+            </a:pPr>
+            <a:r>
+              <a:rPr lang="zh-CN" altLang="en-US" dirty="0"/>
+              <a:t>解压</a:t>
+            </a:r>
+            <a:endParaRPr lang="en-US" altLang="zh-CN" dirty="0"/>
+          </a:p>
+          <a:p>
+            <a:pPr marL="0" indent="0">
+              <a:buNone/>
+            </a:pPr>
+            <a:r>
+              <a:rPr lang="en-US" altLang="zh-CN" dirty="0"/>
+              <a:t>tar -</a:t>
+            </a:r>
+            <a:r>
+              <a:rPr lang="en-US" altLang="zh-CN" dirty="0" err="1"/>
+              <a:t>zxvf</a:t>
+            </a:r>
+            <a:r>
+              <a:rPr lang="en-US" altLang="zh-CN" dirty="0"/>
+              <a:t> istio-1.5.1-linux.tar.gz</a:t>
+            </a:r>
+          </a:p>
+          <a:p>
+            <a:pPr marL="0" indent="0">
+              <a:buNone/>
+            </a:pPr>
+            <a:r>
+              <a:rPr lang="zh-CN" altLang="en-US" dirty="0"/>
+              <a:t>环境变量</a:t>
+            </a:r>
+            <a:endParaRPr lang="en-US" altLang="zh-CN" dirty="0"/>
+          </a:p>
+          <a:p>
+            <a:pPr marL="0" indent="0">
+              <a:buNone/>
+            </a:pPr>
+            <a:r>
+              <a:rPr lang="en-US" altLang="zh-CN" dirty="0"/>
+              <a:t>vi ~/.</a:t>
+            </a:r>
+            <a:r>
+              <a:rPr lang="en-US" altLang="zh-CN" dirty="0" err="1"/>
+              <a:t>bashrc</a:t>
+            </a:r>
+            <a:endParaRPr lang="en-US" altLang="zh-CN" dirty="0"/>
+          </a:p>
+          <a:p>
+            <a:pPr marL="0" indent="0">
+              <a:buNone/>
+            </a:pPr>
+            <a:r>
+              <a:rPr lang="en-US" altLang="zh-CN" dirty="0"/>
+              <a:t>export PATH=/root/istio-1.5.1/bin:$PATH</a:t>
+            </a:r>
+          </a:p>
+          <a:p>
+            <a:pPr marL="0" indent="0">
+              <a:buNone/>
+            </a:pPr>
+            <a:r>
+              <a:rPr lang="zh-CN" altLang="en-US" dirty="0"/>
+              <a:t>使配置生效</a:t>
+            </a:r>
+            <a:br>
+              <a:rPr lang="en-US" altLang="zh-CN" dirty="0"/>
+            </a:br>
+            <a:r>
+              <a:rPr lang="en-US" altLang="zh-CN" dirty="0"/>
+              <a:t>source ~/.</a:t>
+            </a:r>
+            <a:r>
+              <a:rPr lang="en-US" altLang="zh-CN" dirty="0" err="1"/>
+              <a:t>bashrc</a:t>
+            </a:r>
+            <a:endParaRPr lang="en-US" altLang="zh-CN" dirty="0"/>
+          </a:p>
+          <a:p>
+            <a:pPr marL="0" indent="0">
+              <a:buNone/>
+            </a:pPr>
+            <a:r>
+              <a:rPr lang="zh-CN" altLang="en-US" dirty="0"/>
+              <a:t>验证是否安装成功</a:t>
+            </a:r>
+            <a:endParaRPr lang="en-US" altLang="zh-CN" dirty="0"/>
+          </a:p>
+          <a:p>
+            <a:pPr marL="0" indent="0">
+              <a:buNone/>
+            </a:pPr>
+            <a:r>
+              <a:rPr lang="en-US" altLang="zh-CN" dirty="0" err="1"/>
+              <a:t>istioctl</a:t>
+            </a:r>
+            <a:r>
+              <a:rPr lang="en-US" altLang="zh-CN" dirty="0"/>
+              <a:t> version</a:t>
+            </a:r>
+          </a:p>
+          <a:p>
+            <a:pPr marL="0" indent="0">
+              <a:buNone/>
+            </a:pPr>
+            <a:endParaRPr lang="zh-CN" altLang="en-US" dirty="0"/>
+          </a:p>
+        </p:txBody>
+      </p:sp>
+      <p:sp>
+        <p:nvSpPr>
+          <p:cNvPr id="4" name="日期占位符 3">
+            <a:extLst>
+              <a:ext uri="{FF2B5EF4-FFF2-40B4-BE49-F238E27FC236}">
+                <a16:creationId xmlns:a16="http://schemas.microsoft.com/office/drawing/2014/main" id="{EFCF124F-EE24-4B20-AF8C-E8DE7D075665}"/>
+              </a:ext>
+            </a:extLst>
+          </p:cNvPr>
+          <p:cNvSpPr>
+            <a:spLocks noGrp="1"/>
+          </p:cNvSpPr>
+          <p:nvPr>
+            <p:ph type="dt" sz="half" idx="10"/>
+          </p:nvPr>
+        </p:nvSpPr>
+        <p:spPr/>
+        <p:txBody>
+          <a:bodyPr/>
+          <a:lstStyle/>
+          <a:p>
+            <a:pPr rtl="0"/>
+            <a:fld id="{F24FFC25-0C05-49C8-B150-3CF6B89B5C55}" type="datetime1">
+              <a:rPr lang="zh-CN" altLang="en-US" smtClean="0"/>
+              <a:t>2020/4/15</a:t>
+            </a:fld>
+            <a:endParaRPr lang="en-US" dirty="0"/>
+          </a:p>
+        </p:txBody>
+      </p:sp>
+    </p:spTree>
+    <p:extLst>
+      <p:ext uri="{BB962C8B-B14F-4D97-AF65-F5344CB8AC3E}">
+        <p14:creationId xmlns:p14="http://schemas.microsoft.com/office/powerpoint/2010/main" val="2319491466"/>
+      </p:ext>
+    </p:extLst>
+  </p:cSld>
+  <p:clrMapOvr>
+    <a:masterClrMapping/>
+  </p:clrMapOvr>
+</p:sld>
+</file>
+
+<file path=ppt/slides/slide43.xml><?xml version="1.0" encoding="utf-8"?>
+<p:sld xmlns:a="http://schemas.openxmlformats.org/drawingml/2006/main" xmlns:r="http://schemas.openxmlformats.org/officeDocument/2006/relationships" xmlns:p="http://schemas.openxmlformats.org/presentationml/2006/main">
+  <p:cSld>
+    <p:spTree>
+      <p:nvGrpSpPr>
+        <p:cNvPr id="1" name=""/>
+        <p:cNvGrpSpPr/>
+        <p:nvPr/>
+      </p:nvGrpSpPr>
+      <p:grpSpPr>
+        <a:xfrm>
+          <a:off x="0" y="0"/>
+          <a:ext cx="0" cy="0"/>
+          <a:chOff x="0" y="0"/>
+          <a:chExt cx="0" cy="0"/>
+        </a:xfrm>
+      </p:grpSpPr>
+      <p:sp>
+        <p:nvSpPr>
+          <p:cNvPr id="2" name="标题 1">
+            <a:extLst>
+              <a:ext uri="{FF2B5EF4-FFF2-40B4-BE49-F238E27FC236}">
+                <a16:creationId xmlns:a16="http://schemas.microsoft.com/office/drawing/2014/main" id="{BA5A74F7-94B2-466F-8571-46C81E6B3C3C}"/>
+              </a:ext>
+            </a:extLst>
+          </p:cNvPr>
+          <p:cNvSpPr>
+            <a:spLocks noGrp="1"/>
+          </p:cNvSpPr>
+          <p:nvPr>
+            <p:ph type="title"/>
+          </p:nvPr>
+        </p:nvSpPr>
+        <p:spPr>
+          <a:xfrm>
+            <a:off x="494106" y="510567"/>
+            <a:ext cx="11029616" cy="699924"/>
+          </a:xfrm>
+        </p:spPr>
+        <p:txBody>
+          <a:bodyPr/>
+          <a:lstStyle/>
+          <a:p>
+            <a:r>
+              <a:rPr lang="en-US" altLang="zh-CN" dirty="0"/>
+              <a:t>ISTIO</a:t>
+            </a:r>
+            <a:r>
+              <a:rPr lang="zh-CN" altLang="en-US" dirty="0"/>
+              <a:t>安装 </a:t>
+            </a:r>
+            <a:r>
+              <a:rPr lang="en-US" altLang="zh-CN" dirty="0"/>
+              <a:t>- Standalone Operator</a:t>
+            </a:r>
+            <a:endParaRPr lang="zh-CN" altLang="en-US" dirty="0"/>
+          </a:p>
+        </p:txBody>
+      </p:sp>
+      <p:sp>
+        <p:nvSpPr>
+          <p:cNvPr id="3" name="内容占位符 2">
+            <a:extLst>
+              <a:ext uri="{FF2B5EF4-FFF2-40B4-BE49-F238E27FC236}">
+                <a16:creationId xmlns:a16="http://schemas.microsoft.com/office/drawing/2014/main" id="{E8736EE0-26AC-482A-97D2-18FF1708BF5A}"/>
+              </a:ext>
+            </a:extLst>
+          </p:cNvPr>
+          <p:cNvSpPr>
+            <a:spLocks noGrp="1"/>
+          </p:cNvSpPr>
+          <p:nvPr>
+            <p:ph idx="1"/>
+          </p:nvPr>
+        </p:nvSpPr>
+        <p:spPr>
+          <a:xfrm>
+            <a:off x="581192" y="1314995"/>
+            <a:ext cx="11029615" cy="5543006"/>
+          </a:xfrm>
+        </p:spPr>
+        <p:txBody>
+          <a:bodyPr>
+            <a:normAutofit fontScale="55000" lnSpcReduction="20000"/>
+          </a:bodyPr>
+          <a:lstStyle/>
+          <a:p>
+            <a:r>
+              <a:rPr lang="en-US" altLang="zh-CN" dirty="0"/>
+              <a:t>1.  </a:t>
+            </a:r>
+            <a:r>
+              <a:rPr lang="zh-CN" altLang="en-US" dirty="0"/>
+              <a:t>初始化</a:t>
+            </a:r>
+            <a:endParaRPr lang="en-US" altLang="zh-CN" dirty="0"/>
+          </a:p>
+          <a:p>
+            <a:pPr marL="0" indent="0">
+              <a:buNone/>
+            </a:pPr>
+            <a:r>
+              <a:rPr lang="en-US" altLang="zh-CN" dirty="0" err="1"/>
+              <a:t>istioctl</a:t>
+            </a:r>
+            <a:r>
+              <a:rPr lang="en-US" altLang="zh-CN" dirty="0"/>
+              <a:t> operator </a:t>
+            </a:r>
+            <a:r>
+              <a:rPr lang="en-US" altLang="zh-CN" dirty="0" err="1"/>
+              <a:t>init</a:t>
+            </a:r>
+            <a:r>
+              <a:rPr lang="en-US" altLang="zh-CN" dirty="0"/>
+              <a:t>       </a:t>
+            </a:r>
+          </a:p>
+          <a:p>
+            <a:r>
+              <a:rPr lang="en-US" altLang="zh-CN" dirty="0"/>
+              <a:t>2. </a:t>
+            </a:r>
+            <a:r>
+              <a:rPr lang="zh-CN" altLang="en-US" dirty="0"/>
+              <a:t>安装</a:t>
+            </a:r>
+            <a:r>
+              <a:rPr lang="en-US" altLang="zh-CN" dirty="0" err="1"/>
+              <a:t>istio</a:t>
+            </a:r>
+            <a:endParaRPr lang="en-US" altLang="zh-CN" dirty="0"/>
+          </a:p>
+          <a:p>
+            <a:pPr marL="0" indent="0">
+              <a:buNone/>
+            </a:pPr>
+            <a:r>
+              <a:rPr lang="en-US" altLang="zh-CN" dirty="0" err="1"/>
+              <a:t>kubectl</a:t>
+            </a:r>
+            <a:r>
+              <a:rPr lang="en-US" altLang="zh-CN" dirty="0"/>
+              <a:t> create ns </a:t>
+            </a:r>
+            <a:r>
+              <a:rPr lang="en-US" altLang="zh-CN" dirty="0" err="1"/>
+              <a:t>istio</a:t>
+            </a:r>
+            <a:r>
+              <a:rPr lang="en-US" altLang="zh-CN" dirty="0"/>
+              <a:t>-system</a:t>
+            </a:r>
+          </a:p>
+          <a:p>
+            <a:pPr marL="0" indent="0">
+              <a:buNone/>
+            </a:pPr>
+            <a:endParaRPr lang="en-US" altLang="zh-CN" dirty="0"/>
+          </a:p>
+          <a:p>
+            <a:pPr marL="0" indent="0">
+              <a:buNone/>
+            </a:pPr>
+            <a:r>
+              <a:rPr lang="en-US" altLang="zh-CN" dirty="0" err="1"/>
+              <a:t>kubectl</a:t>
+            </a:r>
+            <a:r>
+              <a:rPr lang="en-US" altLang="zh-CN" dirty="0"/>
+              <a:t> apply -f - &lt;&lt;EOF</a:t>
+            </a:r>
+          </a:p>
+          <a:p>
+            <a:pPr marL="0" indent="0">
+              <a:buNone/>
+            </a:pPr>
+            <a:r>
+              <a:rPr lang="en-US" altLang="zh-CN" dirty="0" err="1"/>
+              <a:t>apiVersion</a:t>
+            </a:r>
+            <a:r>
+              <a:rPr lang="en-US" altLang="zh-CN" dirty="0"/>
+              <a:t>: install.istio.io/v1alpha1</a:t>
+            </a:r>
+          </a:p>
+          <a:p>
+            <a:pPr marL="0" indent="0">
+              <a:buNone/>
+            </a:pPr>
+            <a:r>
+              <a:rPr lang="en-US" altLang="zh-CN" dirty="0"/>
+              <a:t>kind: </a:t>
+            </a:r>
+            <a:r>
+              <a:rPr lang="en-US" altLang="zh-CN" dirty="0" err="1"/>
+              <a:t>IstioOperator</a:t>
+            </a:r>
+            <a:endParaRPr lang="en-US" altLang="zh-CN" dirty="0"/>
+          </a:p>
+          <a:p>
+            <a:pPr marL="0" indent="0">
+              <a:buNone/>
+            </a:pPr>
+            <a:r>
+              <a:rPr lang="en-US" altLang="zh-CN" dirty="0"/>
+              <a:t>metadata:</a:t>
+            </a:r>
+          </a:p>
+          <a:p>
+            <a:pPr marL="0" indent="0">
+              <a:buNone/>
+            </a:pPr>
+            <a:r>
+              <a:rPr lang="en-US" altLang="zh-CN" dirty="0"/>
+              <a:t>  namespace: </a:t>
+            </a:r>
+            <a:r>
+              <a:rPr lang="en-US" altLang="zh-CN" dirty="0" err="1"/>
+              <a:t>istio</a:t>
+            </a:r>
+            <a:r>
+              <a:rPr lang="en-US" altLang="zh-CN" dirty="0"/>
+              <a:t>-system</a:t>
+            </a:r>
+          </a:p>
+          <a:p>
+            <a:pPr marL="0" indent="0">
+              <a:buNone/>
+            </a:pPr>
+            <a:r>
+              <a:rPr lang="en-US" altLang="zh-CN" dirty="0"/>
+              <a:t>  name: example-</a:t>
+            </a:r>
+            <a:r>
+              <a:rPr lang="en-US" altLang="zh-CN" dirty="0" err="1"/>
+              <a:t>istiocontrolplane</a:t>
+            </a:r>
+            <a:endParaRPr lang="en-US" altLang="zh-CN" dirty="0"/>
+          </a:p>
+          <a:p>
+            <a:pPr marL="0" indent="0">
+              <a:buNone/>
+            </a:pPr>
+            <a:r>
+              <a:rPr lang="en-US" altLang="zh-CN" dirty="0"/>
+              <a:t>spec:</a:t>
+            </a:r>
+          </a:p>
+          <a:p>
+            <a:pPr marL="0" indent="0">
+              <a:buNone/>
+            </a:pPr>
+            <a:r>
+              <a:rPr lang="en-US" altLang="zh-CN" dirty="0"/>
+              <a:t>  profile: demo</a:t>
+            </a:r>
+          </a:p>
+          <a:p>
+            <a:pPr marL="0" indent="0">
+              <a:buNone/>
+            </a:pPr>
+            <a:r>
+              <a:rPr lang="en-US" altLang="zh-CN" dirty="0"/>
+              <a:t>EOF</a:t>
+            </a:r>
+          </a:p>
+          <a:p>
+            <a:pPr marL="0" indent="0">
+              <a:buNone/>
+            </a:pPr>
+            <a:endParaRPr lang="en-US" altLang="zh-CN" dirty="0"/>
+          </a:p>
+          <a:p>
+            <a:r>
+              <a:rPr lang="en-US" altLang="zh-CN" dirty="0"/>
+              <a:t>3.  </a:t>
+            </a:r>
+            <a:r>
+              <a:rPr lang="zh-CN" altLang="en-US" dirty="0"/>
+              <a:t>验证</a:t>
+            </a:r>
+            <a:endParaRPr lang="en-US" altLang="zh-CN" dirty="0"/>
+          </a:p>
+          <a:p>
+            <a:pPr marL="0" indent="0">
+              <a:buNone/>
+            </a:pPr>
+            <a:r>
+              <a:rPr lang="en-US" altLang="zh-CN" dirty="0"/>
+              <a:t>  </a:t>
+            </a:r>
+            <a:r>
+              <a:rPr lang="en-US" altLang="zh-CN" dirty="0" err="1"/>
+              <a:t>kubectl</a:t>
+            </a:r>
+            <a:r>
+              <a:rPr lang="en-US" altLang="zh-CN" dirty="0"/>
+              <a:t> get svc -n </a:t>
+            </a:r>
+            <a:r>
+              <a:rPr lang="en-US" altLang="zh-CN" dirty="0" err="1"/>
+              <a:t>istio</a:t>
+            </a:r>
+            <a:r>
+              <a:rPr lang="en-US" altLang="zh-CN" dirty="0"/>
+              <a:t>-system</a:t>
+            </a:r>
+          </a:p>
+          <a:p>
+            <a:pPr marL="0" indent="0">
+              <a:buNone/>
+            </a:pPr>
+            <a:r>
+              <a:rPr lang="en-US" altLang="zh-CN" dirty="0"/>
+              <a:t>  </a:t>
+            </a:r>
+            <a:r>
+              <a:rPr lang="en-US" altLang="zh-CN" dirty="0" err="1"/>
+              <a:t>kubectl</a:t>
+            </a:r>
+            <a:r>
+              <a:rPr lang="en-US" altLang="zh-CN" dirty="0"/>
+              <a:t> get pod -n </a:t>
+            </a:r>
+            <a:r>
+              <a:rPr lang="en-US" altLang="zh-CN" dirty="0" err="1"/>
+              <a:t>istio</a:t>
+            </a:r>
+            <a:r>
+              <a:rPr lang="en-US" altLang="zh-CN" dirty="0"/>
+              <a:t>-system</a:t>
+            </a:r>
+          </a:p>
+          <a:p>
+            <a:r>
+              <a:rPr lang="en-US" altLang="zh-CN" dirty="0"/>
+              <a:t>4. </a:t>
+            </a:r>
+            <a:r>
+              <a:rPr lang="zh-CN" altLang="en-US" dirty="0"/>
+              <a:t>卸载</a:t>
+            </a:r>
+            <a:endParaRPr lang="en-US" altLang="zh-CN" dirty="0"/>
+          </a:p>
+          <a:p>
+            <a:r>
+              <a:rPr lang="en-US" altLang="zh-CN" dirty="0" err="1"/>
+              <a:t>kubectl</a:t>
+            </a:r>
+            <a:r>
+              <a:rPr lang="en-US" altLang="zh-CN" dirty="0"/>
+              <a:t> delete istiooperators.install.istio.io -n </a:t>
+            </a:r>
+            <a:r>
+              <a:rPr lang="en-US" altLang="zh-CN" dirty="0" err="1"/>
+              <a:t>istio</a:t>
+            </a:r>
+            <a:r>
+              <a:rPr lang="en-US" altLang="zh-CN" dirty="0"/>
+              <a:t>-system example-</a:t>
+            </a:r>
+            <a:r>
+              <a:rPr lang="en-US" altLang="zh-CN" dirty="0" err="1"/>
+              <a:t>istiocontrolplane</a:t>
+            </a:r>
+            <a:r>
+              <a:rPr lang="en-US" altLang="zh-CN" dirty="0"/>
+              <a:t>    </a:t>
+            </a:r>
+            <a:r>
+              <a:rPr lang="zh-CN" altLang="en-US" dirty="0"/>
+              <a:t>删除</a:t>
+            </a:r>
+            <a:r>
+              <a:rPr lang="en-US" altLang="zh-CN" dirty="0" err="1"/>
+              <a:t>Istio</a:t>
+            </a:r>
+            <a:r>
+              <a:rPr lang="en-US" altLang="zh-CN" dirty="0"/>
+              <a:t> deployment</a:t>
+            </a:r>
+          </a:p>
+          <a:p>
+            <a:r>
+              <a:rPr lang="en-US" altLang="zh-CN" dirty="0" err="1"/>
+              <a:t>istioctl</a:t>
+            </a:r>
+            <a:r>
+              <a:rPr lang="en-US" altLang="zh-CN" dirty="0"/>
+              <a:t> operator remove  </a:t>
+            </a:r>
+            <a:r>
+              <a:rPr lang="zh-CN" altLang="en-US" dirty="0"/>
+              <a:t>（</a:t>
+            </a:r>
+            <a:r>
+              <a:rPr lang="en-US" altLang="zh-CN" dirty="0"/>
+              <a:t>or </a:t>
+            </a:r>
+            <a:r>
+              <a:rPr lang="en-US" altLang="zh-CN" dirty="0" err="1"/>
+              <a:t>kubectl</a:t>
+            </a:r>
+            <a:r>
+              <a:rPr lang="en-US" altLang="zh-CN" dirty="0"/>
+              <a:t> delete ns </a:t>
+            </a:r>
+            <a:r>
+              <a:rPr lang="en-US" altLang="zh-CN" dirty="0" err="1"/>
+              <a:t>istio</a:t>
+            </a:r>
+            <a:r>
+              <a:rPr lang="en-US" altLang="zh-CN" dirty="0"/>
+              <a:t>-operator --grace-period=0 --force</a:t>
+            </a:r>
+            <a:r>
+              <a:rPr lang="zh-CN" altLang="en-US" dirty="0"/>
+              <a:t>）</a:t>
+            </a:r>
+            <a:r>
+              <a:rPr lang="en-US" altLang="zh-CN" dirty="0"/>
+              <a:t>   </a:t>
+            </a:r>
+            <a:r>
+              <a:rPr lang="zh-CN" altLang="en-US" dirty="0"/>
+              <a:t>删除 </a:t>
+            </a:r>
+            <a:r>
+              <a:rPr lang="en-US" altLang="zh-CN" dirty="0"/>
+              <a:t> </a:t>
+            </a:r>
+            <a:r>
+              <a:rPr lang="en-US" altLang="zh-CN" dirty="0" err="1"/>
+              <a:t>Istio</a:t>
+            </a:r>
+            <a:r>
+              <a:rPr lang="en-US" altLang="zh-CN" dirty="0"/>
+              <a:t> operator</a:t>
+            </a:r>
+          </a:p>
+          <a:p>
+            <a:r>
+              <a:rPr lang="en-US" altLang="zh-CN" dirty="0" err="1"/>
+              <a:t>istioctl</a:t>
+            </a:r>
+            <a:r>
+              <a:rPr lang="en-US" altLang="zh-CN" dirty="0"/>
+              <a:t> manifest generate | </a:t>
+            </a:r>
+            <a:r>
+              <a:rPr lang="en-US" altLang="zh-CN" dirty="0" err="1"/>
+              <a:t>kubectl</a:t>
+            </a:r>
+            <a:r>
+              <a:rPr lang="en-US" altLang="zh-CN" dirty="0"/>
+              <a:t> delete -f – </a:t>
+            </a:r>
+          </a:p>
+          <a:p>
+            <a:r>
+              <a:rPr lang="en-US" altLang="zh-CN" dirty="0" err="1"/>
+              <a:t>kubectl</a:t>
+            </a:r>
+            <a:r>
+              <a:rPr lang="en-US" altLang="zh-CN" dirty="0"/>
+              <a:t> delete ns </a:t>
+            </a:r>
+            <a:r>
+              <a:rPr lang="en-US" altLang="zh-CN" dirty="0" err="1"/>
+              <a:t>istio</a:t>
+            </a:r>
+            <a:r>
+              <a:rPr lang="en-US" altLang="zh-CN" dirty="0"/>
+              <a:t>-system --grace-period=0 --force</a:t>
+            </a:r>
+          </a:p>
+          <a:p>
+            <a:endParaRPr lang="en-US" altLang="zh-CN" dirty="0"/>
+          </a:p>
+          <a:p>
+            <a:pPr marL="342900" indent="-342900">
+              <a:buAutoNum type="arabicPeriod" startAt="4"/>
+            </a:pPr>
+            <a:endParaRPr lang="zh-CN" altLang="en-US" dirty="0"/>
+          </a:p>
+        </p:txBody>
+      </p:sp>
+      <p:sp>
+        <p:nvSpPr>
+          <p:cNvPr id="4" name="日期占位符 3">
+            <a:extLst>
+              <a:ext uri="{FF2B5EF4-FFF2-40B4-BE49-F238E27FC236}">
+                <a16:creationId xmlns:a16="http://schemas.microsoft.com/office/drawing/2014/main" id="{089C2AEB-9546-4B02-8976-18F7BDE0B52A}"/>
+              </a:ext>
+            </a:extLst>
+          </p:cNvPr>
+          <p:cNvSpPr>
+            <a:spLocks noGrp="1"/>
+          </p:cNvSpPr>
+          <p:nvPr>
+            <p:ph type="dt" sz="half" idx="10"/>
+          </p:nvPr>
+        </p:nvSpPr>
+        <p:spPr/>
+        <p:txBody>
+          <a:bodyPr/>
+          <a:lstStyle/>
+          <a:p>
+            <a:pPr rtl="0"/>
+            <a:fld id="{F24FFC25-0C05-49C8-B150-3CF6B89B5C55}" type="datetime1">
+              <a:rPr lang="zh-CN" altLang="en-US" smtClean="0"/>
+              <a:t>2020/4/15</a:t>
+            </a:fld>
+            <a:endParaRPr lang="en-US" dirty="0"/>
+          </a:p>
+        </p:txBody>
+      </p:sp>
+      <p:pic>
+        <p:nvPicPr>
+          <p:cNvPr id="5" name="图片 4">
+            <a:extLst>
+              <a:ext uri="{FF2B5EF4-FFF2-40B4-BE49-F238E27FC236}">
+                <a16:creationId xmlns:a16="http://schemas.microsoft.com/office/drawing/2014/main" id="{85BDDAF0-CB6E-4E19-96C6-B59C4D483DF3}"/>
+              </a:ext>
+            </a:extLst>
+          </p:cNvPr>
+          <p:cNvPicPr>
+            <a:picLocks noChangeAspect="1"/>
+          </p:cNvPicPr>
+          <p:nvPr/>
+        </p:nvPicPr>
+        <p:blipFill>
+          <a:blip r:embed="rId2"/>
+          <a:stretch>
+            <a:fillRect/>
+          </a:stretch>
+        </p:blipFill>
+        <p:spPr>
+          <a:xfrm>
+            <a:off x="3544952" y="1314995"/>
+            <a:ext cx="4666667" cy="3971429"/>
+          </a:xfrm>
+          <a:prstGeom prst="rect">
+            <a:avLst/>
+          </a:prstGeom>
+        </p:spPr>
+      </p:pic>
+    </p:spTree>
+    <p:extLst>
+      <p:ext uri="{BB962C8B-B14F-4D97-AF65-F5344CB8AC3E}">
+        <p14:creationId xmlns:p14="http://schemas.microsoft.com/office/powerpoint/2010/main" val="993569648"/>
+      </p:ext>
+    </p:extLst>
+  </p:cSld>
+  <p:clrMapOvr>
+    <a:masterClrMapping/>
+  </p:clrMapOvr>
+</p:sld>
+</file>
+
+<file path=ppt/slides/slide44.xml><?xml version="1.0" encoding="utf-8"?>
+<p:sld xmlns:a="http://schemas.openxmlformats.org/drawingml/2006/main" xmlns:r="http://schemas.openxmlformats.org/officeDocument/2006/relationships" xmlns:p="http://schemas.openxmlformats.org/presentationml/2006/main">
+  <p:cSld>
+    <p:spTree>
+      <p:nvGrpSpPr>
+        <p:cNvPr id="1" name=""/>
+        <p:cNvGrpSpPr/>
+        <p:nvPr/>
+      </p:nvGrpSpPr>
+      <p:grpSpPr>
+        <a:xfrm>
+          <a:off x="0" y="0"/>
+          <a:ext cx="0" cy="0"/>
+          <a:chOff x="0" y="0"/>
+          <a:chExt cx="0" cy="0"/>
+        </a:xfrm>
+      </p:grpSpPr>
+      <p:sp>
+        <p:nvSpPr>
+          <p:cNvPr id="2" name="标题 1">
+            <a:extLst>
+              <a:ext uri="{FF2B5EF4-FFF2-40B4-BE49-F238E27FC236}">
+                <a16:creationId xmlns:a16="http://schemas.microsoft.com/office/drawing/2014/main" id="{E347AE1B-C16C-400D-8A94-ADBDED5C77C1}"/>
+              </a:ext>
+            </a:extLst>
+          </p:cNvPr>
+          <p:cNvSpPr>
+            <a:spLocks noGrp="1"/>
+          </p:cNvSpPr>
+          <p:nvPr>
+            <p:ph type="title"/>
+          </p:nvPr>
+        </p:nvSpPr>
+        <p:spPr>
+          <a:xfrm>
+            <a:off x="581192" y="702156"/>
+            <a:ext cx="11029616" cy="621547"/>
+          </a:xfrm>
+        </p:spPr>
+        <p:txBody>
+          <a:bodyPr>
+            <a:normAutofit/>
+          </a:bodyPr>
+          <a:lstStyle/>
+          <a:p>
+            <a:r>
+              <a:rPr lang="en-US" altLang="zh-CN" dirty="0"/>
+              <a:t>ISTIO</a:t>
+            </a:r>
+            <a:r>
+              <a:rPr lang="zh-CN" altLang="en-US" dirty="0"/>
+              <a:t>功能演示 </a:t>
+            </a:r>
+            <a:r>
+              <a:rPr lang="en-US" altLang="zh-CN" dirty="0"/>
+              <a:t>– Sidecar </a:t>
+            </a:r>
+            <a:r>
+              <a:rPr lang="zh-CN" altLang="en-US" dirty="0"/>
+              <a:t>注入</a:t>
+            </a:r>
+          </a:p>
+        </p:txBody>
+      </p:sp>
+      <p:sp>
+        <p:nvSpPr>
+          <p:cNvPr id="3" name="内容占位符 2">
+            <a:extLst>
+              <a:ext uri="{FF2B5EF4-FFF2-40B4-BE49-F238E27FC236}">
+                <a16:creationId xmlns:a16="http://schemas.microsoft.com/office/drawing/2014/main" id="{19304D0B-3875-48AA-968E-BC43E5336941}"/>
+              </a:ext>
+            </a:extLst>
+          </p:cNvPr>
+          <p:cNvSpPr>
+            <a:spLocks noGrp="1"/>
+          </p:cNvSpPr>
+          <p:nvPr>
+            <p:ph idx="1"/>
+          </p:nvPr>
+        </p:nvSpPr>
+        <p:spPr>
+          <a:xfrm>
+            <a:off x="581192" y="1619794"/>
+            <a:ext cx="11029615" cy="4355556"/>
+          </a:xfrm>
+        </p:spPr>
+        <p:txBody>
+          <a:bodyPr>
+            <a:normAutofit fontScale="77500" lnSpcReduction="20000"/>
+          </a:bodyPr>
+          <a:lstStyle/>
+          <a:p>
+            <a:r>
+              <a:rPr lang="en-US" altLang="zh-CN" dirty="0"/>
+              <a:t>1. </a:t>
+            </a:r>
+            <a:r>
+              <a:rPr lang="zh-CN" altLang="en-US" dirty="0"/>
+              <a:t>手动注入</a:t>
+            </a:r>
+            <a:endParaRPr lang="en-US" altLang="zh-CN" dirty="0"/>
+          </a:p>
+          <a:p>
+            <a:pPr marL="0" indent="0">
+              <a:buNone/>
+            </a:pPr>
+            <a:r>
+              <a:rPr lang="en-US" altLang="zh-CN" dirty="0" err="1"/>
+              <a:t>istioctl</a:t>
+            </a:r>
+            <a:r>
+              <a:rPr lang="en-US" altLang="zh-CN" dirty="0"/>
+              <a:t> </a:t>
+            </a:r>
+            <a:r>
+              <a:rPr lang="en-US" altLang="zh-CN" dirty="0" err="1"/>
+              <a:t>kube</a:t>
+            </a:r>
+            <a:r>
+              <a:rPr lang="en-US" altLang="zh-CN" dirty="0"/>
+              <a:t>-inject -f </a:t>
+            </a:r>
+            <a:r>
+              <a:rPr lang="en-US" altLang="zh-CN" dirty="0">
+                <a:hlinkClick r:id="rId2"/>
+              </a:rPr>
+              <a:t>samples/sleep/</a:t>
+            </a:r>
+            <a:r>
+              <a:rPr lang="en-US" altLang="zh-CN" dirty="0" err="1">
+                <a:hlinkClick r:id="rId2"/>
+              </a:rPr>
+              <a:t>sleep.yaml</a:t>
+            </a:r>
+            <a:r>
+              <a:rPr lang="en-US" altLang="zh-CN" dirty="0"/>
+              <a:t> | </a:t>
+            </a:r>
+            <a:r>
+              <a:rPr lang="en-US" altLang="zh-CN" dirty="0" err="1"/>
+              <a:t>kubectl</a:t>
+            </a:r>
+            <a:r>
+              <a:rPr lang="en-US" altLang="zh-CN" dirty="0"/>
+              <a:t> apply -f –</a:t>
+            </a:r>
+          </a:p>
+          <a:p>
+            <a:r>
+              <a:rPr lang="en-US" altLang="zh-CN" dirty="0"/>
+              <a:t>2. </a:t>
+            </a:r>
+            <a:r>
+              <a:rPr lang="zh-CN" altLang="en-US" dirty="0"/>
+              <a:t>自动注入</a:t>
+            </a:r>
+            <a:endParaRPr lang="en-US" altLang="zh-CN" dirty="0"/>
+          </a:p>
+          <a:p>
+            <a:pPr marL="0" indent="0">
+              <a:buNone/>
+            </a:pPr>
+            <a:r>
+              <a:rPr lang="en-US" altLang="zh-CN" dirty="0" err="1"/>
+              <a:t>kubectl</a:t>
+            </a:r>
+            <a:r>
+              <a:rPr lang="en-US" altLang="zh-CN" dirty="0"/>
+              <a:t> label namespace loc </a:t>
+            </a:r>
+            <a:r>
+              <a:rPr lang="en-US" altLang="zh-CN" dirty="0" err="1"/>
+              <a:t>istio</a:t>
+            </a:r>
+            <a:r>
+              <a:rPr lang="en-US" altLang="zh-CN" dirty="0"/>
+              <a:t>-injection=enabled </a:t>
+            </a:r>
+          </a:p>
+          <a:p>
+            <a:pPr marL="0" indent="0">
+              <a:buNone/>
+            </a:pPr>
+            <a:r>
+              <a:rPr lang="en-US" altLang="zh-CN" dirty="0" err="1"/>
+              <a:t>kubectl</a:t>
+            </a:r>
+            <a:r>
+              <a:rPr lang="en-US" altLang="zh-CN" dirty="0"/>
+              <a:t> get namespace -L </a:t>
+            </a:r>
+            <a:r>
+              <a:rPr lang="en-US" altLang="zh-CN" dirty="0" err="1"/>
+              <a:t>istio</a:t>
+            </a:r>
+            <a:r>
+              <a:rPr lang="en-US" altLang="zh-CN" dirty="0"/>
+              <a:t>-injection  </a:t>
+            </a:r>
+            <a:r>
+              <a:rPr lang="zh-CN" altLang="en-US" dirty="0"/>
+              <a:t>查看</a:t>
+            </a:r>
+            <a:endParaRPr lang="en-US" altLang="zh-CN" dirty="0"/>
+          </a:p>
+          <a:p>
+            <a:pPr marL="0" indent="0">
+              <a:buNone/>
+            </a:pPr>
+            <a:r>
+              <a:rPr lang="zh-CN" altLang="en-US" dirty="0"/>
+              <a:t>在</a:t>
+            </a:r>
+            <a:r>
+              <a:rPr lang="en-US" altLang="zh-CN" dirty="0"/>
+              <a:t>enabled </a:t>
+            </a:r>
+            <a:r>
+              <a:rPr lang="zh-CN" altLang="en-US" dirty="0"/>
+              <a:t>的命名空间中 在</a:t>
+            </a:r>
+            <a:r>
+              <a:rPr lang="en-US" altLang="zh-CN" dirty="0" err="1"/>
+              <a:t>yml</a:t>
+            </a:r>
+            <a:r>
+              <a:rPr lang="zh-CN" altLang="en-US" dirty="0"/>
+              <a:t>文件中标记不注入或者</a:t>
+            </a:r>
+            <a:r>
+              <a:rPr lang="en-US" altLang="zh-CN" dirty="0"/>
+              <a:t>disabled</a:t>
+            </a:r>
+            <a:r>
+              <a:rPr lang="zh-CN" altLang="en-US" dirty="0"/>
+              <a:t>中注入</a:t>
+            </a:r>
+            <a:endParaRPr lang="en-US" altLang="zh-CN" dirty="0"/>
+          </a:p>
+          <a:p>
+            <a:pPr marL="0" indent="0">
+              <a:buNone/>
+            </a:pPr>
+            <a:r>
+              <a:rPr lang="en-US" altLang="zh-CN" sz="1100" dirty="0" err="1"/>
+              <a:t>apiVersion</a:t>
+            </a:r>
+            <a:r>
+              <a:rPr lang="en-US" altLang="zh-CN" sz="1100" dirty="0"/>
+              <a:t>: apps/v1</a:t>
+            </a:r>
+          </a:p>
+          <a:p>
+            <a:pPr marL="0" indent="0">
+              <a:buNone/>
+            </a:pPr>
+            <a:r>
+              <a:rPr lang="en-US" altLang="zh-CN" sz="1100" dirty="0"/>
+              <a:t>kind: Deployment</a:t>
+            </a:r>
+          </a:p>
+          <a:p>
+            <a:pPr marL="0" indent="0">
+              <a:buNone/>
+            </a:pPr>
+            <a:r>
+              <a:rPr lang="en-US" altLang="zh-CN" sz="1100" dirty="0"/>
+              <a:t>metadata:</a:t>
+            </a:r>
+          </a:p>
+          <a:p>
+            <a:pPr marL="0" indent="0">
+              <a:buNone/>
+            </a:pPr>
+            <a:r>
+              <a:rPr lang="en-US" altLang="zh-CN" sz="1100" dirty="0"/>
+              <a:t>  name: ignored</a:t>
+            </a:r>
+          </a:p>
+          <a:p>
+            <a:pPr marL="0" indent="0">
+              <a:buNone/>
+            </a:pPr>
+            <a:r>
+              <a:rPr lang="en-US" altLang="zh-CN" sz="1100" dirty="0"/>
+              <a:t>spec:</a:t>
+            </a:r>
+          </a:p>
+          <a:p>
+            <a:pPr marL="0" indent="0">
+              <a:buNone/>
+            </a:pPr>
+            <a:r>
+              <a:rPr lang="en-US" altLang="zh-CN" sz="1100" dirty="0"/>
+              <a:t>  template:</a:t>
+            </a:r>
+          </a:p>
+          <a:p>
+            <a:pPr marL="0" indent="0">
+              <a:buNone/>
+            </a:pPr>
+            <a:r>
+              <a:rPr lang="en-US" altLang="zh-CN" sz="1100" dirty="0"/>
+              <a:t>    metadata:</a:t>
+            </a:r>
+          </a:p>
+          <a:p>
+            <a:pPr marL="0" indent="0">
+              <a:buNone/>
+            </a:pPr>
+            <a:r>
+              <a:rPr lang="en-US" altLang="zh-CN" sz="1100" dirty="0"/>
+              <a:t>      annotations:</a:t>
+            </a:r>
+          </a:p>
+          <a:p>
+            <a:pPr marL="0" indent="0">
+              <a:buNone/>
+            </a:pPr>
+            <a:r>
+              <a:rPr lang="en-US" altLang="zh-CN" sz="1100" dirty="0"/>
+              <a:t>        sidecar.istio.io/inject: "false“</a:t>
+            </a:r>
+          </a:p>
+          <a:p>
+            <a:r>
+              <a:rPr lang="en-US" altLang="zh-CN" sz="1100" dirty="0"/>
+              <a:t>3. </a:t>
+            </a:r>
+            <a:r>
+              <a:rPr lang="zh-CN" altLang="en-US" sz="1100" dirty="0"/>
+              <a:t>禁用</a:t>
+            </a:r>
+            <a:endParaRPr lang="en-US" altLang="zh-CN" sz="1100" dirty="0"/>
+          </a:p>
+          <a:p>
+            <a:pPr marL="0" indent="0">
+              <a:buNone/>
+            </a:pPr>
+            <a:r>
+              <a:rPr lang="en-US" altLang="zh-CN" dirty="0" err="1"/>
+              <a:t>kubectl</a:t>
+            </a:r>
+            <a:r>
+              <a:rPr lang="en-US" altLang="zh-CN" dirty="0"/>
+              <a:t> label namespace default </a:t>
+            </a:r>
+            <a:r>
+              <a:rPr lang="en-US" altLang="zh-CN" dirty="0" err="1"/>
+              <a:t>istio</a:t>
+            </a:r>
+            <a:r>
+              <a:rPr lang="en-US" altLang="zh-CN" dirty="0"/>
+              <a:t>-injection-</a:t>
+            </a:r>
+            <a:endParaRPr lang="zh-CN" altLang="en-US" sz="1100" dirty="0"/>
+          </a:p>
+        </p:txBody>
+      </p:sp>
+      <p:sp>
+        <p:nvSpPr>
+          <p:cNvPr id="4" name="日期占位符 3">
+            <a:extLst>
+              <a:ext uri="{FF2B5EF4-FFF2-40B4-BE49-F238E27FC236}">
+                <a16:creationId xmlns:a16="http://schemas.microsoft.com/office/drawing/2014/main" id="{ED5AD41E-1C6E-4A7D-A177-73448B2A78FD}"/>
+              </a:ext>
+            </a:extLst>
+          </p:cNvPr>
+          <p:cNvSpPr>
+            <a:spLocks noGrp="1"/>
+          </p:cNvSpPr>
+          <p:nvPr>
+            <p:ph type="dt" sz="half" idx="10"/>
+          </p:nvPr>
+        </p:nvSpPr>
+        <p:spPr/>
+        <p:txBody>
+          <a:bodyPr/>
+          <a:lstStyle/>
+          <a:p>
+            <a:pPr rtl="0"/>
+            <a:fld id="{F24FFC25-0C05-49C8-B150-3CF6B89B5C55}" type="datetime1">
+              <a:rPr lang="zh-CN" altLang="en-US" smtClean="0"/>
+              <a:t>2020/4/15</a:t>
+            </a:fld>
+            <a:endParaRPr lang="en-US" dirty="0"/>
+          </a:p>
+        </p:txBody>
+      </p:sp>
+    </p:spTree>
+    <p:extLst>
+      <p:ext uri="{BB962C8B-B14F-4D97-AF65-F5344CB8AC3E}">
+        <p14:creationId xmlns:p14="http://schemas.microsoft.com/office/powerpoint/2010/main" val="3270235935"/>
       </p:ext>
     </p:extLst>
   </p:cSld>
@@ -21886,7 +24559,7 @@
             <a:pPr rtl="0"/>
             <a:fld id="{F24FFC25-0C05-49C8-B150-3CF6B89B5C55}" type="datetime1">
               <a:rPr lang="zh-CN" altLang="en-US" smtClean="0"/>
-              <a:t>2020/4/13</a:t>
+              <a:t>2020/4/15</a:t>
             </a:fld>
             <a:endParaRPr lang="en-US" dirty="0"/>
           </a:p>
@@ -22153,7 +24826,7 @@
             <a:pPr rtl="0"/>
             <a:fld id="{F24FFC25-0C05-49C8-B150-3CF6B89B5C55}" type="datetime1">
               <a:rPr lang="zh-CN" altLang="en-US" smtClean="0"/>
-              <a:t>2020/4/13</a:t>
+              <a:t>2020/4/15</a:t>
             </a:fld>
             <a:endParaRPr lang="en-US" dirty="0"/>
           </a:p>
@@ -23138,7 +25811,7 @@
             <a:pPr rtl="0"/>
             <a:fld id="{F24FFC25-0C05-49C8-B150-3CF6B89B5C55}" type="datetime1">
               <a:rPr lang="zh-CN" altLang="en-US" smtClean="0"/>
-              <a:t>2020/4/13</a:t>
+              <a:t>2020/4/15</a:t>
             </a:fld>
             <a:endParaRPr lang="en-US" dirty="0"/>
           </a:p>
@@ -23397,7 +26070,7 @@
             <a:pPr rtl="0"/>
             <a:fld id="{F24FFC25-0C05-49C8-B150-3CF6B89B5C55}" type="datetime1">
               <a:rPr lang="zh-CN" altLang="en-US" smtClean="0"/>
-              <a:t>2020/4/13</a:t>
+              <a:t>2020/4/15</a:t>
             </a:fld>
             <a:endParaRPr lang="en-US" dirty="0"/>
           </a:p>
@@ -24494,7 +27167,7 @@
             <a:pPr rtl="0"/>
             <a:fld id="{F24FFC25-0C05-49C8-B150-3CF6B89B5C55}" type="datetime1">
               <a:rPr lang="zh-CN" altLang="en-US" smtClean="0"/>
-              <a:t>2020/4/13</a:t>
+              <a:t>2020/4/15</a:t>
             </a:fld>
             <a:endParaRPr lang="en-US" dirty="0"/>
           </a:p>

--- a/files/Service Mesh.pptx
+++ b/files/Service Mesh.pptx
@@ -5635,7 +5635,7 @@
             <a:pPr rtl="0"/>
             <a:fld id="{3FDE3333-857A-4131-9EBA-B73C0C259FD7}" type="datetime1">
               <a:rPr lang="zh-CN" altLang="en-US" smtClean="0"/>
-              <a:t>2020/4/15</a:t>
+              <a:t>2020/4/17</a:t>
             </a:fld>
             <a:endParaRPr lang="en-US"/>
           </a:p>
@@ -5805,7 +5805,7 @@
             <a:pPr rtl="0"/>
             <a:fld id="{8CD12D00-6AAC-4A94-B2E5-A12E9C579B03}" type="datetime1">
               <a:rPr lang="zh-CN" altLang="en-US" smtClean="0"/>
-              <a:t>2020/4/15</a:t>
+              <a:t>2020/4/17</a:t>
             </a:fld>
             <a:endParaRPr lang="en-US"/>
           </a:p>
@@ -6319,7 +6319,7 @@
             <a:pPr rtl="0"/>
             <a:fld id="{73594A98-8FB4-4076-AE7B-5D3B1A2CBC70}" type="datetime1">
               <a:rPr lang="zh-CN" altLang="en-US" smtClean="0"/>
-              <a:t>2020/4/15</a:t>
+              <a:t>2020/4/17</a:t>
             </a:fld>
             <a:endParaRPr lang="en-US" dirty="0"/>
           </a:p>
@@ -6526,7 +6526,7 @@
             <a:pPr rtl="0"/>
             <a:fld id="{B3E0F2F7-3EF1-4761-ABAF-2FA9DDE4F1A8}" type="datetime1">
               <a:rPr lang="zh-CN" altLang="en-US" smtClean="0"/>
-              <a:t>2020/4/15</a:t>
+              <a:t>2020/4/17</a:t>
             </a:fld>
             <a:endParaRPr lang="en-US" dirty="0"/>
           </a:p>
@@ -6892,7 +6892,7 @@
             <a:pPr rtl="0"/>
             <a:fld id="{D563FC6D-277D-4D53-8EB6-E41026A24247}" type="datetime1">
               <a:rPr lang="zh-CN" altLang="en-US" smtClean="0"/>
-              <a:t>2020/4/15</a:t>
+              <a:t>2020/4/17</a:t>
             </a:fld>
             <a:endParaRPr lang="en-US" dirty="0"/>
           </a:p>
@@ -7094,7 +7094,7 @@
             <a:pPr rtl="0"/>
             <a:fld id="{F24FFC25-0C05-49C8-B150-3CF6B89B5C55}" type="datetime1">
               <a:rPr lang="zh-CN" altLang="en-US" smtClean="0"/>
-              <a:t>2020/4/15</a:t>
+              <a:t>2020/4/17</a:t>
             </a:fld>
             <a:endParaRPr lang="en-US" dirty="0"/>
           </a:p>
@@ -7410,7 +7410,7 @@
             <a:pPr rtl="0"/>
             <a:fld id="{DFC14310-5240-428A-850A-F7101D16AE5A}" type="datetime1">
               <a:rPr lang="zh-CN" altLang="en-US" smtClean="0"/>
-              <a:t>2020/4/15</a:t>
+              <a:t>2020/4/17</a:t>
             </a:fld>
             <a:endParaRPr lang="en-US" dirty="0"/>
           </a:p>
@@ -7667,7 +7667,7 @@
             <a:pPr rtl="0"/>
             <a:fld id="{71F85B13-09B0-4D01-A286-57280995F924}" type="datetime1">
               <a:rPr lang="zh-CN" altLang="en-US" smtClean="0"/>
-              <a:t>2020/4/15</a:t>
+              <a:t>2020/4/17</a:t>
             </a:fld>
             <a:endParaRPr lang="en-US" dirty="0"/>
           </a:p>
@@ -8093,7 +8093,7 @@
             <a:pPr rtl="0"/>
             <a:fld id="{F411FE78-D258-4188-9C5F-198CC4CE7F12}" type="datetime1">
               <a:rPr lang="zh-CN" altLang="en-US" smtClean="0"/>
-              <a:t>2020/4/15</a:t>
+              <a:t>2020/4/17</a:t>
             </a:fld>
             <a:endParaRPr lang="en-US" dirty="0"/>
           </a:p>
@@ -8220,7 +8220,7 @@
             <a:pPr rtl="0"/>
             <a:fld id="{BE491C52-D618-41DD-80F2-22500A780186}" type="datetime1">
               <a:rPr lang="zh-CN" altLang="en-US" smtClean="0"/>
-              <a:t>2020/4/15</a:t>
+              <a:t>2020/4/17</a:t>
             </a:fld>
             <a:endParaRPr lang="en-US" dirty="0"/>
           </a:p>
@@ -8318,7 +8318,7 @@
             <a:pPr rtl="0"/>
             <a:fld id="{26EE3488-748A-4EA8-9571-9D5A1694FA0A}" type="datetime1">
               <a:rPr lang="zh-CN" altLang="en-US" smtClean="0"/>
-              <a:t>2020/4/15</a:t>
+              <a:t>2020/4/17</a:t>
             </a:fld>
             <a:endParaRPr lang="en-US" dirty="0"/>
           </a:p>
@@ -8699,7 +8699,7 @@
             <a:pPr rtl="0"/>
             <a:fld id="{D7791703-7779-4492-8183-3F96B27D2540}" type="datetime1">
               <a:rPr lang="zh-CN" altLang="en-US" smtClean="0"/>
-              <a:t>2020/4/15</a:t>
+              <a:t>2020/4/17</a:t>
             </a:fld>
             <a:endParaRPr lang="en-US" dirty="0"/>
           </a:p>
@@ -8997,7 +8997,7 @@
             <a:pPr rtl="0"/>
             <a:fld id="{D4D22F12-409A-40D9-8774-D34C978752A7}" type="datetime1">
               <a:rPr lang="zh-CN" altLang="en-US" smtClean="0"/>
-              <a:t>2020/4/15</a:t>
+              <a:t>2020/4/17</a:t>
             </a:fld>
             <a:endParaRPr lang="en-US" dirty="0"/>
           </a:p>
@@ -9216,7 +9216,7 @@
           <a:p>
             <a:fld id="{4400FF2F-BAC0-4F33-9E13-F8F6FA55A14D}" type="datetime1">
               <a:rPr lang="zh-CN" altLang="en-US" smtClean="0"/>
-              <a:t>2020/4/15</a:t>
+              <a:t>2020/4/17</a:t>
             </a:fld>
             <a:endParaRPr lang="en-US" dirty="0"/>
           </a:p>
@@ -10253,7 +10253,7 @@
             <a:pPr rtl="0"/>
             <a:fld id="{F24FFC25-0C05-49C8-B150-3CF6B89B5C55}" type="datetime1">
               <a:rPr lang="zh-CN" altLang="en-US" smtClean="0"/>
-              <a:t>2020/4/15</a:t>
+              <a:t>2020/4/17</a:t>
             </a:fld>
             <a:endParaRPr lang="en-US" dirty="0"/>
           </a:p>
@@ -10641,7 +10641,7 @@
             <a:pPr rtl="0"/>
             <a:fld id="{F24FFC25-0C05-49C8-B150-3CF6B89B5C55}" type="datetime1">
               <a:rPr lang="zh-CN" altLang="en-US" smtClean="0"/>
-              <a:t>2020/4/15</a:t>
+              <a:t>2020/4/17</a:t>
             </a:fld>
             <a:endParaRPr lang="en-US" dirty="0"/>
           </a:p>
@@ -10830,7 +10830,7 @@
             <a:pPr rtl="0"/>
             <a:fld id="{F24FFC25-0C05-49C8-B150-3CF6B89B5C55}" type="datetime1">
               <a:rPr lang="zh-CN" altLang="en-US" smtClean="0"/>
-              <a:t>2020/4/15</a:t>
+              <a:t>2020/4/17</a:t>
             </a:fld>
             <a:endParaRPr lang="en-US" dirty="0"/>
           </a:p>
@@ -11107,7 +11107,7 @@
             <a:pPr rtl="0"/>
             <a:fld id="{F24FFC25-0C05-49C8-B150-3CF6B89B5C55}" type="datetime1">
               <a:rPr lang="zh-CN" altLang="en-US" smtClean="0"/>
-              <a:t>2020/4/15</a:t>
+              <a:t>2020/4/17</a:t>
             </a:fld>
             <a:endParaRPr lang="en-US" dirty="0"/>
           </a:p>
@@ -11322,7 +11322,7 @@
             <a:pPr rtl="0"/>
             <a:fld id="{F24FFC25-0C05-49C8-B150-3CF6B89B5C55}" type="datetime1">
               <a:rPr lang="zh-CN" altLang="en-US" smtClean="0"/>
-              <a:t>2020/4/15</a:t>
+              <a:t>2020/4/17</a:t>
             </a:fld>
             <a:endParaRPr lang="en-US" dirty="0"/>
           </a:p>
@@ -11511,7 +11511,7 @@
             <a:pPr rtl="0"/>
             <a:fld id="{F24FFC25-0C05-49C8-B150-3CF6B89B5C55}" type="datetime1">
               <a:rPr lang="zh-CN" altLang="en-US" smtClean="0"/>
-              <a:t>2020/4/15</a:t>
+              <a:t>2020/4/17</a:t>
             </a:fld>
             <a:endParaRPr lang="en-US" dirty="0"/>
           </a:p>
@@ -11848,7 +11848,7 @@
             <a:pPr rtl="0"/>
             <a:fld id="{F24FFC25-0C05-49C8-B150-3CF6B89B5C55}" type="datetime1">
               <a:rPr lang="zh-CN" altLang="en-US" smtClean="0"/>
-              <a:t>2020/4/15</a:t>
+              <a:t>2020/4/17</a:t>
             </a:fld>
             <a:endParaRPr lang="en-US" dirty="0"/>
           </a:p>
@@ -11987,7 +11987,7 @@
             <a:pPr rtl="0"/>
             <a:fld id="{F24FFC25-0C05-49C8-B150-3CF6B89B5C55}" type="datetime1">
               <a:rPr lang="zh-CN" altLang="en-US" smtClean="0"/>
-              <a:t>2020/4/15</a:t>
+              <a:t>2020/4/17</a:t>
             </a:fld>
             <a:endParaRPr lang="en-US" dirty="0"/>
           </a:p>
@@ -12282,7 +12282,7 @@
             <a:pPr rtl="0"/>
             <a:fld id="{F24FFC25-0C05-49C8-B150-3CF6B89B5C55}" type="datetime1">
               <a:rPr lang="zh-CN" altLang="en-US" smtClean="0"/>
-              <a:t>2020/4/15</a:t>
+              <a:t>2020/4/17</a:t>
             </a:fld>
             <a:endParaRPr lang="en-US" dirty="0"/>
           </a:p>
@@ -12744,7 +12744,7 @@
             <a:pPr rtl="0"/>
             <a:fld id="{F24FFC25-0C05-49C8-B150-3CF6B89B5C55}" type="datetime1">
               <a:rPr lang="zh-CN" altLang="en-US" smtClean="0"/>
-              <a:t>2020/4/15</a:t>
+              <a:t>2020/4/17</a:t>
             </a:fld>
             <a:endParaRPr lang="en-US" dirty="0"/>
           </a:p>
@@ -13333,7 +13333,7 @@
             <a:pPr rtl="0"/>
             <a:fld id="{F24FFC25-0C05-49C8-B150-3CF6B89B5C55}" type="datetime1">
               <a:rPr lang="zh-CN" altLang="en-US" smtClean="0"/>
-              <a:t>2020/4/15</a:t>
+              <a:t>2020/4/17</a:t>
             </a:fld>
             <a:endParaRPr lang="en-US" dirty="0"/>
           </a:p>
@@ -13418,7 +13418,7 @@
             <a:pPr rtl="0"/>
             <a:fld id="{F24FFC25-0C05-49C8-B150-3CF6B89B5C55}" type="datetime1">
               <a:rPr lang="zh-CN" altLang="en-US" smtClean="0"/>
-              <a:t>2020/4/15</a:t>
+              <a:t>2020/4/17</a:t>
             </a:fld>
             <a:endParaRPr lang="en-US" dirty="0"/>
           </a:p>
@@ -13773,7 +13773,7 @@
             <a:pPr rtl="0"/>
             <a:fld id="{F24FFC25-0C05-49C8-B150-3CF6B89B5C55}" type="datetime1">
               <a:rPr lang="zh-CN" altLang="en-US" smtClean="0"/>
-              <a:t>2020/4/15</a:t>
+              <a:t>2020/4/17</a:t>
             </a:fld>
             <a:endParaRPr lang="en-US" dirty="0"/>
           </a:p>
@@ -13890,7 +13890,7 @@
             <a:pPr rtl="0"/>
             <a:fld id="{F24FFC25-0C05-49C8-B150-3CF6B89B5C55}" type="datetime1">
               <a:rPr lang="zh-CN" altLang="en-US" smtClean="0"/>
-              <a:t>2020/4/15</a:t>
+              <a:t>2020/4/17</a:t>
             </a:fld>
             <a:endParaRPr lang="en-US" dirty="0"/>
           </a:p>
@@ -14272,7 +14272,7 @@
             <a:pPr rtl="0"/>
             <a:fld id="{F24FFC25-0C05-49C8-B150-3CF6B89B5C55}" type="datetime1">
               <a:rPr lang="zh-CN" altLang="en-US" smtClean="0"/>
-              <a:t>2020/4/15</a:t>
+              <a:t>2020/4/17</a:t>
             </a:fld>
             <a:endParaRPr lang="en-US" dirty="0"/>
           </a:p>
@@ -14376,7 +14376,7 @@
             <a:pPr rtl="0"/>
             <a:fld id="{F24FFC25-0C05-49C8-B150-3CF6B89B5C55}" type="datetime1">
               <a:rPr lang="zh-CN" altLang="en-US" smtClean="0"/>
-              <a:t>2020/4/15</a:t>
+              <a:t>2020/4/17</a:t>
             </a:fld>
             <a:endParaRPr lang="en-US" dirty="0"/>
           </a:p>
@@ -14750,7 +14750,7 @@
             <a:pPr rtl="0"/>
             <a:fld id="{F24FFC25-0C05-49C8-B150-3CF6B89B5C55}" type="datetime1">
               <a:rPr lang="zh-CN" altLang="en-US" smtClean="0"/>
-              <a:t>2020/4/15</a:t>
+              <a:t>2020/4/17</a:t>
             </a:fld>
             <a:endParaRPr lang="en-US" dirty="0"/>
           </a:p>
@@ -15038,7 +15038,7 @@
             <a:pPr rtl="0"/>
             <a:fld id="{F24FFC25-0C05-49C8-B150-3CF6B89B5C55}" type="datetime1">
               <a:rPr lang="zh-CN" altLang="en-US" smtClean="0"/>
-              <a:t>2020/4/15</a:t>
+              <a:t>2020/4/17</a:t>
             </a:fld>
             <a:endParaRPr lang="en-US" dirty="0"/>
           </a:p>
@@ -15299,7 +15299,7 @@
             <a:pPr rtl="0"/>
             <a:fld id="{F24FFC25-0C05-49C8-B150-3CF6B89B5C55}" type="datetime1">
               <a:rPr lang="zh-CN" altLang="en-US" smtClean="0"/>
-              <a:t>2020/4/15</a:t>
+              <a:t>2020/4/17</a:t>
             </a:fld>
             <a:endParaRPr lang="en-US" dirty="0"/>
           </a:p>
@@ -15335,38 +15335,6 @@
           <a:chExt cx="0" cy="0"/>
         </a:xfrm>
       </p:grpSpPr>
-      <p:pic>
-        <p:nvPicPr>
-          <p:cNvPr id="5" name="内容占位符 4">
-            <a:extLst>
-              <a:ext uri="{FF2B5EF4-FFF2-40B4-BE49-F238E27FC236}">
-                <a16:creationId xmlns:a16="http://schemas.microsoft.com/office/drawing/2014/main" id="{5F8D9ED3-CBB0-4DDD-A139-9E7F428158FB}"/>
-              </a:ext>
-            </a:extLst>
-          </p:cNvPr>
-          <p:cNvPicPr>
-            <a:picLocks noGrp="1" noChangeAspect="1"/>
-          </p:cNvPicPr>
-          <p:nvPr>
-            <p:ph idx="1"/>
-          </p:nvPr>
-        </p:nvPicPr>
-        <p:blipFill>
-          <a:blip r:embed="rId2"/>
-          <a:stretch>
-            <a:fillRect/>
-          </a:stretch>
-        </p:blipFill>
-        <p:spPr>
-          <a:xfrm>
-            <a:off x="2207360" y="1990377"/>
-            <a:ext cx="6605714" cy="4616099"/>
-          </a:xfrm>
-          <a:prstGeom prst="rect">
-            <a:avLst/>
-          </a:prstGeom>
-        </p:spPr>
-      </p:pic>
       <p:sp>
         <p:nvSpPr>
           <p:cNvPr id="4" name="日期占位符 3">
@@ -15391,7 +15359,7 @@
             <a:pPr rtl="0"/>
             <a:fld id="{F24FFC25-0C05-49C8-B150-3CF6B89B5C55}" type="datetime1">
               <a:rPr lang="zh-CN" altLang="en-US" smtClean="0"/>
-              <a:t>2020/4/15</a:t>
+              <a:t>2020/4/17</a:t>
             </a:fld>
             <a:endParaRPr lang="en-US" dirty="0"/>
           </a:p>
@@ -15399,34 +15367,94 @@
       </p:sp>
       <p:pic>
         <p:nvPicPr>
-          <p:cNvPr id="3" name="图片 2">
+          <p:cNvPr id="10" name="内容占位符 6">
             <a:extLst>
               <a:ext uri="{FF2B5EF4-FFF2-40B4-BE49-F238E27FC236}">
-                <a16:creationId xmlns:a16="http://schemas.microsoft.com/office/drawing/2014/main" id="{AF4DD993-43D2-471C-9267-85B957576088}"/>
+                <a16:creationId xmlns:a16="http://schemas.microsoft.com/office/drawing/2014/main" id="{C68E01AA-B527-4019-9E06-9B1B64762514}"/>
               </a:ext>
             </a:extLst>
           </p:cNvPr>
           <p:cNvPicPr>
-            <a:picLocks noChangeAspect="1"/>
+            <a:picLocks noGrp="1" noChangeAspect="1"/>
           </p:cNvPicPr>
-          <p:nvPr/>
+          <p:nvPr>
+            <p:ph idx="1"/>
+          </p:nvPr>
         </p:nvPicPr>
         <p:blipFill>
-          <a:blip r:embed="rId3"/>
+          <a:blip r:embed="rId2"/>
           <a:stretch>
             <a:fillRect/>
           </a:stretch>
         </p:blipFill>
         <p:spPr>
           <a:xfrm>
-            <a:off x="1652289" y="573423"/>
-            <a:ext cx="8295238" cy="1304762"/>
+            <a:off x="1348381" y="2734086"/>
+            <a:ext cx="9495238" cy="3428571"/>
           </a:xfrm>
           <a:prstGeom prst="rect">
             <a:avLst/>
           </a:prstGeom>
         </p:spPr>
       </p:pic>
+      <p:sp>
+        <p:nvSpPr>
+          <p:cNvPr id="2" name="矩形 1">
+            <a:extLst>
+              <a:ext uri="{FF2B5EF4-FFF2-40B4-BE49-F238E27FC236}">
+                <a16:creationId xmlns:a16="http://schemas.microsoft.com/office/drawing/2014/main" id="{2DB0AE80-5651-4B4B-9F4C-6574040B722B}"/>
+              </a:ext>
+            </a:extLst>
+          </p:cNvPr>
+          <p:cNvSpPr/>
+          <p:nvPr/>
+        </p:nvSpPr>
+        <p:spPr>
+          <a:xfrm>
+            <a:off x="975165" y="866894"/>
+            <a:ext cx="4824744" cy="369332"/>
+          </a:xfrm>
+          <a:prstGeom prst="rect">
+            <a:avLst/>
+          </a:prstGeom>
+        </p:spPr>
+        <p:txBody>
+          <a:bodyPr wrap="square">
+            <a:spAutoFit/>
+          </a:bodyPr>
+          <a:lstStyle/>
+          <a:p>
+            <a:r>
+              <a:rPr lang="zh-CN" altLang="en-US" dirty="0">
+                <a:solidFill>
+                  <a:srgbClr val="666666"/>
+                </a:solidFill>
+                <a:latin typeface="Helvetica Neue"/>
+              </a:rPr>
+              <a:t>应用容器 </a:t>
+            </a:r>
+            <a:r>
+              <a:rPr lang="en-US" altLang="zh-CN" dirty="0">
+                <a:solidFill>
+                  <a:srgbClr val="666666"/>
+                </a:solidFill>
+                <a:latin typeface="Helvetica Neue"/>
+              </a:rPr>
+              <a:t>+ Sidecar</a:t>
+            </a:r>
+            <a:r>
+              <a:rPr lang="zh-CN" altLang="en-US" dirty="0">
+                <a:solidFill>
+                  <a:srgbClr val="666666"/>
+                </a:solidFill>
+                <a:latin typeface="Helvetica Neue"/>
+              </a:rPr>
+              <a:t>容器</a:t>
+            </a:r>
+            <a:endParaRPr lang="zh-CN" altLang="en-US" dirty="0"/>
+          </a:p>
+        </p:txBody>
+      </p:sp>
     </p:spTree>
     <p:extLst>
       <p:ext uri="{BB962C8B-B14F-4D97-AF65-F5344CB8AC3E}">
@@ -15874,7 +15902,7 @@
             <a:pPr rtl="0"/>
             <a:fld id="{F24FFC25-0C05-49C8-B150-3CF6B89B5C55}" type="datetime1">
               <a:rPr lang="zh-CN" altLang="en-US" smtClean="0"/>
-              <a:t>2020/4/15</a:t>
+              <a:t>2020/4/17</a:t>
             </a:fld>
             <a:endParaRPr lang="en-US" dirty="0"/>
           </a:p>
@@ -15981,7 +16009,7 @@
             <a:pPr rtl="0"/>
             <a:fld id="{F24FFC25-0C05-49C8-B150-3CF6B89B5C55}" type="datetime1">
               <a:rPr lang="zh-CN" altLang="en-US" smtClean="0"/>
-              <a:t>2020/4/15</a:t>
+              <a:t>2020/4/17</a:t>
             </a:fld>
             <a:endParaRPr lang="en-US" dirty="0"/>
           </a:p>
@@ -16493,7 +16521,7 @@
             <a:pPr rtl="0"/>
             <a:fld id="{F24FFC25-0C05-49C8-B150-3CF6B89B5C55}" type="datetime1">
               <a:rPr lang="zh-CN" altLang="en-US" smtClean="0"/>
-              <a:t>2020/4/15</a:t>
+              <a:t>2020/4/17</a:t>
             </a:fld>
             <a:endParaRPr lang="en-US" dirty="0"/>
           </a:p>
@@ -16641,7 +16669,7 @@
             <a:pPr rtl="0"/>
             <a:fld id="{F24FFC25-0C05-49C8-B150-3CF6B89B5C55}" type="datetime1">
               <a:rPr lang="zh-CN" altLang="en-US" smtClean="0"/>
-              <a:t>2020/4/15</a:t>
+              <a:t>2020/4/17</a:t>
             </a:fld>
             <a:endParaRPr lang="en-US" dirty="0"/>
           </a:p>
@@ -16964,7 +16992,7 @@
             <a:pPr rtl="0"/>
             <a:fld id="{F24FFC25-0C05-49C8-B150-3CF6B89B5C55}" type="datetime1">
               <a:rPr lang="zh-CN" altLang="en-US" smtClean="0"/>
-              <a:t>2020/4/15</a:t>
+              <a:t>2020/4/17</a:t>
             </a:fld>
             <a:endParaRPr lang="en-US" dirty="0"/>
           </a:p>
@@ -17544,7 +17572,7 @@
             <a:pPr rtl="0"/>
             <a:fld id="{F24FFC25-0C05-49C8-B150-3CF6B89B5C55}" type="datetime1">
               <a:rPr lang="zh-CN" altLang="en-US" smtClean="0"/>
-              <a:t>2020/4/15</a:t>
+              <a:t>2020/4/17</a:t>
             </a:fld>
             <a:endParaRPr lang="en-US" dirty="0"/>
           </a:p>
@@ -17638,7 +17666,7 @@
             <a:pPr rtl="0"/>
             <a:fld id="{F24FFC25-0C05-49C8-B150-3CF6B89B5C55}" type="datetime1">
               <a:rPr lang="zh-CN" altLang="en-US" smtClean="0"/>
-              <a:t>2020/4/15</a:t>
+              <a:t>2020/4/17</a:t>
             </a:fld>
             <a:endParaRPr lang="en-US" dirty="0"/>
           </a:p>
@@ -19474,7 +19502,7 @@
             <a:pPr rtl="0"/>
             <a:fld id="{F24FFC25-0C05-49C8-B150-3CF6B89B5C55}" type="datetime1">
               <a:rPr lang="zh-CN" altLang="en-US" smtClean="0"/>
-              <a:t>2020/4/15</a:t>
+              <a:t>2020/4/17</a:t>
             </a:fld>
             <a:endParaRPr lang="en-US" dirty="0"/>
           </a:p>
@@ -20317,7 +20345,7 @@
             <a:pPr rtl="0"/>
             <a:fld id="{F24FFC25-0C05-49C8-B150-3CF6B89B5C55}" type="datetime1">
               <a:rPr lang="zh-CN" altLang="en-US" smtClean="0"/>
-              <a:t>2020/4/15</a:t>
+              <a:t>2020/4/17</a:t>
             </a:fld>
             <a:endParaRPr lang="en-US" dirty="0"/>
           </a:p>
@@ -21413,7 +21441,7 @@
             <a:pPr rtl="0"/>
             <a:fld id="{F24FFC25-0C05-49C8-B150-3CF6B89B5C55}" type="datetime1">
               <a:rPr lang="zh-CN" altLang="en-US" smtClean="0"/>
-              <a:t>2020/4/15</a:t>
+              <a:t>2020/4/17</a:t>
             </a:fld>
             <a:endParaRPr lang="en-US" dirty="0"/>
           </a:p>
@@ -22737,7 +22765,7 @@
             <a:pPr rtl="0"/>
             <a:fld id="{F24FFC25-0C05-49C8-B150-3CF6B89B5C55}" type="datetime1">
               <a:rPr lang="zh-CN" altLang="en-US" smtClean="0"/>
-              <a:t>2020/4/15</a:t>
+              <a:t>2020/4/17</a:t>
             </a:fld>
             <a:endParaRPr lang="en-US" dirty="0"/>
           </a:p>
@@ -22915,7 +22943,7 @@
             <a:pPr rtl="0"/>
             <a:fld id="{F24FFC25-0C05-49C8-B150-3CF6B89B5C55}" type="datetime1">
               <a:rPr lang="zh-CN" altLang="en-US" smtClean="0"/>
-              <a:t>2020/4/15</a:t>
+              <a:t>2020/4/17</a:t>
             </a:fld>
             <a:endParaRPr lang="en-US" dirty="0"/>
           </a:p>
@@ -23046,7 +23074,7 @@
             <a:pPr rtl="0"/>
             <a:fld id="{F24FFC25-0C05-49C8-B150-3CF6B89B5C55}" type="datetime1">
               <a:rPr lang="zh-CN" altLang="en-US" smtClean="0"/>
-              <a:t>2020/4/15</a:t>
+              <a:t>2020/4/17</a:t>
             </a:fld>
             <a:endParaRPr lang="en-US" dirty="0"/>
           </a:p>
@@ -23163,7 +23191,7 @@
             <a:pPr rtl="0"/>
             <a:fld id="{F24FFC25-0C05-49C8-B150-3CF6B89B5C55}" type="datetime1">
               <a:rPr lang="zh-CN" altLang="en-US" smtClean="0"/>
-              <a:t>2020/4/15</a:t>
+              <a:t>2020/4/17</a:t>
             </a:fld>
             <a:endParaRPr lang="en-US" dirty="0"/>
           </a:p>
@@ -23439,7 +23467,7 @@
             <a:pPr rtl="0"/>
             <a:fld id="{F24FFC25-0C05-49C8-B150-3CF6B89B5C55}" type="datetime1">
               <a:rPr lang="zh-CN" altLang="en-US" smtClean="0"/>
-              <a:t>2020/4/15</a:t>
+              <a:t>2020/4/17</a:t>
             </a:fld>
             <a:endParaRPr lang="en-US" dirty="0"/>
           </a:p>
@@ -23970,7 +23998,7 @@
             <a:pPr rtl="0"/>
             <a:fld id="{F24FFC25-0C05-49C8-B150-3CF6B89B5C55}" type="datetime1">
               <a:rPr lang="zh-CN" altLang="en-US" smtClean="0"/>
-              <a:t>2020/4/15</a:t>
+              <a:t>2020/4/17</a:t>
             </a:fld>
             <a:endParaRPr lang="en-US" dirty="0"/>
           </a:p>
@@ -24402,7 +24430,7 @@
             <a:pPr rtl="0"/>
             <a:fld id="{F24FFC25-0C05-49C8-B150-3CF6B89B5C55}" type="datetime1">
               <a:rPr lang="zh-CN" altLang="en-US" smtClean="0"/>
-              <a:t>2020/4/15</a:t>
+              <a:t>2020/4/17</a:t>
             </a:fld>
             <a:endParaRPr lang="en-US" dirty="0"/>
           </a:p>
@@ -24559,7 +24587,7 @@
             <a:pPr rtl="0"/>
             <a:fld id="{F24FFC25-0C05-49C8-B150-3CF6B89B5C55}" type="datetime1">
               <a:rPr lang="zh-CN" altLang="en-US" smtClean="0"/>
-              <a:t>2020/4/15</a:t>
+              <a:t>2020/4/17</a:t>
             </a:fld>
             <a:endParaRPr lang="en-US" dirty="0"/>
           </a:p>
@@ -24826,7 +24854,7 @@
             <a:pPr rtl="0"/>
             <a:fld id="{F24FFC25-0C05-49C8-B150-3CF6B89B5C55}" type="datetime1">
               <a:rPr lang="zh-CN" altLang="en-US" smtClean="0"/>
-              <a:t>2020/4/15</a:t>
+              <a:t>2020/4/17</a:t>
             </a:fld>
             <a:endParaRPr lang="en-US" dirty="0"/>
           </a:p>
@@ -25811,7 +25839,7 @@
             <a:pPr rtl="0"/>
             <a:fld id="{F24FFC25-0C05-49C8-B150-3CF6B89B5C55}" type="datetime1">
               <a:rPr lang="zh-CN" altLang="en-US" smtClean="0"/>
-              <a:t>2020/4/15</a:t>
+              <a:t>2020/4/17</a:t>
             </a:fld>
             <a:endParaRPr lang="en-US" dirty="0"/>
           </a:p>
@@ -26070,7 +26098,7 @@
             <a:pPr rtl="0"/>
             <a:fld id="{F24FFC25-0C05-49C8-B150-3CF6B89B5C55}" type="datetime1">
               <a:rPr lang="zh-CN" altLang="en-US" smtClean="0"/>
-              <a:t>2020/4/15</a:t>
+              <a:t>2020/4/17</a:t>
             </a:fld>
             <a:endParaRPr lang="en-US" dirty="0"/>
           </a:p>
@@ -27167,7 +27195,7 @@
             <a:pPr rtl="0"/>
             <a:fld id="{F24FFC25-0C05-49C8-B150-3CF6B89B5C55}" type="datetime1">
               <a:rPr lang="zh-CN" altLang="en-US" smtClean="0"/>
-              <a:t>2020/4/15</a:t>
+              <a:t>2020/4/17</a:t>
             </a:fld>
             <a:endParaRPr lang="en-US" dirty="0"/>
           </a:p>

--- a/files/Service Mesh.pptx
+++ b/files/Service Mesh.pptx
@@ -5635,7 +5635,7 @@
             <a:pPr rtl="0"/>
             <a:fld id="{3FDE3333-857A-4131-9EBA-B73C0C259FD7}" type="datetime1">
               <a:rPr lang="zh-CN" altLang="en-US" smtClean="0"/>
-              <a:t>2020/4/17</a:t>
+              <a:t>2020/4/18</a:t>
             </a:fld>
             <a:endParaRPr lang="en-US"/>
           </a:p>
@@ -5805,7 +5805,7 @@
             <a:pPr rtl="0"/>
             <a:fld id="{8CD12D00-6AAC-4A94-B2E5-A12E9C579B03}" type="datetime1">
               <a:rPr lang="zh-CN" altLang="en-US" smtClean="0"/>
-              <a:t>2020/4/17</a:t>
+              <a:t>2020/4/18</a:t>
             </a:fld>
             <a:endParaRPr lang="en-US"/>
           </a:p>
@@ -6319,7 +6319,7 @@
             <a:pPr rtl="0"/>
             <a:fld id="{73594A98-8FB4-4076-AE7B-5D3B1A2CBC70}" type="datetime1">
               <a:rPr lang="zh-CN" altLang="en-US" smtClean="0"/>
-              <a:t>2020/4/17</a:t>
+              <a:t>2020/4/18</a:t>
             </a:fld>
             <a:endParaRPr lang="en-US" dirty="0"/>
           </a:p>
@@ -6526,7 +6526,7 @@
             <a:pPr rtl="0"/>
             <a:fld id="{B3E0F2F7-3EF1-4761-ABAF-2FA9DDE4F1A8}" type="datetime1">
               <a:rPr lang="zh-CN" altLang="en-US" smtClean="0"/>
-              <a:t>2020/4/17</a:t>
+              <a:t>2020/4/18</a:t>
             </a:fld>
             <a:endParaRPr lang="en-US" dirty="0"/>
           </a:p>
@@ -6892,7 +6892,7 @@
             <a:pPr rtl="0"/>
             <a:fld id="{D563FC6D-277D-4D53-8EB6-E41026A24247}" type="datetime1">
               <a:rPr lang="zh-CN" altLang="en-US" smtClean="0"/>
-              <a:t>2020/4/17</a:t>
+              <a:t>2020/4/18</a:t>
             </a:fld>
             <a:endParaRPr lang="en-US" dirty="0"/>
           </a:p>
@@ -7094,7 +7094,7 @@
             <a:pPr rtl="0"/>
             <a:fld id="{F24FFC25-0C05-49C8-B150-3CF6B89B5C55}" type="datetime1">
               <a:rPr lang="zh-CN" altLang="en-US" smtClean="0"/>
-              <a:t>2020/4/17</a:t>
+              <a:t>2020/4/18</a:t>
             </a:fld>
             <a:endParaRPr lang="en-US" dirty="0"/>
           </a:p>
@@ -7410,7 +7410,7 @@
             <a:pPr rtl="0"/>
             <a:fld id="{DFC14310-5240-428A-850A-F7101D16AE5A}" type="datetime1">
               <a:rPr lang="zh-CN" altLang="en-US" smtClean="0"/>
-              <a:t>2020/4/17</a:t>
+              <a:t>2020/4/18</a:t>
             </a:fld>
             <a:endParaRPr lang="en-US" dirty="0"/>
           </a:p>
@@ -7667,7 +7667,7 @@
             <a:pPr rtl="0"/>
             <a:fld id="{71F85B13-09B0-4D01-A286-57280995F924}" type="datetime1">
               <a:rPr lang="zh-CN" altLang="en-US" smtClean="0"/>
-              <a:t>2020/4/17</a:t>
+              <a:t>2020/4/18</a:t>
             </a:fld>
             <a:endParaRPr lang="en-US" dirty="0"/>
           </a:p>
@@ -8093,7 +8093,7 @@
             <a:pPr rtl="0"/>
             <a:fld id="{F411FE78-D258-4188-9C5F-198CC4CE7F12}" type="datetime1">
               <a:rPr lang="zh-CN" altLang="en-US" smtClean="0"/>
-              <a:t>2020/4/17</a:t>
+              <a:t>2020/4/18</a:t>
             </a:fld>
             <a:endParaRPr lang="en-US" dirty="0"/>
           </a:p>
@@ -8220,7 +8220,7 @@
             <a:pPr rtl="0"/>
             <a:fld id="{BE491C52-D618-41DD-80F2-22500A780186}" type="datetime1">
               <a:rPr lang="zh-CN" altLang="en-US" smtClean="0"/>
-              <a:t>2020/4/17</a:t>
+              <a:t>2020/4/18</a:t>
             </a:fld>
             <a:endParaRPr lang="en-US" dirty="0"/>
           </a:p>
@@ -8318,7 +8318,7 @@
             <a:pPr rtl="0"/>
             <a:fld id="{26EE3488-748A-4EA8-9571-9D5A1694FA0A}" type="datetime1">
               <a:rPr lang="zh-CN" altLang="en-US" smtClean="0"/>
-              <a:t>2020/4/17</a:t>
+              <a:t>2020/4/18</a:t>
             </a:fld>
             <a:endParaRPr lang="en-US" dirty="0"/>
           </a:p>
@@ -8699,7 +8699,7 @@
             <a:pPr rtl="0"/>
             <a:fld id="{D7791703-7779-4492-8183-3F96B27D2540}" type="datetime1">
               <a:rPr lang="zh-CN" altLang="en-US" smtClean="0"/>
-              <a:t>2020/4/17</a:t>
+              <a:t>2020/4/18</a:t>
             </a:fld>
             <a:endParaRPr lang="en-US" dirty="0"/>
           </a:p>
@@ -8997,7 +8997,7 @@
             <a:pPr rtl="0"/>
             <a:fld id="{D4D22F12-409A-40D9-8774-D34C978752A7}" type="datetime1">
               <a:rPr lang="zh-CN" altLang="en-US" smtClean="0"/>
-              <a:t>2020/4/17</a:t>
+              <a:t>2020/4/18</a:t>
             </a:fld>
             <a:endParaRPr lang="en-US" dirty="0"/>
           </a:p>
@@ -9216,7 +9216,7 @@
           <a:p>
             <a:fld id="{4400FF2F-BAC0-4F33-9E13-F8F6FA55A14D}" type="datetime1">
               <a:rPr lang="zh-CN" altLang="en-US" smtClean="0"/>
-              <a:t>2020/4/17</a:t>
+              <a:t>2020/4/18</a:t>
             </a:fld>
             <a:endParaRPr lang="en-US" dirty="0"/>
           </a:p>
@@ -10253,7 +10253,7 @@
             <a:pPr rtl="0"/>
             <a:fld id="{F24FFC25-0C05-49C8-B150-3CF6B89B5C55}" type="datetime1">
               <a:rPr lang="zh-CN" altLang="en-US" smtClean="0"/>
-              <a:t>2020/4/17</a:t>
+              <a:t>2020/4/18</a:t>
             </a:fld>
             <a:endParaRPr lang="en-US" dirty="0"/>
           </a:p>
@@ -10641,7 +10641,7 @@
             <a:pPr rtl="0"/>
             <a:fld id="{F24FFC25-0C05-49C8-B150-3CF6B89B5C55}" type="datetime1">
               <a:rPr lang="zh-CN" altLang="en-US" smtClean="0"/>
-              <a:t>2020/4/17</a:t>
+              <a:t>2020/4/18</a:t>
             </a:fld>
             <a:endParaRPr lang="en-US" dirty="0"/>
           </a:p>
@@ -10830,7 +10830,7 @@
             <a:pPr rtl="0"/>
             <a:fld id="{F24FFC25-0C05-49C8-B150-3CF6B89B5C55}" type="datetime1">
               <a:rPr lang="zh-CN" altLang="en-US" smtClean="0"/>
-              <a:t>2020/4/17</a:t>
+              <a:t>2020/4/18</a:t>
             </a:fld>
             <a:endParaRPr lang="en-US" dirty="0"/>
           </a:p>
@@ -11107,7 +11107,7 @@
             <a:pPr rtl="0"/>
             <a:fld id="{F24FFC25-0C05-49C8-B150-3CF6B89B5C55}" type="datetime1">
               <a:rPr lang="zh-CN" altLang="en-US" smtClean="0"/>
-              <a:t>2020/4/17</a:t>
+              <a:t>2020/4/18</a:t>
             </a:fld>
             <a:endParaRPr lang="en-US" dirty="0"/>
           </a:p>
@@ -11322,7 +11322,7 @@
             <a:pPr rtl="0"/>
             <a:fld id="{F24FFC25-0C05-49C8-B150-3CF6B89B5C55}" type="datetime1">
               <a:rPr lang="zh-CN" altLang="en-US" smtClean="0"/>
-              <a:t>2020/4/17</a:t>
+              <a:t>2020/4/18</a:t>
             </a:fld>
             <a:endParaRPr lang="en-US" dirty="0"/>
           </a:p>
@@ -11511,7 +11511,7 @@
             <a:pPr rtl="0"/>
             <a:fld id="{F24FFC25-0C05-49C8-B150-3CF6B89B5C55}" type="datetime1">
               <a:rPr lang="zh-CN" altLang="en-US" smtClean="0"/>
-              <a:t>2020/4/17</a:t>
+              <a:t>2020/4/18</a:t>
             </a:fld>
             <a:endParaRPr lang="en-US" dirty="0"/>
           </a:p>
@@ -11848,7 +11848,7 @@
             <a:pPr rtl="0"/>
             <a:fld id="{F24FFC25-0C05-49C8-B150-3CF6B89B5C55}" type="datetime1">
               <a:rPr lang="zh-CN" altLang="en-US" smtClean="0"/>
-              <a:t>2020/4/17</a:t>
+              <a:t>2020/4/18</a:t>
             </a:fld>
             <a:endParaRPr lang="en-US" dirty="0"/>
           </a:p>
@@ -11987,7 +11987,7 @@
             <a:pPr rtl="0"/>
             <a:fld id="{F24FFC25-0C05-49C8-B150-3CF6B89B5C55}" type="datetime1">
               <a:rPr lang="zh-CN" altLang="en-US" smtClean="0"/>
-              <a:t>2020/4/17</a:t>
+              <a:t>2020/4/18</a:t>
             </a:fld>
             <a:endParaRPr lang="en-US" dirty="0"/>
           </a:p>
@@ -12282,7 +12282,7 @@
             <a:pPr rtl="0"/>
             <a:fld id="{F24FFC25-0C05-49C8-B150-3CF6B89B5C55}" type="datetime1">
               <a:rPr lang="zh-CN" altLang="en-US" smtClean="0"/>
-              <a:t>2020/4/17</a:t>
+              <a:t>2020/4/18</a:t>
             </a:fld>
             <a:endParaRPr lang="en-US" dirty="0"/>
           </a:p>
@@ -12744,7 +12744,7 @@
             <a:pPr rtl="0"/>
             <a:fld id="{F24FFC25-0C05-49C8-B150-3CF6B89B5C55}" type="datetime1">
               <a:rPr lang="zh-CN" altLang="en-US" smtClean="0"/>
-              <a:t>2020/4/17</a:t>
+              <a:t>2020/4/18</a:t>
             </a:fld>
             <a:endParaRPr lang="en-US" dirty="0"/>
           </a:p>
@@ -13333,7 +13333,7 @@
             <a:pPr rtl="0"/>
             <a:fld id="{F24FFC25-0C05-49C8-B150-3CF6B89B5C55}" type="datetime1">
               <a:rPr lang="zh-CN" altLang="en-US" smtClean="0"/>
-              <a:t>2020/4/17</a:t>
+              <a:t>2020/4/18</a:t>
             </a:fld>
             <a:endParaRPr lang="en-US" dirty="0"/>
           </a:p>
@@ -13418,7 +13418,7 @@
             <a:pPr rtl="0"/>
             <a:fld id="{F24FFC25-0C05-49C8-B150-3CF6B89B5C55}" type="datetime1">
               <a:rPr lang="zh-CN" altLang="en-US" smtClean="0"/>
-              <a:t>2020/4/17</a:t>
+              <a:t>2020/4/18</a:t>
             </a:fld>
             <a:endParaRPr lang="en-US" dirty="0"/>
           </a:p>
@@ -13773,7 +13773,7 @@
             <a:pPr rtl="0"/>
             <a:fld id="{F24FFC25-0C05-49C8-B150-3CF6B89B5C55}" type="datetime1">
               <a:rPr lang="zh-CN" altLang="en-US" smtClean="0"/>
-              <a:t>2020/4/17</a:t>
+              <a:t>2020/4/18</a:t>
             </a:fld>
             <a:endParaRPr lang="en-US" dirty="0"/>
           </a:p>
@@ -13890,7 +13890,7 @@
             <a:pPr rtl="0"/>
             <a:fld id="{F24FFC25-0C05-49C8-B150-3CF6B89B5C55}" type="datetime1">
               <a:rPr lang="zh-CN" altLang="en-US" smtClean="0"/>
-              <a:t>2020/4/17</a:t>
+              <a:t>2020/4/18</a:t>
             </a:fld>
             <a:endParaRPr lang="en-US" dirty="0"/>
           </a:p>
@@ -14272,7 +14272,7 @@
             <a:pPr rtl="0"/>
             <a:fld id="{F24FFC25-0C05-49C8-B150-3CF6B89B5C55}" type="datetime1">
               <a:rPr lang="zh-CN" altLang="en-US" smtClean="0"/>
-              <a:t>2020/4/17</a:t>
+              <a:t>2020/4/18</a:t>
             </a:fld>
             <a:endParaRPr lang="en-US" dirty="0"/>
           </a:p>
@@ -14376,7 +14376,7 @@
             <a:pPr rtl="0"/>
             <a:fld id="{F24FFC25-0C05-49C8-B150-3CF6B89B5C55}" type="datetime1">
               <a:rPr lang="zh-CN" altLang="en-US" smtClean="0"/>
-              <a:t>2020/4/17</a:t>
+              <a:t>2020/4/18</a:t>
             </a:fld>
             <a:endParaRPr lang="en-US" dirty="0"/>
           </a:p>
@@ -14750,7 +14750,7 @@
             <a:pPr rtl="0"/>
             <a:fld id="{F24FFC25-0C05-49C8-B150-3CF6B89B5C55}" type="datetime1">
               <a:rPr lang="zh-CN" altLang="en-US" smtClean="0"/>
-              <a:t>2020/4/17</a:t>
+              <a:t>2020/4/18</a:t>
             </a:fld>
             <a:endParaRPr lang="en-US" dirty="0"/>
           </a:p>
@@ -15038,7 +15038,7 @@
             <a:pPr rtl="0"/>
             <a:fld id="{F24FFC25-0C05-49C8-B150-3CF6B89B5C55}" type="datetime1">
               <a:rPr lang="zh-CN" altLang="en-US" smtClean="0"/>
-              <a:t>2020/4/17</a:t>
+              <a:t>2020/4/18</a:t>
             </a:fld>
             <a:endParaRPr lang="en-US" dirty="0"/>
           </a:p>
@@ -15299,7 +15299,7 @@
             <a:pPr rtl="0"/>
             <a:fld id="{F24FFC25-0C05-49C8-B150-3CF6B89B5C55}" type="datetime1">
               <a:rPr lang="zh-CN" altLang="en-US" smtClean="0"/>
-              <a:t>2020/4/17</a:t>
+              <a:t>2020/4/18</a:t>
             </a:fld>
             <a:endParaRPr lang="en-US" dirty="0"/>
           </a:p>
@@ -15359,7 +15359,7 @@
             <a:pPr rtl="0"/>
             <a:fld id="{F24FFC25-0C05-49C8-B150-3CF6B89B5C55}" type="datetime1">
               <a:rPr lang="zh-CN" altLang="en-US" smtClean="0"/>
-              <a:t>2020/4/17</a:t>
+              <a:t>2020/4/18</a:t>
             </a:fld>
             <a:endParaRPr lang="en-US" dirty="0"/>
           </a:p>
@@ -15367,10 +15367,10 @@
       </p:sp>
       <p:pic>
         <p:nvPicPr>
-          <p:cNvPr id="10" name="内容占位符 6">
+          <p:cNvPr id="7" name="内容占位符 6">
             <a:extLst>
               <a:ext uri="{FF2B5EF4-FFF2-40B4-BE49-F238E27FC236}">
-                <a16:creationId xmlns:a16="http://schemas.microsoft.com/office/drawing/2014/main" id="{C68E01AA-B527-4019-9E06-9B1B64762514}"/>
+                <a16:creationId xmlns:a16="http://schemas.microsoft.com/office/drawing/2014/main" id="{42A4FC1A-2E7A-42D8-A4A0-0C0BFAFE9B63}"/>
               </a:ext>
             </a:extLst>
           </p:cNvPr>
@@ -15389,72 +15389,14 @@
         </p:blipFill>
         <p:spPr>
           <a:xfrm>
-            <a:off x="1348381" y="2734086"/>
-            <a:ext cx="9495238" cy="3428571"/>
+            <a:off x="1250009" y="672195"/>
+            <a:ext cx="9984048" cy="5684080"/>
           </a:xfrm>
           <a:prstGeom prst="rect">
             <a:avLst/>
           </a:prstGeom>
         </p:spPr>
       </p:pic>
-      <p:sp>
-        <p:nvSpPr>
-          <p:cNvPr id="2" name="矩形 1">
-            <a:extLst>
-              <a:ext uri="{FF2B5EF4-FFF2-40B4-BE49-F238E27FC236}">
-                <a16:creationId xmlns:a16="http://schemas.microsoft.com/office/drawing/2014/main" id="{2DB0AE80-5651-4B4B-9F4C-6574040B722B}"/>
-              </a:ext>
-            </a:extLst>
-          </p:cNvPr>
-          <p:cNvSpPr/>
-          <p:nvPr/>
-        </p:nvSpPr>
-        <p:spPr>
-          <a:xfrm>
-            <a:off x="975165" y="866894"/>
-            <a:ext cx="4824744" cy="369332"/>
-          </a:xfrm>
-          <a:prstGeom prst="rect">
-            <a:avLst/>
-          </a:prstGeom>
-        </p:spPr>
-        <p:txBody>
-          <a:bodyPr wrap="square">
-            <a:spAutoFit/>
-          </a:bodyPr>
-          <a:lstStyle/>
-          <a:p>
-            <a:r>
-              <a:rPr lang="zh-CN" altLang="en-US" dirty="0">
-                <a:solidFill>
-                  <a:srgbClr val="666666"/>
-                </a:solidFill>
-                <a:latin typeface="Helvetica Neue"/>
-              </a:rPr>
-              <a:t>应用容器 </a:t>
-            </a:r>
-            <a:r>
-              <a:rPr lang="en-US" altLang="zh-CN" dirty="0">
-                <a:solidFill>
-                  <a:srgbClr val="666666"/>
-                </a:solidFill>
-                <a:latin typeface="Helvetica Neue"/>
-              </a:rPr>
-              <a:t>+ Sidecar</a:t>
-            </a:r>
-            <a:r>
-              <a:rPr lang="zh-CN" altLang="en-US" dirty="0">
-                <a:solidFill>
-                  <a:srgbClr val="666666"/>
-                </a:solidFill>
-                <a:latin typeface="Helvetica Neue"/>
-              </a:rPr>
-              <a:t>容器</a:t>
-            </a:r>
-            <a:endParaRPr lang="zh-CN" altLang="en-US" dirty="0"/>
-          </a:p>
-        </p:txBody>
-      </p:sp>
     </p:spTree>
     <p:extLst>
       <p:ext uri="{BB962C8B-B14F-4D97-AF65-F5344CB8AC3E}">
@@ -15902,7 +15844,7 @@
             <a:pPr rtl="0"/>
             <a:fld id="{F24FFC25-0C05-49C8-B150-3CF6B89B5C55}" type="datetime1">
               <a:rPr lang="zh-CN" altLang="en-US" smtClean="0"/>
-              <a:t>2020/4/17</a:t>
+              <a:t>2020/4/18</a:t>
             </a:fld>
             <a:endParaRPr lang="en-US" dirty="0"/>
           </a:p>
@@ -16009,7 +15951,7 @@
             <a:pPr rtl="0"/>
             <a:fld id="{F24FFC25-0C05-49C8-B150-3CF6B89B5C55}" type="datetime1">
               <a:rPr lang="zh-CN" altLang="en-US" smtClean="0"/>
-              <a:t>2020/4/17</a:t>
+              <a:t>2020/4/18</a:t>
             </a:fld>
             <a:endParaRPr lang="en-US" dirty="0"/>
           </a:p>
@@ -16521,7 +16463,7 @@
             <a:pPr rtl="0"/>
             <a:fld id="{F24FFC25-0C05-49C8-B150-3CF6B89B5C55}" type="datetime1">
               <a:rPr lang="zh-CN" altLang="en-US" smtClean="0"/>
-              <a:t>2020/4/17</a:t>
+              <a:t>2020/4/18</a:t>
             </a:fld>
             <a:endParaRPr lang="en-US" dirty="0"/>
           </a:p>
@@ -16669,7 +16611,7 @@
             <a:pPr rtl="0"/>
             <a:fld id="{F24FFC25-0C05-49C8-B150-3CF6B89B5C55}" type="datetime1">
               <a:rPr lang="zh-CN" altLang="en-US" smtClean="0"/>
-              <a:t>2020/4/17</a:t>
+              <a:t>2020/4/18</a:t>
             </a:fld>
             <a:endParaRPr lang="en-US" dirty="0"/>
           </a:p>
@@ -16992,7 +16934,7 @@
             <a:pPr rtl="0"/>
             <a:fld id="{F24FFC25-0C05-49C8-B150-3CF6B89B5C55}" type="datetime1">
               <a:rPr lang="zh-CN" altLang="en-US" smtClean="0"/>
-              <a:t>2020/4/17</a:t>
+              <a:t>2020/4/18</a:t>
             </a:fld>
             <a:endParaRPr lang="en-US" dirty="0"/>
           </a:p>
@@ -17572,7 +17514,7 @@
             <a:pPr rtl="0"/>
             <a:fld id="{F24FFC25-0C05-49C8-B150-3CF6B89B5C55}" type="datetime1">
               <a:rPr lang="zh-CN" altLang="en-US" smtClean="0"/>
-              <a:t>2020/4/17</a:t>
+              <a:t>2020/4/18</a:t>
             </a:fld>
             <a:endParaRPr lang="en-US" dirty="0"/>
           </a:p>
@@ -17666,7 +17608,7 @@
             <a:pPr rtl="0"/>
             <a:fld id="{F24FFC25-0C05-49C8-B150-3CF6B89B5C55}" type="datetime1">
               <a:rPr lang="zh-CN" altLang="en-US" smtClean="0"/>
-              <a:t>2020/4/17</a:t>
+              <a:t>2020/4/18</a:t>
             </a:fld>
             <a:endParaRPr lang="en-US" dirty="0"/>
           </a:p>
@@ -19502,7 +19444,7 @@
             <a:pPr rtl="0"/>
             <a:fld id="{F24FFC25-0C05-49C8-B150-3CF6B89B5C55}" type="datetime1">
               <a:rPr lang="zh-CN" altLang="en-US" smtClean="0"/>
-              <a:t>2020/4/17</a:t>
+              <a:t>2020/4/18</a:t>
             </a:fld>
             <a:endParaRPr lang="en-US" dirty="0"/>
           </a:p>
@@ -20345,7 +20287,7 @@
             <a:pPr rtl="0"/>
             <a:fld id="{F24FFC25-0C05-49C8-B150-3CF6B89B5C55}" type="datetime1">
               <a:rPr lang="zh-CN" altLang="en-US" smtClean="0"/>
-              <a:t>2020/4/17</a:t>
+              <a:t>2020/4/18</a:t>
             </a:fld>
             <a:endParaRPr lang="en-US" dirty="0"/>
           </a:p>
@@ -21441,7 +21383,7 @@
             <a:pPr rtl="0"/>
             <a:fld id="{F24FFC25-0C05-49C8-B150-3CF6B89B5C55}" type="datetime1">
               <a:rPr lang="zh-CN" altLang="en-US" smtClean="0"/>
-              <a:t>2020/4/17</a:t>
+              <a:t>2020/4/18</a:t>
             </a:fld>
             <a:endParaRPr lang="en-US" dirty="0"/>
           </a:p>
@@ -22765,7 +22707,7 @@
             <a:pPr rtl="0"/>
             <a:fld id="{F24FFC25-0C05-49C8-B150-3CF6B89B5C55}" type="datetime1">
               <a:rPr lang="zh-CN" altLang="en-US" smtClean="0"/>
-              <a:t>2020/4/17</a:t>
+              <a:t>2020/4/18</a:t>
             </a:fld>
             <a:endParaRPr lang="en-US" dirty="0"/>
           </a:p>
@@ -22943,7 +22885,7 @@
             <a:pPr rtl="0"/>
             <a:fld id="{F24FFC25-0C05-49C8-B150-3CF6B89B5C55}" type="datetime1">
               <a:rPr lang="zh-CN" altLang="en-US" smtClean="0"/>
-              <a:t>2020/4/17</a:t>
+              <a:t>2020/4/18</a:t>
             </a:fld>
             <a:endParaRPr lang="en-US" dirty="0"/>
           </a:p>
@@ -23074,7 +23016,7 @@
             <a:pPr rtl="0"/>
             <a:fld id="{F24FFC25-0C05-49C8-B150-3CF6B89B5C55}" type="datetime1">
               <a:rPr lang="zh-CN" altLang="en-US" smtClean="0"/>
-              <a:t>2020/4/17</a:t>
+              <a:t>2020/4/18</a:t>
             </a:fld>
             <a:endParaRPr lang="en-US" dirty="0"/>
           </a:p>
@@ -23191,7 +23133,7 @@
             <a:pPr rtl="0"/>
             <a:fld id="{F24FFC25-0C05-49C8-B150-3CF6B89B5C55}" type="datetime1">
               <a:rPr lang="zh-CN" altLang="en-US" smtClean="0"/>
-              <a:t>2020/4/17</a:t>
+              <a:t>2020/4/18</a:t>
             </a:fld>
             <a:endParaRPr lang="en-US" dirty="0"/>
           </a:p>
@@ -23467,7 +23409,7 @@
             <a:pPr rtl="0"/>
             <a:fld id="{F24FFC25-0C05-49C8-B150-3CF6B89B5C55}" type="datetime1">
               <a:rPr lang="zh-CN" altLang="en-US" smtClean="0"/>
-              <a:t>2020/4/17</a:t>
+              <a:t>2020/4/18</a:t>
             </a:fld>
             <a:endParaRPr lang="en-US" dirty="0"/>
           </a:p>
@@ -23998,7 +23940,7 @@
             <a:pPr rtl="0"/>
             <a:fld id="{F24FFC25-0C05-49C8-B150-3CF6B89B5C55}" type="datetime1">
               <a:rPr lang="zh-CN" altLang="en-US" smtClean="0"/>
-              <a:t>2020/4/17</a:t>
+              <a:t>2020/4/18</a:t>
             </a:fld>
             <a:endParaRPr lang="en-US" dirty="0"/>
           </a:p>
@@ -24430,7 +24372,7 @@
             <a:pPr rtl="0"/>
             <a:fld id="{F24FFC25-0C05-49C8-B150-3CF6B89B5C55}" type="datetime1">
               <a:rPr lang="zh-CN" altLang="en-US" smtClean="0"/>
-              <a:t>2020/4/17</a:t>
+              <a:t>2020/4/18</a:t>
             </a:fld>
             <a:endParaRPr lang="en-US" dirty="0"/>
           </a:p>
@@ -24587,7 +24529,7 @@
             <a:pPr rtl="0"/>
             <a:fld id="{F24FFC25-0C05-49C8-B150-3CF6B89B5C55}" type="datetime1">
               <a:rPr lang="zh-CN" altLang="en-US" smtClean="0"/>
-              <a:t>2020/4/17</a:t>
+              <a:t>2020/4/18</a:t>
             </a:fld>
             <a:endParaRPr lang="en-US" dirty="0"/>
           </a:p>
@@ -24854,7 +24796,7 @@
             <a:pPr rtl="0"/>
             <a:fld id="{F24FFC25-0C05-49C8-B150-3CF6B89B5C55}" type="datetime1">
               <a:rPr lang="zh-CN" altLang="en-US" smtClean="0"/>
-              <a:t>2020/4/17</a:t>
+              <a:t>2020/4/18</a:t>
             </a:fld>
             <a:endParaRPr lang="en-US" dirty="0"/>
           </a:p>
@@ -25839,7 +25781,7 @@
             <a:pPr rtl="0"/>
             <a:fld id="{F24FFC25-0C05-49C8-B150-3CF6B89B5C55}" type="datetime1">
               <a:rPr lang="zh-CN" altLang="en-US" smtClean="0"/>
-              <a:t>2020/4/17</a:t>
+              <a:t>2020/4/18</a:t>
             </a:fld>
             <a:endParaRPr lang="en-US" dirty="0"/>
           </a:p>
@@ -26098,7 +26040,7 @@
             <a:pPr rtl="0"/>
             <a:fld id="{F24FFC25-0C05-49C8-B150-3CF6B89B5C55}" type="datetime1">
               <a:rPr lang="zh-CN" altLang="en-US" smtClean="0"/>
-              <a:t>2020/4/17</a:t>
+              <a:t>2020/4/18</a:t>
             </a:fld>
             <a:endParaRPr lang="en-US" dirty="0"/>
           </a:p>
@@ -27195,7 +27137,7 @@
             <a:pPr rtl="0"/>
             <a:fld id="{F24FFC25-0C05-49C8-B150-3CF6B89B5C55}" type="datetime1">
               <a:rPr lang="zh-CN" altLang="en-US" smtClean="0"/>
-              <a:t>2020/4/17</a:t>
+              <a:t>2020/4/18</a:t>
             </a:fld>
             <a:endParaRPr lang="en-US" dirty="0"/>
           </a:p>

--- a/files/Service Mesh.pptx
+++ b/files/Service Mesh.pptx
@@ -5635,7 +5635,7 @@
             <a:pPr rtl="0"/>
             <a:fld id="{3FDE3333-857A-4131-9EBA-B73C0C259FD7}" type="datetime1">
               <a:rPr lang="zh-CN" altLang="en-US" smtClean="0"/>
-              <a:t>2020/4/18</a:t>
+              <a:t>2020/4/23</a:t>
             </a:fld>
             <a:endParaRPr lang="en-US"/>
           </a:p>
@@ -5805,7 +5805,7 @@
             <a:pPr rtl="0"/>
             <a:fld id="{8CD12D00-6AAC-4A94-B2E5-A12E9C579B03}" type="datetime1">
               <a:rPr lang="zh-CN" altLang="en-US" smtClean="0"/>
-              <a:t>2020/4/18</a:t>
+              <a:t>2020/4/23</a:t>
             </a:fld>
             <a:endParaRPr lang="en-US"/>
           </a:p>
@@ -6319,7 +6319,7 @@
             <a:pPr rtl="0"/>
             <a:fld id="{73594A98-8FB4-4076-AE7B-5D3B1A2CBC70}" type="datetime1">
               <a:rPr lang="zh-CN" altLang="en-US" smtClean="0"/>
-              <a:t>2020/4/18</a:t>
+              <a:t>2020/4/23</a:t>
             </a:fld>
             <a:endParaRPr lang="en-US" dirty="0"/>
           </a:p>
@@ -6526,7 +6526,7 @@
             <a:pPr rtl="0"/>
             <a:fld id="{B3E0F2F7-3EF1-4761-ABAF-2FA9DDE4F1A8}" type="datetime1">
               <a:rPr lang="zh-CN" altLang="en-US" smtClean="0"/>
-              <a:t>2020/4/18</a:t>
+              <a:t>2020/4/23</a:t>
             </a:fld>
             <a:endParaRPr lang="en-US" dirty="0"/>
           </a:p>
@@ -6892,7 +6892,7 @@
             <a:pPr rtl="0"/>
             <a:fld id="{D563FC6D-277D-4D53-8EB6-E41026A24247}" type="datetime1">
               <a:rPr lang="zh-CN" altLang="en-US" smtClean="0"/>
-              <a:t>2020/4/18</a:t>
+              <a:t>2020/4/23</a:t>
             </a:fld>
             <a:endParaRPr lang="en-US" dirty="0"/>
           </a:p>
@@ -7094,7 +7094,7 @@
             <a:pPr rtl="0"/>
             <a:fld id="{F24FFC25-0C05-49C8-B150-3CF6B89B5C55}" type="datetime1">
               <a:rPr lang="zh-CN" altLang="en-US" smtClean="0"/>
-              <a:t>2020/4/18</a:t>
+              <a:t>2020/4/23</a:t>
             </a:fld>
             <a:endParaRPr lang="en-US" dirty="0"/>
           </a:p>
@@ -7410,7 +7410,7 @@
             <a:pPr rtl="0"/>
             <a:fld id="{DFC14310-5240-428A-850A-F7101D16AE5A}" type="datetime1">
               <a:rPr lang="zh-CN" altLang="en-US" smtClean="0"/>
-              <a:t>2020/4/18</a:t>
+              <a:t>2020/4/23</a:t>
             </a:fld>
             <a:endParaRPr lang="en-US" dirty="0"/>
           </a:p>
@@ -7667,7 +7667,7 @@
             <a:pPr rtl="0"/>
             <a:fld id="{71F85B13-09B0-4D01-A286-57280995F924}" type="datetime1">
               <a:rPr lang="zh-CN" altLang="en-US" smtClean="0"/>
-              <a:t>2020/4/18</a:t>
+              <a:t>2020/4/23</a:t>
             </a:fld>
             <a:endParaRPr lang="en-US" dirty="0"/>
           </a:p>
@@ -8093,7 +8093,7 @@
             <a:pPr rtl="0"/>
             <a:fld id="{F411FE78-D258-4188-9C5F-198CC4CE7F12}" type="datetime1">
               <a:rPr lang="zh-CN" altLang="en-US" smtClean="0"/>
-              <a:t>2020/4/18</a:t>
+              <a:t>2020/4/23</a:t>
             </a:fld>
             <a:endParaRPr lang="en-US" dirty="0"/>
           </a:p>
@@ -8220,7 +8220,7 @@
             <a:pPr rtl="0"/>
             <a:fld id="{BE491C52-D618-41DD-80F2-22500A780186}" type="datetime1">
               <a:rPr lang="zh-CN" altLang="en-US" smtClean="0"/>
-              <a:t>2020/4/18</a:t>
+              <a:t>2020/4/23</a:t>
             </a:fld>
             <a:endParaRPr lang="en-US" dirty="0"/>
           </a:p>
@@ -8318,7 +8318,7 @@
             <a:pPr rtl="0"/>
             <a:fld id="{26EE3488-748A-4EA8-9571-9D5A1694FA0A}" type="datetime1">
               <a:rPr lang="zh-CN" altLang="en-US" smtClean="0"/>
-              <a:t>2020/4/18</a:t>
+              <a:t>2020/4/23</a:t>
             </a:fld>
             <a:endParaRPr lang="en-US" dirty="0"/>
           </a:p>
@@ -8699,7 +8699,7 @@
             <a:pPr rtl="0"/>
             <a:fld id="{D7791703-7779-4492-8183-3F96B27D2540}" type="datetime1">
               <a:rPr lang="zh-CN" altLang="en-US" smtClean="0"/>
-              <a:t>2020/4/18</a:t>
+              <a:t>2020/4/23</a:t>
             </a:fld>
             <a:endParaRPr lang="en-US" dirty="0"/>
           </a:p>
@@ -8997,7 +8997,7 @@
             <a:pPr rtl="0"/>
             <a:fld id="{D4D22F12-409A-40D9-8774-D34C978752A7}" type="datetime1">
               <a:rPr lang="zh-CN" altLang="en-US" smtClean="0"/>
-              <a:t>2020/4/18</a:t>
+              <a:t>2020/4/23</a:t>
             </a:fld>
             <a:endParaRPr lang="en-US" dirty="0"/>
           </a:p>
@@ -9216,7 +9216,7 @@
           <a:p>
             <a:fld id="{4400FF2F-BAC0-4F33-9E13-F8F6FA55A14D}" type="datetime1">
               <a:rPr lang="zh-CN" altLang="en-US" smtClean="0"/>
-              <a:t>2020/4/18</a:t>
+              <a:t>2020/4/23</a:t>
             </a:fld>
             <a:endParaRPr lang="en-US" dirty="0"/>
           </a:p>
@@ -10253,7 +10253,7 @@
             <a:pPr rtl="0"/>
             <a:fld id="{F24FFC25-0C05-49C8-B150-3CF6B89B5C55}" type="datetime1">
               <a:rPr lang="zh-CN" altLang="en-US" smtClean="0"/>
-              <a:t>2020/4/18</a:t>
+              <a:t>2020/4/23</a:t>
             </a:fld>
             <a:endParaRPr lang="en-US" dirty="0"/>
           </a:p>
@@ -10641,7 +10641,7 @@
             <a:pPr rtl="0"/>
             <a:fld id="{F24FFC25-0C05-49C8-B150-3CF6B89B5C55}" type="datetime1">
               <a:rPr lang="zh-CN" altLang="en-US" smtClean="0"/>
-              <a:t>2020/4/18</a:t>
+              <a:t>2020/4/23</a:t>
             </a:fld>
             <a:endParaRPr lang="en-US" dirty="0"/>
           </a:p>
@@ -10830,7 +10830,7 @@
             <a:pPr rtl="0"/>
             <a:fld id="{F24FFC25-0C05-49C8-B150-3CF6B89B5C55}" type="datetime1">
               <a:rPr lang="zh-CN" altLang="en-US" smtClean="0"/>
-              <a:t>2020/4/18</a:t>
+              <a:t>2020/4/23</a:t>
             </a:fld>
             <a:endParaRPr lang="en-US" dirty="0"/>
           </a:p>
@@ -11107,7 +11107,7 @@
             <a:pPr rtl="0"/>
             <a:fld id="{F24FFC25-0C05-49C8-B150-3CF6B89B5C55}" type="datetime1">
               <a:rPr lang="zh-CN" altLang="en-US" smtClean="0"/>
-              <a:t>2020/4/18</a:t>
+              <a:t>2020/4/23</a:t>
             </a:fld>
             <a:endParaRPr lang="en-US" dirty="0"/>
           </a:p>
@@ -11322,7 +11322,7 @@
             <a:pPr rtl="0"/>
             <a:fld id="{F24FFC25-0C05-49C8-B150-3CF6B89B5C55}" type="datetime1">
               <a:rPr lang="zh-CN" altLang="en-US" smtClean="0"/>
-              <a:t>2020/4/18</a:t>
+              <a:t>2020/4/23</a:t>
             </a:fld>
             <a:endParaRPr lang="en-US" dirty="0"/>
           </a:p>
@@ -11511,7 +11511,7 @@
             <a:pPr rtl="0"/>
             <a:fld id="{F24FFC25-0C05-49C8-B150-3CF6B89B5C55}" type="datetime1">
               <a:rPr lang="zh-CN" altLang="en-US" smtClean="0"/>
-              <a:t>2020/4/18</a:t>
+              <a:t>2020/4/23</a:t>
             </a:fld>
             <a:endParaRPr lang="en-US" dirty="0"/>
           </a:p>
@@ -11848,12 +11848,42 @@
             <a:pPr rtl="0"/>
             <a:fld id="{F24FFC25-0C05-49C8-B150-3CF6B89B5C55}" type="datetime1">
               <a:rPr lang="zh-CN" altLang="en-US" smtClean="0"/>
-              <a:t>2020/4/18</a:t>
+              <a:t>2020/4/23</a:t>
             </a:fld>
             <a:endParaRPr lang="en-US" dirty="0"/>
           </a:p>
         </p:txBody>
       </p:sp>
+      <p:pic>
+        <p:nvPicPr>
+          <p:cNvPr id="5" name="图片 4">
+            <a:extLst>
+              <a:ext uri="{FF2B5EF4-FFF2-40B4-BE49-F238E27FC236}">
+                <a16:creationId xmlns:a16="http://schemas.microsoft.com/office/drawing/2014/main" id="{F18B83F1-B4EB-4D58-BE52-C8D769B899C7}"/>
+              </a:ext>
+            </a:extLst>
+          </p:cNvPr>
+          <p:cNvPicPr>
+            <a:picLocks noChangeAspect="1"/>
+          </p:cNvPicPr>
+          <p:nvPr/>
+        </p:nvPicPr>
+        <p:blipFill>
+          <a:blip r:embed="rId3"/>
+          <a:stretch>
+            <a:fillRect/>
+          </a:stretch>
+        </p:blipFill>
+        <p:spPr>
+          <a:xfrm>
+            <a:off x="8637205" y="0"/>
+            <a:ext cx="2145703" cy="6858000"/>
+          </a:xfrm>
+          <a:prstGeom prst="rect">
+            <a:avLst/>
+          </a:prstGeom>
+        </p:spPr>
+      </p:pic>
     </p:spTree>
     <p:extLst>
       <p:ext uri="{BB962C8B-B14F-4D97-AF65-F5344CB8AC3E}">
@@ -11987,7 +12017,7 @@
             <a:pPr rtl="0"/>
             <a:fld id="{F24FFC25-0C05-49C8-B150-3CF6B89B5C55}" type="datetime1">
               <a:rPr lang="zh-CN" altLang="en-US" smtClean="0"/>
-              <a:t>2020/4/18</a:t>
+              <a:t>2020/4/23</a:t>
             </a:fld>
             <a:endParaRPr lang="en-US" dirty="0"/>
           </a:p>
@@ -12282,7 +12312,7 @@
             <a:pPr rtl="0"/>
             <a:fld id="{F24FFC25-0C05-49C8-B150-3CF6B89B5C55}" type="datetime1">
               <a:rPr lang="zh-CN" altLang="en-US" smtClean="0"/>
-              <a:t>2020/4/18</a:t>
+              <a:t>2020/4/23</a:t>
             </a:fld>
             <a:endParaRPr lang="en-US" dirty="0"/>
           </a:p>
@@ -12744,7 +12774,7 @@
             <a:pPr rtl="0"/>
             <a:fld id="{F24FFC25-0C05-49C8-B150-3CF6B89B5C55}" type="datetime1">
               <a:rPr lang="zh-CN" altLang="en-US" smtClean="0"/>
-              <a:t>2020/4/18</a:t>
+              <a:t>2020/4/23</a:t>
             </a:fld>
             <a:endParaRPr lang="en-US" dirty="0"/>
           </a:p>
@@ -13333,7 +13363,7 @@
             <a:pPr rtl="0"/>
             <a:fld id="{F24FFC25-0C05-49C8-B150-3CF6B89B5C55}" type="datetime1">
               <a:rPr lang="zh-CN" altLang="en-US" smtClean="0"/>
-              <a:t>2020/4/18</a:t>
+              <a:t>2020/4/23</a:t>
             </a:fld>
             <a:endParaRPr lang="en-US" dirty="0"/>
           </a:p>
@@ -13418,7 +13448,7 @@
             <a:pPr rtl="0"/>
             <a:fld id="{F24FFC25-0C05-49C8-B150-3CF6B89B5C55}" type="datetime1">
               <a:rPr lang="zh-CN" altLang="en-US" smtClean="0"/>
-              <a:t>2020/4/18</a:t>
+              <a:t>2020/4/23</a:t>
             </a:fld>
             <a:endParaRPr lang="en-US" dirty="0"/>
           </a:p>
@@ -13773,7 +13803,7 @@
             <a:pPr rtl="0"/>
             <a:fld id="{F24FFC25-0C05-49C8-B150-3CF6B89B5C55}" type="datetime1">
               <a:rPr lang="zh-CN" altLang="en-US" smtClean="0"/>
-              <a:t>2020/4/18</a:t>
+              <a:t>2020/4/23</a:t>
             </a:fld>
             <a:endParaRPr lang="en-US" dirty="0"/>
           </a:p>
@@ -13890,7 +13920,7 @@
             <a:pPr rtl="0"/>
             <a:fld id="{F24FFC25-0C05-49C8-B150-3CF6B89B5C55}" type="datetime1">
               <a:rPr lang="zh-CN" altLang="en-US" smtClean="0"/>
-              <a:t>2020/4/18</a:t>
+              <a:t>2020/4/23</a:t>
             </a:fld>
             <a:endParaRPr lang="en-US" dirty="0"/>
           </a:p>
@@ -14272,7 +14302,7 @@
             <a:pPr rtl="0"/>
             <a:fld id="{F24FFC25-0C05-49C8-B150-3CF6B89B5C55}" type="datetime1">
               <a:rPr lang="zh-CN" altLang="en-US" smtClean="0"/>
-              <a:t>2020/4/18</a:t>
+              <a:t>2020/4/23</a:t>
             </a:fld>
             <a:endParaRPr lang="en-US" dirty="0"/>
           </a:p>
@@ -14376,7 +14406,7 @@
             <a:pPr rtl="0"/>
             <a:fld id="{F24FFC25-0C05-49C8-B150-3CF6B89B5C55}" type="datetime1">
               <a:rPr lang="zh-CN" altLang="en-US" smtClean="0"/>
-              <a:t>2020/4/18</a:t>
+              <a:t>2020/4/23</a:t>
             </a:fld>
             <a:endParaRPr lang="en-US" dirty="0"/>
           </a:p>
@@ -14750,7 +14780,7 @@
             <a:pPr rtl="0"/>
             <a:fld id="{F24FFC25-0C05-49C8-B150-3CF6B89B5C55}" type="datetime1">
               <a:rPr lang="zh-CN" altLang="en-US" smtClean="0"/>
-              <a:t>2020/4/18</a:t>
+              <a:t>2020/4/23</a:t>
             </a:fld>
             <a:endParaRPr lang="en-US" dirty="0"/>
           </a:p>
@@ -15038,7 +15068,7 @@
             <a:pPr rtl="0"/>
             <a:fld id="{F24FFC25-0C05-49C8-B150-3CF6B89B5C55}" type="datetime1">
               <a:rPr lang="zh-CN" altLang="en-US" smtClean="0"/>
-              <a:t>2020/4/18</a:t>
+              <a:t>2020/4/23</a:t>
             </a:fld>
             <a:endParaRPr lang="en-US" dirty="0"/>
           </a:p>
@@ -15299,7 +15329,7 @@
             <a:pPr rtl="0"/>
             <a:fld id="{F24FFC25-0C05-49C8-B150-3CF6B89B5C55}" type="datetime1">
               <a:rPr lang="zh-CN" altLang="en-US" smtClean="0"/>
-              <a:t>2020/4/18</a:t>
+              <a:t>2020/4/23</a:t>
             </a:fld>
             <a:endParaRPr lang="en-US" dirty="0"/>
           </a:p>
@@ -15359,7 +15389,7 @@
             <a:pPr rtl="0"/>
             <a:fld id="{F24FFC25-0C05-49C8-B150-3CF6B89B5C55}" type="datetime1">
               <a:rPr lang="zh-CN" altLang="en-US" smtClean="0"/>
-              <a:t>2020/4/18</a:t>
+              <a:t>2020/4/23</a:t>
             </a:fld>
             <a:endParaRPr lang="en-US" dirty="0"/>
           </a:p>
@@ -15844,7 +15874,7 @@
             <a:pPr rtl="0"/>
             <a:fld id="{F24FFC25-0C05-49C8-B150-3CF6B89B5C55}" type="datetime1">
               <a:rPr lang="zh-CN" altLang="en-US" smtClean="0"/>
-              <a:t>2020/4/18</a:t>
+              <a:t>2020/4/23</a:t>
             </a:fld>
             <a:endParaRPr lang="en-US" dirty="0"/>
           </a:p>
@@ -15951,7 +15981,7 @@
             <a:pPr rtl="0"/>
             <a:fld id="{F24FFC25-0C05-49C8-B150-3CF6B89B5C55}" type="datetime1">
               <a:rPr lang="zh-CN" altLang="en-US" smtClean="0"/>
-              <a:t>2020/4/18</a:t>
+              <a:t>2020/4/23</a:t>
             </a:fld>
             <a:endParaRPr lang="en-US" dirty="0"/>
           </a:p>
@@ -16463,7 +16493,7 @@
             <a:pPr rtl="0"/>
             <a:fld id="{F24FFC25-0C05-49C8-B150-3CF6B89B5C55}" type="datetime1">
               <a:rPr lang="zh-CN" altLang="en-US" smtClean="0"/>
-              <a:t>2020/4/18</a:t>
+              <a:t>2020/4/23</a:t>
             </a:fld>
             <a:endParaRPr lang="en-US" dirty="0"/>
           </a:p>
@@ -16611,7 +16641,7 @@
             <a:pPr rtl="0"/>
             <a:fld id="{F24FFC25-0C05-49C8-B150-3CF6B89B5C55}" type="datetime1">
               <a:rPr lang="zh-CN" altLang="en-US" smtClean="0"/>
-              <a:t>2020/4/18</a:t>
+              <a:t>2020/4/23</a:t>
             </a:fld>
             <a:endParaRPr lang="en-US" dirty="0"/>
           </a:p>
@@ -16934,7 +16964,7 @@
             <a:pPr rtl="0"/>
             <a:fld id="{F24FFC25-0C05-49C8-B150-3CF6B89B5C55}" type="datetime1">
               <a:rPr lang="zh-CN" altLang="en-US" smtClean="0"/>
-              <a:t>2020/4/18</a:t>
+              <a:t>2020/4/23</a:t>
             </a:fld>
             <a:endParaRPr lang="en-US" dirty="0"/>
           </a:p>
@@ -17514,7 +17544,7 @@
             <a:pPr rtl="0"/>
             <a:fld id="{F24FFC25-0C05-49C8-B150-3CF6B89B5C55}" type="datetime1">
               <a:rPr lang="zh-CN" altLang="en-US" smtClean="0"/>
-              <a:t>2020/4/18</a:t>
+              <a:t>2020/4/23</a:t>
             </a:fld>
             <a:endParaRPr lang="en-US" dirty="0"/>
           </a:p>
@@ -17608,7 +17638,7 @@
             <a:pPr rtl="0"/>
             <a:fld id="{F24FFC25-0C05-49C8-B150-3CF6B89B5C55}" type="datetime1">
               <a:rPr lang="zh-CN" altLang="en-US" smtClean="0"/>
-              <a:t>2020/4/18</a:t>
+              <a:t>2020/4/23</a:t>
             </a:fld>
             <a:endParaRPr lang="en-US" dirty="0"/>
           </a:p>
@@ -19444,7 +19474,7 @@
             <a:pPr rtl="0"/>
             <a:fld id="{F24FFC25-0C05-49C8-B150-3CF6B89B5C55}" type="datetime1">
               <a:rPr lang="zh-CN" altLang="en-US" smtClean="0"/>
-              <a:t>2020/4/18</a:t>
+              <a:t>2020/4/23</a:t>
             </a:fld>
             <a:endParaRPr lang="en-US" dirty="0"/>
           </a:p>
@@ -20287,7 +20317,7 @@
             <a:pPr rtl="0"/>
             <a:fld id="{F24FFC25-0C05-49C8-B150-3CF6B89B5C55}" type="datetime1">
               <a:rPr lang="zh-CN" altLang="en-US" smtClean="0"/>
-              <a:t>2020/4/18</a:t>
+              <a:t>2020/4/23</a:t>
             </a:fld>
             <a:endParaRPr lang="en-US" dirty="0"/>
           </a:p>
@@ -21383,7 +21413,7 @@
             <a:pPr rtl="0"/>
             <a:fld id="{F24FFC25-0C05-49C8-B150-3CF6B89B5C55}" type="datetime1">
               <a:rPr lang="zh-CN" altLang="en-US" smtClean="0"/>
-              <a:t>2020/4/18</a:t>
+              <a:t>2020/4/23</a:t>
             </a:fld>
             <a:endParaRPr lang="en-US" dirty="0"/>
           </a:p>
@@ -22707,7 +22737,7 @@
             <a:pPr rtl="0"/>
             <a:fld id="{F24FFC25-0C05-49C8-B150-3CF6B89B5C55}" type="datetime1">
               <a:rPr lang="zh-CN" altLang="en-US" smtClean="0"/>
-              <a:t>2020/4/18</a:t>
+              <a:t>2020/4/23</a:t>
             </a:fld>
             <a:endParaRPr lang="en-US" dirty="0"/>
           </a:p>
@@ -22885,7 +22915,7 @@
             <a:pPr rtl="0"/>
             <a:fld id="{F24FFC25-0C05-49C8-B150-3CF6B89B5C55}" type="datetime1">
               <a:rPr lang="zh-CN" altLang="en-US" smtClean="0"/>
-              <a:t>2020/4/18</a:t>
+              <a:t>2020/4/23</a:t>
             </a:fld>
             <a:endParaRPr lang="en-US" dirty="0"/>
           </a:p>
@@ -23016,7 +23046,7 @@
             <a:pPr rtl="0"/>
             <a:fld id="{F24FFC25-0C05-49C8-B150-3CF6B89B5C55}" type="datetime1">
               <a:rPr lang="zh-CN" altLang="en-US" smtClean="0"/>
-              <a:t>2020/4/18</a:t>
+              <a:t>2020/4/23</a:t>
             </a:fld>
             <a:endParaRPr lang="en-US" dirty="0"/>
           </a:p>
@@ -23133,7 +23163,7 @@
             <a:pPr rtl="0"/>
             <a:fld id="{F24FFC25-0C05-49C8-B150-3CF6B89B5C55}" type="datetime1">
               <a:rPr lang="zh-CN" altLang="en-US" smtClean="0"/>
-              <a:t>2020/4/18</a:t>
+              <a:t>2020/4/23</a:t>
             </a:fld>
             <a:endParaRPr lang="en-US" dirty="0"/>
           </a:p>
@@ -23409,7 +23439,7 @@
             <a:pPr rtl="0"/>
             <a:fld id="{F24FFC25-0C05-49C8-B150-3CF6B89B5C55}" type="datetime1">
               <a:rPr lang="zh-CN" altLang="en-US" smtClean="0"/>
-              <a:t>2020/4/18</a:t>
+              <a:t>2020/4/23</a:t>
             </a:fld>
             <a:endParaRPr lang="en-US" dirty="0"/>
           </a:p>
@@ -23940,7 +23970,7 @@
             <a:pPr rtl="0"/>
             <a:fld id="{F24FFC25-0C05-49C8-B150-3CF6B89B5C55}" type="datetime1">
               <a:rPr lang="zh-CN" altLang="en-US" smtClean="0"/>
-              <a:t>2020/4/18</a:t>
+              <a:t>2020/4/23</a:t>
             </a:fld>
             <a:endParaRPr lang="en-US" dirty="0"/>
           </a:p>
@@ -24372,7 +24402,7 @@
             <a:pPr rtl="0"/>
             <a:fld id="{F24FFC25-0C05-49C8-B150-3CF6B89B5C55}" type="datetime1">
               <a:rPr lang="zh-CN" altLang="en-US" smtClean="0"/>
-              <a:t>2020/4/18</a:t>
+              <a:t>2020/4/23</a:t>
             </a:fld>
             <a:endParaRPr lang="en-US" dirty="0"/>
           </a:p>
@@ -24529,7 +24559,7 @@
             <a:pPr rtl="0"/>
             <a:fld id="{F24FFC25-0C05-49C8-B150-3CF6B89B5C55}" type="datetime1">
               <a:rPr lang="zh-CN" altLang="en-US" smtClean="0"/>
-              <a:t>2020/4/18</a:t>
+              <a:t>2020/4/23</a:t>
             </a:fld>
             <a:endParaRPr lang="en-US" dirty="0"/>
           </a:p>
@@ -24796,7 +24826,7 @@
             <a:pPr rtl="0"/>
             <a:fld id="{F24FFC25-0C05-49C8-B150-3CF6B89B5C55}" type="datetime1">
               <a:rPr lang="zh-CN" altLang="en-US" smtClean="0"/>
-              <a:t>2020/4/18</a:t>
+              <a:t>2020/4/23</a:t>
             </a:fld>
             <a:endParaRPr lang="en-US" dirty="0"/>
           </a:p>
@@ -25781,7 +25811,7 @@
             <a:pPr rtl="0"/>
             <a:fld id="{F24FFC25-0C05-49C8-B150-3CF6B89B5C55}" type="datetime1">
               <a:rPr lang="zh-CN" altLang="en-US" smtClean="0"/>
-              <a:t>2020/4/18</a:t>
+              <a:t>2020/4/23</a:t>
             </a:fld>
             <a:endParaRPr lang="en-US" dirty="0"/>
           </a:p>
@@ -26040,7 +26070,7 @@
             <a:pPr rtl="0"/>
             <a:fld id="{F24FFC25-0C05-49C8-B150-3CF6B89B5C55}" type="datetime1">
               <a:rPr lang="zh-CN" altLang="en-US" smtClean="0"/>
-              <a:t>2020/4/18</a:t>
+              <a:t>2020/4/23</a:t>
             </a:fld>
             <a:endParaRPr lang="en-US" dirty="0"/>
           </a:p>
@@ -27137,7 +27167,7 @@
             <a:pPr rtl="0"/>
             <a:fld id="{F24FFC25-0C05-49C8-B150-3CF6B89B5C55}" type="datetime1">
               <a:rPr lang="zh-CN" altLang="en-US" smtClean="0"/>
-              <a:t>2020/4/18</a:t>
+              <a:t>2020/4/23</a:t>
             </a:fld>
             <a:endParaRPr lang="en-US" dirty="0"/>
           </a:p>

--- a/files/Service Mesh.pptx
+++ b/files/Service Mesh.pptx
@@ -40,17 +40,17 @@
     <p:sldId id="289" r:id="rId28"/>
     <p:sldId id="287" r:id="rId29"/>
     <p:sldId id="290" r:id="rId30"/>
-    <p:sldId id="300" r:id="rId31"/>
-    <p:sldId id="265" r:id="rId32"/>
-    <p:sldId id="269" r:id="rId33"/>
-    <p:sldId id="270" r:id="rId34"/>
-    <p:sldId id="271" r:id="rId35"/>
-    <p:sldId id="272" r:id="rId36"/>
-    <p:sldId id="273" r:id="rId37"/>
-    <p:sldId id="274" r:id="rId38"/>
-    <p:sldId id="275" r:id="rId39"/>
-    <p:sldId id="276" r:id="rId40"/>
-    <p:sldId id="268" r:id="rId41"/>
+    <p:sldId id="268" r:id="rId31"/>
+    <p:sldId id="300" r:id="rId32"/>
+    <p:sldId id="265" r:id="rId33"/>
+    <p:sldId id="269" r:id="rId34"/>
+    <p:sldId id="270" r:id="rId35"/>
+    <p:sldId id="271" r:id="rId36"/>
+    <p:sldId id="272" r:id="rId37"/>
+    <p:sldId id="273" r:id="rId38"/>
+    <p:sldId id="274" r:id="rId39"/>
+    <p:sldId id="275" r:id="rId40"/>
+    <p:sldId id="276" r:id="rId41"/>
     <p:sldId id="277" r:id="rId42"/>
     <p:sldId id="278" r:id="rId43"/>
     <p:sldId id="280" r:id="rId44"/>
@@ -5635,7 +5635,7 @@
             <a:pPr rtl="0"/>
             <a:fld id="{3FDE3333-857A-4131-9EBA-B73C0C259FD7}" type="datetime1">
               <a:rPr lang="zh-CN" altLang="en-US" smtClean="0"/>
-              <a:t>2020/4/23</a:t>
+              <a:t>2020/4/30</a:t>
             </a:fld>
             <a:endParaRPr lang="en-US"/>
           </a:p>
@@ -5805,7 +5805,7 @@
             <a:pPr rtl="0"/>
             <a:fld id="{8CD12D00-6AAC-4A94-B2E5-A12E9C579B03}" type="datetime1">
               <a:rPr lang="zh-CN" altLang="en-US" smtClean="0"/>
-              <a:t>2020/4/23</a:t>
+              <a:t>2020/4/30</a:t>
             </a:fld>
             <a:endParaRPr lang="en-US"/>
           </a:p>
@@ -6319,7 +6319,7 @@
             <a:pPr rtl="0"/>
             <a:fld id="{73594A98-8FB4-4076-AE7B-5D3B1A2CBC70}" type="datetime1">
               <a:rPr lang="zh-CN" altLang="en-US" smtClean="0"/>
-              <a:t>2020/4/23</a:t>
+              <a:t>2020/4/30</a:t>
             </a:fld>
             <a:endParaRPr lang="en-US" dirty="0"/>
           </a:p>
@@ -6526,7 +6526,7 @@
             <a:pPr rtl="0"/>
             <a:fld id="{B3E0F2F7-3EF1-4761-ABAF-2FA9DDE4F1A8}" type="datetime1">
               <a:rPr lang="zh-CN" altLang="en-US" smtClean="0"/>
-              <a:t>2020/4/23</a:t>
+              <a:t>2020/4/30</a:t>
             </a:fld>
             <a:endParaRPr lang="en-US" dirty="0"/>
           </a:p>
@@ -6892,7 +6892,7 @@
             <a:pPr rtl="0"/>
             <a:fld id="{D563FC6D-277D-4D53-8EB6-E41026A24247}" type="datetime1">
               <a:rPr lang="zh-CN" altLang="en-US" smtClean="0"/>
-              <a:t>2020/4/23</a:t>
+              <a:t>2020/4/30</a:t>
             </a:fld>
             <a:endParaRPr lang="en-US" dirty="0"/>
           </a:p>
@@ -7094,7 +7094,7 @@
             <a:pPr rtl="0"/>
             <a:fld id="{F24FFC25-0C05-49C8-B150-3CF6B89B5C55}" type="datetime1">
               <a:rPr lang="zh-CN" altLang="en-US" smtClean="0"/>
-              <a:t>2020/4/23</a:t>
+              <a:t>2020/4/30</a:t>
             </a:fld>
             <a:endParaRPr lang="en-US" dirty="0"/>
           </a:p>
@@ -7410,7 +7410,7 @@
             <a:pPr rtl="0"/>
             <a:fld id="{DFC14310-5240-428A-850A-F7101D16AE5A}" type="datetime1">
               <a:rPr lang="zh-CN" altLang="en-US" smtClean="0"/>
-              <a:t>2020/4/23</a:t>
+              <a:t>2020/4/30</a:t>
             </a:fld>
             <a:endParaRPr lang="en-US" dirty="0"/>
           </a:p>
@@ -7667,7 +7667,7 @@
             <a:pPr rtl="0"/>
             <a:fld id="{71F85B13-09B0-4D01-A286-57280995F924}" type="datetime1">
               <a:rPr lang="zh-CN" altLang="en-US" smtClean="0"/>
-              <a:t>2020/4/23</a:t>
+              <a:t>2020/4/30</a:t>
             </a:fld>
             <a:endParaRPr lang="en-US" dirty="0"/>
           </a:p>
@@ -8093,7 +8093,7 @@
             <a:pPr rtl="0"/>
             <a:fld id="{F411FE78-D258-4188-9C5F-198CC4CE7F12}" type="datetime1">
               <a:rPr lang="zh-CN" altLang="en-US" smtClean="0"/>
-              <a:t>2020/4/23</a:t>
+              <a:t>2020/4/30</a:t>
             </a:fld>
             <a:endParaRPr lang="en-US" dirty="0"/>
           </a:p>
@@ -8220,7 +8220,7 @@
             <a:pPr rtl="0"/>
             <a:fld id="{BE491C52-D618-41DD-80F2-22500A780186}" type="datetime1">
               <a:rPr lang="zh-CN" altLang="en-US" smtClean="0"/>
-              <a:t>2020/4/23</a:t>
+              <a:t>2020/4/30</a:t>
             </a:fld>
             <a:endParaRPr lang="en-US" dirty="0"/>
           </a:p>
@@ -8318,7 +8318,7 @@
             <a:pPr rtl="0"/>
             <a:fld id="{26EE3488-748A-4EA8-9571-9D5A1694FA0A}" type="datetime1">
               <a:rPr lang="zh-CN" altLang="en-US" smtClean="0"/>
-              <a:t>2020/4/23</a:t>
+              <a:t>2020/4/30</a:t>
             </a:fld>
             <a:endParaRPr lang="en-US" dirty="0"/>
           </a:p>
@@ -8699,7 +8699,7 @@
             <a:pPr rtl="0"/>
             <a:fld id="{D7791703-7779-4492-8183-3F96B27D2540}" type="datetime1">
               <a:rPr lang="zh-CN" altLang="en-US" smtClean="0"/>
-              <a:t>2020/4/23</a:t>
+              <a:t>2020/4/30</a:t>
             </a:fld>
             <a:endParaRPr lang="en-US" dirty="0"/>
           </a:p>
@@ -8997,7 +8997,7 @@
             <a:pPr rtl="0"/>
             <a:fld id="{D4D22F12-409A-40D9-8774-D34C978752A7}" type="datetime1">
               <a:rPr lang="zh-CN" altLang="en-US" smtClean="0"/>
-              <a:t>2020/4/23</a:t>
+              <a:t>2020/4/30</a:t>
             </a:fld>
             <a:endParaRPr lang="en-US" dirty="0"/>
           </a:p>
@@ -9216,7 +9216,7 @@
           <a:p>
             <a:fld id="{4400FF2F-BAC0-4F33-9E13-F8F6FA55A14D}" type="datetime1">
               <a:rPr lang="zh-CN" altLang="en-US" smtClean="0"/>
-              <a:t>2020/4/23</a:t>
+              <a:t>2020/4/30</a:t>
             </a:fld>
             <a:endParaRPr lang="en-US" dirty="0"/>
           </a:p>
@@ -10253,7 +10253,7 @@
             <a:pPr rtl="0"/>
             <a:fld id="{F24FFC25-0C05-49C8-B150-3CF6B89B5C55}" type="datetime1">
               <a:rPr lang="zh-CN" altLang="en-US" smtClean="0"/>
-              <a:t>2020/4/23</a:t>
+              <a:t>2020/4/30</a:t>
             </a:fld>
             <a:endParaRPr lang="en-US" dirty="0"/>
           </a:p>
@@ -10641,7 +10641,7 @@
             <a:pPr rtl="0"/>
             <a:fld id="{F24FFC25-0C05-49C8-B150-3CF6B89B5C55}" type="datetime1">
               <a:rPr lang="zh-CN" altLang="en-US" smtClean="0"/>
-              <a:t>2020/4/23</a:t>
+              <a:t>2020/4/30</a:t>
             </a:fld>
             <a:endParaRPr lang="en-US" dirty="0"/>
           </a:p>
@@ -10830,7 +10830,7 @@
             <a:pPr rtl="0"/>
             <a:fld id="{F24FFC25-0C05-49C8-B150-3CF6B89B5C55}" type="datetime1">
               <a:rPr lang="zh-CN" altLang="en-US" smtClean="0"/>
-              <a:t>2020/4/23</a:t>
+              <a:t>2020/4/30</a:t>
             </a:fld>
             <a:endParaRPr lang="en-US" dirty="0"/>
           </a:p>
@@ -11107,7 +11107,7 @@
             <a:pPr rtl="0"/>
             <a:fld id="{F24FFC25-0C05-49C8-B150-3CF6B89B5C55}" type="datetime1">
               <a:rPr lang="zh-CN" altLang="en-US" smtClean="0"/>
-              <a:t>2020/4/23</a:t>
+              <a:t>2020/4/30</a:t>
             </a:fld>
             <a:endParaRPr lang="en-US" dirty="0"/>
           </a:p>
@@ -11322,7 +11322,7 @@
             <a:pPr rtl="0"/>
             <a:fld id="{F24FFC25-0C05-49C8-B150-3CF6B89B5C55}" type="datetime1">
               <a:rPr lang="zh-CN" altLang="en-US" smtClean="0"/>
-              <a:t>2020/4/23</a:t>
+              <a:t>2020/4/30</a:t>
             </a:fld>
             <a:endParaRPr lang="en-US" dirty="0"/>
           </a:p>
@@ -11511,7 +11511,7 @@
             <a:pPr rtl="0"/>
             <a:fld id="{F24FFC25-0C05-49C8-B150-3CF6B89B5C55}" type="datetime1">
               <a:rPr lang="zh-CN" altLang="en-US" smtClean="0"/>
-              <a:t>2020/4/23</a:t>
+              <a:t>2020/4/30</a:t>
             </a:fld>
             <a:endParaRPr lang="en-US" dirty="0"/>
           </a:p>
@@ -11848,7 +11848,7 @@
             <a:pPr rtl="0"/>
             <a:fld id="{F24FFC25-0C05-49C8-B150-3CF6B89B5C55}" type="datetime1">
               <a:rPr lang="zh-CN" altLang="en-US" smtClean="0"/>
-              <a:t>2020/4/23</a:t>
+              <a:t>2020/4/30</a:t>
             </a:fld>
             <a:endParaRPr lang="en-US" dirty="0"/>
           </a:p>
@@ -12017,7 +12017,7 @@
             <a:pPr rtl="0"/>
             <a:fld id="{F24FFC25-0C05-49C8-B150-3CF6B89B5C55}" type="datetime1">
               <a:rPr lang="zh-CN" altLang="en-US" smtClean="0"/>
-              <a:t>2020/4/23</a:t>
+              <a:t>2020/4/30</a:t>
             </a:fld>
             <a:endParaRPr lang="en-US" dirty="0"/>
           </a:p>
@@ -12312,7 +12312,7 @@
             <a:pPr rtl="0"/>
             <a:fld id="{F24FFC25-0C05-49C8-B150-3CF6B89B5C55}" type="datetime1">
               <a:rPr lang="zh-CN" altLang="en-US" smtClean="0"/>
-              <a:t>2020/4/23</a:t>
+              <a:t>2020/4/30</a:t>
             </a:fld>
             <a:endParaRPr lang="en-US" dirty="0"/>
           </a:p>
@@ -12774,7 +12774,7 @@
             <a:pPr rtl="0"/>
             <a:fld id="{F24FFC25-0C05-49C8-B150-3CF6B89B5C55}" type="datetime1">
               <a:rPr lang="zh-CN" altLang="en-US" smtClean="0"/>
-              <a:t>2020/4/23</a:t>
+              <a:t>2020/4/30</a:t>
             </a:fld>
             <a:endParaRPr lang="en-US" dirty="0"/>
           </a:p>
@@ -13363,7 +13363,7 @@
             <a:pPr rtl="0"/>
             <a:fld id="{F24FFC25-0C05-49C8-B150-3CF6B89B5C55}" type="datetime1">
               <a:rPr lang="zh-CN" altLang="en-US" smtClean="0"/>
-              <a:t>2020/4/23</a:t>
+              <a:t>2020/4/30</a:t>
             </a:fld>
             <a:endParaRPr lang="en-US" dirty="0"/>
           </a:p>
@@ -13448,7 +13448,7 @@
             <a:pPr rtl="0"/>
             <a:fld id="{F24FFC25-0C05-49C8-B150-3CF6B89B5C55}" type="datetime1">
               <a:rPr lang="zh-CN" altLang="en-US" smtClean="0"/>
-              <a:t>2020/4/23</a:t>
+              <a:t>2020/4/30</a:t>
             </a:fld>
             <a:endParaRPr lang="en-US" dirty="0"/>
           </a:p>
@@ -13803,7 +13803,7 @@
             <a:pPr rtl="0"/>
             <a:fld id="{F24FFC25-0C05-49C8-B150-3CF6B89B5C55}" type="datetime1">
               <a:rPr lang="zh-CN" altLang="en-US" smtClean="0"/>
-              <a:t>2020/4/23</a:t>
+              <a:t>2020/4/30</a:t>
             </a:fld>
             <a:endParaRPr lang="en-US" dirty="0"/>
           </a:p>
@@ -13920,7 +13920,7 @@
             <a:pPr rtl="0"/>
             <a:fld id="{F24FFC25-0C05-49C8-B150-3CF6B89B5C55}" type="datetime1">
               <a:rPr lang="zh-CN" altLang="en-US" smtClean="0"/>
-              <a:t>2020/4/23</a:t>
+              <a:t>2020/4/30</a:t>
             </a:fld>
             <a:endParaRPr lang="en-US" dirty="0"/>
           </a:p>
@@ -14302,7 +14302,7 @@
             <a:pPr rtl="0"/>
             <a:fld id="{F24FFC25-0C05-49C8-B150-3CF6B89B5C55}" type="datetime1">
               <a:rPr lang="zh-CN" altLang="en-US" smtClean="0"/>
-              <a:t>2020/4/23</a:t>
+              <a:t>2020/4/30</a:t>
             </a:fld>
             <a:endParaRPr lang="en-US" dirty="0"/>
           </a:p>
@@ -14406,7 +14406,7 @@
             <a:pPr rtl="0"/>
             <a:fld id="{F24FFC25-0C05-49C8-B150-3CF6B89B5C55}" type="datetime1">
               <a:rPr lang="zh-CN" altLang="en-US" smtClean="0"/>
-              <a:t>2020/4/23</a:t>
+              <a:t>2020/4/30</a:t>
             </a:fld>
             <a:endParaRPr lang="en-US" dirty="0"/>
           </a:p>
@@ -14780,7 +14780,7 @@
             <a:pPr rtl="0"/>
             <a:fld id="{F24FFC25-0C05-49C8-B150-3CF6B89B5C55}" type="datetime1">
               <a:rPr lang="zh-CN" altLang="en-US" smtClean="0"/>
-              <a:t>2020/4/23</a:t>
+              <a:t>2020/4/30</a:t>
             </a:fld>
             <a:endParaRPr lang="en-US" dirty="0"/>
           </a:p>
@@ -15068,7 +15068,7 @@
             <a:pPr rtl="0"/>
             <a:fld id="{F24FFC25-0C05-49C8-B150-3CF6B89B5C55}" type="datetime1">
               <a:rPr lang="zh-CN" altLang="en-US" smtClean="0"/>
-              <a:t>2020/4/23</a:t>
+              <a:t>2020/4/30</a:t>
             </a:fld>
             <a:endParaRPr lang="en-US" dirty="0"/>
           </a:p>
@@ -15329,7 +15329,7 @@
             <a:pPr rtl="0"/>
             <a:fld id="{F24FFC25-0C05-49C8-B150-3CF6B89B5C55}" type="datetime1">
               <a:rPr lang="zh-CN" altLang="en-US" smtClean="0"/>
-              <a:t>2020/4/23</a:t>
+              <a:t>2020/4/30</a:t>
             </a:fld>
             <a:endParaRPr lang="en-US" dirty="0"/>
           </a:p>
@@ -15389,7 +15389,7 @@
             <a:pPr rtl="0"/>
             <a:fld id="{F24FFC25-0C05-49C8-B150-3CF6B89B5C55}" type="datetime1">
               <a:rPr lang="zh-CN" altLang="en-US" smtClean="0"/>
-              <a:t>2020/4/23</a:t>
+              <a:t>2020/4/30</a:t>
             </a:fld>
             <a:endParaRPr lang="en-US" dirty="0"/>
           </a:p>
@@ -15874,7 +15874,7 @@
             <a:pPr rtl="0"/>
             <a:fld id="{F24FFC25-0C05-49C8-B150-3CF6B89B5C55}" type="datetime1">
               <a:rPr lang="zh-CN" altLang="en-US" smtClean="0"/>
-              <a:t>2020/4/23</a:t>
+              <a:t>2020/4/30</a:t>
             </a:fld>
             <a:endParaRPr lang="en-US" dirty="0"/>
           </a:p>
@@ -15894,6 +15894,195 @@
 </file>
 
 <file path=ppt/slides/slide30.xml><?xml version="1.0" encoding="utf-8"?>
+<p:sld xmlns:a="http://schemas.openxmlformats.org/drawingml/2006/main" xmlns:r="http://schemas.openxmlformats.org/officeDocument/2006/relationships" xmlns:p="http://schemas.openxmlformats.org/presentationml/2006/main">
+  <p:cSld>
+    <p:spTree>
+      <p:nvGrpSpPr>
+        <p:cNvPr id="1" name=""/>
+        <p:cNvGrpSpPr/>
+        <p:nvPr/>
+      </p:nvGrpSpPr>
+      <p:grpSpPr>
+        <a:xfrm>
+          <a:off x="0" y="0"/>
+          <a:ext cx="0" cy="0"/>
+          <a:chOff x="0" y="0"/>
+          <a:chExt cx="0" cy="0"/>
+        </a:xfrm>
+      </p:grpSpPr>
+      <p:sp>
+        <p:nvSpPr>
+          <p:cNvPr id="2" name="标题 1">
+            <a:extLst>
+              <a:ext uri="{FF2B5EF4-FFF2-40B4-BE49-F238E27FC236}">
+                <a16:creationId xmlns:a16="http://schemas.microsoft.com/office/drawing/2014/main" id="{DF9ED0A6-C639-4C20-AEED-0171194E7822}"/>
+              </a:ext>
+            </a:extLst>
+          </p:cNvPr>
+          <p:cNvSpPr>
+            <a:spLocks noGrp="1"/>
+          </p:cNvSpPr>
+          <p:nvPr>
+            <p:ph type="title"/>
+          </p:nvPr>
+        </p:nvSpPr>
+        <p:spPr/>
+        <p:txBody>
+          <a:bodyPr/>
+          <a:lstStyle/>
+          <a:p>
+            <a:r>
+              <a:rPr lang="zh-CN" altLang="en-US" dirty="0">
+                <a:hlinkClick r:id="rId2" tooltip="如果使用服务网格，是否需要API网关？"/>
+              </a:rPr>
+              <a:t>如果使用服务网格，是否需要</a:t>
+            </a:r>
+            <a:r>
+              <a:rPr lang="en-US" altLang="zh-CN" dirty="0">
+                <a:hlinkClick r:id="rId2" tooltip="如果使用服务网格，是否需要API网关？"/>
+              </a:rPr>
+              <a:t>API</a:t>
+            </a:r>
+            <a:r>
+              <a:rPr lang="zh-CN" altLang="en-US" dirty="0">
+                <a:hlinkClick r:id="rId2" tooltip="如果使用服务网格，是否需要API网关？"/>
+              </a:rPr>
+              <a:t>网关？</a:t>
+            </a:r>
+            <a:br>
+              <a:rPr lang="zh-CN" altLang="en-US" dirty="0"/>
+            </a:br>
+            <a:endParaRPr lang="zh-CN" altLang="en-US" dirty="0"/>
+          </a:p>
+        </p:txBody>
+      </p:sp>
+      <p:sp>
+        <p:nvSpPr>
+          <p:cNvPr id="3" name="内容占位符 2">
+            <a:extLst>
+              <a:ext uri="{FF2B5EF4-FFF2-40B4-BE49-F238E27FC236}">
+                <a16:creationId xmlns:a16="http://schemas.microsoft.com/office/drawing/2014/main" id="{21CD5E06-6813-463B-BC6F-AE041044FE28}"/>
+              </a:ext>
+            </a:extLst>
+          </p:cNvPr>
+          <p:cNvSpPr>
+            <a:spLocks noGrp="1"/>
+          </p:cNvSpPr>
+          <p:nvPr>
+            <p:ph idx="1"/>
+          </p:nvPr>
+        </p:nvSpPr>
+        <p:spPr/>
+        <p:txBody>
+          <a:bodyPr/>
+          <a:lstStyle/>
+          <a:p>
+            <a:r>
+              <a:rPr lang="zh-CN" altLang="en-US" dirty="0"/>
+              <a:t>首先，</a:t>
+            </a:r>
+            <a:r>
+              <a:rPr lang="en-US" altLang="zh-CN" dirty="0"/>
+              <a:t>Service Mesh</a:t>
+            </a:r>
+            <a:r>
+              <a:rPr lang="zh-CN" altLang="en-US" dirty="0"/>
+              <a:t>和</a:t>
+            </a:r>
+            <a:r>
+              <a:rPr lang="en-US" altLang="zh-CN" dirty="0"/>
+              <a:t>API Gateway</a:t>
+            </a:r>
+            <a:r>
+              <a:rPr lang="zh-CN" altLang="en-US" dirty="0"/>
+              <a:t>在功能定位和承担的职责上有非常清晰的界限：</a:t>
+            </a:r>
+          </a:p>
+          <a:p>
+            <a:pPr lvl="1"/>
+            <a:r>
+              <a:rPr lang="en-US" altLang="zh-CN" dirty="0"/>
+              <a:t>Service Mesh</a:t>
+            </a:r>
+            <a:r>
+              <a:rPr lang="zh-CN" altLang="en-US" dirty="0"/>
+              <a:t>：微服务的网络通信基础设施，负责（系统内部的）服务间的通讯</a:t>
+            </a:r>
+          </a:p>
+          <a:p>
+            <a:pPr lvl="1"/>
+            <a:r>
+              <a:rPr lang="en-US" altLang="zh-CN" dirty="0"/>
+              <a:t>API Gateway</a:t>
+            </a:r>
+            <a:r>
+              <a:rPr lang="zh-CN" altLang="en-US" dirty="0"/>
+              <a:t>： 负责将服务以</a:t>
+            </a:r>
+            <a:r>
+              <a:rPr lang="en-US" altLang="zh-CN" dirty="0"/>
+              <a:t>API</a:t>
+            </a:r>
+            <a:r>
+              <a:rPr lang="zh-CN" altLang="en-US" dirty="0"/>
+              <a:t>的形式暴露（给系统外部），以实现业务功能</a:t>
+            </a:r>
+          </a:p>
+          <a:p>
+            <a:r>
+              <a:rPr lang="en-US" altLang="zh-CN">
+                <a:hlinkClick r:id="rId3"/>
+              </a:rPr>
+              <a:t>https://www.servicemesher.com/blog/service-mesh-and-api-gateway/</a:t>
+            </a:r>
+            <a:endParaRPr lang="zh-CN" altLang="en-US" dirty="0"/>
+          </a:p>
+        </p:txBody>
+      </p:sp>
+      <p:sp>
+        <p:nvSpPr>
+          <p:cNvPr id="4" name="日期占位符 3">
+            <a:extLst>
+              <a:ext uri="{FF2B5EF4-FFF2-40B4-BE49-F238E27FC236}">
+                <a16:creationId xmlns:a16="http://schemas.microsoft.com/office/drawing/2014/main" id="{F91887BD-9CB5-4527-8EAF-3B98E357FAD0}"/>
+              </a:ext>
+            </a:extLst>
+          </p:cNvPr>
+          <p:cNvSpPr>
+            <a:spLocks noGrp="1"/>
+          </p:cNvSpPr>
+          <p:nvPr>
+            <p:ph type="dt" sz="half" idx="10"/>
+          </p:nvPr>
+        </p:nvSpPr>
+        <p:spPr/>
+        <p:txBody>
+          <a:bodyPr/>
+          <a:lstStyle/>
+          <a:p>
+            <a:pPr rtl="0"/>
+            <a:fld id="{F24FFC25-0C05-49C8-B150-3CF6B89B5C55}" type="datetime1">
+              <a:rPr lang="zh-CN" altLang="en-US" smtClean="0"/>
+              <a:t>2020/4/30</a:t>
+            </a:fld>
+            <a:endParaRPr lang="en-US" dirty="0"/>
+          </a:p>
+        </p:txBody>
+      </p:sp>
+    </p:spTree>
+    <p:extLst>
+      <p:ext uri="{BB962C8B-B14F-4D97-AF65-F5344CB8AC3E}">
+        <p14:creationId xmlns:p14="http://schemas.microsoft.com/office/powerpoint/2010/main" val="3875312775"/>
+      </p:ext>
+    </p:extLst>
+  </p:cSld>
+  <p:clrMapOvr>
+    <a:masterClrMapping/>
+  </p:clrMapOvr>
+</p:sld>
+</file>
+
+<file path=ppt/slides/slide31.xml><?xml version="1.0" encoding="utf-8"?>
 <p:sld xmlns:a="http://schemas.openxmlformats.org/drawingml/2006/main" xmlns:r="http://schemas.openxmlformats.org/officeDocument/2006/relationships" xmlns:p="http://schemas.openxmlformats.org/presentationml/2006/main">
   <p:cSld>
     <p:spTree>
@@ -15981,7 +16170,7 @@
             <a:pPr rtl="0"/>
             <a:fld id="{F24FFC25-0C05-49C8-B150-3CF6B89B5C55}" type="datetime1">
               <a:rPr lang="zh-CN" altLang="en-US" smtClean="0"/>
-              <a:t>2020/4/23</a:t>
+              <a:t>2020/4/30</a:t>
             </a:fld>
             <a:endParaRPr lang="en-US" dirty="0"/>
           </a:p>
@@ -16000,7 +16189,7 @@
 </p:sld>
 </file>
 
-<file path=ppt/slides/slide31.xml><?xml version="1.0" encoding="utf-8"?>
+<file path=ppt/slides/slide32.xml><?xml version="1.0" encoding="utf-8"?>
 <p:sld xmlns:a="http://schemas.openxmlformats.org/drawingml/2006/main" xmlns:r="http://schemas.openxmlformats.org/officeDocument/2006/relationships" xmlns:p="http://schemas.openxmlformats.org/presentationml/2006/main">
   <p:cSld>
     <p:spTree>
@@ -16493,7 +16682,7 @@
             <a:pPr rtl="0"/>
             <a:fld id="{F24FFC25-0C05-49C8-B150-3CF6B89B5C55}" type="datetime1">
               <a:rPr lang="zh-CN" altLang="en-US" smtClean="0"/>
-              <a:t>2020/4/23</a:t>
+              <a:t>2020/4/30</a:t>
             </a:fld>
             <a:endParaRPr lang="en-US" dirty="0"/>
           </a:p>
@@ -16512,7 +16701,7 @@
 </p:sld>
 </file>
 
-<file path=ppt/slides/slide32.xml><?xml version="1.0" encoding="utf-8"?>
+<file path=ppt/slides/slide33.xml><?xml version="1.0" encoding="utf-8"?>
 <p:sld xmlns:a="http://schemas.openxmlformats.org/drawingml/2006/main" xmlns:r="http://schemas.openxmlformats.org/officeDocument/2006/relationships" xmlns:p="http://schemas.openxmlformats.org/presentationml/2006/main">
   <p:cSld>
     <p:spTree>
@@ -16641,7 +16830,7 @@
             <a:pPr rtl="0"/>
             <a:fld id="{F24FFC25-0C05-49C8-B150-3CF6B89B5C55}" type="datetime1">
               <a:rPr lang="zh-CN" altLang="en-US" smtClean="0"/>
-              <a:t>2020/4/23</a:t>
+              <a:t>2020/4/30</a:t>
             </a:fld>
             <a:endParaRPr lang="en-US" dirty="0"/>
           </a:p>
@@ -16651,329 +16840,6 @@
     <p:extLst>
       <p:ext uri="{BB962C8B-B14F-4D97-AF65-F5344CB8AC3E}">
         <p14:creationId xmlns:p14="http://schemas.microsoft.com/office/powerpoint/2010/main" val="1497682878"/>
-      </p:ext>
-    </p:extLst>
-  </p:cSld>
-  <p:clrMapOvr>
-    <a:masterClrMapping/>
-  </p:clrMapOvr>
-</p:sld>
-</file>
-
-<file path=ppt/slides/slide33.xml><?xml version="1.0" encoding="utf-8"?>
-<p:sld xmlns:a="http://schemas.openxmlformats.org/drawingml/2006/main" xmlns:r="http://schemas.openxmlformats.org/officeDocument/2006/relationships" xmlns:p="http://schemas.openxmlformats.org/presentationml/2006/main">
-  <p:cSld>
-    <p:spTree>
-      <p:nvGrpSpPr>
-        <p:cNvPr id="1" name=""/>
-        <p:cNvGrpSpPr/>
-        <p:nvPr/>
-      </p:nvGrpSpPr>
-      <p:grpSpPr>
-        <a:xfrm>
-          <a:off x="0" y="0"/>
-          <a:ext cx="0" cy="0"/>
-          <a:chOff x="0" y="0"/>
-          <a:chExt cx="0" cy="0"/>
-        </a:xfrm>
-      </p:grpSpPr>
-      <p:sp>
-        <p:nvSpPr>
-          <p:cNvPr id="2" name="标题 1">
-            <a:extLst>
-              <a:ext uri="{FF2B5EF4-FFF2-40B4-BE49-F238E27FC236}">
-                <a16:creationId xmlns:a16="http://schemas.microsoft.com/office/drawing/2014/main" id="{B0E852C2-3824-4AD2-BBB6-C6F11623531B}"/>
-              </a:ext>
-            </a:extLst>
-          </p:cNvPr>
-          <p:cNvSpPr>
-            <a:spLocks noGrp="1"/>
-          </p:cNvSpPr>
-          <p:nvPr>
-            <p:ph type="title"/>
-          </p:nvPr>
-        </p:nvSpPr>
-        <p:spPr>
-          <a:xfrm>
-            <a:off x="416092" y="611428"/>
-            <a:ext cx="11029616" cy="542444"/>
-          </a:xfrm>
-        </p:spPr>
-        <p:txBody>
-          <a:bodyPr/>
-          <a:lstStyle/>
-          <a:p>
-            <a:r>
-              <a:rPr lang="zh-CN" altLang="en-US" dirty="0"/>
-              <a:t>核心功能</a:t>
-            </a:r>
-          </a:p>
-        </p:txBody>
-      </p:sp>
-      <p:sp>
-        <p:nvSpPr>
-          <p:cNvPr id="3" name="内容占位符 2">
-            <a:extLst>
-              <a:ext uri="{FF2B5EF4-FFF2-40B4-BE49-F238E27FC236}">
-                <a16:creationId xmlns:a16="http://schemas.microsoft.com/office/drawing/2014/main" id="{540F1838-9BF7-4A98-90D2-8A3B7E416E31}"/>
-              </a:ext>
-            </a:extLst>
-          </p:cNvPr>
-          <p:cNvSpPr>
-            <a:spLocks noGrp="1"/>
-          </p:cNvSpPr>
-          <p:nvPr>
-            <p:ph idx="1"/>
-          </p:nvPr>
-        </p:nvSpPr>
-        <p:spPr>
-          <a:xfrm>
-            <a:off x="581192" y="1854200"/>
-            <a:ext cx="11029615" cy="4121150"/>
-          </a:xfrm>
-        </p:spPr>
-        <p:txBody>
-          <a:bodyPr>
-            <a:normAutofit fontScale="85000" lnSpcReduction="10000"/>
-          </a:bodyPr>
-          <a:lstStyle/>
-          <a:p>
-            <a:r>
-              <a:rPr lang="en-US" altLang="zh-CN" b="1" dirty="0"/>
-              <a:t>1. </a:t>
-            </a:r>
-            <a:r>
-              <a:rPr lang="zh-CN" altLang="en-US" b="1" dirty="0"/>
-              <a:t>流量管理</a:t>
-            </a:r>
-            <a:endParaRPr lang="zh-CN" altLang="en-US" dirty="0"/>
-          </a:p>
-          <a:p>
-            <a:endParaRPr lang="zh-CN" altLang="en-US" dirty="0"/>
-          </a:p>
-          <a:p>
-            <a:pPr marL="0" indent="0">
-              <a:buNone/>
-            </a:pPr>
-            <a:r>
-              <a:rPr lang="zh-CN" altLang="en-US" dirty="0"/>
-              <a:t>通过简单的规则配置和流量路由，</a:t>
-            </a:r>
-            <a:r>
-              <a:rPr lang="en-US" altLang="zh-CN" dirty="0" err="1"/>
-              <a:t>Istio</a:t>
-            </a:r>
-            <a:r>
-              <a:rPr lang="en-US" altLang="zh-CN" dirty="0"/>
-              <a:t> </a:t>
-            </a:r>
-            <a:r>
-              <a:rPr lang="zh-CN" altLang="en-US" dirty="0"/>
-              <a:t>可以控制服务之间的流量和 </a:t>
-            </a:r>
-            <a:r>
-              <a:rPr lang="en-US" altLang="zh-CN" dirty="0"/>
-              <a:t>API </a:t>
-            </a:r>
-            <a:r>
-              <a:rPr lang="zh-CN" altLang="en-US" dirty="0"/>
-              <a:t>调用。</a:t>
-            </a:r>
-            <a:r>
-              <a:rPr lang="en-US" altLang="zh-CN" dirty="0" err="1"/>
-              <a:t>Istio</a:t>
-            </a:r>
-            <a:r>
-              <a:rPr lang="en-US" altLang="zh-CN" dirty="0"/>
-              <a:t> </a:t>
-            </a:r>
-            <a:r>
-              <a:rPr lang="zh-CN" altLang="en-US" dirty="0"/>
-              <a:t>简化了熔断器、超时和重试等服务级别属性的配置，并且可以轻松设置 </a:t>
-            </a:r>
-            <a:r>
-              <a:rPr lang="en-US" altLang="zh-CN" dirty="0"/>
-              <a:t>A/B </a:t>
-            </a:r>
-            <a:r>
-              <a:rPr lang="zh-CN" altLang="en-US" dirty="0"/>
-              <a:t>测试、金丝雀部署和基于百分比的流量分割的分阶段部署等重要任务。</a:t>
-            </a:r>
-            <a:endParaRPr lang="en-US" altLang="zh-CN" dirty="0"/>
-          </a:p>
-          <a:p>
-            <a:pPr marL="0" indent="0">
-              <a:buNone/>
-            </a:pPr>
-            <a:br>
-              <a:rPr lang="zh-CN" altLang="en-US" dirty="0"/>
-            </a:br>
-            <a:r>
-              <a:rPr lang="en-US" altLang="zh-CN" dirty="0" err="1"/>
-              <a:t>Istio</a:t>
-            </a:r>
-            <a:r>
-              <a:rPr lang="en-US" altLang="zh-CN" dirty="0"/>
-              <a:t> </a:t>
-            </a:r>
-            <a:r>
-              <a:rPr lang="zh-CN" altLang="en-US" dirty="0"/>
-              <a:t>有开箱即用的故障恢复功能，你可以在问题出现之前先发现问题，通过优化使服务之间的调用更加可靠。</a:t>
-            </a:r>
-            <a:endParaRPr lang="en-US" altLang="zh-CN" dirty="0"/>
-          </a:p>
-          <a:p>
-            <a:r>
-              <a:rPr lang="en-US" altLang="zh-CN" b="1" dirty="0"/>
-              <a:t>2. </a:t>
-            </a:r>
-            <a:r>
-              <a:rPr lang="zh-CN" altLang="en-US" b="1" dirty="0"/>
-              <a:t>安全</a:t>
-            </a:r>
-            <a:br>
-              <a:rPr lang="zh-CN" altLang="en-US" dirty="0"/>
-            </a:br>
-            <a:endParaRPr lang="zh-CN" altLang="en-US" dirty="0"/>
-          </a:p>
-          <a:p>
-            <a:pPr marL="0" indent="0">
-              <a:buNone/>
-            </a:pPr>
-            <a:r>
-              <a:rPr lang="en-US" altLang="zh-CN" dirty="0" err="1"/>
-              <a:t>Istio</a:t>
-            </a:r>
-            <a:r>
-              <a:rPr lang="en-US" altLang="zh-CN" dirty="0"/>
-              <a:t> </a:t>
-            </a:r>
-            <a:r>
-              <a:rPr lang="zh-CN" altLang="en-US" dirty="0"/>
-              <a:t>具备强大的安全功能，使开发人员可以专注于应用程序级别的安全性。</a:t>
-            </a:r>
-            <a:r>
-              <a:rPr lang="en-US" altLang="zh-CN" dirty="0" err="1"/>
-              <a:t>Istio</a:t>
-            </a:r>
-            <a:r>
-              <a:rPr lang="en-US" altLang="zh-CN" dirty="0"/>
-              <a:t> </a:t>
-            </a:r>
-            <a:r>
-              <a:rPr lang="zh-CN" altLang="en-US" dirty="0"/>
-              <a:t>提供底层安全通信信道，并大规模管理服务通信的认证、授权和加密。使用 </a:t>
-            </a:r>
-            <a:r>
-              <a:rPr lang="en-US" altLang="zh-CN" dirty="0" err="1"/>
-              <a:t>Istio</a:t>
-            </a:r>
-            <a:r>
-              <a:rPr lang="zh-CN" altLang="en-US" dirty="0"/>
-              <a:t>，服务通信在默认情况下是安全的，允许跨多种协议和运行时一致地实施策略，而关键的是所有这些都很少或根本不需要应用程序更改。</a:t>
-            </a:r>
-            <a:endParaRPr lang="en-US" altLang="zh-CN" dirty="0"/>
-          </a:p>
-          <a:p>
-            <a:pPr marL="0" indent="0">
-              <a:buNone/>
-            </a:pPr>
-            <a:br>
-              <a:rPr lang="zh-CN" altLang="en-US" dirty="0"/>
-            </a:br>
-            <a:r>
-              <a:rPr lang="zh-CN" altLang="en-US" dirty="0"/>
-              <a:t>虽然 </a:t>
-            </a:r>
-            <a:r>
-              <a:rPr lang="en-US" altLang="zh-CN" dirty="0" err="1"/>
-              <a:t>Istio</a:t>
-            </a:r>
-            <a:r>
-              <a:rPr lang="en-US" altLang="zh-CN" dirty="0"/>
-              <a:t> </a:t>
-            </a:r>
-            <a:r>
-              <a:rPr lang="zh-CN" altLang="en-US" dirty="0"/>
-              <a:t>与平台无关，但将其与 </a:t>
-            </a:r>
-            <a:r>
-              <a:rPr lang="en-US" altLang="zh-CN" dirty="0"/>
-              <a:t>Kubernetes </a:t>
-            </a:r>
-            <a:r>
-              <a:rPr lang="zh-CN" altLang="en-US" dirty="0"/>
-              <a:t>网络策略一起使用时，其优势更大，包括在网络和应用层保护 </a:t>
-            </a:r>
-            <a:r>
-              <a:rPr lang="en-US" altLang="zh-CN" dirty="0"/>
-              <a:t>pod-to-pod </a:t>
-            </a:r>
-            <a:r>
-              <a:rPr lang="zh-CN" altLang="en-US" dirty="0"/>
-              <a:t>或服务到服务通信的能力。后续章节中会讲述如何在 </a:t>
-            </a:r>
-            <a:r>
-              <a:rPr lang="en-US" altLang="zh-CN" dirty="0"/>
-              <a:t>Kubernetes </a:t>
-            </a:r>
-            <a:r>
-              <a:rPr lang="zh-CN" altLang="en-US" dirty="0"/>
-              <a:t>中结合网络策略与 </a:t>
-            </a:r>
-            <a:r>
-              <a:rPr lang="en-US" altLang="zh-CN" dirty="0" err="1"/>
-              <a:t>Istio</a:t>
-            </a:r>
-            <a:r>
-              <a:rPr lang="en-US" altLang="zh-CN" dirty="0"/>
-              <a:t> </a:t>
-            </a:r>
-            <a:r>
-              <a:rPr lang="zh-CN" altLang="en-US" dirty="0"/>
-              <a:t>来共同保护服务。</a:t>
-            </a:r>
-            <a:br>
-              <a:rPr lang="zh-CN" altLang="en-US" dirty="0"/>
-            </a:br>
-            <a:endParaRPr lang="zh-CN" altLang="en-US" dirty="0"/>
-          </a:p>
-        </p:txBody>
-      </p:sp>
-      <p:sp>
-        <p:nvSpPr>
-          <p:cNvPr id="4" name="日期占位符 3">
-            <a:extLst>
-              <a:ext uri="{FF2B5EF4-FFF2-40B4-BE49-F238E27FC236}">
-                <a16:creationId xmlns:a16="http://schemas.microsoft.com/office/drawing/2014/main" id="{9A43B8C1-8FD7-4596-9B9C-6122E61696C8}"/>
-              </a:ext>
-            </a:extLst>
-          </p:cNvPr>
-          <p:cNvSpPr>
-            <a:spLocks noGrp="1"/>
-          </p:cNvSpPr>
-          <p:nvPr>
-            <p:ph type="dt" sz="half" idx="10"/>
-          </p:nvPr>
-        </p:nvSpPr>
-        <p:spPr/>
-        <p:txBody>
-          <a:bodyPr/>
-          <a:lstStyle/>
-          <a:p>
-            <a:pPr rtl="0"/>
-            <a:fld id="{F24FFC25-0C05-49C8-B150-3CF6B89B5C55}" type="datetime1">
-              <a:rPr lang="zh-CN" altLang="en-US" smtClean="0"/>
-              <a:t>2020/4/23</a:t>
-            </a:fld>
-            <a:endParaRPr lang="en-US" dirty="0"/>
-          </a:p>
-        </p:txBody>
-      </p:sp>
-    </p:spTree>
-    <p:extLst>
-      <p:ext uri="{BB962C8B-B14F-4D97-AF65-F5344CB8AC3E}">
-        <p14:creationId xmlns:p14="http://schemas.microsoft.com/office/powerpoint/2010/main" val="2133001112"/>
       </p:ext>
     </p:extLst>
   </p:cSld>
@@ -17018,6 +16884,329 @@
         </p:nvSpPr>
         <p:spPr>
           <a:xfrm>
+            <a:off x="416092" y="611428"/>
+            <a:ext cx="11029616" cy="542444"/>
+          </a:xfrm>
+        </p:spPr>
+        <p:txBody>
+          <a:bodyPr/>
+          <a:lstStyle/>
+          <a:p>
+            <a:r>
+              <a:rPr lang="zh-CN" altLang="en-US" dirty="0"/>
+              <a:t>核心功能</a:t>
+            </a:r>
+          </a:p>
+        </p:txBody>
+      </p:sp>
+      <p:sp>
+        <p:nvSpPr>
+          <p:cNvPr id="3" name="内容占位符 2">
+            <a:extLst>
+              <a:ext uri="{FF2B5EF4-FFF2-40B4-BE49-F238E27FC236}">
+                <a16:creationId xmlns:a16="http://schemas.microsoft.com/office/drawing/2014/main" id="{540F1838-9BF7-4A98-90D2-8A3B7E416E31}"/>
+              </a:ext>
+            </a:extLst>
+          </p:cNvPr>
+          <p:cNvSpPr>
+            <a:spLocks noGrp="1"/>
+          </p:cNvSpPr>
+          <p:nvPr>
+            <p:ph idx="1"/>
+          </p:nvPr>
+        </p:nvSpPr>
+        <p:spPr>
+          <a:xfrm>
+            <a:off x="581192" y="1854200"/>
+            <a:ext cx="11029615" cy="4121150"/>
+          </a:xfrm>
+        </p:spPr>
+        <p:txBody>
+          <a:bodyPr>
+            <a:normAutofit fontScale="85000" lnSpcReduction="10000"/>
+          </a:bodyPr>
+          <a:lstStyle/>
+          <a:p>
+            <a:r>
+              <a:rPr lang="en-US" altLang="zh-CN" b="1" dirty="0"/>
+              <a:t>1. </a:t>
+            </a:r>
+            <a:r>
+              <a:rPr lang="zh-CN" altLang="en-US" b="1" dirty="0"/>
+              <a:t>流量管理</a:t>
+            </a:r>
+            <a:endParaRPr lang="zh-CN" altLang="en-US" dirty="0"/>
+          </a:p>
+          <a:p>
+            <a:endParaRPr lang="zh-CN" altLang="en-US" dirty="0"/>
+          </a:p>
+          <a:p>
+            <a:pPr marL="0" indent="0">
+              <a:buNone/>
+            </a:pPr>
+            <a:r>
+              <a:rPr lang="zh-CN" altLang="en-US" dirty="0"/>
+              <a:t>通过简单的规则配置和流量路由，</a:t>
+            </a:r>
+            <a:r>
+              <a:rPr lang="en-US" altLang="zh-CN" dirty="0" err="1"/>
+              <a:t>Istio</a:t>
+            </a:r>
+            <a:r>
+              <a:rPr lang="en-US" altLang="zh-CN" dirty="0"/>
+              <a:t> </a:t>
+            </a:r>
+            <a:r>
+              <a:rPr lang="zh-CN" altLang="en-US" dirty="0"/>
+              <a:t>可以控制服务之间的流量和 </a:t>
+            </a:r>
+            <a:r>
+              <a:rPr lang="en-US" altLang="zh-CN" dirty="0"/>
+              <a:t>API </a:t>
+            </a:r>
+            <a:r>
+              <a:rPr lang="zh-CN" altLang="en-US" dirty="0"/>
+              <a:t>调用。</a:t>
+            </a:r>
+            <a:r>
+              <a:rPr lang="en-US" altLang="zh-CN" dirty="0" err="1"/>
+              <a:t>Istio</a:t>
+            </a:r>
+            <a:r>
+              <a:rPr lang="en-US" altLang="zh-CN" dirty="0"/>
+              <a:t> </a:t>
+            </a:r>
+            <a:r>
+              <a:rPr lang="zh-CN" altLang="en-US" dirty="0"/>
+              <a:t>简化了熔断器、超时和重试等服务级别属性的配置，并且可以轻松设置 </a:t>
+            </a:r>
+            <a:r>
+              <a:rPr lang="en-US" altLang="zh-CN" dirty="0"/>
+              <a:t>A/B </a:t>
+            </a:r>
+            <a:r>
+              <a:rPr lang="zh-CN" altLang="en-US" dirty="0"/>
+              <a:t>测试、金丝雀部署和基于百分比的流量分割的分阶段部署等重要任务。</a:t>
+            </a:r>
+            <a:endParaRPr lang="en-US" altLang="zh-CN" dirty="0"/>
+          </a:p>
+          <a:p>
+            <a:pPr marL="0" indent="0">
+              <a:buNone/>
+            </a:pPr>
+            <a:br>
+              <a:rPr lang="zh-CN" altLang="en-US" dirty="0"/>
+            </a:br>
+            <a:r>
+              <a:rPr lang="en-US" altLang="zh-CN" dirty="0" err="1"/>
+              <a:t>Istio</a:t>
+            </a:r>
+            <a:r>
+              <a:rPr lang="en-US" altLang="zh-CN" dirty="0"/>
+              <a:t> </a:t>
+            </a:r>
+            <a:r>
+              <a:rPr lang="zh-CN" altLang="en-US" dirty="0"/>
+              <a:t>有开箱即用的故障恢复功能，你可以在问题出现之前先发现问题，通过优化使服务之间的调用更加可靠。</a:t>
+            </a:r>
+            <a:endParaRPr lang="en-US" altLang="zh-CN" dirty="0"/>
+          </a:p>
+          <a:p>
+            <a:r>
+              <a:rPr lang="en-US" altLang="zh-CN" b="1" dirty="0"/>
+              <a:t>2. </a:t>
+            </a:r>
+            <a:r>
+              <a:rPr lang="zh-CN" altLang="en-US" b="1" dirty="0"/>
+              <a:t>安全</a:t>
+            </a:r>
+            <a:br>
+              <a:rPr lang="zh-CN" altLang="en-US" dirty="0"/>
+            </a:br>
+            <a:endParaRPr lang="zh-CN" altLang="en-US" dirty="0"/>
+          </a:p>
+          <a:p>
+            <a:pPr marL="0" indent="0">
+              <a:buNone/>
+            </a:pPr>
+            <a:r>
+              <a:rPr lang="en-US" altLang="zh-CN" dirty="0" err="1"/>
+              <a:t>Istio</a:t>
+            </a:r>
+            <a:r>
+              <a:rPr lang="en-US" altLang="zh-CN" dirty="0"/>
+              <a:t> </a:t>
+            </a:r>
+            <a:r>
+              <a:rPr lang="zh-CN" altLang="en-US" dirty="0"/>
+              <a:t>具备强大的安全功能，使开发人员可以专注于应用程序级别的安全性。</a:t>
+            </a:r>
+            <a:r>
+              <a:rPr lang="en-US" altLang="zh-CN" dirty="0" err="1"/>
+              <a:t>Istio</a:t>
+            </a:r>
+            <a:r>
+              <a:rPr lang="en-US" altLang="zh-CN" dirty="0"/>
+              <a:t> </a:t>
+            </a:r>
+            <a:r>
+              <a:rPr lang="zh-CN" altLang="en-US" dirty="0"/>
+              <a:t>提供底层安全通信信道，并大规模管理服务通信的认证、授权和加密。使用 </a:t>
+            </a:r>
+            <a:r>
+              <a:rPr lang="en-US" altLang="zh-CN" dirty="0" err="1"/>
+              <a:t>Istio</a:t>
+            </a:r>
+            <a:r>
+              <a:rPr lang="zh-CN" altLang="en-US" dirty="0"/>
+              <a:t>，服务通信在默认情况下是安全的，允许跨多种协议和运行时一致地实施策略，而关键的是所有这些都很少或根本不需要应用程序更改。</a:t>
+            </a:r>
+            <a:endParaRPr lang="en-US" altLang="zh-CN" dirty="0"/>
+          </a:p>
+          <a:p>
+            <a:pPr marL="0" indent="0">
+              <a:buNone/>
+            </a:pPr>
+            <a:br>
+              <a:rPr lang="zh-CN" altLang="en-US" dirty="0"/>
+            </a:br>
+            <a:r>
+              <a:rPr lang="zh-CN" altLang="en-US" dirty="0"/>
+              <a:t>虽然 </a:t>
+            </a:r>
+            <a:r>
+              <a:rPr lang="en-US" altLang="zh-CN" dirty="0" err="1"/>
+              <a:t>Istio</a:t>
+            </a:r>
+            <a:r>
+              <a:rPr lang="en-US" altLang="zh-CN" dirty="0"/>
+              <a:t> </a:t>
+            </a:r>
+            <a:r>
+              <a:rPr lang="zh-CN" altLang="en-US" dirty="0"/>
+              <a:t>与平台无关，但将其与 </a:t>
+            </a:r>
+            <a:r>
+              <a:rPr lang="en-US" altLang="zh-CN" dirty="0"/>
+              <a:t>Kubernetes </a:t>
+            </a:r>
+            <a:r>
+              <a:rPr lang="zh-CN" altLang="en-US" dirty="0"/>
+              <a:t>网络策略一起使用时，其优势更大，包括在网络和应用层保护 </a:t>
+            </a:r>
+            <a:r>
+              <a:rPr lang="en-US" altLang="zh-CN" dirty="0"/>
+              <a:t>pod-to-pod </a:t>
+            </a:r>
+            <a:r>
+              <a:rPr lang="zh-CN" altLang="en-US" dirty="0"/>
+              <a:t>或服务到服务通信的能力。后续章节中会讲述如何在 </a:t>
+            </a:r>
+            <a:r>
+              <a:rPr lang="en-US" altLang="zh-CN" dirty="0"/>
+              <a:t>Kubernetes </a:t>
+            </a:r>
+            <a:r>
+              <a:rPr lang="zh-CN" altLang="en-US" dirty="0"/>
+              <a:t>中结合网络策略与 </a:t>
+            </a:r>
+            <a:r>
+              <a:rPr lang="en-US" altLang="zh-CN" dirty="0" err="1"/>
+              <a:t>Istio</a:t>
+            </a:r>
+            <a:r>
+              <a:rPr lang="en-US" altLang="zh-CN" dirty="0"/>
+              <a:t> </a:t>
+            </a:r>
+            <a:r>
+              <a:rPr lang="zh-CN" altLang="en-US" dirty="0"/>
+              <a:t>来共同保护服务。</a:t>
+            </a:r>
+            <a:br>
+              <a:rPr lang="zh-CN" altLang="en-US" dirty="0"/>
+            </a:br>
+            <a:endParaRPr lang="zh-CN" altLang="en-US" dirty="0"/>
+          </a:p>
+        </p:txBody>
+      </p:sp>
+      <p:sp>
+        <p:nvSpPr>
+          <p:cNvPr id="4" name="日期占位符 3">
+            <a:extLst>
+              <a:ext uri="{FF2B5EF4-FFF2-40B4-BE49-F238E27FC236}">
+                <a16:creationId xmlns:a16="http://schemas.microsoft.com/office/drawing/2014/main" id="{9A43B8C1-8FD7-4596-9B9C-6122E61696C8}"/>
+              </a:ext>
+            </a:extLst>
+          </p:cNvPr>
+          <p:cNvSpPr>
+            <a:spLocks noGrp="1"/>
+          </p:cNvSpPr>
+          <p:nvPr>
+            <p:ph type="dt" sz="half" idx="10"/>
+          </p:nvPr>
+        </p:nvSpPr>
+        <p:spPr/>
+        <p:txBody>
+          <a:bodyPr/>
+          <a:lstStyle/>
+          <a:p>
+            <a:pPr rtl="0"/>
+            <a:fld id="{F24FFC25-0C05-49C8-B150-3CF6B89B5C55}" type="datetime1">
+              <a:rPr lang="zh-CN" altLang="en-US" smtClean="0"/>
+              <a:t>2020/4/30</a:t>
+            </a:fld>
+            <a:endParaRPr lang="en-US" dirty="0"/>
+          </a:p>
+        </p:txBody>
+      </p:sp>
+    </p:spTree>
+    <p:extLst>
+      <p:ext uri="{BB962C8B-B14F-4D97-AF65-F5344CB8AC3E}">
+        <p14:creationId xmlns:p14="http://schemas.microsoft.com/office/powerpoint/2010/main" val="2133001112"/>
+      </p:ext>
+    </p:extLst>
+  </p:cSld>
+  <p:clrMapOvr>
+    <a:masterClrMapping/>
+  </p:clrMapOvr>
+</p:sld>
+</file>
+
+<file path=ppt/slides/slide35.xml><?xml version="1.0" encoding="utf-8"?>
+<p:sld xmlns:a="http://schemas.openxmlformats.org/drawingml/2006/main" xmlns:r="http://schemas.openxmlformats.org/officeDocument/2006/relationships" xmlns:p="http://schemas.openxmlformats.org/presentationml/2006/main">
+  <p:cSld>
+    <p:spTree>
+      <p:nvGrpSpPr>
+        <p:cNvPr id="1" name=""/>
+        <p:cNvGrpSpPr/>
+        <p:nvPr/>
+      </p:nvGrpSpPr>
+      <p:grpSpPr>
+        <a:xfrm>
+          <a:off x="0" y="0"/>
+          <a:ext cx="0" cy="0"/>
+          <a:chOff x="0" y="0"/>
+          <a:chExt cx="0" cy="0"/>
+        </a:xfrm>
+      </p:grpSpPr>
+      <p:sp>
+        <p:nvSpPr>
+          <p:cNvPr id="2" name="标题 1">
+            <a:extLst>
+              <a:ext uri="{FF2B5EF4-FFF2-40B4-BE49-F238E27FC236}">
+                <a16:creationId xmlns:a16="http://schemas.microsoft.com/office/drawing/2014/main" id="{B0E852C2-3824-4AD2-BBB6-C6F11623531B}"/>
+              </a:ext>
+            </a:extLst>
+          </p:cNvPr>
+          <p:cNvSpPr>
+            <a:spLocks noGrp="1"/>
+          </p:cNvSpPr>
+          <p:nvPr>
+            <p:ph type="title"/>
+          </p:nvPr>
+        </p:nvSpPr>
+        <p:spPr>
+          <a:xfrm>
             <a:off x="409742" y="575156"/>
             <a:ext cx="11029616" cy="529744"/>
           </a:xfrm>
@@ -17544,7 +17733,7 @@
             <a:pPr rtl="0"/>
             <a:fld id="{F24FFC25-0C05-49C8-B150-3CF6B89B5C55}" type="datetime1">
               <a:rPr lang="zh-CN" altLang="en-US" smtClean="0"/>
-              <a:t>2020/4/23</a:t>
+              <a:t>2020/4/30</a:t>
             </a:fld>
             <a:endParaRPr lang="en-US" dirty="0"/>
           </a:p>
@@ -17563,7 +17752,7 @@
 </p:sld>
 </file>
 
-<file path=ppt/slides/slide35.xml><?xml version="1.0" encoding="utf-8"?>
+<file path=ppt/slides/slide36.xml><?xml version="1.0" encoding="utf-8"?>
 <p:sld xmlns:a="http://schemas.openxmlformats.org/drawingml/2006/main" xmlns:r="http://schemas.openxmlformats.org/officeDocument/2006/relationships" xmlns:p="http://schemas.openxmlformats.org/presentationml/2006/main">
   <p:cSld>
     <p:spTree>
@@ -17638,7 +17827,7 @@
             <a:pPr rtl="0"/>
             <a:fld id="{F24FFC25-0C05-49C8-B150-3CF6B89B5C55}" type="datetime1">
               <a:rPr lang="zh-CN" altLang="en-US" smtClean="0"/>
-              <a:t>2020/4/23</a:t>
+              <a:t>2020/4/30</a:t>
             </a:fld>
             <a:endParaRPr lang="en-US" dirty="0"/>
           </a:p>
@@ -18413,7 +18602,7 @@
 </p:sld>
 </file>
 
-<file path=ppt/slides/slide36.xml><?xml version="1.0" encoding="utf-8"?>
+<file path=ppt/slides/slide37.xml><?xml version="1.0" encoding="utf-8"?>
 <p:sld xmlns:a="http://schemas.openxmlformats.org/drawingml/2006/main" xmlns:r="http://schemas.openxmlformats.org/officeDocument/2006/relationships" xmlns:p="http://schemas.openxmlformats.org/presentationml/2006/main">
   <p:cSld>
     <p:spTree>
@@ -19474,7 +19663,7 @@
             <a:pPr rtl="0"/>
             <a:fld id="{F24FFC25-0C05-49C8-B150-3CF6B89B5C55}" type="datetime1">
               <a:rPr lang="zh-CN" altLang="en-US" smtClean="0"/>
-              <a:t>2020/4/23</a:t>
+              <a:t>2020/4/30</a:t>
             </a:fld>
             <a:endParaRPr lang="en-US" dirty="0"/>
           </a:p>
@@ -19493,7 +19682,7 @@
 </p:sld>
 </file>
 
-<file path=ppt/slides/slide37.xml><?xml version="1.0" encoding="utf-8"?>
+<file path=ppt/slides/slide38.xml><?xml version="1.0" encoding="utf-8"?>
 <p:sld xmlns:a="http://schemas.openxmlformats.org/drawingml/2006/main" xmlns:r="http://schemas.openxmlformats.org/officeDocument/2006/relationships" xmlns:p="http://schemas.openxmlformats.org/presentationml/2006/main">
   <p:cSld>
     <p:spTree>
@@ -20317,7 +20506,7 @@
             <a:pPr rtl="0"/>
             <a:fld id="{F24FFC25-0C05-49C8-B150-3CF6B89B5C55}" type="datetime1">
               <a:rPr lang="zh-CN" altLang="en-US" smtClean="0"/>
-              <a:t>2020/4/23</a:t>
+              <a:t>2020/4/30</a:t>
             </a:fld>
             <a:endParaRPr lang="en-US" dirty="0"/>
           </a:p>
@@ -20336,7 +20525,7 @@
 </p:sld>
 </file>
 
-<file path=ppt/slides/slide38.xml><?xml version="1.0" encoding="utf-8"?>
+<file path=ppt/slides/slide39.xml><?xml version="1.0" encoding="utf-8"?>
 <p:sld xmlns:a="http://schemas.openxmlformats.org/drawingml/2006/main" xmlns:r="http://schemas.openxmlformats.org/officeDocument/2006/relationships" xmlns:p="http://schemas.openxmlformats.org/presentationml/2006/main">
   <p:cSld>
     <p:spTree>
@@ -21413,7 +21602,7 @@
             <a:pPr rtl="0"/>
             <a:fld id="{F24FFC25-0C05-49C8-B150-3CF6B89B5C55}" type="datetime1">
               <a:rPr lang="zh-CN" altLang="en-US" smtClean="0"/>
-              <a:t>2020/4/23</a:t>
+              <a:t>2020/4/30</a:t>
             </a:fld>
             <a:endParaRPr lang="en-US" dirty="0"/>
           </a:p>
@@ -21432,7 +21621,185 @@
 </p:sld>
 </file>
 
-<file path=ppt/slides/slide39.xml><?xml version="1.0" encoding="utf-8"?>
+<file path=ppt/slides/slide4.xml><?xml version="1.0" encoding="utf-8"?>
+<p:sld xmlns:a="http://schemas.openxmlformats.org/drawingml/2006/main" xmlns:r="http://schemas.openxmlformats.org/officeDocument/2006/relationships" xmlns:p="http://schemas.openxmlformats.org/presentationml/2006/main">
+  <p:cSld>
+    <p:spTree>
+      <p:nvGrpSpPr>
+        <p:cNvPr id="1" name=""/>
+        <p:cNvGrpSpPr/>
+        <p:nvPr/>
+      </p:nvGrpSpPr>
+      <p:grpSpPr>
+        <a:xfrm>
+          <a:off x="0" y="0"/>
+          <a:ext cx="0" cy="0"/>
+          <a:chOff x="0" y="0"/>
+          <a:chExt cx="0" cy="0"/>
+        </a:xfrm>
+      </p:grpSpPr>
+      <p:sp>
+        <p:nvSpPr>
+          <p:cNvPr id="2" name="标题 1">
+            <a:extLst>
+              <a:ext uri="{FF2B5EF4-FFF2-40B4-BE49-F238E27FC236}">
+                <a16:creationId xmlns:a16="http://schemas.microsoft.com/office/drawing/2014/main" id="{C7C82C41-CCD0-412D-BE86-3FF36C3FFCC6}"/>
+              </a:ext>
+            </a:extLst>
+          </p:cNvPr>
+          <p:cNvSpPr>
+            <a:spLocks noGrp="1"/>
+          </p:cNvSpPr>
+          <p:nvPr>
+            <p:ph type="title"/>
+          </p:nvPr>
+        </p:nvSpPr>
+        <p:spPr/>
+        <p:txBody>
+          <a:bodyPr/>
+          <a:lstStyle/>
+          <a:p>
+            <a:r>
+              <a:rPr lang="zh-CN" altLang="en-US" dirty="0"/>
+              <a:t>什么是 </a:t>
+            </a:r>
+            <a:r>
+              <a:rPr lang="en-US" altLang="zh-CN" dirty="0"/>
+              <a:t>Service mesh</a:t>
+            </a:r>
+            <a:br>
+              <a:rPr lang="en-US" altLang="zh-CN" dirty="0"/>
+            </a:br>
+            <a:endParaRPr lang="zh-CN" altLang="en-US" dirty="0"/>
+          </a:p>
+        </p:txBody>
+      </p:sp>
+      <p:sp>
+        <p:nvSpPr>
+          <p:cNvPr id="3" name="内容占位符 2">
+            <a:extLst>
+              <a:ext uri="{FF2B5EF4-FFF2-40B4-BE49-F238E27FC236}">
+                <a16:creationId xmlns:a16="http://schemas.microsoft.com/office/drawing/2014/main" id="{F2ECCEAD-15FB-40EB-9CCA-255E6003336F}"/>
+              </a:ext>
+            </a:extLst>
+          </p:cNvPr>
+          <p:cNvSpPr>
+            <a:spLocks noGrp="1"/>
+          </p:cNvSpPr>
+          <p:nvPr>
+            <p:ph idx="1"/>
+          </p:nvPr>
+        </p:nvSpPr>
+        <p:spPr/>
+        <p:txBody>
+          <a:bodyPr/>
+          <a:lstStyle/>
+          <a:p>
+            <a:r>
+              <a:rPr lang="en-US" altLang="zh-CN" b="1" dirty="0"/>
+              <a:t>William Morgan</a:t>
+            </a:r>
+            <a:r>
+              <a:rPr lang="zh-CN" altLang="en-US" b="1" dirty="0"/>
+              <a:t>在</a:t>
+            </a:r>
+            <a:r>
+              <a:rPr lang="en-US" altLang="zh-CN" b="1" dirty="0">
+                <a:hlinkClick r:id="rId2"/>
+              </a:rPr>
+              <a:t>What’s a service mesh? And why do I need one?</a:t>
+            </a:r>
+            <a:r>
+              <a:rPr lang="en-US" altLang="zh-CN" b="1" dirty="0"/>
+              <a:t> </a:t>
+            </a:r>
+            <a:r>
+              <a:rPr lang="zh-CN" altLang="en-US" b="1" dirty="0"/>
+              <a:t>中是如何诠释什么是 </a:t>
+            </a:r>
+            <a:r>
+              <a:rPr lang="en-US" altLang="zh-CN" b="1" dirty="0"/>
+              <a:t>Service Mesh:</a:t>
+            </a:r>
+          </a:p>
+          <a:p>
+            <a:r>
+              <a:rPr lang="en-US" altLang="zh-CN" i="1" dirty="0"/>
+              <a:t>A service mesh is a dedicated infrastructure layer for handling service-to-service communication. It’s responsible for the reliable delivery of requests through the complex topology of services that comprise a modern, cloud native application. In practice, the service mesh is typically implemented as an array of lightweight network proxies that are deployed alongside application code, without the application needing to be aware.</a:t>
+            </a:r>
+          </a:p>
+          <a:p>
+            <a:r>
+              <a:rPr lang="en-US" altLang="zh-CN" dirty="0"/>
+              <a:t>Service Mesh </a:t>
+            </a:r>
+            <a:r>
+              <a:rPr lang="zh-CN" altLang="en-US" dirty="0"/>
+              <a:t>这个服务网络专注于处理服务和服务间的通讯。其主要负责构造一个稳定可靠的服务通讯的基础设施，并让整个架构更为的先进和 </a:t>
+            </a:r>
+            <a:r>
+              <a:rPr lang="en-US" altLang="zh-CN" dirty="0"/>
+              <a:t>Cloud Native</a:t>
+            </a:r>
+            <a:r>
+              <a:rPr lang="zh-CN" altLang="en-US" dirty="0"/>
+              <a:t>。在工程中，</a:t>
+            </a:r>
+            <a:r>
+              <a:rPr lang="en-US" altLang="zh-CN" dirty="0"/>
+              <a:t>Service Mesh </a:t>
+            </a:r>
+            <a:r>
+              <a:rPr lang="zh-CN" altLang="en-US" dirty="0"/>
+              <a:t>基本来说是一组轻量级的与应用逻辑服务部署在一起的服务代理，并且对于应用服务是透明的。</a:t>
+            </a:r>
+          </a:p>
+        </p:txBody>
+      </p:sp>
+      <p:sp>
+        <p:nvSpPr>
+          <p:cNvPr id="4" name="日期占位符 3">
+            <a:extLst>
+              <a:ext uri="{FF2B5EF4-FFF2-40B4-BE49-F238E27FC236}">
+                <a16:creationId xmlns:a16="http://schemas.microsoft.com/office/drawing/2014/main" id="{4DAC451D-03DE-4FC9-8EA0-D69BBD45C470}"/>
+              </a:ext>
+            </a:extLst>
+          </p:cNvPr>
+          <p:cNvSpPr>
+            <a:spLocks noGrp="1"/>
+          </p:cNvSpPr>
+          <p:nvPr>
+            <p:ph type="dt" sz="half" idx="10"/>
+          </p:nvPr>
+        </p:nvSpPr>
+        <p:spPr/>
+        <p:txBody>
+          <a:bodyPr/>
+          <a:lstStyle/>
+          <a:p>
+            <a:pPr rtl="0"/>
+            <a:fld id="{F24FFC25-0C05-49C8-B150-3CF6B89B5C55}" type="datetime1">
+              <a:rPr lang="zh-CN" altLang="en-US" smtClean="0"/>
+              <a:t>2020/4/30</a:t>
+            </a:fld>
+            <a:endParaRPr lang="en-US" dirty="0"/>
+          </a:p>
+        </p:txBody>
+      </p:sp>
+    </p:spTree>
+    <p:extLst>
+      <p:ext uri="{BB962C8B-B14F-4D97-AF65-F5344CB8AC3E}">
+        <p14:creationId xmlns:p14="http://schemas.microsoft.com/office/powerpoint/2010/main" val="2770081583"/>
+      </p:ext>
+    </p:extLst>
+  </p:cSld>
+  <p:clrMapOvr>
+    <a:masterClrMapping/>
+  </p:clrMapOvr>
+</p:sld>
+</file>
+
+<file path=ppt/slides/slide40.xml><?xml version="1.0" encoding="utf-8"?>
 <p:sld xmlns:a="http://schemas.openxmlformats.org/drawingml/2006/main" xmlns:r="http://schemas.openxmlformats.org/officeDocument/2006/relationships" xmlns:p="http://schemas.openxmlformats.org/presentationml/2006/main">
   <p:cSld>
     <p:spTree>
@@ -22737,7 +23104,7 @@
             <a:pPr rtl="0"/>
             <a:fld id="{F24FFC25-0C05-49C8-B150-3CF6B89B5C55}" type="datetime1">
               <a:rPr lang="zh-CN" altLang="en-US" smtClean="0"/>
-              <a:t>2020/4/23</a:t>
+              <a:t>2020/4/30</a:t>
             </a:fld>
             <a:endParaRPr lang="en-US" dirty="0"/>
           </a:p>
@@ -22747,315 +23114,6 @@
     <p:extLst>
       <p:ext uri="{BB962C8B-B14F-4D97-AF65-F5344CB8AC3E}">
         <p14:creationId xmlns:p14="http://schemas.microsoft.com/office/powerpoint/2010/main" val="2352451366"/>
-      </p:ext>
-    </p:extLst>
-  </p:cSld>
-  <p:clrMapOvr>
-    <a:masterClrMapping/>
-  </p:clrMapOvr>
-</p:sld>
-</file>
-
-<file path=ppt/slides/slide4.xml><?xml version="1.0" encoding="utf-8"?>
-<p:sld xmlns:a="http://schemas.openxmlformats.org/drawingml/2006/main" xmlns:r="http://schemas.openxmlformats.org/officeDocument/2006/relationships" xmlns:p="http://schemas.openxmlformats.org/presentationml/2006/main">
-  <p:cSld>
-    <p:spTree>
-      <p:nvGrpSpPr>
-        <p:cNvPr id="1" name=""/>
-        <p:cNvGrpSpPr/>
-        <p:nvPr/>
-      </p:nvGrpSpPr>
-      <p:grpSpPr>
-        <a:xfrm>
-          <a:off x="0" y="0"/>
-          <a:ext cx="0" cy="0"/>
-          <a:chOff x="0" y="0"/>
-          <a:chExt cx="0" cy="0"/>
-        </a:xfrm>
-      </p:grpSpPr>
-      <p:sp>
-        <p:nvSpPr>
-          <p:cNvPr id="2" name="标题 1">
-            <a:extLst>
-              <a:ext uri="{FF2B5EF4-FFF2-40B4-BE49-F238E27FC236}">
-                <a16:creationId xmlns:a16="http://schemas.microsoft.com/office/drawing/2014/main" id="{C7C82C41-CCD0-412D-BE86-3FF36C3FFCC6}"/>
-              </a:ext>
-            </a:extLst>
-          </p:cNvPr>
-          <p:cNvSpPr>
-            <a:spLocks noGrp="1"/>
-          </p:cNvSpPr>
-          <p:nvPr>
-            <p:ph type="title"/>
-          </p:nvPr>
-        </p:nvSpPr>
-        <p:spPr/>
-        <p:txBody>
-          <a:bodyPr/>
-          <a:lstStyle/>
-          <a:p>
-            <a:r>
-              <a:rPr lang="zh-CN" altLang="en-US" dirty="0"/>
-              <a:t>什么是 </a:t>
-            </a:r>
-            <a:r>
-              <a:rPr lang="en-US" altLang="zh-CN" dirty="0"/>
-              <a:t>Service mesh</a:t>
-            </a:r>
-            <a:br>
-              <a:rPr lang="en-US" altLang="zh-CN" dirty="0"/>
-            </a:br>
-            <a:endParaRPr lang="zh-CN" altLang="en-US" dirty="0"/>
-          </a:p>
-        </p:txBody>
-      </p:sp>
-      <p:sp>
-        <p:nvSpPr>
-          <p:cNvPr id="3" name="内容占位符 2">
-            <a:extLst>
-              <a:ext uri="{FF2B5EF4-FFF2-40B4-BE49-F238E27FC236}">
-                <a16:creationId xmlns:a16="http://schemas.microsoft.com/office/drawing/2014/main" id="{F2ECCEAD-15FB-40EB-9CCA-255E6003336F}"/>
-              </a:ext>
-            </a:extLst>
-          </p:cNvPr>
-          <p:cNvSpPr>
-            <a:spLocks noGrp="1"/>
-          </p:cNvSpPr>
-          <p:nvPr>
-            <p:ph idx="1"/>
-          </p:nvPr>
-        </p:nvSpPr>
-        <p:spPr/>
-        <p:txBody>
-          <a:bodyPr/>
-          <a:lstStyle/>
-          <a:p>
-            <a:r>
-              <a:rPr lang="en-US" altLang="zh-CN" b="1" dirty="0"/>
-              <a:t>William Morgan</a:t>
-            </a:r>
-            <a:r>
-              <a:rPr lang="zh-CN" altLang="en-US" b="1" dirty="0"/>
-              <a:t>在</a:t>
-            </a:r>
-            <a:r>
-              <a:rPr lang="en-US" altLang="zh-CN" b="1" dirty="0">
-                <a:hlinkClick r:id="rId2"/>
-              </a:rPr>
-              <a:t>What’s a service mesh? And why do I need one?</a:t>
-            </a:r>
-            <a:r>
-              <a:rPr lang="en-US" altLang="zh-CN" b="1" dirty="0"/>
-              <a:t> </a:t>
-            </a:r>
-            <a:r>
-              <a:rPr lang="zh-CN" altLang="en-US" b="1" dirty="0"/>
-              <a:t>中是如何诠释什么是 </a:t>
-            </a:r>
-            <a:r>
-              <a:rPr lang="en-US" altLang="zh-CN" b="1" dirty="0"/>
-              <a:t>Service Mesh:</a:t>
-            </a:r>
-          </a:p>
-          <a:p>
-            <a:r>
-              <a:rPr lang="en-US" altLang="zh-CN" i="1" dirty="0"/>
-              <a:t>A service mesh is a dedicated infrastructure layer for handling service-to-service communication. It’s responsible for the reliable delivery of requests through the complex topology of services that comprise a modern, cloud native application. In practice, the service mesh is typically implemented as an array of lightweight network proxies that are deployed alongside application code, without the application needing to be aware.</a:t>
-            </a:r>
-          </a:p>
-          <a:p>
-            <a:r>
-              <a:rPr lang="en-US" altLang="zh-CN" dirty="0"/>
-              <a:t>Service Mesh </a:t>
-            </a:r>
-            <a:r>
-              <a:rPr lang="zh-CN" altLang="en-US" dirty="0"/>
-              <a:t>这个服务网络专注于处理服务和服务间的通讯。其主要负责构造一个稳定可靠的服务通讯的基础设施，并让整个架构更为的先进和 </a:t>
-            </a:r>
-            <a:r>
-              <a:rPr lang="en-US" altLang="zh-CN" dirty="0"/>
-              <a:t>Cloud Native</a:t>
-            </a:r>
-            <a:r>
-              <a:rPr lang="zh-CN" altLang="en-US" dirty="0"/>
-              <a:t>。在工程中，</a:t>
-            </a:r>
-            <a:r>
-              <a:rPr lang="en-US" altLang="zh-CN" dirty="0"/>
-              <a:t>Service Mesh </a:t>
-            </a:r>
-            <a:r>
-              <a:rPr lang="zh-CN" altLang="en-US" dirty="0"/>
-              <a:t>基本来说是一组轻量级的与应用逻辑服务部署在一起的服务代理，并且对于应用服务是透明的。</a:t>
-            </a:r>
-          </a:p>
-        </p:txBody>
-      </p:sp>
-      <p:sp>
-        <p:nvSpPr>
-          <p:cNvPr id="4" name="日期占位符 3">
-            <a:extLst>
-              <a:ext uri="{FF2B5EF4-FFF2-40B4-BE49-F238E27FC236}">
-                <a16:creationId xmlns:a16="http://schemas.microsoft.com/office/drawing/2014/main" id="{4DAC451D-03DE-4FC9-8EA0-D69BBD45C470}"/>
-              </a:ext>
-            </a:extLst>
-          </p:cNvPr>
-          <p:cNvSpPr>
-            <a:spLocks noGrp="1"/>
-          </p:cNvSpPr>
-          <p:nvPr>
-            <p:ph type="dt" sz="half" idx="10"/>
-          </p:nvPr>
-        </p:nvSpPr>
-        <p:spPr/>
-        <p:txBody>
-          <a:bodyPr/>
-          <a:lstStyle/>
-          <a:p>
-            <a:pPr rtl="0"/>
-            <a:fld id="{F24FFC25-0C05-49C8-B150-3CF6B89B5C55}" type="datetime1">
-              <a:rPr lang="zh-CN" altLang="en-US" smtClean="0"/>
-              <a:t>2020/4/23</a:t>
-            </a:fld>
-            <a:endParaRPr lang="en-US" dirty="0"/>
-          </a:p>
-        </p:txBody>
-      </p:sp>
-    </p:spTree>
-    <p:extLst>
-      <p:ext uri="{BB962C8B-B14F-4D97-AF65-F5344CB8AC3E}">
-        <p14:creationId xmlns:p14="http://schemas.microsoft.com/office/powerpoint/2010/main" val="2770081583"/>
-      </p:ext>
-    </p:extLst>
-  </p:cSld>
-  <p:clrMapOvr>
-    <a:masterClrMapping/>
-  </p:clrMapOvr>
-</p:sld>
-</file>
-
-<file path=ppt/slides/slide40.xml><?xml version="1.0" encoding="utf-8"?>
-<p:sld xmlns:a="http://schemas.openxmlformats.org/drawingml/2006/main" xmlns:r="http://schemas.openxmlformats.org/officeDocument/2006/relationships" xmlns:p="http://schemas.openxmlformats.org/presentationml/2006/main">
-  <p:cSld>
-    <p:spTree>
-      <p:nvGrpSpPr>
-        <p:cNvPr id="1" name=""/>
-        <p:cNvGrpSpPr/>
-        <p:nvPr/>
-      </p:nvGrpSpPr>
-      <p:grpSpPr>
-        <a:xfrm>
-          <a:off x="0" y="0"/>
-          <a:ext cx="0" cy="0"/>
-          <a:chOff x="0" y="0"/>
-          <a:chExt cx="0" cy="0"/>
-        </a:xfrm>
-      </p:grpSpPr>
-      <p:sp>
-        <p:nvSpPr>
-          <p:cNvPr id="2" name="标题 1">
-            <a:extLst>
-              <a:ext uri="{FF2B5EF4-FFF2-40B4-BE49-F238E27FC236}">
-                <a16:creationId xmlns:a16="http://schemas.microsoft.com/office/drawing/2014/main" id="{DF9ED0A6-C639-4C20-AEED-0171194E7822}"/>
-              </a:ext>
-            </a:extLst>
-          </p:cNvPr>
-          <p:cNvSpPr>
-            <a:spLocks noGrp="1"/>
-          </p:cNvSpPr>
-          <p:nvPr>
-            <p:ph type="title"/>
-          </p:nvPr>
-        </p:nvSpPr>
-        <p:spPr/>
-        <p:txBody>
-          <a:bodyPr/>
-          <a:lstStyle/>
-          <a:p>
-            <a:r>
-              <a:rPr lang="zh-CN" altLang="en-US" dirty="0">
-                <a:hlinkClick r:id="rId2" tooltip="如果使用服务网格，是否需要API网关？"/>
-              </a:rPr>
-              <a:t>如果使用服务网格，是否需要</a:t>
-            </a:r>
-            <a:r>
-              <a:rPr lang="en-US" altLang="zh-CN" dirty="0">
-                <a:hlinkClick r:id="rId2" tooltip="如果使用服务网格，是否需要API网关？"/>
-              </a:rPr>
-              <a:t>API</a:t>
-            </a:r>
-            <a:r>
-              <a:rPr lang="zh-CN" altLang="en-US" dirty="0">
-                <a:hlinkClick r:id="rId2" tooltip="如果使用服务网格，是否需要API网关？"/>
-              </a:rPr>
-              <a:t>网关？</a:t>
-            </a:r>
-            <a:br>
-              <a:rPr lang="zh-CN" altLang="en-US" dirty="0"/>
-            </a:br>
-            <a:endParaRPr lang="zh-CN" altLang="en-US" dirty="0"/>
-          </a:p>
-        </p:txBody>
-      </p:sp>
-      <p:sp>
-        <p:nvSpPr>
-          <p:cNvPr id="3" name="内容占位符 2">
-            <a:extLst>
-              <a:ext uri="{FF2B5EF4-FFF2-40B4-BE49-F238E27FC236}">
-                <a16:creationId xmlns:a16="http://schemas.microsoft.com/office/drawing/2014/main" id="{21CD5E06-6813-463B-BC6F-AE041044FE28}"/>
-              </a:ext>
-            </a:extLst>
-          </p:cNvPr>
-          <p:cNvSpPr>
-            <a:spLocks noGrp="1"/>
-          </p:cNvSpPr>
-          <p:nvPr>
-            <p:ph idx="1"/>
-          </p:nvPr>
-        </p:nvSpPr>
-        <p:spPr/>
-        <p:txBody>
-          <a:bodyPr/>
-          <a:lstStyle/>
-          <a:p>
-            <a:endParaRPr lang="zh-CN" altLang="en-US" dirty="0"/>
-          </a:p>
-        </p:txBody>
-      </p:sp>
-      <p:sp>
-        <p:nvSpPr>
-          <p:cNvPr id="4" name="日期占位符 3">
-            <a:extLst>
-              <a:ext uri="{FF2B5EF4-FFF2-40B4-BE49-F238E27FC236}">
-                <a16:creationId xmlns:a16="http://schemas.microsoft.com/office/drawing/2014/main" id="{F91887BD-9CB5-4527-8EAF-3B98E357FAD0}"/>
-              </a:ext>
-            </a:extLst>
-          </p:cNvPr>
-          <p:cNvSpPr>
-            <a:spLocks noGrp="1"/>
-          </p:cNvSpPr>
-          <p:nvPr>
-            <p:ph type="dt" sz="half" idx="10"/>
-          </p:nvPr>
-        </p:nvSpPr>
-        <p:spPr/>
-        <p:txBody>
-          <a:bodyPr/>
-          <a:lstStyle/>
-          <a:p>
-            <a:pPr rtl="0"/>
-            <a:fld id="{F24FFC25-0C05-49C8-B150-3CF6B89B5C55}" type="datetime1">
-              <a:rPr lang="zh-CN" altLang="en-US" smtClean="0"/>
-              <a:t>2020/4/23</a:t>
-            </a:fld>
-            <a:endParaRPr lang="en-US" dirty="0"/>
-          </a:p>
-        </p:txBody>
-      </p:sp>
-    </p:spTree>
-    <p:extLst>
-      <p:ext uri="{BB962C8B-B14F-4D97-AF65-F5344CB8AC3E}">
-        <p14:creationId xmlns:p14="http://schemas.microsoft.com/office/powerpoint/2010/main" val="3875312775"/>
       </p:ext>
     </p:extLst>
   </p:cSld>
@@ -23163,7 +23221,7 @@
             <a:pPr rtl="0"/>
             <a:fld id="{F24FFC25-0C05-49C8-B150-3CF6B89B5C55}" type="datetime1">
               <a:rPr lang="zh-CN" altLang="en-US" smtClean="0"/>
-              <a:t>2020/4/23</a:t>
+              <a:t>2020/4/30</a:t>
             </a:fld>
             <a:endParaRPr lang="en-US" dirty="0"/>
           </a:p>
@@ -23439,7 +23497,7 @@
             <a:pPr rtl="0"/>
             <a:fld id="{F24FFC25-0C05-49C8-B150-3CF6B89B5C55}" type="datetime1">
               <a:rPr lang="zh-CN" altLang="en-US" smtClean="0"/>
-              <a:t>2020/4/23</a:t>
+              <a:t>2020/4/30</a:t>
             </a:fld>
             <a:endParaRPr lang="en-US" dirty="0"/>
           </a:p>
@@ -23970,7 +24028,7 @@
             <a:pPr rtl="0"/>
             <a:fld id="{F24FFC25-0C05-49C8-B150-3CF6B89B5C55}" type="datetime1">
               <a:rPr lang="zh-CN" altLang="en-US" smtClean="0"/>
-              <a:t>2020/4/23</a:t>
+              <a:t>2020/4/30</a:t>
             </a:fld>
             <a:endParaRPr lang="en-US" dirty="0"/>
           </a:p>
@@ -24402,7 +24460,7 @@
             <a:pPr rtl="0"/>
             <a:fld id="{F24FFC25-0C05-49C8-B150-3CF6B89B5C55}" type="datetime1">
               <a:rPr lang="zh-CN" altLang="en-US" smtClean="0"/>
-              <a:t>2020/4/23</a:t>
+              <a:t>2020/4/30</a:t>
             </a:fld>
             <a:endParaRPr lang="en-US" dirty="0"/>
           </a:p>
@@ -24559,7 +24617,7 @@
             <a:pPr rtl="0"/>
             <a:fld id="{F24FFC25-0C05-49C8-B150-3CF6B89B5C55}" type="datetime1">
               <a:rPr lang="zh-CN" altLang="en-US" smtClean="0"/>
-              <a:t>2020/4/23</a:t>
+              <a:t>2020/4/30</a:t>
             </a:fld>
             <a:endParaRPr lang="en-US" dirty="0"/>
           </a:p>
@@ -24826,7 +24884,7 @@
             <a:pPr rtl="0"/>
             <a:fld id="{F24FFC25-0C05-49C8-B150-3CF6B89B5C55}" type="datetime1">
               <a:rPr lang="zh-CN" altLang="en-US" smtClean="0"/>
-              <a:t>2020/4/23</a:t>
+              <a:t>2020/4/30</a:t>
             </a:fld>
             <a:endParaRPr lang="en-US" dirty="0"/>
           </a:p>
@@ -25811,7 +25869,7 @@
             <a:pPr rtl="0"/>
             <a:fld id="{F24FFC25-0C05-49C8-B150-3CF6B89B5C55}" type="datetime1">
               <a:rPr lang="zh-CN" altLang="en-US" smtClean="0"/>
-              <a:t>2020/4/23</a:t>
+              <a:t>2020/4/30</a:t>
             </a:fld>
             <a:endParaRPr lang="en-US" dirty="0"/>
           </a:p>
@@ -26070,7 +26128,7 @@
             <a:pPr rtl="0"/>
             <a:fld id="{F24FFC25-0C05-49C8-B150-3CF6B89B5C55}" type="datetime1">
               <a:rPr lang="zh-CN" altLang="en-US" smtClean="0"/>
-              <a:t>2020/4/23</a:t>
+              <a:t>2020/4/30</a:t>
             </a:fld>
             <a:endParaRPr lang="en-US" dirty="0"/>
           </a:p>
@@ -27167,7 +27225,7 @@
             <a:pPr rtl="0"/>
             <a:fld id="{F24FFC25-0C05-49C8-B150-3CF6B89B5C55}" type="datetime1">
               <a:rPr lang="zh-CN" altLang="en-US" smtClean="0"/>
-              <a:t>2020/4/23</a:t>
+              <a:t>2020/4/30</a:t>
             </a:fld>
             <a:endParaRPr lang="en-US" dirty="0"/>
           </a:p>

--- a/files/Service Mesh.pptx
+++ b/files/Service Mesh.pptx
@@ -5,10 +5,10 @@
     <p:sldMasterId id="2147483712" r:id="rId1"/>
   </p:sldMasterIdLst>
   <p:notesMasterIdLst>
-    <p:notesMasterId r:id="rId46"/>
+    <p:notesMasterId r:id="rId48"/>
   </p:notesMasterIdLst>
   <p:handoutMasterIdLst>
-    <p:handoutMasterId r:id="rId47"/>
+    <p:handoutMasterId r:id="rId49"/>
   </p:handoutMasterIdLst>
   <p:sldIdLst>
     <p:sldId id="257" r:id="rId2"/>
@@ -41,20 +41,22 @@
     <p:sldId id="287" r:id="rId29"/>
     <p:sldId id="290" r:id="rId30"/>
     <p:sldId id="268" r:id="rId31"/>
-    <p:sldId id="300" r:id="rId32"/>
-    <p:sldId id="265" r:id="rId33"/>
-    <p:sldId id="269" r:id="rId34"/>
-    <p:sldId id="270" r:id="rId35"/>
-    <p:sldId id="271" r:id="rId36"/>
-    <p:sldId id="272" r:id="rId37"/>
-    <p:sldId id="273" r:id="rId38"/>
-    <p:sldId id="274" r:id="rId39"/>
-    <p:sldId id="275" r:id="rId40"/>
-    <p:sldId id="276" r:id="rId41"/>
-    <p:sldId id="277" r:id="rId42"/>
-    <p:sldId id="278" r:id="rId43"/>
-    <p:sldId id="280" r:id="rId44"/>
-    <p:sldId id="279" r:id="rId45"/>
+    <p:sldId id="301" r:id="rId32"/>
+    <p:sldId id="302" r:id="rId33"/>
+    <p:sldId id="300" r:id="rId34"/>
+    <p:sldId id="265" r:id="rId35"/>
+    <p:sldId id="269" r:id="rId36"/>
+    <p:sldId id="270" r:id="rId37"/>
+    <p:sldId id="271" r:id="rId38"/>
+    <p:sldId id="272" r:id="rId39"/>
+    <p:sldId id="273" r:id="rId40"/>
+    <p:sldId id="274" r:id="rId41"/>
+    <p:sldId id="275" r:id="rId42"/>
+    <p:sldId id="276" r:id="rId43"/>
+    <p:sldId id="277" r:id="rId44"/>
+    <p:sldId id="278" r:id="rId45"/>
+    <p:sldId id="280" r:id="rId46"/>
+    <p:sldId id="279" r:id="rId47"/>
   </p:sldIdLst>
   <p:sldSz cx="12192000" cy="6858000"/>
   <p:notesSz cx="6858000" cy="9144000"/>
@@ -5635,7 +5637,7 @@
             <a:pPr rtl="0"/>
             <a:fld id="{3FDE3333-857A-4131-9EBA-B73C0C259FD7}" type="datetime1">
               <a:rPr lang="zh-CN" altLang="en-US" smtClean="0"/>
-              <a:t>2020/4/30</a:t>
+              <a:t>2020/5/4</a:t>
             </a:fld>
             <a:endParaRPr lang="en-US"/>
           </a:p>
@@ -5805,7 +5807,7 @@
             <a:pPr rtl="0"/>
             <a:fld id="{8CD12D00-6AAC-4A94-B2E5-A12E9C579B03}" type="datetime1">
               <a:rPr lang="zh-CN" altLang="en-US" smtClean="0"/>
-              <a:t>2020/4/30</a:t>
+              <a:t>2020/5/4</a:t>
             </a:fld>
             <a:endParaRPr lang="en-US"/>
           </a:p>
@@ -6319,7 +6321,7 @@
             <a:pPr rtl="0"/>
             <a:fld id="{73594A98-8FB4-4076-AE7B-5D3B1A2CBC70}" type="datetime1">
               <a:rPr lang="zh-CN" altLang="en-US" smtClean="0"/>
-              <a:t>2020/4/30</a:t>
+              <a:t>2020/5/4</a:t>
             </a:fld>
             <a:endParaRPr lang="en-US" dirty="0"/>
           </a:p>
@@ -6526,7 +6528,7 @@
             <a:pPr rtl="0"/>
             <a:fld id="{B3E0F2F7-3EF1-4761-ABAF-2FA9DDE4F1A8}" type="datetime1">
               <a:rPr lang="zh-CN" altLang="en-US" smtClean="0"/>
-              <a:t>2020/4/30</a:t>
+              <a:t>2020/5/4</a:t>
             </a:fld>
             <a:endParaRPr lang="en-US" dirty="0"/>
           </a:p>
@@ -6892,7 +6894,7 @@
             <a:pPr rtl="0"/>
             <a:fld id="{D563FC6D-277D-4D53-8EB6-E41026A24247}" type="datetime1">
               <a:rPr lang="zh-CN" altLang="en-US" smtClean="0"/>
-              <a:t>2020/4/30</a:t>
+              <a:t>2020/5/4</a:t>
             </a:fld>
             <a:endParaRPr lang="en-US" dirty="0"/>
           </a:p>
@@ -7094,7 +7096,7 @@
             <a:pPr rtl="0"/>
             <a:fld id="{F24FFC25-0C05-49C8-B150-3CF6B89B5C55}" type="datetime1">
               <a:rPr lang="zh-CN" altLang="en-US" smtClean="0"/>
-              <a:t>2020/4/30</a:t>
+              <a:t>2020/5/4</a:t>
             </a:fld>
             <a:endParaRPr lang="en-US" dirty="0"/>
           </a:p>
@@ -7410,7 +7412,7 @@
             <a:pPr rtl="0"/>
             <a:fld id="{DFC14310-5240-428A-850A-F7101D16AE5A}" type="datetime1">
               <a:rPr lang="zh-CN" altLang="en-US" smtClean="0"/>
-              <a:t>2020/4/30</a:t>
+              <a:t>2020/5/4</a:t>
             </a:fld>
             <a:endParaRPr lang="en-US" dirty="0"/>
           </a:p>
@@ -7667,7 +7669,7 @@
             <a:pPr rtl="0"/>
             <a:fld id="{71F85B13-09B0-4D01-A286-57280995F924}" type="datetime1">
               <a:rPr lang="zh-CN" altLang="en-US" smtClean="0"/>
-              <a:t>2020/4/30</a:t>
+              <a:t>2020/5/4</a:t>
             </a:fld>
             <a:endParaRPr lang="en-US" dirty="0"/>
           </a:p>
@@ -8093,7 +8095,7 @@
             <a:pPr rtl="0"/>
             <a:fld id="{F411FE78-D258-4188-9C5F-198CC4CE7F12}" type="datetime1">
               <a:rPr lang="zh-CN" altLang="en-US" smtClean="0"/>
-              <a:t>2020/4/30</a:t>
+              <a:t>2020/5/4</a:t>
             </a:fld>
             <a:endParaRPr lang="en-US" dirty="0"/>
           </a:p>
@@ -8220,7 +8222,7 @@
             <a:pPr rtl="0"/>
             <a:fld id="{BE491C52-D618-41DD-80F2-22500A780186}" type="datetime1">
               <a:rPr lang="zh-CN" altLang="en-US" smtClean="0"/>
-              <a:t>2020/4/30</a:t>
+              <a:t>2020/5/4</a:t>
             </a:fld>
             <a:endParaRPr lang="en-US" dirty="0"/>
           </a:p>
@@ -8318,7 +8320,7 @@
             <a:pPr rtl="0"/>
             <a:fld id="{26EE3488-748A-4EA8-9571-9D5A1694FA0A}" type="datetime1">
               <a:rPr lang="zh-CN" altLang="en-US" smtClean="0"/>
-              <a:t>2020/4/30</a:t>
+              <a:t>2020/5/4</a:t>
             </a:fld>
             <a:endParaRPr lang="en-US" dirty="0"/>
           </a:p>
@@ -8699,7 +8701,7 @@
             <a:pPr rtl="0"/>
             <a:fld id="{D7791703-7779-4492-8183-3F96B27D2540}" type="datetime1">
               <a:rPr lang="zh-CN" altLang="en-US" smtClean="0"/>
-              <a:t>2020/4/30</a:t>
+              <a:t>2020/5/4</a:t>
             </a:fld>
             <a:endParaRPr lang="en-US" dirty="0"/>
           </a:p>
@@ -8997,7 +8999,7 @@
             <a:pPr rtl="0"/>
             <a:fld id="{D4D22F12-409A-40D9-8774-D34C978752A7}" type="datetime1">
               <a:rPr lang="zh-CN" altLang="en-US" smtClean="0"/>
-              <a:t>2020/4/30</a:t>
+              <a:t>2020/5/4</a:t>
             </a:fld>
             <a:endParaRPr lang="en-US" dirty="0"/>
           </a:p>
@@ -9216,7 +9218,7 @@
           <a:p>
             <a:fld id="{4400FF2F-BAC0-4F33-9E13-F8F6FA55A14D}" type="datetime1">
               <a:rPr lang="zh-CN" altLang="en-US" smtClean="0"/>
-              <a:t>2020/4/30</a:t>
+              <a:t>2020/5/4</a:t>
             </a:fld>
             <a:endParaRPr lang="en-US" dirty="0"/>
           </a:p>
@@ -10253,7 +10255,7 @@
             <a:pPr rtl="0"/>
             <a:fld id="{F24FFC25-0C05-49C8-B150-3CF6B89B5C55}" type="datetime1">
               <a:rPr lang="zh-CN" altLang="en-US" smtClean="0"/>
-              <a:t>2020/4/30</a:t>
+              <a:t>2020/5/4</a:t>
             </a:fld>
             <a:endParaRPr lang="en-US" dirty="0"/>
           </a:p>
@@ -10641,7 +10643,7 @@
             <a:pPr rtl="0"/>
             <a:fld id="{F24FFC25-0C05-49C8-B150-3CF6B89B5C55}" type="datetime1">
               <a:rPr lang="zh-CN" altLang="en-US" smtClean="0"/>
-              <a:t>2020/4/30</a:t>
+              <a:t>2020/5/4</a:t>
             </a:fld>
             <a:endParaRPr lang="en-US" dirty="0"/>
           </a:p>
@@ -10830,7 +10832,7 @@
             <a:pPr rtl="0"/>
             <a:fld id="{F24FFC25-0C05-49C8-B150-3CF6B89B5C55}" type="datetime1">
               <a:rPr lang="zh-CN" altLang="en-US" smtClean="0"/>
-              <a:t>2020/4/30</a:t>
+              <a:t>2020/5/4</a:t>
             </a:fld>
             <a:endParaRPr lang="en-US" dirty="0"/>
           </a:p>
@@ -11107,7 +11109,7 @@
             <a:pPr rtl="0"/>
             <a:fld id="{F24FFC25-0C05-49C8-B150-3CF6B89B5C55}" type="datetime1">
               <a:rPr lang="zh-CN" altLang="en-US" smtClean="0"/>
-              <a:t>2020/4/30</a:t>
+              <a:t>2020/5/4</a:t>
             </a:fld>
             <a:endParaRPr lang="en-US" dirty="0"/>
           </a:p>
@@ -11322,7 +11324,7 @@
             <a:pPr rtl="0"/>
             <a:fld id="{F24FFC25-0C05-49C8-B150-3CF6B89B5C55}" type="datetime1">
               <a:rPr lang="zh-CN" altLang="en-US" smtClean="0"/>
-              <a:t>2020/4/30</a:t>
+              <a:t>2020/5/4</a:t>
             </a:fld>
             <a:endParaRPr lang="en-US" dirty="0"/>
           </a:p>
@@ -11511,7 +11513,7 @@
             <a:pPr rtl="0"/>
             <a:fld id="{F24FFC25-0C05-49C8-B150-3CF6B89B5C55}" type="datetime1">
               <a:rPr lang="zh-CN" altLang="en-US" smtClean="0"/>
-              <a:t>2020/4/30</a:t>
+              <a:t>2020/5/4</a:t>
             </a:fld>
             <a:endParaRPr lang="en-US" dirty="0"/>
           </a:p>
@@ -11848,7 +11850,7 @@
             <a:pPr rtl="0"/>
             <a:fld id="{F24FFC25-0C05-49C8-B150-3CF6B89B5C55}" type="datetime1">
               <a:rPr lang="zh-CN" altLang="en-US" smtClean="0"/>
-              <a:t>2020/4/30</a:t>
+              <a:t>2020/5/4</a:t>
             </a:fld>
             <a:endParaRPr lang="en-US" dirty="0"/>
           </a:p>
@@ -12017,7 +12019,7 @@
             <a:pPr rtl="0"/>
             <a:fld id="{F24FFC25-0C05-49C8-B150-3CF6B89B5C55}" type="datetime1">
               <a:rPr lang="zh-CN" altLang="en-US" smtClean="0"/>
-              <a:t>2020/4/30</a:t>
+              <a:t>2020/5/4</a:t>
             </a:fld>
             <a:endParaRPr lang="en-US" dirty="0"/>
           </a:p>
@@ -12312,7 +12314,7 @@
             <a:pPr rtl="0"/>
             <a:fld id="{F24FFC25-0C05-49C8-B150-3CF6B89B5C55}" type="datetime1">
               <a:rPr lang="zh-CN" altLang="en-US" smtClean="0"/>
-              <a:t>2020/4/30</a:t>
+              <a:t>2020/5/4</a:t>
             </a:fld>
             <a:endParaRPr lang="en-US" dirty="0"/>
           </a:p>
@@ -12774,7 +12776,7 @@
             <a:pPr rtl="0"/>
             <a:fld id="{F24FFC25-0C05-49C8-B150-3CF6B89B5C55}" type="datetime1">
               <a:rPr lang="zh-CN" altLang="en-US" smtClean="0"/>
-              <a:t>2020/4/30</a:t>
+              <a:t>2020/5/4</a:t>
             </a:fld>
             <a:endParaRPr lang="en-US" dirty="0"/>
           </a:p>
@@ -13363,7 +13365,7 @@
             <a:pPr rtl="0"/>
             <a:fld id="{F24FFC25-0C05-49C8-B150-3CF6B89B5C55}" type="datetime1">
               <a:rPr lang="zh-CN" altLang="en-US" smtClean="0"/>
-              <a:t>2020/4/30</a:t>
+              <a:t>2020/5/4</a:t>
             </a:fld>
             <a:endParaRPr lang="en-US" dirty="0"/>
           </a:p>
@@ -13448,7 +13450,7 @@
             <a:pPr rtl="0"/>
             <a:fld id="{F24FFC25-0C05-49C8-B150-3CF6B89B5C55}" type="datetime1">
               <a:rPr lang="zh-CN" altLang="en-US" smtClean="0"/>
-              <a:t>2020/4/30</a:t>
+              <a:t>2020/5/4</a:t>
             </a:fld>
             <a:endParaRPr lang="en-US" dirty="0"/>
           </a:p>
@@ -13803,7 +13805,7 @@
             <a:pPr rtl="0"/>
             <a:fld id="{F24FFC25-0C05-49C8-B150-3CF6B89B5C55}" type="datetime1">
               <a:rPr lang="zh-CN" altLang="en-US" smtClean="0"/>
-              <a:t>2020/4/30</a:t>
+              <a:t>2020/5/4</a:t>
             </a:fld>
             <a:endParaRPr lang="en-US" dirty="0"/>
           </a:p>
@@ -13920,7 +13922,7 @@
             <a:pPr rtl="0"/>
             <a:fld id="{F24FFC25-0C05-49C8-B150-3CF6B89B5C55}" type="datetime1">
               <a:rPr lang="zh-CN" altLang="en-US" smtClean="0"/>
-              <a:t>2020/4/30</a:t>
+              <a:t>2020/5/4</a:t>
             </a:fld>
             <a:endParaRPr lang="en-US" dirty="0"/>
           </a:p>
@@ -14302,7 +14304,7 @@
             <a:pPr rtl="0"/>
             <a:fld id="{F24FFC25-0C05-49C8-B150-3CF6B89B5C55}" type="datetime1">
               <a:rPr lang="zh-CN" altLang="en-US" smtClean="0"/>
-              <a:t>2020/4/30</a:t>
+              <a:t>2020/5/4</a:t>
             </a:fld>
             <a:endParaRPr lang="en-US" dirty="0"/>
           </a:p>
@@ -14406,7 +14408,7 @@
             <a:pPr rtl="0"/>
             <a:fld id="{F24FFC25-0C05-49C8-B150-3CF6B89B5C55}" type="datetime1">
               <a:rPr lang="zh-CN" altLang="en-US" smtClean="0"/>
-              <a:t>2020/4/30</a:t>
+              <a:t>2020/5/4</a:t>
             </a:fld>
             <a:endParaRPr lang="en-US" dirty="0"/>
           </a:p>
@@ -14780,7 +14782,7 @@
             <a:pPr rtl="0"/>
             <a:fld id="{F24FFC25-0C05-49C8-B150-3CF6B89B5C55}" type="datetime1">
               <a:rPr lang="zh-CN" altLang="en-US" smtClean="0"/>
-              <a:t>2020/4/30</a:t>
+              <a:t>2020/5/4</a:t>
             </a:fld>
             <a:endParaRPr lang="en-US" dirty="0"/>
           </a:p>
@@ -15068,7 +15070,7 @@
             <a:pPr rtl="0"/>
             <a:fld id="{F24FFC25-0C05-49C8-B150-3CF6B89B5C55}" type="datetime1">
               <a:rPr lang="zh-CN" altLang="en-US" smtClean="0"/>
-              <a:t>2020/4/30</a:t>
+              <a:t>2020/5/4</a:t>
             </a:fld>
             <a:endParaRPr lang="en-US" dirty="0"/>
           </a:p>
@@ -15329,7 +15331,7 @@
             <a:pPr rtl="0"/>
             <a:fld id="{F24FFC25-0C05-49C8-B150-3CF6B89B5C55}" type="datetime1">
               <a:rPr lang="zh-CN" altLang="en-US" smtClean="0"/>
-              <a:t>2020/4/30</a:t>
+              <a:t>2020/5/4</a:t>
             </a:fld>
             <a:endParaRPr lang="en-US" dirty="0"/>
           </a:p>
@@ -15389,7 +15391,7 @@
             <a:pPr rtl="0"/>
             <a:fld id="{F24FFC25-0C05-49C8-B150-3CF6B89B5C55}" type="datetime1">
               <a:rPr lang="zh-CN" altLang="en-US" smtClean="0"/>
-              <a:t>2020/4/30</a:t>
+              <a:t>2020/5/4</a:t>
             </a:fld>
             <a:endParaRPr lang="en-US" dirty="0"/>
           </a:p>
@@ -15874,7 +15876,7 @@
             <a:pPr rtl="0"/>
             <a:fld id="{F24FFC25-0C05-49C8-B150-3CF6B89B5C55}" type="datetime1">
               <a:rPr lang="zh-CN" altLang="en-US" smtClean="0"/>
-              <a:t>2020/4/30</a:t>
+              <a:t>2020/5/4</a:t>
             </a:fld>
             <a:endParaRPr lang="en-US" dirty="0"/>
           </a:p>
@@ -15972,9 +15974,16 @@
             <p:ph idx="1"/>
           </p:nvPr>
         </p:nvSpPr>
-        <p:spPr/>
+        <p:spPr>
+          <a:xfrm>
+            <a:off x="581192" y="1689463"/>
+            <a:ext cx="11029615" cy="4859383"/>
+          </a:xfrm>
+        </p:spPr>
         <p:txBody>
-          <a:bodyPr/>
+          <a:bodyPr>
+            <a:normAutofit/>
+          </a:bodyPr>
           <a:lstStyle/>
           <a:p>
             <a:r>
@@ -16027,10 +16036,131 @@
               <a:rPr lang="zh-CN" altLang="en-US" dirty="0"/>
               <a:t>的形式暴露（给系统外部），以实现业务功能</a:t>
             </a:r>
-          </a:p>
-          <a:p>
-            <a:r>
-              <a:rPr lang="en-US" altLang="zh-CN">
+            <a:endParaRPr lang="en-US" altLang="zh-CN" dirty="0"/>
+          </a:p>
+          <a:p>
+            <a:r>
+              <a:rPr lang="zh-CN" altLang="en-US" dirty="0"/>
+              <a:t>从功能和职责上说：</a:t>
+            </a:r>
+          </a:p>
+          <a:p>
+            <a:pPr lvl="1"/>
+            <a:r>
+              <a:rPr lang="zh-CN" altLang="en-US" dirty="0"/>
+              <a:t>位于最底层的是拆分好的原子微服务，以服务的形式提供各种能力</a:t>
+            </a:r>
+          </a:p>
+          <a:p>
+            <a:pPr lvl="1"/>
+            <a:r>
+              <a:rPr lang="zh-CN" altLang="en-US" dirty="0"/>
+              <a:t>在原子微服务上是（可选的）组合服务，某些场景下需要将若干微服务的能力组合起来形成新的服务</a:t>
+            </a:r>
+          </a:p>
+          <a:p>
+            <a:pPr lvl="1"/>
+            <a:r>
+              <a:rPr lang="zh-CN" altLang="en-US" dirty="0"/>
+              <a:t>原子微服务和组合服务部署于 </a:t>
+            </a:r>
+            <a:r>
+              <a:rPr lang="zh-CN" altLang="en-US" b="1" dirty="0"/>
+              <a:t>系统内部</a:t>
+            </a:r>
+            <a:r>
+              <a:rPr lang="zh-CN" altLang="en-US" dirty="0"/>
+              <a:t>，在采用</a:t>
+            </a:r>
+            <a:r>
+              <a:rPr lang="en-US" altLang="zh-CN" dirty="0"/>
+              <a:t>Service Mesh</a:t>
+            </a:r>
+            <a:r>
+              <a:rPr lang="zh-CN" altLang="en-US" dirty="0"/>
+              <a:t>的情况下，由</a:t>
+            </a:r>
+            <a:r>
+              <a:rPr lang="en-US" altLang="zh-CN" dirty="0"/>
+              <a:t>Service Mesh</a:t>
+            </a:r>
+            <a:r>
+              <a:rPr lang="zh-CN" altLang="en-US" dirty="0"/>
+              <a:t>提供服务间通讯的能力</a:t>
+            </a:r>
+          </a:p>
+          <a:p>
+            <a:pPr lvl="1"/>
+            <a:r>
+              <a:rPr lang="en-US" altLang="zh-CN" dirty="0"/>
+              <a:t>API Gateway</a:t>
+            </a:r>
+            <a:r>
+              <a:rPr lang="zh-CN" altLang="en-US" dirty="0"/>
+              <a:t>用于将系统内部的这些服务暴露给 </a:t>
+            </a:r>
+            <a:r>
+              <a:rPr lang="zh-CN" altLang="en-US" b="1" dirty="0"/>
+              <a:t>系统外部</a:t>
+            </a:r>
+            <a:r>
+              <a:rPr lang="zh-CN" altLang="en-US" dirty="0"/>
+              <a:t>，以</a:t>
+            </a:r>
+            <a:r>
+              <a:rPr lang="en-US" altLang="zh-CN" dirty="0"/>
+              <a:t>API</a:t>
+            </a:r>
+            <a:r>
+              <a:rPr lang="zh-CN" altLang="en-US" dirty="0"/>
+              <a:t>的形式接受外部请求。</a:t>
+            </a:r>
+          </a:p>
+          <a:p>
+            <a:r>
+              <a:rPr lang="zh-CN" altLang="en-US" dirty="0"/>
+              <a:t>从部署上说：</a:t>
+            </a:r>
+          </a:p>
+          <a:p>
+            <a:pPr lvl="1"/>
+            <a:r>
+              <a:rPr lang="en-US" altLang="zh-CN" dirty="0"/>
+              <a:t>Service Mesh</a:t>
+            </a:r>
+            <a:r>
+              <a:rPr lang="zh-CN" altLang="en-US" dirty="0"/>
+              <a:t>部署在系统内部：因为原子微服务和组合服务通常不会直接暴露给外部系统</a:t>
+            </a:r>
+          </a:p>
+          <a:p>
+            <a:pPr lvl="1"/>
+            <a:r>
+              <a:rPr lang="en-US" altLang="zh-CN" dirty="0"/>
+              <a:t>API Gateway</a:t>
+            </a:r>
+            <a:r>
+              <a:rPr lang="zh-CN" altLang="en-US" dirty="0"/>
+              <a:t>部署在系统的边缘：一方面暴露在系统之外，对外提供</a:t>
+            </a:r>
+            <a:r>
+              <a:rPr lang="en-US" altLang="zh-CN" dirty="0"/>
+              <a:t>API</a:t>
+            </a:r>
+            <a:r>
+              <a:rPr lang="zh-CN" altLang="en-US" dirty="0"/>
+              <a:t>供外部系统访问；一方面部署在系统内部，以访问内部的各种服务。</a:t>
+            </a:r>
+          </a:p>
+          <a:p>
+            <a:pPr marL="324000" lvl="1" indent="0">
+              <a:buNone/>
+            </a:pPr>
+            <a:endParaRPr lang="zh-CN" altLang="en-US" dirty="0"/>
+          </a:p>
+          <a:p>
+            <a:r>
+              <a:rPr lang="en-US" altLang="zh-CN" dirty="0">
                 <a:hlinkClick r:id="rId3"/>
               </a:rPr>
               <a:t>https://www.servicemesher.com/blog/service-mesh-and-api-gateway/</a:t>
@@ -16063,7 +16193,7 @@
             <a:pPr rtl="0"/>
             <a:fld id="{F24FFC25-0C05-49C8-B150-3CF6B89B5C55}" type="datetime1">
               <a:rPr lang="zh-CN" altLang="en-US" smtClean="0"/>
-              <a:t>2020/4/30</a:t>
+              <a:t>2020/5/4</a:t>
             </a:fld>
             <a:endParaRPr lang="en-US" dirty="0"/>
           </a:p>
@@ -16083,6 +16213,196 @@
 </file>
 
 <file path=ppt/slides/slide31.xml><?xml version="1.0" encoding="utf-8"?>
+<p:sld xmlns:a="http://schemas.openxmlformats.org/drawingml/2006/main" xmlns:r="http://schemas.openxmlformats.org/officeDocument/2006/relationships" xmlns:p="http://schemas.openxmlformats.org/presentationml/2006/main">
+  <p:cSld>
+    <p:spTree>
+      <p:nvGrpSpPr>
+        <p:cNvPr id="1" name=""/>
+        <p:cNvGrpSpPr/>
+        <p:nvPr/>
+      </p:nvGrpSpPr>
+      <p:grpSpPr>
+        <a:xfrm>
+          <a:off x="0" y="0"/>
+          <a:ext cx="0" cy="0"/>
+          <a:chOff x="0" y="0"/>
+          <a:chExt cx="0" cy="0"/>
+        </a:xfrm>
+      </p:grpSpPr>
+      <p:pic>
+        <p:nvPicPr>
+          <p:cNvPr id="6" name="内容占位符 5">
+            <a:extLst>
+              <a:ext uri="{FF2B5EF4-FFF2-40B4-BE49-F238E27FC236}">
+                <a16:creationId xmlns:a16="http://schemas.microsoft.com/office/drawing/2014/main" id="{C05645A9-4458-4C93-85EE-61D211E27DA7}"/>
+              </a:ext>
+            </a:extLst>
+          </p:cNvPr>
+          <p:cNvPicPr>
+            <a:picLocks noGrp="1" noChangeAspect="1"/>
+          </p:cNvPicPr>
+          <p:nvPr>
+            <p:ph idx="1"/>
+          </p:nvPr>
+        </p:nvPicPr>
+        <p:blipFill>
+          <a:blip r:embed="rId2">
+            <a:extLst>
+              <a:ext uri="{28A0092B-C50C-407E-A947-70E740481C1C}">
+                <a14:useLocalDpi xmlns:a14="http://schemas.microsoft.com/office/drawing/2010/main" val="0"/>
+              </a:ext>
+            </a:extLst>
+          </a:blip>
+          <a:stretch>
+            <a:fillRect/>
+          </a:stretch>
+        </p:blipFill>
+        <p:spPr>
+          <a:xfrm>
+            <a:off x="1077427" y="1757880"/>
+            <a:ext cx="9717880" cy="3633787"/>
+          </a:xfrm>
+        </p:spPr>
+      </p:pic>
+      <p:sp>
+        <p:nvSpPr>
+          <p:cNvPr id="4" name="日期占位符 3">
+            <a:extLst>
+              <a:ext uri="{FF2B5EF4-FFF2-40B4-BE49-F238E27FC236}">
+                <a16:creationId xmlns:a16="http://schemas.microsoft.com/office/drawing/2014/main" id="{499E2315-6AD8-4749-AC46-6217C791CCF9}"/>
+              </a:ext>
+            </a:extLst>
+          </p:cNvPr>
+          <p:cNvSpPr>
+            <a:spLocks noGrp="1"/>
+          </p:cNvSpPr>
+          <p:nvPr>
+            <p:ph type="dt" sz="half" idx="10"/>
+          </p:nvPr>
+        </p:nvSpPr>
+        <p:spPr/>
+        <p:txBody>
+          <a:bodyPr/>
+          <a:lstStyle/>
+          <a:p>
+            <a:pPr rtl="0"/>
+            <a:fld id="{F24FFC25-0C05-49C8-B150-3CF6B89B5C55}" type="datetime1">
+              <a:rPr lang="zh-CN" altLang="en-US" smtClean="0"/>
+              <a:t>2020/5/4</a:t>
+            </a:fld>
+            <a:endParaRPr lang="en-US" dirty="0"/>
+          </a:p>
+        </p:txBody>
+      </p:sp>
+    </p:spTree>
+    <p:extLst>
+      <p:ext uri="{BB962C8B-B14F-4D97-AF65-F5344CB8AC3E}">
+        <p14:creationId xmlns:p14="http://schemas.microsoft.com/office/powerpoint/2010/main" val="3227035480"/>
+      </p:ext>
+    </p:extLst>
+  </p:cSld>
+  <p:clrMapOvr>
+    <a:masterClrMapping/>
+  </p:clrMapOvr>
+</p:sld>
+</file>
+
+<file path=ppt/slides/slide32.xml><?xml version="1.0" encoding="utf-8"?>
+<p:sld xmlns:a="http://schemas.openxmlformats.org/drawingml/2006/main" xmlns:r="http://schemas.openxmlformats.org/officeDocument/2006/relationships" xmlns:p="http://schemas.openxmlformats.org/presentationml/2006/main">
+  <p:cSld>
+    <p:spTree>
+      <p:nvGrpSpPr>
+        <p:cNvPr id="1" name=""/>
+        <p:cNvGrpSpPr/>
+        <p:nvPr/>
+      </p:nvGrpSpPr>
+      <p:grpSpPr>
+        <a:xfrm>
+          <a:off x="0" y="0"/>
+          <a:ext cx="0" cy="0"/>
+          <a:chOff x="0" y="0"/>
+          <a:chExt cx="0" cy="0"/>
+        </a:xfrm>
+      </p:grpSpPr>
+      <p:pic>
+        <p:nvPicPr>
+          <p:cNvPr id="6" name="内容占位符 5">
+            <a:extLst>
+              <a:ext uri="{FF2B5EF4-FFF2-40B4-BE49-F238E27FC236}">
+                <a16:creationId xmlns:a16="http://schemas.microsoft.com/office/drawing/2014/main" id="{CDA8E60E-DA23-4DB9-8A9A-1E1D7B802F67}"/>
+              </a:ext>
+            </a:extLst>
+          </p:cNvPr>
+          <p:cNvPicPr>
+            <a:picLocks noGrp="1" noChangeAspect="1"/>
+          </p:cNvPicPr>
+          <p:nvPr>
+            <p:ph idx="1"/>
+          </p:nvPr>
+        </p:nvPicPr>
+        <p:blipFill>
+          <a:blip r:embed="rId2">
+            <a:extLst>
+              <a:ext uri="{28A0092B-C50C-407E-A947-70E740481C1C}">
+                <a14:useLocalDpi xmlns:a14="http://schemas.microsoft.com/office/drawing/2010/main" val="0"/>
+              </a:ext>
+            </a:extLst>
+          </a:blip>
+          <a:stretch>
+            <a:fillRect/>
+          </a:stretch>
+        </p:blipFill>
+        <p:spPr>
+          <a:xfrm>
+            <a:off x="1653089" y="1612106"/>
+            <a:ext cx="8488255" cy="3633787"/>
+          </a:xfrm>
+        </p:spPr>
+      </p:pic>
+      <p:sp>
+        <p:nvSpPr>
+          <p:cNvPr id="4" name="日期占位符 3">
+            <a:extLst>
+              <a:ext uri="{FF2B5EF4-FFF2-40B4-BE49-F238E27FC236}">
+                <a16:creationId xmlns:a16="http://schemas.microsoft.com/office/drawing/2014/main" id="{253473D3-8445-4F55-A3B1-49766ABBDCA0}"/>
+              </a:ext>
+            </a:extLst>
+          </p:cNvPr>
+          <p:cNvSpPr>
+            <a:spLocks noGrp="1"/>
+          </p:cNvSpPr>
+          <p:nvPr>
+            <p:ph type="dt" sz="half" idx="10"/>
+          </p:nvPr>
+        </p:nvSpPr>
+        <p:spPr/>
+        <p:txBody>
+          <a:bodyPr/>
+          <a:lstStyle/>
+          <a:p>
+            <a:pPr rtl="0"/>
+            <a:fld id="{F24FFC25-0C05-49C8-B150-3CF6B89B5C55}" type="datetime1">
+              <a:rPr lang="zh-CN" altLang="en-US" smtClean="0"/>
+              <a:t>2020/5/4</a:t>
+            </a:fld>
+            <a:endParaRPr lang="en-US" dirty="0"/>
+          </a:p>
+        </p:txBody>
+      </p:sp>
+    </p:spTree>
+    <p:extLst>
+      <p:ext uri="{BB962C8B-B14F-4D97-AF65-F5344CB8AC3E}">
+        <p14:creationId xmlns:p14="http://schemas.microsoft.com/office/powerpoint/2010/main" val="168342448"/>
+      </p:ext>
+    </p:extLst>
+  </p:cSld>
+  <p:clrMapOvr>
+    <a:masterClrMapping/>
+  </p:clrMapOvr>
+</p:sld>
+</file>
+
+<file path=ppt/slides/slide33.xml><?xml version="1.0" encoding="utf-8"?>
 <p:sld xmlns:a="http://schemas.openxmlformats.org/drawingml/2006/main" xmlns:r="http://schemas.openxmlformats.org/officeDocument/2006/relationships" xmlns:p="http://schemas.openxmlformats.org/presentationml/2006/main">
   <p:cSld>
     <p:spTree>
@@ -16170,7 +16490,7 @@
             <a:pPr rtl="0"/>
             <a:fld id="{F24FFC25-0C05-49C8-B150-3CF6B89B5C55}" type="datetime1">
               <a:rPr lang="zh-CN" altLang="en-US" smtClean="0"/>
-              <a:t>2020/4/30</a:t>
+              <a:t>2020/5/4</a:t>
             </a:fld>
             <a:endParaRPr lang="en-US" dirty="0"/>
           </a:p>
@@ -16189,7 +16509,7 @@
 </p:sld>
 </file>
 
-<file path=ppt/slides/slide32.xml><?xml version="1.0" encoding="utf-8"?>
+<file path=ppt/slides/slide34.xml><?xml version="1.0" encoding="utf-8"?>
 <p:sld xmlns:a="http://schemas.openxmlformats.org/drawingml/2006/main" xmlns:r="http://schemas.openxmlformats.org/officeDocument/2006/relationships" xmlns:p="http://schemas.openxmlformats.org/presentationml/2006/main">
   <p:cSld>
     <p:spTree>
@@ -16682,7 +17002,7 @@
             <a:pPr rtl="0"/>
             <a:fld id="{F24FFC25-0C05-49C8-B150-3CF6B89B5C55}" type="datetime1">
               <a:rPr lang="zh-CN" altLang="en-US" smtClean="0"/>
-              <a:t>2020/4/30</a:t>
+              <a:t>2020/5/4</a:t>
             </a:fld>
             <a:endParaRPr lang="en-US" dirty="0"/>
           </a:p>
@@ -16701,7 +17021,7 @@
 </p:sld>
 </file>
 
-<file path=ppt/slides/slide33.xml><?xml version="1.0" encoding="utf-8"?>
+<file path=ppt/slides/slide35.xml><?xml version="1.0" encoding="utf-8"?>
 <p:sld xmlns:a="http://schemas.openxmlformats.org/drawingml/2006/main" xmlns:r="http://schemas.openxmlformats.org/officeDocument/2006/relationships" xmlns:p="http://schemas.openxmlformats.org/presentationml/2006/main">
   <p:cSld>
     <p:spTree>
@@ -16830,7 +17150,7 @@
             <a:pPr rtl="0"/>
             <a:fld id="{F24FFC25-0C05-49C8-B150-3CF6B89B5C55}" type="datetime1">
               <a:rPr lang="zh-CN" altLang="en-US" smtClean="0"/>
-              <a:t>2020/4/30</a:t>
+              <a:t>2020/5/4</a:t>
             </a:fld>
             <a:endParaRPr lang="en-US" dirty="0"/>
           </a:p>
@@ -16849,7 +17169,7 @@
 </p:sld>
 </file>
 
-<file path=ppt/slides/slide34.xml><?xml version="1.0" encoding="utf-8"?>
+<file path=ppt/slides/slide36.xml><?xml version="1.0" encoding="utf-8"?>
 <p:sld xmlns:a="http://schemas.openxmlformats.org/drawingml/2006/main" xmlns:r="http://schemas.openxmlformats.org/officeDocument/2006/relationships" xmlns:p="http://schemas.openxmlformats.org/presentationml/2006/main">
   <p:cSld>
     <p:spTree>
@@ -17153,7 +17473,7 @@
             <a:pPr rtl="0"/>
             <a:fld id="{F24FFC25-0C05-49C8-B150-3CF6B89B5C55}" type="datetime1">
               <a:rPr lang="zh-CN" altLang="en-US" smtClean="0"/>
-              <a:t>2020/4/30</a:t>
+              <a:t>2020/5/4</a:t>
             </a:fld>
             <a:endParaRPr lang="en-US" dirty="0"/>
           </a:p>
@@ -17172,7 +17492,7 @@
 </p:sld>
 </file>
 
-<file path=ppt/slides/slide35.xml><?xml version="1.0" encoding="utf-8"?>
+<file path=ppt/slides/slide37.xml><?xml version="1.0" encoding="utf-8"?>
 <p:sld xmlns:a="http://schemas.openxmlformats.org/drawingml/2006/main" xmlns:r="http://schemas.openxmlformats.org/officeDocument/2006/relationships" xmlns:p="http://schemas.openxmlformats.org/presentationml/2006/main">
   <p:cSld>
     <p:spTree>
@@ -17733,7 +18053,7 @@
             <a:pPr rtl="0"/>
             <a:fld id="{F24FFC25-0C05-49C8-B150-3CF6B89B5C55}" type="datetime1">
               <a:rPr lang="zh-CN" altLang="en-US" smtClean="0"/>
-              <a:t>2020/4/30</a:t>
+              <a:t>2020/5/4</a:t>
             </a:fld>
             <a:endParaRPr lang="en-US" dirty="0"/>
           </a:p>
@@ -17752,7 +18072,7 @@
 </p:sld>
 </file>
 
-<file path=ppt/slides/slide36.xml><?xml version="1.0" encoding="utf-8"?>
+<file path=ppt/slides/slide38.xml><?xml version="1.0" encoding="utf-8"?>
 <p:sld xmlns:a="http://schemas.openxmlformats.org/drawingml/2006/main" xmlns:r="http://schemas.openxmlformats.org/officeDocument/2006/relationships" xmlns:p="http://schemas.openxmlformats.org/presentationml/2006/main">
   <p:cSld>
     <p:spTree>
@@ -17827,7 +18147,7 @@
             <a:pPr rtl="0"/>
             <a:fld id="{F24FFC25-0C05-49C8-B150-3CF6B89B5C55}" type="datetime1">
               <a:rPr lang="zh-CN" altLang="en-US" smtClean="0"/>
-              <a:t>2020/4/30</a:t>
+              <a:t>2020/5/4</a:t>
             </a:fld>
             <a:endParaRPr lang="en-US" dirty="0"/>
           </a:p>
@@ -18602,7 +18922,7 @@
 </p:sld>
 </file>
 
-<file path=ppt/slides/slide37.xml><?xml version="1.0" encoding="utf-8"?>
+<file path=ppt/slides/slide39.xml><?xml version="1.0" encoding="utf-8"?>
 <p:sld xmlns:a="http://schemas.openxmlformats.org/drawingml/2006/main" xmlns:r="http://schemas.openxmlformats.org/officeDocument/2006/relationships" xmlns:p="http://schemas.openxmlformats.org/presentationml/2006/main">
   <p:cSld>
     <p:spTree>
@@ -19663,7 +19983,7 @@
             <a:pPr rtl="0"/>
             <a:fld id="{F24FFC25-0C05-49C8-B150-3CF6B89B5C55}" type="datetime1">
               <a:rPr lang="zh-CN" altLang="en-US" smtClean="0"/>
-              <a:t>2020/4/30</a:t>
+              <a:t>2020/5/4</a:t>
             </a:fld>
             <a:endParaRPr lang="en-US" dirty="0"/>
           </a:p>
@@ -19682,7 +20002,185 @@
 </p:sld>
 </file>
 
-<file path=ppt/slides/slide38.xml><?xml version="1.0" encoding="utf-8"?>
+<file path=ppt/slides/slide4.xml><?xml version="1.0" encoding="utf-8"?>
+<p:sld xmlns:a="http://schemas.openxmlformats.org/drawingml/2006/main" xmlns:r="http://schemas.openxmlformats.org/officeDocument/2006/relationships" xmlns:p="http://schemas.openxmlformats.org/presentationml/2006/main">
+  <p:cSld>
+    <p:spTree>
+      <p:nvGrpSpPr>
+        <p:cNvPr id="1" name=""/>
+        <p:cNvGrpSpPr/>
+        <p:nvPr/>
+      </p:nvGrpSpPr>
+      <p:grpSpPr>
+        <a:xfrm>
+          <a:off x="0" y="0"/>
+          <a:ext cx="0" cy="0"/>
+          <a:chOff x="0" y="0"/>
+          <a:chExt cx="0" cy="0"/>
+        </a:xfrm>
+      </p:grpSpPr>
+      <p:sp>
+        <p:nvSpPr>
+          <p:cNvPr id="2" name="标题 1">
+            <a:extLst>
+              <a:ext uri="{FF2B5EF4-FFF2-40B4-BE49-F238E27FC236}">
+                <a16:creationId xmlns:a16="http://schemas.microsoft.com/office/drawing/2014/main" id="{C7C82C41-CCD0-412D-BE86-3FF36C3FFCC6}"/>
+              </a:ext>
+            </a:extLst>
+          </p:cNvPr>
+          <p:cNvSpPr>
+            <a:spLocks noGrp="1"/>
+          </p:cNvSpPr>
+          <p:nvPr>
+            <p:ph type="title"/>
+          </p:nvPr>
+        </p:nvSpPr>
+        <p:spPr/>
+        <p:txBody>
+          <a:bodyPr/>
+          <a:lstStyle/>
+          <a:p>
+            <a:r>
+              <a:rPr lang="zh-CN" altLang="en-US" dirty="0"/>
+              <a:t>什么是 </a:t>
+            </a:r>
+            <a:r>
+              <a:rPr lang="en-US" altLang="zh-CN" dirty="0"/>
+              <a:t>Service mesh</a:t>
+            </a:r>
+            <a:br>
+              <a:rPr lang="en-US" altLang="zh-CN" dirty="0"/>
+            </a:br>
+            <a:endParaRPr lang="zh-CN" altLang="en-US" dirty="0"/>
+          </a:p>
+        </p:txBody>
+      </p:sp>
+      <p:sp>
+        <p:nvSpPr>
+          <p:cNvPr id="3" name="内容占位符 2">
+            <a:extLst>
+              <a:ext uri="{FF2B5EF4-FFF2-40B4-BE49-F238E27FC236}">
+                <a16:creationId xmlns:a16="http://schemas.microsoft.com/office/drawing/2014/main" id="{F2ECCEAD-15FB-40EB-9CCA-255E6003336F}"/>
+              </a:ext>
+            </a:extLst>
+          </p:cNvPr>
+          <p:cNvSpPr>
+            <a:spLocks noGrp="1"/>
+          </p:cNvSpPr>
+          <p:nvPr>
+            <p:ph idx="1"/>
+          </p:nvPr>
+        </p:nvSpPr>
+        <p:spPr/>
+        <p:txBody>
+          <a:bodyPr/>
+          <a:lstStyle/>
+          <a:p>
+            <a:r>
+              <a:rPr lang="en-US" altLang="zh-CN" b="1" dirty="0"/>
+              <a:t>William Morgan</a:t>
+            </a:r>
+            <a:r>
+              <a:rPr lang="zh-CN" altLang="en-US" b="1" dirty="0"/>
+              <a:t>在</a:t>
+            </a:r>
+            <a:r>
+              <a:rPr lang="en-US" altLang="zh-CN" b="1" dirty="0">
+                <a:hlinkClick r:id="rId2"/>
+              </a:rPr>
+              <a:t>What’s a service mesh? And why do I need one?</a:t>
+            </a:r>
+            <a:r>
+              <a:rPr lang="en-US" altLang="zh-CN" b="1" dirty="0"/>
+              <a:t> </a:t>
+            </a:r>
+            <a:r>
+              <a:rPr lang="zh-CN" altLang="en-US" b="1" dirty="0"/>
+              <a:t>中是如何诠释什么是 </a:t>
+            </a:r>
+            <a:r>
+              <a:rPr lang="en-US" altLang="zh-CN" b="1" dirty="0"/>
+              <a:t>Service Mesh:</a:t>
+            </a:r>
+          </a:p>
+          <a:p>
+            <a:r>
+              <a:rPr lang="en-US" altLang="zh-CN" i="1" dirty="0"/>
+              <a:t>A service mesh is a dedicated infrastructure layer for handling service-to-service communication. It’s responsible for the reliable delivery of requests through the complex topology of services that comprise a modern, cloud native application. In practice, the service mesh is typically implemented as an array of lightweight network proxies that are deployed alongside application code, without the application needing to be aware.</a:t>
+            </a:r>
+          </a:p>
+          <a:p>
+            <a:r>
+              <a:rPr lang="en-US" altLang="zh-CN" dirty="0"/>
+              <a:t>Service Mesh </a:t>
+            </a:r>
+            <a:r>
+              <a:rPr lang="zh-CN" altLang="en-US" dirty="0"/>
+              <a:t>这个服务网络专注于处理服务和服务间的通讯。其主要负责构造一个稳定可靠的服务通讯的基础设施，并让整个架构更为的先进和 </a:t>
+            </a:r>
+            <a:r>
+              <a:rPr lang="en-US" altLang="zh-CN" dirty="0"/>
+              <a:t>Cloud Native</a:t>
+            </a:r>
+            <a:r>
+              <a:rPr lang="zh-CN" altLang="en-US" dirty="0"/>
+              <a:t>。在工程中，</a:t>
+            </a:r>
+            <a:r>
+              <a:rPr lang="en-US" altLang="zh-CN" dirty="0"/>
+              <a:t>Service Mesh </a:t>
+            </a:r>
+            <a:r>
+              <a:rPr lang="zh-CN" altLang="en-US" dirty="0"/>
+              <a:t>基本来说是一组轻量级的与应用逻辑服务部署在一起的服务代理，并且对于应用服务是透明的。</a:t>
+            </a:r>
+          </a:p>
+        </p:txBody>
+      </p:sp>
+      <p:sp>
+        <p:nvSpPr>
+          <p:cNvPr id="4" name="日期占位符 3">
+            <a:extLst>
+              <a:ext uri="{FF2B5EF4-FFF2-40B4-BE49-F238E27FC236}">
+                <a16:creationId xmlns:a16="http://schemas.microsoft.com/office/drawing/2014/main" id="{4DAC451D-03DE-4FC9-8EA0-D69BBD45C470}"/>
+              </a:ext>
+            </a:extLst>
+          </p:cNvPr>
+          <p:cNvSpPr>
+            <a:spLocks noGrp="1"/>
+          </p:cNvSpPr>
+          <p:nvPr>
+            <p:ph type="dt" sz="half" idx="10"/>
+          </p:nvPr>
+        </p:nvSpPr>
+        <p:spPr/>
+        <p:txBody>
+          <a:bodyPr/>
+          <a:lstStyle/>
+          <a:p>
+            <a:pPr rtl="0"/>
+            <a:fld id="{F24FFC25-0C05-49C8-B150-3CF6B89B5C55}" type="datetime1">
+              <a:rPr lang="zh-CN" altLang="en-US" smtClean="0"/>
+              <a:t>2020/5/4</a:t>
+            </a:fld>
+            <a:endParaRPr lang="en-US" dirty="0"/>
+          </a:p>
+        </p:txBody>
+      </p:sp>
+    </p:spTree>
+    <p:extLst>
+      <p:ext uri="{BB962C8B-B14F-4D97-AF65-F5344CB8AC3E}">
+        <p14:creationId xmlns:p14="http://schemas.microsoft.com/office/powerpoint/2010/main" val="2770081583"/>
+      </p:ext>
+    </p:extLst>
+  </p:cSld>
+  <p:clrMapOvr>
+    <a:masterClrMapping/>
+  </p:clrMapOvr>
+</p:sld>
+</file>
+
+<file path=ppt/slides/slide40.xml><?xml version="1.0" encoding="utf-8"?>
 <p:sld xmlns:a="http://schemas.openxmlformats.org/drawingml/2006/main" xmlns:r="http://schemas.openxmlformats.org/officeDocument/2006/relationships" xmlns:p="http://schemas.openxmlformats.org/presentationml/2006/main">
   <p:cSld>
     <p:spTree>
@@ -20506,7 +21004,7 @@
             <a:pPr rtl="0"/>
             <a:fld id="{F24FFC25-0C05-49C8-B150-3CF6B89B5C55}" type="datetime1">
               <a:rPr lang="zh-CN" altLang="en-US" smtClean="0"/>
-              <a:t>2020/4/30</a:t>
+              <a:t>2020/5/4</a:t>
             </a:fld>
             <a:endParaRPr lang="en-US" dirty="0"/>
           </a:p>
@@ -20525,7 +21023,7 @@
 </p:sld>
 </file>
 
-<file path=ppt/slides/slide39.xml><?xml version="1.0" encoding="utf-8"?>
+<file path=ppt/slides/slide41.xml><?xml version="1.0" encoding="utf-8"?>
 <p:sld xmlns:a="http://schemas.openxmlformats.org/drawingml/2006/main" xmlns:r="http://schemas.openxmlformats.org/officeDocument/2006/relationships" xmlns:p="http://schemas.openxmlformats.org/presentationml/2006/main">
   <p:cSld>
     <p:spTree>
@@ -21602,7 +22100,7 @@
             <a:pPr rtl="0"/>
             <a:fld id="{F24FFC25-0C05-49C8-B150-3CF6B89B5C55}" type="datetime1">
               <a:rPr lang="zh-CN" altLang="en-US" smtClean="0"/>
-              <a:t>2020/4/30</a:t>
+              <a:t>2020/5/4</a:t>
             </a:fld>
             <a:endParaRPr lang="en-US" dirty="0"/>
           </a:p>
@@ -21621,185 +22119,7 @@
 </p:sld>
 </file>
 
-<file path=ppt/slides/slide4.xml><?xml version="1.0" encoding="utf-8"?>
-<p:sld xmlns:a="http://schemas.openxmlformats.org/drawingml/2006/main" xmlns:r="http://schemas.openxmlformats.org/officeDocument/2006/relationships" xmlns:p="http://schemas.openxmlformats.org/presentationml/2006/main">
-  <p:cSld>
-    <p:spTree>
-      <p:nvGrpSpPr>
-        <p:cNvPr id="1" name=""/>
-        <p:cNvGrpSpPr/>
-        <p:nvPr/>
-      </p:nvGrpSpPr>
-      <p:grpSpPr>
-        <a:xfrm>
-          <a:off x="0" y="0"/>
-          <a:ext cx="0" cy="0"/>
-          <a:chOff x="0" y="0"/>
-          <a:chExt cx="0" cy="0"/>
-        </a:xfrm>
-      </p:grpSpPr>
-      <p:sp>
-        <p:nvSpPr>
-          <p:cNvPr id="2" name="标题 1">
-            <a:extLst>
-              <a:ext uri="{FF2B5EF4-FFF2-40B4-BE49-F238E27FC236}">
-                <a16:creationId xmlns:a16="http://schemas.microsoft.com/office/drawing/2014/main" id="{C7C82C41-CCD0-412D-BE86-3FF36C3FFCC6}"/>
-              </a:ext>
-            </a:extLst>
-          </p:cNvPr>
-          <p:cNvSpPr>
-            <a:spLocks noGrp="1"/>
-          </p:cNvSpPr>
-          <p:nvPr>
-            <p:ph type="title"/>
-          </p:nvPr>
-        </p:nvSpPr>
-        <p:spPr/>
-        <p:txBody>
-          <a:bodyPr/>
-          <a:lstStyle/>
-          <a:p>
-            <a:r>
-              <a:rPr lang="zh-CN" altLang="en-US" dirty="0"/>
-              <a:t>什么是 </a:t>
-            </a:r>
-            <a:r>
-              <a:rPr lang="en-US" altLang="zh-CN" dirty="0"/>
-              <a:t>Service mesh</a:t>
-            </a:r>
-            <a:br>
-              <a:rPr lang="en-US" altLang="zh-CN" dirty="0"/>
-            </a:br>
-            <a:endParaRPr lang="zh-CN" altLang="en-US" dirty="0"/>
-          </a:p>
-        </p:txBody>
-      </p:sp>
-      <p:sp>
-        <p:nvSpPr>
-          <p:cNvPr id="3" name="内容占位符 2">
-            <a:extLst>
-              <a:ext uri="{FF2B5EF4-FFF2-40B4-BE49-F238E27FC236}">
-                <a16:creationId xmlns:a16="http://schemas.microsoft.com/office/drawing/2014/main" id="{F2ECCEAD-15FB-40EB-9CCA-255E6003336F}"/>
-              </a:ext>
-            </a:extLst>
-          </p:cNvPr>
-          <p:cNvSpPr>
-            <a:spLocks noGrp="1"/>
-          </p:cNvSpPr>
-          <p:nvPr>
-            <p:ph idx="1"/>
-          </p:nvPr>
-        </p:nvSpPr>
-        <p:spPr/>
-        <p:txBody>
-          <a:bodyPr/>
-          <a:lstStyle/>
-          <a:p>
-            <a:r>
-              <a:rPr lang="en-US" altLang="zh-CN" b="1" dirty="0"/>
-              <a:t>William Morgan</a:t>
-            </a:r>
-            <a:r>
-              <a:rPr lang="zh-CN" altLang="en-US" b="1" dirty="0"/>
-              <a:t>在</a:t>
-            </a:r>
-            <a:r>
-              <a:rPr lang="en-US" altLang="zh-CN" b="1" dirty="0">
-                <a:hlinkClick r:id="rId2"/>
-              </a:rPr>
-              <a:t>What’s a service mesh? And why do I need one?</a:t>
-            </a:r>
-            <a:r>
-              <a:rPr lang="en-US" altLang="zh-CN" b="1" dirty="0"/>
-              <a:t> </a:t>
-            </a:r>
-            <a:r>
-              <a:rPr lang="zh-CN" altLang="en-US" b="1" dirty="0"/>
-              <a:t>中是如何诠释什么是 </a:t>
-            </a:r>
-            <a:r>
-              <a:rPr lang="en-US" altLang="zh-CN" b="1" dirty="0"/>
-              <a:t>Service Mesh:</a:t>
-            </a:r>
-          </a:p>
-          <a:p>
-            <a:r>
-              <a:rPr lang="en-US" altLang="zh-CN" i="1" dirty="0"/>
-              <a:t>A service mesh is a dedicated infrastructure layer for handling service-to-service communication. It’s responsible for the reliable delivery of requests through the complex topology of services that comprise a modern, cloud native application. In practice, the service mesh is typically implemented as an array of lightweight network proxies that are deployed alongside application code, without the application needing to be aware.</a:t>
-            </a:r>
-          </a:p>
-          <a:p>
-            <a:r>
-              <a:rPr lang="en-US" altLang="zh-CN" dirty="0"/>
-              <a:t>Service Mesh </a:t>
-            </a:r>
-            <a:r>
-              <a:rPr lang="zh-CN" altLang="en-US" dirty="0"/>
-              <a:t>这个服务网络专注于处理服务和服务间的通讯。其主要负责构造一个稳定可靠的服务通讯的基础设施，并让整个架构更为的先进和 </a:t>
-            </a:r>
-            <a:r>
-              <a:rPr lang="en-US" altLang="zh-CN" dirty="0"/>
-              <a:t>Cloud Native</a:t>
-            </a:r>
-            <a:r>
-              <a:rPr lang="zh-CN" altLang="en-US" dirty="0"/>
-              <a:t>。在工程中，</a:t>
-            </a:r>
-            <a:r>
-              <a:rPr lang="en-US" altLang="zh-CN" dirty="0"/>
-              <a:t>Service Mesh </a:t>
-            </a:r>
-            <a:r>
-              <a:rPr lang="zh-CN" altLang="en-US" dirty="0"/>
-              <a:t>基本来说是一组轻量级的与应用逻辑服务部署在一起的服务代理，并且对于应用服务是透明的。</a:t>
-            </a:r>
-          </a:p>
-        </p:txBody>
-      </p:sp>
-      <p:sp>
-        <p:nvSpPr>
-          <p:cNvPr id="4" name="日期占位符 3">
-            <a:extLst>
-              <a:ext uri="{FF2B5EF4-FFF2-40B4-BE49-F238E27FC236}">
-                <a16:creationId xmlns:a16="http://schemas.microsoft.com/office/drawing/2014/main" id="{4DAC451D-03DE-4FC9-8EA0-D69BBD45C470}"/>
-              </a:ext>
-            </a:extLst>
-          </p:cNvPr>
-          <p:cNvSpPr>
-            <a:spLocks noGrp="1"/>
-          </p:cNvSpPr>
-          <p:nvPr>
-            <p:ph type="dt" sz="half" idx="10"/>
-          </p:nvPr>
-        </p:nvSpPr>
-        <p:spPr/>
-        <p:txBody>
-          <a:bodyPr/>
-          <a:lstStyle/>
-          <a:p>
-            <a:pPr rtl="0"/>
-            <a:fld id="{F24FFC25-0C05-49C8-B150-3CF6B89B5C55}" type="datetime1">
-              <a:rPr lang="zh-CN" altLang="en-US" smtClean="0"/>
-              <a:t>2020/4/30</a:t>
-            </a:fld>
-            <a:endParaRPr lang="en-US" dirty="0"/>
-          </a:p>
-        </p:txBody>
-      </p:sp>
-    </p:spTree>
-    <p:extLst>
-      <p:ext uri="{BB962C8B-B14F-4D97-AF65-F5344CB8AC3E}">
-        <p14:creationId xmlns:p14="http://schemas.microsoft.com/office/powerpoint/2010/main" val="2770081583"/>
-      </p:ext>
-    </p:extLst>
-  </p:cSld>
-  <p:clrMapOvr>
-    <a:masterClrMapping/>
-  </p:clrMapOvr>
-</p:sld>
-</file>
-
-<file path=ppt/slides/slide40.xml><?xml version="1.0" encoding="utf-8"?>
+<file path=ppt/slides/slide42.xml><?xml version="1.0" encoding="utf-8"?>
 <p:sld xmlns:a="http://schemas.openxmlformats.org/drawingml/2006/main" xmlns:r="http://schemas.openxmlformats.org/officeDocument/2006/relationships" xmlns:p="http://schemas.openxmlformats.org/presentationml/2006/main">
   <p:cSld>
     <p:spTree>
@@ -23104,7 +23424,7 @@
             <a:pPr rtl="0"/>
             <a:fld id="{F24FFC25-0C05-49C8-B150-3CF6B89B5C55}" type="datetime1">
               <a:rPr lang="zh-CN" altLang="en-US" smtClean="0"/>
-              <a:t>2020/4/30</a:t>
+              <a:t>2020/5/4</a:t>
             </a:fld>
             <a:endParaRPr lang="en-US" dirty="0"/>
           </a:p>
@@ -23123,7 +23443,7 @@
 </p:sld>
 </file>
 
-<file path=ppt/slides/slide41.xml><?xml version="1.0" encoding="utf-8"?>
+<file path=ppt/slides/slide43.xml><?xml version="1.0" encoding="utf-8"?>
 <p:sld xmlns:a="http://schemas.openxmlformats.org/drawingml/2006/main" xmlns:r="http://schemas.openxmlformats.org/officeDocument/2006/relationships" xmlns:p="http://schemas.openxmlformats.org/presentationml/2006/main">
   <p:cSld>
     <p:spTree>
@@ -23221,7 +23541,7 @@
             <a:pPr rtl="0"/>
             <a:fld id="{F24FFC25-0C05-49C8-B150-3CF6B89B5C55}" type="datetime1">
               <a:rPr lang="zh-CN" altLang="en-US" smtClean="0"/>
-              <a:t>2020/4/30</a:t>
+              <a:t>2020/5/4</a:t>
             </a:fld>
             <a:endParaRPr lang="en-US" dirty="0"/>
           </a:p>
@@ -23240,7 +23560,7 @@
 </p:sld>
 </file>
 
-<file path=ppt/slides/slide42.xml><?xml version="1.0" encoding="utf-8"?>
+<file path=ppt/slides/slide44.xml><?xml version="1.0" encoding="utf-8"?>
 <p:sld xmlns:a="http://schemas.openxmlformats.org/drawingml/2006/main" xmlns:r="http://schemas.openxmlformats.org/officeDocument/2006/relationships" xmlns:p="http://schemas.openxmlformats.org/presentationml/2006/main">
   <p:cSld>
     <p:spTree>
@@ -23497,7 +23817,7 @@
             <a:pPr rtl="0"/>
             <a:fld id="{F24FFC25-0C05-49C8-B150-3CF6B89B5C55}" type="datetime1">
               <a:rPr lang="zh-CN" altLang="en-US" smtClean="0"/>
-              <a:t>2020/4/30</a:t>
+              <a:t>2020/5/4</a:t>
             </a:fld>
             <a:endParaRPr lang="en-US" dirty="0"/>
           </a:p>
@@ -23516,7 +23836,7 @@
 </p:sld>
 </file>
 
-<file path=ppt/slides/slide43.xml><?xml version="1.0" encoding="utf-8"?>
+<file path=ppt/slides/slide45.xml><?xml version="1.0" encoding="utf-8"?>
 <p:sld xmlns:a="http://schemas.openxmlformats.org/drawingml/2006/main" xmlns:r="http://schemas.openxmlformats.org/officeDocument/2006/relationships" xmlns:p="http://schemas.openxmlformats.org/presentationml/2006/main">
   <p:cSld>
     <p:spTree>
@@ -24028,7 +24348,7 @@
             <a:pPr rtl="0"/>
             <a:fld id="{F24FFC25-0C05-49C8-B150-3CF6B89B5C55}" type="datetime1">
               <a:rPr lang="zh-CN" altLang="en-US" smtClean="0"/>
-              <a:t>2020/4/30</a:t>
+              <a:t>2020/5/4</a:t>
             </a:fld>
             <a:endParaRPr lang="en-US" dirty="0"/>
           </a:p>
@@ -24077,7 +24397,7 @@
 </p:sld>
 </file>
 
-<file path=ppt/slides/slide44.xml><?xml version="1.0" encoding="utf-8"?>
+<file path=ppt/slides/slide46.xml><?xml version="1.0" encoding="utf-8"?>
 <p:sld xmlns:a="http://schemas.openxmlformats.org/drawingml/2006/main" xmlns:r="http://schemas.openxmlformats.org/officeDocument/2006/relationships" xmlns:p="http://schemas.openxmlformats.org/presentationml/2006/main">
   <p:cSld>
     <p:spTree>
@@ -24460,7 +24780,7 @@
             <a:pPr rtl="0"/>
             <a:fld id="{F24FFC25-0C05-49C8-B150-3CF6B89B5C55}" type="datetime1">
               <a:rPr lang="zh-CN" altLang="en-US" smtClean="0"/>
-              <a:t>2020/4/30</a:t>
+              <a:t>2020/5/4</a:t>
             </a:fld>
             <a:endParaRPr lang="en-US" dirty="0"/>
           </a:p>
@@ -24617,7 +24937,7 @@
             <a:pPr rtl="0"/>
             <a:fld id="{F24FFC25-0C05-49C8-B150-3CF6B89B5C55}" type="datetime1">
               <a:rPr lang="zh-CN" altLang="en-US" smtClean="0"/>
-              <a:t>2020/4/30</a:t>
+              <a:t>2020/5/4</a:t>
             </a:fld>
             <a:endParaRPr lang="en-US" dirty="0"/>
           </a:p>
@@ -24884,7 +25204,7 @@
             <a:pPr rtl="0"/>
             <a:fld id="{F24FFC25-0C05-49C8-B150-3CF6B89B5C55}" type="datetime1">
               <a:rPr lang="zh-CN" altLang="en-US" smtClean="0"/>
-              <a:t>2020/4/30</a:t>
+              <a:t>2020/5/4</a:t>
             </a:fld>
             <a:endParaRPr lang="en-US" dirty="0"/>
           </a:p>
@@ -25869,7 +26189,7 @@
             <a:pPr rtl="0"/>
             <a:fld id="{F24FFC25-0C05-49C8-B150-3CF6B89B5C55}" type="datetime1">
               <a:rPr lang="zh-CN" altLang="en-US" smtClean="0"/>
-              <a:t>2020/4/30</a:t>
+              <a:t>2020/5/4</a:t>
             </a:fld>
             <a:endParaRPr lang="en-US" dirty="0"/>
           </a:p>
@@ -26128,7 +26448,7 @@
             <a:pPr rtl="0"/>
             <a:fld id="{F24FFC25-0C05-49C8-B150-3CF6B89B5C55}" type="datetime1">
               <a:rPr lang="zh-CN" altLang="en-US" smtClean="0"/>
-              <a:t>2020/4/30</a:t>
+              <a:t>2020/5/4</a:t>
             </a:fld>
             <a:endParaRPr lang="en-US" dirty="0"/>
           </a:p>
@@ -27184,7 +27504,7 @@
             </a:r>
             <a:r>
               <a:rPr lang="zh-CN" altLang="en-US" dirty="0"/>
-              <a:t>功能简单，大部分通过第三实现</a:t>
+              <a:t>功能简单，大部分通过第三方实现</a:t>
             </a:r>
             <a:r>
               <a:rPr lang="en-US" altLang="zh-CN" dirty="0"/>
@@ -27225,7 +27545,7 @@
             <a:pPr rtl="0"/>
             <a:fld id="{F24FFC25-0C05-49C8-B150-3CF6B89B5C55}" type="datetime1">
               <a:rPr lang="zh-CN" altLang="en-US" smtClean="0"/>
-              <a:t>2020/4/30</a:t>
+              <a:t>2020/5/4</a:t>
             </a:fld>
             <a:endParaRPr lang="en-US" dirty="0"/>
           </a:p>
